--- a/Presentation/Stage_1/stage_1_presentation.pptx
+++ b/Presentation/Stage_1/stage_1_presentation.pptx
@@ -5129,7 +5129,7 @@
                   <a:schemeClr val="tx1"/>
                 </a:solidFill>
               </a:rPr>
-              <a:t>Internal Guide </a:t>
+              <a:t>Internal Guide: </a:t>
             </a:r>
             <a:r>
               <a:rPr lang="en-IN" dirty="0">
@@ -10836,7 +10836,40 @@
           <a:bodyPr/>
           <a:lstStyle/>
           <a:p>
-            <a:endParaRPr lang="en-US"/>
+            <a:r>
+              <a:rPr lang="en-US" dirty="0"/>
+              <a:t>The data gathered had to be scraped off websites such as the Hubble Legacy archive and Hubble main website</a:t>
+            </a:r>
+          </a:p>
+          <a:p>
+            <a:r>
+              <a:rPr lang="en-US" dirty="0"/>
+              <a:t>This yielded in more images than were useful. So we focused on a particular section of the sky where we could get the images of galaxy M101</a:t>
+            </a:r>
+          </a:p>
+          <a:p>
+            <a:r>
+              <a:rPr lang="en-US" dirty="0"/>
+              <a:t>This still yielded in about 400,000 images which had to be manually filtered</a:t>
+            </a:r>
+          </a:p>
+          <a:p>
+            <a:r>
+              <a:rPr lang="en-US" dirty="0"/>
+              <a:t>Even with all the images available, the network training will require huge computational resources to perform efficiently</a:t>
+            </a:r>
+          </a:p>
+          <a:p>
+            <a:r>
+              <a:rPr lang="en-US" dirty="0"/>
+              <a:t>The network parameters exceed the available training data and will require augmentation to avoid overfitting </a:t>
+            </a:r>
+          </a:p>
+          <a:p>
+            <a:r>
+              <a:rPr lang="en-US" dirty="0"/>
+              <a:t>A quantitative evaluation of a GAN is considerably difficult even with the availability of the ground truth images</a:t>
+            </a:r>
           </a:p>
         </p:txBody>
       </p:sp>
@@ -12808,6 +12841,15 @@
 </file>
 
 <file path=customXml/item1.xml><?xml version="1.0" encoding="utf-8"?>
+<?mso-contentType ?>
+<FormTemplates xmlns="http://schemas.microsoft.com/sharepoint/v3/contenttype/forms">
+  <Display>DocumentLibraryForm</Display>
+  <Edit>AssetEditForm</Edit>
+  <New>DocumentLibraryForm</New>
+</FormTemplates>
+</file>
+
+<file path=customXml/item2.xml><?xml version="1.0" encoding="utf-8"?>
 <p:properties xmlns:p="http://schemas.microsoft.com/office/2006/metadata/properties" xmlns:xsi="http://www.w3.org/2001/XMLSchema-instance" xmlns:pc="http://schemas.microsoft.com/office/infopath/2007/PartnerControls">
   <documentManagement>
     <APDescription xmlns="4873beb7-5857-4685-be1f-d57550cc96cc" xsi:nil="true"/>
@@ -12931,15 +12973,6 @@
     <UANotes xmlns="4873beb7-5857-4685-be1f-d57550cc96cc" xsi:nil="true"/>
   </documentManagement>
 </p:properties>
-</file>
-
-<file path=customXml/item2.xml><?xml version="1.0" encoding="utf-8"?>
-<?mso-contentType ?>
-<FormTemplates xmlns="http://schemas.microsoft.com/sharepoint/v3/contenttype/forms">
-  <Display>DocumentLibraryForm</Display>
-  <Edit>AssetEditForm</Edit>
-  <New>DocumentLibraryForm</New>
-</FormTemplates>
 </file>
 
 <file path=customXml/item3.xml><?xml version="1.0" encoding="utf-8"?>
@@ -13983,6 +14016,14 @@
 </file>
 
 <file path=customXml/itemProps1.xml><?xml version="1.0" encoding="utf-8"?>
+<ds:datastoreItem xmlns:ds="http://schemas.openxmlformats.org/officeDocument/2006/customXml" ds:itemID="{561E720F-F05D-4536-9C34-0CFCED65D3B7}">
+  <ds:schemaRefs>
+    <ds:schemaRef ds:uri="http://schemas.microsoft.com/sharepoint/v3/contenttype/forms"/>
+  </ds:schemaRefs>
+</ds:datastoreItem>
+</file>
+
+<file path=customXml/itemProps2.xml><?xml version="1.0" encoding="utf-8"?>
 <ds:datastoreItem xmlns:ds="http://schemas.openxmlformats.org/officeDocument/2006/customXml" ds:itemID="{8CDDBB83-77C1-4099-A0AA-289882E745E2}">
   <ds:schemaRefs>
     <ds:schemaRef ds:uri="http://purl.org/dc/elements/1.1/"/>
@@ -13994,14 +14035,6 @@
     <ds:schemaRef ds:uri="http://schemas.microsoft.com/office/infopath/2007/PartnerControls"/>
     <ds:schemaRef ds:uri="http://www.w3.org/XML/1998/namespace"/>
     <ds:schemaRef ds:uri="http://purl.org/dc/dcmitype/"/>
-  </ds:schemaRefs>
-</ds:datastoreItem>
-</file>
-
-<file path=customXml/itemProps2.xml><?xml version="1.0" encoding="utf-8"?>
-<ds:datastoreItem xmlns:ds="http://schemas.openxmlformats.org/officeDocument/2006/customXml" ds:itemID="{561E720F-F05D-4536-9C34-0CFCED65D3B7}">
-  <ds:schemaRefs>
-    <ds:schemaRef ds:uri="http://schemas.microsoft.com/sharepoint/v3/contenttype/forms"/>
   </ds:schemaRefs>
 </ds:datastoreItem>
 </file>

--- a/Presentation/Stage_1/stage_1_presentation.pptx
+++ b/Presentation/Stage_1/stage_1_presentation.pptx
@@ -5,10 +5,10 @@
     <p:sldMasterId id="2147483648" r:id="rId4"/>
   </p:sldMasterIdLst>
   <p:notesMasterIdLst>
-    <p:notesMasterId r:id="rId39"/>
+    <p:notesMasterId r:id="rId42"/>
   </p:notesMasterIdLst>
   <p:handoutMasterIdLst>
-    <p:handoutMasterId r:id="rId40"/>
+    <p:handoutMasterId r:id="rId43"/>
   </p:handoutMasterIdLst>
   <p:sldIdLst>
     <p:sldId id="256" r:id="rId5"/>
@@ -44,7 +44,10 @@
     <p:sldId id="302" r:id="rId35"/>
     <p:sldId id="303" r:id="rId36"/>
     <p:sldId id="304" r:id="rId37"/>
-    <p:sldId id="268" r:id="rId38"/>
+    <p:sldId id="305" r:id="rId38"/>
+    <p:sldId id="306" r:id="rId39"/>
+    <p:sldId id="307" r:id="rId40"/>
+    <p:sldId id="268" r:id="rId41"/>
   </p:sldIdLst>
   <p:sldSz cx="12192000" cy="6858000"/>
   <p:notesSz cx="6858000" cy="9144000"/>
@@ -10927,6 +10930,1361 @@
 </file>
 
 <file path=ppt/slides/slide34.xml><?xml version="1.0" encoding="utf-8"?>
+<p:sld xmlns:a="http://schemas.openxmlformats.org/drawingml/2006/main" xmlns:r="http://schemas.openxmlformats.org/officeDocument/2006/relationships" xmlns:p="http://schemas.openxmlformats.org/presentationml/2006/main">
+  <p:cSld>
+    <p:spTree>
+      <p:nvGrpSpPr>
+        <p:cNvPr id="1" name=""/>
+        <p:cNvGrpSpPr/>
+        <p:nvPr/>
+      </p:nvGrpSpPr>
+      <p:grpSpPr>
+        <a:xfrm>
+          <a:off x="0" y="0"/>
+          <a:ext cx="0" cy="0"/>
+          <a:chOff x="0" y="0"/>
+          <a:chExt cx="0" cy="0"/>
+        </a:xfrm>
+      </p:grpSpPr>
+      <p:sp>
+        <p:nvSpPr>
+          <p:cNvPr id="2" name="Title 1">
+            <a:extLst>
+              <a:ext uri="{FF2B5EF4-FFF2-40B4-BE49-F238E27FC236}">
+                <a16:creationId xmlns:a16="http://schemas.microsoft.com/office/drawing/2014/main" id="{1B088865-DEAE-4612-97AF-B61F6AF552E8}"/>
+              </a:ext>
+            </a:extLst>
+          </p:cNvPr>
+          <p:cNvSpPr>
+            <a:spLocks noGrp="1"/>
+          </p:cNvSpPr>
+          <p:nvPr>
+            <p:ph type="title"/>
+          </p:nvPr>
+        </p:nvSpPr>
+        <p:spPr/>
+        <p:txBody>
+          <a:bodyPr/>
+          <a:lstStyle/>
+          <a:p>
+            <a:r>
+              <a:rPr lang="en-US" dirty="0"/>
+              <a:t>References</a:t>
+            </a:r>
+          </a:p>
+        </p:txBody>
+      </p:sp>
+      <p:sp>
+        <p:nvSpPr>
+          <p:cNvPr id="3" name="Content Placeholder 2">
+            <a:extLst>
+              <a:ext uri="{FF2B5EF4-FFF2-40B4-BE49-F238E27FC236}">
+                <a16:creationId xmlns:a16="http://schemas.microsoft.com/office/drawing/2014/main" id="{EA8DEEA1-8858-40B0-9169-F753007ABA02}"/>
+              </a:ext>
+            </a:extLst>
+          </p:cNvPr>
+          <p:cNvSpPr>
+            <a:spLocks noGrp="1"/>
+          </p:cNvSpPr>
+          <p:nvPr>
+            <p:ph idx="1"/>
+          </p:nvPr>
+        </p:nvSpPr>
+        <p:spPr/>
+        <p:txBody>
+          <a:bodyPr>
+            <a:normAutofit/>
+          </a:bodyPr>
+          <a:lstStyle/>
+          <a:p>
+            <a:r>
+              <a:rPr lang="en-US" sz="1400" b="0" i="0" u="none" strike="noStrike" baseline="0" dirty="0">
+                <a:latin typeface="Times New Roman" panose="02020603050405020304" pitchFamily="18" charset="0"/>
+                <a:cs typeface="Times New Roman" panose="02020603050405020304" pitchFamily="18" charset="0"/>
+              </a:rPr>
+              <a:t>Cheng, Z., Yang, Q. and Sheng, B. (2016). Deep colorization.</a:t>
+            </a:r>
+          </a:p>
+          <a:p>
+            <a:r>
+              <a:rPr lang="en-US" sz="1400" b="0" i="0" u="none" strike="noStrike" baseline="0" dirty="0">
+                <a:latin typeface="Times New Roman" panose="02020603050405020304" pitchFamily="18" charset="0"/>
+                <a:cs typeface="Times New Roman" panose="02020603050405020304" pitchFamily="18" charset="0"/>
+              </a:rPr>
+              <a:t>Dahl, R. (2016). Automatic colorization.</a:t>
+            </a:r>
+            <a:endParaRPr lang="en-US" sz="1400" dirty="0">
+              <a:latin typeface="Times New Roman" panose="02020603050405020304" pitchFamily="18" charset="0"/>
+              <a:cs typeface="Times New Roman" panose="02020603050405020304" pitchFamily="18" charset="0"/>
+            </a:endParaRPr>
+          </a:p>
+          <a:p>
+            <a:pPr algn="l"/>
+            <a:r>
+              <a:rPr lang="en-US" sz="1400" b="0" i="0" u="none" strike="noStrike" baseline="0" dirty="0">
+                <a:latin typeface="Times New Roman" panose="02020603050405020304" pitchFamily="18" charset="0"/>
+                <a:cs typeface="Times New Roman" panose="02020603050405020304" pitchFamily="18" charset="0"/>
+              </a:rPr>
+              <a:t>Dong, C., Loy, C. C., He, K. and Tang, X. (2014). Learning a deep convolutional network for image super-resolution, </a:t>
+            </a:r>
+            <a:r>
+              <a:rPr lang="en-US" sz="1400" b="0" i="1" u="none" strike="noStrike" baseline="0" dirty="0">
+                <a:latin typeface="Times New Roman" panose="02020603050405020304" pitchFamily="18" charset="0"/>
+                <a:cs typeface="Times New Roman" panose="02020603050405020304" pitchFamily="18" charset="0"/>
+              </a:rPr>
+              <a:t>in</a:t>
+            </a:r>
+            <a:r>
+              <a:rPr lang="en-US" sz="1400" b="0" i="0" u="none" strike="noStrike" baseline="0" dirty="0">
+                <a:latin typeface="Times New Roman" panose="02020603050405020304" pitchFamily="18" charset="0"/>
+                <a:cs typeface="Times New Roman" panose="02020603050405020304" pitchFamily="18" charset="0"/>
+              </a:rPr>
+              <a:t> D. Fleet, T. 	</a:t>
+            </a:r>
+            <a:r>
+              <a:rPr lang="en-US" sz="1400" b="0" i="0" u="none" strike="noStrike" baseline="0" dirty="0" err="1">
+                <a:latin typeface="Times New Roman" panose="02020603050405020304" pitchFamily="18" charset="0"/>
+                <a:cs typeface="Times New Roman" panose="02020603050405020304" pitchFamily="18" charset="0"/>
+              </a:rPr>
+              <a:t>Pajdla</a:t>
+            </a:r>
+            <a:r>
+              <a:rPr lang="en-US" sz="1400" b="0" i="0" u="none" strike="noStrike" baseline="0" dirty="0">
+                <a:latin typeface="Times New Roman" panose="02020603050405020304" pitchFamily="18" charset="0"/>
+                <a:cs typeface="Times New Roman" panose="02020603050405020304" pitchFamily="18" charset="0"/>
+              </a:rPr>
+              <a:t>, B. Schiele and T. </a:t>
+            </a:r>
+            <a:r>
+              <a:rPr lang="en-US" sz="1400" b="0" i="0" u="none" strike="noStrike" baseline="0" dirty="0" err="1">
+                <a:latin typeface="Times New Roman" panose="02020603050405020304" pitchFamily="18" charset="0"/>
+                <a:cs typeface="Times New Roman" panose="02020603050405020304" pitchFamily="18" charset="0"/>
+              </a:rPr>
+              <a:t>Tuytelaars</a:t>
+            </a:r>
+            <a:r>
+              <a:rPr lang="en-US" sz="1400" dirty="0">
+                <a:latin typeface="Times New Roman" panose="02020603050405020304" pitchFamily="18" charset="0"/>
+                <a:cs typeface="Times New Roman" panose="02020603050405020304" pitchFamily="18" charset="0"/>
+              </a:rPr>
+              <a:t> </a:t>
+            </a:r>
+            <a:r>
+              <a:rPr lang="en-US" sz="1400" b="0" i="0" u="none" strike="noStrike" baseline="0" dirty="0">
+                <a:latin typeface="Times New Roman" panose="02020603050405020304" pitchFamily="18" charset="0"/>
+                <a:cs typeface="Times New Roman" panose="02020603050405020304" pitchFamily="18" charset="0"/>
+              </a:rPr>
+              <a:t>(eds), </a:t>
+            </a:r>
+            <a:r>
+              <a:rPr lang="en-US" sz="1400" b="0" i="1" u="none" strike="noStrike" baseline="0" dirty="0">
+                <a:latin typeface="Times New Roman" panose="02020603050405020304" pitchFamily="18" charset="0"/>
+                <a:cs typeface="Times New Roman" panose="02020603050405020304" pitchFamily="18" charset="0"/>
+              </a:rPr>
+              <a:t>Computer Vision – ECCV 2014</a:t>
+            </a:r>
+            <a:r>
+              <a:rPr lang="en-US" sz="1400" b="0" i="0" u="none" strike="noStrike" baseline="0" dirty="0">
+                <a:latin typeface="Times New Roman" panose="02020603050405020304" pitchFamily="18" charset="0"/>
+                <a:cs typeface="Times New Roman" panose="02020603050405020304" pitchFamily="18" charset="0"/>
+              </a:rPr>
+              <a:t>, Springer International Publishing, </a:t>
+            </a:r>
+          </a:p>
+          <a:p>
+            <a:pPr marL="457200" lvl="1" indent="0">
+              <a:buNone/>
+            </a:pPr>
+            <a:r>
+              <a:rPr lang="en-US" sz="1400" dirty="0">
+                <a:latin typeface="Times New Roman" panose="02020603050405020304" pitchFamily="18" charset="0"/>
+                <a:cs typeface="Times New Roman" panose="02020603050405020304" pitchFamily="18" charset="0"/>
+              </a:rPr>
+              <a:t>	</a:t>
+            </a:r>
+            <a:r>
+              <a:rPr lang="en-US" sz="1400" b="0" i="0" u="none" strike="noStrike" baseline="0" dirty="0">
+                <a:latin typeface="Times New Roman" panose="02020603050405020304" pitchFamily="18" charset="0"/>
+                <a:cs typeface="Times New Roman" panose="02020603050405020304" pitchFamily="18" charset="0"/>
+              </a:rPr>
+              <a:t>Cham, pp. 184-199.</a:t>
+            </a:r>
+          </a:p>
+          <a:p>
+            <a:pPr algn="l"/>
+            <a:r>
+              <a:rPr lang="en-US" sz="1400" b="0" i="0" u="none" strike="noStrike" baseline="0" dirty="0">
+                <a:latin typeface="Times New Roman" panose="02020603050405020304" pitchFamily="18" charset="0"/>
+                <a:cs typeface="Times New Roman" panose="02020603050405020304" pitchFamily="18" charset="0"/>
+              </a:rPr>
+              <a:t>Goodfellow, I. J., </a:t>
+            </a:r>
+            <a:r>
+              <a:rPr lang="en-US" sz="1400" b="0" i="0" u="none" strike="noStrike" baseline="0" dirty="0" err="1">
+                <a:latin typeface="Times New Roman" panose="02020603050405020304" pitchFamily="18" charset="0"/>
+                <a:cs typeface="Times New Roman" panose="02020603050405020304" pitchFamily="18" charset="0"/>
+              </a:rPr>
+              <a:t>Pouget</a:t>
+            </a:r>
+            <a:r>
+              <a:rPr lang="en-US" sz="1400" b="0" i="0" u="none" strike="noStrike" baseline="0" dirty="0">
+                <a:latin typeface="Times New Roman" panose="02020603050405020304" pitchFamily="18" charset="0"/>
+                <a:cs typeface="Times New Roman" panose="02020603050405020304" pitchFamily="18" charset="0"/>
+              </a:rPr>
+              <a:t>-Abadie, J., Mirza, M., Xu, B., </a:t>
+            </a:r>
+            <a:r>
+              <a:rPr lang="en-US" sz="1400" b="0" i="0" u="none" strike="noStrike" baseline="0" dirty="0" err="1">
+                <a:latin typeface="Times New Roman" panose="02020603050405020304" pitchFamily="18" charset="0"/>
+                <a:cs typeface="Times New Roman" panose="02020603050405020304" pitchFamily="18" charset="0"/>
+              </a:rPr>
+              <a:t>Warde</a:t>
+            </a:r>
+            <a:r>
+              <a:rPr lang="en-US" sz="1400" b="0" i="0" u="none" strike="noStrike" baseline="0" dirty="0">
+                <a:latin typeface="Times New Roman" panose="02020603050405020304" pitchFamily="18" charset="0"/>
+                <a:cs typeface="Times New Roman" panose="02020603050405020304" pitchFamily="18" charset="0"/>
+              </a:rPr>
+              <a:t>-Farley, D., </a:t>
+            </a:r>
+            <a:r>
+              <a:rPr lang="en-US" sz="1400" b="0" i="0" u="none" strike="noStrike" baseline="0" dirty="0" err="1">
+                <a:latin typeface="Times New Roman" panose="02020603050405020304" pitchFamily="18" charset="0"/>
+                <a:cs typeface="Times New Roman" panose="02020603050405020304" pitchFamily="18" charset="0"/>
+              </a:rPr>
+              <a:t>Ozair</a:t>
+            </a:r>
+            <a:r>
+              <a:rPr lang="en-US" sz="1400" b="0" i="0" u="none" strike="noStrike" baseline="0" dirty="0">
+                <a:latin typeface="Times New Roman" panose="02020603050405020304" pitchFamily="18" charset="0"/>
+                <a:cs typeface="Times New Roman" panose="02020603050405020304" pitchFamily="18" charset="0"/>
+              </a:rPr>
+              <a:t>, S., Courville, A. and  </a:t>
+            </a:r>
+            <a:r>
+              <a:rPr lang="en-US" sz="1400" b="0" i="0" u="none" strike="noStrike" baseline="0" dirty="0" err="1">
+                <a:latin typeface="Times New Roman" panose="02020603050405020304" pitchFamily="18" charset="0"/>
+                <a:cs typeface="Times New Roman" panose="02020603050405020304" pitchFamily="18" charset="0"/>
+              </a:rPr>
+              <a:t>Bengio</a:t>
+            </a:r>
+            <a:r>
+              <a:rPr lang="en-US" sz="1400" b="0" i="0" u="none" strike="noStrike" baseline="0" dirty="0">
+                <a:latin typeface="Times New Roman" panose="02020603050405020304" pitchFamily="18" charset="0"/>
+                <a:cs typeface="Times New Roman" panose="02020603050405020304" pitchFamily="18" charset="0"/>
+              </a:rPr>
+              <a:t>, Y. (2014). </a:t>
+            </a:r>
+            <a:endParaRPr lang="en-US" sz="1400" dirty="0">
+              <a:latin typeface="Times New Roman" panose="02020603050405020304" pitchFamily="18" charset="0"/>
+              <a:cs typeface="Times New Roman" panose="02020603050405020304" pitchFamily="18" charset="0"/>
+            </a:endParaRPr>
+          </a:p>
+          <a:p>
+            <a:pPr marL="457200" lvl="1" indent="0">
+              <a:buNone/>
+            </a:pPr>
+            <a:r>
+              <a:rPr lang="en-US" sz="1400" b="0" i="0" u="none" strike="noStrike" baseline="0" dirty="0">
+                <a:latin typeface="Times New Roman" panose="02020603050405020304" pitchFamily="18" charset="0"/>
+                <a:cs typeface="Times New Roman" panose="02020603050405020304" pitchFamily="18" charset="0"/>
+              </a:rPr>
+              <a:t>	Generative adversarial networks.</a:t>
+            </a:r>
+          </a:p>
+          <a:p>
+            <a:pPr algn="l"/>
+            <a:r>
+              <a:rPr lang="en-US" sz="1400" b="0" i="0" u="none" strike="noStrike" baseline="0" dirty="0">
+                <a:latin typeface="Times New Roman" panose="02020603050405020304" pitchFamily="18" charset="0"/>
+                <a:cs typeface="Times New Roman" panose="02020603050405020304" pitchFamily="18" charset="0"/>
+              </a:rPr>
+              <a:t>He, K., Zhang, X., Ren, S. and Sun, J. (2015). Deep residual learning for image recognition.</a:t>
+            </a:r>
+          </a:p>
+          <a:p>
+            <a:pPr algn="l"/>
+            <a:r>
+              <a:rPr lang="de-DE" sz="1400" b="0" i="0" u="none" strike="noStrike" baseline="0" dirty="0">
+                <a:latin typeface="Times New Roman" panose="02020603050405020304" pitchFamily="18" charset="0"/>
+                <a:cs typeface="Times New Roman" panose="02020603050405020304" pitchFamily="18" charset="0"/>
+              </a:rPr>
+              <a:t>Huang, Y.-C., Tung, Y.-S., Chen, J.-C., Wang, S.-W. and Wu, J.-L. (2005). An </a:t>
+            </a:r>
+            <a:r>
+              <a:rPr lang="en-US" sz="1400" b="0" i="0" u="none" strike="noStrike" baseline="0" dirty="0">
+                <a:latin typeface="Times New Roman" panose="02020603050405020304" pitchFamily="18" charset="0"/>
+                <a:cs typeface="Times New Roman" panose="02020603050405020304" pitchFamily="18" charset="0"/>
+              </a:rPr>
+              <a:t>adaptive edge detection based colorization algorithm and 	its applications, pp. 351–354.</a:t>
+            </a:r>
+          </a:p>
+          <a:p>
+            <a:pPr algn="l"/>
+            <a:r>
+              <a:rPr lang="en-US" sz="1400" b="0" i="0" u="none" strike="noStrike" baseline="0" dirty="0">
+                <a:latin typeface="Times New Roman" panose="02020603050405020304" pitchFamily="18" charset="0"/>
+                <a:cs typeface="Times New Roman" panose="02020603050405020304" pitchFamily="18" charset="0"/>
+              </a:rPr>
+              <a:t>Isola, P., Zhu, J.-Y., Zhou, T. and </a:t>
+            </a:r>
+            <a:r>
+              <a:rPr lang="en-US" sz="1400" b="0" i="0" u="none" strike="noStrike" baseline="0" dirty="0" err="1">
+                <a:latin typeface="Times New Roman" panose="02020603050405020304" pitchFamily="18" charset="0"/>
+                <a:cs typeface="Times New Roman" panose="02020603050405020304" pitchFamily="18" charset="0"/>
+              </a:rPr>
+              <a:t>Efros</a:t>
+            </a:r>
+            <a:r>
+              <a:rPr lang="en-US" sz="1400" b="0" i="0" u="none" strike="noStrike" baseline="0" dirty="0">
+                <a:latin typeface="Times New Roman" panose="02020603050405020304" pitchFamily="18" charset="0"/>
+                <a:cs typeface="Times New Roman" panose="02020603050405020304" pitchFamily="18" charset="0"/>
+              </a:rPr>
+              <a:t>, A. A. (2018). Image-to-image translation with conditional adversarial networks.</a:t>
+            </a:r>
+          </a:p>
+          <a:p>
+            <a:pPr algn="l"/>
+            <a:r>
+              <a:rPr lang="en-US" sz="1400" b="0" i="0" u="none" strike="noStrike" baseline="0" dirty="0" err="1">
+                <a:latin typeface="Times New Roman" panose="02020603050405020304" pitchFamily="18" charset="0"/>
+                <a:cs typeface="Times New Roman" panose="02020603050405020304" pitchFamily="18" charset="0"/>
+              </a:rPr>
+              <a:t>Jianchao</a:t>
+            </a:r>
+            <a:r>
+              <a:rPr lang="en-US" sz="1400" b="0" i="0" u="none" strike="noStrike" baseline="0" dirty="0">
+                <a:latin typeface="Times New Roman" panose="02020603050405020304" pitchFamily="18" charset="0"/>
+                <a:cs typeface="Times New Roman" panose="02020603050405020304" pitchFamily="18" charset="0"/>
+              </a:rPr>
+              <a:t> Yang, Wright, J., Huang, T. and Yi Ma (2008). Image super-resolution as sparse representation of raw image patches, </a:t>
+            </a:r>
+          </a:p>
+          <a:p>
+            <a:pPr marL="457200" lvl="1" indent="0">
+              <a:buNone/>
+            </a:pPr>
+            <a:r>
+              <a:rPr lang="en-US" sz="1400" b="0" i="1" u="none" strike="noStrike" baseline="0" dirty="0">
+                <a:latin typeface="Times New Roman" panose="02020603050405020304" pitchFamily="18" charset="0"/>
+                <a:cs typeface="Times New Roman" panose="02020603050405020304" pitchFamily="18" charset="0"/>
+              </a:rPr>
+              <a:t>	2008 IEEE Conference on Computer Vision and Pattern Recognition</a:t>
+            </a:r>
+            <a:r>
+              <a:rPr lang="en-US" sz="1400" b="0" i="0" u="none" strike="noStrike" baseline="0" dirty="0">
+                <a:latin typeface="Times New Roman" panose="02020603050405020304" pitchFamily="18" charset="0"/>
+                <a:cs typeface="Times New Roman" panose="02020603050405020304" pitchFamily="18" charset="0"/>
+              </a:rPr>
+              <a:t>, pp. 1–8.</a:t>
+            </a:r>
+          </a:p>
+        </p:txBody>
+      </p:sp>
+      <p:sp>
+        <p:nvSpPr>
+          <p:cNvPr id="4" name="Footer Placeholder 3">
+            <a:extLst>
+              <a:ext uri="{FF2B5EF4-FFF2-40B4-BE49-F238E27FC236}">
+                <a16:creationId xmlns:a16="http://schemas.microsoft.com/office/drawing/2014/main" id="{90CF10EA-242A-4F9F-97DC-68619990925C}"/>
+              </a:ext>
+            </a:extLst>
+          </p:cNvPr>
+          <p:cNvSpPr>
+            <a:spLocks noGrp="1"/>
+          </p:cNvSpPr>
+          <p:nvPr>
+            <p:ph type="ftr" sz="quarter" idx="11"/>
+          </p:nvPr>
+        </p:nvSpPr>
+        <p:spPr/>
+        <p:txBody>
+          <a:bodyPr/>
+          <a:lstStyle/>
+          <a:p>
+            <a:r>
+              <a:rPr lang="en-IN"/>
+              <a:t>Title of the Course</a:t>
+            </a:r>
+          </a:p>
+        </p:txBody>
+      </p:sp>
+    </p:spTree>
+    <p:extLst>
+      <p:ext uri="{BB962C8B-B14F-4D97-AF65-F5344CB8AC3E}">
+        <p14:creationId xmlns:p14="http://schemas.microsoft.com/office/powerpoint/2010/main" val="3190111597"/>
+      </p:ext>
+    </p:extLst>
+  </p:cSld>
+  <p:clrMapOvr>
+    <a:masterClrMapping/>
+  </p:clrMapOvr>
+  <mc:AlternateContent xmlns:mc="http://schemas.openxmlformats.org/markup-compatibility/2006" xmlns:p14="http://schemas.microsoft.com/office/powerpoint/2010/main">
+    <mc:Choice Requires="p14">
+      <p:transition spd="med" p14:dur="700">
+        <p:fade/>
+      </p:transition>
+    </mc:Choice>
+    <mc:Fallback xmlns="">
+      <p:transition spd="med">
+        <p:fade/>
+      </p:transition>
+    </mc:Fallback>
+  </mc:AlternateContent>
+</p:sld>
+</file>
+
+<file path=ppt/slides/slide35.xml><?xml version="1.0" encoding="utf-8"?>
+<p:sld xmlns:a="http://schemas.openxmlformats.org/drawingml/2006/main" xmlns:r="http://schemas.openxmlformats.org/officeDocument/2006/relationships" xmlns:p="http://schemas.openxmlformats.org/presentationml/2006/main">
+  <p:cSld>
+    <p:spTree>
+      <p:nvGrpSpPr>
+        <p:cNvPr id="1" name=""/>
+        <p:cNvGrpSpPr/>
+        <p:nvPr/>
+      </p:nvGrpSpPr>
+      <p:grpSpPr>
+        <a:xfrm>
+          <a:off x="0" y="0"/>
+          <a:ext cx="0" cy="0"/>
+          <a:chOff x="0" y="0"/>
+          <a:chExt cx="0" cy="0"/>
+        </a:xfrm>
+      </p:grpSpPr>
+      <p:sp>
+        <p:nvSpPr>
+          <p:cNvPr id="2" name="Title 1">
+            <a:extLst>
+              <a:ext uri="{FF2B5EF4-FFF2-40B4-BE49-F238E27FC236}">
+                <a16:creationId xmlns:a16="http://schemas.microsoft.com/office/drawing/2014/main" id="{60013DAE-EE1B-473B-B3B6-648540F8F0E6}"/>
+              </a:ext>
+            </a:extLst>
+          </p:cNvPr>
+          <p:cNvSpPr>
+            <a:spLocks noGrp="1"/>
+          </p:cNvSpPr>
+          <p:nvPr>
+            <p:ph type="title"/>
+          </p:nvPr>
+        </p:nvSpPr>
+        <p:spPr/>
+        <p:txBody>
+          <a:bodyPr/>
+          <a:lstStyle/>
+          <a:p>
+            <a:r>
+              <a:rPr lang="en-US" dirty="0"/>
+              <a:t>References</a:t>
+            </a:r>
+          </a:p>
+        </p:txBody>
+      </p:sp>
+      <p:sp>
+        <p:nvSpPr>
+          <p:cNvPr id="3" name="Content Placeholder 2">
+            <a:extLst>
+              <a:ext uri="{FF2B5EF4-FFF2-40B4-BE49-F238E27FC236}">
+                <a16:creationId xmlns:a16="http://schemas.microsoft.com/office/drawing/2014/main" id="{6A2C8905-50B5-4EA0-8B9A-E1EE0EB58F40}"/>
+              </a:ext>
+            </a:extLst>
+          </p:cNvPr>
+          <p:cNvSpPr>
+            <a:spLocks noGrp="1"/>
+          </p:cNvSpPr>
+          <p:nvPr>
+            <p:ph idx="1"/>
+          </p:nvPr>
+        </p:nvSpPr>
+        <p:spPr/>
+        <p:txBody>
+          <a:bodyPr>
+            <a:normAutofit fontScale="92500" lnSpcReduction="20000"/>
+          </a:bodyPr>
+          <a:lstStyle/>
+          <a:p>
+            <a:pPr algn="l"/>
+            <a:r>
+              <a:rPr lang="en-US" sz="1400" b="0" i="0" u="none" strike="noStrike" baseline="0" dirty="0">
+                <a:latin typeface="Times New Roman" panose="02020603050405020304" pitchFamily="18" charset="0"/>
+                <a:cs typeface="Times New Roman" panose="02020603050405020304" pitchFamily="18" charset="0"/>
+              </a:rPr>
+              <a:t>Kim, J., Lee, J. K. and Lee, K. M. (2016). Accurate image super-resolution using very deep convolutional networks, </a:t>
+            </a:r>
+          </a:p>
+          <a:p>
+            <a:pPr marL="457200" lvl="1" indent="0">
+              <a:buNone/>
+            </a:pPr>
+            <a:r>
+              <a:rPr lang="en-US" sz="1500" b="0" i="1" u="none" strike="noStrike" baseline="0" dirty="0">
+                <a:latin typeface="Times New Roman" panose="02020603050405020304" pitchFamily="18" charset="0"/>
+                <a:cs typeface="Times New Roman" panose="02020603050405020304" pitchFamily="18" charset="0"/>
+              </a:rPr>
+              <a:t>	2016 IEEE Conference on Computer Vision and Pattern Recognition (CVPR), </a:t>
+            </a:r>
+            <a:r>
+              <a:rPr lang="en-US" sz="1500" b="0" i="0" u="none" strike="noStrike" baseline="0" dirty="0">
+                <a:latin typeface="Times New Roman" panose="02020603050405020304" pitchFamily="18" charset="0"/>
+                <a:cs typeface="Times New Roman" panose="02020603050405020304" pitchFamily="18" charset="0"/>
+              </a:rPr>
+              <a:t>pp. 1646–1654.</a:t>
+            </a:r>
+          </a:p>
+          <a:p>
+            <a:pPr algn="l"/>
+            <a:r>
+              <a:rPr lang="en-US" sz="1400" b="0" i="0" u="none" strike="noStrike" baseline="0" dirty="0" err="1">
+                <a:latin typeface="Times New Roman" panose="02020603050405020304" pitchFamily="18" charset="0"/>
+                <a:cs typeface="Times New Roman" panose="02020603050405020304" pitchFamily="18" charset="0"/>
+              </a:rPr>
+              <a:t>Ledig</a:t>
+            </a:r>
+            <a:r>
+              <a:rPr lang="en-US" sz="1400" b="0" i="0" u="none" strike="noStrike" baseline="0" dirty="0">
+                <a:latin typeface="Times New Roman" panose="02020603050405020304" pitchFamily="18" charset="0"/>
+                <a:cs typeface="Times New Roman" panose="02020603050405020304" pitchFamily="18" charset="0"/>
+              </a:rPr>
+              <a:t>, C., Theis, L., </a:t>
+            </a:r>
+            <a:r>
+              <a:rPr lang="en-US" sz="1400" b="0" i="0" u="none" strike="noStrike" baseline="0" dirty="0" err="1">
+                <a:latin typeface="Times New Roman" panose="02020603050405020304" pitchFamily="18" charset="0"/>
+                <a:cs typeface="Times New Roman" panose="02020603050405020304" pitchFamily="18" charset="0"/>
+              </a:rPr>
+              <a:t>Huszar</a:t>
+            </a:r>
+            <a:r>
+              <a:rPr lang="en-US" sz="1400" b="0" i="0" u="none" strike="noStrike" baseline="0" dirty="0">
+                <a:latin typeface="Times New Roman" panose="02020603050405020304" pitchFamily="18" charset="0"/>
+                <a:cs typeface="Times New Roman" panose="02020603050405020304" pitchFamily="18" charset="0"/>
+              </a:rPr>
+              <a:t>, F., Caballero, J., Cunningham, A., Acosta, A., Aitken, A., </a:t>
+            </a:r>
+            <a:r>
+              <a:rPr lang="en-US" sz="1400" b="0" i="0" u="none" strike="noStrike" baseline="0" dirty="0" err="1">
+                <a:latin typeface="Times New Roman" panose="02020603050405020304" pitchFamily="18" charset="0"/>
+                <a:cs typeface="Times New Roman" panose="02020603050405020304" pitchFamily="18" charset="0"/>
+              </a:rPr>
+              <a:t>Tejani</a:t>
+            </a:r>
+            <a:r>
+              <a:rPr lang="en-US" sz="1400" b="0" i="0" u="none" strike="noStrike" baseline="0" dirty="0">
+                <a:latin typeface="Times New Roman" panose="02020603050405020304" pitchFamily="18" charset="0"/>
+                <a:cs typeface="Times New Roman" panose="02020603050405020304" pitchFamily="18" charset="0"/>
+              </a:rPr>
+              <a:t>, A., </a:t>
+            </a:r>
+            <a:r>
+              <a:rPr lang="en-US" sz="1400" b="0" i="0" u="none" strike="noStrike" baseline="0" dirty="0" err="1">
+                <a:latin typeface="Times New Roman" panose="02020603050405020304" pitchFamily="18" charset="0"/>
+                <a:cs typeface="Times New Roman" panose="02020603050405020304" pitchFamily="18" charset="0"/>
+              </a:rPr>
+              <a:t>Totz</a:t>
+            </a:r>
+            <a:r>
+              <a:rPr lang="en-US" sz="1400" b="0" i="0" u="none" strike="noStrike" baseline="0" dirty="0">
+                <a:latin typeface="Times New Roman" panose="02020603050405020304" pitchFamily="18" charset="0"/>
+                <a:cs typeface="Times New Roman" panose="02020603050405020304" pitchFamily="18" charset="0"/>
+              </a:rPr>
+              <a:t>, J., Wang, Z. and Shi, W. (2017). </a:t>
+            </a:r>
+          </a:p>
+          <a:p>
+            <a:pPr marL="457200" lvl="1" indent="0">
+              <a:buNone/>
+            </a:pPr>
+            <a:r>
+              <a:rPr lang="en-US" sz="1500" b="0" i="0" u="none" strike="noStrike" baseline="0" dirty="0">
+                <a:latin typeface="Times New Roman" panose="02020603050405020304" pitchFamily="18" charset="0"/>
+                <a:cs typeface="Times New Roman" panose="02020603050405020304" pitchFamily="18" charset="0"/>
+              </a:rPr>
+              <a:t>	Photorealistic single image super-resolution using a generative adversarial network.</a:t>
+            </a:r>
+          </a:p>
+          <a:p>
+            <a:pPr algn="l"/>
+            <a:r>
+              <a:rPr lang="en-US" sz="1400" b="0" i="0" u="none" strike="noStrike" baseline="0" dirty="0">
+                <a:latin typeface="Times New Roman" panose="02020603050405020304" pitchFamily="18" charset="0"/>
+                <a:cs typeface="Times New Roman" panose="02020603050405020304" pitchFamily="18" charset="0"/>
+              </a:rPr>
+              <a:t>Levin, A., </a:t>
+            </a:r>
+            <a:r>
+              <a:rPr lang="en-US" sz="1400" b="0" i="0" u="none" strike="noStrike" baseline="0" dirty="0" err="1">
+                <a:latin typeface="Times New Roman" panose="02020603050405020304" pitchFamily="18" charset="0"/>
+                <a:cs typeface="Times New Roman" panose="02020603050405020304" pitchFamily="18" charset="0"/>
+              </a:rPr>
+              <a:t>Lischinski</a:t>
+            </a:r>
+            <a:r>
+              <a:rPr lang="en-US" sz="1400" b="0" i="0" u="none" strike="noStrike" baseline="0" dirty="0">
+                <a:latin typeface="Times New Roman" panose="02020603050405020304" pitchFamily="18" charset="0"/>
+                <a:cs typeface="Times New Roman" panose="02020603050405020304" pitchFamily="18" charset="0"/>
+              </a:rPr>
+              <a:t>, D. and Weiss, Y. (2004). Colorization using optimization, </a:t>
+            </a:r>
+            <a:r>
+              <a:rPr lang="sv-SE" sz="1400" b="0" i="1" u="none" strike="noStrike" baseline="0" dirty="0">
+                <a:latin typeface="Times New Roman" panose="02020603050405020304" pitchFamily="18" charset="0"/>
+                <a:cs typeface="Times New Roman" panose="02020603050405020304" pitchFamily="18" charset="0"/>
+              </a:rPr>
+              <a:t>ACM SIGGRAPH 2004 Papers</a:t>
+            </a:r>
+            <a:r>
+              <a:rPr lang="sv-SE" sz="1400" b="0" i="0" u="none" strike="noStrike" baseline="0" dirty="0">
+                <a:latin typeface="Times New Roman" panose="02020603050405020304" pitchFamily="18" charset="0"/>
+                <a:cs typeface="Times New Roman" panose="02020603050405020304" pitchFamily="18" charset="0"/>
+              </a:rPr>
+              <a:t>, pp. 689–694.</a:t>
+            </a:r>
+          </a:p>
+          <a:p>
+            <a:pPr algn="l"/>
+            <a:r>
+              <a:rPr lang="en-US" sz="1400" b="0" i="0" u="none" strike="noStrike" baseline="0" dirty="0">
+                <a:latin typeface="Times New Roman" panose="02020603050405020304" pitchFamily="18" charset="0"/>
+                <a:cs typeface="Times New Roman" panose="02020603050405020304" pitchFamily="18" charset="0"/>
+              </a:rPr>
+              <a:t>Long, J., </a:t>
+            </a:r>
+            <a:r>
+              <a:rPr lang="en-US" sz="1400" b="0" i="0" u="none" strike="noStrike" baseline="0" dirty="0" err="1">
+                <a:latin typeface="Times New Roman" panose="02020603050405020304" pitchFamily="18" charset="0"/>
+                <a:cs typeface="Times New Roman" panose="02020603050405020304" pitchFamily="18" charset="0"/>
+              </a:rPr>
+              <a:t>Shelhamer</a:t>
+            </a:r>
+            <a:r>
+              <a:rPr lang="en-US" sz="1400" b="0" i="0" u="none" strike="noStrike" baseline="0" dirty="0">
+                <a:latin typeface="Times New Roman" panose="02020603050405020304" pitchFamily="18" charset="0"/>
+                <a:cs typeface="Times New Roman" panose="02020603050405020304" pitchFamily="18" charset="0"/>
+              </a:rPr>
+              <a:t>, E. and Darrell, T. (2015). Fully convolutional networks for semantic segmentation, </a:t>
+            </a:r>
+          </a:p>
+          <a:p>
+            <a:pPr marL="457200" lvl="1" indent="0">
+              <a:buNone/>
+            </a:pPr>
+            <a:r>
+              <a:rPr lang="en-US" sz="1500" b="0" i="1" u="none" strike="noStrike" baseline="0" dirty="0">
+                <a:latin typeface="Times New Roman" panose="02020603050405020304" pitchFamily="18" charset="0"/>
+                <a:cs typeface="Times New Roman" panose="02020603050405020304" pitchFamily="18" charset="0"/>
+              </a:rPr>
+              <a:t>	2015 IEEE Conference on Computer Vision and Pattern Recognition (CVPR), </a:t>
+            </a:r>
+            <a:r>
+              <a:rPr lang="en-US" sz="1500" b="0" i="0" u="none" strike="noStrike" baseline="0" dirty="0">
+                <a:latin typeface="Times New Roman" panose="02020603050405020304" pitchFamily="18" charset="0"/>
+                <a:cs typeface="Times New Roman" panose="02020603050405020304" pitchFamily="18" charset="0"/>
+              </a:rPr>
+              <a:t>pp. 3431–3440</a:t>
+            </a:r>
+            <a:r>
+              <a:rPr lang="en-US" sz="1000" b="0" i="0" u="none" strike="noStrike" baseline="0" dirty="0">
+                <a:latin typeface="Times New Roman" panose="02020603050405020304" pitchFamily="18" charset="0"/>
+                <a:cs typeface="Times New Roman" panose="02020603050405020304" pitchFamily="18" charset="0"/>
+              </a:rPr>
+              <a:t>.</a:t>
+            </a:r>
+          </a:p>
+          <a:p>
+            <a:pPr algn="l"/>
+            <a:r>
+              <a:rPr lang="en-US" sz="1400" b="0" i="0" u="none" strike="noStrike" baseline="0" dirty="0">
+                <a:latin typeface="Times New Roman" panose="02020603050405020304" pitchFamily="18" charset="0"/>
+                <a:cs typeface="Times New Roman" panose="02020603050405020304" pitchFamily="18" charset="0"/>
+              </a:rPr>
+              <a:t>Mirza, M. and </a:t>
+            </a:r>
+            <a:r>
+              <a:rPr lang="en-US" sz="1400" b="0" i="0" u="none" strike="noStrike" baseline="0" dirty="0" err="1">
+                <a:latin typeface="Times New Roman" panose="02020603050405020304" pitchFamily="18" charset="0"/>
+                <a:cs typeface="Times New Roman" panose="02020603050405020304" pitchFamily="18" charset="0"/>
+              </a:rPr>
+              <a:t>Osindero</a:t>
+            </a:r>
+            <a:r>
+              <a:rPr lang="en-US" sz="1400" b="0" i="0" u="none" strike="noStrike" baseline="0" dirty="0">
+                <a:latin typeface="Times New Roman" panose="02020603050405020304" pitchFamily="18" charset="0"/>
+                <a:cs typeface="Times New Roman" panose="02020603050405020304" pitchFamily="18" charset="0"/>
+              </a:rPr>
+              <a:t>, S. (2014). Conditional generative adversarial nets.</a:t>
+            </a:r>
+            <a:endParaRPr lang="en-US" sz="1400" dirty="0">
+              <a:latin typeface="Times New Roman" panose="02020603050405020304" pitchFamily="18" charset="0"/>
+              <a:cs typeface="Times New Roman" panose="02020603050405020304" pitchFamily="18" charset="0"/>
+            </a:endParaRPr>
+          </a:p>
+          <a:p>
+            <a:pPr algn="l"/>
+            <a:r>
+              <a:rPr lang="en-US" sz="1400" b="0" i="0" u="none" strike="noStrike" baseline="0" dirty="0">
+                <a:latin typeface="Times New Roman" panose="02020603050405020304" pitchFamily="18" charset="0"/>
+                <a:cs typeface="Times New Roman" panose="02020603050405020304" pitchFamily="18" charset="0"/>
+              </a:rPr>
+              <a:t>Pressman, R. S. (1992). Software Engineering (3rd Ed.): A Practitioner’s Approach, McGraw-Hill, Inc., New York, NY, USA.</a:t>
+            </a:r>
+          </a:p>
+          <a:p>
+            <a:pPr algn="l"/>
+            <a:r>
+              <a:rPr lang="en-US" sz="1500" b="0" i="0" u="none" strike="noStrike" baseline="0" dirty="0">
+                <a:latin typeface="Times New Roman" panose="02020603050405020304" pitchFamily="18" charset="0"/>
+                <a:cs typeface="Times New Roman" panose="02020603050405020304" pitchFamily="18" charset="0"/>
+              </a:rPr>
+              <a:t>Qu, </a:t>
+            </a:r>
+            <a:r>
+              <a:rPr lang="en-US" sz="1500" b="0" i="0" u="none" strike="noStrike" baseline="0" dirty="0" err="1">
+                <a:latin typeface="Times New Roman" panose="02020603050405020304" pitchFamily="18" charset="0"/>
+                <a:cs typeface="Times New Roman" panose="02020603050405020304" pitchFamily="18" charset="0"/>
+              </a:rPr>
+              <a:t>Y.,Wong</a:t>
+            </a:r>
+            <a:r>
+              <a:rPr lang="en-US" sz="1500" b="0" i="0" u="none" strike="noStrike" baseline="0" dirty="0">
+                <a:latin typeface="Times New Roman" panose="02020603050405020304" pitchFamily="18" charset="0"/>
+                <a:cs typeface="Times New Roman" panose="02020603050405020304" pitchFamily="18" charset="0"/>
+              </a:rPr>
+              <a:t>, T.-T. and Heng, P.-A. (2006). Manga colorization, ACM Transactions on Graphics (TOG) 25(3): 1214–1220.</a:t>
+            </a:r>
+          </a:p>
+          <a:p>
+            <a:pPr algn="l"/>
+            <a:r>
+              <a:rPr lang="en-US" sz="1500" b="0" i="0" u="none" strike="noStrike" baseline="0" dirty="0">
+                <a:latin typeface="Times New Roman" panose="02020603050405020304" pitchFamily="18" charset="0"/>
+                <a:cs typeface="Times New Roman" panose="02020603050405020304" pitchFamily="18" charset="0"/>
+              </a:rPr>
+              <a:t>Radford, A., Metz, L. and </a:t>
+            </a:r>
+            <a:r>
+              <a:rPr lang="en-US" sz="1500" b="0" i="0" u="none" strike="noStrike" baseline="0" dirty="0" err="1">
+                <a:latin typeface="Times New Roman" panose="02020603050405020304" pitchFamily="18" charset="0"/>
+                <a:cs typeface="Times New Roman" panose="02020603050405020304" pitchFamily="18" charset="0"/>
+              </a:rPr>
+              <a:t>Chintala</a:t>
+            </a:r>
+            <a:r>
+              <a:rPr lang="en-US" sz="1500" b="0" i="0" u="none" strike="noStrike" baseline="0" dirty="0">
+                <a:latin typeface="Times New Roman" panose="02020603050405020304" pitchFamily="18" charset="0"/>
+                <a:cs typeface="Times New Roman" panose="02020603050405020304" pitchFamily="18" charset="0"/>
+              </a:rPr>
+              <a:t>, S. (2016). Unsupervised representation learning with deep convolutional generative adversarial 	networks.</a:t>
+            </a:r>
+          </a:p>
+          <a:p>
+            <a:pPr algn="l"/>
+            <a:r>
+              <a:rPr lang="en-US" sz="1500" b="0" i="0" u="none" strike="noStrike" baseline="0" dirty="0">
+                <a:latin typeface="Times New Roman" panose="02020603050405020304" pitchFamily="18" charset="0"/>
+                <a:cs typeface="Times New Roman" panose="02020603050405020304" pitchFamily="18" charset="0"/>
+              </a:rPr>
+              <a:t>Shi, W., Caballero, J., </a:t>
+            </a:r>
+            <a:r>
+              <a:rPr lang="en-US" sz="1500" b="0" i="0" u="none" strike="noStrike" baseline="0" dirty="0" err="1">
+                <a:latin typeface="Times New Roman" panose="02020603050405020304" pitchFamily="18" charset="0"/>
+                <a:cs typeface="Times New Roman" panose="02020603050405020304" pitchFamily="18" charset="0"/>
+              </a:rPr>
+              <a:t>Husz´ar</a:t>
+            </a:r>
+            <a:r>
+              <a:rPr lang="en-US" sz="1500" b="0" i="0" u="none" strike="noStrike" baseline="0" dirty="0">
+                <a:latin typeface="Times New Roman" panose="02020603050405020304" pitchFamily="18" charset="0"/>
+                <a:cs typeface="Times New Roman" panose="02020603050405020304" pitchFamily="18" charset="0"/>
+              </a:rPr>
+              <a:t>, F., </a:t>
+            </a:r>
+            <a:r>
+              <a:rPr lang="en-US" sz="1500" b="0" i="0" u="none" strike="noStrike" baseline="0" dirty="0" err="1">
+                <a:latin typeface="Times New Roman" panose="02020603050405020304" pitchFamily="18" charset="0"/>
+                <a:cs typeface="Times New Roman" panose="02020603050405020304" pitchFamily="18" charset="0"/>
+              </a:rPr>
+              <a:t>Totz</a:t>
+            </a:r>
+            <a:r>
+              <a:rPr lang="en-US" sz="1500" b="0" i="0" u="none" strike="noStrike" baseline="0" dirty="0">
+                <a:latin typeface="Times New Roman" panose="02020603050405020304" pitchFamily="18" charset="0"/>
+                <a:cs typeface="Times New Roman" panose="02020603050405020304" pitchFamily="18" charset="0"/>
+              </a:rPr>
+              <a:t>, J., Aitken, A. P., Bishop, R., </a:t>
+            </a:r>
+            <a:r>
+              <a:rPr lang="en-US" sz="1500" b="0" i="0" u="none" strike="noStrike" baseline="0" dirty="0" err="1">
+                <a:latin typeface="Times New Roman" panose="02020603050405020304" pitchFamily="18" charset="0"/>
+                <a:cs typeface="Times New Roman" panose="02020603050405020304" pitchFamily="18" charset="0"/>
+              </a:rPr>
+              <a:t>Rueckert</a:t>
+            </a:r>
+            <a:r>
+              <a:rPr lang="en-US" sz="1500" b="0" i="0" u="none" strike="noStrike" baseline="0" dirty="0">
+                <a:latin typeface="Times New Roman" panose="02020603050405020304" pitchFamily="18" charset="0"/>
+                <a:cs typeface="Times New Roman" panose="02020603050405020304" pitchFamily="18" charset="0"/>
+              </a:rPr>
+              <a:t>, D. and Wang, Z. (2016). </a:t>
+            </a:r>
+          </a:p>
+          <a:p>
+            <a:pPr marL="457200" lvl="1" indent="0">
+              <a:buNone/>
+            </a:pPr>
+            <a:r>
+              <a:rPr lang="en-US" sz="1500" b="0" i="0" u="none" strike="noStrike" baseline="0" dirty="0">
+                <a:latin typeface="Times New Roman" panose="02020603050405020304" pitchFamily="18" charset="0"/>
+                <a:cs typeface="Times New Roman" panose="02020603050405020304" pitchFamily="18" charset="0"/>
+              </a:rPr>
+              <a:t>	Real-time single image and video super-resolution using an efficient sub-pixel convolutional neural network, </a:t>
+            </a:r>
+          </a:p>
+          <a:p>
+            <a:pPr marL="457200" lvl="1" indent="0">
+              <a:buNone/>
+            </a:pPr>
+            <a:r>
+              <a:rPr lang="en-US" sz="1500" dirty="0">
+                <a:latin typeface="Times New Roman" panose="02020603050405020304" pitchFamily="18" charset="0"/>
+                <a:cs typeface="Times New Roman" panose="02020603050405020304" pitchFamily="18" charset="0"/>
+              </a:rPr>
+              <a:t>	</a:t>
+            </a:r>
+            <a:r>
+              <a:rPr lang="en-US" sz="1500" b="0" i="1" u="none" strike="noStrike" baseline="0" dirty="0">
+                <a:latin typeface="Times New Roman" panose="02020603050405020304" pitchFamily="18" charset="0"/>
+                <a:cs typeface="Times New Roman" panose="02020603050405020304" pitchFamily="18" charset="0"/>
+              </a:rPr>
+              <a:t>2016 IEEE Conference on Computer Vision and Pattern Recognition (CVPR),</a:t>
+            </a:r>
+            <a:r>
+              <a:rPr lang="en-US" sz="1500" b="0" i="0" u="none" strike="noStrike" baseline="0" dirty="0">
+                <a:latin typeface="Times New Roman" panose="02020603050405020304" pitchFamily="18" charset="0"/>
+                <a:cs typeface="Times New Roman" panose="02020603050405020304" pitchFamily="18" charset="0"/>
+              </a:rPr>
+              <a:t> pp. 1874–1883.</a:t>
+            </a:r>
+            <a:endParaRPr lang="en-US" sz="1500" dirty="0">
+              <a:latin typeface="Times New Roman" panose="02020603050405020304" pitchFamily="18" charset="0"/>
+              <a:cs typeface="Times New Roman" panose="02020603050405020304" pitchFamily="18" charset="0"/>
+            </a:endParaRPr>
+          </a:p>
+        </p:txBody>
+      </p:sp>
+      <p:sp>
+        <p:nvSpPr>
+          <p:cNvPr id="4" name="Footer Placeholder 3">
+            <a:extLst>
+              <a:ext uri="{FF2B5EF4-FFF2-40B4-BE49-F238E27FC236}">
+                <a16:creationId xmlns:a16="http://schemas.microsoft.com/office/drawing/2014/main" id="{478E4A7B-00AC-4117-8CCF-32F4EA319662}"/>
+              </a:ext>
+            </a:extLst>
+          </p:cNvPr>
+          <p:cNvSpPr>
+            <a:spLocks noGrp="1"/>
+          </p:cNvSpPr>
+          <p:nvPr>
+            <p:ph type="ftr" sz="quarter" idx="11"/>
+          </p:nvPr>
+        </p:nvSpPr>
+        <p:spPr/>
+        <p:txBody>
+          <a:bodyPr/>
+          <a:lstStyle/>
+          <a:p>
+            <a:r>
+              <a:rPr lang="en-IN"/>
+              <a:t>Title of the Course</a:t>
+            </a:r>
+          </a:p>
+        </p:txBody>
+      </p:sp>
+    </p:spTree>
+    <p:extLst>
+      <p:ext uri="{BB962C8B-B14F-4D97-AF65-F5344CB8AC3E}">
+        <p14:creationId xmlns:p14="http://schemas.microsoft.com/office/powerpoint/2010/main" val="604998426"/>
+      </p:ext>
+    </p:extLst>
+  </p:cSld>
+  <p:clrMapOvr>
+    <a:masterClrMapping/>
+  </p:clrMapOvr>
+  <mc:AlternateContent xmlns:mc="http://schemas.openxmlformats.org/markup-compatibility/2006" xmlns:p14="http://schemas.microsoft.com/office/powerpoint/2010/main">
+    <mc:Choice Requires="p14">
+      <p:transition spd="med" p14:dur="700">
+        <p:fade/>
+      </p:transition>
+    </mc:Choice>
+    <mc:Fallback xmlns="">
+      <p:transition spd="med">
+        <p:fade/>
+      </p:transition>
+    </mc:Fallback>
+  </mc:AlternateContent>
+</p:sld>
+</file>
+
+<file path=ppt/slides/slide36.xml><?xml version="1.0" encoding="utf-8"?>
+<p:sld xmlns:a="http://schemas.openxmlformats.org/drawingml/2006/main" xmlns:r="http://schemas.openxmlformats.org/officeDocument/2006/relationships" xmlns:p="http://schemas.openxmlformats.org/presentationml/2006/main">
+  <p:cSld>
+    <p:spTree>
+      <p:nvGrpSpPr>
+        <p:cNvPr id="1" name=""/>
+        <p:cNvGrpSpPr/>
+        <p:nvPr/>
+      </p:nvGrpSpPr>
+      <p:grpSpPr>
+        <a:xfrm>
+          <a:off x="0" y="0"/>
+          <a:ext cx="0" cy="0"/>
+          <a:chOff x="0" y="0"/>
+          <a:chExt cx="0" cy="0"/>
+        </a:xfrm>
+      </p:grpSpPr>
+      <p:sp>
+        <p:nvSpPr>
+          <p:cNvPr id="2" name="Title 1">
+            <a:extLst>
+              <a:ext uri="{FF2B5EF4-FFF2-40B4-BE49-F238E27FC236}">
+                <a16:creationId xmlns:a16="http://schemas.microsoft.com/office/drawing/2014/main" id="{9830E956-2FFC-48BF-8208-EB43E244E3AD}"/>
+              </a:ext>
+            </a:extLst>
+          </p:cNvPr>
+          <p:cNvSpPr>
+            <a:spLocks noGrp="1"/>
+          </p:cNvSpPr>
+          <p:nvPr>
+            <p:ph type="title"/>
+          </p:nvPr>
+        </p:nvSpPr>
+        <p:spPr/>
+        <p:txBody>
+          <a:bodyPr/>
+          <a:lstStyle/>
+          <a:p>
+            <a:r>
+              <a:rPr lang="en-US" dirty="0"/>
+              <a:t>References</a:t>
+            </a:r>
+          </a:p>
+        </p:txBody>
+      </p:sp>
+      <p:sp>
+        <p:nvSpPr>
+          <p:cNvPr id="3" name="Content Placeholder 2">
+            <a:extLst>
+              <a:ext uri="{FF2B5EF4-FFF2-40B4-BE49-F238E27FC236}">
+                <a16:creationId xmlns:a16="http://schemas.microsoft.com/office/drawing/2014/main" id="{4E9FF4E2-85E8-43A6-B7A9-9BF4922BE0A6}"/>
+              </a:ext>
+            </a:extLst>
+          </p:cNvPr>
+          <p:cNvSpPr>
+            <a:spLocks noGrp="1"/>
+          </p:cNvSpPr>
+          <p:nvPr>
+            <p:ph idx="1"/>
+          </p:nvPr>
+        </p:nvSpPr>
+        <p:spPr/>
+        <p:txBody>
+          <a:bodyPr>
+            <a:normAutofit/>
+          </a:bodyPr>
+          <a:lstStyle/>
+          <a:p>
+            <a:pPr algn="l"/>
+            <a:r>
+              <a:rPr lang="en-US" sz="1400" b="0" i="0" u="none" strike="noStrike" baseline="0" dirty="0" err="1">
+                <a:latin typeface="Times New Roman" panose="02020603050405020304" pitchFamily="18" charset="0"/>
+                <a:cs typeface="Times New Roman" panose="02020603050405020304" pitchFamily="18" charset="0"/>
+              </a:rPr>
+              <a:t>Simonyan</a:t>
+            </a:r>
+            <a:r>
+              <a:rPr lang="en-US" sz="1400" b="0" i="0" u="none" strike="noStrike" baseline="0" dirty="0">
+                <a:latin typeface="Times New Roman" panose="02020603050405020304" pitchFamily="18" charset="0"/>
+                <a:cs typeface="Times New Roman" panose="02020603050405020304" pitchFamily="18" charset="0"/>
+              </a:rPr>
+              <a:t>, K. and Zisserman, A. (2015). Very deep convolutional networks for large-scale image recognition.</a:t>
+            </a:r>
+          </a:p>
+          <a:p>
+            <a:pPr algn="l"/>
+            <a:r>
+              <a:rPr lang="en-US" sz="1400" b="0" i="0" u="none" strike="noStrike" baseline="0" dirty="0">
+                <a:latin typeface="Times New Roman" panose="02020603050405020304" pitchFamily="18" charset="0"/>
+                <a:cs typeface="Times New Roman" panose="02020603050405020304" pitchFamily="18" charset="0"/>
+              </a:rPr>
+              <a:t>Tola, E., </a:t>
+            </a:r>
+            <a:r>
+              <a:rPr lang="en-US" sz="1400" b="0" i="0" u="none" strike="noStrike" baseline="0" dirty="0" err="1">
+                <a:latin typeface="Times New Roman" panose="02020603050405020304" pitchFamily="18" charset="0"/>
+                <a:cs typeface="Times New Roman" panose="02020603050405020304" pitchFamily="18" charset="0"/>
+              </a:rPr>
+              <a:t>Lepetit</a:t>
+            </a:r>
+            <a:r>
+              <a:rPr lang="en-US" sz="1400" b="0" i="0" u="none" strike="noStrike" baseline="0" dirty="0">
+                <a:latin typeface="Times New Roman" panose="02020603050405020304" pitchFamily="18" charset="0"/>
+                <a:cs typeface="Times New Roman" panose="02020603050405020304" pitchFamily="18" charset="0"/>
+              </a:rPr>
+              <a:t>, V. and </a:t>
+            </a:r>
+            <a:r>
+              <a:rPr lang="en-US" sz="1400" b="0" i="0" u="none" strike="noStrike" baseline="0" dirty="0" err="1">
+                <a:latin typeface="Times New Roman" panose="02020603050405020304" pitchFamily="18" charset="0"/>
+                <a:cs typeface="Times New Roman" panose="02020603050405020304" pitchFamily="18" charset="0"/>
+              </a:rPr>
+              <a:t>Fua</a:t>
+            </a:r>
+            <a:r>
+              <a:rPr lang="en-US" sz="1400" b="0" i="0" u="none" strike="noStrike" baseline="0" dirty="0">
+                <a:latin typeface="Times New Roman" panose="02020603050405020304" pitchFamily="18" charset="0"/>
+                <a:cs typeface="Times New Roman" panose="02020603050405020304" pitchFamily="18" charset="0"/>
+              </a:rPr>
+              <a:t>, P. (2008). A fast local descriptor for dense matching, </a:t>
+            </a:r>
+            <a:r>
+              <a:rPr lang="en-US" sz="1400" b="0" i="1" u="none" strike="noStrike" baseline="0" dirty="0">
+                <a:latin typeface="Times New Roman" panose="02020603050405020304" pitchFamily="18" charset="0"/>
+                <a:cs typeface="Times New Roman" panose="02020603050405020304" pitchFamily="18" charset="0"/>
+              </a:rPr>
+              <a:t>Proc. CVPR .</a:t>
+            </a:r>
+          </a:p>
+          <a:p>
+            <a:pPr algn="l"/>
+            <a:r>
+              <a:rPr lang="en-US" sz="1400" b="0" i="0" u="none" strike="noStrike" baseline="0" dirty="0">
+                <a:latin typeface="Times New Roman" panose="02020603050405020304" pitchFamily="18" charset="0"/>
+                <a:cs typeface="Times New Roman" panose="02020603050405020304" pitchFamily="18" charset="0"/>
+              </a:rPr>
+              <a:t>Tom and </a:t>
+            </a:r>
+            <a:r>
+              <a:rPr lang="en-US" sz="1400" b="0" i="0" u="none" strike="noStrike" baseline="0" dirty="0" err="1">
+                <a:latin typeface="Times New Roman" panose="02020603050405020304" pitchFamily="18" charset="0"/>
+                <a:cs typeface="Times New Roman" panose="02020603050405020304" pitchFamily="18" charset="0"/>
+              </a:rPr>
+              <a:t>Katsaggelos</a:t>
+            </a:r>
+            <a:r>
+              <a:rPr lang="en-US" sz="1400" b="0" i="0" u="none" strike="noStrike" baseline="0" dirty="0">
+                <a:latin typeface="Times New Roman" panose="02020603050405020304" pitchFamily="18" charset="0"/>
+                <a:cs typeface="Times New Roman" panose="02020603050405020304" pitchFamily="18" charset="0"/>
+              </a:rPr>
+              <a:t> (1996). Reconstruction of a high-resolution image by simultaneous </a:t>
+            </a:r>
+            <a:r>
+              <a:rPr lang="en-US" sz="1400" dirty="0">
+                <a:latin typeface="Times New Roman" panose="02020603050405020304" pitchFamily="18" charset="0"/>
+                <a:cs typeface="Times New Roman" panose="02020603050405020304" pitchFamily="18" charset="0"/>
+              </a:rPr>
+              <a:t>r</a:t>
+            </a:r>
+            <a:r>
+              <a:rPr lang="en-US" sz="1400" b="0" i="0" u="none" strike="noStrike" baseline="0" dirty="0">
+                <a:latin typeface="Times New Roman" panose="02020603050405020304" pitchFamily="18" charset="0"/>
+                <a:cs typeface="Times New Roman" panose="02020603050405020304" pitchFamily="18" charset="0"/>
+              </a:rPr>
+              <a:t>egistration, restoration, and interpolation of 	low-resolution images, </a:t>
+            </a:r>
+            <a:r>
+              <a:rPr lang="en-US" sz="1400" b="0" i="1" u="none" strike="noStrike" baseline="0" dirty="0">
+                <a:latin typeface="Times New Roman" panose="02020603050405020304" pitchFamily="18" charset="0"/>
+                <a:cs typeface="Times New Roman" panose="02020603050405020304" pitchFamily="18" charset="0"/>
+              </a:rPr>
+              <a:t>in</a:t>
+            </a:r>
+            <a:r>
+              <a:rPr lang="en-US" sz="1400" b="0" i="0" u="none" strike="noStrike" baseline="0" dirty="0">
+                <a:latin typeface="Times New Roman" panose="02020603050405020304" pitchFamily="18" charset="0"/>
+                <a:cs typeface="Times New Roman" panose="02020603050405020304" pitchFamily="18" charset="0"/>
+              </a:rPr>
+              <a:t> Anon (ed.), </a:t>
+            </a:r>
+            <a:r>
+              <a:rPr lang="en-US" sz="1400" b="0" i="1" u="none" strike="noStrike" baseline="0" dirty="0">
+                <a:latin typeface="Times New Roman" panose="02020603050405020304" pitchFamily="18" charset="0"/>
+                <a:cs typeface="Times New Roman" panose="02020603050405020304" pitchFamily="18" charset="0"/>
+              </a:rPr>
+              <a:t>IEEE International Conference on Image Processing, </a:t>
+            </a:r>
+            <a:r>
+              <a:rPr lang="en-US" sz="1400" b="0" i="0" u="none" strike="noStrike" baseline="0" dirty="0">
+                <a:latin typeface="Times New Roman" panose="02020603050405020304" pitchFamily="18" charset="0"/>
+                <a:cs typeface="Times New Roman" panose="02020603050405020304" pitchFamily="18" charset="0"/>
+              </a:rPr>
+              <a:t>Vol. 2, IEEE, pp. 539–542. 	Proceedings of the 1995 IEEE International Conference on Image Processing. Part 3 (of 3) ; Conference date: 23-10-1995 	Through 26-10-1995.</a:t>
+            </a:r>
+          </a:p>
+          <a:p>
+            <a:pPr algn="l"/>
+            <a:r>
+              <a:rPr lang="en-US" sz="1400" b="0" i="0" u="none" strike="noStrike" baseline="0" dirty="0">
+                <a:latin typeface="Times New Roman" panose="02020603050405020304" pitchFamily="18" charset="0"/>
+                <a:cs typeface="Times New Roman" panose="02020603050405020304" pitchFamily="18" charset="0"/>
+              </a:rPr>
+              <a:t>TSAI, R. (1984). </a:t>
+            </a:r>
+            <a:r>
+              <a:rPr lang="en-US" sz="1400" b="0" i="0" u="none" strike="noStrike" baseline="0" dirty="0" err="1">
+                <a:latin typeface="Times New Roman" panose="02020603050405020304" pitchFamily="18" charset="0"/>
+                <a:cs typeface="Times New Roman" panose="02020603050405020304" pitchFamily="18" charset="0"/>
+              </a:rPr>
+              <a:t>Multiframe</a:t>
+            </a:r>
+            <a:r>
+              <a:rPr lang="en-US" sz="1400" b="0" i="0" u="none" strike="noStrike" baseline="0" dirty="0">
+                <a:latin typeface="Times New Roman" panose="02020603050405020304" pitchFamily="18" charset="0"/>
+                <a:cs typeface="Times New Roman" panose="02020603050405020304" pitchFamily="18" charset="0"/>
+              </a:rPr>
+              <a:t> image restoration and registration</a:t>
+            </a:r>
+            <a:r>
+              <a:rPr lang="en-US" sz="1400" b="0" i="1" u="none" strike="noStrike" baseline="0" dirty="0">
+                <a:latin typeface="Times New Roman" panose="02020603050405020304" pitchFamily="18" charset="0"/>
+                <a:cs typeface="Times New Roman" panose="02020603050405020304" pitchFamily="18" charset="0"/>
+              </a:rPr>
+              <a:t>, Advance Computer Visual and Image Processing </a:t>
+            </a:r>
+            <a:r>
+              <a:rPr lang="en-US" sz="1400" b="0" i="0" u="none" strike="noStrike" baseline="0" dirty="0">
+                <a:latin typeface="Times New Roman" panose="02020603050405020304" pitchFamily="18" charset="0"/>
+                <a:cs typeface="Times New Roman" panose="02020603050405020304" pitchFamily="18" charset="0"/>
+              </a:rPr>
+              <a:t>1: 317–339.</a:t>
+            </a:r>
+          </a:p>
+          <a:p>
+            <a:pPr algn="l"/>
+            <a:r>
+              <a:rPr lang="en-US" sz="1400" b="0" i="0" u="none" strike="noStrike" baseline="0" dirty="0">
+                <a:latin typeface="Times New Roman" panose="02020603050405020304" pitchFamily="18" charset="0"/>
+                <a:cs typeface="Times New Roman" panose="02020603050405020304" pitchFamily="18" charset="0"/>
+              </a:rPr>
+              <a:t>Welsh, T., </a:t>
+            </a:r>
+            <a:r>
+              <a:rPr lang="en-US" sz="1400" b="0" i="0" u="none" strike="noStrike" baseline="0" dirty="0" err="1">
+                <a:latin typeface="Times New Roman" panose="02020603050405020304" pitchFamily="18" charset="0"/>
+                <a:cs typeface="Times New Roman" panose="02020603050405020304" pitchFamily="18" charset="0"/>
+              </a:rPr>
+              <a:t>Ashikhmin</a:t>
+            </a:r>
+            <a:r>
+              <a:rPr lang="en-US" sz="1400" b="0" i="0" u="none" strike="noStrike" baseline="0" dirty="0">
+                <a:latin typeface="Times New Roman" panose="02020603050405020304" pitchFamily="18" charset="0"/>
+                <a:cs typeface="Times New Roman" panose="02020603050405020304" pitchFamily="18" charset="0"/>
+              </a:rPr>
+              <a:t>, M. and Mueller, K. (2002). Transferring color to greyscale </a:t>
+            </a:r>
+            <a:r>
+              <a:rPr lang="fr-FR" sz="1400" b="0" i="0" u="none" strike="noStrike" baseline="0" dirty="0">
+                <a:latin typeface="Times New Roman" panose="02020603050405020304" pitchFamily="18" charset="0"/>
+                <a:cs typeface="Times New Roman" panose="02020603050405020304" pitchFamily="18" charset="0"/>
+              </a:rPr>
+              <a:t>images, </a:t>
+            </a:r>
+            <a:r>
+              <a:rPr lang="fr-FR" sz="1400" b="0" i="1" u="none" strike="noStrike" baseline="0" dirty="0">
+                <a:latin typeface="Times New Roman" panose="02020603050405020304" pitchFamily="18" charset="0"/>
+                <a:cs typeface="Times New Roman" panose="02020603050405020304" pitchFamily="18" charset="0"/>
+              </a:rPr>
+              <a:t>ACM Trans. Graph</a:t>
+            </a:r>
+            <a:r>
+              <a:rPr lang="fr-FR" sz="1400" b="0" i="0" u="none" strike="noStrike" baseline="0" dirty="0">
+                <a:latin typeface="Times New Roman" panose="02020603050405020304" pitchFamily="18" charset="0"/>
+                <a:cs typeface="Times New Roman" panose="02020603050405020304" pitchFamily="18" charset="0"/>
+              </a:rPr>
+              <a:t>. 21: 277–280.</a:t>
+            </a:r>
+          </a:p>
+          <a:p>
+            <a:pPr algn="l"/>
+            <a:r>
+              <a:rPr lang="en-US" sz="1400" b="0" i="0" u="none" strike="noStrike" baseline="0" dirty="0" err="1">
+                <a:latin typeface="Times New Roman" panose="02020603050405020304" pitchFamily="18" charset="0"/>
+                <a:cs typeface="Times New Roman" panose="02020603050405020304" pitchFamily="18" charset="0"/>
+              </a:rPr>
+              <a:t>Yatziv</a:t>
+            </a:r>
+            <a:r>
+              <a:rPr lang="en-US" sz="1400" b="0" i="0" u="none" strike="noStrike" baseline="0" dirty="0">
+                <a:latin typeface="Times New Roman" panose="02020603050405020304" pitchFamily="18" charset="0"/>
+                <a:cs typeface="Times New Roman" panose="02020603050405020304" pitchFamily="18" charset="0"/>
+              </a:rPr>
+              <a:t>, L. and </a:t>
+            </a:r>
+            <a:r>
+              <a:rPr lang="en-US" sz="1400" b="0" i="0" u="none" strike="noStrike" baseline="0" dirty="0" err="1">
+                <a:latin typeface="Times New Roman" panose="02020603050405020304" pitchFamily="18" charset="0"/>
+                <a:cs typeface="Times New Roman" panose="02020603050405020304" pitchFamily="18" charset="0"/>
+              </a:rPr>
+              <a:t>Sapiro</a:t>
+            </a:r>
+            <a:r>
+              <a:rPr lang="en-US" sz="1400" b="0" i="0" u="none" strike="noStrike" baseline="0" dirty="0">
+                <a:latin typeface="Times New Roman" panose="02020603050405020304" pitchFamily="18" charset="0"/>
+                <a:cs typeface="Times New Roman" panose="02020603050405020304" pitchFamily="18" charset="0"/>
+              </a:rPr>
+              <a:t>, G. (2006). Fast image and video colorization using chrominance blending,</a:t>
+            </a:r>
+          </a:p>
+          <a:p>
+            <a:pPr marL="457200" lvl="1" indent="0">
+              <a:buNone/>
+            </a:pPr>
+            <a:r>
+              <a:rPr lang="en-US" sz="1400" b="0" i="0" u="none" strike="noStrike" baseline="0" dirty="0">
+                <a:latin typeface="Times New Roman" panose="02020603050405020304" pitchFamily="18" charset="0"/>
+                <a:cs typeface="Times New Roman" panose="02020603050405020304" pitchFamily="18" charset="0"/>
+              </a:rPr>
+              <a:t>	</a:t>
+            </a:r>
+            <a:r>
+              <a:rPr lang="en-US" sz="1400" b="0" i="1" u="none" strike="noStrike" baseline="0" dirty="0">
+                <a:latin typeface="Times New Roman" panose="02020603050405020304" pitchFamily="18" charset="0"/>
+                <a:cs typeface="Times New Roman" panose="02020603050405020304" pitchFamily="18" charset="0"/>
+              </a:rPr>
+              <a:t>IEEE Transactions on Image Processing</a:t>
+            </a:r>
+            <a:r>
+              <a:rPr lang="en-US" sz="1400" b="0" i="0" u="none" strike="noStrike" baseline="0" dirty="0">
+                <a:latin typeface="Times New Roman" panose="02020603050405020304" pitchFamily="18" charset="0"/>
+                <a:cs typeface="Times New Roman" panose="02020603050405020304" pitchFamily="18" charset="0"/>
+              </a:rPr>
+              <a:t> 15(5): 1120–1129.</a:t>
+            </a:r>
+          </a:p>
+          <a:p>
+            <a:pPr algn="l"/>
+            <a:r>
+              <a:rPr lang="en-US" sz="1400" b="0" i="0" u="none" strike="noStrike" baseline="0" dirty="0">
+                <a:latin typeface="Times New Roman" panose="02020603050405020304" pitchFamily="18" charset="0"/>
+                <a:cs typeface="Times New Roman" panose="02020603050405020304" pitchFamily="18" charset="0"/>
+              </a:rPr>
+              <a:t>Zhu, J.-Y., </a:t>
+            </a:r>
+            <a:r>
+              <a:rPr lang="en-US" sz="1400" b="0" i="0" u="none" strike="noStrike" baseline="0" dirty="0" err="1">
+                <a:latin typeface="Times New Roman" panose="02020603050405020304" pitchFamily="18" charset="0"/>
+                <a:cs typeface="Times New Roman" panose="02020603050405020304" pitchFamily="18" charset="0"/>
+              </a:rPr>
+              <a:t>Kr</a:t>
+            </a:r>
+            <a:r>
+              <a:rPr lang="en-US" sz="1400" dirty="0" err="1">
+                <a:latin typeface="Times New Roman" panose="02020603050405020304" pitchFamily="18" charset="0"/>
+                <a:cs typeface="Times New Roman" panose="02020603050405020304" pitchFamily="18" charset="0"/>
+              </a:rPr>
+              <a:t>a</a:t>
+            </a:r>
+            <a:r>
+              <a:rPr lang="en-US" sz="1400" b="0" i="0" u="none" strike="noStrike" baseline="0" dirty="0" err="1">
+                <a:latin typeface="Times New Roman" panose="02020603050405020304" pitchFamily="18" charset="0"/>
+                <a:cs typeface="Times New Roman" panose="02020603050405020304" pitchFamily="18" charset="0"/>
+              </a:rPr>
+              <a:t>henbuhl</a:t>
+            </a:r>
+            <a:r>
+              <a:rPr lang="en-US" sz="1400" b="0" i="0" u="none" strike="noStrike" baseline="0" dirty="0">
+                <a:latin typeface="Times New Roman" panose="02020603050405020304" pitchFamily="18" charset="0"/>
+                <a:cs typeface="Times New Roman" panose="02020603050405020304" pitchFamily="18" charset="0"/>
+              </a:rPr>
+              <a:t>, P., </a:t>
+            </a:r>
+            <a:r>
+              <a:rPr lang="en-US" sz="1400" b="0" i="0" u="none" strike="noStrike" baseline="0" dirty="0" err="1">
+                <a:latin typeface="Times New Roman" panose="02020603050405020304" pitchFamily="18" charset="0"/>
+                <a:cs typeface="Times New Roman" panose="02020603050405020304" pitchFamily="18" charset="0"/>
+              </a:rPr>
+              <a:t>Shechtman</a:t>
+            </a:r>
+            <a:r>
+              <a:rPr lang="en-US" sz="1400" b="0" i="0" u="none" strike="noStrike" baseline="0" dirty="0">
+                <a:latin typeface="Times New Roman" panose="02020603050405020304" pitchFamily="18" charset="0"/>
+                <a:cs typeface="Times New Roman" panose="02020603050405020304" pitchFamily="18" charset="0"/>
+              </a:rPr>
+              <a:t>, E. and </a:t>
+            </a:r>
+            <a:r>
+              <a:rPr lang="en-US" sz="1400" b="0" i="0" u="none" strike="noStrike" baseline="0" dirty="0" err="1">
+                <a:latin typeface="Times New Roman" panose="02020603050405020304" pitchFamily="18" charset="0"/>
+                <a:cs typeface="Times New Roman" panose="02020603050405020304" pitchFamily="18" charset="0"/>
+              </a:rPr>
+              <a:t>Efros</a:t>
+            </a:r>
+            <a:r>
+              <a:rPr lang="en-US" sz="1400" b="0" i="0" u="none" strike="noStrike" baseline="0" dirty="0">
+                <a:latin typeface="Times New Roman" panose="02020603050405020304" pitchFamily="18" charset="0"/>
+                <a:cs typeface="Times New Roman" panose="02020603050405020304" pitchFamily="18" charset="0"/>
+              </a:rPr>
+              <a:t>, A. A. (2018). Generative visual manipulation on the natural image manifold.</a:t>
+            </a:r>
+            <a:endParaRPr lang="en-US" sz="1400" i="1" dirty="0">
+              <a:latin typeface="Times New Roman" panose="02020603050405020304" pitchFamily="18" charset="0"/>
+              <a:cs typeface="Times New Roman" panose="02020603050405020304" pitchFamily="18" charset="0"/>
+            </a:endParaRPr>
+          </a:p>
+        </p:txBody>
+      </p:sp>
+      <p:sp>
+        <p:nvSpPr>
+          <p:cNvPr id="4" name="Footer Placeholder 3">
+            <a:extLst>
+              <a:ext uri="{FF2B5EF4-FFF2-40B4-BE49-F238E27FC236}">
+                <a16:creationId xmlns:a16="http://schemas.microsoft.com/office/drawing/2014/main" id="{9B31565C-5D67-40D7-B395-3C7619E5198E}"/>
+              </a:ext>
+            </a:extLst>
+          </p:cNvPr>
+          <p:cNvSpPr>
+            <a:spLocks noGrp="1"/>
+          </p:cNvSpPr>
+          <p:nvPr>
+            <p:ph type="ftr" sz="quarter" idx="11"/>
+          </p:nvPr>
+        </p:nvSpPr>
+        <p:spPr/>
+        <p:txBody>
+          <a:bodyPr/>
+          <a:lstStyle/>
+          <a:p>
+            <a:r>
+              <a:rPr lang="en-IN"/>
+              <a:t>Title of the Course</a:t>
+            </a:r>
+          </a:p>
+        </p:txBody>
+      </p:sp>
+    </p:spTree>
+    <p:extLst>
+      <p:ext uri="{BB962C8B-B14F-4D97-AF65-F5344CB8AC3E}">
+        <p14:creationId xmlns:p14="http://schemas.microsoft.com/office/powerpoint/2010/main" val="3478648367"/>
+      </p:ext>
+    </p:extLst>
+  </p:cSld>
+  <p:clrMapOvr>
+    <a:masterClrMapping/>
+  </p:clrMapOvr>
+  <mc:AlternateContent xmlns:mc="http://schemas.openxmlformats.org/markup-compatibility/2006" xmlns:p14="http://schemas.microsoft.com/office/powerpoint/2010/main">
+    <mc:Choice Requires="p14">
+      <p:transition spd="med" p14:dur="700">
+        <p:fade/>
+      </p:transition>
+    </mc:Choice>
+    <mc:Fallback xmlns="">
+      <p:transition spd="med">
+        <p:fade/>
+      </p:transition>
+    </mc:Fallback>
+  </mc:AlternateContent>
+</p:sld>
+</file>
+
+<file path=ppt/slides/slide37.xml><?xml version="1.0" encoding="utf-8"?>
 <p:sld xmlns:a="http://schemas.openxmlformats.org/drawingml/2006/main" xmlns:r="http://schemas.openxmlformats.org/officeDocument/2006/relationships" xmlns:p="http://schemas.openxmlformats.org/presentationml/2006/main">
   <p:cSld>
     <p:spTree>

--- a/Presentation/Stage_1/stage_1_presentation.pptx
+++ b/Presentation/Stage_1/stage_1_presentation.pptx
@@ -5,10 +5,10 @@
     <p:sldMasterId id="2147483648" r:id="rId4"/>
   </p:sldMasterIdLst>
   <p:notesMasterIdLst>
-    <p:notesMasterId r:id="rId42"/>
+    <p:notesMasterId r:id="rId40"/>
   </p:notesMasterIdLst>
   <p:handoutMasterIdLst>
-    <p:handoutMasterId r:id="rId43"/>
+    <p:handoutMasterId r:id="rId41"/>
   </p:handoutMasterIdLst>
   <p:sldIdLst>
     <p:sldId id="256" r:id="rId5"/>
@@ -30,24 +30,22 @@
     <p:sldId id="282" r:id="rId21"/>
     <p:sldId id="283" r:id="rId22"/>
     <p:sldId id="284" r:id="rId23"/>
-    <p:sldId id="289" r:id="rId24"/>
-    <p:sldId id="290" r:id="rId25"/>
-    <p:sldId id="291" r:id="rId26"/>
-    <p:sldId id="292" r:id="rId27"/>
-    <p:sldId id="293" r:id="rId28"/>
-    <p:sldId id="294" r:id="rId29"/>
-    <p:sldId id="295" r:id="rId30"/>
-    <p:sldId id="296" r:id="rId31"/>
-    <p:sldId id="297" r:id="rId32"/>
-    <p:sldId id="300" r:id="rId33"/>
-    <p:sldId id="301" r:id="rId34"/>
-    <p:sldId id="302" r:id="rId35"/>
-    <p:sldId id="303" r:id="rId36"/>
-    <p:sldId id="304" r:id="rId37"/>
-    <p:sldId id="305" r:id="rId38"/>
-    <p:sldId id="306" r:id="rId39"/>
-    <p:sldId id="307" r:id="rId40"/>
-    <p:sldId id="268" r:id="rId41"/>
+    <p:sldId id="290" r:id="rId24"/>
+    <p:sldId id="292" r:id="rId25"/>
+    <p:sldId id="293" r:id="rId26"/>
+    <p:sldId id="294" r:id="rId27"/>
+    <p:sldId id="295" r:id="rId28"/>
+    <p:sldId id="296" r:id="rId29"/>
+    <p:sldId id="297" r:id="rId30"/>
+    <p:sldId id="300" r:id="rId31"/>
+    <p:sldId id="301" r:id="rId32"/>
+    <p:sldId id="302" r:id="rId33"/>
+    <p:sldId id="303" r:id="rId34"/>
+    <p:sldId id="304" r:id="rId35"/>
+    <p:sldId id="305" r:id="rId36"/>
+    <p:sldId id="306" r:id="rId37"/>
+    <p:sldId id="307" r:id="rId38"/>
+    <p:sldId id="268" r:id="rId39"/>
   </p:sldIdLst>
   <p:sldSz cx="12192000" cy="6858000"/>
   <p:notesSz cx="6858000" cy="9144000"/>
@@ -8229,199 +8227,6 @@
           <a:p>
             <a:r>
               <a:rPr lang="en-US" dirty="0"/>
-              <a:t> Data gathering and processing</a:t>
-            </a:r>
-          </a:p>
-          <a:p>
-            <a:pPr marL="0" indent="0">
-              <a:buNone/>
-            </a:pPr>
-            <a:r>
-              <a:rPr lang="en-US" dirty="0"/>
-              <a:t>- Data Scraping</a:t>
-            </a:r>
-          </a:p>
-          <a:p>
-            <a:pPr>
-              <a:buFontTx/>
-              <a:buChar char="-"/>
-            </a:pPr>
-            <a:r>
-              <a:rPr lang="en-US" dirty="0"/>
-              <a:t>Data Cleaning</a:t>
-            </a:r>
-          </a:p>
-          <a:p>
-            <a:r>
-              <a:rPr lang="en-IN" dirty="0"/>
-              <a:t>Model Building</a:t>
-            </a:r>
-          </a:p>
-          <a:p>
-            <a:r>
-              <a:rPr lang="en-IN" dirty="0"/>
-              <a:t>Model Training</a:t>
-            </a:r>
-          </a:p>
-          <a:p>
-            <a:r>
-              <a:rPr lang="en-IN" dirty="0"/>
-              <a:t>Cost Optimization and tuning</a:t>
-            </a:r>
-          </a:p>
-          <a:p>
-            <a:r>
-              <a:rPr lang="en-IN" dirty="0"/>
-              <a:t>Performance Evaluation and Documentation</a:t>
-            </a:r>
-          </a:p>
-        </p:txBody>
-      </p:sp>
-      <p:sp>
-        <p:nvSpPr>
-          <p:cNvPr id="5" name="Footer Placeholder 4"/>
-          <p:cNvSpPr>
-            <a:spLocks noGrp="1"/>
-          </p:cNvSpPr>
-          <p:nvPr>
-            <p:ph type="ftr" sz="quarter" idx="11"/>
-          </p:nvPr>
-        </p:nvSpPr>
-        <p:spPr/>
-        <p:txBody>
-          <a:bodyPr/>
-          <a:lstStyle/>
-          <a:p>
-            <a:r>
-              <a:rPr lang="en-IN" sz="1200" dirty="0">
-                <a:cs typeface="Times New Roman" panose="02020603050405020304" pitchFamily="18" charset="0"/>
-              </a:rPr>
-              <a:t>Astronomical image colourisation and super-resolution using GANS</a:t>
-            </a:r>
-            <a:endParaRPr lang="en-IN" dirty="0"/>
-          </a:p>
-        </p:txBody>
-      </p:sp>
-      <p:pic>
-        <p:nvPicPr>
-          <p:cNvPr id="4" name="Picture 1"/>
-          <p:cNvPicPr>
-            <a:picLocks noChangeAspect="1" noChangeArrowheads="1"/>
-          </p:cNvPicPr>
-          <p:nvPr/>
-        </p:nvPicPr>
-        <p:blipFill>
-          <a:blip r:embed="rId2" cstate="print">
-            <a:extLst>
-              <a:ext uri="{28A0092B-C50C-407E-A947-70E740481C1C}">
-                <a14:useLocalDpi xmlns:a14="http://schemas.microsoft.com/office/drawing/2010/main" val="0"/>
-              </a:ext>
-            </a:extLst>
-          </a:blip>
-          <a:stretch>
-            <a:fillRect/>
-          </a:stretch>
-        </p:blipFill>
-        <p:spPr bwMode="auto">
-          <a:xfrm>
-            <a:off x="10919540" y="150750"/>
-            <a:ext cx="1233271" cy="1029803"/>
-          </a:xfrm>
-          <a:prstGeom prst="rect">
-            <a:avLst/>
-          </a:prstGeom>
-          <a:noFill/>
-          <a:ln w="9525">
-            <a:noFill/>
-            <a:miter lim="800000"/>
-            <a:headEnd/>
-            <a:tailEnd/>
-          </a:ln>
-        </p:spPr>
-      </p:pic>
-    </p:spTree>
-    <p:extLst>
-      <p:ext uri="{BB962C8B-B14F-4D97-AF65-F5344CB8AC3E}">
-        <p14:creationId xmlns:p14="http://schemas.microsoft.com/office/powerpoint/2010/main" val="3994141855"/>
-      </p:ext>
-    </p:extLst>
-  </p:cSld>
-  <p:clrMapOvr>
-    <a:masterClrMapping/>
-  </p:clrMapOvr>
-  <mc:AlternateContent xmlns:mc="http://schemas.openxmlformats.org/markup-compatibility/2006" xmlns:p14="http://schemas.microsoft.com/office/powerpoint/2010/main">
-    <mc:Choice Requires="p14">
-      <p:transition spd="med" p14:dur="700">
-        <p:fade/>
-      </p:transition>
-    </mc:Choice>
-    <mc:Fallback xmlns="">
-      <p:transition spd="med">
-        <p:fade/>
-      </p:transition>
-    </mc:Fallback>
-  </mc:AlternateContent>
-</p:sld>
-</file>
-
-<file path=ppt/slides/slide21.xml><?xml version="1.0" encoding="utf-8"?>
-<p:sld xmlns:a="http://schemas.openxmlformats.org/drawingml/2006/main" xmlns:r="http://schemas.openxmlformats.org/officeDocument/2006/relationships" xmlns:p="http://schemas.openxmlformats.org/presentationml/2006/main">
-  <p:cSld>
-    <p:spTree>
-      <p:nvGrpSpPr>
-        <p:cNvPr id="1" name=""/>
-        <p:cNvGrpSpPr/>
-        <p:nvPr/>
-      </p:nvGrpSpPr>
-      <p:grpSpPr>
-        <a:xfrm>
-          <a:off x="0" y="0"/>
-          <a:ext cx="0" cy="0"/>
-          <a:chOff x="0" y="0"/>
-          <a:chExt cx="0" cy="0"/>
-        </a:xfrm>
-      </p:grpSpPr>
-      <p:sp>
-        <p:nvSpPr>
-          <p:cNvPr id="13" name="Title 12"/>
-          <p:cNvSpPr>
-            <a:spLocks noGrp="1"/>
-          </p:cNvSpPr>
-          <p:nvPr>
-            <p:ph type="title"/>
-          </p:nvPr>
-        </p:nvSpPr>
-        <p:spPr/>
-        <p:txBody>
-          <a:bodyPr/>
-          <a:lstStyle/>
-          <a:p>
-            <a:r>
-              <a:rPr lang="en-US" dirty="0"/>
-              <a:t>Methodology</a:t>
-            </a:r>
-          </a:p>
-        </p:txBody>
-      </p:sp>
-      <p:sp>
-        <p:nvSpPr>
-          <p:cNvPr id="14" name="Content Placeholder 13"/>
-          <p:cNvSpPr>
-            <a:spLocks noGrp="1"/>
-          </p:cNvSpPr>
-          <p:nvPr>
-            <p:ph idx="1"/>
-          </p:nvPr>
-        </p:nvSpPr>
-        <p:spPr/>
-        <p:txBody>
-          <a:bodyPr>
-            <a:normAutofit/>
-          </a:bodyPr>
-          <a:lstStyle/>
-          <a:p>
-            <a:r>
-              <a:rPr lang="en-US" dirty="0"/>
               <a:t> Data gathering and processing:</a:t>
             </a:r>
           </a:p>
@@ -8552,200 +8357,7 @@
 </p:sld>
 </file>
 
-<file path=ppt/slides/slide22.xml><?xml version="1.0" encoding="utf-8"?>
-<p:sld xmlns:a="http://schemas.openxmlformats.org/drawingml/2006/main" xmlns:r="http://schemas.openxmlformats.org/officeDocument/2006/relationships" xmlns:p="http://schemas.openxmlformats.org/presentationml/2006/main">
-  <p:cSld>
-    <p:spTree>
-      <p:nvGrpSpPr>
-        <p:cNvPr id="1" name=""/>
-        <p:cNvGrpSpPr/>
-        <p:nvPr/>
-      </p:nvGrpSpPr>
-      <p:grpSpPr>
-        <a:xfrm>
-          <a:off x="0" y="0"/>
-          <a:ext cx="0" cy="0"/>
-          <a:chOff x="0" y="0"/>
-          <a:chExt cx="0" cy="0"/>
-        </a:xfrm>
-      </p:grpSpPr>
-      <p:sp>
-        <p:nvSpPr>
-          <p:cNvPr id="13" name="Title 12"/>
-          <p:cNvSpPr>
-            <a:spLocks noGrp="1"/>
-          </p:cNvSpPr>
-          <p:nvPr>
-            <p:ph type="title"/>
-          </p:nvPr>
-        </p:nvSpPr>
-        <p:spPr/>
-        <p:txBody>
-          <a:bodyPr/>
-          <a:lstStyle/>
-          <a:p>
-            <a:r>
-              <a:rPr lang="en-US" dirty="0"/>
-              <a:t>Methodology</a:t>
-            </a:r>
-          </a:p>
-        </p:txBody>
-      </p:sp>
-      <p:sp>
-        <p:nvSpPr>
-          <p:cNvPr id="14" name="Content Placeholder 13"/>
-          <p:cNvSpPr>
-            <a:spLocks noGrp="1"/>
-          </p:cNvSpPr>
-          <p:nvPr>
-            <p:ph idx="1"/>
-          </p:nvPr>
-        </p:nvSpPr>
-        <p:spPr/>
-        <p:txBody>
-          <a:bodyPr>
-            <a:normAutofit/>
-          </a:bodyPr>
-          <a:lstStyle/>
-          <a:p>
-            <a:r>
-              <a:rPr lang="en-US" dirty="0"/>
-              <a:t> Data gathering and processing</a:t>
-            </a:r>
-          </a:p>
-          <a:p>
-            <a:pPr marL="0" indent="0">
-              <a:buNone/>
-            </a:pPr>
-            <a:r>
-              <a:rPr lang="en-US" dirty="0"/>
-              <a:t>- Data Scraping</a:t>
-            </a:r>
-          </a:p>
-          <a:p>
-            <a:pPr>
-              <a:buFontTx/>
-              <a:buChar char="-"/>
-            </a:pPr>
-            <a:r>
-              <a:rPr lang="en-US" dirty="0"/>
-              <a:t>Data Cleaning</a:t>
-            </a:r>
-          </a:p>
-          <a:p>
-            <a:r>
-              <a:rPr lang="en-IN" dirty="0"/>
-              <a:t>Model Building</a:t>
-            </a:r>
-          </a:p>
-          <a:p>
-            <a:r>
-              <a:rPr lang="en-IN" dirty="0"/>
-              <a:t>Model Training</a:t>
-            </a:r>
-          </a:p>
-          <a:p>
-            <a:r>
-              <a:rPr lang="en-IN" dirty="0"/>
-              <a:t>Cost Optimization and tuning</a:t>
-            </a:r>
-          </a:p>
-          <a:p>
-            <a:r>
-              <a:rPr lang="en-IN" dirty="0"/>
-              <a:t>Performance Evaluation and Documentation</a:t>
-            </a:r>
-          </a:p>
-        </p:txBody>
-      </p:sp>
-      <p:sp>
-        <p:nvSpPr>
-          <p:cNvPr id="5" name="Footer Placeholder 4"/>
-          <p:cNvSpPr>
-            <a:spLocks noGrp="1"/>
-          </p:cNvSpPr>
-          <p:nvPr>
-            <p:ph type="ftr" sz="quarter" idx="11"/>
-          </p:nvPr>
-        </p:nvSpPr>
-        <p:spPr/>
-        <p:txBody>
-          <a:bodyPr/>
-          <a:lstStyle/>
-          <a:p>
-            <a:r>
-              <a:rPr lang="en-IN" sz="1200" dirty="0">
-                <a:cs typeface="Times New Roman" panose="02020603050405020304" pitchFamily="18" charset="0"/>
-              </a:rPr>
-              <a:t>Astronomical image colourisation and super-resolution using GANS</a:t>
-            </a:r>
-            <a:endParaRPr lang="en-IN" dirty="0"/>
-          </a:p>
-        </p:txBody>
-      </p:sp>
-      <p:pic>
-        <p:nvPicPr>
-          <p:cNvPr id="4" name="Picture 1"/>
-          <p:cNvPicPr>
-            <a:picLocks noChangeAspect="1" noChangeArrowheads="1"/>
-          </p:cNvPicPr>
-          <p:nvPr/>
-        </p:nvPicPr>
-        <p:blipFill>
-          <a:blip r:embed="rId2" cstate="print">
-            <a:extLst>
-              <a:ext uri="{28A0092B-C50C-407E-A947-70E740481C1C}">
-                <a14:useLocalDpi xmlns:a14="http://schemas.microsoft.com/office/drawing/2010/main" val="0"/>
-              </a:ext>
-            </a:extLst>
-          </a:blip>
-          <a:stretch>
-            <a:fillRect/>
-          </a:stretch>
-        </p:blipFill>
-        <p:spPr bwMode="auto">
-          <a:xfrm>
-            <a:off x="10919540" y="150750"/>
-            <a:ext cx="1233271" cy="1029803"/>
-          </a:xfrm>
-          <a:prstGeom prst="rect">
-            <a:avLst/>
-          </a:prstGeom>
-          <a:noFill/>
-          <a:ln w="9525">
-            <a:noFill/>
-            <a:miter lim="800000"/>
-            <a:headEnd/>
-            <a:tailEnd/>
-          </a:ln>
-        </p:spPr>
-      </p:pic>
-    </p:spTree>
-    <p:extLst>
-      <p:ext uri="{BB962C8B-B14F-4D97-AF65-F5344CB8AC3E}">
-        <p14:creationId xmlns:p14="http://schemas.microsoft.com/office/powerpoint/2010/main" val="1833285333"/>
-      </p:ext>
-    </p:extLst>
-  </p:cSld>
-  <p:clrMapOvr>
-    <a:masterClrMapping/>
-  </p:clrMapOvr>
-  <mc:AlternateContent xmlns:mc="http://schemas.openxmlformats.org/markup-compatibility/2006" xmlns:p14="http://schemas.microsoft.com/office/powerpoint/2010/main">
-    <mc:Choice Requires="p14">
-      <p:transition spd="med" p14:dur="700">
-        <p:fade/>
-      </p:transition>
-    </mc:Choice>
-    <mc:Fallback xmlns="">
-      <p:transition spd="med">
-        <p:fade/>
-      </p:transition>
-    </mc:Fallback>
-  </mc:AlternateContent>
-</p:sld>
-</file>
-
-<file path=ppt/slides/slide23.xml><?xml version="1.0" encoding="utf-8"?>
+<file path=ppt/slides/slide21.xml><?xml version="1.0" encoding="utf-8"?>
 <p:sld xmlns:a="http://schemas.openxmlformats.org/drawingml/2006/main" xmlns:r="http://schemas.openxmlformats.org/officeDocument/2006/relationships" xmlns:p="http://schemas.openxmlformats.org/presentationml/2006/main">
   <p:cSld>
     <p:spTree>
@@ -8916,7 +8528,7 @@
 </p:sld>
 </file>
 
-<file path=ppt/slides/slide24.xml><?xml version="1.0" encoding="utf-8"?>
+<file path=ppt/slides/slide22.xml><?xml version="1.0" encoding="utf-8"?>
 <p:sld xmlns:a="http://schemas.openxmlformats.org/drawingml/2006/main" xmlns:r="http://schemas.openxmlformats.org/officeDocument/2006/relationships" xmlns:p="http://schemas.openxmlformats.org/presentationml/2006/main">
   <p:cSld>
     <p:spTree>
@@ -9069,7 +8681,7 @@
 </p:sld>
 </file>
 
-<file path=ppt/slides/slide25.xml><?xml version="1.0" encoding="utf-8"?>
+<file path=ppt/slides/slide23.xml><?xml version="1.0" encoding="utf-8"?>
 <p:sld xmlns:a="http://schemas.openxmlformats.org/drawingml/2006/main" xmlns:r="http://schemas.openxmlformats.org/officeDocument/2006/relationships" xmlns:p="http://schemas.openxmlformats.org/presentationml/2006/main">
   <p:cSld>
     <p:spTree>
@@ -9232,7 +8844,7 @@
 </p:sld>
 </file>
 
-<file path=ppt/slides/slide26.xml><?xml version="1.0" encoding="utf-8"?>
+<file path=ppt/slides/slide24.xml><?xml version="1.0" encoding="utf-8"?>
 <p:sld xmlns:a="http://schemas.openxmlformats.org/drawingml/2006/main" xmlns:r="http://schemas.openxmlformats.org/officeDocument/2006/relationships" xmlns:p="http://schemas.openxmlformats.org/presentationml/2006/main">
   <p:cSld>
     <p:spTree>
@@ -9447,7 +9059,7 @@
 </p:sld>
 </file>
 
-<file path=ppt/slides/slide27.xml><?xml version="1.0" encoding="utf-8"?>
+<file path=ppt/slides/slide25.xml><?xml version="1.0" encoding="utf-8"?>
 <p:sld xmlns:a="http://schemas.openxmlformats.org/drawingml/2006/main" xmlns:r="http://schemas.openxmlformats.org/officeDocument/2006/relationships" xmlns:p="http://schemas.openxmlformats.org/presentationml/2006/main">
   <p:cSld>
     <p:spTree>
@@ -9603,7 +9215,7 @@
 </p:sld>
 </file>
 
-<file path=ppt/slides/slide28.xml><?xml version="1.0" encoding="utf-8"?>
+<file path=ppt/slides/slide26.xml><?xml version="1.0" encoding="utf-8"?>
 <p:sld xmlns:a="http://schemas.openxmlformats.org/drawingml/2006/main" xmlns:r="http://schemas.openxmlformats.org/officeDocument/2006/relationships" xmlns:p="http://schemas.openxmlformats.org/presentationml/2006/main">
   <p:cSld>
     <p:spTree>
@@ -9759,7 +9371,7 @@
 </p:sld>
 </file>
 
-<file path=ppt/slides/slide29.xml><?xml version="1.0" encoding="utf-8"?>
+<file path=ppt/slides/slide27.xml><?xml version="1.0" encoding="utf-8"?>
 <p:sld xmlns:a="http://schemas.openxmlformats.org/drawingml/2006/main" xmlns:r="http://schemas.openxmlformats.org/officeDocument/2006/relationships" xmlns:p="http://schemas.openxmlformats.org/presentationml/2006/main">
   <p:cSld>
     <p:spTree>
@@ -9927,329 +9539,7 @@
 </p:sld>
 </file>
 
-<file path=ppt/slides/slide3.xml><?xml version="1.0" encoding="utf-8"?>
-<p:sld xmlns:a="http://schemas.openxmlformats.org/drawingml/2006/main" xmlns:r="http://schemas.openxmlformats.org/officeDocument/2006/relationships" xmlns:p="http://schemas.openxmlformats.org/presentationml/2006/main">
-  <p:cSld>
-    <p:spTree>
-      <p:nvGrpSpPr>
-        <p:cNvPr id="1" name=""/>
-        <p:cNvGrpSpPr/>
-        <p:nvPr/>
-      </p:nvGrpSpPr>
-      <p:grpSpPr>
-        <a:xfrm>
-          <a:off x="0" y="0"/>
-          <a:ext cx="0" cy="0"/>
-          <a:chOff x="0" y="0"/>
-          <a:chExt cx="0" cy="0"/>
-        </a:xfrm>
-      </p:grpSpPr>
-      <p:sp>
-        <p:nvSpPr>
-          <p:cNvPr id="13" name="Title 12"/>
-          <p:cNvSpPr>
-            <a:spLocks noGrp="1"/>
-          </p:cNvSpPr>
-          <p:nvPr>
-            <p:ph type="title"/>
-          </p:nvPr>
-        </p:nvSpPr>
-        <p:spPr/>
-        <p:txBody>
-          <a:bodyPr/>
-          <a:lstStyle/>
-          <a:p>
-            <a:r>
-              <a:rPr lang="en-US" dirty="0"/>
-              <a:t>Content</a:t>
-            </a:r>
-          </a:p>
-        </p:txBody>
-      </p:sp>
-      <p:sp>
-        <p:nvSpPr>
-          <p:cNvPr id="14" name="Content Placeholder 13"/>
-          <p:cNvSpPr>
-            <a:spLocks noGrp="1"/>
-          </p:cNvSpPr>
-          <p:nvPr>
-            <p:ph idx="1"/>
-          </p:nvPr>
-        </p:nvSpPr>
-        <p:spPr/>
-        <p:txBody>
-          <a:bodyPr>
-            <a:normAutofit fontScale="70000" lnSpcReduction="20000"/>
-          </a:bodyPr>
-          <a:lstStyle/>
-          <a:p>
-            <a:pPr marL="228600" indent="-228600">
-              <a:lnSpc>
-                <a:spcPct val="90000"/>
-              </a:lnSpc>
-              <a:spcBef>
-                <a:spcPts val="1800"/>
-              </a:spcBef>
-              <a:buFont typeface="Wingdings" panose="05000000000000000000" pitchFamily="2" charset="2"/>
-              <a:buChar char="§"/>
-            </a:pPr>
-            <a:r>
-              <a:rPr lang="en-US" sz="2000" dirty="0"/>
-              <a:t>Problem Definition</a:t>
-            </a:r>
-          </a:p>
-          <a:p>
-            <a:pPr marL="228600" indent="-228600">
-              <a:lnSpc>
-                <a:spcPct val="90000"/>
-              </a:lnSpc>
-              <a:spcBef>
-                <a:spcPts val="1800"/>
-              </a:spcBef>
-              <a:buFont typeface="Wingdings" panose="05000000000000000000" pitchFamily="2" charset="2"/>
-              <a:buChar char="§"/>
-            </a:pPr>
-            <a:r>
-              <a:rPr lang="en-US" dirty="0"/>
-              <a:t>Requirement Specification</a:t>
-            </a:r>
-          </a:p>
-          <a:p>
-            <a:pPr marL="228600" indent="-228600">
-              <a:lnSpc>
-                <a:spcPct val="90000"/>
-              </a:lnSpc>
-              <a:spcBef>
-                <a:spcPts val="1800"/>
-              </a:spcBef>
-              <a:buFont typeface="Wingdings" panose="05000000000000000000" pitchFamily="2" charset="2"/>
-              <a:buChar char="§"/>
-            </a:pPr>
-            <a:r>
-              <a:rPr lang="en-US" sz="2000" dirty="0"/>
-              <a:t>Literature Survey</a:t>
-            </a:r>
-          </a:p>
-          <a:p>
-            <a:pPr marL="228600" indent="-228600">
-              <a:lnSpc>
-                <a:spcPct val="90000"/>
-              </a:lnSpc>
-              <a:spcBef>
-                <a:spcPts val="1800"/>
-              </a:spcBef>
-              <a:buFont typeface="Wingdings" panose="05000000000000000000" pitchFamily="2" charset="2"/>
-              <a:buChar char="§"/>
-            </a:pPr>
-            <a:r>
-              <a:rPr lang="en-US" sz="2000" dirty="0"/>
-              <a:t>Motivation of the Project</a:t>
-            </a:r>
-          </a:p>
-          <a:p>
-            <a:pPr marL="228600" indent="-228600">
-              <a:lnSpc>
-                <a:spcPct val="90000"/>
-              </a:lnSpc>
-              <a:spcBef>
-                <a:spcPts val="1800"/>
-              </a:spcBef>
-              <a:buFont typeface="Wingdings" panose="05000000000000000000" pitchFamily="2" charset="2"/>
-              <a:buChar char="§"/>
-            </a:pPr>
-            <a:r>
-              <a:rPr lang="en-US" sz="2000" dirty="0"/>
-              <a:t>Objectives</a:t>
-            </a:r>
-          </a:p>
-          <a:p>
-            <a:pPr marL="228600" indent="-228600">
-              <a:lnSpc>
-                <a:spcPct val="90000"/>
-              </a:lnSpc>
-              <a:spcBef>
-                <a:spcPts val="1800"/>
-              </a:spcBef>
-              <a:buFont typeface="Wingdings" panose="05000000000000000000" pitchFamily="2" charset="2"/>
-              <a:buChar char="§"/>
-            </a:pPr>
-            <a:r>
-              <a:rPr lang="en-US" sz="2000" dirty="0"/>
-              <a:t>Block diagram of Project/Architecture</a:t>
-            </a:r>
-          </a:p>
-          <a:p>
-            <a:pPr marL="228600" indent="-228600">
-              <a:lnSpc>
-                <a:spcPct val="90000"/>
-              </a:lnSpc>
-              <a:spcBef>
-                <a:spcPts val="1800"/>
-              </a:spcBef>
-              <a:buFont typeface="Wingdings" panose="05000000000000000000" pitchFamily="2" charset="2"/>
-              <a:buChar char="§"/>
-            </a:pPr>
-            <a:r>
-              <a:rPr lang="en-US" sz="2000" dirty="0"/>
-              <a:t>Methodology</a:t>
-            </a:r>
-          </a:p>
-          <a:p>
-            <a:pPr marL="228600" indent="-228600">
-              <a:lnSpc>
-                <a:spcPct val="90000"/>
-              </a:lnSpc>
-              <a:spcBef>
-                <a:spcPts val="1800"/>
-              </a:spcBef>
-              <a:buFont typeface="Wingdings" panose="05000000000000000000" pitchFamily="2" charset="2"/>
-              <a:buChar char="§"/>
-            </a:pPr>
-            <a:r>
-              <a:rPr lang="en-US" sz="2000" dirty="0"/>
-              <a:t>Mathematical Model</a:t>
-            </a:r>
-          </a:p>
-          <a:p>
-            <a:r>
-              <a:rPr lang="en-US" dirty="0"/>
-              <a:t>Experimental Set Up</a:t>
-            </a:r>
-          </a:p>
-          <a:p>
-            <a:r>
-              <a:rPr lang="en-US" sz="2000" dirty="0"/>
-              <a:t>Performance Parameter</a:t>
-            </a:r>
-          </a:p>
-          <a:p>
-            <a:r>
-              <a:rPr lang="en-US" dirty="0"/>
-              <a:t>Efficiency Issues</a:t>
-            </a:r>
-          </a:p>
-          <a:p>
-            <a:r>
-              <a:rPr lang="en-US" sz="2000" dirty="0"/>
-              <a:t>References</a:t>
-            </a:r>
-          </a:p>
-          <a:p>
-            <a:pPr marL="228600" indent="-228600">
-              <a:lnSpc>
-                <a:spcPct val="90000"/>
-              </a:lnSpc>
-              <a:spcBef>
-                <a:spcPts val="1800"/>
-              </a:spcBef>
-              <a:buFont typeface="Wingdings" panose="05000000000000000000" pitchFamily="2" charset="2"/>
-              <a:buChar char="§"/>
-            </a:pPr>
-            <a:endParaRPr lang="en-US" sz="2000" dirty="0"/>
-          </a:p>
-          <a:p>
-            <a:pPr marL="228600" indent="-228600">
-              <a:lnSpc>
-                <a:spcPct val="90000"/>
-              </a:lnSpc>
-              <a:spcBef>
-                <a:spcPts val="1800"/>
-              </a:spcBef>
-              <a:buFont typeface="Wingdings" panose="05000000000000000000" pitchFamily="2" charset="2"/>
-              <a:buChar char="§"/>
-            </a:pPr>
-            <a:endParaRPr lang="en-US" sz="2000" dirty="0"/>
-          </a:p>
-        </p:txBody>
-      </p:sp>
-      <p:sp>
-        <p:nvSpPr>
-          <p:cNvPr id="5" name="Footer Placeholder 4"/>
-          <p:cNvSpPr>
-            <a:spLocks noGrp="1"/>
-          </p:cNvSpPr>
-          <p:nvPr>
-            <p:ph type="ftr" sz="quarter" idx="11"/>
-          </p:nvPr>
-        </p:nvSpPr>
-        <p:spPr/>
-        <p:txBody>
-          <a:bodyPr/>
-          <a:lstStyle/>
-          <a:p>
-            <a:r>
-              <a:rPr lang="en-IN" sz="1200" dirty="0">
-                <a:cs typeface="Times New Roman" panose="02020603050405020304" pitchFamily="18" charset="0"/>
-              </a:rPr>
-              <a:t>Astronomical image colourisation and super-resolution using GANS</a:t>
-            </a:r>
-            <a:endParaRPr lang="en-IN" dirty="0"/>
-          </a:p>
-        </p:txBody>
-      </p:sp>
-      <p:pic>
-        <p:nvPicPr>
-          <p:cNvPr id="4" name="Picture 1"/>
-          <p:cNvPicPr>
-            <a:picLocks noChangeAspect="1" noChangeArrowheads="1"/>
-          </p:cNvPicPr>
-          <p:nvPr/>
-        </p:nvPicPr>
-        <p:blipFill>
-          <a:blip r:embed="rId2" cstate="print">
-            <a:extLst>
-              <a:ext uri="{28A0092B-C50C-407E-A947-70E740481C1C}">
-                <a14:useLocalDpi xmlns:a14="http://schemas.microsoft.com/office/drawing/2010/main" val="0"/>
-              </a:ext>
-            </a:extLst>
-          </a:blip>
-          <a:stretch>
-            <a:fillRect/>
-          </a:stretch>
-        </p:blipFill>
-        <p:spPr bwMode="auto">
-          <a:xfrm>
-            <a:off x="10919540" y="150750"/>
-            <a:ext cx="1233271" cy="1029803"/>
-          </a:xfrm>
-          <a:prstGeom prst="rect">
-            <a:avLst/>
-          </a:prstGeom>
-          <a:noFill/>
-          <a:ln w="9525">
-            <a:noFill/>
-            <a:miter lim="800000"/>
-            <a:headEnd/>
-            <a:tailEnd/>
-          </a:ln>
-        </p:spPr>
-      </p:pic>
-    </p:spTree>
-    <p:extLst>
-      <p:ext uri="{BB962C8B-B14F-4D97-AF65-F5344CB8AC3E}">
-        <p14:creationId xmlns:p14="http://schemas.microsoft.com/office/powerpoint/2010/main" val="1654255301"/>
-      </p:ext>
-    </p:extLst>
-  </p:cSld>
-  <p:clrMapOvr>
-    <a:masterClrMapping/>
-  </p:clrMapOvr>
-  <mc:AlternateContent xmlns:mc="http://schemas.openxmlformats.org/markup-compatibility/2006" xmlns:p14="http://schemas.microsoft.com/office/powerpoint/2010/main">
-    <mc:Choice Requires="p14">
-      <p:transition spd="med" p14:dur="700">
-        <p:fade/>
-      </p:transition>
-    </mc:Choice>
-    <mc:Fallback xmlns="">
-      <p:transition spd="med">
-        <p:fade/>
-      </p:transition>
-    </mc:Fallback>
-  </mc:AlternateContent>
-</p:sld>
-</file>
-
-<file path=ppt/slides/slide30.xml><?xml version="1.0" encoding="utf-8"?>
+<file path=ppt/slides/slide28.xml><?xml version="1.0" encoding="utf-8"?>
 <p:sld xmlns:a="http://schemas.openxmlformats.org/drawingml/2006/main" xmlns:r="http://schemas.openxmlformats.org/officeDocument/2006/relationships" xmlns:p="http://schemas.openxmlformats.org/presentationml/2006/main">
   <p:cSld>
     <p:spTree>
@@ -10393,7 +9683,7 @@
 </p:sld>
 </file>
 
-<file path=ppt/slides/slide31.xml><?xml version="1.0" encoding="utf-8"?>
+<file path=ppt/slides/slide29.xml><?xml version="1.0" encoding="utf-8"?>
 <p:sld xmlns:a="http://schemas.openxmlformats.org/drawingml/2006/main" xmlns:r="http://schemas.openxmlformats.org/officeDocument/2006/relationships" xmlns:p="http://schemas.openxmlformats.org/presentationml/2006/main">
   <p:cSld>
     <p:spTree>
@@ -10646,6 +9936,611 @@
 </p:sld>
 </file>
 
+<file path=ppt/slides/slide3.xml><?xml version="1.0" encoding="utf-8"?>
+<p:sld xmlns:a="http://schemas.openxmlformats.org/drawingml/2006/main" xmlns:r="http://schemas.openxmlformats.org/officeDocument/2006/relationships" xmlns:p="http://schemas.openxmlformats.org/presentationml/2006/main">
+  <p:cSld>
+    <p:spTree>
+      <p:nvGrpSpPr>
+        <p:cNvPr id="1" name=""/>
+        <p:cNvGrpSpPr/>
+        <p:nvPr/>
+      </p:nvGrpSpPr>
+      <p:grpSpPr>
+        <a:xfrm>
+          <a:off x="0" y="0"/>
+          <a:ext cx="0" cy="0"/>
+          <a:chOff x="0" y="0"/>
+          <a:chExt cx="0" cy="0"/>
+        </a:xfrm>
+      </p:grpSpPr>
+      <p:sp>
+        <p:nvSpPr>
+          <p:cNvPr id="13" name="Title 12"/>
+          <p:cNvSpPr>
+            <a:spLocks noGrp="1"/>
+          </p:cNvSpPr>
+          <p:nvPr>
+            <p:ph type="title"/>
+          </p:nvPr>
+        </p:nvSpPr>
+        <p:spPr/>
+        <p:txBody>
+          <a:bodyPr/>
+          <a:lstStyle/>
+          <a:p>
+            <a:r>
+              <a:rPr lang="en-US" dirty="0"/>
+              <a:t>Content</a:t>
+            </a:r>
+          </a:p>
+        </p:txBody>
+      </p:sp>
+      <p:sp>
+        <p:nvSpPr>
+          <p:cNvPr id="14" name="Content Placeholder 13"/>
+          <p:cNvSpPr>
+            <a:spLocks noGrp="1"/>
+          </p:cNvSpPr>
+          <p:nvPr>
+            <p:ph idx="1"/>
+          </p:nvPr>
+        </p:nvSpPr>
+        <p:spPr/>
+        <p:txBody>
+          <a:bodyPr>
+            <a:normAutofit fontScale="70000" lnSpcReduction="20000"/>
+          </a:bodyPr>
+          <a:lstStyle/>
+          <a:p>
+            <a:pPr marL="228600" indent="-228600">
+              <a:lnSpc>
+                <a:spcPct val="90000"/>
+              </a:lnSpc>
+              <a:spcBef>
+                <a:spcPts val="1800"/>
+              </a:spcBef>
+              <a:buFont typeface="Wingdings" panose="05000000000000000000" pitchFamily="2" charset="2"/>
+              <a:buChar char="§"/>
+            </a:pPr>
+            <a:r>
+              <a:rPr lang="en-US" sz="2000" dirty="0"/>
+              <a:t>Problem Definition</a:t>
+            </a:r>
+          </a:p>
+          <a:p>
+            <a:pPr marL="228600" indent="-228600">
+              <a:lnSpc>
+                <a:spcPct val="90000"/>
+              </a:lnSpc>
+              <a:spcBef>
+                <a:spcPts val="1800"/>
+              </a:spcBef>
+              <a:buFont typeface="Wingdings" panose="05000000000000000000" pitchFamily="2" charset="2"/>
+              <a:buChar char="§"/>
+            </a:pPr>
+            <a:r>
+              <a:rPr lang="en-US" dirty="0"/>
+              <a:t>Requirement Specification</a:t>
+            </a:r>
+          </a:p>
+          <a:p>
+            <a:pPr marL="228600" indent="-228600">
+              <a:lnSpc>
+                <a:spcPct val="90000"/>
+              </a:lnSpc>
+              <a:spcBef>
+                <a:spcPts val="1800"/>
+              </a:spcBef>
+              <a:buFont typeface="Wingdings" panose="05000000000000000000" pitchFamily="2" charset="2"/>
+              <a:buChar char="§"/>
+            </a:pPr>
+            <a:r>
+              <a:rPr lang="en-US" sz="2000" dirty="0"/>
+              <a:t>Literature Survey</a:t>
+            </a:r>
+          </a:p>
+          <a:p>
+            <a:pPr marL="228600" indent="-228600">
+              <a:lnSpc>
+                <a:spcPct val="90000"/>
+              </a:lnSpc>
+              <a:spcBef>
+                <a:spcPts val="1800"/>
+              </a:spcBef>
+              <a:buFont typeface="Wingdings" panose="05000000000000000000" pitchFamily="2" charset="2"/>
+              <a:buChar char="§"/>
+            </a:pPr>
+            <a:r>
+              <a:rPr lang="en-US" sz="2000" dirty="0"/>
+              <a:t>Motivation of the Project</a:t>
+            </a:r>
+          </a:p>
+          <a:p>
+            <a:pPr marL="228600" indent="-228600">
+              <a:lnSpc>
+                <a:spcPct val="90000"/>
+              </a:lnSpc>
+              <a:spcBef>
+                <a:spcPts val="1800"/>
+              </a:spcBef>
+              <a:buFont typeface="Wingdings" panose="05000000000000000000" pitchFamily="2" charset="2"/>
+              <a:buChar char="§"/>
+            </a:pPr>
+            <a:r>
+              <a:rPr lang="en-US" sz="2000" dirty="0"/>
+              <a:t>Objectives</a:t>
+            </a:r>
+          </a:p>
+          <a:p>
+            <a:pPr marL="228600" indent="-228600">
+              <a:lnSpc>
+                <a:spcPct val="90000"/>
+              </a:lnSpc>
+              <a:spcBef>
+                <a:spcPts val="1800"/>
+              </a:spcBef>
+              <a:buFont typeface="Wingdings" panose="05000000000000000000" pitchFamily="2" charset="2"/>
+              <a:buChar char="§"/>
+            </a:pPr>
+            <a:r>
+              <a:rPr lang="en-US" sz="2000" dirty="0"/>
+              <a:t>Block diagram of Project/Architecture</a:t>
+            </a:r>
+          </a:p>
+          <a:p>
+            <a:pPr marL="228600" indent="-228600">
+              <a:lnSpc>
+                <a:spcPct val="90000"/>
+              </a:lnSpc>
+              <a:spcBef>
+                <a:spcPts val="1800"/>
+              </a:spcBef>
+              <a:buFont typeface="Wingdings" panose="05000000000000000000" pitchFamily="2" charset="2"/>
+              <a:buChar char="§"/>
+            </a:pPr>
+            <a:r>
+              <a:rPr lang="en-US" sz="2000" dirty="0"/>
+              <a:t>Methodology</a:t>
+            </a:r>
+          </a:p>
+          <a:p>
+            <a:pPr marL="228600" indent="-228600">
+              <a:lnSpc>
+                <a:spcPct val="90000"/>
+              </a:lnSpc>
+              <a:spcBef>
+                <a:spcPts val="1800"/>
+              </a:spcBef>
+              <a:buFont typeface="Wingdings" panose="05000000000000000000" pitchFamily="2" charset="2"/>
+              <a:buChar char="§"/>
+            </a:pPr>
+            <a:r>
+              <a:rPr lang="en-US" sz="2000" dirty="0"/>
+              <a:t>Mathematical Model</a:t>
+            </a:r>
+          </a:p>
+          <a:p>
+            <a:r>
+              <a:rPr lang="en-US" dirty="0"/>
+              <a:t>Experimental Set Up</a:t>
+            </a:r>
+          </a:p>
+          <a:p>
+            <a:r>
+              <a:rPr lang="en-US" sz="2000" dirty="0"/>
+              <a:t>Performance Parameter</a:t>
+            </a:r>
+          </a:p>
+          <a:p>
+            <a:r>
+              <a:rPr lang="en-US" dirty="0"/>
+              <a:t>Efficiency Issues</a:t>
+            </a:r>
+          </a:p>
+          <a:p>
+            <a:r>
+              <a:rPr lang="en-US" sz="2000" dirty="0"/>
+              <a:t>References</a:t>
+            </a:r>
+          </a:p>
+          <a:p>
+            <a:pPr marL="228600" indent="-228600">
+              <a:lnSpc>
+                <a:spcPct val="90000"/>
+              </a:lnSpc>
+              <a:spcBef>
+                <a:spcPts val="1800"/>
+              </a:spcBef>
+              <a:buFont typeface="Wingdings" panose="05000000000000000000" pitchFamily="2" charset="2"/>
+              <a:buChar char="§"/>
+            </a:pPr>
+            <a:endParaRPr lang="en-US" sz="2000" dirty="0"/>
+          </a:p>
+          <a:p>
+            <a:pPr marL="228600" indent="-228600">
+              <a:lnSpc>
+                <a:spcPct val="90000"/>
+              </a:lnSpc>
+              <a:spcBef>
+                <a:spcPts val="1800"/>
+              </a:spcBef>
+              <a:buFont typeface="Wingdings" panose="05000000000000000000" pitchFamily="2" charset="2"/>
+              <a:buChar char="§"/>
+            </a:pPr>
+            <a:endParaRPr lang="en-US" sz="2000" dirty="0"/>
+          </a:p>
+        </p:txBody>
+      </p:sp>
+      <p:sp>
+        <p:nvSpPr>
+          <p:cNvPr id="5" name="Footer Placeholder 4"/>
+          <p:cNvSpPr>
+            <a:spLocks noGrp="1"/>
+          </p:cNvSpPr>
+          <p:nvPr>
+            <p:ph type="ftr" sz="quarter" idx="11"/>
+          </p:nvPr>
+        </p:nvSpPr>
+        <p:spPr/>
+        <p:txBody>
+          <a:bodyPr/>
+          <a:lstStyle/>
+          <a:p>
+            <a:r>
+              <a:rPr lang="en-IN" sz="1200" dirty="0">
+                <a:cs typeface="Times New Roman" panose="02020603050405020304" pitchFamily="18" charset="0"/>
+              </a:rPr>
+              <a:t>Astronomical image colourisation and super-resolution using GANS</a:t>
+            </a:r>
+            <a:endParaRPr lang="en-IN" dirty="0"/>
+          </a:p>
+        </p:txBody>
+      </p:sp>
+      <p:pic>
+        <p:nvPicPr>
+          <p:cNvPr id="4" name="Picture 1"/>
+          <p:cNvPicPr>
+            <a:picLocks noChangeAspect="1" noChangeArrowheads="1"/>
+          </p:cNvPicPr>
+          <p:nvPr/>
+        </p:nvPicPr>
+        <p:blipFill>
+          <a:blip r:embed="rId2" cstate="print">
+            <a:extLst>
+              <a:ext uri="{28A0092B-C50C-407E-A947-70E740481C1C}">
+                <a14:useLocalDpi xmlns:a14="http://schemas.microsoft.com/office/drawing/2010/main" val="0"/>
+              </a:ext>
+            </a:extLst>
+          </a:blip>
+          <a:stretch>
+            <a:fillRect/>
+          </a:stretch>
+        </p:blipFill>
+        <p:spPr bwMode="auto">
+          <a:xfrm>
+            <a:off x="10919540" y="150750"/>
+            <a:ext cx="1233271" cy="1029803"/>
+          </a:xfrm>
+          <a:prstGeom prst="rect">
+            <a:avLst/>
+          </a:prstGeom>
+          <a:noFill/>
+          <a:ln w="9525">
+            <a:noFill/>
+            <a:miter lim="800000"/>
+            <a:headEnd/>
+            <a:tailEnd/>
+          </a:ln>
+        </p:spPr>
+      </p:pic>
+    </p:spTree>
+    <p:extLst>
+      <p:ext uri="{BB962C8B-B14F-4D97-AF65-F5344CB8AC3E}">
+        <p14:creationId xmlns:p14="http://schemas.microsoft.com/office/powerpoint/2010/main" val="1654255301"/>
+      </p:ext>
+    </p:extLst>
+  </p:cSld>
+  <p:clrMapOvr>
+    <a:masterClrMapping/>
+  </p:clrMapOvr>
+  <mc:AlternateContent xmlns:mc="http://schemas.openxmlformats.org/markup-compatibility/2006" xmlns:p14="http://schemas.microsoft.com/office/powerpoint/2010/main">
+    <mc:Choice Requires="p14">
+      <p:transition spd="med" p14:dur="700">
+        <p:fade/>
+      </p:transition>
+    </mc:Choice>
+    <mc:Fallback xmlns="">
+      <p:transition spd="med">
+        <p:fade/>
+      </p:transition>
+    </mc:Fallback>
+  </mc:AlternateContent>
+</p:sld>
+</file>
+
+<file path=ppt/slides/slide30.xml><?xml version="1.0" encoding="utf-8"?>
+<p:sld xmlns:a="http://schemas.openxmlformats.org/drawingml/2006/main" xmlns:r="http://schemas.openxmlformats.org/officeDocument/2006/relationships" xmlns:p="http://schemas.openxmlformats.org/presentationml/2006/main">
+  <p:cSld>
+    <p:spTree>
+      <p:nvGrpSpPr>
+        <p:cNvPr id="1" name=""/>
+        <p:cNvGrpSpPr/>
+        <p:nvPr/>
+      </p:nvGrpSpPr>
+      <p:grpSpPr>
+        <a:xfrm>
+          <a:off x="0" y="0"/>
+          <a:ext cx="0" cy="0"/>
+          <a:chOff x="0" y="0"/>
+          <a:chExt cx="0" cy="0"/>
+        </a:xfrm>
+      </p:grpSpPr>
+      <p:sp>
+        <p:nvSpPr>
+          <p:cNvPr id="2" name="Title 1">
+            <a:extLst>
+              <a:ext uri="{FF2B5EF4-FFF2-40B4-BE49-F238E27FC236}">
+                <a16:creationId xmlns:a16="http://schemas.microsoft.com/office/drawing/2014/main" id="{2644FDE2-7D90-484D-AFF5-7BFD7B5D3C58}"/>
+              </a:ext>
+            </a:extLst>
+          </p:cNvPr>
+          <p:cNvSpPr>
+            <a:spLocks noGrp="1"/>
+          </p:cNvSpPr>
+          <p:nvPr>
+            <p:ph type="title"/>
+          </p:nvPr>
+        </p:nvSpPr>
+        <p:spPr/>
+        <p:txBody>
+          <a:bodyPr/>
+          <a:lstStyle/>
+          <a:p>
+            <a:r>
+              <a:rPr lang="en-US" dirty="0"/>
+              <a:t>Performance Parameters</a:t>
+            </a:r>
+          </a:p>
+        </p:txBody>
+      </p:sp>
+      <p:pic>
+        <p:nvPicPr>
+          <p:cNvPr id="6" name="Content Placeholder 5">
+            <a:extLst>
+              <a:ext uri="{FF2B5EF4-FFF2-40B4-BE49-F238E27FC236}">
+                <a16:creationId xmlns:a16="http://schemas.microsoft.com/office/drawing/2014/main" id="{1981E619-75B8-4093-A8D9-6959118FA6A1}"/>
+              </a:ext>
+            </a:extLst>
+          </p:cNvPr>
+          <p:cNvPicPr>
+            <a:picLocks noGrp="1" noChangeAspect="1"/>
+          </p:cNvPicPr>
+          <p:nvPr>
+            <p:ph idx="1"/>
+          </p:nvPr>
+        </p:nvPicPr>
+        <p:blipFill>
+          <a:blip r:embed="rId2"/>
+          <a:stretch>
+            <a:fillRect/>
+          </a:stretch>
+        </p:blipFill>
+        <p:spPr>
+          <a:xfrm>
+            <a:off x="1393997" y="1836831"/>
+            <a:ext cx="9402487" cy="1524213"/>
+          </a:xfrm>
+        </p:spPr>
+      </p:pic>
+      <p:sp>
+        <p:nvSpPr>
+          <p:cNvPr id="4" name="Footer Placeholder 3">
+            <a:extLst>
+              <a:ext uri="{FF2B5EF4-FFF2-40B4-BE49-F238E27FC236}">
+                <a16:creationId xmlns:a16="http://schemas.microsoft.com/office/drawing/2014/main" id="{0C3D8EA0-6BA6-4DF2-88B0-EF2A4189F93F}"/>
+              </a:ext>
+            </a:extLst>
+          </p:cNvPr>
+          <p:cNvSpPr>
+            <a:spLocks noGrp="1"/>
+          </p:cNvSpPr>
+          <p:nvPr>
+            <p:ph type="ftr" sz="quarter" idx="11"/>
+          </p:nvPr>
+        </p:nvSpPr>
+        <p:spPr/>
+        <p:txBody>
+          <a:bodyPr/>
+          <a:lstStyle/>
+          <a:p>
+            <a:r>
+              <a:rPr lang="en-IN"/>
+              <a:t>Title of the Course</a:t>
+            </a:r>
+          </a:p>
+        </p:txBody>
+      </p:sp>
+    </p:spTree>
+    <p:extLst>
+      <p:ext uri="{BB962C8B-B14F-4D97-AF65-F5344CB8AC3E}">
+        <p14:creationId xmlns:p14="http://schemas.microsoft.com/office/powerpoint/2010/main" val="2741955053"/>
+      </p:ext>
+    </p:extLst>
+  </p:cSld>
+  <p:clrMapOvr>
+    <a:masterClrMapping/>
+  </p:clrMapOvr>
+  <mc:AlternateContent xmlns:mc="http://schemas.openxmlformats.org/markup-compatibility/2006" xmlns:p14="http://schemas.microsoft.com/office/powerpoint/2010/main">
+    <mc:Choice Requires="p14">
+      <p:transition spd="med" p14:dur="700">
+        <p:fade/>
+      </p:transition>
+    </mc:Choice>
+    <mc:Fallback xmlns="">
+      <p:transition spd="med">
+        <p:fade/>
+      </p:transition>
+    </mc:Fallback>
+  </mc:AlternateContent>
+</p:sld>
+</file>
+
+<file path=ppt/slides/slide31.xml><?xml version="1.0" encoding="utf-8"?>
+<p:sld xmlns:a="http://schemas.openxmlformats.org/drawingml/2006/main" xmlns:r="http://schemas.openxmlformats.org/officeDocument/2006/relationships" xmlns:p="http://schemas.openxmlformats.org/presentationml/2006/main">
+  <p:cSld>
+    <p:spTree>
+      <p:nvGrpSpPr>
+        <p:cNvPr id="1" name=""/>
+        <p:cNvGrpSpPr/>
+        <p:nvPr/>
+      </p:nvGrpSpPr>
+      <p:grpSpPr>
+        <a:xfrm>
+          <a:off x="0" y="0"/>
+          <a:ext cx="0" cy="0"/>
+          <a:chOff x="0" y="0"/>
+          <a:chExt cx="0" cy="0"/>
+        </a:xfrm>
+      </p:grpSpPr>
+      <p:sp>
+        <p:nvSpPr>
+          <p:cNvPr id="2" name="Title 1">
+            <a:extLst>
+              <a:ext uri="{FF2B5EF4-FFF2-40B4-BE49-F238E27FC236}">
+                <a16:creationId xmlns:a16="http://schemas.microsoft.com/office/drawing/2014/main" id="{515C154E-1383-4623-8BD9-DC1CE79CA7B7}"/>
+              </a:ext>
+            </a:extLst>
+          </p:cNvPr>
+          <p:cNvSpPr>
+            <a:spLocks noGrp="1"/>
+          </p:cNvSpPr>
+          <p:nvPr>
+            <p:ph type="title"/>
+          </p:nvPr>
+        </p:nvSpPr>
+        <p:spPr/>
+        <p:txBody>
+          <a:bodyPr/>
+          <a:lstStyle/>
+          <a:p>
+            <a:r>
+              <a:rPr lang="en-US" dirty="0"/>
+              <a:t>Efficiency Issues</a:t>
+            </a:r>
+          </a:p>
+        </p:txBody>
+      </p:sp>
+      <p:sp>
+        <p:nvSpPr>
+          <p:cNvPr id="3" name="Content Placeholder 2">
+            <a:extLst>
+              <a:ext uri="{FF2B5EF4-FFF2-40B4-BE49-F238E27FC236}">
+                <a16:creationId xmlns:a16="http://schemas.microsoft.com/office/drawing/2014/main" id="{4AF4CFE7-2266-41A1-B6EF-966C6526A2AF}"/>
+              </a:ext>
+            </a:extLst>
+          </p:cNvPr>
+          <p:cNvSpPr>
+            <a:spLocks noGrp="1"/>
+          </p:cNvSpPr>
+          <p:nvPr>
+            <p:ph idx="1"/>
+          </p:nvPr>
+        </p:nvSpPr>
+        <p:spPr/>
+        <p:txBody>
+          <a:bodyPr/>
+          <a:lstStyle/>
+          <a:p>
+            <a:r>
+              <a:rPr lang="en-US" dirty="0"/>
+              <a:t>The data gathered had to be scraped off websites such as the Hubble Legacy archive and Hubble main website</a:t>
+            </a:r>
+          </a:p>
+          <a:p>
+            <a:r>
+              <a:rPr lang="en-US" dirty="0"/>
+              <a:t>This yielded in more images than were useful. So we focused on a particular section of the sky where we could get the images of galaxy M101</a:t>
+            </a:r>
+          </a:p>
+          <a:p>
+            <a:r>
+              <a:rPr lang="en-US" dirty="0"/>
+              <a:t>This still yielded in about 400,000 images which had to be manually filtered</a:t>
+            </a:r>
+          </a:p>
+          <a:p>
+            <a:r>
+              <a:rPr lang="en-US" dirty="0"/>
+              <a:t>Even with all the images available, the network training will require huge computational resources to perform efficiently</a:t>
+            </a:r>
+          </a:p>
+          <a:p>
+            <a:r>
+              <a:rPr lang="en-US" dirty="0"/>
+              <a:t>The network parameters exceed the available training data and will require augmentation to avoid overfitting </a:t>
+            </a:r>
+          </a:p>
+          <a:p>
+            <a:r>
+              <a:rPr lang="en-US" dirty="0"/>
+              <a:t>A quantitative evaluation of a GAN is considerably difficult even with the availability of the ground truth images</a:t>
+            </a:r>
+          </a:p>
+        </p:txBody>
+      </p:sp>
+      <p:sp>
+        <p:nvSpPr>
+          <p:cNvPr id="4" name="Footer Placeholder 3">
+            <a:extLst>
+              <a:ext uri="{FF2B5EF4-FFF2-40B4-BE49-F238E27FC236}">
+                <a16:creationId xmlns:a16="http://schemas.microsoft.com/office/drawing/2014/main" id="{479926B9-6778-4DA9-BCBA-AC30CF378207}"/>
+              </a:ext>
+            </a:extLst>
+          </p:cNvPr>
+          <p:cNvSpPr>
+            <a:spLocks noGrp="1"/>
+          </p:cNvSpPr>
+          <p:nvPr>
+            <p:ph type="ftr" sz="quarter" idx="11"/>
+          </p:nvPr>
+        </p:nvSpPr>
+        <p:spPr/>
+        <p:txBody>
+          <a:bodyPr/>
+          <a:lstStyle/>
+          <a:p>
+            <a:r>
+              <a:rPr lang="en-IN"/>
+              <a:t>Title of the Course</a:t>
+            </a:r>
+          </a:p>
+        </p:txBody>
+      </p:sp>
+    </p:spTree>
+    <p:extLst>
+      <p:ext uri="{BB962C8B-B14F-4D97-AF65-F5344CB8AC3E}">
+        <p14:creationId xmlns:p14="http://schemas.microsoft.com/office/powerpoint/2010/main" val="1342927445"/>
+      </p:ext>
+    </p:extLst>
+  </p:cSld>
+  <p:clrMapOvr>
+    <a:masterClrMapping/>
+  </p:clrMapOvr>
+  <mc:AlternateContent xmlns:mc="http://schemas.openxmlformats.org/markup-compatibility/2006" xmlns:p14="http://schemas.microsoft.com/office/powerpoint/2010/main">
+    <mc:Choice Requires="p14">
+      <p:transition spd="med" p14:dur="700">
+        <p:fade/>
+      </p:transition>
+    </mc:Choice>
+    <mc:Fallback xmlns="">
+      <p:transition spd="med">
+        <p:fade/>
+      </p:transition>
+    </mc:Fallback>
+  </mc:AlternateContent>
+</p:sld>
+</file>
+
 <file path=ppt/slides/slide32.xml><?xml version="1.0" encoding="utf-8"?>
 <p:sld xmlns:a="http://schemas.openxmlformats.org/drawingml/2006/main" xmlns:r="http://schemas.openxmlformats.org/officeDocument/2006/relationships" xmlns:p="http://schemas.openxmlformats.org/presentationml/2006/main">
   <p:cSld>
@@ -10668,7 +10563,7 @@
           <p:cNvPr id="2" name="Title 1">
             <a:extLst>
               <a:ext uri="{FF2B5EF4-FFF2-40B4-BE49-F238E27FC236}">
-                <a16:creationId xmlns:a16="http://schemas.microsoft.com/office/drawing/2014/main" id="{2644FDE2-7D90-484D-AFF5-7BFD7B5D3C58}"/>
+                <a16:creationId xmlns:a16="http://schemas.microsoft.com/office/drawing/2014/main" id="{1B088865-DEAE-4612-97AF-B61F6AF552E8}"/>
               </a:ext>
             </a:extLst>
           </p:cNvPr>
@@ -10686,46 +10581,324 @@
           <a:p>
             <a:r>
               <a:rPr lang="en-US" dirty="0"/>
-              <a:t>Performance Parameters</a:t>
-            </a:r>
-          </a:p>
-        </p:txBody>
-      </p:sp>
-      <p:pic>
-        <p:nvPicPr>
-          <p:cNvPr id="6" name="Content Placeholder 5">
+              <a:t>References</a:t>
+            </a:r>
+          </a:p>
+        </p:txBody>
+      </p:sp>
+      <p:sp>
+        <p:nvSpPr>
+          <p:cNvPr id="3" name="Content Placeholder 2">
             <a:extLst>
               <a:ext uri="{FF2B5EF4-FFF2-40B4-BE49-F238E27FC236}">
-                <a16:creationId xmlns:a16="http://schemas.microsoft.com/office/drawing/2014/main" id="{1981E619-75B8-4093-A8D9-6959118FA6A1}"/>
+                <a16:creationId xmlns:a16="http://schemas.microsoft.com/office/drawing/2014/main" id="{EA8DEEA1-8858-40B0-9169-F753007ABA02}"/>
               </a:ext>
             </a:extLst>
           </p:cNvPr>
-          <p:cNvPicPr>
-            <a:picLocks noGrp="1" noChangeAspect="1"/>
-          </p:cNvPicPr>
+          <p:cNvSpPr>
+            <a:spLocks noGrp="1"/>
+          </p:cNvSpPr>
           <p:nvPr>
             <p:ph idx="1"/>
           </p:nvPr>
-        </p:nvPicPr>
-        <p:blipFill>
-          <a:blip r:embed="rId2"/>
-          <a:stretch>
-            <a:fillRect/>
-          </a:stretch>
-        </p:blipFill>
-        <p:spPr>
-          <a:xfrm>
-            <a:off x="1393997" y="1836831"/>
-            <a:ext cx="9402487" cy="1524213"/>
-          </a:xfrm>
-        </p:spPr>
-      </p:pic>
+        </p:nvSpPr>
+        <p:spPr/>
+        <p:txBody>
+          <a:bodyPr>
+            <a:normAutofit/>
+          </a:bodyPr>
+          <a:lstStyle/>
+          <a:p>
+            <a:r>
+              <a:rPr lang="en-US" sz="1400" b="0" i="0" u="none" strike="noStrike" baseline="0" dirty="0">
+                <a:latin typeface="Times New Roman" panose="02020603050405020304" pitchFamily="18" charset="0"/>
+                <a:cs typeface="Times New Roman" panose="02020603050405020304" pitchFamily="18" charset="0"/>
+              </a:rPr>
+              <a:t>Cheng, Z., Yang, Q. and Sheng, B. (2016). Deep colorization.</a:t>
+            </a:r>
+          </a:p>
+          <a:p>
+            <a:r>
+              <a:rPr lang="en-US" sz="1400" b="0" i="0" u="none" strike="noStrike" baseline="0" dirty="0">
+                <a:latin typeface="Times New Roman" panose="02020603050405020304" pitchFamily="18" charset="0"/>
+                <a:cs typeface="Times New Roman" panose="02020603050405020304" pitchFamily="18" charset="0"/>
+              </a:rPr>
+              <a:t>Dahl, R. (2016). Automatic colorization.</a:t>
+            </a:r>
+            <a:endParaRPr lang="en-US" sz="1400" dirty="0">
+              <a:latin typeface="Times New Roman" panose="02020603050405020304" pitchFamily="18" charset="0"/>
+              <a:cs typeface="Times New Roman" panose="02020603050405020304" pitchFamily="18" charset="0"/>
+            </a:endParaRPr>
+          </a:p>
+          <a:p>
+            <a:pPr algn="l"/>
+            <a:r>
+              <a:rPr lang="en-US" sz="1400" b="0" i="0" u="none" strike="noStrike" baseline="0" dirty="0">
+                <a:latin typeface="Times New Roman" panose="02020603050405020304" pitchFamily="18" charset="0"/>
+                <a:cs typeface="Times New Roman" panose="02020603050405020304" pitchFamily="18" charset="0"/>
+              </a:rPr>
+              <a:t>Dong, C., Loy, C. C., He, K. and Tang, X. (2014). Learning a deep convolutional network for image super-resolution, </a:t>
+            </a:r>
+            <a:r>
+              <a:rPr lang="en-US" sz="1400" b="0" i="1" u="none" strike="noStrike" baseline="0" dirty="0">
+                <a:latin typeface="Times New Roman" panose="02020603050405020304" pitchFamily="18" charset="0"/>
+                <a:cs typeface="Times New Roman" panose="02020603050405020304" pitchFamily="18" charset="0"/>
+              </a:rPr>
+              <a:t>in</a:t>
+            </a:r>
+            <a:r>
+              <a:rPr lang="en-US" sz="1400" b="0" i="0" u="none" strike="noStrike" baseline="0" dirty="0">
+                <a:latin typeface="Times New Roman" panose="02020603050405020304" pitchFamily="18" charset="0"/>
+                <a:cs typeface="Times New Roman" panose="02020603050405020304" pitchFamily="18" charset="0"/>
+              </a:rPr>
+              <a:t> D. Fleet, T. 	</a:t>
+            </a:r>
+            <a:r>
+              <a:rPr lang="en-US" sz="1400" b="0" i="0" u="none" strike="noStrike" baseline="0" dirty="0" err="1">
+                <a:latin typeface="Times New Roman" panose="02020603050405020304" pitchFamily="18" charset="0"/>
+                <a:cs typeface="Times New Roman" panose="02020603050405020304" pitchFamily="18" charset="0"/>
+              </a:rPr>
+              <a:t>Pajdla</a:t>
+            </a:r>
+            <a:r>
+              <a:rPr lang="en-US" sz="1400" b="0" i="0" u="none" strike="noStrike" baseline="0" dirty="0">
+                <a:latin typeface="Times New Roman" panose="02020603050405020304" pitchFamily="18" charset="0"/>
+                <a:cs typeface="Times New Roman" panose="02020603050405020304" pitchFamily="18" charset="0"/>
+              </a:rPr>
+              <a:t>, B. Schiele and T. </a:t>
+            </a:r>
+            <a:r>
+              <a:rPr lang="en-US" sz="1400" b="0" i="0" u="none" strike="noStrike" baseline="0" dirty="0" err="1">
+                <a:latin typeface="Times New Roman" panose="02020603050405020304" pitchFamily="18" charset="0"/>
+                <a:cs typeface="Times New Roman" panose="02020603050405020304" pitchFamily="18" charset="0"/>
+              </a:rPr>
+              <a:t>Tuytelaars</a:t>
+            </a:r>
+            <a:r>
+              <a:rPr lang="en-US" sz="1400" dirty="0">
+                <a:latin typeface="Times New Roman" panose="02020603050405020304" pitchFamily="18" charset="0"/>
+                <a:cs typeface="Times New Roman" panose="02020603050405020304" pitchFamily="18" charset="0"/>
+              </a:rPr>
+              <a:t> </a:t>
+            </a:r>
+            <a:r>
+              <a:rPr lang="en-US" sz="1400" b="0" i="0" u="none" strike="noStrike" baseline="0" dirty="0">
+                <a:latin typeface="Times New Roman" panose="02020603050405020304" pitchFamily="18" charset="0"/>
+                <a:cs typeface="Times New Roman" panose="02020603050405020304" pitchFamily="18" charset="0"/>
+              </a:rPr>
+              <a:t>(eds), </a:t>
+            </a:r>
+            <a:r>
+              <a:rPr lang="en-US" sz="1400" b="0" i="1" u="none" strike="noStrike" baseline="0" dirty="0">
+                <a:latin typeface="Times New Roman" panose="02020603050405020304" pitchFamily="18" charset="0"/>
+                <a:cs typeface="Times New Roman" panose="02020603050405020304" pitchFamily="18" charset="0"/>
+              </a:rPr>
+              <a:t>Computer Vision – ECCV 2014</a:t>
+            </a:r>
+            <a:r>
+              <a:rPr lang="en-US" sz="1400" b="0" i="0" u="none" strike="noStrike" baseline="0" dirty="0">
+                <a:latin typeface="Times New Roman" panose="02020603050405020304" pitchFamily="18" charset="0"/>
+                <a:cs typeface="Times New Roman" panose="02020603050405020304" pitchFamily="18" charset="0"/>
+              </a:rPr>
+              <a:t>, Springer International Publishing, </a:t>
+            </a:r>
+          </a:p>
+          <a:p>
+            <a:pPr marL="457200" lvl="1" indent="0">
+              <a:buNone/>
+            </a:pPr>
+            <a:r>
+              <a:rPr lang="en-US" sz="1400" dirty="0">
+                <a:latin typeface="Times New Roman" panose="02020603050405020304" pitchFamily="18" charset="0"/>
+                <a:cs typeface="Times New Roman" panose="02020603050405020304" pitchFamily="18" charset="0"/>
+              </a:rPr>
+              <a:t>	</a:t>
+            </a:r>
+            <a:r>
+              <a:rPr lang="en-US" sz="1400" b="0" i="0" u="none" strike="noStrike" baseline="0" dirty="0">
+                <a:latin typeface="Times New Roman" panose="02020603050405020304" pitchFamily="18" charset="0"/>
+                <a:cs typeface="Times New Roman" panose="02020603050405020304" pitchFamily="18" charset="0"/>
+              </a:rPr>
+              <a:t>Cham, pp. 184-199.</a:t>
+            </a:r>
+          </a:p>
+          <a:p>
+            <a:pPr algn="l"/>
+            <a:r>
+              <a:rPr lang="en-US" sz="1400" b="0" i="0" u="none" strike="noStrike" baseline="0" dirty="0">
+                <a:latin typeface="Times New Roman" panose="02020603050405020304" pitchFamily="18" charset="0"/>
+                <a:cs typeface="Times New Roman" panose="02020603050405020304" pitchFamily="18" charset="0"/>
+              </a:rPr>
+              <a:t>Goodfellow, I. J., </a:t>
+            </a:r>
+            <a:r>
+              <a:rPr lang="en-US" sz="1400" b="0" i="0" u="none" strike="noStrike" baseline="0" dirty="0" err="1">
+                <a:latin typeface="Times New Roman" panose="02020603050405020304" pitchFamily="18" charset="0"/>
+                <a:cs typeface="Times New Roman" panose="02020603050405020304" pitchFamily="18" charset="0"/>
+              </a:rPr>
+              <a:t>Pouget</a:t>
+            </a:r>
+            <a:r>
+              <a:rPr lang="en-US" sz="1400" b="0" i="0" u="none" strike="noStrike" baseline="0" dirty="0">
+                <a:latin typeface="Times New Roman" panose="02020603050405020304" pitchFamily="18" charset="0"/>
+                <a:cs typeface="Times New Roman" panose="02020603050405020304" pitchFamily="18" charset="0"/>
+              </a:rPr>
+              <a:t>-Abadie, J., Mirza, M., Xu, B., </a:t>
+            </a:r>
+            <a:r>
+              <a:rPr lang="en-US" sz="1400" b="0" i="0" u="none" strike="noStrike" baseline="0" dirty="0" err="1">
+                <a:latin typeface="Times New Roman" panose="02020603050405020304" pitchFamily="18" charset="0"/>
+                <a:cs typeface="Times New Roman" panose="02020603050405020304" pitchFamily="18" charset="0"/>
+              </a:rPr>
+              <a:t>Warde</a:t>
+            </a:r>
+            <a:r>
+              <a:rPr lang="en-US" sz="1400" b="0" i="0" u="none" strike="noStrike" baseline="0" dirty="0">
+                <a:latin typeface="Times New Roman" panose="02020603050405020304" pitchFamily="18" charset="0"/>
+                <a:cs typeface="Times New Roman" panose="02020603050405020304" pitchFamily="18" charset="0"/>
+              </a:rPr>
+              <a:t>-Farley, D., </a:t>
+            </a:r>
+            <a:r>
+              <a:rPr lang="en-US" sz="1400" b="0" i="0" u="none" strike="noStrike" baseline="0" dirty="0" err="1">
+                <a:latin typeface="Times New Roman" panose="02020603050405020304" pitchFamily="18" charset="0"/>
+                <a:cs typeface="Times New Roman" panose="02020603050405020304" pitchFamily="18" charset="0"/>
+              </a:rPr>
+              <a:t>Ozair</a:t>
+            </a:r>
+            <a:r>
+              <a:rPr lang="en-US" sz="1400" b="0" i="0" u="none" strike="noStrike" baseline="0" dirty="0">
+                <a:latin typeface="Times New Roman" panose="02020603050405020304" pitchFamily="18" charset="0"/>
+                <a:cs typeface="Times New Roman" panose="02020603050405020304" pitchFamily="18" charset="0"/>
+              </a:rPr>
+              <a:t>, S., Courville, A. and  </a:t>
+            </a:r>
+            <a:r>
+              <a:rPr lang="en-US" sz="1400" b="0" i="0" u="none" strike="noStrike" baseline="0" dirty="0" err="1">
+                <a:latin typeface="Times New Roman" panose="02020603050405020304" pitchFamily="18" charset="0"/>
+                <a:cs typeface="Times New Roman" panose="02020603050405020304" pitchFamily="18" charset="0"/>
+              </a:rPr>
+              <a:t>Bengio</a:t>
+            </a:r>
+            <a:r>
+              <a:rPr lang="en-US" sz="1400" b="0" i="0" u="none" strike="noStrike" baseline="0" dirty="0">
+                <a:latin typeface="Times New Roman" panose="02020603050405020304" pitchFamily="18" charset="0"/>
+                <a:cs typeface="Times New Roman" panose="02020603050405020304" pitchFamily="18" charset="0"/>
+              </a:rPr>
+              <a:t>, Y. (2014). </a:t>
+            </a:r>
+            <a:endParaRPr lang="en-US" sz="1400" dirty="0">
+              <a:latin typeface="Times New Roman" panose="02020603050405020304" pitchFamily="18" charset="0"/>
+              <a:cs typeface="Times New Roman" panose="02020603050405020304" pitchFamily="18" charset="0"/>
+            </a:endParaRPr>
+          </a:p>
+          <a:p>
+            <a:pPr marL="457200" lvl="1" indent="0">
+              <a:buNone/>
+            </a:pPr>
+            <a:r>
+              <a:rPr lang="en-US" sz="1400" b="0" i="0" u="none" strike="noStrike" baseline="0" dirty="0">
+                <a:latin typeface="Times New Roman" panose="02020603050405020304" pitchFamily="18" charset="0"/>
+                <a:cs typeface="Times New Roman" panose="02020603050405020304" pitchFamily="18" charset="0"/>
+              </a:rPr>
+              <a:t>	Generative adversarial networks.</a:t>
+            </a:r>
+          </a:p>
+          <a:p>
+            <a:pPr algn="l"/>
+            <a:r>
+              <a:rPr lang="en-US" sz="1400" b="0" i="0" u="none" strike="noStrike" baseline="0" dirty="0">
+                <a:latin typeface="Times New Roman" panose="02020603050405020304" pitchFamily="18" charset="0"/>
+                <a:cs typeface="Times New Roman" panose="02020603050405020304" pitchFamily="18" charset="0"/>
+              </a:rPr>
+              <a:t>He, K., Zhang, X., Ren, S. and Sun, J. (2015). Deep residual learning for image recognition.</a:t>
+            </a:r>
+          </a:p>
+          <a:p>
+            <a:pPr algn="l"/>
+            <a:r>
+              <a:rPr lang="de-DE" sz="1400" b="0" i="0" u="none" strike="noStrike" baseline="0" dirty="0">
+                <a:latin typeface="Times New Roman" panose="02020603050405020304" pitchFamily="18" charset="0"/>
+                <a:cs typeface="Times New Roman" panose="02020603050405020304" pitchFamily="18" charset="0"/>
+              </a:rPr>
+              <a:t>Huang, Y.-C., Tung, Y.-S., Chen, J.-C., Wang, S.-W. and Wu, J.-L. (2005). An </a:t>
+            </a:r>
+            <a:r>
+              <a:rPr lang="en-US" sz="1400" b="0" i="0" u="none" strike="noStrike" baseline="0" dirty="0">
+                <a:latin typeface="Times New Roman" panose="02020603050405020304" pitchFamily="18" charset="0"/>
+                <a:cs typeface="Times New Roman" panose="02020603050405020304" pitchFamily="18" charset="0"/>
+              </a:rPr>
+              <a:t>adaptive edge detection based colorization algorithm and 	its applications, pp. 351–354.</a:t>
+            </a:r>
+          </a:p>
+          <a:p>
+            <a:pPr algn="l"/>
+            <a:r>
+              <a:rPr lang="en-US" sz="1400" b="0" i="0" u="none" strike="noStrike" baseline="0" dirty="0">
+                <a:latin typeface="Times New Roman" panose="02020603050405020304" pitchFamily="18" charset="0"/>
+                <a:cs typeface="Times New Roman" panose="02020603050405020304" pitchFamily="18" charset="0"/>
+              </a:rPr>
+              <a:t>Isola, P., Zhu, J.-Y., Zhou, T. and </a:t>
+            </a:r>
+            <a:r>
+              <a:rPr lang="en-US" sz="1400" b="0" i="0" u="none" strike="noStrike" baseline="0" dirty="0" err="1">
+                <a:latin typeface="Times New Roman" panose="02020603050405020304" pitchFamily="18" charset="0"/>
+                <a:cs typeface="Times New Roman" panose="02020603050405020304" pitchFamily="18" charset="0"/>
+              </a:rPr>
+              <a:t>Efros</a:t>
+            </a:r>
+            <a:r>
+              <a:rPr lang="en-US" sz="1400" b="0" i="0" u="none" strike="noStrike" baseline="0" dirty="0">
+                <a:latin typeface="Times New Roman" panose="02020603050405020304" pitchFamily="18" charset="0"/>
+                <a:cs typeface="Times New Roman" panose="02020603050405020304" pitchFamily="18" charset="0"/>
+              </a:rPr>
+              <a:t>, A. A. (2018). Image-to-image translation with conditional adversarial networks.</a:t>
+            </a:r>
+          </a:p>
+          <a:p>
+            <a:pPr algn="l"/>
+            <a:r>
+              <a:rPr lang="en-US" sz="1400" b="0" i="0" u="none" strike="noStrike" baseline="0" dirty="0" err="1">
+                <a:latin typeface="Times New Roman" panose="02020603050405020304" pitchFamily="18" charset="0"/>
+                <a:cs typeface="Times New Roman" panose="02020603050405020304" pitchFamily="18" charset="0"/>
+              </a:rPr>
+              <a:t>Jianchao</a:t>
+            </a:r>
+            <a:r>
+              <a:rPr lang="en-US" sz="1400" b="0" i="0" u="none" strike="noStrike" baseline="0" dirty="0">
+                <a:latin typeface="Times New Roman" panose="02020603050405020304" pitchFamily="18" charset="0"/>
+                <a:cs typeface="Times New Roman" panose="02020603050405020304" pitchFamily="18" charset="0"/>
+              </a:rPr>
+              <a:t> Yang, Wright, J., Huang, T. and Yi Ma (2008). Image super-resolution as sparse representation of raw image patches, </a:t>
+            </a:r>
+          </a:p>
+          <a:p>
+            <a:pPr marL="457200" lvl="1" indent="0">
+              <a:buNone/>
+            </a:pPr>
+            <a:r>
+              <a:rPr lang="en-US" sz="1400" b="0" i="1" u="none" strike="noStrike" baseline="0" dirty="0">
+                <a:latin typeface="Times New Roman" panose="02020603050405020304" pitchFamily="18" charset="0"/>
+                <a:cs typeface="Times New Roman" panose="02020603050405020304" pitchFamily="18" charset="0"/>
+              </a:rPr>
+              <a:t>	2008 IEEE Conference on Computer Vision and Pattern Recognition</a:t>
+            </a:r>
+            <a:r>
+              <a:rPr lang="en-US" sz="1400" b="0" i="0" u="none" strike="noStrike" baseline="0" dirty="0">
+                <a:latin typeface="Times New Roman" panose="02020603050405020304" pitchFamily="18" charset="0"/>
+                <a:cs typeface="Times New Roman" panose="02020603050405020304" pitchFamily="18" charset="0"/>
+              </a:rPr>
+              <a:t>, pp. 1–8.</a:t>
+            </a:r>
+          </a:p>
+        </p:txBody>
+      </p:sp>
       <p:sp>
         <p:nvSpPr>
           <p:cNvPr id="4" name="Footer Placeholder 3">
             <a:extLst>
               <a:ext uri="{FF2B5EF4-FFF2-40B4-BE49-F238E27FC236}">
-                <a16:creationId xmlns:a16="http://schemas.microsoft.com/office/drawing/2014/main" id="{0C3D8EA0-6BA6-4DF2-88B0-EF2A4189F93F}"/>
+                <a16:creationId xmlns:a16="http://schemas.microsoft.com/office/drawing/2014/main" id="{90CF10EA-242A-4F9F-97DC-68619990925C}"/>
               </a:ext>
             </a:extLst>
           </p:cNvPr>
@@ -10751,7 +10924,7 @@
     </p:spTree>
     <p:extLst>
       <p:ext uri="{BB962C8B-B14F-4D97-AF65-F5344CB8AC3E}">
-        <p14:creationId xmlns:p14="http://schemas.microsoft.com/office/powerpoint/2010/main" val="2741955053"/>
+        <p14:creationId xmlns:p14="http://schemas.microsoft.com/office/powerpoint/2010/main" val="3190111597"/>
       </p:ext>
     </p:extLst>
   </p:cSld>
@@ -10795,7 +10968,7 @@
           <p:cNvPr id="2" name="Title 1">
             <a:extLst>
               <a:ext uri="{FF2B5EF4-FFF2-40B4-BE49-F238E27FC236}">
-                <a16:creationId xmlns:a16="http://schemas.microsoft.com/office/drawing/2014/main" id="{515C154E-1383-4623-8BD9-DC1CE79CA7B7}"/>
+                <a16:creationId xmlns:a16="http://schemas.microsoft.com/office/drawing/2014/main" id="{60013DAE-EE1B-473B-B3B6-648540F8F0E6}"/>
               </a:ext>
             </a:extLst>
           </p:cNvPr>
@@ -10813,7 +10986,7 @@
           <a:p>
             <a:r>
               <a:rPr lang="en-US" dirty="0"/>
-              <a:t>Efficiency Issues</a:t>
+              <a:t>References</a:t>
             </a:r>
           </a:p>
         </p:txBody>
@@ -10823,7 +10996,7 @@
           <p:cNvPr id="3" name="Content Placeholder 2">
             <a:extLst>
               <a:ext uri="{FF2B5EF4-FFF2-40B4-BE49-F238E27FC236}">
-                <a16:creationId xmlns:a16="http://schemas.microsoft.com/office/drawing/2014/main" id="{4AF4CFE7-2266-41A1-B6EF-966C6526A2AF}"/>
+                <a16:creationId xmlns:a16="http://schemas.microsoft.com/office/drawing/2014/main" id="{6A2C8905-50B5-4EA0-8B9A-E1EE0EB58F40}"/>
               </a:ext>
             </a:extLst>
           </p:cNvPr>
@@ -10836,43 +11009,377 @@
         </p:nvSpPr>
         <p:spPr/>
         <p:txBody>
-          <a:bodyPr/>
+          <a:bodyPr>
+            <a:normAutofit fontScale="92500" lnSpcReduction="20000"/>
+          </a:bodyPr>
           <a:lstStyle/>
           <a:p>
-            <a:r>
-              <a:rPr lang="en-US" dirty="0"/>
-              <a:t>The data gathered had to be scraped off websites such as the Hubble Legacy archive and Hubble main website</a:t>
-            </a:r>
-          </a:p>
-          <a:p>
-            <a:r>
-              <a:rPr lang="en-US" dirty="0"/>
-              <a:t>This yielded in more images than were useful. So we focused on a particular section of the sky where we could get the images of galaxy M101</a:t>
-            </a:r>
-          </a:p>
-          <a:p>
-            <a:r>
-              <a:rPr lang="en-US" dirty="0"/>
-              <a:t>This still yielded in about 400,000 images which had to be manually filtered</a:t>
-            </a:r>
-          </a:p>
-          <a:p>
-            <a:r>
-              <a:rPr lang="en-US" dirty="0"/>
-              <a:t>Even with all the images available, the network training will require huge computational resources to perform efficiently</a:t>
-            </a:r>
-          </a:p>
-          <a:p>
-            <a:r>
-              <a:rPr lang="en-US" dirty="0"/>
-              <a:t>The network parameters exceed the available training data and will require augmentation to avoid overfitting </a:t>
-            </a:r>
-          </a:p>
-          <a:p>
-            <a:r>
-              <a:rPr lang="en-US" dirty="0"/>
-              <a:t>A quantitative evaluation of a GAN is considerably difficult even with the availability of the ground truth images</a:t>
-            </a:r>
+            <a:pPr algn="l"/>
+            <a:r>
+              <a:rPr lang="en-US" sz="1400" b="0" i="0" u="none" strike="noStrike" baseline="0" dirty="0">
+                <a:latin typeface="Times New Roman" panose="02020603050405020304" pitchFamily="18" charset="0"/>
+                <a:cs typeface="Times New Roman" panose="02020603050405020304" pitchFamily="18" charset="0"/>
+              </a:rPr>
+              <a:t>Kim, J., Lee, J. K. and Lee, K. M. (2016). Accurate image super-resolution using very deep convolutional networks, </a:t>
+            </a:r>
+          </a:p>
+          <a:p>
+            <a:pPr marL="457200" lvl="1" indent="0">
+              <a:buNone/>
+            </a:pPr>
+            <a:r>
+              <a:rPr lang="en-US" sz="1500" b="0" i="1" u="none" strike="noStrike" baseline="0" dirty="0">
+                <a:latin typeface="Times New Roman" panose="02020603050405020304" pitchFamily="18" charset="0"/>
+                <a:cs typeface="Times New Roman" panose="02020603050405020304" pitchFamily="18" charset="0"/>
+              </a:rPr>
+              <a:t>	2016 IEEE Conference on Computer Vision and Pattern Recognition (CVPR), </a:t>
+            </a:r>
+            <a:r>
+              <a:rPr lang="en-US" sz="1500" b="0" i="0" u="none" strike="noStrike" baseline="0" dirty="0">
+                <a:latin typeface="Times New Roman" panose="02020603050405020304" pitchFamily="18" charset="0"/>
+                <a:cs typeface="Times New Roman" panose="02020603050405020304" pitchFamily="18" charset="0"/>
+              </a:rPr>
+              <a:t>pp. 1646–1654.</a:t>
+            </a:r>
+          </a:p>
+          <a:p>
+            <a:pPr algn="l"/>
+            <a:r>
+              <a:rPr lang="en-US" sz="1400" b="0" i="0" u="none" strike="noStrike" baseline="0" dirty="0" err="1">
+                <a:latin typeface="Times New Roman" panose="02020603050405020304" pitchFamily="18" charset="0"/>
+                <a:cs typeface="Times New Roman" panose="02020603050405020304" pitchFamily="18" charset="0"/>
+              </a:rPr>
+              <a:t>Ledig</a:t>
+            </a:r>
+            <a:r>
+              <a:rPr lang="en-US" sz="1400" b="0" i="0" u="none" strike="noStrike" baseline="0" dirty="0">
+                <a:latin typeface="Times New Roman" panose="02020603050405020304" pitchFamily="18" charset="0"/>
+                <a:cs typeface="Times New Roman" panose="02020603050405020304" pitchFamily="18" charset="0"/>
+              </a:rPr>
+              <a:t>, C., Theis, L., </a:t>
+            </a:r>
+            <a:r>
+              <a:rPr lang="en-US" sz="1400" b="0" i="0" u="none" strike="noStrike" baseline="0" dirty="0" err="1">
+                <a:latin typeface="Times New Roman" panose="02020603050405020304" pitchFamily="18" charset="0"/>
+                <a:cs typeface="Times New Roman" panose="02020603050405020304" pitchFamily="18" charset="0"/>
+              </a:rPr>
+              <a:t>Huszar</a:t>
+            </a:r>
+            <a:r>
+              <a:rPr lang="en-US" sz="1400" b="0" i="0" u="none" strike="noStrike" baseline="0" dirty="0">
+                <a:latin typeface="Times New Roman" panose="02020603050405020304" pitchFamily="18" charset="0"/>
+                <a:cs typeface="Times New Roman" panose="02020603050405020304" pitchFamily="18" charset="0"/>
+              </a:rPr>
+              <a:t>, F., Caballero, J., Cunningham, A., Acosta, A., Aitken, A., </a:t>
+            </a:r>
+            <a:r>
+              <a:rPr lang="en-US" sz="1400" b="0" i="0" u="none" strike="noStrike" baseline="0" dirty="0" err="1">
+                <a:latin typeface="Times New Roman" panose="02020603050405020304" pitchFamily="18" charset="0"/>
+                <a:cs typeface="Times New Roman" panose="02020603050405020304" pitchFamily="18" charset="0"/>
+              </a:rPr>
+              <a:t>Tejani</a:t>
+            </a:r>
+            <a:r>
+              <a:rPr lang="en-US" sz="1400" b="0" i="0" u="none" strike="noStrike" baseline="0" dirty="0">
+                <a:latin typeface="Times New Roman" panose="02020603050405020304" pitchFamily="18" charset="0"/>
+                <a:cs typeface="Times New Roman" panose="02020603050405020304" pitchFamily="18" charset="0"/>
+              </a:rPr>
+              <a:t>, A., </a:t>
+            </a:r>
+            <a:r>
+              <a:rPr lang="en-US" sz="1400" b="0" i="0" u="none" strike="noStrike" baseline="0" dirty="0" err="1">
+                <a:latin typeface="Times New Roman" panose="02020603050405020304" pitchFamily="18" charset="0"/>
+                <a:cs typeface="Times New Roman" panose="02020603050405020304" pitchFamily="18" charset="0"/>
+              </a:rPr>
+              <a:t>Totz</a:t>
+            </a:r>
+            <a:r>
+              <a:rPr lang="en-US" sz="1400" b="0" i="0" u="none" strike="noStrike" baseline="0" dirty="0">
+                <a:latin typeface="Times New Roman" panose="02020603050405020304" pitchFamily="18" charset="0"/>
+                <a:cs typeface="Times New Roman" panose="02020603050405020304" pitchFamily="18" charset="0"/>
+              </a:rPr>
+              <a:t>, J., Wang, Z. and Shi, W. (2017). </a:t>
+            </a:r>
+          </a:p>
+          <a:p>
+            <a:pPr marL="457200" lvl="1" indent="0">
+              <a:buNone/>
+            </a:pPr>
+            <a:r>
+              <a:rPr lang="en-US" sz="1500" b="0" i="0" u="none" strike="noStrike" baseline="0" dirty="0">
+                <a:latin typeface="Times New Roman" panose="02020603050405020304" pitchFamily="18" charset="0"/>
+                <a:cs typeface="Times New Roman" panose="02020603050405020304" pitchFamily="18" charset="0"/>
+              </a:rPr>
+              <a:t>	Photorealistic single image super-resolution using a generative adversarial network.</a:t>
+            </a:r>
+          </a:p>
+          <a:p>
+            <a:pPr algn="l"/>
+            <a:r>
+              <a:rPr lang="en-US" sz="1400" b="0" i="0" u="none" strike="noStrike" baseline="0" dirty="0">
+                <a:latin typeface="Times New Roman" panose="02020603050405020304" pitchFamily="18" charset="0"/>
+                <a:cs typeface="Times New Roman" panose="02020603050405020304" pitchFamily="18" charset="0"/>
+              </a:rPr>
+              <a:t>Levin, A., </a:t>
+            </a:r>
+            <a:r>
+              <a:rPr lang="en-US" sz="1400" b="0" i="0" u="none" strike="noStrike" baseline="0" dirty="0" err="1">
+                <a:latin typeface="Times New Roman" panose="02020603050405020304" pitchFamily="18" charset="0"/>
+                <a:cs typeface="Times New Roman" panose="02020603050405020304" pitchFamily="18" charset="0"/>
+              </a:rPr>
+              <a:t>Lischinski</a:t>
+            </a:r>
+            <a:r>
+              <a:rPr lang="en-US" sz="1400" b="0" i="0" u="none" strike="noStrike" baseline="0" dirty="0">
+                <a:latin typeface="Times New Roman" panose="02020603050405020304" pitchFamily="18" charset="0"/>
+                <a:cs typeface="Times New Roman" panose="02020603050405020304" pitchFamily="18" charset="0"/>
+              </a:rPr>
+              <a:t>, D. and Weiss, Y. (2004). Colorization using optimization, </a:t>
+            </a:r>
+            <a:r>
+              <a:rPr lang="sv-SE" sz="1400" b="0" i="1" u="none" strike="noStrike" baseline="0" dirty="0">
+                <a:latin typeface="Times New Roman" panose="02020603050405020304" pitchFamily="18" charset="0"/>
+                <a:cs typeface="Times New Roman" panose="02020603050405020304" pitchFamily="18" charset="0"/>
+              </a:rPr>
+              <a:t>ACM SIGGRAPH 2004 Papers</a:t>
+            </a:r>
+            <a:r>
+              <a:rPr lang="sv-SE" sz="1400" b="0" i="0" u="none" strike="noStrike" baseline="0" dirty="0">
+                <a:latin typeface="Times New Roman" panose="02020603050405020304" pitchFamily="18" charset="0"/>
+                <a:cs typeface="Times New Roman" panose="02020603050405020304" pitchFamily="18" charset="0"/>
+              </a:rPr>
+              <a:t>, pp. 689–694.</a:t>
+            </a:r>
+          </a:p>
+          <a:p>
+            <a:pPr algn="l"/>
+            <a:r>
+              <a:rPr lang="en-US" sz="1400" b="0" i="0" u="none" strike="noStrike" baseline="0" dirty="0">
+                <a:latin typeface="Times New Roman" panose="02020603050405020304" pitchFamily="18" charset="0"/>
+                <a:cs typeface="Times New Roman" panose="02020603050405020304" pitchFamily="18" charset="0"/>
+              </a:rPr>
+              <a:t>Long, J., </a:t>
+            </a:r>
+            <a:r>
+              <a:rPr lang="en-US" sz="1400" b="0" i="0" u="none" strike="noStrike" baseline="0" dirty="0" err="1">
+                <a:latin typeface="Times New Roman" panose="02020603050405020304" pitchFamily="18" charset="0"/>
+                <a:cs typeface="Times New Roman" panose="02020603050405020304" pitchFamily="18" charset="0"/>
+              </a:rPr>
+              <a:t>Shelhamer</a:t>
+            </a:r>
+            <a:r>
+              <a:rPr lang="en-US" sz="1400" b="0" i="0" u="none" strike="noStrike" baseline="0" dirty="0">
+                <a:latin typeface="Times New Roman" panose="02020603050405020304" pitchFamily="18" charset="0"/>
+                <a:cs typeface="Times New Roman" panose="02020603050405020304" pitchFamily="18" charset="0"/>
+              </a:rPr>
+              <a:t>, E. and Darrell, T. (2015). Fully convolutional networks for semantic segmentation, </a:t>
+            </a:r>
+          </a:p>
+          <a:p>
+            <a:pPr marL="457200" lvl="1" indent="0">
+              <a:buNone/>
+            </a:pPr>
+            <a:r>
+              <a:rPr lang="en-US" sz="1500" b="0" i="1" u="none" strike="noStrike" baseline="0" dirty="0">
+                <a:latin typeface="Times New Roman" panose="02020603050405020304" pitchFamily="18" charset="0"/>
+                <a:cs typeface="Times New Roman" panose="02020603050405020304" pitchFamily="18" charset="0"/>
+              </a:rPr>
+              <a:t>	2015 IEEE Conference on Computer Vision and Pattern Recognition (CVPR), </a:t>
+            </a:r>
+            <a:r>
+              <a:rPr lang="en-US" sz="1500" b="0" i="0" u="none" strike="noStrike" baseline="0" dirty="0">
+                <a:latin typeface="Times New Roman" panose="02020603050405020304" pitchFamily="18" charset="0"/>
+                <a:cs typeface="Times New Roman" panose="02020603050405020304" pitchFamily="18" charset="0"/>
+              </a:rPr>
+              <a:t>pp. 3431–3440</a:t>
+            </a:r>
+            <a:r>
+              <a:rPr lang="en-US" sz="1000" b="0" i="0" u="none" strike="noStrike" baseline="0" dirty="0">
+                <a:latin typeface="Times New Roman" panose="02020603050405020304" pitchFamily="18" charset="0"/>
+                <a:cs typeface="Times New Roman" panose="02020603050405020304" pitchFamily="18" charset="0"/>
+              </a:rPr>
+              <a:t>.</a:t>
+            </a:r>
+          </a:p>
+          <a:p>
+            <a:pPr algn="l"/>
+            <a:r>
+              <a:rPr lang="en-US" sz="1400" b="0" i="0" u="none" strike="noStrike" baseline="0" dirty="0">
+                <a:latin typeface="Times New Roman" panose="02020603050405020304" pitchFamily="18" charset="0"/>
+                <a:cs typeface="Times New Roman" panose="02020603050405020304" pitchFamily="18" charset="0"/>
+              </a:rPr>
+              <a:t>Mirza, M. and </a:t>
+            </a:r>
+            <a:r>
+              <a:rPr lang="en-US" sz="1400" b="0" i="0" u="none" strike="noStrike" baseline="0" dirty="0" err="1">
+                <a:latin typeface="Times New Roman" panose="02020603050405020304" pitchFamily="18" charset="0"/>
+                <a:cs typeface="Times New Roman" panose="02020603050405020304" pitchFamily="18" charset="0"/>
+              </a:rPr>
+              <a:t>Osindero</a:t>
+            </a:r>
+            <a:r>
+              <a:rPr lang="en-US" sz="1400" b="0" i="0" u="none" strike="noStrike" baseline="0" dirty="0">
+                <a:latin typeface="Times New Roman" panose="02020603050405020304" pitchFamily="18" charset="0"/>
+                <a:cs typeface="Times New Roman" panose="02020603050405020304" pitchFamily="18" charset="0"/>
+              </a:rPr>
+              <a:t>, S. (2014). Conditional generative adversarial nets.</a:t>
+            </a:r>
+            <a:endParaRPr lang="en-US" sz="1400" dirty="0">
+              <a:latin typeface="Times New Roman" panose="02020603050405020304" pitchFamily="18" charset="0"/>
+              <a:cs typeface="Times New Roman" panose="02020603050405020304" pitchFamily="18" charset="0"/>
+            </a:endParaRPr>
+          </a:p>
+          <a:p>
+            <a:pPr algn="l"/>
+            <a:r>
+              <a:rPr lang="en-US" sz="1400" b="0" i="0" u="none" strike="noStrike" baseline="0" dirty="0">
+                <a:latin typeface="Times New Roman" panose="02020603050405020304" pitchFamily="18" charset="0"/>
+                <a:cs typeface="Times New Roman" panose="02020603050405020304" pitchFamily="18" charset="0"/>
+              </a:rPr>
+              <a:t>Pressman, R. S. (1992). Software Engineering (3rd Ed.): A Practitioner’s Approach, McGraw-Hill, Inc., New York, NY, USA.</a:t>
+            </a:r>
+          </a:p>
+          <a:p>
+            <a:pPr algn="l"/>
+            <a:r>
+              <a:rPr lang="en-US" sz="1500" b="0" i="0" u="none" strike="noStrike" baseline="0" dirty="0">
+                <a:latin typeface="Times New Roman" panose="02020603050405020304" pitchFamily="18" charset="0"/>
+                <a:cs typeface="Times New Roman" panose="02020603050405020304" pitchFamily="18" charset="0"/>
+              </a:rPr>
+              <a:t>Qu, </a:t>
+            </a:r>
+            <a:r>
+              <a:rPr lang="en-US" sz="1500" b="0" i="0" u="none" strike="noStrike" baseline="0" dirty="0" err="1">
+                <a:latin typeface="Times New Roman" panose="02020603050405020304" pitchFamily="18" charset="0"/>
+                <a:cs typeface="Times New Roman" panose="02020603050405020304" pitchFamily="18" charset="0"/>
+              </a:rPr>
+              <a:t>Y.,Wong</a:t>
+            </a:r>
+            <a:r>
+              <a:rPr lang="en-US" sz="1500" b="0" i="0" u="none" strike="noStrike" baseline="0" dirty="0">
+                <a:latin typeface="Times New Roman" panose="02020603050405020304" pitchFamily="18" charset="0"/>
+                <a:cs typeface="Times New Roman" panose="02020603050405020304" pitchFamily="18" charset="0"/>
+              </a:rPr>
+              <a:t>, T.-T. and Heng, P.-A. (2006). Manga colorization, ACM Transactions on Graphics (TOG) 25(3): 1214–1220.</a:t>
+            </a:r>
+          </a:p>
+          <a:p>
+            <a:pPr algn="l"/>
+            <a:r>
+              <a:rPr lang="en-US" sz="1500" b="0" i="0" u="none" strike="noStrike" baseline="0" dirty="0">
+                <a:latin typeface="Times New Roman" panose="02020603050405020304" pitchFamily="18" charset="0"/>
+                <a:cs typeface="Times New Roman" panose="02020603050405020304" pitchFamily="18" charset="0"/>
+              </a:rPr>
+              <a:t>Radford, A., Metz, L. and </a:t>
+            </a:r>
+            <a:r>
+              <a:rPr lang="en-US" sz="1500" b="0" i="0" u="none" strike="noStrike" baseline="0" dirty="0" err="1">
+                <a:latin typeface="Times New Roman" panose="02020603050405020304" pitchFamily="18" charset="0"/>
+                <a:cs typeface="Times New Roman" panose="02020603050405020304" pitchFamily="18" charset="0"/>
+              </a:rPr>
+              <a:t>Chintala</a:t>
+            </a:r>
+            <a:r>
+              <a:rPr lang="en-US" sz="1500" b="0" i="0" u="none" strike="noStrike" baseline="0" dirty="0">
+                <a:latin typeface="Times New Roman" panose="02020603050405020304" pitchFamily="18" charset="0"/>
+                <a:cs typeface="Times New Roman" panose="02020603050405020304" pitchFamily="18" charset="0"/>
+              </a:rPr>
+              <a:t>, S. (2016). Unsupervised representation learning with deep convolutional generative adversarial 	networks.</a:t>
+            </a:r>
+          </a:p>
+          <a:p>
+            <a:pPr algn="l"/>
+            <a:r>
+              <a:rPr lang="en-US" sz="1500" b="0" i="0" u="none" strike="noStrike" baseline="0" dirty="0">
+                <a:latin typeface="Times New Roman" panose="02020603050405020304" pitchFamily="18" charset="0"/>
+                <a:cs typeface="Times New Roman" panose="02020603050405020304" pitchFamily="18" charset="0"/>
+              </a:rPr>
+              <a:t>Shi, W., Caballero, J., </a:t>
+            </a:r>
+            <a:r>
+              <a:rPr lang="en-US" sz="1500" b="0" i="0" u="none" strike="noStrike" baseline="0" dirty="0" err="1">
+                <a:latin typeface="Times New Roman" panose="02020603050405020304" pitchFamily="18" charset="0"/>
+                <a:cs typeface="Times New Roman" panose="02020603050405020304" pitchFamily="18" charset="0"/>
+              </a:rPr>
+              <a:t>Husz´ar</a:t>
+            </a:r>
+            <a:r>
+              <a:rPr lang="en-US" sz="1500" b="0" i="0" u="none" strike="noStrike" baseline="0" dirty="0">
+                <a:latin typeface="Times New Roman" panose="02020603050405020304" pitchFamily="18" charset="0"/>
+                <a:cs typeface="Times New Roman" panose="02020603050405020304" pitchFamily="18" charset="0"/>
+              </a:rPr>
+              <a:t>, F., </a:t>
+            </a:r>
+            <a:r>
+              <a:rPr lang="en-US" sz="1500" b="0" i="0" u="none" strike="noStrike" baseline="0" dirty="0" err="1">
+                <a:latin typeface="Times New Roman" panose="02020603050405020304" pitchFamily="18" charset="0"/>
+                <a:cs typeface="Times New Roman" panose="02020603050405020304" pitchFamily="18" charset="0"/>
+              </a:rPr>
+              <a:t>Totz</a:t>
+            </a:r>
+            <a:r>
+              <a:rPr lang="en-US" sz="1500" b="0" i="0" u="none" strike="noStrike" baseline="0" dirty="0">
+                <a:latin typeface="Times New Roman" panose="02020603050405020304" pitchFamily="18" charset="0"/>
+                <a:cs typeface="Times New Roman" panose="02020603050405020304" pitchFamily="18" charset="0"/>
+              </a:rPr>
+              <a:t>, J., Aitken, A. P., Bishop, R., </a:t>
+            </a:r>
+            <a:r>
+              <a:rPr lang="en-US" sz="1500" b="0" i="0" u="none" strike="noStrike" baseline="0" dirty="0" err="1">
+                <a:latin typeface="Times New Roman" panose="02020603050405020304" pitchFamily="18" charset="0"/>
+                <a:cs typeface="Times New Roman" panose="02020603050405020304" pitchFamily="18" charset="0"/>
+              </a:rPr>
+              <a:t>Rueckert</a:t>
+            </a:r>
+            <a:r>
+              <a:rPr lang="en-US" sz="1500" b="0" i="0" u="none" strike="noStrike" baseline="0" dirty="0">
+                <a:latin typeface="Times New Roman" panose="02020603050405020304" pitchFamily="18" charset="0"/>
+                <a:cs typeface="Times New Roman" panose="02020603050405020304" pitchFamily="18" charset="0"/>
+              </a:rPr>
+              <a:t>, D. and Wang, Z. (2016). </a:t>
+            </a:r>
+          </a:p>
+          <a:p>
+            <a:pPr marL="457200" lvl="1" indent="0">
+              <a:buNone/>
+            </a:pPr>
+            <a:r>
+              <a:rPr lang="en-US" sz="1500" b="0" i="0" u="none" strike="noStrike" baseline="0" dirty="0">
+                <a:latin typeface="Times New Roman" panose="02020603050405020304" pitchFamily="18" charset="0"/>
+                <a:cs typeface="Times New Roman" panose="02020603050405020304" pitchFamily="18" charset="0"/>
+              </a:rPr>
+              <a:t>	Real-time single image and video super-resolution using an efficient sub-pixel convolutional neural network, </a:t>
+            </a:r>
+          </a:p>
+          <a:p>
+            <a:pPr marL="457200" lvl="1" indent="0">
+              <a:buNone/>
+            </a:pPr>
+            <a:r>
+              <a:rPr lang="en-US" sz="1500" dirty="0">
+                <a:latin typeface="Times New Roman" panose="02020603050405020304" pitchFamily="18" charset="0"/>
+                <a:cs typeface="Times New Roman" panose="02020603050405020304" pitchFamily="18" charset="0"/>
+              </a:rPr>
+              <a:t>	</a:t>
+            </a:r>
+            <a:r>
+              <a:rPr lang="en-US" sz="1500" b="0" i="1" u="none" strike="noStrike" baseline="0" dirty="0">
+                <a:latin typeface="Times New Roman" panose="02020603050405020304" pitchFamily="18" charset="0"/>
+                <a:cs typeface="Times New Roman" panose="02020603050405020304" pitchFamily="18" charset="0"/>
+              </a:rPr>
+              <a:t>2016 IEEE Conference on Computer Vision and Pattern Recognition (CVPR),</a:t>
+            </a:r>
+            <a:r>
+              <a:rPr lang="en-US" sz="1500" b="0" i="0" u="none" strike="noStrike" baseline="0" dirty="0">
+                <a:latin typeface="Times New Roman" panose="02020603050405020304" pitchFamily="18" charset="0"/>
+                <a:cs typeface="Times New Roman" panose="02020603050405020304" pitchFamily="18" charset="0"/>
+              </a:rPr>
+              <a:t> pp. 1874–1883.</a:t>
+            </a:r>
+            <a:endParaRPr lang="en-US" sz="1500" dirty="0">
+              <a:latin typeface="Times New Roman" panose="02020603050405020304" pitchFamily="18" charset="0"/>
+              <a:cs typeface="Times New Roman" panose="02020603050405020304" pitchFamily="18" charset="0"/>
+            </a:endParaRPr>
           </a:p>
         </p:txBody>
       </p:sp>
@@ -10881,7 +11388,7 @@
           <p:cNvPr id="4" name="Footer Placeholder 3">
             <a:extLst>
               <a:ext uri="{FF2B5EF4-FFF2-40B4-BE49-F238E27FC236}">
-                <a16:creationId xmlns:a16="http://schemas.microsoft.com/office/drawing/2014/main" id="{479926B9-6778-4DA9-BCBA-AC30CF378207}"/>
+                <a16:creationId xmlns:a16="http://schemas.microsoft.com/office/drawing/2014/main" id="{478E4A7B-00AC-4117-8CCF-32F4EA319662}"/>
               </a:ext>
             </a:extLst>
           </p:cNvPr>
@@ -10907,7 +11414,7 @@
     </p:spTree>
     <p:extLst>
       <p:ext uri="{BB962C8B-B14F-4D97-AF65-F5344CB8AC3E}">
-        <p14:creationId xmlns:p14="http://schemas.microsoft.com/office/powerpoint/2010/main" val="1342927445"/>
+        <p14:creationId xmlns:p14="http://schemas.microsoft.com/office/powerpoint/2010/main" val="604998426"/>
       </p:ext>
     </p:extLst>
   </p:cSld>
@@ -10951,901 +11458,6 @@
           <p:cNvPr id="2" name="Title 1">
             <a:extLst>
               <a:ext uri="{FF2B5EF4-FFF2-40B4-BE49-F238E27FC236}">
-                <a16:creationId xmlns:a16="http://schemas.microsoft.com/office/drawing/2014/main" id="{1B088865-DEAE-4612-97AF-B61F6AF552E8}"/>
-              </a:ext>
-            </a:extLst>
-          </p:cNvPr>
-          <p:cNvSpPr>
-            <a:spLocks noGrp="1"/>
-          </p:cNvSpPr>
-          <p:nvPr>
-            <p:ph type="title"/>
-          </p:nvPr>
-        </p:nvSpPr>
-        <p:spPr/>
-        <p:txBody>
-          <a:bodyPr/>
-          <a:lstStyle/>
-          <a:p>
-            <a:r>
-              <a:rPr lang="en-US" dirty="0"/>
-              <a:t>References</a:t>
-            </a:r>
-          </a:p>
-        </p:txBody>
-      </p:sp>
-      <p:sp>
-        <p:nvSpPr>
-          <p:cNvPr id="3" name="Content Placeholder 2">
-            <a:extLst>
-              <a:ext uri="{FF2B5EF4-FFF2-40B4-BE49-F238E27FC236}">
-                <a16:creationId xmlns:a16="http://schemas.microsoft.com/office/drawing/2014/main" id="{EA8DEEA1-8858-40B0-9169-F753007ABA02}"/>
-              </a:ext>
-            </a:extLst>
-          </p:cNvPr>
-          <p:cNvSpPr>
-            <a:spLocks noGrp="1"/>
-          </p:cNvSpPr>
-          <p:nvPr>
-            <p:ph idx="1"/>
-          </p:nvPr>
-        </p:nvSpPr>
-        <p:spPr/>
-        <p:txBody>
-          <a:bodyPr>
-            <a:normAutofit/>
-          </a:bodyPr>
-          <a:lstStyle/>
-          <a:p>
-            <a:r>
-              <a:rPr lang="en-US" sz="1400" b="0" i="0" u="none" strike="noStrike" baseline="0" dirty="0">
-                <a:latin typeface="Times New Roman" panose="02020603050405020304" pitchFamily="18" charset="0"/>
-                <a:cs typeface="Times New Roman" panose="02020603050405020304" pitchFamily="18" charset="0"/>
-              </a:rPr>
-              <a:t>Cheng, Z., Yang, Q. and Sheng, B. (2016). Deep colorization.</a:t>
-            </a:r>
-          </a:p>
-          <a:p>
-            <a:r>
-              <a:rPr lang="en-US" sz="1400" b="0" i="0" u="none" strike="noStrike" baseline="0" dirty="0">
-                <a:latin typeface="Times New Roman" panose="02020603050405020304" pitchFamily="18" charset="0"/>
-                <a:cs typeface="Times New Roman" panose="02020603050405020304" pitchFamily="18" charset="0"/>
-              </a:rPr>
-              <a:t>Dahl, R. (2016). Automatic colorization.</a:t>
-            </a:r>
-            <a:endParaRPr lang="en-US" sz="1400" dirty="0">
-              <a:latin typeface="Times New Roman" panose="02020603050405020304" pitchFamily="18" charset="0"/>
-              <a:cs typeface="Times New Roman" panose="02020603050405020304" pitchFamily="18" charset="0"/>
-            </a:endParaRPr>
-          </a:p>
-          <a:p>
-            <a:pPr algn="l"/>
-            <a:r>
-              <a:rPr lang="en-US" sz="1400" b="0" i="0" u="none" strike="noStrike" baseline="0" dirty="0">
-                <a:latin typeface="Times New Roman" panose="02020603050405020304" pitchFamily="18" charset="0"/>
-                <a:cs typeface="Times New Roman" panose="02020603050405020304" pitchFamily="18" charset="0"/>
-              </a:rPr>
-              <a:t>Dong, C., Loy, C. C., He, K. and Tang, X. (2014). Learning a deep convolutional network for image super-resolution, </a:t>
-            </a:r>
-            <a:r>
-              <a:rPr lang="en-US" sz="1400" b="0" i="1" u="none" strike="noStrike" baseline="0" dirty="0">
-                <a:latin typeface="Times New Roman" panose="02020603050405020304" pitchFamily="18" charset="0"/>
-                <a:cs typeface="Times New Roman" panose="02020603050405020304" pitchFamily="18" charset="0"/>
-              </a:rPr>
-              <a:t>in</a:t>
-            </a:r>
-            <a:r>
-              <a:rPr lang="en-US" sz="1400" b="0" i="0" u="none" strike="noStrike" baseline="0" dirty="0">
-                <a:latin typeface="Times New Roman" panose="02020603050405020304" pitchFamily="18" charset="0"/>
-                <a:cs typeface="Times New Roman" panose="02020603050405020304" pitchFamily="18" charset="0"/>
-              </a:rPr>
-              <a:t> D. Fleet, T. 	</a:t>
-            </a:r>
-            <a:r>
-              <a:rPr lang="en-US" sz="1400" b="0" i="0" u="none" strike="noStrike" baseline="0" dirty="0" err="1">
-                <a:latin typeface="Times New Roman" panose="02020603050405020304" pitchFamily="18" charset="0"/>
-                <a:cs typeface="Times New Roman" panose="02020603050405020304" pitchFamily="18" charset="0"/>
-              </a:rPr>
-              <a:t>Pajdla</a:t>
-            </a:r>
-            <a:r>
-              <a:rPr lang="en-US" sz="1400" b="0" i="0" u="none" strike="noStrike" baseline="0" dirty="0">
-                <a:latin typeface="Times New Roman" panose="02020603050405020304" pitchFamily="18" charset="0"/>
-                <a:cs typeface="Times New Roman" panose="02020603050405020304" pitchFamily="18" charset="0"/>
-              </a:rPr>
-              <a:t>, B. Schiele and T. </a:t>
-            </a:r>
-            <a:r>
-              <a:rPr lang="en-US" sz="1400" b="0" i="0" u="none" strike="noStrike" baseline="0" dirty="0" err="1">
-                <a:latin typeface="Times New Roman" panose="02020603050405020304" pitchFamily="18" charset="0"/>
-                <a:cs typeface="Times New Roman" panose="02020603050405020304" pitchFamily="18" charset="0"/>
-              </a:rPr>
-              <a:t>Tuytelaars</a:t>
-            </a:r>
-            <a:r>
-              <a:rPr lang="en-US" sz="1400" dirty="0">
-                <a:latin typeface="Times New Roman" panose="02020603050405020304" pitchFamily="18" charset="0"/>
-                <a:cs typeface="Times New Roman" panose="02020603050405020304" pitchFamily="18" charset="0"/>
-              </a:rPr>
-              <a:t> </a:t>
-            </a:r>
-            <a:r>
-              <a:rPr lang="en-US" sz="1400" b="0" i="0" u="none" strike="noStrike" baseline="0" dirty="0">
-                <a:latin typeface="Times New Roman" panose="02020603050405020304" pitchFamily="18" charset="0"/>
-                <a:cs typeface="Times New Roman" panose="02020603050405020304" pitchFamily="18" charset="0"/>
-              </a:rPr>
-              <a:t>(eds), </a:t>
-            </a:r>
-            <a:r>
-              <a:rPr lang="en-US" sz="1400" b="0" i="1" u="none" strike="noStrike" baseline="0" dirty="0">
-                <a:latin typeface="Times New Roman" panose="02020603050405020304" pitchFamily="18" charset="0"/>
-                <a:cs typeface="Times New Roman" panose="02020603050405020304" pitchFamily="18" charset="0"/>
-              </a:rPr>
-              <a:t>Computer Vision – ECCV 2014</a:t>
-            </a:r>
-            <a:r>
-              <a:rPr lang="en-US" sz="1400" b="0" i="0" u="none" strike="noStrike" baseline="0" dirty="0">
-                <a:latin typeface="Times New Roman" panose="02020603050405020304" pitchFamily="18" charset="0"/>
-                <a:cs typeface="Times New Roman" panose="02020603050405020304" pitchFamily="18" charset="0"/>
-              </a:rPr>
-              <a:t>, Springer International Publishing, </a:t>
-            </a:r>
-          </a:p>
-          <a:p>
-            <a:pPr marL="457200" lvl="1" indent="0">
-              <a:buNone/>
-            </a:pPr>
-            <a:r>
-              <a:rPr lang="en-US" sz="1400" dirty="0">
-                <a:latin typeface="Times New Roman" panose="02020603050405020304" pitchFamily="18" charset="0"/>
-                <a:cs typeface="Times New Roman" panose="02020603050405020304" pitchFamily="18" charset="0"/>
-              </a:rPr>
-              <a:t>	</a:t>
-            </a:r>
-            <a:r>
-              <a:rPr lang="en-US" sz="1400" b="0" i="0" u="none" strike="noStrike" baseline="0" dirty="0">
-                <a:latin typeface="Times New Roman" panose="02020603050405020304" pitchFamily="18" charset="0"/>
-                <a:cs typeface="Times New Roman" panose="02020603050405020304" pitchFamily="18" charset="0"/>
-              </a:rPr>
-              <a:t>Cham, pp. 184-199.</a:t>
-            </a:r>
-          </a:p>
-          <a:p>
-            <a:pPr algn="l"/>
-            <a:r>
-              <a:rPr lang="en-US" sz="1400" b="0" i="0" u="none" strike="noStrike" baseline="0" dirty="0">
-                <a:latin typeface="Times New Roman" panose="02020603050405020304" pitchFamily="18" charset="0"/>
-                <a:cs typeface="Times New Roman" panose="02020603050405020304" pitchFamily="18" charset="0"/>
-              </a:rPr>
-              <a:t>Goodfellow, I. J., </a:t>
-            </a:r>
-            <a:r>
-              <a:rPr lang="en-US" sz="1400" b="0" i="0" u="none" strike="noStrike" baseline="0" dirty="0" err="1">
-                <a:latin typeface="Times New Roman" panose="02020603050405020304" pitchFamily="18" charset="0"/>
-                <a:cs typeface="Times New Roman" panose="02020603050405020304" pitchFamily="18" charset="0"/>
-              </a:rPr>
-              <a:t>Pouget</a:t>
-            </a:r>
-            <a:r>
-              <a:rPr lang="en-US" sz="1400" b="0" i="0" u="none" strike="noStrike" baseline="0" dirty="0">
-                <a:latin typeface="Times New Roman" panose="02020603050405020304" pitchFamily="18" charset="0"/>
-                <a:cs typeface="Times New Roman" panose="02020603050405020304" pitchFamily="18" charset="0"/>
-              </a:rPr>
-              <a:t>-Abadie, J., Mirza, M., Xu, B., </a:t>
-            </a:r>
-            <a:r>
-              <a:rPr lang="en-US" sz="1400" b="0" i="0" u="none" strike="noStrike" baseline="0" dirty="0" err="1">
-                <a:latin typeface="Times New Roman" panose="02020603050405020304" pitchFamily="18" charset="0"/>
-                <a:cs typeface="Times New Roman" panose="02020603050405020304" pitchFamily="18" charset="0"/>
-              </a:rPr>
-              <a:t>Warde</a:t>
-            </a:r>
-            <a:r>
-              <a:rPr lang="en-US" sz="1400" b="0" i="0" u="none" strike="noStrike" baseline="0" dirty="0">
-                <a:latin typeface="Times New Roman" panose="02020603050405020304" pitchFamily="18" charset="0"/>
-                <a:cs typeface="Times New Roman" panose="02020603050405020304" pitchFamily="18" charset="0"/>
-              </a:rPr>
-              <a:t>-Farley, D., </a:t>
-            </a:r>
-            <a:r>
-              <a:rPr lang="en-US" sz="1400" b="0" i="0" u="none" strike="noStrike" baseline="0" dirty="0" err="1">
-                <a:latin typeface="Times New Roman" panose="02020603050405020304" pitchFamily="18" charset="0"/>
-                <a:cs typeface="Times New Roman" panose="02020603050405020304" pitchFamily="18" charset="0"/>
-              </a:rPr>
-              <a:t>Ozair</a:t>
-            </a:r>
-            <a:r>
-              <a:rPr lang="en-US" sz="1400" b="0" i="0" u="none" strike="noStrike" baseline="0" dirty="0">
-                <a:latin typeface="Times New Roman" panose="02020603050405020304" pitchFamily="18" charset="0"/>
-                <a:cs typeface="Times New Roman" panose="02020603050405020304" pitchFamily="18" charset="0"/>
-              </a:rPr>
-              <a:t>, S., Courville, A. and  </a:t>
-            </a:r>
-            <a:r>
-              <a:rPr lang="en-US" sz="1400" b="0" i="0" u="none" strike="noStrike" baseline="0" dirty="0" err="1">
-                <a:latin typeface="Times New Roman" panose="02020603050405020304" pitchFamily="18" charset="0"/>
-                <a:cs typeface="Times New Roman" panose="02020603050405020304" pitchFamily="18" charset="0"/>
-              </a:rPr>
-              <a:t>Bengio</a:t>
-            </a:r>
-            <a:r>
-              <a:rPr lang="en-US" sz="1400" b="0" i="0" u="none" strike="noStrike" baseline="0" dirty="0">
-                <a:latin typeface="Times New Roman" panose="02020603050405020304" pitchFamily="18" charset="0"/>
-                <a:cs typeface="Times New Roman" panose="02020603050405020304" pitchFamily="18" charset="0"/>
-              </a:rPr>
-              <a:t>, Y. (2014). </a:t>
-            </a:r>
-            <a:endParaRPr lang="en-US" sz="1400" dirty="0">
-              <a:latin typeface="Times New Roman" panose="02020603050405020304" pitchFamily="18" charset="0"/>
-              <a:cs typeface="Times New Roman" panose="02020603050405020304" pitchFamily="18" charset="0"/>
-            </a:endParaRPr>
-          </a:p>
-          <a:p>
-            <a:pPr marL="457200" lvl="1" indent="0">
-              <a:buNone/>
-            </a:pPr>
-            <a:r>
-              <a:rPr lang="en-US" sz="1400" b="0" i="0" u="none" strike="noStrike" baseline="0" dirty="0">
-                <a:latin typeface="Times New Roman" panose="02020603050405020304" pitchFamily="18" charset="0"/>
-                <a:cs typeface="Times New Roman" panose="02020603050405020304" pitchFamily="18" charset="0"/>
-              </a:rPr>
-              <a:t>	Generative adversarial networks.</a:t>
-            </a:r>
-          </a:p>
-          <a:p>
-            <a:pPr algn="l"/>
-            <a:r>
-              <a:rPr lang="en-US" sz="1400" b="0" i="0" u="none" strike="noStrike" baseline="0" dirty="0">
-                <a:latin typeface="Times New Roman" panose="02020603050405020304" pitchFamily="18" charset="0"/>
-                <a:cs typeface="Times New Roman" panose="02020603050405020304" pitchFamily="18" charset="0"/>
-              </a:rPr>
-              <a:t>He, K., Zhang, X., Ren, S. and Sun, J. (2015). Deep residual learning for image recognition.</a:t>
-            </a:r>
-          </a:p>
-          <a:p>
-            <a:pPr algn="l"/>
-            <a:r>
-              <a:rPr lang="de-DE" sz="1400" b="0" i="0" u="none" strike="noStrike" baseline="0" dirty="0">
-                <a:latin typeface="Times New Roman" panose="02020603050405020304" pitchFamily="18" charset="0"/>
-                <a:cs typeface="Times New Roman" panose="02020603050405020304" pitchFamily="18" charset="0"/>
-              </a:rPr>
-              <a:t>Huang, Y.-C., Tung, Y.-S., Chen, J.-C., Wang, S.-W. and Wu, J.-L. (2005). An </a:t>
-            </a:r>
-            <a:r>
-              <a:rPr lang="en-US" sz="1400" b="0" i="0" u="none" strike="noStrike" baseline="0" dirty="0">
-                <a:latin typeface="Times New Roman" panose="02020603050405020304" pitchFamily="18" charset="0"/>
-                <a:cs typeface="Times New Roman" panose="02020603050405020304" pitchFamily="18" charset="0"/>
-              </a:rPr>
-              <a:t>adaptive edge detection based colorization algorithm and 	its applications, pp. 351–354.</a:t>
-            </a:r>
-          </a:p>
-          <a:p>
-            <a:pPr algn="l"/>
-            <a:r>
-              <a:rPr lang="en-US" sz="1400" b="0" i="0" u="none" strike="noStrike" baseline="0" dirty="0">
-                <a:latin typeface="Times New Roman" panose="02020603050405020304" pitchFamily="18" charset="0"/>
-                <a:cs typeface="Times New Roman" panose="02020603050405020304" pitchFamily="18" charset="0"/>
-              </a:rPr>
-              <a:t>Isola, P., Zhu, J.-Y., Zhou, T. and </a:t>
-            </a:r>
-            <a:r>
-              <a:rPr lang="en-US" sz="1400" b="0" i="0" u="none" strike="noStrike" baseline="0" dirty="0" err="1">
-                <a:latin typeface="Times New Roman" panose="02020603050405020304" pitchFamily="18" charset="0"/>
-                <a:cs typeface="Times New Roman" panose="02020603050405020304" pitchFamily="18" charset="0"/>
-              </a:rPr>
-              <a:t>Efros</a:t>
-            </a:r>
-            <a:r>
-              <a:rPr lang="en-US" sz="1400" b="0" i="0" u="none" strike="noStrike" baseline="0" dirty="0">
-                <a:latin typeface="Times New Roman" panose="02020603050405020304" pitchFamily="18" charset="0"/>
-                <a:cs typeface="Times New Roman" panose="02020603050405020304" pitchFamily="18" charset="0"/>
-              </a:rPr>
-              <a:t>, A. A. (2018). Image-to-image translation with conditional adversarial networks.</a:t>
-            </a:r>
-          </a:p>
-          <a:p>
-            <a:pPr algn="l"/>
-            <a:r>
-              <a:rPr lang="en-US" sz="1400" b="0" i="0" u="none" strike="noStrike" baseline="0" dirty="0" err="1">
-                <a:latin typeface="Times New Roman" panose="02020603050405020304" pitchFamily="18" charset="0"/>
-                <a:cs typeface="Times New Roman" panose="02020603050405020304" pitchFamily="18" charset="0"/>
-              </a:rPr>
-              <a:t>Jianchao</a:t>
-            </a:r>
-            <a:r>
-              <a:rPr lang="en-US" sz="1400" b="0" i="0" u="none" strike="noStrike" baseline="0" dirty="0">
-                <a:latin typeface="Times New Roman" panose="02020603050405020304" pitchFamily="18" charset="0"/>
-                <a:cs typeface="Times New Roman" panose="02020603050405020304" pitchFamily="18" charset="0"/>
-              </a:rPr>
-              <a:t> Yang, Wright, J., Huang, T. and Yi Ma (2008). Image super-resolution as sparse representation of raw image patches, </a:t>
-            </a:r>
-          </a:p>
-          <a:p>
-            <a:pPr marL="457200" lvl="1" indent="0">
-              <a:buNone/>
-            </a:pPr>
-            <a:r>
-              <a:rPr lang="en-US" sz="1400" b="0" i="1" u="none" strike="noStrike" baseline="0" dirty="0">
-                <a:latin typeface="Times New Roman" panose="02020603050405020304" pitchFamily="18" charset="0"/>
-                <a:cs typeface="Times New Roman" panose="02020603050405020304" pitchFamily="18" charset="0"/>
-              </a:rPr>
-              <a:t>	2008 IEEE Conference on Computer Vision and Pattern Recognition</a:t>
-            </a:r>
-            <a:r>
-              <a:rPr lang="en-US" sz="1400" b="0" i="0" u="none" strike="noStrike" baseline="0" dirty="0">
-                <a:latin typeface="Times New Roman" panose="02020603050405020304" pitchFamily="18" charset="0"/>
-                <a:cs typeface="Times New Roman" panose="02020603050405020304" pitchFamily="18" charset="0"/>
-              </a:rPr>
-              <a:t>, pp. 1–8.</a:t>
-            </a:r>
-          </a:p>
-        </p:txBody>
-      </p:sp>
-      <p:sp>
-        <p:nvSpPr>
-          <p:cNvPr id="4" name="Footer Placeholder 3">
-            <a:extLst>
-              <a:ext uri="{FF2B5EF4-FFF2-40B4-BE49-F238E27FC236}">
-                <a16:creationId xmlns:a16="http://schemas.microsoft.com/office/drawing/2014/main" id="{90CF10EA-242A-4F9F-97DC-68619990925C}"/>
-              </a:ext>
-            </a:extLst>
-          </p:cNvPr>
-          <p:cNvSpPr>
-            <a:spLocks noGrp="1"/>
-          </p:cNvSpPr>
-          <p:nvPr>
-            <p:ph type="ftr" sz="quarter" idx="11"/>
-          </p:nvPr>
-        </p:nvSpPr>
-        <p:spPr/>
-        <p:txBody>
-          <a:bodyPr/>
-          <a:lstStyle/>
-          <a:p>
-            <a:r>
-              <a:rPr lang="en-IN"/>
-              <a:t>Title of the Course</a:t>
-            </a:r>
-          </a:p>
-        </p:txBody>
-      </p:sp>
-    </p:spTree>
-    <p:extLst>
-      <p:ext uri="{BB962C8B-B14F-4D97-AF65-F5344CB8AC3E}">
-        <p14:creationId xmlns:p14="http://schemas.microsoft.com/office/powerpoint/2010/main" val="3190111597"/>
-      </p:ext>
-    </p:extLst>
-  </p:cSld>
-  <p:clrMapOvr>
-    <a:masterClrMapping/>
-  </p:clrMapOvr>
-  <mc:AlternateContent xmlns:mc="http://schemas.openxmlformats.org/markup-compatibility/2006" xmlns:p14="http://schemas.microsoft.com/office/powerpoint/2010/main">
-    <mc:Choice Requires="p14">
-      <p:transition spd="med" p14:dur="700">
-        <p:fade/>
-      </p:transition>
-    </mc:Choice>
-    <mc:Fallback xmlns="">
-      <p:transition spd="med">
-        <p:fade/>
-      </p:transition>
-    </mc:Fallback>
-  </mc:AlternateContent>
-</p:sld>
-</file>
-
-<file path=ppt/slides/slide35.xml><?xml version="1.0" encoding="utf-8"?>
-<p:sld xmlns:a="http://schemas.openxmlformats.org/drawingml/2006/main" xmlns:r="http://schemas.openxmlformats.org/officeDocument/2006/relationships" xmlns:p="http://schemas.openxmlformats.org/presentationml/2006/main">
-  <p:cSld>
-    <p:spTree>
-      <p:nvGrpSpPr>
-        <p:cNvPr id="1" name=""/>
-        <p:cNvGrpSpPr/>
-        <p:nvPr/>
-      </p:nvGrpSpPr>
-      <p:grpSpPr>
-        <a:xfrm>
-          <a:off x="0" y="0"/>
-          <a:ext cx="0" cy="0"/>
-          <a:chOff x="0" y="0"/>
-          <a:chExt cx="0" cy="0"/>
-        </a:xfrm>
-      </p:grpSpPr>
-      <p:sp>
-        <p:nvSpPr>
-          <p:cNvPr id="2" name="Title 1">
-            <a:extLst>
-              <a:ext uri="{FF2B5EF4-FFF2-40B4-BE49-F238E27FC236}">
-                <a16:creationId xmlns:a16="http://schemas.microsoft.com/office/drawing/2014/main" id="{60013DAE-EE1B-473B-B3B6-648540F8F0E6}"/>
-              </a:ext>
-            </a:extLst>
-          </p:cNvPr>
-          <p:cNvSpPr>
-            <a:spLocks noGrp="1"/>
-          </p:cNvSpPr>
-          <p:nvPr>
-            <p:ph type="title"/>
-          </p:nvPr>
-        </p:nvSpPr>
-        <p:spPr/>
-        <p:txBody>
-          <a:bodyPr/>
-          <a:lstStyle/>
-          <a:p>
-            <a:r>
-              <a:rPr lang="en-US" dirty="0"/>
-              <a:t>References</a:t>
-            </a:r>
-          </a:p>
-        </p:txBody>
-      </p:sp>
-      <p:sp>
-        <p:nvSpPr>
-          <p:cNvPr id="3" name="Content Placeholder 2">
-            <a:extLst>
-              <a:ext uri="{FF2B5EF4-FFF2-40B4-BE49-F238E27FC236}">
-                <a16:creationId xmlns:a16="http://schemas.microsoft.com/office/drawing/2014/main" id="{6A2C8905-50B5-4EA0-8B9A-E1EE0EB58F40}"/>
-              </a:ext>
-            </a:extLst>
-          </p:cNvPr>
-          <p:cNvSpPr>
-            <a:spLocks noGrp="1"/>
-          </p:cNvSpPr>
-          <p:nvPr>
-            <p:ph idx="1"/>
-          </p:nvPr>
-        </p:nvSpPr>
-        <p:spPr/>
-        <p:txBody>
-          <a:bodyPr>
-            <a:normAutofit fontScale="92500" lnSpcReduction="20000"/>
-          </a:bodyPr>
-          <a:lstStyle/>
-          <a:p>
-            <a:pPr algn="l"/>
-            <a:r>
-              <a:rPr lang="en-US" sz="1400" b="0" i="0" u="none" strike="noStrike" baseline="0" dirty="0">
-                <a:latin typeface="Times New Roman" panose="02020603050405020304" pitchFamily="18" charset="0"/>
-                <a:cs typeface="Times New Roman" panose="02020603050405020304" pitchFamily="18" charset="0"/>
-              </a:rPr>
-              <a:t>Kim, J., Lee, J. K. and Lee, K. M. (2016). Accurate image super-resolution using very deep convolutional networks, </a:t>
-            </a:r>
-          </a:p>
-          <a:p>
-            <a:pPr marL="457200" lvl="1" indent="0">
-              <a:buNone/>
-            </a:pPr>
-            <a:r>
-              <a:rPr lang="en-US" sz="1500" b="0" i="1" u="none" strike="noStrike" baseline="0" dirty="0">
-                <a:latin typeface="Times New Roman" panose="02020603050405020304" pitchFamily="18" charset="0"/>
-                <a:cs typeface="Times New Roman" panose="02020603050405020304" pitchFamily="18" charset="0"/>
-              </a:rPr>
-              <a:t>	2016 IEEE Conference on Computer Vision and Pattern Recognition (CVPR), </a:t>
-            </a:r>
-            <a:r>
-              <a:rPr lang="en-US" sz="1500" b="0" i="0" u="none" strike="noStrike" baseline="0" dirty="0">
-                <a:latin typeface="Times New Roman" panose="02020603050405020304" pitchFamily="18" charset="0"/>
-                <a:cs typeface="Times New Roman" panose="02020603050405020304" pitchFamily="18" charset="0"/>
-              </a:rPr>
-              <a:t>pp. 1646–1654.</a:t>
-            </a:r>
-          </a:p>
-          <a:p>
-            <a:pPr algn="l"/>
-            <a:r>
-              <a:rPr lang="en-US" sz="1400" b="0" i="0" u="none" strike="noStrike" baseline="0" dirty="0" err="1">
-                <a:latin typeface="Times New Roman" panose="02020603050405020304" pitchFamily="18" charset="0"/>
-                <a:cs typeface="Times New Roman" panose="02020603050405020304" pitchFamily="18" charset="0"/>
-              </a:rPr>
-              <a:t>Ledig</a:t>
-            </a:r>
-            <a:r>
-              <a:rPr lang="en-US" sz="1400" b="0" i="0" u="none" strike="noStrike" baseline="0" dirty="0">
-                <a:latin typeface="Times New Roman" panose="02020603050405020304" pitchFamily="18" charset="0"/>
-                <a:cs typeface="Times New Roman" panose="02020603050405020304" pitchFamily="18" charset="0"/>
-              </a:rPr>
-              <a:t>, C., Theis, L., </a:t>
-            </a:r>
-            <a:r>
-              <a:rPr lang="en-US" sz="1400" b="0" i="0" u="none" strike="noStrike" baseline="0" dirty="0" err="1">
-                <a:latin typeface="Times New Roman" panose="02020603050405020304" pitchFamily="18" charset="0"/>
-                <a:cs typeface="Times New Roman" panose="02020603050405020304" pitchFamily="18" charset="0"/>
-              </a:rPr>
-              <a:t>Huszar</a:t>
-            </a:r>
-            <a:r>
-              <a:rPr lang="en-US" sz="1400" b="0" i="0" u="none" strike="noStrike" baseline="0" dirty="0">
-                <a:latin typeface="Times New Roman" panose="02020603050405020304" pitchFamily="18" charset="0"/>
-                <a:cs typeface="Times New Roman" panose="02020603050405020304" pitchFamily="18" charset="0"/>
-              </a:rPr>
-              <a:t>, F., Caballero, J., Cunningham, A., Acosta, A., Aitken, A., </a:t>
-            </a:r>
-            <a:r>
-              <a:rPr lang="en-US" sz="1400" b="0" i="0" u="none" strike="noStrike" baseline="0" dirty="0" err="1">
-                <a:latin typeface="Times New Roman" panose="02020603050405020304" pitchFamily="18" charset="0"/>
-                <a:cs typeface="Times New Roman" panose="02020603050405020304" pitchFamily="18" charset="0"/>
-              </a:rPr>
-              <a:t>Tejani</a:t>
-            </a:r>
-            <a:r>
-              <a:rPr lang="en-US" sz="1400" b="0" i="0" u="none" strike="noStrike" baseline="0" dirty="0">
-                <a:latin typeface="Times New Roman" panose="02020603050405020304" pitchFamily="18" charset="0"/>
-                <a:cs typeface="Times New Roman" panose="02020603050405020304" pitchFamily="18" charset="0"/>
-              </a:rPr>
-              <a:t>, A., </a:t>
-            </a:r>
-            <a:r>
-              <a:rPr lang="en-US" sz="1400" b="0" i="0" u="none" strike="noStrike" baseline="0" dirty="0" err="1">
-                <a:latin typeface="Times New Roman" panose="02020603050405020304" pitchFamily="18" charset="0"/>
-                <a:cs typeface="Times New Roman" panose="02020603050405020304" pitchFamily="18" charset="0"/>
-              </a:rPr>
-              <a:t>Totz</a:t>
-            </a:r>
-            <a:r>
-              <a:rPr lang="en-US" sz="1400" b="0" i="0" u="none" strike="noStrike" baseline="0" dirty="0">
-                <a:latin typeface="Times New Roman" panose="02020603050405020304" pitchFamily="18" charset="0"/>
-                <a:cs typeface="Times New Roman" panose="02020603050405020304" pitchFamily="18" charset="0"/>
-              </a:rPr>
-              <a:t>, J., Wang, Z. and Shi, W. (2017). </a:t>
-            </a:r>
-          </a:p>
-          <a:p>
-            <a:pPr marL="457200" lvl="1" indent="0">
-              <a:buNone/>
-            </a:pPr>
-            <a:r>
-              <a:rPr lang="en-US" sz="1500" b="0" i="0" u="none" strike="noStrike" baseline="0" dirty="0">
-                <a:latin typeface="Times New Roman" panose="02020603050405020304" pitchFamily="18" charset="0"/>
-                <a:cs typeface="Times New Roman" panose="02020603050405020304" pitchFamily="18" charset="0"/>
-              </a:rPr>
-              <a:t>	Photorealistic single image super-resolution using a generative adversarial network.</a:t>
-            </a:r>
-          </a:p>
-          <a:p>
-            <a:pPr algn="l"/>
-            <a:r>
-              <a:rPr lang="en-US" sz="1400" b="0" i="0" u="none" strike="noStrike" baseline="0" dirty="0">
-                <a:latin typeface="Times New Roman" panose="02020603050405020304" pitchFamily="18" charset="0"/>
-                <a:cs typeface="Times New Roman" panose="02020603050405020304" pitchFamily="18" charset="0"/>
-              </a:rPr>
-              <a:t>Levin, A., </a:t>
-            </a:r>
-            <a:r>
-              <a:rPr lang="en-US" sz="1400" b="0" i="0" u="none" strike="noStrike" baseline="0" dirty="0" err="1">
-                <a:latin typeface="Times New Roman" panose="02020603050405020304" pitchFamily="18" charset="0"/>
-                <a:cs typeface="Times New Roman" panose="02020603050405020304" pitchFamily="18" charset="0"/>
-              </a:rPr>
-              <a:t>Lischinski</a:t>
-            </a:r>
-            <a:r>
-              <a:rPr lang="en-US" sz="1400" b="0" i="0" u="none" strike="noStrike" baseline="0" dirty="0">
-                <a:latin typeface="Times New Roman" panose="02020603050405020304" pitchFamily="18" charset="0"/>
-                <a:cs typeface="Times New Roman" panose="02020603050405020304" pitchFamily="18" charset="0"/>
-              </a:rPr>
-              <a:t>, D. and Weiss, Y. (2004). Colorization using optimization, </a:t>
-            </a:r>
-            <a:r>
-              <a:rPr lang="sv-SE" sz="1400" b="0" i="1" u="none" strike="noStrike" baseline="0" dirty="0">
-                <a:latin typeface="Times New Roman" panose="02020603050405020304" pitchFamily="18" charset="0"/>
-                <a:cs typeface="Times New Roman" panose="02020603050405020304" pitchFamily="18" charset="0"/>
-              </a:rPr>
-              <a:t>ACM SIGGRAPH 2004 Papers</a:t>
-            </a:r>
-            <a:r>
-              <a:rPr lang="sv-SE" sz="1400" b="0" i="0" u="none" strike="noStrike" baseline="0" dirty="0">
-                <a:latin typeface="Times New Roman" panose="02020603050405020304" pitchFamily="18" charset="0"/>
-                <a:cs typeface="Times New Roman" panose="02020603050405020304" pitchFamily="18" charset="0"/>
-              </a:rPr>
-              <a:t>, pp. 689–694.</a:t>
-            </a:r>
-          </a:p>
-          <a:p>
-            <a:pPr algn="l"/>
-            <a:r>
-              <a:rPr lang="en-US" sz="1400" b="0" i="0" u="none" strike="noStrike" baseline="0" dirty="0">
-                <a:latin typeface="Times New Roman" panose="02020603050405020304" pitchFamily="18" charset="0"/>
-                <a:cs typeface="Times New Roman" panose="02020603050405020304" pitchFamily="18" charset="0"/>
-              </a:rPr>
-              <a:t>Long, J., </a:t>
-            </a:r>
-            <a:r>
-              <a:rPr lang="en-US" sz="1400" b="0" i="0" u="none" strike="noStrike" baseline="0" dirty="0" err="1">
-                <a:latin typeface="Times New Roman" panose="02020603050405020304" pitchFamily="18" charset="0"/>
-                <a:cs typeface="Times New Roman" panose="02020603050405020304" pitchFamily="18" charset="0"/>
-              </a:rPr>
-              <a:t>Shelhamer</a:t>
-            </a:r>
-            <a:r>
-              <a:rPr lang="en-US" sz="1400" b="0" i="0" u="none" strike="noStrike" baseline="0" dirty="0">
-                <a:latin typeface="Times New Roman" panose="02020603050405020304" pitchFamily="18" charset="0"/>
-                <a:cs typeface="Times New Roman" panose="02020603050405020304" pitchFamily="18" charset="0"/>
-              </a:rPr>
-              <a:t>, E. and Darrell, T. (2015). Fully convolutional networks for semantic segmentation, </a:t>
-            </a:r>
-          </a:p>
-          <a:p>
-            <a:pPr marL="457200" lvl="1" indent="0">
-              <a:buNone/>
-            </a:pPr>
-            <a:r>
-              <a:rPr lang="en-US" sz="1500" b="0" i="1" u="none" strike="noStrike" baseline="0" dirty="0">
-                <a:latin typeface="Times New Roman" panose="02020603050405020304" pitchFamily="18" charset="0"/>
-                <a:cs typeface="Times New Roman" panose="02020603050405020304" pitchFamily="18" charset="0"/>
-              </a:rPr>
-              <a:t>	2015 IEEE Conference on Computer Vision and Pattern Recognition (CVPR), </a:t>
-            </a:r>
-            <a:r>
-              <a:rPr lang="en-US" sz="1500" b="0" i="0" u="none" strike="noStrike" baseline="0" dirty="0">
-                <a:latin typeface="Times New Roman" panose="02020603050405020304" pitchFamily="18" charset="0"/>
-                <a:cs typeface="Times New Roman" panose="02020603050405020304" pitchFamily="18" charset="0"/>
-              </a:rPr>
-              <a:t>pp. 3431–3440</a:t>
-            </a:r>
-            <a:r>
-              <a:rPr lang="en-US" sz="1000" b="0" i="0" u="none" strike="noStrike" baseline="0" dirty="0">
-                <a:latin typeface="Times New Roman" panose="02020603050405020304" pitchFamily="18" charset="0"/>
-                <a:cs typeface="Times New Roman" panose="02020603050405020304" pitchFamily="18" charset="0"/>
-              </a:rPr>
-              <a:t>.</a:t>
-            </a:r>
-          </a:p>
-          <a:p>
-            <a:pPr algn="l"/>
-            <a:r>
-              <a:rPr lang="en-US" sz="1400" b="0" i="0" u="none" strike="noStrike" baseline="0" dirty="0">
-                <a:latin typeface="Times New Roman" panose="02020603050405020304" pitchFamily="18" charset="0"/>
-                <a:cs typeface="Times New Roman" panose="02020603050405020304" pitchFamily="18" charset="0"/>
-              </a:rPr>
-              <a:t>Mirza, M. and </a:t>
-            </a:r>
-            <a:r>
-              <a:rPr lang="en-US" sz="1400" b="0" i="0" u="none" strike="noStrike" baseline="0" dirty="0" err="1">
-                <a:latin typeface="Times New Roman" panose="02020603050405020304" pitchFamily="18" charset="0"/>
-                <a:cs typeface="Times New Roman" panose="02020603050405020304" pitchFamily="18" charset="0"/>
-              </a:rPr>
-              <a:t>Osindero</a:t>
-            </a:r>
-            <a:r>
-              <a:rPr lang="en-US" sz="1400" b="0" i="0" u="none" strike="noStrike" baseline="0" dirty="0">
-                <a:latin typeface="Times New Roman" panose="02020603050405020304" pitchFamily="18" charset="0"/>
-                <a:cs typeface="Times New Roman" panose="02020603050405020304" pitchFamily="18" charset="0"/>
-              </a:rPr>
-              <a:t>, S. (2014). Conditional generative adversarial nets.</a:t>
-            </a:r>
-            <a:endParaRPr lang="en-US" sz="1400" dirty="0">
-              <a:latin typeface="Times New Roman" panose="02020603050405020304" pitchFamily="18" charset="0"/>
-              <a:cs typeface="Times New Roman" panose="02020603050405020304" pitchFamily="18" charset="0"/>
-            </a:endParaRPr>
-          </a:p>
-          <a:p>
-            <a:pPr algn="l"/>
-            <a:r>
-              <a:rPr lang="en-US" sz="1400" b="0" i="0" u="none" strike="noStrike" baseline="0" dirty="0">
-                <a:latin typeface="Times New Roman" panose="02020603050405020304" pitchFamily="18" charset="0"/>
-                <a:cs typeface="Times New Roman" panose="02020603050405020304" pitchFamily="18" charset="0"/>
-              </a:rPr>
-              <a:t>Pressman, R. S. (1992). Software Engineering (3rd Ed.): A Practitioner’s Approach, McGraw-Hill, Inc., New York, NY, USA.</a:t>
-            </a:r>
-          </a:p>
-          <a:p>
-            <a:pPr algn="l"/>
-            <a:r>
-              <a:rPr lang="en-US" sz="1500" b="0" i="0" u="none" strike="noStrike" baseline="0" dirty="0">
-                <a:latin typeface="Times New Roman" panose="02020603050405020304" pitchFamily="18" charset="0"/>
-                <a:cs typeface="Times New Roman" panose="02020603050405020304" pitchFamily="18" charset="0"/>
-              </a:rPr>
-              <a:t>Qu, </a:t>
-            </a:r>
-            <a:r>
-              <a:rPr lang="en-US" sz="1500" b="0" i="0" u="none" strike="noStrike" baseline="0" dirty="0" err="1">
-                <a:latin typeface="Times New Roman" panose="02020603050405020304" pitchFamily="18" charset="0"/>
-                <a:cs typeface="Times New Roman" panose="02020603050405020304" pitchFamily="18" charset="0"/>
-              </a:rPr>
-              <a:t>Y.,Wong</a:t>
-            </a:r>
-            <a:r>
-              <a:rPr lang="en-US" sz="1500" b="0" i="0" u="none" strike="noStrike" baseline="0" dirty="0">
-                <a:latin typeface="Times New Roman" panose="02020603050405020304" pitchFamily="18" charset="0"/>
-                <a:cs typeface="Times New Roman" panose="02020603050405020304" pitchFamily="18" charset="0"/>
-              </a:rPr>
-              <a:t>, T.-T. and Heng, P.-A. (2006). Manga colorization, ACM Transactions on Graphics (TOG) 25(3): 1214–1220.</a:t>
-            </a:r>
-          </a:p>
-          <a:p>
-            <a:pPr algn="l"/>
-            <a:r>
-              <a:rPr lang="en-US" sz="1500" b="0" i="0" u="none" strike="noStrike" baseline="0" dirty="0">
-                <a:latin typeface="Times New Roman" panose="02020603050405020304" pitchFamily="18" charset="0"/>
-                <a:cs typeface="Times New Roman" panose="02020603050405020304" pitchFamily="18" charset="0"/>
-              </a:rPr>
-              <a:t>Radford, A., Metz, L. and </a:t>
-            </a:r>
-            <a:r>
-              <a:rPr lang="en-US" sz="1500" b="0" i="0" u="none" strike="noStrike" baseline="0" dirty="0" err="1">
-                <a:latin typeface="Times New Roman" panose="02020603050405020304" pitchFamily="18" charset="0"/>
-                <a:cs typeface="Times New Roman" panose="02020603050405020304" pitchFamily="18" charset="0"/>
-              </a:rPr>
-              <a:t>Chintala</a:t>
-            </a:r>
-            <a:r>
-              <a:rPr lang="en-US" sz="1500" b="0" i="0" u="none" strike="noStrike" baseline="0" dirty="0">
-                <a:latin typeface="Times New Roman" panose="02020603050405020304" pitchFamily="18" charset="0"/>
-                <a:cs typeface="Times New Roman" panose="02020603050405020304" pitchFamily="18" charset="0"/>
-              </a:rPr>
-              <a:t>, S. (2016). Unsupervised representation learning with deep convolutional generative adversarial 	networks.</a:t>
-            </a:r>
-          </a:p>
-          <a:p>
-            <a:pPr algn="l"/>
-            <a:r>
-              <a:rPr lang="en-US" sz="1500" b="0" i="0" u="none" strike="noStrike" baseline="0" dirty="0">
-                <a:latin typeface="Times New Roman" panose="02020603050405020304" pitchFamily="18" charset="0"/>
-                <a:cs typeface="Times New Roman" panose="02020603050405020304" pitchFamily="18" charset="0"/>
-              </a:rPr>
-              <a:t>Shi, W., Caballero, J., </a:t>
-            </a:r>
-            <a:r>
-              <a:rPr lang="en-US" sz="1500" b="0" i="0" u="none" strike="noStrike" baseline="0" dirty="0" err="1">
-                <a:latin typeface="Times New Roman" panose="02020603050405020304" pitchFamily="18" charset="0"/>
-                <a:cs typeface="Times New Roman" panose="02020603050405020304" pitchFamily="18" charset="0"/>
-              </a:rPr>
-              <a:t>Husz´ar</a:t>
-            </a:r>
-            <a:r>
-              <a:rPr lang="en-US" sz="1500" b="0" i="0" u="none" strike="noStrike" baseline="0" dirty="0">
-                <a:latin typeface="Times New Roman" panose="02020603050405020304" pitchFamily="18" charset="0"/>
-                <a:cs typeface="Times New Roman" panose="02020603050405020304" pitchFamily="18" charset="0"/>
-              </a:rPr>
-              <a:t>, F., </a:t>
-            </a:r>
-            <a:r>
-              <a:rPr lang="en-US" sz="1500" b="0" i="0" u="none" strike="noStrike" baseline="0" dirty="0" err="1">
-                <a:latin typeface="Times New Roman" panose="02020603050405020304" pitchFamily="18" charset="0"/>
-                <a:cs typeface="Times New Roman" panose="02020603050405020304" pitchFamily="18" charset="0"/>
-              </a:rPr>
-              <a:t>Totz</a:t>
-            </a:r>
-            <a:r>
-              <a:rPr lang="en-US" sz="1500" b="0" i="0" u="none" strike="noStrike" baseline="0" dirty="0">
-                <a:latin typeface="Times New Roman" panose="02020603050405020304" pitchFamily="18" charset="0"/>
-                <a:cs typeface="Times New Roman" panose="02020603050405020304" pitchFamily="18" charset="0"/>
-              </a:rPr>
-              <a:t>, J., Aitken, A. P., Bishop, R., </a:t>
-            </a:r>
-            <a:r>
-              <a:rPr lang="en-US" sz="1500" b="0" i="0" u="none" strike="noStrike" baseline="0" dirty="0" err="1">
-                <a:latin typeface="Times New Roman" panose="02020603050405020304" pitchFamily="18" charset="0"/>
-                <a:cs typeface="Times New Roman" panose="02020603050405020304" pitchFamily="18" charset="0"/>
-              </a:rPr>
-              <a:t>Rueckert</a:t>
-            </a:r>
-            <a:r>
-              <a:rPr lang="en-US" sz="1500" b="0" i="0" u="none" strike="noStrike" baseline="0" dirty="0">
-                <a:latin typeface="Times New Roman" panose="02020603050405020304" pitchFamily="18" charset="0"/>
-                <a:cs typeface="Times New Roman" panose="02020603050405020304" pitchFamily="18" charset="0"/>
-              </a:rPr>
-              <a:t>, D. and Wang, Z. (2016). </a:t>
-            </a:r>
-          </a:p>
-          <a:p>
-            <a:pPr marL="457200" lvl="1" indent="0">
-              <a:buNone/>
-            </a:pPr>
-            <a:r>
-              <a:rPr lang="en-US" sz="1500" b="0" i="0" u="none" strike="noStrike" baseline="0" dirty="0">
-                <a:latin typeface="Times New Roman" panose="02020603050405020304" pitchFamily="18" charset="0"/>
-                <a:cs typeface="Times New Roman" panose="02020603050405020304" pitchFamily="18" charset="0"/>
-              </a:rPr>
-              <a:t>	Real-time single image and video super-resolution using an efficient sub-pixel convolutional neural network, </a:t>
-            </a:r>
-          </a:p>
-          <a:p>
-            <a:pPr marL="457200" lvl="1" indent="0">
-              <a:buNone/>
-            </a:pPr>
-            <a:r>
-              <a:rPr lang="en-US" sz="1500" dirty="0">
-                <a:latin typeface="Times New Roman" panose="02020603050405020304" pitchFamily="18" charset="0"/>
-                <a:cs typeface="Times New Roman" panose="02020603050405020304" pitchFamily="18" charset="0"/>
-              </a:rPr>
-              <a:t>	</a:t>
-            </a:r>
-            <a:r>
-              <a:rPr lang="en-US" sz="1500" b="0" i="1" u="none" strike="noStrike" baseline="0" dirty="0">
-                <a:latin typeface="Times New Roman" panose="02020603050405020304" pitchFamily="18" charset="0"/>
-                <a:cs typeface="Times New Roman" panose="02020603050405020304" pitchFamily="18" charset="0"/>
-              </a:rPr>
-              <a:t>2016 IEEE Conference on Computer Vision and Pattern Recognition (CVPR),</a:t>
-            </a:r>
-            <a:r>
-              <a:rPr lang="en-US" sz="1500" b="0" i="0" u="none" strike="noStrike" baseline="0" dirty="0">
-                <a:latin typeface="Times New Roman" panose="02020603050405020304" pitchFamily="18" charset="0"/>
-                <a:cs typeface="Times New Roman" panose="02020603050405020304" pitchFamily="18" charset="0"/>
-              </a:rPr>
-              <a:t> pp. 1874–1883.</a:t>
-            </a:r>
-            <a:endParaRPr lang="en-US" sz="1500" dirty="0">
-              <a:latin typeface="Times New Roman" panose="02020603050405020304" pitchFamily="18" charset="0"/>
-              <a:cs typeface="Times New Roman" panose="02020603050405020304" pitchFamily="18" charset="0"/>
-            </a:endParaRPr>
-          </a:p>
-        </p:txBody>
-      </p:sp>
-      <p:sp>
-        <p:nvSpPr>
-          <p:cNvPr id="4" name="Footer Placeholder 3">
-            <a:extLst>
-              <a:ext uri="{FF2B5EF4-FFF2-40B4-BE49-F238E27FC236}">
-                <a16:creationId xmlns:a16="http://schemas.microsoft.com/office/drawing/2014/main" id="{478E4A7B-00AC-4117-8CCF-32F4EA319662}"/>
-              </a:ext>
-            </a:extLst>
-          </p:cNvPr>
-          <p:cNvSpPr>
-            <a:spLocks noGrp="1"/>
-          </p:cNvSpPr>
-          <p:nvPr>
-            <p:ph type="ftr" sz="quarter" idx="11"/>
-          </p:nvPr>
-        </p:nvSpPr>
-        <p:spPr/>
-        <p:txBody>
-          <a:bodyPr/>
-          <a:lstStyle/>
-          <a:p>
-            <a:r>
-              <a:rPr lang="en-IN"/>
-              <a:t>Title of the Course</a:t>
-            </a:r>
-          </a:p>
-        </p:txBody>
-      </p:sp>
-    </p:spTree>
-    <p:extLst>
-      <p:ext uri="{BB962C8B-B14F-4D97-AF65-F5344CB8AC3E}">
-        <p14:creationId xmlns:p14="http://schemas.microsoft.com/office/powerpoint/2010/main" val="604998426"/>
-      </p:ext>
-    </p:extLst>
-  </p:cSld>
-  <p:clrMapOvr>
-    <a:masterClrMapping/>
-  </p:clrMapOvr>
-  <mc:AlternateContent xmlns:mc="http://schemas.openxmlformats.org/markup-compatibility/2006" xmlns:p14="http://schemas.microsoft.com/office/powerpoint/2010/main">
-    <mc:Choice Requires="p14">
-      <p:transition spd="med" p14:dur="700">
-        <p:fade/>
-      </p:transition>
-    </mc:Choice>
-    <mc:Fallback xmlns="">
-      <p:transition spd="med">
-        <p:fade/>
-      </p:transition>
-    </mc:Fallback>
-  </mc:AlternateContent>
-</p:sld>
-</file>
-
-<file path=ppt/slides/slide36.xml><?xml version="1.0" encoding="utf-8"?>
-<p:sld xmlns:a="http://schemas.openxmlformats.org/drawingml/2006/main" xmlns:r="http://schemas.openxmlformats.org/officeDocument/2006/relationships" xmlns:p="http://schemas.openxmlformats.org/presentationml/2006/main">
-  <p:cSld>
-    <p:spTree>
-      <p:nvGrpSpPr>
-        <p:cNvPr id="1" name=""/>
-        <p:cNvGrpSpPr/>
-        <p:nvPr/>
-      </p:nvGrpSpPr>
-      <p:grpSpPr>
-        <a:xfrm>
-          <a:off x="0" y="0"/>
-          <a:ext cx="0" cy="0"/>
-          <a:chOff x="0" y="0"/>
-          <a:chExt cx="0" cy="0"/>
-        </a:xfrm>
-      </p:grpSpPr>
-      <p:sp>
-        <p:nvSpPr>
-          <p:cNvPr id="2" name="Title 1">
-            <a:extLst>
-              <a:ext uri="{FF2B5EF4-FFF2-40B4-BE49-F238E27FC236}">
                 <a16:creationId xmlns:a16="http://schemas.microsoft.com/office/drawing/2014/main" id="{9830E956-2FFC-48BF-8208-EB43E244E3AD}"/>
               </a:ext>
             </a:extLst>
@@ -12284,7 +11896,7 @@
 </p:sld>
 </file>
 
-<file path=ppt/slides/slide37.xml><?xml version="1.0" encoding="utf-8"?>
+<file path=ppt/slides/slide35.xml><?xml version="1.0" encoding="utf-8"?>
 <p:sld xmlns:a="http://schemas.openxmlformats.org/drawingml/2006/main" xmlns:r="http://schemas.openxmlformats.org/officeDocument/2006/relationships" xmlns:p="http://schemas.openxmlformats.org/presentationml/2006/main">
   <p:cSld>
     <p:spTree>
@@ -14199,15 +13811,6 @@
 </file>
 
 <file path=customXml/item1.xml><?xml version="1.0" encoding="utf-8"?>
-<?mso-contentType ?>
-<FormTemplates xmlns="http://schemas.microsoft.com/sharepoint/v3/contenttype/forms">
-  <Display>DocumentLibraryForm</Display>
-  <Edit>AssetEditForm</Edit>
-  <New>DocumentLibraryForm</New>
-</FormTemplates>
-</file>
-
-<file path=customXml/item2.xml><?xml version="1.0" encoding="utf-8"?>
 <p:properties xmlns:p="http://schemas.microsoft.com/office/2006/metadata/properties" xmlns:xsi="http://www.w3.org/2001/XMLSchema-instance" xmlns:pc="http://schemas.microsoft.com/office/infopath/2007/PartnerControls">
   <documentManagement>
     <APDescription xmlns="4873beb7-5857-4685-be1f-d57550cc96cc" xsi:nil="true"/>
@@ -14331,6 +13934,15 @@
     <UANotes xmlns="4873beb7-5857-4685-be1f-d57550cc96cc" xsi:nil="true"/>
   </documentManagement>
 </p:properties>
+</file>
+
+<file path=customXml/item2.xml><?xml version="1.0" encoding="utf-8"?>
+<?mso-contentType ?>
+<FormTemplates xmlns="http://schemas.microsoft.com/sharepoint/v3/contenttype/forms">
+  <Display>DocumentLibraryForm</Display>
+  <Edit>AssetEditForm</Edit>
+  <New>DocumentLibraryForm</New>
+</FormTemplates>
 </file>
 
 <file path=customXml/item3.xml><?xml version="1.0" encoding="utf-8"?>
@@ -15374,25 +14986,25 @@
 </file>
 
 <file path=customXml/itemProps1.xml><?xml version="1.0" encoding="utf-8"?>
-<ds:datastoreItem xmlns:ds="http://schemas.openxmlformats.org/officeDocument/2006/customXml" ds:itemID="{561E720F-F05D-4536-9C34-0CFCED65D3B7}">
+<ds:datastoreItem xmlns:ds="http://schemas.openxmlformats.org/officeDocument/2006/customXml" ds:itemID="{8CDDBB83-77C1-4099-A0AA-289882E745E2}">
   <ds:schemaRefs>
-    <ds:schemaRef ds:uri="http://schemas.microsoft.com/sharepoint/v3/contenttype/forms"/>
+    <ds:schemaRef ds:uri="http://purl.org/dc/terms/"/>
+    <ds:schemaRef ds:uri="http://purl.org/dc/dcmitype/"/>
+    <ds:schemaRef ds:uri="4873beb7-5857-4685-be1f-d57550cc96cc"/>
+    <ds:schemaRef ds:uri="http://schemas.openxmlformats.org/package/2006/metadata/core-properties"/>
+    <ds:schemaRef ds:uri="http://purl.org/dc/elements/1.1/"/>
+    <ds:schemaRef ds:uri="http://schemas.microsoft.com/office/2006/documentManagement/types"/>
+    <ds:schemaRef ds:uri="http://schemas.microsoft.com/office/infopath/2007/PartnerControls"/>
+    <ds:schemaRef ds:uri="http://schemas.microsoft.com/office/2006/metadata/properties"/>
+    <ds:schemaRef ds:uri="http://www.w3.org/XML/1998/namespace"/>
   </ds:schemaRefs>
 </ds:datastoreItem>
 </file>
 
 <file path=customXml/itemProps2.xml><?xml version="1.0" encoding="utf-8"?>
-<ds:datastoreItem xmlns:ds="http://schemas.openxmlformats.org/officeDocument/2006/customXml" ds:itemID="{8CDDBB83-77C1-4099-A0AA-289882E745E2}">
+<ds:datastoreItem xmlns:ds="http://schemas.openxmlformats.org/officeDocument/2006/customXml" ds:itemID="{561E720F-F05D-4536-9C34-0CFCED65D3B7}">
   <ds:schemaRefs>
-    <ds:schemaRef ds:uri="http://purl.org/dc/elements/1.1/"/>
-    <ds:schemaRef ds:uri="http://schemas.microsoft.com/office/2006/metadata/properties"/>
-    <ds:schemaRef ds:uri="4873beb7-5857-4685-be1f-d57550cc96cc"/>
-    <ds:schemaRef ds:uri="http://schemas.openxmlformats.org/package/2006/metadata/core-properties"/>
-    <ds:schemaRef ds:uri="http://purl.org/dc/terms/"/>
-    <ds:schemaRef ds:uri="http://schemas.microsoft.com/office/2006/documentManagement/types"/>
-    <ds:schemaRef ds:uri="http://schemas.microsoft.com/office/infopath/2007/PartnerControls"/>
-    <ds:schemaRef ds:uri="http://www.w3.org/XML/1998/namespace"/>
-    <ds:schemaRef ds:uri="http://purl.org/dc/dcmitype/"/>
+    <ds:schemaRef ds:uri="http://schemas.microsoft.com/sharepoint/v3/contenttype/forms"/>
   </ds:schemaRefs>
 </ds:datastoreItem>
 </file>

--- a/Presentation/Stage_1/stage_1_presentation.pptx
+++ b/Presentation/Stage_1/stage_1_presentation.pptx
@@ -5,10 +5,10 @@
     <p:sldMasterId id="2147483648" r:id="rId4"/>
   </p:sldMasterIdLst>
   <p:notesMasterIdLst>
-    <p:notesMasterId r:id="rId42"/>
+    <p:notesMasterId r:id="rId40"/>
   </p:notesMasterIdLst>
   <p:handoutMasterIdLst>
-    <p:handoutMasterId r:id="rId43"/>
+    <p:handoutMasterId r:id="rId41"/>
   </p:handoutMasterIdLst>
   <p:sldIdLst>
     <p:sldId id="256" r:id="rId5"/>
@@ -31,23 +31,21 @@
     <p:sldId id="283" r:id="rId22"/>
     <p:sldId id="284" r:id="rId23"/>
     <p:sldId id="289" r:id="rId24"/>
-    <p:sldId id="290" r:id="rId25"/>
-    <p:sldId id="291" r:id="rId26"/>
-    <p:sldId id="292" r:id="rId27"/>
-    <p:sldId id="293" r:id="rId28"/>
-    <p:sldId id="294" r:id="rId29"/>
-    <p:sldId id="295" r:id="rId30"/>
-    <p:sldId id="296" r:id="rId31"/>
-    <p:sldId id="297" r:id="rId32"/>
-    <p:sldId id="300" r:id="rId33"/>
-    <p:sldId id="301" r:id="rId34"/>
-    <p:sldId id="302" r:id="rId35"/>
-    <p:sldId id="303" r:id="rId36"/>
-    <p:sldId id="304" r:id="rId37"/>
-    <p:sldId id="305" r:id="rId38"/>
-    <p:sldId id="306" r:id="rId39"/>
-    <p:sldId id="307" r:id="rId40"/>
-    <p:sldId id="268" r:id="rId41"/>
+    <p:sldId id="292" r:id="rId25"/>
+    <p:sldId id="293" r:id="rId26"/>
+    <p:sldId id="294" r:id="rId27"/>
+    <p:sldId id="295" r:id="rId28"/>
+    <p:sldId id="296" r:id="rId29"/>
+    <p:sldId id="297" r:id="rId30"/>
+    <p:sldId id="300" r:id="rId31"/>
+    <p:sldId id="301" r:id="rId32"/>
+    <p:sldId id="302" r:id="rId33"/>
+    <p:sldId id="303" r:id="rId34"/>
+    <p:sldId id="304" r:id="rId35"/>
+    <p:sldId id="305" r:id="rId36"/>
+    <p:sldId id="306" r:id="rId37"/>
+    <p:sldId id="307" r:id="rId38"/>
+    <p:sldId id="268" r:id="rId39"/>
   </p:sldIdLst>
   <p:sldSz cx="12192000" cy="6858000"/>
   <p:notesSz cx="6858000" cy="9144000"/>
@@ -8398,387 +8396,6 @@
           <a:p>
             <a:r>
               <a:rPr lang="en-US" dirty="0"/>
-              <a:t>Methodology</a:t>
-            </a:r>
-          </a:p>
-        </p:txBody>
-      </p:sp>
-      <p:sp>
-        <p:nvSpPr>
-          <p:cNvPr id="14" name="Content Placeholder 13"/>
-          <p:cNvSpPr>
-            <a:spLocks noGrp="1"/>
-          </p:cNvSpPr>
-          <p:nvPr>
-            <p:ph idx="1"/>
-          </p:nvPr>
-        </p:nvSpPr>
-        <p:spPr/>
-        <p:txBody>
-          <a:bodyPr>
-            <a:normAutofit/>
-          </a:bodyPr>
-          <a:lstStyle/>
-          <a:p>
-            <a:r>
-              <a:rPr lang="en-US" dirty="0"/>
-              <a:t> Data gathering and processing:</a:t>
-            </a:r>
-          </a:p>
-          <a:p>
-            <a:pPr lvl="1"/>
-            <a:r>
-              <a:rPr lang="en-US" dirty="0"/>
-              <a:t>Data Scraping</a:t>
-            </a:r>
-          </a:p>
-          <a:p>
-            <a:pPr lvl="1"/>
-            <a:r>
-              <a:rPr lang="en-US" dirty="0"/>
-              <a:t>Data Cleaning</a:t>
-            </a:r>
-          </a:p>
-          <a:p>
-            <a:r>
-              <a:rPr lang="en-IN" dirty="0"/>
-              <a:t>Model Building</a:t>
-            </a:r>
-          </a:p>
-          <a:p>
-            <a:r>
-              <a:rPr lang="en-IN" dirty="0"/>
-              <a:t>Model Training</a:t>
-            </a:r>
-          </a:p>
-          <a:p>
-            <a:r>
-              <a:rPr lang="en-IN" dirty="0"/>
-              <a:t>Cost Optimization and tuning</a:t>
-            </a:r>
-          </a:p>
-          <a:p>
-            <a:r>
-              <a:rPr lang="en-IN" dirty="0"/>
-              <a:t>Performance Evaluation and Documentation</a:t>
-            </a:r>
-          </a:p>
-        </p:txBody>
-      </p:sp>
-      <p:sp>
-        <p:nvSpPr>
-          <p:cNvPr id="5" name="Footer Placeholder 4"/>
-          <p:cNvSpPr>
-            <a:spLocks noGrp="1"/>
-          </p:cNvSpPr>
-          <p:nvPr>
-            <p:ph type="ftr" sz="quarter" idx="11"/>
-          </p:nvPr>
-        </p:nvSpPr>
-        <p:spPr/>
-        <p:txBody>
-          <a:bodyPr/>
-          <a:lstStyle/>
-          <a:p>
-            <a:r>
-              <a:rPr lang="en-IN" sz="1200" dirty="0">
-                <a:cs typeface="Times New Roman" panose="02020603050405020304" pitchFamily="18" charset="0"/>
-              </a:rPr>
-              <a:t>Astronomical image colourisation and super-resolution using GANS</a:t>
-            </a:r>
-            <a:endParaRPr lang="en-IN" dirty="0"/>
-          </a:p>
-        </p:txBody>
-      </p:sp>
-      <p:pic>
-        <p:nvPicPr>
-          <p:cNvPr id="4" name="Picture 1"/>
-          <p:cNvPicPr>
-            <a:picLocks noChangeAspect="1" noChangeArrowheads="1"/>
-          </p:cNvPicPr>
-          <p:nvPr/>
-        </p:nvPicPr>
-        <p:blipFill>
-          <a:blip r:embed="rId2" cstate="print">
-            <a:extLst>
-              <a:ext uri="{28A0092B-C50C-407E-A947-70E740481C1C}">
-                <a14:useLocalDpi xmlns:a14="http://schemas.microsoft.com/office/drawing/2010/main" val="0"/>
-              </a:ext>
-            </a:extLst>
-          </a:blip>
-          <a:stretch>
-            <a:fillRect/>
-          </a:stretch>
-        </p:blipFill>
-        <p:spPr bwMode="auto">
-          <a:xfrm>
-            <a:off x="10919540" y="150750"/>
-            <a:ext cx="1233271" cy="1029803"/>
-          </a:xfrm>
-          <a:prstGeom prst="rect">
-            <a:avLst/>
-          </a:prstGeom>
-          <a:noFill/>
-          <a:ln w="9525">
-            <a:noFill/>
-            <a:miter lim="800000"/>
-            <a:headEnd/>
-            <a:tailEnd/>
-          </a:ln>
-        </p:spPr>
-      </p:pic>
-    </p:spTree>
-    <p:extLst>
-      <p:ext uri="{BB962C8B-B14F-4D97-AF65-F5344CB8AC3E}">
-        <p14:creationId xmlns:p14="http://schemas.microsoft.com/office/powerpoint/2010/main" val="261913967"/>
-      </p:ext>
-    </p:extLst>
-  </p:cSld>
-  <p:clrMapOvr>
-    <a:masterClrMapping/>
-  </p:clrMapOvr>
-  <mc:AlternateContent xmlns:mc="http://schemas.openxmlformats.org/markup-compatibility/2006" xmlns:p14="http://schemas.microsoft.com/office/powerpoint/2010/main">
-    <mc:Choice Requires="p14">
-      <p:transition spd="med" p14:dur="700">
-        <p:fade/>
-      </p:transition>
-    </mc:Choice>
-    <mc:Fallback xmlns="">
-      <p:transition spd="med">
-        <p:fade/>
-      </p:transition>
-    </mc:Fallback>
-  </mc:AlternateContent>
-</p:sld>
-</file>
-
-<file path=ppt/slides/slide22.xml><?xml version="1.0" encoding="utf-8"?>
-<p:sld xmlns:a="http://schemas.openxmlformats.org/drawingml/2006/main" xmlns:r="http://schemas.openxmlformats.org/officeDocument/2006/relationships" xmlns:p="http://schemas.openxmlformats.org/presentationml/2006/main">
-  <p:cSld>
-    <p:spTree>
-      <p:nvGrpSpPr>
-        <p:cNvPr id="1" name=""/>
-        <p:cNvGrpSpPr/>
-        <p:nvPr/>
-      </p:nvGrpSpPr>
-      <p:grpSpPr>
-        <a:xfrm>
-          <a:off x="0" y="0"/>
-          <a:ext cx="0" cy="0"/>
-          <a:chOff x="0" y="0"/>
-          <a:chExt cx="0" cy="0"/>
-        </a:xfrm>
-      </p:grpSpPr>
-      <p:sp>
-        <p:nvSpPr>
-          <p:cNvPr id="13" name="Title 12"/>
-          <p:cNvSpPr>
-            <a:spLocks noGrp="1"/>
-          </p:cNvSpPr>
-          <p:nvPr>
-            <p:ph type="title"/>
-          </p:nvPr>
-        </p:nvSpPr>
-        <p:spPr/>
-        <p:txBody>
-          <a:bodyPr/>
-          <a:lstStyle/>
-          <a:p>
-            <a:r>
-              <a:rPr lang="en-US" dirty="0"/>
-              <a:t>Methodology</a:t>
-            </a:r>
-          </a:p>
-        </p:txBody>
-      </p:sp>
-      <p:sp>
-        <p:nvSpPr>
-          <p:cNvPr id="14" name="Content Placeholder 13"/>
-          <p:cNvSpPr>
-            <a:spLocks noGrp="1"/>
-          </p:cNvSpPr>
-          <p:nvPr>
-            <p:ph idx="1"/>
-          </p:nvPr>
-        </p:nvSpPr>
-        <p:spPr/>
-        <p:txBody>
-          <a:bodyPr>
-            <a:normAutofit/>
-          </a:bodyPr>
-          <a:lstStyle/>
-          <a:p>
-            <a:r>
-              <a:rPr lang="en-US" dirty="0"/>
-              <a:t> Data gathering and processing</a:t>
-            </a:r>
-          </a:p>
-          <a:p>
-            <a:pPr marL="0" indent="0">
-              <a:buNone/>
-            </a:pPr>
-            <a:r>
-              <a:rPr lang="en-US" dirty="0"/>
-              <a:t>- Data Scraping</a:t>
-            </a:r>
-          </a:p>
-          <a:p>
-            <a:pPr>
-              <a:buFontTx/>
-              <a:buChar char="-"/>
-            </a:pPr>
-            <a:r>
-              <a:rPr lang="en-US" dirty="0"/>
-              <a:t>Data Cleaning</a:t>
-            </a:r>
-          </a:p>
-          <a:p>
-            <a:r>
-              <a:rPr lang="en-IN" dirty="0"/>
-              <a:t>Model Building</a:t>
-            </a:r>
-          </a:p>
-          <a:p>
-            <a:r>
-              <a:rPr lang="en-IN" dirty="0"/>
-              <a:t>Model Training</a:t>
-            </a:r>
-          </a:p>
-          <a:p>
-            <a:r>
-              <a:rPr lang="en-IN" dirty="0"/>
-              <a:t>Cost Optimization and tuning</a:t>
-            </a:r>
-          </a:p>
-          <a:p>
-            <a:r>
-              <a:rPr lang="en-IN" dirty="0"/>
-              <a:t>Performance Evaluation and Documentation</a:t>
-            </a:r>
-          </a:p>
-        </p:txBody>
-      </p:sp>
-      <p:sp>
-        <p:nvSpPr>
-          <p:cNvPr id="5" name="Footer Placeholder 4"/>
-          <p:cNvSpPr>
-            <a:spLocks noGrp="1"/>
-          </p:cNvSpPr>
-          <p:nvPr>
-            <p:ph type="ftr" sz="quarter" idx="11"/>
-          </p:nvPr>
-        </p:nvSpPr>
-        <p:spPr/>
-        <p:txBody>
-          <a:bodyPr/>
-          <a:lstStyle/>
-          <a:p>
-            <a:r>
-              <a:rPr lang="en-IN" sz="1200" dirty="0">
-                <a:cs typeface="Times New Roman" panose="02020603050405020304" pitchFamily="18" charset="0"/>
-              </a:rPr>
-              <a:t>Astronomical image colourisation and super-resolution using GANS</a:t>
-            </a:r>
-            <a:endParaRPr lang="en-IN" dirty="0"/>
-          </a:p>
-        </p:txBody>
-      </p:sp>
-      <p:pic>
-        <p:nvPicPr>
-          <p:cNvPr id="4" name="Picture 1"/>
-          <p:cNvPicPr>
-            <a:picLocks noChangeAspect="1" noChangeArrowheads="1"/>
-          </p:cNvPicPr>
-          <p:nvPr/>
-        </p:nvPicPr>
-        <p:blipFill>
-          <a:blip r:embed="rId2" cstate="print">
-            <a:extLst>
-              <a:ext uri="{28A0092B-C50C-407E-A947-70E740481C1C}">
-                <a14:useLocalDpi xmlns:a14="http://schemas.microsoft.com/office/drawing/2010/main" val="0"/>
-              </a:ext>
-            </a:extLst>
-          </a:blip>
-          <a:stretch>
-            <a:fillRect/>
-          </a:stretch>
-        </p:blipFill>
-        <p:spPr bwMode="auto">
-          <a:xfrm>
-            <a:off x="10919540" y="150750"/>
-            <a:ext cx="1233271" cy="1029803"/>
-          </a:xfrm>
-          <a:prstGeom prst="rect">
-            <a:avLst/>
-          </a:prstGeom>
-          <a:noFill/>
-          <a:ln w="9525">
-            <a:noFill/>
-            <a:miter lim="800000"/>
-            <a:headEnd/>
-            <a:tailEnd/>
-          </a:ln>
-        </p:spPr>
-      </p:pic>
-    </p:spTree>
-    <p:extLst>
-      <p:ext uri="{BB962C8B-B14F-4D97-AF65-F5344CB8AC3E}">
-        <p14:creationId xmlns:p14="http://schemas.microsoft.com/office/powerpoint/2010/main" val="1833285333"/>
-      </p:ext>
-    </p:extLst>
-  </p:cSld>
-  <p:clrMapOvr>
-    <a:masterClrMapping/>
-  </p:clrMapOvr>
-  <mc:AlternateContent xmlns:mc="http://schemas.openxmlformats.org/markup-compatibility/2006" xmlns:p14="http://schemas.microsoft.com/office/powerpoint/2010/main">
-    <mc:Choice Requires="p14">
-      <p:transition spd="med" p14:dur="700">
-        <p:fade/>
-      </p:transition>
-    </mc:Choice>
-    <mc:Fallback xmlns="">
-      <p:transition spd="med">
-        <p:fade/>
-      </p:transition>
-    </mc:Fallback>
-  </mc:AlternateContent>
-</p:sld>
-</file>
-
-<file path=ppt/slides/slide23.xml><?xml version="1.0" encoding="utf-8"?>
-<p:sld xmlns:a="http://schemas.openxmlformats.org/drawingml/2006/main" xmlns:r="http://schemas.openxmlformats.org/officeDocument/2006/relationships" xmlns:p="http://schemas.openxmlformats.org/presentationml/2006/main">
-  <p:cSld>
-    <p:spTree>
-      <p:nvGrpSpPr>
-        <p:cNvPr id="1" name=""/>
-        <p:cNvGrpSpPr/>
-        <p:nvPr/>
-      </p:nvGrpSpPr>
-      <p:grpSpPr>
-        <a:xfrm>
-          <a:off x="0" y="0"/>
-          <a:ext cx="0" cy="0"/>
-          <a:chOff x="0" y="0"/>
-          <a:chExt cx="0" cy="0"/>
-        </a:xfrm>
-      </p:grpSpPr>
-      <p:sp>
-        <p:nvSpPr>
-          <p:cNvPr id="13" name="Title 12"/>
-          <p:cNvSpPr>
-            <a:spLocks noGrp="1"/>
-          </p:cNvSpPr>
-          <p:nvPr>
-            <p:ph type="title"/>
-          </p:nvPr>
-        </p:nvSpPr>
-        <p:spPr/>
-        <p:txBody>
-          <a:bodyPr/>
-          <a:lstStyle/>
-          <a:p>
-            <a:r>
-              <a:rPr lang="en-US" dirty="0"/>
               <a:t>Image Colorization</a:t>
             </a:r>
           </a:p>
@@ -8916,7 +8533,7 @@
 </p:sld>
 </file>
 
-<file path=ppt/slides/slide24.xml><?xml version="1.0" encoding="utf-8"?>
+<file path=ppt/slides/slide22.xml><?xml version="1.0" encoding="utf-8"?>
 <p:sld xmlns:a="http://schemas.openxmlformats.org/drawingml/2006/main" xmlns:r="http://schemas.openxmlformats.org/officeDocument/2006/relationships" xmlns:p="http://schemas.openxmlformats.org/presentationml/2006/main">
   <p:cSld>
     <p:spTree>
@@ -9069,7 +8686,7 @@
 </p:sld>
 </file>
 
-<file path=ppt/slides/slide25.xml><?xml version="1.0" encoding="utf-8"?>
+<file path=ppt/slides/slide23.xml><?xml version="1.0" encoding="utf-8"?>
 <p:sld xmlns:a="http://schemas.openxmlformats.org/drawingml/2006/main" xmlns:r="http://schemas.openxmlformats.org/officeDocument/2006/relationships" xmlns:p="http://schemas.openxmlformats.org/presentationml/2006/main">
   <p:cSld>
     <p:spTree>
@@ -9232,7 +8849,7 @@
 </p:sld>
 </file>
 
-<file path=ppt/slides/slide26.xml><?xml version="1.0" encoding="utf-8"?>
+<file path=ppt/slides/slide24.xml><?xml version="1.0" encoding="utf-8"?>
 <p:sld xmlns:a="http://schemas.openxmlformats.org/drawingml/2006/main" xmlns:r="http://schemas.openxmlformats.org/officeDocument/2006/relationships" xmlns:p="http://schemas.openxmlformats.org/presentationml/2006/main">
   <p:cSld>
     <p:spTree>
@@ -9447,7 +9064,7 @@
 </p:sld>
 </file>
 
-<file path=ppt/slides/slide27.xml><?xml version="1.0" encoding="utf-8"?>
+<file path=ppt/slides/slide25.xml><?xml version="1.0" encoding="utf-8"?>
 <p:sld xmlns:a="http://schemas.openxmlformats.org/drawingml/2006/main" xmlns:r="http://schemas.openxmlformats.org/officeDocument/2006/relationships" xmlns:p="http://schemas.openxmlformats.org/presentationml/2006/main">
   <p:cSld>
     <p:spTree>
@@ -9603,7 +9220,7 @@
 </p:sld>
 </file>
 
-<file path=ppt/slides/slide28.xml><?xml version="1.0" encoding="utf-8"?>
+<file path=ppt/slides/slide26.xml><?xml version="1.0" encoding="utf-8"?>
 <p:sld xmlns:a="http://schemas.openxmlformats.org/drawingml/2006/main" xmlns:r="http://schemas.openxmlformats.org/officeDocument/2006/relationships" xmlns:p="http://schemas.openxmlformats.org/presentationml/2006/main">
   <p:cSld>
     <p:spTree>
@@ -9759,7 +9376,7 @@
 </p:sld>
 </file>
 
-<file path=ppt/slides/slide29.xml><?xml version="1.0" encoding="utf-8"?>
+<file path=ppt/slides/slide27.xml><?xml version="1.0" encoding="utf-8"?>
 <p:sld xmlns:a="http://schemas.openxmlformats.org/drawingml/2006/main" xmlns:r="http://schemas.openxmlformats.org/officeDocument/2006/relationships" xmlns:p="http://schemas.openxmlformats.org/presentationml/2006/main">
   <p:cSld>
     <p:spTree>
@@ -9927,329 +9544,7 @@
 </p:sld>
 </file>
 
-<file path=ppt/slides/slide3.xml><?xml version="1.0" encoding="utf-8"?>
-<p:sld xmlns:a="http://schemas.openxmlformats.org/drawingml/2006/main" xmlns:r="http://schemas.openxmlformats.org/officeDocument/2006/relationships" xmlns:p="http://schemas.openxmlformats.org/presentationml/2006/main">
-  <p:cSld>
-    <p:spTree>
-      <p:nvGrpSpPr>
-        <p:cNvPr id="1" name=""/>
-        <p:cNvGrpSpPr/>
-        <p:nvPr/>
-      </p:nvGrpSpPr>
-      <p:grpSpPr>
-        <a:xfrm>
-          <a:off x="0" y="0"/>
-          <a:ext cx="0" cy="0"/>
-          <a:chOff x="0" y="0"/>
-          <a:chExt cx="0" cy="0"/>
-        </a:xfrm>
-      </p:grpSpPr>
-      <p:sp>
-        <p:nvSpPr>
-          <p:cNvPr id="13" name="Title 12"/>
-          <p:cNvSpPr>
-            <a:spLocks noGrp="1"/>
-          </p:cNvSpPr>
-          <p:nvPr>
-            <p:ph type="title"/>
-          </p:nvPr>
-        </p:nvSpPr>
-        <p:spPr/>
-        <p:txBody>
-          <a:bodyPr/>
-          <a:lstStyle/>
-          <a:p>
-            <a:r>
-              <a:rPr lang="en-US" dirty="0"/>
-              <a:t>Content</a:t>
-            </a:r>
-          </a:p>
-        </p:txBody>
-      </p:sp>
-      <p:sp>
-        <p:nvSpPr>
-          <p:cNvPr id="14" name="Content Placeholder 13"/>
-          <p:cNvSpPr>
-            <a:spLocks noGrp="1"/>
-          </p:cNvSpPr>
-          <p:nvPr>
-            <p:ph idx="1"/>
-          </p:nvPr>
-        </p:nvSpPr>
-        <p:spPr/>
-        <p:txBody>
-          <a:bodyPr>
-            <a:normAutofit fontScale="70000" lnSpcReduction="20000"/>
-          </a:bodyPr>
-          <a:lstStyle/>
-          <a:p>
-            <a:pPr marL="228600" indent="-228600">
-              <a:lnSpc>
-                <a:spcPct val="90000"/>
-              </a:lnSpc>
-              <a:spcBef>
-                <a:spcPts val="1800"/>
-              </a:spcBef>
-              <a:buFont typeface="Wingdings" panose="05000000000000000000" pitchFamily="2" charset="2"/>
-              <a:buChar char="§"/>
-            </a:pPr>
-            <a:r>
-              <a:rPr lang="en-US" sz="2000" dirty="0"/>
-              <a:t>Problem Definition</a:t>
-            </a:r>
-          </a:p>
-          <a:p>
-            <a:pPr marL="228600" indent="-228600">
-              <a:lnSpc>
-                <a:spcPct val="90000"/>
-              </a:lnSpc>
-              <a:spcBef>
-                <a:spcPts val="1800"/>
-              </a:spcBef>
-              <a:buFont typeface="Wingdings" panose="05000000000000000000" pitchFamily="2" charset="2"/>
-              <a:buChar char="§"/>
-            </a:pPr>
-            <a:r>
-              <a:rPr lang="en-US" dirty="0"/>
-              <a:t>Requirement Specification</a:t>
-            </a:r>
-          </a:p>
-          <a:p>
-            <a:pPr marL="228600" indent="-228600">
-              <a:lnSpc>
-                <a:spcPct val="90000"/>
-              </a:lnSpc>
-              <a:spcBef>
-                <a:spcPts val="1800"/>
-              </a:spcBef>
-              <a:buFont typeface="Wingdings" panose="05000000000000000000" pitchFamily="2" charset="2"/>
-              <a:buChar char="§"/>
-            </a:pPr>
-            <a:r>
-              <a:rPr lang="en-US" sz="2000" dirty="0"/>
-              <a:t>Literature Survey</a:t>
-            </a:r>
-          </a:p>
-          <a:p>
-            <a:pPr marL="228600" indent="-228600">
-              <a:lnSpc>
-                <a:spcPct val="90000"/>
-              </a:lnSpc>
-              <a:spcBef>
-                <a:spcPts val="1800"/>
-              </a:spcBef>
-              <a:buFont typeface="Wingdings" panose="05000000000000000000" pitchFamily="2" charset="2"/>
-              <a:buChar char="§"/>
-            </a:pPr>
-            <a:r>
-              <a:rPr lang="en-US" sz="2000" dirty="0"/>
-              <a:t>Motivation of the Project</a:t>
-            </a:r>
-          </a:p>
-          <a:p>
-            <a:pPr marL="228600" indent="-228600">
-              <a:lnSpc>
-                <a:spcPct val="90000"/>
-              </a:lnSpc>
-              <a:spcBef>
-                <a:spcPts val="1800"/>
-              </a:spcBef>
-              <a:buFont typeface="Wingdings" panose="05000000000000000000" pitchFamily="2" charset="2"/>
-              <a:buChar char="§"/>
-            </a:pPr>
-            <a:r>
-              <a:rPr lang="en-US" sz="2000" dirty="0"/>
-              <a:t>Objectives</a:t>
-            </a:r>
-          </a:p>
-          <a:p>
-            <a:pPr marL="228600" indent="-228600">
-              <a:lnSpc>
-                <a:spcPct val="90000"/>
-              </a:lnSpc>
-              <a:spcBef>
-                <a:spcPts val="1800"/>
-              </a:spcBef>
-              <a:buFont typeface="Wingdings" panose="05000000000000000000" pitchFamily="2" charset="2"/>
-              <a:buChar char="§"/>
-            </a:pPr>
-            <a:r>
-              <a:rPr lang="en-US" sz="2000" dirty="0"/>
-              <a:t>Block diagram of Project/Architecture</a:t>
-            </a:r>
-          </a:p>
-          <a:p>
-            <a:pPr marL="228600" indent="-228600">
-              <a:lnSpc>
-                <a:spcPct val="90000"/>
-              </a:lnSpc>
-              <a:spcBef>
-                <a:spcPts val="1800"/>
-              </a:spcBef>
-              <a:buFont typeface="Wingdings" panose="05000000000000000000" pitchFamily="2" charset="2"/>
-              <a:buChar char="§"/>
-            </a:pPr>
-            <a:r>
-              <a:rPr lang="en-US" sz="2000" dirty="0"/>
-              <a:t>Methodology</a:t>
-            </a:r>
-          </a:p>
-          <a:p>
-            <a:pPr marL="228600" indent="-228600">
-              <a:lnSpc>
-                <a:spcPct val="90000"/>
-              </a:lnSpc>
-              <a:spcBef>
-                <a:spcPts val="1800"/>
-              </a:spcBef>
-              <a:buFont typeface="Wingdings" panose="05000000000000000000" pitchFamily="2" charset="2"/>
-              <a:buChar char="§"/>
-            </a:pPr>
-            <a:r>
-              <a:rPr lang="en-US" sz="2000" dirty="0"/>
-              <a:t>Mathematical Model</a:t>
-            </a:r>
-          </a:p>
-          <a:p>
-            <a:r>
-              <a:rPr lang="en-US" dirty="0"/>
-              <a:t>Experimental Set Up</a:t>
-            </a:r>
-          </a:p>
-          <a:p>
-            <a:r>
-              <a:rPr lang="en-US" sz="2000" dirty="0"/>
-              <a:t>Performance Parameter</a:t>
-            </a:r>
-          </a:p>
-          <a:p>
-            <a:r>
-              <a:rPr lang="en-US" dirty="0"/>
-              <a:t>Efficiency Issues</a:t>
-            </a:r>
-          </a:p>
-          <a:p>
-            <a:r>
-              <a:rPr lang="en-US" sz="2000" dirty="0"/>
-              <a:t>References</a:t>
-            </a:r>
-          </a:p>
-          <a:p>
-            <a:pPr marL="228600" indent="-228600">
-              <a:lnSpc>
-                <a:spcPct val="90000"/>
-              </a:lnSpc>
-              <a:spcBef>
-                <a:spcPts val="1800"/>
-              </a:spcBef>
-              <a:buFont typeface="Wingdings" panose="05000000000000000000" pitchFamily="2" charset="2"/>
-              <a:buChar char="§"/>
-            </a:pPr>
-            <a:endParaRPr lang="en-US" sz="2000" dirty="0"/>
-          </a:p>
-          <a:p>
-            <a:pPr marL="228600" indent="-228600">
-              <a:lnSpc>
-                <a:spcPct val="90000"/>
-              </a:lnSpc>
-              <a:spcBef>
-                <a:spcPts val="1800"/>
-              </a:spcBef>
-              <a:buFont typeface="Wingdings" panose="05000000000000000000" pitchFamily="2" charset="2"/>
-              <a:buChar char="§"/>
-            </a:pPr>
-            <a:endParaRPr lang="en-US" sz="2000" dirty="0"/>
-          </a:p>
-        </p:txBody>
-      </p:sp>
-      <p:sp>
-        <p:nvSpPr>
-          <p:cNvPr id="5" name="Footer Placeholder 4"/>
-          <p:cNvSpPr>
-            <a:spLocks noGrp="1"/>
-          </p:cNvSpPr>
-          <p:nvPr>
-            <p:ph type="ftr" sz="quarter" idx="11"/>
-          </p:nvPr>
-        </p:nvSpPr>
-        <p:spPr/>
-        <p:txBody>
-          <a:bodyPr/>
-          <a:lstStyle/>
-          <a:p>
-            <a:r>
-              <a:rPr lang="en-IN" sz="1200" dirty="0">
-                <a:cs typeface="Times New Roman" panose="02020603050405020304" pitchFamily="18" charset="0"/>
-              </a:rPr>
-              <a:t>Astronomical image colourisation and super-resolution using GANS</a:t>
-            </a:r>
-            <a:endParaRPr lang="en-IN" dirty="0"/>
-          </a:p>
-        </p:txBody>
-      </p:sp>
-      <p:pic>
-        <p:nvPicPr>
-          <p:cNvPr id="4" name="Picture 1"/>
-          <p:cNvPicPr>
-            <a:picLocks noChangeAspect="1" noChangeArrowheads="1"/>
-          </p:cNvPicPr>
-          <p:nvPr/>
-        </p:nvPicPr>
-        <p:blipFill>
-          <a:blip r:embed="rId2" cstate="print">
-            <a:extLst>
-              <a:ext uri="{28A0092B-C50C-407E-A947-70E740481C1C}">
-                <a14:useLocalDpi xmlns:a14="http://schemas.microsoft.com/office/drawing/2010/main" val="0"/>
-              </a:ext>
-            </a:extLst>
-          </a:blip>
-          <a:stretch>
-            <a:fillRect/>
-          </a:stretch>
-        </p:blipFill>
-        <p:spPr bwMode="auto">
-          <a:xfrm>
-            <a:off x="10919540" y="150750"/>
-            <a:ext cx="1233271" cy="1029803"/>
-          </a:xfrm>
-          <a:prstGeom prst="rect">
-            <a:avLst/>
-          </a:prstGeom>
-          <a:noFill/>
-          <a:ln w="9525">
-            <a:noFill/>
-            <a:miter lim="800000"/>
-            <a:headEnd/>
-            <a:tailEnd/>
-          </a:ln>
-        </p:spPr>
-      </p:pic>
-    </p:spTree>
-    <p:extLst>
-      <p:ext uri="{BB962C8B-B14F-4D97-AF65-F5344CB8AC3E}">
-        <p14:creationId xmlns:p14="http://schemas.microsoft.com/office/powerpoint/2010/main" val="1654255301"/>
-      </p:ext>
-    </p:extLst>
-  </p:cSld>
-  <p:clrMapOvr>
-    <a:masterClrMapping/>
-  </p:clrMapOvr>
-  <mc:AlternateContent xmlns:mc="http://schemas.openxmlformats.org/markup-compatibility/2006" xmlns:p14="http://schemas.microsoft.com/office/powerpoint/2010/main">
-    <mc:Choice Requires="p14">
-      <p:transition spd="med" p14:dur="700">
-        <p:fade/>
-      </p:transition>
-    </mc:Choice>
-    <mc:Fallback xmlns="">
-      <p:transition spd="med">
-        <p:fade/>
-      </p:transition>
-    </mc:Fallback>
-  </mc:AlternateContent>
-</p:sld>
-</file>
-
-<file path=ppt/slides/slide30.xml><?xml version="1.0" encoding="utf-8"?>
+<file path=ppt/slides/slide28.xml><?xml version="1.0" encoding="utf-8"?>
 <p:sld xmlns:a="http://schemas.openxmlformats.org/drawingml/2006/main" xmlns:r="http://schemas.openxmlformats.org/officeDocument/2006/relationships" xmlns:p="http://schemas.openxmlformats.org/presentationml/2006/main">
   <p:cSld>
     <p:spTree>
@@ -10393,7 +9688,7 @@
 </p:sld>
 </file>
 
-<file path=ppt/slides/slide31.xml><?xml version="1.0" encoding="utf-8"?>
+<file path=ppt/slides/slide29.xml><?xml version="1.0" encoding="utf-8"?>
 <p:sld xmlns:a="http://schemas.openxmlformats.org/drawingml/2006/main" xmlns:r="http://schemas.openxmlformats.org/officeDocument/2006/relationships" xmlns:p="http://schemas.openxmlformats.org/presentationml/2006/main">
   <p:cSld>
     <p:spTree>
@@ -10646,6 +9941,611 @@
 </p:sld>
 </file>
 
+<file path=ppt/slides/slide3.xml><?xml version="1.0" encoding="utf-8"?>
+<p:sld xmlns:a="http://schemas.openxmlformats.org/drawingml/2006/main" xmlns:r="http://schemas.openxmlformats.org/officeDocument/2006/relationships" xmlns:p="http://schemas.openxmlformats.org/presentationml/2006/main">
+  <p:cSld>
+    <p:spTree>
+      <p:nvGrpSpPr>
+        <p:cNvPr id="1" name=""/>
+        <p:cNvGrpSpPr/>
+        <p:nvPr/>
+      </p:nvGrpSpPr>
+      <p:grpSpPr>
+        <a:xfrm>
+          <a:off x="0" y="0"/>
+          <a:ext cx="0" cy="0"/>
+          <a:chOff x="0" y="0"/>
+          <a:chExt cx="0" cy="0"/>
+        </a:xfrm>
+      </p:grpSpPr>
+      <p:sp>
+        <p:nvSpPr>
+          <p:cNvPr id="13" name="Title 12"/>
+          <p:cNvSpPr>
+            <a:spLocks noGrp="1"/>
+          </p:cNvSpPr>
+          <p:nvPr>
+            <p:ph type="title"/>
+          </p:nvPr>
+        </p:nvSpPr>
+        <p:spPr/>
+        <p:txBody>
+          <a:bodyPr/>
+          <a:lstStyle/>
+          <a:p>
+            <a:r>
+              <a:rPr lang="en-US" dirty="0"/>
+              <a:t>Content</a:t>
+            </a:r>
+          </a:p>
+        </p:txBody>
+      </p:sp>
+      <p:sp>
+        <p:nvSpPr>
+          <p:cNvPr id="14" name="Content Placeholder 13"/>
+          <p:cNvSpPr>
+            <a:spLocks noGrp="1"/>
+          </p:cNvSpPr>
+          <p:nvPr>
+            <p:ph idx="1"/>
+          </p:nvPr>
+        </p:nvSpPr>
+        <p:spPr/>
+        <p:txBody>
+          <a:bodyPr>
+            <a:normAutofit fontScale="70000" lnSpcReduction="20000"/>
+          </a:bodyPr>
+          <a:lstStyle/>
+          <a:p>
+            <a:pPr marL="228600" indent="-228600">
+              <a:lnSpc>
+                <a:spcPct val="90000"/>
+              </a:lnSpc>
+              <a:spcBef>
+                <a:spcPts val="1800"/>
+              </a:spcBef>
+              <a:buFont typeface="Wingdings" panose="05000000000000000000" pitchFamily="2" charset="2"/>
+              <a:buChar char="§"/>
+            </a:pPr>
+            <a:r>
+              <a:rPr lang="en-US" sz="2000" dirty="0"/>
+              <a:t>Problem Definition</a:t>
+            </a:r>
+          </a:p>
+          <a:p>
+            <a:pPr marL="228600" indent="-228600">
+              <a:lnSpc>
+                <a:spcPct val="90000"/>
+              </a:lnSpc>
+              <a:spcBef>
+                <a:spcPts val="1800"/>
+              </a:spcBef>
+              <a:buFont typeface="Wingdings" panose="05000000000000000000" pitchFamily="2" charset="2"/>
+              <a:buChar char="§"/>
+            </a:pPr>
+            <a:r>
+              <a:rPr lang="en-US" dirty="0"/>
+              <a:t>Requirement Specification</a:t>
+            </a:r>
+          </a:p>
+          <a:p>
+            <a:pPr marL="228600" indent="-228600">
+              <a:lnSpc>
+                <a:spcPct val="90000"/>
+              </a:lnSpc>
+              <a:spcBef>
+                <a:spcPts val="1800"/>
+              </a:spcBef>
+              <a:buFont typeface="Wingdings" panose="05000000000000000000" pitchFamily="2" charset="2"/>
+              <a:buChar char="§"/>
+            </a:pPr>
+            <a:r>
+              <a:rPr lang="en-US" sz="2000" dirty="0"/>
+              <a:t>Literature Survey</a:t>
+            </a:r>
+          </a:p>
+          <a:p>
+            <a:pPr marL="228600" indent="-228600">
+              <a:lnSpc>
+                <a:spcPct val="90000"/>
+              </a:lnSpc>
+              <a:spcBef>
+                <a:spcPts val="1800"/>
+              </a:spcBef>
+              <a:buFont typeface="Wingdings" panose="05000000000000000000" pitchFamily="2" charset="2"/>
+              <a:buChar char="§"/>
+            </a:pPr>
+            <a:r>
+              <a:rPr lang="en-US" sz="2000" dirty="0"/>
+              <a:t>Motivation of the Project</a:t>
+            </a:r>
+          </a:p>
+          <a:p>
+            <a:pPr marL="228600" indent="-228600">
+              <a:lnSpc>
+                <a:spcPct val="90000"/>
+              </a:lnSpc>
+              <a:spcBef>
+                <a:spcPts val="1800"/>
+              </a:spcBef>
+              <a:buFont typeface="Wingdings" panose="05000000000000000000" pitchFamily="2" charset="2"/>
+              <a:buChar char="§"/>
+            </a:pPr>
+            <a:r>
+              <a:rPr lang="en-US" sz="2000" dirty="0"/>
+              <a:t>Objectives</a:t>
+            </a:r>
+          </a:p>
+          <a:p>
+            <a:pPr marL="228600" indent="-228600">
+              <a:lnSpc>
+                <a:spcPct val="90000"/>
+              </a:lnSpc>
+              <a:spcBef>
+                <a:spcPts val="1800"/>
+              </a:spcBef>
+              <a:buFont typeface="Wingdings" panose="05000000000000000000" pitchFamily="2" charset="2"/>
+              <a:buChar char="§"/>
+            </a:pPr>
+            <a:r>
+              <a:rPr lang="en-US" sz="2000" dirty="0"/>
+              <a:t>Block diagram of Project/Architecture</a:t>
+            </a:r>
+          </a:p>
+          <a:p>
+            <a:pPr marL="228600" indent="-228600">
+              <a:lnSpc>
+                <a:spcPct val="90000"/>
+              </a:lnSpc>
+              <a:spcBef>
+                <a:spcPts val="1800"/>
+              </a:spcBef>
+              <a:buFont typeface="Wingdings" panose="05000000000000000000" pitchFamily="2" charset="2"/>
+              <a:buChar char="§"/>
+            </a:pPr>
+            <a:r>
+              <a:rPr lang="en-US" sz="2000" dirty="0"/>
+              <a:t>Methodology</a:t>
+            </a:r>
+          </a:p>
+          <a:p>
+            <a:pPr marL="228600" indent="-228600">
+              <a:lnSpc>
+                <a:spcPct val="90000"/>
+              </a:lnSpc>
+              <a:spcBef>
+                <a:spcPts val="1800"/>
+              </a:spcBef>
+              <a:buFont typeface="Wingdings" panose="05000000000000000000" pitchFamily="2" charset="2"/>
+              <a:buChar char="§"/>
+            </a:pPr>
+            <a:r>
+              <a:rPr lang="en-US" sz="2000" dirty="0"/>
+              <a:t>Mathematical Model</a:t>
+            </a:r>
+          </a:p>
+          <a:p>
+            <a:r>
+              <a:rPr lang="en-US" dirty="0"/>
+              <a:t>Experimental Set Up</a:t>
+            </a:r>
+          </a:p>
+          <a:p>
+            <a:r>
+              <a:rPr lang="en-US" sz="2000" dirty="0"/>
+              <a:t>Performance Parameter</a:t>
+            </a:r>
+          </a:p>
+          <a:p>
+            <a:r>
+              <a:rPr lang="en-US" dirty="0"/>
+              <a:t>Efficiency Issues</a:t>
+            </a:r>
+          </a:p>
+          <a:p>
+            <a:r>
+              <a:rPr lang="en-US" sz="2000" dirty="0"/>
+              <a:t>References</a:t>
+            </a:r>
+          </a:p>
+          <a:p>
+            <a:pPr marL="228600" indent="-228600">
+              <a:lnSpc>
+                <a:spcPct val="90000"/>
+              </a:lnSpc>
+              <a:spcBef>
+                <a:spcPts val="1800"/>
+              </a:spcBef>
+              <a:buFont typeface="Wingdings" panose="05000000000000000000" pitchFamily="2" charset="2"/>
+              <a:buChar char="§"/>
+            </a:pPr>
+            <a:endParaRPr lang="en-US" sz="2000" dirty="0"/>
+          </a:p>
+          <a:p>
+            <a:pPr marL="228600" indent="-228600">
+              <a:lnSpc>
+                <a:spcPct val="90000"/>
+              </a:lnSpc>
+              <a:spcBef>
+                <a:spcPts val="1800"/>
+              </a:spcBef>
+              <a:buFont typeface="Wingdings" panose="05000000000000000000" pitchFamily="2" charset="2"/>
+              <a:buChar char="§"/>
+            </a:pPr>
+            <a:endParaRPr lang="en-US" sz="2000" dirty="0"/>
+          </a:p>
+        </p:txBody>
+      </p:sp>
+      <p:sp>
+        <p:nvSpPr>
+          <p:cNvPr id="5" name="Footer Placeholder 4"/>
+          <p:cNvSpPr>
+            <a:spLocks noGrp="1"/>
+          </p:cNvSpPr>
+          <p:nvPr>
+            <p:ph type="ftr" sz="quarter" idx="11"/>
+          </p:nvPr>
+        </p:nvSpPr>
+        <p:spPr/>
+        <p:txBody>
+          <a:bodyPr/>
+          <a:lstStyle/>
+          <a:p>
+            <a:r>
+              <a:rPr lang="en-IN" sz="1200" dirty="0">
+                <a:cs typeface="Times New Roman" panose="02020603050405020304" pitchFamily="18" charset="0"/>
+              </a:rPr>
+              <a:t>Astronomical image colourisation and super-resolution using GANS</a:t>
+            </a:r>
+            <a:endParaRPr lang="en-IN" dirty="0"/>
+          </a:p>
+        </p:txBody>
+      </p:sp>
+      <p:pic>
+        <p:nvPicPr>
+          <p:cNvPr id="4" name="Picture 1"/>
+          <p:cNvPicPr>
+            <a:picLocks noChangeAspect="1" noChangeArrowheads="1"/>
+          </p:cNvPicPr>
+          <p:nvPr/>
+        </p:nvPicPr>
+        <p:blipFill>
+          <a:blip r:embed="rId2" cstate="print">
+            <a:extLst>
+              <a:ext uri="{28A0092B-C50C-407E-A947-70E740481C1C}">
+                <a14:useLocalDpi xmlns:a14="http://schemas.microsoft.com/office/drawing/2010/main" val="0"/>
+              </a:ext>
+            </a:extLst>
+          </a:blip>
+          <a:stretch>
+            <a:fillRect/>
+          </a:stretch>
+        </p:blipFill>
+        <p:spPr bwMode="auto">
+          <a:xfrm>
+            <a:off x="10919540" y="150750"/>
+            <a:ext cx="1233271" cy="1029803"/>
+          </a:xfrm>
+          <a:prstGeom prst="rect">
+            <a:avLst/>
+          </a:prstGeom>
+          <a:noFill/>
+          <a:ln w="9525">
+            <a:noFill/>
+            <a:miter lim="800000"/>
+            <a:headEnd/>
+            <a:tailEnd/>
+          </a:ln>
+        </p:spPr>
+      </p:pic>
+    </p:spTree>
+    <p:extLst>
+      <p:ext uri="{BB962C8B-B14F-4D97-AF65-F5344CB8AC3E}">
+        <p14:creationId xmlns:p14="http://schemas.microsoft.com/office/powerpoint/2010/main" val="1654255301"/>
+      </p:ext>
+    </p:extLst>
+  </p:cSld>
+  <p:clrMapOvr>
+    <a:masterClrMapping/>
+  </p:clrMapOvr>
+  <mc:AlternateContent xmlns:mc="http://schemas.openxmlformats.org/markup-compatibility/2006" xmlns:p14="http://schemas.microsoft.com/office/powerpoint/2010/main">
+    <mc:Choice Requires="p14">
+      <p:transition spd="med" p14:dur="700">
+        <p:fade/>
+      </p:transition>
+    </mc:Choice>
+    <mc:Fallback xmlns="">
+      <p:transition spd="med">
+        <p:fade/>
+      </p:transition>
+    </mc:Fallback>
+  </mc:AlternateContent>
+</p:sld>
+</file>
+
+<file path=ppt/slides/slide30.xml><?xml version="1.0" encoding="utf-8"?>
+<p:sld xmlns:a="http://schemas.openxmlformats.org/drawingml/2006/main" xmlns:r="http://schemas.openxmlformats.org/officeDocument/2006/relationships" xmlns:p="http://schemas.openxmlformats.org/presentationml/2006/main">
+  <p:cSld>
+    <p:spTree>
+      <p:nvGrpSpPr>
+        <p:cNvPr id="1" name=""/>
+        <p:cNvGrpSpPr/>
+        <p:nvPr/>
+      </p:nvGrpSpPr>
+      <p:grpSpPr>
+        <a:xfrm>
+          <a:off x="0" y="0"/>
+          <a:ext cx="0" cy="0"/>
+          <a:chOff x="0" y="0"/>
+          <a:chExt cx="0" cy="0"/>
+        </a:xfrm>
+      </p:grpSpPr>
+      <p:sp>
+        <p:nvSpPr>
+          <p:cNvPr id="2" name="Title 1">
+            <a:extLst>
+              <a:ext uri="{FF2B5EF4-FFF2-40B4-BE49-F238E27FC236}">
+                <a16:creationId xmlns:a16="http://schemas.microsoft.com/office/drawing/2014/main" id="{2644FDE2-7D90-484D-AFF5-7BFD7B5D3C58}"/>
+              </a:ext>
+            </a:extLst>
+          </p:cNvPr>
+          <p:cNvSpPr>
+            <a:spLocks noGrp="1"/>
+          </p:cNvSpPr>
+          <p:nvPr>
+            <p:ph type="title"/>
+          </p:nvPr>
+        </p:nvSpPr>
+        <p:spPr/>
+        <p:txBody>
+          <a:bodyPr/>
+          <a:lstStyle/>
+          <a:p>
+            <a:r>
+              <a:rPr lang="en-US" dirty="0"/>
+              <a:t>Performance Parameters</a:t>
+            </a:r>
+          </a:p>
+        </p:txBody>
+      </p:sp>
+      <p:pic>
+        <p:nvPicPr>
+          <p:cNvPr id="6" name="Content Placeholder 5">
+            <a:extLst>
+              <a:ext uri="{FF2B5EF4-FFF2-40B4-BE49-F238E27FC236}">
+                <a16:creationId xmlns:a16="http://schemas.microsoft.com/office/drawing/2014/main" id="{1981E619-75B8-4093-A8D9-6959118FA6A1}"/>
+              </a:ext>
+            </a:extLst>
+          </p:cNvPr>
+          <p:cNvPicPr>
+            <a:picLocks noGrp="1" noChangeAspect="1"/>
+          </p:cNvPicPr>
+          <p:nvPr>
+            <p:ph idx="1"/>
+          </p:nvPr>
+        </p:nvPicPr>
+        <p:blipFill>
+          <a:blip r:embed="rId2"/>
+          <a:stretch>
+            <a:fillRect/>
+          </a:stretch>
+        </p:blipFill>
+        <p:spPr>
+          <a:xfrm>
+            <a:off x="1393997" y="1836831"/>
+            <a:ext cx="9402487" cy="1524213"/>
+          </a:xfrm>
+        </p:spPr>
+      </p:pic>
+      <p:sp>
+        <p:nvSpPr>
+          <p:cNvPr id="4" name="Footer Placeholder 3">
+            <a:extLst>
+              <a:ext uri="{FF2B5EF4-FFF2-40B4-BE49-F238E27FC236}">
+                <a16:creationId xmlns:a16="http://schemas.microsoft.com/office/drawing/2014/main" id="{0C3D8EA0-6BA6-4DF2-88B0-EF2A4189F93F}"/>
+              </a:ext>
+            </a:extLst>
+          </p:cNvPr>
+          <p:cNvSpPr>
+            <a:spLocks noGrp="1"/>
+          </p:cNvSpPr>
+          <p:nvPr>
+            <p:ph type="ftr" sz="quarter" idx="11"/>
+          </p:nvPr>
+        </p:nvSpPr>
+        <p:spPr/>
+        <p:txBody>
+          <a:bodyPr/>
+          <a:lstStyle/>
+          <a:p>
+            <a:r>
+              <a:rPr lang="en-IN"/>
+              <a:t>Title of the Course</a:t>
+            </a:r>
+          </a:p>
+        </p:txBody>
+      </p:sp>
+    </p:spTree>
+    <p:extLst>
+      <p:ext uri="{BB962C8B-B14F-4D97-AF65-F5344CB8AC3E}">
+        <p14:creationId xmlns:p14="http://schemas.microsoft.com/office/powerpoint/2010/main" val="2741955053"/>
+      </p:ext>
+    </p:extLst>
+  </p:cSld>
+  <p:clrMapOvr>
+    <a:masterClrMapping/>
+  </p:clrMapOvr>
+  <mc:AlternateContent xmlns:mc="http://schemas.openxmlformats.org/markup-compatibility/2006" xmlns:p14="http://schemas.microsoft.com/office/powerpoint/2010/main">
+    <mc:Choice Requires="p14">
+      <p:transition spd="med" p14:dur="700">
+        <p:fade/>
+      </p:transition>
+    </mc:Choice>
+    <mc:Fallback xmlns="">
+      <p:transition spd="med">
+        <p:fade/>
+      </p:transition>
+    </mc:Fallback>
+  </mc:AlternateContent>
+</p:sld>
+</file>
+
+<file path=ppt/slides/slide31.xml><?xml version="1.0" encoding="utf-8"?>
+<p:sld xmlns:a="http://schemas.openxmlformats.org/drawingml/2006/main" xmlns:r="http://schemas.openxmlformats.org/officeDocument/2006/relationships" xmlns:p="http://schemas.openxmlformats.org/presentationml/2006/main">
+  <p:cSld>
+    <p:spTree>
+      <p:nvGrpSpPr>
+        <p:cNvPr id="1" name=""/>
+        <p:cNvGrpSpPr/>
+        <p:nvPr/>
+      </p:nvGrpSpPr>
+      <p:grpSpPr>
+        <a:xfrm>
+          <a:off x="0" y="0"/>
+          <a:ext cx="0" cy="0"/>
+          <a:chOff x="0" y="0"/>
+          <a:chExt cx="0" cy="0"/>
+        </a:xfrm>
+      </p:grpSpPr>
+      <p:sp>
+        <p:nvSpPr>
+          <p:cNvPr id="2" name="Title 1">
+            <a:extLst>
+              <a:ext uri="{FF2B5EF4-FFF2-40B4-BE49-F238E27FC236}">
+                <a16:creationId xmlns:a16="http://schemas.microsoft.com/office/drawing/2014/main" id="{515C154E-1383-4623-8BD9-DC1CE79CA7B7}"/>
+              </a:ext>
+            </a:extLst>
+          </p:cNvPr>
+          <p:cNvSpPr>
+            <a:spLocks noGrp="1"/>
+          </p:cNvSpPr>
+          <p:nvPr>
+            <p:ph type="title"/>
+          </p:nvPr>
+        </p:nvSpPr>
+        <p:spPr/>
+        <p:txBody>
+          <a:bodyPr/>
+          <a:lstStyle/>
+          <a:p>
+            <a:r>
+              <a:rPr lang="en-US" dirty="0"/>
+              <a:t>Efficiency Issues</a:t>
+            </a:r>
+          </a:p>
+        </p:txBody>
+      </p:sp>
+      <p:sp>
+        <p:nvSpPr>
+          <p:cNvPr id="3" name="Content Placeholder 2">
+            <a:extLst>
+              <a:ext uri="{FF2B5EF4-FFF2-40B4-BE49-F238E27FC236}">
+                <a16:creationId xmlns:a16="http://schemas.microsoft.com/office/drawing/2014/main" id="{4AF4CFE7-2266-41A1-B6EF-966C6526A2AF}"/>
+              </a:ext>
+            </a:extLst>
+          </p:cNvPr>
+          <p:cNvSpPr>
+            <a:spLocks noGrp="1"/>
+          </p:cNvSpPr>
+          <p:nvPr>
+            <p:ph idx="1"/>
+          </p:nvPr>
+        </p:nvSpPr>
+        <p:spPr/>
+        <p:txBody>
+          <a:bodyPr/>
+          <a:lstStyle/>
+          <a:p>
+            <a:r>
+              <a:rPr lang="en-US" dirty="0"/>
+              <a:t>The data gathered had to be scraped off websites such as the Hubble Legacy archive and Hubble main website</a:t>
+            </a:r>
+          </a:p>
+          <a:p>
+            <a:r>
+              <a:rPr lang="en-US" dirty="0"/>
+              <a:t>This yielded in more images than were useful. So we focused on a particular section of the sky where we could get the images of galaxy M101</a:t>
+            </a:r>
+          </a:p>
+          <a:p>
+            <a:r>
+              <a:rPr lang="en-US" dirty="0"/>
+              <a:t>This still yielded in about 400,000 images which had to be manually filtered</a:t>
+            </a:r>
+          </a:p>
+          <a:p>
+            <a:r>
+              <a:rPr lang="en-US" dirty="0"/>
+              <a:t>Even with all the images available, the network training will require huge computational resources to perform efficiently</a:t>
+            </a:r>
+          </a:p>
+          <a:p>
+            <a:r>
+              <a:rPr lang="en-US" dirty="0"/>
+              <a:t>The network parameters exceed the available training data and will require augmentation to avoid overfitting </a:t>
+            </a:r>
+          </a:p>
+          <a:p>
+            <a:r>
+              <a:rPr lang="en-US" dirty="0"/>
+              <a:t>A quantitative evaluation of a GAN is considerably difficult even with the availability of the ground truth images</a:t>
+            </a:r>
+          </a:p>
+        </p:txBody>
+      </p:sp>
+      <p:sp>
+        <p:nvSpPr>
+          <p:cNvPr id="4" name="Footer Placeholder 3">
+            <a:extLst>
+              <a:ext uri="{FF2B5EF4-FFF2-40B4-BE49-F238E27FC236}">
+                <a16:creationId xmlns:a16="http://schemas.microsoft.com/office/drawing/2014/main" id="{479926B9-6778-4DA9-BCBA-AC30CF378207}"/>
+              </a:ext>
+            </a:extLst>
+          </p:cNvPr>
+          <p:cNvSpPr>
+            <a:spLocks noGrp="1"/>
+          </p:cNvSpPr>
+          <p:nvPr>
+            <p:ph type="ftr" sz="quarter" idx="11"/>
+          </p:nvPr>
+        </p:nvSpPr>
+        <p:spPr/>
+        <p:txBody>
+          <a:bodyPr/>
+          <a:lstStyle/>
+          <a:p>
+            <a:r>
+              <a:rPr lang="en-IN"/>
+              <a:t>Title of the Course</a:t>
+            </a:r>
+          </a:p>
+        </p:txBody>
+      </p:sp>
+    </p:spTree>
+    <p:extLst>
+      <p:ext uri="{BB962C8B-B14F-4D97-AF65-F5344CB8AC3E}">
+        <p14:creationId xmlns:p14="http://schemas.microsoft.com/office/powerpoint/2010/main" val="1342927445"/>
+      </p:ext>
+    </p:extLst>
+  </p:cSld>
+  <p:clrMapOvr>
+    <a:masterClrMapping/>
+  </p:clrMapOvr>
+  <mc:AlternateContent xmlns:mc="http://schemas.openxmlformats.org/markup-compatibility/2006" xmlns:p14="http://schemas.microsoft.com/office/powerpoint/2010/main">
+    <mc:Choice Requires="p14">
+      <p:transition spd="med" p14:dur="700">
+        <p:fade/>
+      </p:transition>
+    </mc:Choice>
+    <mc:Fallback xmlns="">
+      <p:transition spd="med">
+        <p:fade/>
+      </p:transition>
+    </mc:Fallback>
+  </mc:AlternateContent>
+</p:sld>
+</file>
+
 <file path=ppt/slides/slide32.xml><?xml version="1.0" encoding="utf-8"?>
 <p:sld xmlns:a="http://schemas.openxmlformats.org/drawingml/2006/main" xmlns:r="http://schemas.openxmlformats.org/officeDocument/2006/relationships" xmlns:p="http://schemas.openxmlformats.org/presentationml/2006/main">
   <p:cSld>
@@ -10668,7 +10568,7 @@
           <p:cNvPr id="2" name="Title 1">
             <a:extLst>
               <a:ext uri="{FF2B5EF4-FFF2-40B4-BE49-F238E27FC236}">
-                <a16:creationId xmlns:a16="http://schemas.microsoft.com/office/drawing/2014/main" id="{2644FDE2-7D90-484D-AFF5-7BFD7B5D3C58}"/>
+                <a16:creationId xmlns:a16="http://schemas.microsoft.com/office/drawing/2014/main" id="{1B088865-DEAE-4612-97AF-B61F6AF552E8}"/>
               </a:ext>
             </a:extLst>
           </p:cNvPr>
@@ -10686,46 +10586,324 @@
           <a:p>
             <a:r>
               <a:rPr lang="en-US" dirty="0"/>
-              <a:t>Performance Parameters</a:t>
-            </a:r>
-          </a:p>
-        </p:txBody>
-      </p:sp>
-      <p:pic>
-        <p:nvPicPr>
-          <p:cNvPr id="6" name="Content Placeholder 5">
+              <a:t>References</a:t>
+            </a:r>
+          </a:p>
+        </p:txBody>
+      </p:sp>
+      <p:sp>
+        <p:nvSpPr>
+          <p:cNvPr id="3" name="Content Placeholder 2">
             <a:extLst>
               <a:ext uri="{FF2B5EF4-FFF2-40B4-BE49-F238E27FC236}">
-                <a16:creationId xmlns:a16="http://schemas.microsoft.com/office/drawing/2014/main" id="{1981E619-75B8-4093-A8D9-6959118FA6A1}"/>
+                <a16:creationId xmlns:a16="http://schemas.microsoft.com/office/drawing/2014/main" id="{EA8DEEA1-8858-40B0-9169-F753007ABA02}"/>
               </a:ext>
             </a:extLst>
           </p:cNvPr>
-          <p:cNvPicPr>
-            <a:picLocks noGrp="1" noChangeAspect="1"/>
-          </p:cNvPicPr>
+          <p:cNvSpPr>
+            <a:spLocks noGrp="1"/>
+          </p:cNvSpPr>
           <p:nvPr>
             <p:ph idx="1"/>
           </p:nvPr>
-        </p:nvPicPr>
-        <p:blipFill>
-          <a:blip r:embed="rId2"/>
-          <a:stretch>
-            <a:fillRect/>
-          </a:stretch>
-        </p:blipFill>
-        <p:spPr>
-          <a:xfrm>
-            <a:off x="1393997" y="1836831"/>
-            <a:ext cx="9402487" cy="1524213"/>
-          </a:xfrm>
-        </p:spPr>
-      </p:pic>
+        </p:nvSpPr>
+        <p:spPr/>
+        <p:txBody>
+          <a:bodyPr>
+            <a:normAutofit/>
+          </a:bodyPr>
+          <a:lstStyle/>
+          <a:p>
+            <a:r>
+              <a:rPr lang="en-US" sz="1400" b="0" i="0" u="none" strike="noStrike" baseline="0" dirty="0">
+                <a:latin typeface="Times New Roman" panose="02020603050405020304" pitchFamily="18" charset="0"/>
+                <a:cs typeface="Times New Roman" panose="02020603050405020304" pitchFamily="18" charset="0"/>
+              </a:rPr>
+              <a:t>Cheng, Z., Yang, Q. and Sheng, B. (2016). Deep colorization.</a:t>
+            </a:r>
+          </a:p>
+          <a:p>
+            <a:r>
+              <a:rPr lang="en-US" sz="1400" b="0" i="0" u="none" strike="noStrike" baseline="0" dirty="0">
+                <a:latin typeface="Times New Roman" panose="02020603050405020304" pitchFamily="18" charset="0"/>
+                <a:cs typeface="Times New Roman" panose="02020603050405020304" pitchFamily="18" charset="0"/>
+              </a:rPr>
+              <a:t>Dahl, R. (2016). Automatic colorization.</a:t>
+            </a:r>
+            <a:endParaRPr lang="en-US" sz="1400" dirty="0">
+              <a:latin typeface="Times New Roman" panose="02020603050405020304" pitchFamily="18" charset="0"/>
+              <a:cs typeface="Times New Roman" panose="02020603050405020304" pitchFamily="18" charset="0"/>
+            </a:endParaRPr>
+          </a:p>
+          <a:p>
+            <a:pPr algn="l"/>
+            <a:r>
+              <a:rPr lang="en-US" sz="1400" b="0" i="0" u="none" strike="noStrike" baseline="0" dirty="0">
+                <a:latin typeface="Times New Roman" panose="02020603050405020304" pitchFamily="18" charset="0"/>
+                <a:cs typeface="Times New Roman" panose="02020603050405020304" pitchFamily="18" charset="0"/>
+              </a:rPr>
+              <a:t>Dong, C., Loy, C. C., He, K. and Tang, X. (2014). Learning a deep convolutional network for image super-resolution, </a:t>
+            </a:r>
+            <a:r>
+              <a:rPr lang="en-US" sz="1400" b="0" i="1" u="none" strike="noStrike" baseline="0" dirty="0">
+                <a:latin typeface="Times New Roman" panose="02020603050405020304" pitchFamily="18" charset="0"/>
+                <a:cs typeface="Times New Roman" panose="02020603050405020304" pitchFamily="18" charset="0"/>
+              </a:rPr>
+              <a:t>in</a:t>
+            </a:r>
+            <a:r>
+              <a:rPr lang="en-US" sz="1400" b="0" i="0" u="none" strike="noStrike" baseline="0" dirty="0">
+                <a:latin typeface="Times New Roman" panose="02020603050405020304" pitchFamily="18" charset="0"/>
+                <a:cs typeface="Times New Roman" panose="02020603050405020304" pitchFamily="18" charset="0"/>
+              </a:rPr>
+              <a:t> D. Fleet, T. 	</a:t>
+            </a:r>
+            <a:r>
+              <a:rPr lang="en-US" sz="1400" b="0" i="0" u="none" strike="noStrike" baseline="0" dirty="0" err="1">
+                <a:latin typeface="Times New Roman" panose="02020603050405020304" pitchFamily="18" charset="0"/>
+                <a:cs typeface="Times New Roman" panose="02020603050405020304" pitchFamily="18" charset="0"/>
+              </a:rPr>
+              <a:t>Pajdla</a:t>
+            </a:r>
+            <a:r>
+              <a:rPr lang="en-US" sz="1400" b="0" i="0" u="none" strike="noStrike" baseline="0" dirty="0">
+                <a:latin typeface="Times New Roman" panose="02020603050405020304" pitchFamily="18" charset="0"/>
+                <a:cs typeface="Times New Roman" panose="02020603050405020304" pitchFamily="18" charset="0"/>
+              </a:rPr>
+              <a:t>, B. Schiele and T. </a:t>
+            </a:r>
+            <a:r>
+              <a:rPr lang="en-US" sz="1400" b="0" i="0" u="none" strike="noStrike" baseline="0" dirty="0" err="1">
+                <a:latin typeface="Times New Roman" panose="02020603050405020304" pitchFamily="18" charset="0"/>
+                <a:cs typeface="Times New Roman" panose="02020603050405020304" pitchFamily="18" charset="0"/>
+              </a:rPr>
+              <a:t>Tuytelaars</a:t>
+            </a:r>
+            <a:r>
+              <a:rPr lang="en-US" sz="1400" dirty="0">
+                <a:latin typeface="Times New Roman" panose="02020603050405020304" pitchFamily="18" charset="0"/>
+                <a:cs typeface="Times New Roman" panose="02020603050405020304" pitchFamily="18" charset="0"/>
+              </a:rPr>
+              <a:t> </a:t>
+            </a:r>
+            <a:r>
+              <a:rPr lang="en-US" sz="1400" b="0" i="0" u="none" strike="noStrike" baseline="0" dirty="0">
+                <a:latin typeface="Times New Roman" panose="02020603050405020304" pitchFamily="18" charset="0"/>
+                <a:cs typeface="Times New Roman" panose="02020603050405020304" pitchFamily="18" charset="0"/>
+              </a:rPr>
+              <a:t>(eds), </a:t>
+            </a:r>
+            <a:r>
+              <a:rPr lang="en-US" sz="1400" b="0" i="1" u="none" strike="noStrike" baseline="0" dirty="0">
+                <a:latin typeface="Times New Roman" panose="02020603050405020304" pitchFamily="18" charset="0"/>
+                <a:cs typeface="Times New Roman" panose="02020603050405020304" pitchFamily="18" charset="0"/>
+              </a:rPr>
+              <a:t>Computer Vision – ECCV 2014</a:t>
+            </a:r>
+            <a:r>
+              <a:rPr lang="en-US" sz="1400" b="0" i="0" u="none" strike="noStrike" baseline="0" dirty="0">
+                <a:latin typeface="Times New Roman" panose="02020603050405020304" pitchFamily="18" charset="0"/>
+                <a:cs typeface="Times New Roman" panose="02020603050405020304" pitchFamily="18" charset="0"/>
+              </a:rPr>
+              <a:t>, Springer International Publishing, </a:t>
+            </a:r>
+          </a:p>
+          <a:p>
+            <a:pPr marL="457200" lvl="1" indent="0">
+              <a:buNone/>
+            </a:pPr>
+            <a:r>
+              <a:rPr lang="en-US" sz="1400" dirty="0">
+                <a:latin typeface="Times New Roman" panose="02020603050405020304" pitchFamily="18" charset="0"/>
+                <a:cs typeface="Times New Roman" panose="02020603050405020304" pitchFamily="18" charset="0"/>
+              </a:rPr>
+              <a:t>	</a:t>
+            </a:r>
+            <a:r>
+              <a:rPr lang="en-US" sz="1400" b="0" i="0" u="none" strike="noStrike" baseline="0" dirty="0">
+                <a:latin typeface="Times New Roman" panose="02020603050405020304" pitchFamily="18" charset="0"/>
+                <a:cs typeface="Times New Roman" panose="02020603050405020304" pitchFamily="18" charset="0"/>
+              </a:rPr>
+              <a:t>Cham, pp. 184-199.</a:t>
+            </a:r>
+          </a:p>
+          <a:p>
+            <a:pPr algn="l"/>
+            <a:r>
+              <a:rPr lang="en-US" sz="1400" b="0" i="0" u="none" strike="noStrike" baseline="0" dirty="0">
+                <a:latin typeface="Times New Roman" panose="02020603050405020304" pitchFamily="18" charset="0"/>
+                <a:cs typeface="Times New Roman" panose="02020603050405020304" pitchFamily="18" charset="0"/>
+              </a:rPr>
+              <a:t>Goodfellow, I. J., </a:t>
+            </a:r>
+            <a:r>
+              <a:rPr lang="en-US" sz="1400" b="0" i="0" u="none" strike="noStrike" baseline="0" dirty="0" err="1">
+                <a:latin typeface="Times New Roman" panose="02020603050405020304" pitchFamily="18" charset="0"/>
+                <a:cs typeface="Times New Roman" panose="02020603050405020304" pitchFamily="18" charset="0"/>
+              </a:rPr>
+              <a:t>Pouget</a:t>
+            </a:r>
+            <a:r>
+              <a:rPr lang="en-US" sz="1400" b="0" i="0" u="none" strike="noStrike" baseline="0" dirty="0">
+                <a:latin typeface="Times New Roman" panose="02020603050405020304" pitchFamily="18" charset="0"/>
+                <a:cs typeface="Times New Roman" panose="02020603050405020304" pitchFamily="18" charset="0"/>
+              </a:rPr>
+              <a:t>-Abadie, J., Mirza, M., Xu, B., </a:t>
+            </a:r>
+            <a:r>
+              <a:rPr lang="en-US" sz="1400" b="0" i="0" u="none" strike="noStrike" baseline="0" dirty="0" err="1">
+                <a:latin typeface="Times New Roman" panose="02020603050405020304" pitchFamily="18" charset="0"/>
+                <a:cs typeface="Times New Roman" panose="02020603050405020304" pitchFamily="18" charset="0"/>
+              </a:rPr>
+              <a:t>Warde</a:t>
+            </a:r>
+            <a:r>
+              <a:rPr lang="en-US" sz="1400" b="0" i="0" u="none" strike="noStrike" baseline="0" dirty="0">
+                <a:latin typeface="Times New Roman" panose="02020603050405020304" pitchFamily="18" charset="0"/>
+                <a:cs typeface="Times New Roman" panose="02020603050405020304" pitchFamily="18" charset="0"/>
+              </a:rPr>
+              <a:t>-Farley, D., </a:t>
+            </a:r>
+            <a:r>
+              <a:rPr lang="en-US" sz="1400" b="0" i="0" u="none" strike="noStrike" baseline="0" dirty="0" err="1">
+                <a:latin typeface="Times New Roman" panose="02020603050405020304" pitchFamily="18" charset="0"/>
+                <a:cs typeface="Times New Roman" panose="02020603050405020304" pitchFamily="18" charset="0"/>
+              </a:rPr>
+              <a:t>Ozair</a:t>
+            </a:r>
+            <a:r>
+              <a:rPr lang="en-US" sz="1400" b="0" i="0" u="none" strike="noStrike" baseline="0" dirty="0">
+                <a:latin typeface="Times New Roman" panose="02020603050405020304" pitchFamily="18" charset="0"/>
+                <a:cs typeface="Times New Roman" panose="02020603050405020304" pitchFamily="18" charset="0"/>
+              </a:rPr>
+              <a:t>, S., Courville, A. and  </a:t>
+            </a:r>
+            <a:r>
+              <a:rPr lang="en-US" sz="1400" b="0" i="0" u="none" strike="noStrike" baseline="0" dirty="0" err="1">
+                <a:latin typeface="Times New Roman" panose="02020603050405020304" pitchFamily="18" charset="0"/>
+                <a:cs typeface="Times New Roman" panose="02020603050405020304" pitchFamily="18" charset="0"/>
+              </a:rPr>
+              <a:t>Bengio</a:t>
+            </a:r>
+            <a:r>
+              <a:rPr lang="en-US" sz="1400" b="0" i="0" u="none" strike="noStrike" baseline="0" dirty="0">
+                <a:latin typeface="Times New Roman" panose="02020603050405020304" pitchFamily="18" charset="0"/>
+                <a:cs typeface="Times New Roman" panose="02020603050405020304" pitchFamily="18" charset="0"/>
+              </a:rPr>
+              <a:t>, Y. (2014). </a:t>
+            </a:r>
+            <a:endParaRPr lang="en-US" sz="1400" dirty="0">
+              <a:latin typeface="Times New Roman" panose="02020603050405020304" pitchFamily="18" charset="0"/>
+              <a:cs typeface="Times New Roman" panose="02020603050405020304" pitchFamily="18" charset="0"/>
+            </a:endParaRPr>
+          </a:p>
+          <a:p>
+            <a:pPr marL="457200" lvl="1" indent="0">
+              <a:buNone/>
+            </a:pPr>
+            <a:r>
+              <a:rPr lang="en-US" sz="1400" b="0" i="0" u="none" strike="noStrike" baseline="0" dirty="0">
+                <a:latin typeface="Times New Roman" panose="02020603050405020304" pitchFamily="18" charset="0"/>
+                <a:cs typeface="Times New Roman" panose="02020603050405020304" pitchFamily="18" charset="0"/>
+              </a:rPr>
+              <a:t>	Generative adversarial networks.</a:t>
+            </a:r>
+          </a:p>
+          <a:p>
+            <a:pPr algn="l"/>
+            <a:r>
+              <a:rPr lang="en-US" sz="1400" b="0" i="0" u="none" strike="noStrike" baseline="0" dirty="0">
+                <a:latin typeface="Times New Roman" panose="02020603050405020304" pitchFamily="18" charset="0"/>
+                <a:cs typeface="Times New Roman" panose="02020603050405020304" pitchFamily="18" charset="0"/>
+              </a:rPr>
+              <a:t>He, K., Zhang, X., Ren, S. and Sun, J. (2015). Deep residual learning for image recognition.</a:t>
+            </a:r>
+          </a:p>
+          <a:p>
+            <a:pPr algn="l"/>
+            <a:r>
+              <a:rPr lang="de-DE" sz="1400" b="0" i="0" u="none" strike="noStrike" baseline="0" dirty="0">
+                <a:latin typeface="Times New Roman" panose="02020603050405020304" pitchFamily="18" charset="0"/>
+                <a:cs typeface="Times New Roman" panose="02020603050405020304" pitchFamily="18" charset="0"/>
+              </a:rPr>
+              <a:t>Huang, Y.-C., Tung, Y.-S., Chen, J.-C., Wang, S.-W. and Wu, J.-L. (2005). An </a:t>
+            </a:r>
+            <a:r>
+              <a:rPr lang="en-US" sz="1400" b="0" i="0" u="none" strike="noStrike" baseline="0" dirty="0">
+                <a:latin typeface="Times New Roman" panose="02020603050405020304" pitchFamily="18" charset="0"/>
+                <a:cs typeface="Times New Roman" panose="02020603050405020304" pitchFamily="18" charset="0"/>
+              </a:rPr>
+              <a:t>adaptive edge detection based colorization algorithm and 	its applications, pp. 351–354.</a:t>
+            </a:r>
+          </a:p>
+          <a:p>
+            <a:pPr algn="l"/>
+            <a:r>
+              <a:rPr lang="en-US" sz="1400" b="0" i="0" u="none" strike="noStrike" baseline="0" dirty="0">
+                <a:latin typeface="Times New Roman" panose="02020603050405020304" pitchFamily="18" charset="0"/>
+                <a:cs typeface="Times New Roman" panose="02020603050405020304" pitchFamily="18" charset="0"/>
+              </a:rPr>
+              <a:t>Isola, P., Zhu, J.-Y., Zhou, T. and </a:t>
+            </a:r>
+            <a:r>
+              <a:rPr lang="en-US" sz="1400" b="0" i="0" u="none" strike="noStrike" baseline="0" dirty="0" err="1">
+                <a:latin typeface="Times New Roman" panose="02020603050405020304" pitchFamily="18" charset="0"/>
+                <a:cs typeface="Times New Roman" panose="02020603050405020304" pitchFamily="18" charset="0"/>
+              </a:rPr>
+              <a:t>Efros</a:t>
+            </a:r>
+            <a:r>
+              <a:rPr lang="en-US" sz="1400" b="0" i="0" u="none" strike="noStrike" baseline="0" dirty="0">
+                <a:latin typeface="Times New Roman" panose="02020603050405020304" pitchFamily="18" charset="0"/>
+                <a:cs typeface="Times New Roman" panose="02020603050405020304" pitchFamily="18" charset="0"/>
+              </a:rPr>
+              <a:t>, A. A. (2018). Image-to-image translation with conditional adversarial networks.</a:t>
+            </a:r>
+          </a:p>
+          <a:p>
+            <a:pPr algn="l"/>
+            <a:r>
+              <a:rPr lang="en-US" sz="1400" b="0" i="0" u="none" strike="noStrike" baseline="0" dirty="0" err="1">
+                <a:latin typeface="Times New Roman" panose="02020603050405020304" pitchFamily="18" charset="0"/>
+                <a:cs typeface="Times New Roman" panose="02020603050405020304" pitchFamily="18" charset="0"/>
+              </a:rPr>
+              <a:t>Jianchao</a:t>
+            </a:r>
+            <a:r>
+              <a:rPr lang="en-US" sz="1400" b="0" i="0" u="none" strike="noStrike" baseline="0" dirty="0">
+                <a:latin typeface="Times New Roman" panose="02020603050405020304" pitchFamily="18" charset="0"/>
+                <a:cs typeface="Times New Roman" panose="02020603050405020304" pitchFamily="18" charset="0"/>
+              </a:rPr>
+              <a:t> Yang, Wright, J., Huang, T. and Yi Ma (2008). Image super-resolution as sparse representation of raw image patches, </a:t>
+            </a:r>
+          </a:p>
+          <a:p>
+            <a:pPr marL="457200" lvl="1" indent="0">
+              <a:buNone/>
+            </a:pPr>
+            <a:r>
+              <a:rPr lang="en-US" sz="1400" b="0" i="1" u="none" strike="noStrike" baseline="0" dirty="0">
+                <a:latin typeface="Times New Roman" panose="02020603050405020304" pitchFamily="18" charset="0"/>
+                <a:cs typeface="Times New Roman" panose="02020603050405020304" pitchFamily="18" charset="0"/>
+              </a:rPr>
+              <a:t>	2008 IEEE Conference on Computer Vision and Pattern Recognition</a:t>
+            </a:r>
+            <a:r>
+              <a:rPr lang="en-US" sz="1400" b="0" i="0" u="none" strike="noStrike" baseline="0" dirty="0">
+                <a:latin typeface="Times New Roman" panose="02020603050405020304" pitchFamily="18" charset="0"/>
+                <a:cs typeface="Times New Roman" panose="02020603050405020304" pitchFamily="18" charset="0"/>
+              </a:rPr>
+              <a:t>, pp. 1–8.</a:t>
+            </a:r>
+          </a:p>
+        </p:txBody>
+      </p:sp>
       <p:sp>
         <p:nvSpPr>
           <p:cNvPr id="4" name="Footer Placeholder 3">
             <a:extLst>
               <a:ext uri="{FF2B5EF4-FFF2-40B4-BE49-F238E27FC236}">
-                <a16:creationId xmlns:a16="http://schemas.microsoft.com/office/drawing/2014/main" id="{0C3D8EA0-6BA6-4DF2-88B0-EF2A4189F93F}"/>
+                <a16:creationId xmlns:a16="http://schemas.microsoft.com/office/drawing/2014/main" id="{90CF10EA-242A-4F9F-97DC-68619990925C}"/>
               </a:ext>
             </a:extLst>
           </p:cNvPr>
@@ -10751,7 +10929,7 @@
     </p:spTree>
     <p:extLst>
       <p:ext uri="{BB962C8B-B14F-4D97-AF65-F5344CB8AC3E}">
-        <p14:creationId xmlns:p14="http://schemas.microsoft.com/office/powerpoint/2010/main" val="2741955053"/>
+        <p14:creationId xmlns:p14="http://schemas.microsoft.com/office/powerpoint/2010/main" val="3190111597"/>
       </p:ext>
     </p:extLst>
   </p:cSld>
@@ -10795,7 +10973,7 @@
           <p:cNvPr id="2" name="Title 1">
             <a:extLst>
               <a:ext uri="{FF2B5EF4-FFF2-40B4-BE49-F238E27FC236}">
-                <a16:creationId xmlns:a16="http://schemas.microsoft.com/office/drawing/2014/main" id="{515C154E-1383-4623-8BD9-DC1CE79CA7B7}"/>
+                <a16:creationId xmlns:a16="http://schemas.microsoft.com/office/drawing/2014/main" id="{60013DAE-EE1B-473B-B3B6-648540F8F0E6}"/>
               </a:ext>
             </a:extLst>
           </p:cNvPr>
@@ -10813,7 +10991,7 @@
           <a:p>
             <a:r>
               <a:rPr lang="en-US" dirty="0"/>
-              <a:t>Efficiency Issues</a:t>
+              <a:t>References</a:t>
             </a:r>
           </a:p>
         </p:txBody>
@@ -10823,7 +11001,7 @@
           <p:cNvPr id="3" name="Content Placeholder 2">
             <a:extLst>
               <a:ext uri="{FF2B5EF4-FFF2-40B4-BE49-F238E27FC236}">
-                <a16:creationId xmlns:a16="http://schemas.microsoft.com/office/drawing/2014/main" id="{4AF4CFE7-2266-41A1-B6EF-966C6526A2AF}"/>
+                <a16:creationId xmlns:a16="http://schemas.microsoft.com/office/drawing/2014/main" id="{6A2C8905-50B5-4EA0-8B9A-E1EE0EB58F40}"/>
               </a:ext>
             </a:extLst>
           </p:cNvPr>
@@ -10836,43 +11014,377 @@
         </p:nvSpPr>
         <p:spPr/>
         <p:txBody>
-          <a:bodyPr/>
+          <a:bodyPr>
+            <a:normAutofit fontScale="92500" lnSpcReduction="20000"/>
+          </a:bodyPr>
           <a:lstStyle/>
           <a:p>
-            <a:r>
-              <a:rPr lang="en-US" dirty="0"/>
-              <a:t>The data gathered had to be scraped off websites such as the Hubble Legacy archive and Hubble main website</a:t>
-            </a:r>
-          </a:p>
-          <a:p>
-            <a:r>
-              <a:rPr lang="en-US" dirty="0"/>
-              <a:t>This yielded in more images than were useful. So we focused on a particular section of the sky where we could get the images of galaxy M101</a:t>
-            </a:r>
-          </a:p>
-          <a:p>
-            <a:r>
-              <a:rPr lang="en-US" dirty="0"/>
-              <a:t>This still yielded in about 400,000 images which had to be manually filtered</a:t>
-            </a:r>
-          </a:p>
-          <a:p>
-            <a:r>
-              <a:rPr lang="en-US" dirty="0"/>
-              <a:t>Even with all the images available, the network training will require huge computational resources to perform efficiently</a:t>
-            </a:r>
-          </a:p>
-          <a:p>
-            <a:r>
-              <a:rPr lang="en-US" dirty="0"/>
-              <a:t>The network parameters exceed the available training data and will require augmentation to avoid overfitting </a:t>
-            </a:r>
-          </a:p>
-          <a:p>
-            <a:r>
-              <a:rPr lang="en-US" dirty="0"/>
-              <a:t>A quantitative evaluation of a GAN is considerably difficult even with the availability of the ground truth images</a:t>
-            </a:r>
+            <a:pPr algn="l"/>
+            <a:r>
+              <a:rPr lang="en-US" sz="1400" b="0" i="0" u="none" strike="noStrike" baseline="0" dirty="0">
+                <a:latin typeface="Times New Roman" panose="02020603050405020304" pitchFamily="18" charset="0"/>
+                <a:cs typeface="Times New Roman" panose="02020603050405020304" pitchFamily="18" charset="0"/>
+              </a:rPr>
+              <a:t>Kim, J., Lee, J. K. and Lee, K. M. (2016). Accurate image super-resolution using very deep convolutional networks, </a:t>
+            </a:r>
+          </a:p>
+          <a:p>
+            <a:pPr marL="457200" lvl="1" indent="0">
+              <a:buNone/>
+            </a:pPr>
+            <a:r>
+              <a:rPr lang="en-US" sz="1500" b="0" i="1" u="none" strike="noStrike" baseline="0" dirty="0">
+                <a:latin typeface="Times New Roman" panose="02020603050405020304" pitchFamily="18" charset="0"/>
+                <a:cs typeface="Times New Roman" panose="02020603050405020304" pitchFamily="18" charset="0"/>
+              </a:rPr>
+              <a:t>	2016 IEEE Conference on Computer Vision and Pattern Recognition (CVPR), </a:t>
+            </a:r>
+            <a:r>
+              <a:rPr lang="en-US" sz="1500" b="0" i="0" u="none" strike="noStrike" baseline="0" dirty="0">
+                <a:latin typeface="Times New Roman" panose="02020603050405020304" pitchFamily="18" charset="0"/>
+                <a:cs typeface="Times New Roman" panose="02020603050405020304" pitchFamily="18" charset="0"/>
+              </a:rPr>
+              <a:t>pp. 1646–1654.</a:t>
+            </a:r>
+          </a:p>
+          <a:p>
+            <a:pPr algn="l"/>
+            <a:r>
+              <a:rPr lang="en-US" sz="1400" b="0" i="0" u="none" strike="noStrike" baseline="0" dirty="0" err="1">
+                <a:latin typeface="Times New Roman" panose="02020603050405020304" pitchFamily="18" charset="0"/>
+                <a:cs typeface="Times New Roman" panose="02020603050405020304" pitchFamily="18" charset="0"/>
+              </a:rPr>
+              <a:t>Ledig</a:t>
+            </a:r>
+            <a:r>
+              <a:rPr lang="en-US" sz="1400" b="0" i="0" u="none" strike="noStrike" baseline="0" dirty="0">
+                <a:latin typeface="Times New Roman" panose="02020603050405020304" pitchFamily="18" charset="0"/>
+                <a:cs typeface="Times New Roman" panose="02020603050405020304" pitchFamily="18" charset="0"/>
+              </a:rPr>
+              <a:t>, C., Theis, L., </a:t>
+            </a:r>
+            <a:r>
+              <a:rPr lang="en-US" sz="1400" b="0" i="0" u="none" strike="noStrike" baseline="0" dirty="0" err="1">
+                <a:latin typeface="Times New Roman" panose="02020603050405020304" pitchFamily="18" charset="0"/>
+                <a:cs typeface="Times New Roman" panose="02020603050405020304" pitchFamily="18" charset="0"/>
+              </a:rPr>
+              <a:t>Huszar</a:t>
+            </a:r>
+            <a:r>
+              <a:rPr lang="en-US" sz="1400" b="0" i="0" u="none" strike="noStrike" baseline="0" dirty="0">
+                <a:latin typeface="Times New Roman" panose="02020603050405020304" pitchFamily="18" charset="0"/>
+                <a:cs typeface="Times New Roman" panose="02020603050405020304" pitchFamily="18" charset="0"/>
+              </a:rPr>
+              <a:t>, F., Caballero, J., Cunningham, A., Acosta, A., Aitken, A., </a:t>
+            </a:r>
+            <a:r>
+              <a:rPr lang="en-US" sz="1400" b="0" i="0" u="none" strike="noStrike" baseline="0" dirty="0" err="1">
+                <a:latin typeface="Times New Roman" panose="02020603050405020304" pitchFamily="18" charset="0"/>
+                <a:cs typeface="Times New Roman" panose="02020603050405020304" pitchFamily="18" charset="0"/>
+              </a:rPr>
+              <a:t>Tejani</a:t>
+            </a:r>
+            <a:r>
+              <a:rPr lang="en-US" sz="1400" b="0" i="0" u="none" strike="noStrike" baseline="0" dirty="0">
+                <a:latin typeface="Times New Roman" panose="02020603050405020304" pitchFamily="18" charset="0"/>
+                <a:cs typeface="Times New Roman" panose="02020603050405020304" pitchFamily="18" charset="0"/>
+              </a:rPr>
+              <a:t>, A., </a:t>
+            </a:r>
+            <a:r>
+              <a:rPr lang="en-US" sz="1400" b="0" i="0" u="none" strike="noStrike" baseline="0" dirty="0" err="1">
+                <a:latin typeface="Times New Roman" panose="02020603050405020304" pitchFamily="18" charset="0"/>
+                <a:cs typeface="Times New Roman" panose="02020603050405020304" pitchFamily="18" charset="0"/>
+              </a:rPr>
+              <a:t>Totz</a:t>
+            </a:r>
+            <a:r>
+              <a:rPr lang="en-US" sz="1400" b="0" i="0" u="none" strike="noStrike" baseline="0" dirty="0">
+                <a:latin typeface="Times New Roman" panose="02020603050405020304" pitchFamily="18" charset="0"/>
+                <a:cs typeface="Times New Roman" panose="02020603050405020304" pitchFamily="18" charset="0"/>
+              </a:rPr>
+              <a:t>, J., Wang, Z. and Shi, W. (2017). </a:t>
+            </a:r>
+          </a:p>
+          <a:p>
+            <a:pPr marL="457200" lvl="1" indent="0">
+              <a:buNone/>
+            </a:pPr>
+            <a:r>
+              <a:rPr lang="en-US" sz="1500" b="0" i="0" u="none" strike="noStrike" baseline="0" dirty="0">
+                <a:latin typeface="Times New Roman" panose="02020603050405020304" pitchFamily="18" charset="0"/>
+                <a:cs typeface="Times New Roman" panose="02020603050405020304" pitchFamily="18" charset="0"/>
+              </a:rPr>
+              <a:t>	Photorealistic single image super-resolution using a generative adversarial network.</a:t>
+            </a:r>
+          </a:p>
+          <a:p>
+            <a:pPr algn="l"/>
+            <a:r>
+              <a:rPr lang="en-US" sz="1400" b="0" i="0" u="none" strike="noStrike" baseline="0" dirty="0">
+                <a:latin typeface="Times New Roman" panose="02020603050405020304" pitchFamily="18" charset="0"/>
+                <a:cs typeface="Times New Roman" panose="02020603050405020304" pitchFamily="18" charset="0"/>
+              </a:rPr>
+              <a:t>Levin, A., </a:t>
+            </a:r>
+            <a:r>
+              <a:rPr lang="en-US" sz="1400" b="0" i="0" u="none" strike="noStrike" baseline="0" dirty="0" err="1">
+                <a:latin typeface="Times New Roman" panose="02020603050405020304" pitchFamily="18" charset="0"/>
+                <a:cs typeface="Times New Roman" panose="02020603050405020304" pitchFamily="18" charset="0"/>
+              </a:rPr>
+              <a:t>Lischinski</a:t>
+            </a:r>
+            <a:r>
+              <a:rPr lang="en-US" sz="1400" b="0" i="0" u="none" strike="noStrike" baseline="0" dirty="0">
+                <a:latin typeface="Times New Roman" panose="02020603050405020304" pitchFamily="18" charset="0"/>
+                <a:cs typeface="Times New Roman" panose="02020603050405020304" pitchFamily="18" charset="0"/>
+              </a:rPr>
+              <a:t>, D. and Weiss, Y. (2004). Colorization using optimization, </a:t>
+            </a:r>
+            <a:r>
+              <a:rPr lang="sv-SE" sz="1400" b="0" i="1" u="none" strike="noStrike" baseline="0" dirty="0">
+                <a:latin typeface="Times New Roman" panose="02020603050405020304" pitchFamily="18" charset="0"/>
+                <a:cs typeface="Times New Roman" panose="02020603050405020304" pitchFamily="18" charset="0"/>
+              </a:rPr>
+              <a:t>ACM SIGGRAPH 2004 Papers</a:t>
+            </a:r>
+            <a:r>
+              <a:rPr lang="sv-SE" sz="1400" b="0" i="0" u="none" strike="noStrike" baseline="0" dirty="0">
+                <a:latin typeface="Times New Roman" panose="02020603050405020304" pitchFamily="18" charset="0"/>
+                <a:cs typeface="Times New Roman" panose="02020603050405020304" pitchFamily="18" charset="0"/>
+              </a:rPr>
+              <a:t>, pp. 689–694.</a:t>
+            </a:r>
+          </a:p>
+          <a:p>
+            <a:pPr algn="l"/>
+            <a:r>
+              <a:rPr lang="en-US" sz="1400" b="0" i="0" u="none" strike="noStrike" baseline="0" dirty="0">
+                <a:latin typeface="Times New Roman" panose="02020603050405020304" pitchFamily="18" charset="0"/>
+                <a:cs typeface="Times New Roman" panose="02020603050405020304" pitchFamily="18" charset="0"/>
+              </a:rPr>
+              <a:t>Long, J., </a:t>
+            </a:r>
+            <a:r>
+              <a:rPr lang="en-US" sz="1400" b="0" i="0" u="none" strike="noStrike" baseline="0" dirty="0" err="1">
+                <a:latin typeface="Times New Roman" panose="02020603050405020304" pitchFamily="18" charset="0"/>
+                <a:cs typeface="Times New Roman" panose="02020603050405020304" pitchFamily="18" charset="0"/>
+              </a:rPr>
+              <a:t>Shelhamer</a:t>
+            </a:r>
+            <a:r>
+              <a:rPr lang="en-US" sz="1400" b="0" i="0" u="none" strike="noStrike" baseline="0" dirty="0">
+                <a:latin typeface="Times New Roman" panose="02020603050405020304" pitchFamily="18" charset="0"/>
+                <a:cs typeface="Times New Roman" panose="02020603050405020304" pitchFamily="18" charset="0"/>
+              </a:rPr>
+              <a:t>, E. and Darrell, T. (2015). Fully convolutional networks for semantic segmentation, </a:t>
+            </a:r>
+          </a:p>
+          <a:p>
+            <a:pPr marL="457200" lvl="1" indent="0">
+              <a:buNone/>
+            </a:pPr>
+            <a:r>
+              <a:rPr lang="en-US" sz="1500" b="0" i="1" u="none" strike="noStrike" baseline="0" dirty="0">
+                <a:latin typeface="Times New Roman" panose="02020603050405020304" pitchFamily="18" charset="0"/>
+                <a:cs typeface="Times New Roman" panose="02020603050405020304" pitchFamily="18" charset="0"/>
+              </a:rPr>
+              <a:t>	2015 IEEE Conference on Computer Vision and Pattern Recognition (CVPR), </a:t>
+            </a:r>
+            <a:r>
+              <a:rPr lang="en-US" sz="1500" b="0" i="0" u="none" strike="noStrike" baseline="0" dirty="0">
+                <a:latin typeface="Times New Roman" panose="02020603050405020304" pitchFamily="18" charset="0"/>
+                <a:cs typeface="Times New Roman" panose="02020603050405020304" pitchFamily="18" charset="0"/>
+              </a:rPr>
+              <a:t>pp. 3431–3440</a:t>
+            </a:r>
+            <a:r>
+              <a:rPr lang="en-US" sz="1000" b="0" i="0" u="none" strike="noStrike" baseline="0" dirty="0">
+                <a:latin typeface="Times New Roman" panose="02020603050405020304" pitchFamily="18" charset="0"/>
+                <a:cs typeface="Times New Roman" panose="02020603050405020304" pitchFamily="18" charset="0"/>
+              </a:rPr>
+              <a:t>.</a:t>
+            </a:r>
+          </a:p>
+          <a:p>
+            <a:pPr algn="l"/>
+            <a:r>
+              <a:rPr lang="en-US" sz="1400" b="0" i="0" u="none" strike="noStrike" baseline="0" dirty="0">
+                <a:latin typeface="Times New Roman" panose="02020603050405020304" pitchFamily="18" charset="0"/>
+                <a:cs typeface="Times New Roman" panose="02020603050405020304" pitchFamily="18" charset="0"/>
+              </a:rPr>
+              <a:t>Mirza, M. and </a:t>
+            </a:r>
+            <a:r>
+              <a:rPr lang="en-US" sz="1400" b="0" i="0" u="none" strike="noStrike" baseline="0" dirty="0" err="1">
+                <a:latin typeface="Times New Roman" panose="02020603050405020304" pitchFamily="18" charset="0"/>
+                <a:cs typeface="Times New Roman" panose="02020603050405020304" pitchFamily="18" charset="0"/>
+              </a:rPr>
+              <a:t>Osindero</a:t>
+            </a:r>
+            <a:r>
+              <a:rPr lang="en-US" sz="1400" b="0" i="0" u="none" strike="noStrike" baseline="0" dirty="0">
+                <a:latin typeface="Times New Roman" panose="02020603050405020304" pitchFamily="18" charset="0"/>
+                <a:cs typeface="Times New Roman" panose="02020603050405020304" pitchFamily="18" charset="0"/>
+              </a:rPr>
+              <a:t>, S. (2014). Conditional generative adversarial nets.</a:t>
+            </a:r>
+            <a:endParaRPr lang="en-US" sz="1400" dirty="0">
+              <a:latin typeface="Times New Roman" panose="02020603050405020304" pitchFamily="18" charset="0"/>
+              <a:cs typeface="Times New Roman" panose="02020603050405020304" pitchFamily="18" charset="0"/>
+            </a:endParaRPr>
+          </a:p>
+          <a:p>
+            <a:pPr algn="l"/>
+            <a:r>
+              <a:rPr lang="en-US" sz="1400" b="0" i="0" u="none" strike="noStrike" baseline="0" dirty="0">
+                <a:latin typeface="Times New Roman" panose="02020603050405020304" pitchFamily="18" charset="0"/>
+                <a:cs typeface="Times New Roman" panose="02020603050405020304" pitchFamily="18" charset="0"/>
+              </a:rPr>
+              <a:t>Pressman, R. S. (1992). Software Engineering (3rd Ed.): A Practitioner’s Approach, McGraw-Hill, Inc., New York, NY, USA.</a:t>
+            </a:r>
+          </a:p>
+          <a:p>
+            <a:pPr algn="l"/>
+            <a:r>
+              <a:rPr lang="en-US" sz="1500" b="0" i="0" u="none" strike="noStrike" baseline="0" dirty="0">
+                <a:latin typeface="Times New Roman" panose="02020603050405020304" pitchFamily="18" charset="0"/>
+                <a:cs typeface="Times New Roman" panose="02020603050405020304" pitchFamily="18" charset="0"/>
+              </a:rPr>
+              <a:t>Qu, </a:t>
+            </a:r>
+            <a:r>
+              <a:rPr lang="en-US" sz="1500" b="0" i="0" u="none" strike="noStrike" baseline="0" dirty="0" err="1">
+                <a:latin typeface="Times New Roman" panose="02020603050405020304" pitchFamily="18" charset="0"/>
+                <a:cs typeface="Times New Roman" panose="02020603050405020304" pitchFamily="18" charset="0"/>
+              </a:rPr>
+              <a:t>Y.,Wong</a:t>
+            </a:r>
+            <a:r>
+              <a:rPr lang="en-US" sz="1500" b="0" i="0" u="none" strike="noStrike" baseline="0" dirty="0">
+                <a:latin typeface="Times New Roman" panose="02020603050405020304" pitchFamily="18" charset="0"/>
+                <a:cs typeface="Times New Roman" panose="02020603050405020304" pitchFamily="18" charset="0"/>
+              </a:rPr>
+              <a:t>, T.-T. and Heng, P.-A. (2006). Manga colorization, ACM Transactions on Graphics (TOG) 25(3): 1214–1220.</a:t>
+            </a:r>
+          </a:p>
+          <a:p>
+            <a:pPr algn="l"/>
+            <a:r>
+              <a:rPr lang="en-US" sz="1500" b="0" i="0" u="none" strike="noStrike" baseline="0" dirty="0">
+                <a:latin typeface="Times New Roman" panose="02020603050405020304" pitchFamily="18" charset="0"/>
+                <a:cs typeface="Times New Roman" panose="02020603050405020304" pitchFamily="18" charset="0"/>
+              </a:rPr>
+              <a:t>Radford, A., Metz, L. and </a:t>
+            </a:r>
+            <a:r>
+              <a:rPr lang="en-US" sz="1500" b="0" i="0" u="none" strike="noStrike" baseline="0" dirty="0" err="1">
+                <a:latin typeface="Times New Roman" panose="02020603050405020304" pitchFamily="18" charset="0"/>
+                <a:cs typeface="Times New Roman" panose="02020603050405020304" pitchFamily="18" charset="0"/>
+              </a:rPr>
+              <a:t>Chintala</a:t>
+            </a:r>
+            <a:r>
+              <a:rPr lang="en-US" sz="1500" b="0" i="0" u="none" strike="noStrike" baseline="0" dirty="0">
+                <a:latin typeface="Times New Roman" panose="02020603050405020304" pitchFamily="18" charset="0"/>
+                <a:cs typeface="Times New Roman" panose="02020603050405020304" pitchFamily="18" charset="0"/>
+              </a:rPr>
+              <a:t>, S. (2016). Unsupervised representation learning with deep convolutional generative adversarial 	networks.</a:t>
+            </a:r>
+          </a:p>
+          <a:p>
+            <a:pPr algn="l"/>
+            <a:r>
+              <a:rPr lang="en-US" sz="1500" b="0" i="0" u="none" strike="noStrike" baseline="0" dirty="0">
+                <a:latin typeface="Times New Roman" panose="02020603050405020304" pitchFamily="18" charset="0"/>
+                <a:cs typeface="Times New Roman" panose="02020603050405020304" pitchFamily="18" charset="0"/>
+              </a:rPr>
+              <a:t>Shi, W., Caballero, J., </a:t>
+            </a:r>
+            <a:r>
+              <a:rPr lang="en-US" sz="1500" b="0" i="0" u="none" strike="noStrike" baseline="0" dirty="0" err="1">
+                <a:latin typeface="Times New Roman" panose="02020603050405020304" pitchFamily="18" charset="0"/>
+                <a:cs typeface="Times New Roman" panose="02020603050405020304" pitchFamily="18" charset="0"/>
+              </a:rPr>
+              <a:t>Husz´ar</a:t>
+            </a:r>
+            <a:r>
+              <a:rPr lang="en-US" sz="1500" b="0" i="0" u="none" strike="noStrike" baseline="0" dirty="0">
+                <a:latin typeface="Times New Roman" panose="02020603050405020304" pitchFamily="18" charset="0"/>
+                <a:cs typeface="Times New Roman" panose="02020603050405020304" pitchFamily="18" charset="0"/>
+              </a:rPr>
+              <a:t>, F., </a:t>
+            </a:r>
+            <a:r>
+              <a:rPr lang="en-US" sz="1500" b="0" i="0" u="none" strike="noStrike" baseline="0" dirty="0" err="1">
+                <a:latin typeface="Times New Roman" panose="02020603050405020304" pitchFamily="18" charset="0"/>
+                <a:cs typeface="Times New Roman" panose="02020603050405020304" pitchFamily="18" charset="0"/>
+              </a:rPr>
+              <a:t>Totz</a:t>
+            </a:r>
+            <a:r>
+              <a:rPr lang="en-US" sz="1500" b="0" i="0" u="none" strike="noStrike" baseline="0" dirty="0">
+                <a:latin typeface="Times New Roman" panose="02020603050405020304" pitchFamily="18" charset="0"/>
+                <a:cs typeface="Times New Roman" panose="02020603050405020304" pitchFamily="18" charset="0"/>
+              </a:rPr>
+              <a:t>, J., Aitken, A. P., Bishop, R., </a:t>
+            </a:r>
+            <a:r>
+              <a:rPr lang="en-US" sz="1500" b="0" i="0" u="none" strike="noStrike" baseline="0" dirty="0" err="1">
+                <a:latin typeface="Times New Roman" panose="02020603050405020304" pitchFamily="18" charset="0"/>
+                <a:cs typeface="Times New Roman" panose="02020603050405020304" pitchFamily="18" charset="0"/>
+              </a:rPr>
+              <a:t>Rueckert</a:t>
+            </a:r>
+            <a:r>
+              <a:rPr lang="en-US" sz="1500" b="0" i="0" u="none" strike="noStrike" baseline="0" dirty="0">
+                <a:latin typeface="Times New Roman" panose="02020603050405020304" pitchFamily="18" charset="0"/>
+                <a:cs typeface="Times New Roman" panose="02020603050405020304" pitchFamily="18" charset="0"/>
+              </a:rPr>
+              <a:t>, D. and Wang, Z. (2016). </a:t>
+            </a:r>
+          </a:p>
+          <a:p>
+            <a:pPr marL="457200" lvl="1" indent="0">
+              <a:buNone/>
+            </a:pPr>
+            <a:r>
+              <a:rPr lang="en-US" sz="1500" b="0" i="0" u="none" strike="noStrike" baseline="0" dirty="0">
+                <a:latin typeface="Times New Roman" panose="02020603050405020304" pitchFamily="18" charset="0"/>
+                <a:cs typeface="Times New Roman" panose="02020603050405020304" pitchFamily="18" charset="0"/>
+              </a:rPr>
+              <a:t>	Real-time single image and video super-resolution using an efficient sub-pixel convolutional neural network, </a:t>
+            </a:r>
+          </a:p>
+          <a:p>
+            <a:pPr marL="457200" lvl="1" indent="0">
+              <a:buNone/>
+            </a:pPr>
+            <a:r>
+              <a:rPr lang="en-US" sz="1500" dirty="0">
+                <a:latin typeface="Times New Roman" panose="02020603050405020304" pitchFamily="18" charset="0"/>
+                <a:cs typeface="Times New Roman" panose="02020603050405020304" pitchFamily="18" charset="0"/>
+              </a:rPr>
+              <a:t>	</a:t>
+            </a:r>
+            <a:r>
+              <a:rPr lang="en-US" sz="1500" b="0" i="1" u="none" strike="noStrike" baseline="0" dirty="0">
+                <a:latin typeface="Times New Roman" panose="02020603050405020304" pitchFamily="18" charset="0"/>
+                <a:cs typeface="Times New Roman" panose="02020603050405020304" pitchFamily="18" charset="0"/>
+              </a:rPr>
+              <a:t>2016 IEEE Conference on Computer Vision and Pattern Recognition (CVPR),</a:t>
+            </a:r>
+            <a:r>
+              <a:rPr lang="en-US" sz="1500" b="0" i="0" u="none" strike="noStrike" baseline="0" dirty="0">
+                <a:latin typeface="Times New Roman" panose="02020603050405020304" pitchFamily="18" charset="0"/>
+                <a:cs typeface="Times New Roman" panose="02020603050405020304" pitchFamily="18" charset="0"/>
+              </a:rPr>
+              <a:t> pp. 1874–1883.</a:t>
+            </a:r>
+            <a:endParaRPr lang="en-US" sz="1500" dirty="0">
+              <a:latin typeface="Times New Roman" panose="02020603050405020304" pitchFamily="18" charset="0"/>
+              <a:cs typeface="Times New Roman" panose="02020603050405020304" pitchFamily="18" charset="0"/>
+            </a:endParaRPr>
           </a:p>
         </p:txBody>
       </p:sp>
@@ -10881,7 +11393,7 @@
           <p:cNvPr id="4" name="Footer Placeholder 3">
             <a:extLst>
               <a:ext uri="{FF2B5EF4-FFF2-40B4-BE49-F238E27FC236}">
-                <a16:creationId xmlns:a16="http://schemas.microsoft.com/office/drawing/2014/main" id="{479926B9-6778-4DA9-BCBA-AC30CF378207}"/>
+                <a16:creationId xmlns:a16="http://schemas.microsoft.com/office/drawing/2014/main" id="{478E4A7B-00AC-4117-8CCF-32F4EA319662}"/>
               </a:ext>
             </a:extLst>
           </p:cNvPr>
@@ -10907,7 +11419,7 @@
     </p:spTree>
     <p:extLst>
       <p:ext uri="{BB962C8B-B14F-4D97-AF65-F5344CB8AC3E}">
-        <p14:creationId xmlns:p14="http://schemas.microsoft.com/office/powerpoint/2010/main" val="1342927445"/>
+        <p14:creationId xmlns:p14="http://schemas.microsoft.com/office/powerpoint/2010/main" val="604998426"/>
       </p:ext>
     </p:extLst>
   </p:cSld>
@@ -10951,901 +11463,6 @@
           <p:cNvPr id="2" name="Title 1">
             <a:extLst>
               <a:ext uri="{FF2B5EF4-FFF2-40B4-BE49-F238E27FC236}">
-                <a16:creationId xmlns:a16="http://schemas.microsoft.com/office/drawing/2014/main" id="{1B088865-DEAE-4612-97AF-B61F6AF552E8}"/>
-              </a:ext>
-            </a:extLst>
-          </p:cNvPr>
-          <p:cNvSpPr>
-            <a:spLocks noGrp="1"/>
-          </p:cNvSpPr>
-          <p:nvPr>
-            <p:ph type="title"/>
-          </p:nvPr>
-        </p:nvSpPr>
-        <p:spPr/>
-        <p:txBody>
-          <a:bodyPr/>
-          <a:lstStyle/>
-          <a:p>
-            <a:r>
-              <a:rPr lang="en-US" dirty="0"/>
-              <a:t>References</a:t>
-            </a:r>
-          </a:p>
-        </p:txBody>
-      </p:sp>
-      <p:sp>
-        <p:nvSpPr>
-          <p:cNvPr id="3" name="Content Placeholder 2">
-            <a:extLst>
-              <a:ext uri="{FF2B5EF4-FFF2-40B4-BE49-F238E27FC236}">
-                <a16:creationId xmlns:a16="http://schemas.microsoft.com/office/drawing/2014/main" id="{EA8DEEA1-8858-40B0-9169-F753007ABA02}"/>
-              </a:ext>
-            </a:extLst>
-          </p:cNvPr>
-          <p:cNvSpPr>
-            <a:spLocks noGrp="1"/>
-          </p:cNvSpPr>
-          <p:nvPr>
-            <p:ph idx="1"/>
-          </p:nvPr>
-        </p:nvSpPr>
-        <p:spPr/>
-        <p:txBody>
-          <a:bodyPr>
-            <a:normAutofit/>
-          </a:bodyPr>
-          <a:lstStyle/>
-          <a:p>
-            <a:r>
-              <a:rPr lang="en-US" sz="1400" b="0" i="0" u="none" strike="noStrike" baseline="0" dirty="0">
-                <a:latin typeface="Times New Roman" panose="02020603050405020304" pitchFamily="18" charset="0"/>
-                <a:cs typeface="Times New Roman" panose="02020603050405020304" pitchFamily="18" charset="0"/>
-              </a:rPr>
-              <a:t>Cheng, Z., Yang, Q. and Sheng, B. (2016). Deep colorization.</a:t>
-            </a:r>
-          </a:p>
-          <a:p>
-            <a:r>
-              <a:rPr lang="en-US" sz="1400" b="0" i="0" u="none" strike="noStrike" baseline="0" dirty="0">
-                <a:latin typeface="Times New Roman" panose="02020603050405020304" pitchFamily="18" charset="0"/>
-                <a:cs typeface="Times New Roman" panose="02020603050405020304" pitchFamily="18" charset="0"/>
-              </a:rPr>
-              <a:t>Dahl, R. (2016). Automatic colorization.</a:t>
-            </a:r>
-            <a:endParaRPr lang="en-US" sz="1400" dirty="0">
-              <a:latin typeface="Times New Roman" panose="02020603050405020304" pitchFamily="18" charset="0"/>
-              <a:cs typeface="Times New Roman" panose="02020603050405020304" pitchFamily="18" charset="0"/>
-            </a:endParaRPr>
-          </a:p>
-          <a:p>
-            <a:pPr algn="l"/>
-            <a:r>
-              <a:rPr lang="en-US" sz="1400" b="0" i="0" u="none" strike="noStrike" baseline="0" dirty="0">
-                <a:latin typeface="Times New Roman" panose="02020603050405020304" pitchFamily="18" charset="0"/>
-                <a:cs typeface="Times New Roman" panose="02020603050405020304" pitchFamily="18" charset="0"/>
-              </a:rPr>
-              <a:t>Dong, C., Loy, C. C., He, K. and Tang, X. (2014). Learning a deep convolutional network for image super-resolution, </a:t>
-            </a:r>
-            <a:r>
-              <a:rPr lang="en-US" sz="1400" b="0" i="1" u="none" strike="noStrike" baseline="0" dirty="0">
-                <a:latin typeface="Times New Roman" panose="02020603050405020304" pitchFamily="18" charset="0"/>
-                <a:cs typeface="Times New Roman" panose="02020603050405020304" pitchFamily="18" charset="0"/>
-              </a:rPr>
-              <a:t>in</a:t>
-            </a:r>
-            <a:r>
-              <a:rPr lang="en-US" sz="1400" b="0" i="0" u="none" strike="noStrike" baseline="0" dirty="0">
-                <a:latin typeface="Times New Roman" panose="02020603050405020304" pitchFamily="18" charset="0"/>
-                <a:cs typeface="Times New Roman" panose="02020603050405020304" pitchFamily="18" charset="0"/>
-              </a:rPr>
-              <a:t> D. Fleet, T. 	</a:t>
-            </a:r>
-            <a:r>
-              <a:rPr lang="en-US" sz="1400" b="0" i="0" u="none" strike="noStrike" baseline="0" dirty="0" err="1">
-                <a:latin typeface="Times New Roman" panose="02020603050405020304" pitchFamily="18" charset="0"/>
-                <a:cs typeface="Times New Roman" panose="02020603050405020304" pitchFamily="18" charset="0"/>
-              </a:rPr>
-              <a:t>Pajdla</a:t>
-            </a:r>
-            <a:r>
-              <a:rPr lang="en-US" sz="1400" b="0" i="0" u="none" strike="noStrike" baseline="0" dirty="0">
-                <a:latin typeface="Times New Roman" panose="02020603050405020304" pitchFamily="18" charset="0"/>
-                <a:cs typeface="Times New Roman" panose="02020603050405020304" pitchFamily="18" charset="0"/>
-              </a:rPr>
-              <a:t>, B. Schiele and T. </a:t>
-            </a:r>
-            <a:r>
-              <a:rPr lang="en-US" sz="1400" b="0" i="0" u="none" strike="noStrike" baseline="0" dirty="0" err="1">
-                <a:latin typeface="Times New Roman" panose="02020603050405020304" pitchFamily="18" charset="0"/>
-                <a:cs typeface="Times New Roman" panose="02020603050405020304" pitchFamily="18" charset="0"/>
-              </a:rPr>
-              <a:t>Tuytelaars</a:t>
-            </a:r>
-            <a:r>
-              <a:rPr lang="en-US" sz="1400" dirty="0">
-                <a:latin typeface="Times New Roman" panose="02020603050405020304" pitchFamily="18" charset="0"/>
-                <a:cs typeface="Times New Roman" panose="02020603050405020304" pitchFamily="18" charset="0"/>
-              </a:rPr>
-              <a:t> </a:t>
-            </a:r>
-            <a:r>
-              <a:rPr lang="en-US" sz="1400" b="0" i="0" u="none" strike="noStrike" baseline="0" dirty="0">
-                <a:latin typeface="Times New Roman" panose="02020603050405020304" pitchFamily="18" charset="0"/>
-                <a:cs typeface="Times New Roman" panose="02020603050405020304" pitchFamily="18" charset="0"/>
-              </a:rPr>
-              <a:t>(eds), </a:t>
-            </a:r>
-            <a:r>
-              <a:rPr lang="en-US" sz="1400" b="0" i="1" u="none" strike="noStrike" baseline="0" dirty="0">
-                <a:latin typeface="Times New Roman" panose="02020603050405020304" pitchFamily="18" charset="0"/>
-                <a:cs typeface="Times New Roman" panose="02020603050405020304" pitchFamily="18" charset="0"/>
-              </a:rPr>
-              <a:t>Computer Vision – ECCV 2014</a:t>
-            </a:r>
-            <a:r>
-              <a:rPr lang="en-US" sz="1400" b="0" i="0" u="none" strike="noStrike" baseline="0" dirty="0">
-                <a:latin typeface="Times New Roman" panose="02020603050405020304" pitchFamily="18" charset="0"/>
-                <a:cs typeface="Times New Roman" panose="02020603050405020304" pitchFamily="18" charset="0"/>
-              </a:rPr>
-              <a:t>, Springer International Publishing, </a:t>
-            </a:r>
-          </a:p>
-          <a:p>
-            <a:pPr marL="457200" lvl="1" indent="0">
-              <a:buNone/>
-            </a:pPr>
-            <a:r>
-              <a:rPr lang="en-US" sz="1400" dirty="0">
-                <a:latin typeface="Times New Roman" panose="02020603050405020304" pitchFamily="18" charset="0"/>
-                <a:cs typeface="Times New Roman" panose="02020603050405020304" pitchFamily="18" charset="0"/>
-              </a:rPr>
-              <a:t>	</a:t>
-            </a:r>
-            <a:r>
-              <a:rPr lang="en-US" sz="1400" b="0" i="0" u="none" strike="noStrike" baseline="0" dirty="0">
-                <a:latin typeface="Times New Roman" panose="02020603050405020304" pitchFamily="18" charset="0"/>
-                <a:cs typeface="Times New Roman" panose="02020603050405020304" pitchFamily="18" charset="0"/>
-              </a:rPr>
-              <a:t>Cham, pp. 184-199.</a:t>
-            </a:r>
-          </a:p>
-          <a:p>
-            <a:pPr algn="l"/>
-            <a:r>
-              <a:rPr lang="en-US" sz="1400" b="0" i="0" u="none" strike="noStrike" baseline="0" dirty="0">
-                <a:latin typeface="Times New Roman" panose="02020603050405020304" pitchFamily="18" charset="0"/>
-                <a:cs typeface="Times New Roman" panose="02020603050405020304" pitchFamily="18" charset="0"/>
-              </a:rPr>
-              <a:t>Goodfellow, I. J., </a:t>
-            </a:r>
-            <a:r>
-              <a:rPr lang="en-US" sz="1400" b="0" i="0" u="none" strike="noStrike" baseline="0" dirty="0" err="1">
-                <a:latin typeface="Times New Roman" panose="02020603050405020304" pitchFamily="18" charset="0"/>
-                <a:cs typeface="Times New Roman" panose="02020603050405020304" pitchFamily="18" charset="0"/>
-              </a:rPr>
-              <a:t>Pouget</a:t>
-            </a:r>
-            <a:r>
-              <a:rPr lang="en-US" sz="1400" b="0" i="0" u="none" strike="noStrike" baseline="0" dirty="0">
-                <a:latin typeface="Times New Roman" panose="02020603050405020304" pitchFamily="18" charset="0"/>
-                <a:cs typeface="Times New Roman" panose="02020603050405020304" pitchFamily="18" charset="0"/>
-              </a:rPr>
-              <a:t>-Abadie, J., Mirza, M., Xu, B., </a:t>
-            </a:r>
-            <a:r>
-              <a:rPr lang="en-US" sz="1400" b="0" i="0" u="none" strike="noStrike" baseline="0" dirty="0" err="1">
-                <a:latin typeface="Times New Roman" panose="02020603050405020304" pitchFamily="18" charset="0"/>
-                <a:cs typeface="Times New Roman" panose="02020603050405020304" pitchFamily="18" charset="0"/>
-              </a:rPr>
-              <a:t>Warde</a:t>
-            </a:r>
-            <a:r>
-              <a:rPr lang="en-US" sz="1400" b="0" i="0" u="none" strike="noStrike" baseline="0" dirty="0">
-                <a:latin typeface="Times New Roman" panose="02020603050405020304" pitchFamily="18" charset="0"/>
-                <a:cs typeface="Times New Roman" panose="02020603050405020304" pitchFamily="18" charset="0"/>
-              </a:rPr>
-              <a:t>-Farley, D., </a:t>
-            </a:r>
-            <a:r>
-              <a:rPr lang="en-US" sz="1400" b="0" i="0" u="none" strike="noStrike" baseline="0" dirty="0" err="1">
-                <a:latin typeface="Times New Roman" panose="02020603050405020304" pitchFamily="18" charset="0"/>
-                <a:cs typeface="Times New Roman" panose="02020603050405020304" pitchFamily="18" charset="0"/>
-              </a:rPr>
-              <a:t>Ozair</a:t>
-            </a:r>
-            <a:r>
-              <a:rPr lang="en-US" sz="1400" b="0" i="0" u="none" strike="noStrike" baseline="0" dirty="0">
-                <a:latin typeface="Times New Roman" panose="02020603050405020304" pitchFamily="18" charset="0"/>
-                <a:cs typeface="Times New Roman" panose="02020603050405020304" pitchFamily="18" charset="0"/>
-              </a:rPr>
-              <a:t>, S., Courville, A. and  </a:t>
-            </a:r>
-            <a:r>
-              <a:rPr lang="en-US" sz="1400" b="0" i="0" u="none" strike="noStrike" baseline="0" dirty="0" err="1">
-                <a:latin typeface="Times New Roman" panose="02020603050405020304" pitchFamily="18" charset="0"/>
-                <a:cs typeface="Times New Roman" panose="02020603050405020304" pitchFamily="18" charset="0"/>
-              </a:rPr>
-              <a:t>Bengio</a:t>
-            </a:r>
-            <a:r>
-              <a:rPr lang="en-US" sz="1400" b="0" i="0" u="none" strike="noStrike" baseline="0" dirty="0">
-                <a:latin typeface="Times New Roman" panose="02020603050405020304" pitchFamily="18" charset="0"/>
-                <a:cs typeface="Times New Roman" panose="02020603050405020304" pitchFamily="18" charset="0"/>
-              </a:rPr>
-              <a:t>, Y. (2014). </a:t>
-            </a:r>
-            <a:endParaRPr lang="en-US" sz="1400" dirty="0">
-              <a:latin typeface="Times New Roman" panose="02020603050405020304" pitchFamily="18" charset="0"/>
-              <a:cs typeface="Times New Roman" panose="02020603050405020304" pitchFamily="18" charset="0"/>
-            </a:endParaRPr>
-          </a:p>
-          <a:p>
-            <a:pPr marL="457200" lvl="1" indent="0">
-              <a:buNone/>
-            </a:pPr>
-            <a:r>
-              <a:rPr lang="en-US" sz="1400" b="0" i="0" u="none" strike="noStrike" baseline="0" dirty="0">
-                <a:latin typeface="Times New Roman" panose="02020603050405020304" pitchFamily="18" charset="0"/>
-                <a:cs typeface="Times New Roman" panose="02020603050405020304" pitchFamily="18" charset="0"/>
-              </a:rPr>
-              <a:t>	Generative adversarial networks.</a:t>
-            </a:r>
-          </a:p>
-          <a:p>
-            <a:pPr algn="l"/>
-            <a:r>
-              <a:rPr lang="en-US" sz="1400" b="0" i="0" u="none" strike="noStrike" baseline="0" dirty="0">
-                <a:latin typeface="Times New Roman" panose="02020603050405020304" pitchFamily="18" charset="0"/>
-                <a:cs typeface="Times New Roman" panose="02020603050405020304" pitchFamily="18" charset="0"/>
-              </a:rPr>
-              <a:t>He, K., Zhang, X., Ren, S. and Sun, J. (2015). Deep residual learning for image recognition.</a:t>
-            </a:r>
-          </a:p>
-          <a:p>
-            <a:pPr algn="l"/>
-            <a:r>
-              <a:rPr lang="de-DE" sz="1400" b="0" i="0" u="none" strike="noStrike" baseline="0" dirty="0">
-                <a:latin typeface="Times New Roman" panose="02020603050405020304" pitchFamily="18" charset="0"/>
-                <a:cs typeface="Times New Roman" panose="02020603050405020304" pitchFamily="18" charset="0"/>
-              </a:rPr>
-              <a:t>Huang, Y.-C., Tung, Y.-S., Chen, J.-C., Wang, S.-W. and Wu, J.-L. (2005). An </a:t>
-            </a:r>
-            <a:r>
-              <a:rPr lang="en-US" sz="1400" b="0" i="0" u="none" strike="noStrike" baseline="0" dirty="0">
-                <a:latin typeface="Times New Roman" panose="02020603050405020304" pitchFamily="18" charset="0"/>
-                <a:cs typeface="Times New Roman" panose="02020603050405020304" pitchFamily="18" charset="0"/>
-              </a:rPr>
-              <a:t>adaptive edge detection based colorization algorithm and 	its applications, pp. 351–354.</a:t>
-            </a:r>
-          </a:p>
-          <a:p>
-            <a:pPr algn="l"/>
-            <a:r>
-              <a:rPr lang="en-US" sz="1400" b="0" i="0" u="none" strike="noStrike" baseline="0" dirty="0">
-                <a:latin typeface="Times New Roman" panose="02020603050405020304" pitchFamily="18" charset="0"/>
-                <a:cs typeface="Times New Roman" panose="02020603050405020304" pitchFamily="18" charset="0"/>
-              </a:rPr>
-              <a:t>Isola, P., Zhu, J.-Y., Zhou, T. and </a:t>
-            </a:r>
-            <a:r>
-              <a:rPr lang="en-US" sz="1400" b="0" i="0" u="none" strike="noStrike" baseline="0" dirty="0" err="1">
-                <a:latin typeface="Times New Roman" panose="02020603050405020304" pitchFamily="18" charset="0"/>
-                <a:cs typeface="Times New Roman" panose="02020603050405020304" pitchFamily="18" charset="0"/>
-              </a:rPr>
-              <a:t>Efros</a:t>
-            </a:r>
-            <a:r>
-              <a:rPr lang="en-US" sz="1400" b="0" i="0" u="none" strike="noStrike" baseline="0" dirty="0">
-                <a:latin typeface="Times New Roman" panose="02020603050405020304" pitchFamily="18" charset="0"/>
-                <a:cs typeface="Times New Roman" panose="02020603050405020304" pitchFamily="18" charset="0"/>
-              </a:rPr>
-              <a:t>, A. A. (2018). Image-to-image translation with conditional adversarial networks.</a:t>
-            </a:r>
-          </a:p>
-          <a:p>
-            <a:pPr algn="l"/>
-            <a:r>
-              <a:rPr lang="en-US" sz="1400" b="0" i="0" u="none" strike="noStrike" baseline="0" dirty="0" err="1">
-                <a:latin typeface="Times New Roman" panose="02020603050405020304" pitchFamily="18" charset="0"/>
-                <a:cs typeface="Times New Roman" panose="02020603050405020304" pitchFamily="18" charset="0"/>
-              </a:rPr>
-              <a:t>Jianchao</a:t>
-            </a:r>
-            <a:r>
-              <a:rPr lang="en-US" sz="1400" b="0" i="0" u="none" strike="noStrike" baseline="0" dirty="0">
-                <a:latin typeface="Times New Roman" panose="02020603050405020304" pitchFamily="18" charset="0"/>
-                <a:cs typeface="Times New Roman" panose="02020603050405020304" pitchFamily="18" charset="0"/>
-              </a:rPr>
-              <a:t> Yang, Wright, J., Huang, T. and Yi Ma (2008). Image super-resolution as sparse representation of raw image patches, </a:t>
-            </a:r>
-          </a:p>
-          <a:p>
-            <a:pPr marL="457200" lvl="1" indent="0">
-              <a:buNone/>
-            </a:pPr>
-            <a:r>
-              <a:rPr lang="en-US" sz="1400" b="0" i="1" u="none" strike="noStrike" baseline="0" dirty="0">
-                <a:latin typeface="Times New Roman" panose="02020603050405020304" pitchFamily="18" charset="0"/>
-                <a:cs typeface="Times New Roman" panose="02020603050405020304" pitchFamily="18" charset="0"/>
-              </a:rPr>
-              <a:t>	2008 IEEE Conference on Computer Vision and Pattern Recognition</a:t>
-            </a:r>
-            <a:r>
-              <a:rPr lang="en-US" sz="1400" b="0" i="0" u="none" strike="noStrike" baseline="0" dirty="0">
-                <a:latin typeface="Times New Roman" panose="02020603050405020304" pitchFamily="18" charset="0"/>
-                <a:cs typeface="Times New Roman" panose="02020603050405020304" pitchFamily="18" charset="0"/>
-              </a:rPr>
-              <a:t>, pp. 1–8.</a:t>
-            </a:r>
-          </a:p>
-        </p:txBody>
-      </p:sp>
-      <p:sp>
-        <p:nvSpPr>
-          <p:cNvPr id="4" name="Footer Placeholder 3">
-            <a:extLst>
-              <a:ext uri="{FF2B5EF4-FFF2-40B4-BE49-F238E27FC236}">
-                <a16:creationId xmlns:a16="http://schemas.microsoft.com/office/drawing/2014/main" id="{90CF10EA-242A-4F9F-97DC-68619990925C}"/>
-              </a:ext>
-            </a:extLst>
-          </p:cNvPr>
-          <p:cNvSpPr>
-            <a:spLocks noGrp="1"/>
-          </p:cNvSpPr>
-          <p:nvPr>
-            <p:ph type="ftr" sz="quarter" idx="11"/>
-          </p:nvPr>
-        </p:nvSpPr>
-        <p:spPr/>
-        <p:txBody>
-          <a:bodyPr/>
-          <a:lstStyle/>
-          <a:p>
-            <a:r>
-              <a:rPr lang="en-IN"/>
-              <a:t>Title of the Course</a:t>
-            </a:r>
-          </a:p>
-        </p:txBody>
-      </p:sp>
-    </p:spTree>
-    <p:extLst>
-      <p:ext uri="{BB962C8B-B14F-4D97-AF65-F5344CB8AC3E}">
-        <p14:creationId xmlns:p14="http://schemas.microsoft.com/office/powerpoint/2010/main" val="3190111597"/>
-      </p:ext>
-    </p:extLst>
-  </p:cSld>
-  <p:clrMapOvr>
-    <a:masterClrMapping/>
-  </p:clrMapOvr>
-  <mc:AlternateContent xmlns:mc="http://schemas.openxmlformats.org/markup-compatibility/2006" xmlns:p14="http://schemas.microsoft.com/office/powerpoint/2010/main">
-    <mc:Choice Requires="p14">
-      <p:transition spd="med" p14:dur="700">
-        <p:fade/>
-      </p:transition>
-    </mc:Choice>
-    <mc:Fallback xmlns="">
-      <p:transition spd="med">
-        <p:fade/>
-      </p:transition>
-    </mc:Fallback>
-  </mc:AlternateContent>
-</p:sld>
-</file>
-
-<file path=ppt/slides/slide35.xml><?xml version="1.0" encoding="utf-8"?>
-<p:sld xmlns:a="http://schemas.openxmlformats.org/drawingml/2006/main" xmlns:r="http://schemas.openxmlformats.org/officeDocument/2006/relationships" xmlns:p="http://schemas.openxmlformats.org/presentationml/2006/main">
-  <p:cSld>
-    <p:spTree>
-      <p:nvGrpSpPr>
-        <p:cNvPr id="1" name=""/>
-        <p:cNvGrpSpPr/>
-        <p:nvPr/>
-      </p:nvGrpSpPr>
-      <p:grpSpPr>
-        <a:xfrm>
-          <a:off x="0" y="0"/>
-          <a:ext cx="0" cy="0"/>
-          <a:chOff x="0" y="0"/>
-          <a:chExt cx="0" cy="0"/>
-        </a:xfrm>
-      </p:grpSpPr>
-      <p:sp>
-        <p:nvSpPr>
-          <p:cNvPr id="2" name="Title 1">
-            <a:extLst>
-              <a:ext uri="{FF2B5EF4-FFF2-40B4-BE49-F238E27FC236}">
-                <a16:creationId xmlns:a16="http://schemas.microsoft.com/office/drawing/2014/main" id="{60013DAE-EE1B-473B-B3B6-648540F8F0E6}"/>
-              </a:ext>
-            </a:extLst>
-          </p:cNvPr>
-          <p:cNvSpPr>
-            <a:spLocks noGrp="1"/>
-          </p:cNvSpPr>
-          <p:nvPr>
-            <p:ph type="title"/>
-          </p:nvPr>
-        </p:nvSpPr>
-        <p:spPr/>
-        <p:txBody>
-          <a:bodyPr/>
-          <a:lstStyle/>
-          <a:p>
-            <a:r>
-              <a:rPr lang="en-US" dirty="0"/>
-              <a:t>References</a:t>
-            </a:r>
-          </a:p>
-        </p:txBody>
-      </p:sp>
-      <p:sp>
-        <p:nvSpPr>
-          <p:cNvPr id="3" name="Content Placeholder 2">
-            <a:extLst>
-              <a:ext uri="{FF2B5EF4-FFF2-40B4-BE49-F238E27FC236}">
-                <a16:creationId xmlns:a16="http://schemas.microsoft.com/office/drawing/2014/main" id="{6A2C8905-50B5-4EA0-8B9A-E1EE0EB58F40}"/>
-              </a:ext>
-            </a:extLst>
-          </p:cNvPr>
-          <p:cNvSpPr>
-            <a:spLocks noGrp="1"/>
-          </p:cNvSpPr>
-          <p:nvPr>
-            <p:ph idx="1"/>
-          </p:nvPr>
-        </p:nvSpPr>
-        <p:spPr/>
-        <p:txBody>
-          <a:bodyPr>
-            <a:normAutofit fontScale="92500" lnSpcReduction="20000"/>
-          </a:bodyPr>
-          <a:lstStyle/>
-          <a:p>
-            <a:pPr algn="l"/>
-            <a:r>
-              <a:rPr lang="en-US" sz="1400" b="0" i="0" u="none" strike="noStrike" baseline="0" dirty="0">
-                <a:latin typeface="Times New Roman" panose="02020603050405020304" pitchFamily="18" charset="0"/>
-                <a:cs typeface="Times New Roman" panose="02020603050405020304" pitchFamily="18" charset="0"/>
-              </a:rPr>
-              <a:t>Kim, J., Lee, J. K. and Lee, K. M. (2016). Accurate image super-resolution using very deep convolutional networks, </a:t>
-            </a:r>
-          </a:p>
-          <a:p>
-            <a:pPr marL="457200" lvl="1" indent="0">
-              <a:buNone/>
-            </a:pPr>
-            <a:r>
-              <a:rPr lang="en-US" sz="1500" b="0" i="1" u="none" strike="noStrike" baseline="0" dirty="0">
-                <a:latin typeface="Times New Roman" panose="02020603050405020304" pitchFamily="18" charset="0"/>
-                <a:cs typeface="Times New Roman" panose="02020603050405020304" pitchFamily="18" charset="0"/>
-              </a:rPr>
-              <a:t>	2016 IEEE Conference on Computer Vision and Pattern Recognition (CVPR), </a:t>
-            </a:r>
-            <a:r>
-              <a:rPr lang="en-US" sz="1500" b="0" i="0" u="none" strike="noStrike" baseline="0" dirty="0">
-                <a:latin typeface="Times New Roman" panose="02020603050405020304" pitchFamily="18" charset="0"/>
-                <a:cs typeface="Times New Roman" panose="02020603050405020304" pitchFamily="18" charset="0"/>
-              </a:rPr>
-              <a:t>pp. 1646–1654.</a:t>
-            </a:r>
-          </a:p>
-          <a:p>
-            <a:pPr algn="l"/>
-            <a:r>
-              <a:rPr lang="en-US" sz="1400" b="0" i="0" u="none" strike="noStrike" baseline="0" dirty="0" err="1">
-                <a:latin typeface="Times New Roman" panose="02020603050405020304" pitchFamily="18" charset="0"/>
-                <a:cs typeface="Times New Roman" panose="02020603050405020304" pitchFamily="18" charset="0"/>
-              </a:rPr>
-              <a:t>Ledig</a:t>
-            </a:r>
-            <a:r>
-              <a:rPr lang="en-US" sz="1400" b="0" i="0" u="none" strike="noStrike" baseline="0" dirty="0">
-                <a:latin typeface="Times New Roman" panose="02020603050405020304" pitchFamily="18" charset="0"/>
-                <a:cs typeface="Times New Roman" panose="02020603050405020304" pitchFamily="18" charset="0"/>
-              </a:rPr>
-              <a:t>, C., Theis, L., </a:t>
-            </a:r>
-            <a:r>
-              <a:rPr lang="en-US" sz="1400" b="0" i="0" u="none" strike="noStrike" baseline="0" dirty="0" err="1">
-                <a:latin typeface="Times New Roman" panose="02020603050405020304" pitchFamily="18" charset="0"/>
-                <a:cs typeface="Times New Roman" panose="02020603050405020304" pitchFamily="18" charset="0"/>
-              </a:rPr>
-              <a:t>Huszar</a:t>
-            </a:r>
-            <a:r>
-              <a:rPr lang="en-US" sz="1400" b="0" i="0" u="none" strike="noStrike" baseline="0" dirty="0">
-                <a:latin typeface="Times New Roman" panose="02020603050405020304" pitchFamily="18" charset="0"/>
-                <a:cs typeface="Times New Roman" panose="02020603050405020304" pitchFamily="18" charset="0"/>
-              </a:rPr>
-              <a:t>, F., Caballero, J., Cunningham, A., Acosta, A., Aitken, A., </a:t>
-            </a:r>
-            <a:r>
-              <a:rPr lang="en-US" sz="1400" b="0" i="0" u="none" strike="noStrike" baseline="0" dirty="0" err="1">
-                <a:latin typeface="Times New Roman" panose="02020603050405020304" pitchFamily="18" charset="0"/>
-                <a:cs typeface="Times New Roman" panose="02020603050405020304" pitchFamily="18" charset="0"/>
-              </a:rPr>
-              <a:t>Tejani</a:t>
-            </a:r>
-            <a:r>
-              <a:rPr lang="en-US" sz="1400" b="0" i="0" u="none" strike="noStrike" baseline="0" dirty="0">
-                <a:latin typeface="Times New Roman" panose="02020603050405020304" pitchFamily="18" charset="0"/>
-                <a:cs typeface="Times New Roman" panose="02020603050405020304" pitchFamily="18" charset="0"/>
-              </a:rPr>
-              <a:t>, A., </a:t>
-            </a:r>
-            <a:r>
-              <a:rPr lang="en-US" sz="1400" b="0" i="0" u="none" strike="noStrike" baseline="0" dirty="0" err="1">
-                <a:latin typeface="Times New Roman" panose="02020603050405020304" pitchFamily="18" charset="0"/>
-                <a:cs typeface="Times New Roman" panose="02020603050405020304" pitchFamily="18" charset="0"/>
-              </a:rPr>
-              <a:t>Totz</a:t>
-            </a:r>
-            <a:r>
-              <a:rPr lang="en-US" sz="1400" b="0" i="0" u="none" strike="noStrike" baseline="0" dirty="0">
-                <a:latin typeface="Times New Roman" panose="02020603050405020304" pitchFamily="18" charset="0"/>
-                <a:cs typeface="Times New Roman" panose="02020603050405020304" pitchFamily="18" charset="0"/>
-              </a:rPr>
-              <a:t>, J., Wang, Z. and Shi, W. (2017). </a:t>
-            </a:r>
-          </a:p>
-          <a:p>
-            <a:pPr marL="457200" lvl="1" indent="0">
-              <a:buNone/>
-            </a:pPr>
-            <a:r>
-              <a:rPr lang="en-US" sz="1500" b="0" i="0" u="none" strike="noStrike" baseline="0" dirty="0">
-                <a:latin typeface="Times New Roman" panose="02020603050405020304" pitchFamily="18" charset="0"/>
-                <a:cs typeface="Times New Roman" panose="02020603050405020304" pitchFamily="18" charset="0"/>
-              </a:rPr>
-              <a:t>	Photorealistic single image super-resolution using a generative adversarial network.</a:t>
-            </a:r>
-          </a:p>
-          <a:p>
-            <a:pPr algn="l"/>
-            <a:r>
-              <a:rPr lang="en-US" sz="1400" b="0" i="0" u="none" strike="noStrike" baseline="0" dirty="0">
-                <a:latin typeface="Times New Roman" panose="02020603050405020304" pitchFamily="18" charset="0"/>
-                <a:cs typeface="Times New Roman" panose="02020603050405020304" pitchFamily="18" charset="0"/>
-              </a:rPr>
-              <a:t>Levin, A., </a:t>
-            </a:r>
-            <a:r>
-              <a:rPr lang="en-US" sz="1400" b="0" i="0" u="none" strike="noStrike" baseline="0" dirty="0" err="1">
-                <a:latin typeface="Times New Roman" panose="02020603050405020304" pitchFamily="18" charset="0"/>
-                <a:cs typeface="Times New Roman" panose="02020603050405020304" pitchFamily="18" charset="0"/>
-              </a:rPr>
-              <a:t>Lischinski</a:t>
-            </a:r>
-            <a:r>
-              <a:rPr lang="en-US" sz="1400" b="0" i="0" u="none" strike="noStrike" baseline="0" dirty="0">
-                <a:latin typeface="Times New Roman" panose="02020603050405020304" pitchFamily="18" charset="0"/>
-                <a:cs typeface="Times New Roman" panose="02020603050405020304" pitchFamily="18" charset="0"/>
-              </a:rPr>
-              <a:t>, D. and Weiss, Y. (2004). Colorization using optimization, </a:t>
-            </a:r>
-            <a:r>
-              <a:rPr lang="sv-SE" sz="1400" b="0" i="1" u="none" strike="noStrike" baseline="0" dirty="0">
-                <a:latin typeface="Times New Roman" panose="02020603050405020304" pitchFamily="18" charset="0"/>
-                <a:cs typeface="Times New Roman" panose="02020603050405020304" pitchFamily="18" charset="0"/>
-              </a:rPr>
-              <a:t>ACM SIGGRAPH 2004 Papers</a:t>
-            </a:r>
-            <a:r>
-              <a:rPr lang="sv-SE" sz="1400" b="0" i="0" u="none" strike="noStrike" baseline="0" dirty="0">
-                <a:latin typeface="Times New Roman" panose="02020603050405020304" pitchFamily="18" charset="0"/>
-                <a:cs typeface="Times New Roman" panose="02020603050405020304" pitchFamily="18" charset="0"/>
-              </a:rPr>
-              <a:t>, pp. 689–694.</a:t>
-            </a:r>
-          </a:p>
-          <a:p>
-            <a:pPr algn="l"/>
-            <a:r>
-              <a:rPr lang="en-US" sz="1400" b="0" i="0" u="none" strike="noStrike" baseline="0" dirty="0">
-                <a:latin typeface="Times New Roman" panose="02020603050405020304" pitchFamily="18" charset="0"/>
-                <a:cs typeface="Times New Roman" panose="02020603050405020304" pitchFamily="18" charset="0"/>
-              </a:rPr>
-              <a:t>Long, J., </a:t>
-            </a:r>
-            <a:r>
-              <a:rPr lang="en-US" sz="1400" b="0" i="0" u="none" strike="noStrike" baseline="0" dirty="0" err="1">
-                <a:latin typeface="Times New Roman" panose="02020603050405020304" pitchFamily="18" charset="0"/>
-                <a:cs typeface="Times New Roman" panose="02020603050405020304" pitchFamily="18" charset="0"/>
-              </a:rPr>
-              <a:t>Shelhamer</a:t>
-            </a:r>
-            <a:r>
-              <a:rPr lang="en-US" sz="1400" b="0" i="0" u="none" strike="noStrike" baseline="0" dirty="0">
-                <a:latin typeface="Times New Roman" panose="02020603050405020304" pitchFamily="18" charset="0"/>
-                <a:cs typeface="Times New Roman" panose="02020603050405020304" pitchFamily="18" charset="0"/>
-              </a:rPr>
-              <a:t>, E. and Darrell, T. (2015). Fully convolutional networks for semantic segmentation, </a:t>
-            </a:r>
-          </a:p>
-          <a:p>
-            <a:pPr marL="457200" lvl="1" indent="0">
-              <a:buNone/>
-            </a:pPr>
-            <a:r>
-              <a:rPr lang="en-US" sz="1500" b="0" i="1" u="none" strike="noStrike" baseline="0" dirty="0">
-                <a:latin typeface="Times New Roman" panose="02020603050405020304" pitchFamily="18" charset="0"/>
-                <a:cs typeface="Times New Roman" panose="02020603050405020304" pitchFamily="18" charset="0"/>
-              </a:rPr>
-              <a:t>	2015 IEEE Conference on Computer Vision and Pattern Recognition (CVPR), </a:t>
-            </a:r>
-            <a:r>
-              <a:rPr lang="en-US" sz="1500" b="0" i="0" u="none" strike="noStrike" baseline="0" dirty="0">
-                <a:latin typeface="Times New Roman" panose="02020603050405020304" pitchFamily="18" charset="0"/>
-                <a:cs typeface="Times New Roman" panose="02020603050405020304" pitchFamily="18" charset="0"/>
-              </a:rPr>
-              <a:t>pp. 3431–3440</a:t>
-            </a:r>
-            <a:r>
-              <a:rPr lang="en-US" sz="1000" b="0" i="0" u="none" strike="noStrike" baseline="0" dirty="0">
-                <a:latin typeface="Times New Roman" panose="02020603050405020304" pitchFamily="18" charset="0"/>
-                <a:cs typeface="Times New Roman" panose="02020603050405020304" pitchFamily="18" charset="0"/>
-              </a:rPr>
-              <a:t>.</a:t>
-            </a:r>
-          </a:p>
-          <a:p>
-            <a:pPr algn="l"/>
-            <a:r>
-              <a:rPr lang="en-US" sz="1400" b="0" i="0" u="none" strike="noStrike" baseline="0" dirty="0">
-                <a:latin typeface="Times New Roman" panose="02020603050405020304" pitchFamily="18" charset="0"/>
-                <a:cs typeface="Times New Roman" panose="02020603050405020304" pitchFamily="18" charset="0"/>
-              </a:rPr>
-              <a:t>Mirza, M. and </a:t>
-            </a:r>
-            <a:r>
-              <a:rPr lang="en-US" sz="1400" b="0" i="0" u="none" strike="noStrike" baseline="0" dirty="0" err="1">
-                <a:latin typeface="Times New Roman" panose="02020603050405020304" pitchFamily="18" charset="0"/>
-                <a:cs typeface="Times New Roman" panose="02020603050405020304" pitchFamily="18" charset="0"/>
-              </a:rPr>
-              <a:t>Osindero</a:t>
-            </a:r>
-            <a:r>
-              <a:rPr lang="en-US" sz="1400" b="0" i="0" u="none" strike="noStrike" baseline="0" dirty="0">
-                <a:latin typeface="Times New Roman" panose="02020603050405020304" pitchFamily="18" charset="0"/>
-                <a:cs typeface="Times New Roman" panose="02020603050405020304" pitchFamily="18" charset="0"/>
-              </a:rPr>
-              <a:t>, S. (2014). Conditional generative adversarial nets.</a:t>
-            </a:r>
-            <a:endParaRPr lang="en-US" sz="1400" dirty="0">
-              <a:latin typeface="Times New Roman" panose="02020603050405020304" pitchFamily="18" charset="0"/>
-              <a:cs typeface="Times New Roman" panose="02020603050405020304" pitchFamily="18" charset="0"/>
-            </a:endParaRPr>
-          </a:p>
-          <a:p>
-            <a:pPr algn="l"/>
-            <a:r>
-              <a:rPr lang="en-US" sz="1400" b="0" i="0" u="none" strike="noStrike" baseline="0" dirty="0">
-                <a:latin typeface="Times New Roman" panose="02020603050405020304" pitchFamily="18" charset="0"/>
-                <a:cs typeface="Times New Roman" panose="02020603050405020304" pitchFamily="18" charset="0"/>
-              </a:rPr>
-              <a:t>Pressman, R. S. (1992). Software Engineering (3rd Ed.): A Practitioner’s Approach, McGraw-Hill, Inc., New York, NY, USA.</a:t>
-            </a:r>
-          </a:p>
-          <a:p>
-            <a:pPr algn="l"/>
-            <a:r>
-              <a:rPr lang="en-US" sz="1500" b="0" i="0" u="none" strike="noStrike" baseline="0" dirty="0">
-                <a:latin typeface="Times New Roman" panose="02020603050405020304" pitchFamily="18" charset="0"/>
-                <a:cs typeface="Times New Roman" panose="02020603050405020304" pitchFamily="18" charset="0"/>
-              </a:rPr>
-              <a:t>Qu, </a:t>
-            </a:r>
-            <a:r>
-              <a:rPr lang="en-US" sz="1500" b="0" i="0" u="none" strike="noStrike" baseline="0" dirty="0" err="1">
-                <a:latin typeface="Times New Roman" panose="02020603050405020304" pitchFamily="18" charset="0"/>
-                <a:cs typeface="Times New Roman" panose="02020603050405020304" pitchFamily="18" charset="0"/>
-              </a:rPr>
-              <a:t>Y.,Wong</a:t>
-            </a:r>
-            <a:r>
-              <a:rPr lang="en-US" sz="1500" b="0" i="0" u="none" strike="noStrike" baseline="0" dirty="0">
-                <a:latin typeface="Times New Roman" panose="02020603050405020304" pitchFamily="18" charset="0"/>
-                <a:cs typeface="Times New Roman" panose="02020603050405020304" pitchFamily="18" charset="0"/>
-              </a:rPr>
-              <a:t>, T.-T. and Heng, P.-A. (2006). Manga colorization, ACM Transactions on Graphics (TOG) 25(3): 1214–1220.</a:t>
-            </a:r>
-          </a:p>
-          <a:p>
-            <a:pPr algn="l"/>
-            <a:r>
-              <a:rPr lang="en-US" sz="1500" b="0" i="0" u="none" strike="noStrike" baseline="0" dirty="0">
-                <a:latin typeface="Times New Roman" panose="02020603050405020304" pitchFamily="18" charset="0"/>
-                <a:cs typeface="Times New Roman" panose="02020603050405020304" pitchFamily="18" charset="0"/>
-              </a:rPr>
-              <a:t>Radford, A., Metz, L. and </a:t>
-            </a:r>
-            <a:r>
-              <a:rPr lang="en-US" sz="1500" b="0" i="0" u="none" strike="noStrike" baseline="0" dirty="0" err="1">
-                <a:latin typeface="Times New Roman" panose="02020603050405020304" pitchFamily="18" charset="0"/>
-                <a:cs typeface="Times New Roman" panose="02020603050405020304" pitchFamily="18" charset="0"/>
-              </a:rPr>
-              <a:t>Chintala</a:t>
-            </a:r>
-            <a:r>
-              <a:rPr lang="en-US" sz="1500" b="0" i="0" u="none" strike="noStrike" baseline="0" dirty="0">
-                <a:latin typeface="Times New Roman" panose="02020603050405020304" pitchFamily="18" charset="0"/>
-                <a:cs typeface="Times New Roman" panose="02020603050405020304" pitchFamily="18" charset="0"/>
-              </a:rPr>
-              <a:t>, S. (2016). Unsupervised representation learning with deep convolutional generative adversarial 	networks.</a:t>
-            </a:r>
-          </a:p>
-          <a:p>
-            <a:pPr algn="l"/>
-            <a:r>
-              <a:rPr lang="en-US" sz="1500" b="0" i="0" u="none" strike="noStrike" baseline="0" dirty="0">
-                <a:latin typeface="Times New Roman" panose="02020603050405020304" pitchFamily="18" charset="0"/>
-                <a:cs typeface="Times New Roman" panose="02020603050405020304" pitchFamily="18" charset="0"/>
-              </a:rPr>
-              <a:t>Shi, W., Caballero, J., </a:t>
-            </a:r>
-            <a:r>
-              <a:rPr lang="en-US" sz="1500" b="0" i="0" u="none" strike="noStrike" baseline="0" dirty="0" err="1">
-                <a:latin typeface="Times New Roman" panose="02020603050405020304" pitchFamily="18" charset="0"/>
-                <a:cs typeface="Times New Roman" panose="02020603050405020304" pitchFamily="18" charset="0"/>
-              </a:rPr>
-              <a:t>Husz´ar</a:t>
-            </a:r>
-            <a:r>
-              <a:rPr lang="en-US" sz="1500" b="0" i="0" u="none" strike="noStrike" baseline="0" dirty="0">
-                <a:latin typeface="Times New Roman" panose="02020603050405020304" pitchFamily="18" charset="0"/>
-                <a:cs typeface="Times New Roman" panose="02020603050405020304" pitchFamily="18" charset="0"/>
-              </a:rPr>
-              <a:t>, F., </a:t>
-            </a:r>
-            <a:r>
-              <a:rPr lang="en-US" sz="1500" b="0" i="0" u="none" strike="noStrike" baseline="0" dirty="0" err="1">
-                <a:latin typeface="Times New Roman" panose="02020603050405020304" pitchFamily="18" charset="0"/>
-                <a:cs typeface="Times New Roman" panose="02020603050405020304" pitchFamily="18" charset="0"/>
-              </a:rPr>
-              <a:t>Totz</a:t>
-            </a:r>
-            <a:r>
-              <a:rPr lang="en-US" sz="1500" b="0" i="0" u="none" strike="noStrike" baseline="0" dirty="0">
-                <a:latin typeface="Times New Roman" panose="02020603050405020304" pitchFamily="18" charset="0"/>
-                <a:cs typeface="Times New Roman" panose="02020603050405020304" pitchFamily="18" charset="0"/>
-              </a:rPr>
-              <a:t>, J., Aitken, A. P., Bishop, R., </a:t>
-            </a:r>
-            <a:r>
-              <a:rPr lang="en-US" sz="1500" b="0" i="0" u="none" strike="noStrike" baseline="0" dirty="0" err="1">
-                <a:latin typeface="Times New Roman" panose="02020603050405020304" pitchFamily="18" charset="0"/>
-                <a:cs typeface="Times New Roman" panose="02020603050405020304" pitchFamily="18" charset="0"/>
-              </a:rPr>
-              <a:t>Rueckert</a:t>
-            </a:r>
-            <a:r>
-              <a:rPr lang="en-US" sz="1500" b="0" i="0" u="none" strike="noStrike" baseline="0" dirty="0">
-                <a:latin typeface="Times New Roman" panose="02020603050405020304" pitchFamily="18" charset="0"/>
-                <a:cs typeface="Times New Roman" panose="02020603050405020304" pitchFamily="18" charset="0"/>
-              </a:rPr>
-              <a:t>, D. and Wang, Z. (2016). </a:t>
-            </a:r>
-          </a:p>
-          <a:p>
-            <a:pPr marL="457200" lvl="1" indent="0">
-              <a:buNone/>
-            </a:pPr>
-            <a:r>
-              <a:rPr lang="en-US" sz="1500" b="0" i="0" u="none" strike="noStrike" baseline="0" dirty="0">
-                <a:latin typeface="Times New Roman" panose="02020603050405020304" pitchFamily="18" charset="0"/>
-                <a:cs typeface="Times New Roman" panose="02020603050405020304" pitchFamily="18" charset="0"/>
-              </a:rPr>
-              <a:t>	Real-time single image and video super-resolution using an efficient sub-pixel convolutional neural network, </a:t>
-            </a:r>
-          </a:p>
-          <a:p>
-            <a:pPr marL="457200" lvl="1" indent="0">
-              <a:buNone/>
-            </a:pPr>
-            <a:r>
-              <a:rPr lang="en-US" sz="1500" dirty="0">
-                <a:latin typeface="Times New Roman" panose="02020603050405020304" pitchFamily="18" charset="0"/>
-                <a:cs typeface="Times New Roman" panose="02020603050405020304" pitchFamily="18" charset="0"/>
-              </a:rPr>
-              <a:t>	</a:t>
-            </a:r>
-            <a:r>
-              <a:rPr lang="en-US" sz="1500" b="0" i="1" u="none" strike="noStrike" baseline="0" dirty="0">
-                <a:latin typeface="Times New Roman" panose="02020603050405020304" pitchFamily="18" charset="0"/>
-                <a:cs typeface="Times New Roman" panose="02020603050405020304" pitchFamily="18" charset="0"/>
-              </a:rPr>
-              <a:t>2016 IEEE Conference on Computer Vision and Pattern Recognition (CVPR),</a:t>
-            </a:r>
-            <a:r>
-              <a:rPr lang="en-US" sz="1500" b="0" i="0" u="none" strike="noStrike" baseline="0" dirty="0">
-                <a:latin typeface="Times New Roman" panose="02020603050405020304" pitchFamily="18" charset="0"/>
-                <a:cs typeface="Times New Roman" panose="02020603050405020304" pitchFamily="18" charset="0"/>
-              </a:rPr>
-              <a:t> pp. 1874–1883.</a:t>
-            </a:r>
-            <a:endParaRPr lang="en-US" sz="1500" dirty="0">
-              <a:latin typeface="Times New Roman" panose="02020603050405020304" pitchFamily="18" charset="0"/>
-              <a:cs typeface="Times New Roman" panose="02020603050405020304" pitchFamily="18" charset="0"/>
-            </a:endParaRPr>
-          </a:p>
-        </p:txBody>
-      </p:sp>
-      <p:sp>
-        <p:nvSpPr>
-          <p:cNvPr id="4" name="Footer Placeholder 3">
-            <a:extLst>
-              <a:ext uri="{FF2B5EF4-FFF2-40B4-BE49-F238E27FC236}">
-                <a16:creationId xmlns:a16="http://schemas.microsoft.com/office/drawing/2014/main" id="{478E4A7B-00AC-4117-8CCF-32F4EA319662}"/>
-              </a:ext>
-            </a:extLst>
-          </p:cNvPr>
-          <p:cNvSpPr>
-            <a:spLocks noGrp="1"/>
-          </p:cNvSpPr>
-          <p:nvPr>
-            <p:ph type="ftr" sz="quarter" idx="11"/>
-          </p:nvPr>
-        </p:nvSpPr>
-        <p:spPr/>
-        <p:txBody>
-          <a:bodyPr/>
-          <a:lstStyle/>
-          <a:p>
-            <a:r>
-              <a:rPr lang="en-IN"/>
-              <a:t>Title of the Course</a:t>
-            </a:r>
-          </a:p>
-        </p:txBody>
-      </p:sp>
-    </p:spTree>
-    <p:extLst>
-      <p:ext uri="{BB962C8B-B14F-4D97-AF65-F5344CB8AC3E}">
-        <p14:creationId xmlns:p14="http://schemas.microsoft.com/office/powerpoint/2010/main" val="604998426"/>
-      </p:ext>
-    </p:extLst>
-  </p:cSld>
-  <p:clrMapOvr>
-    <a:masterClrMapping/>
-  </p:clrMapOvr>
-  <mc:AlternateContent xmlns:mc="http://schemas.openxmlformats.org/markup-compatibility/2006" xmlns:p14="http://schemas.microsoft.com/office/powerpoint/2010/main">
-    <mc:Choice Requires="p14">
-      <p:transition spd="med" p14:dur="700">
-        <p:fade/>
-      </p:transition>
-    </mc:Choice>
-    <mc:Fallback xmlns="">
-      <p:transition spd="med">
-        <p:fade/>
-      </p:transition>
-    </mc:Fallback>
-  </mc:AlternateContent>
-</p:sld>
-</file>
-
-<file path=ppt/slides/slide36.xml><?xml version="1.0" encoding="utf-8"?>
-<p:sld xmlns:a="http://schemas.openxmlformats.org/drawingml/2006/main" xmlns:r="http://schemas.openxmlformats.org/officeDocument/2006/relationships" xmlns:p="http://schemas.openxmlformats.org/presentationml/2006/main">
-  <p:cSld>
-    <p:spTree>
-      <p:nvGrpSpPr>
-        <p:cNvPr id="1" name=""/>
-        <p:cNvGrpSpPr/>
-        <p:nvPr/>
-      </p:nvGrpSpPr>
-      <p:grpSpPr>
-        <a:xfrm>
-          <a:off x="0" y="0"/>
-          <a:ext cx="0" cy="0"/>
-          <a:chOff x="0" y="0"/>
-          <a:chExt cx="0" cy="0"/>
-        </a:xfrm>
-      </p:grpSpPr>
-      <p:sp>
-        <p:nvSpPr>
-          <p:cNvPr id="2" name="Title 1">
-            <a:extLst>
-              <a:ext uri="{FF2B5EF4-FFF2-40B4-BE49-F238E27FC236}">
                 <a16:creationId xmlns:a16="http://schemas.microsoft.com/office/drawing/2014/main" id="{9830E956-2FFC-48BF-8208-EB43E244E3AD}"/>
               </a:ext>
             </a:extLst>
@@ -12284,7 +11901,7 @@
 </p:sld>
 </file>
 
-<file path=ppt/slides/slide37.xml><?xml version="1.0" encoding="utf-8"?>
+<file path=ppt/slides/slide35.xml><?xml version="1.0" encoding="utf-8"?>
 <p:sld xmlns:a="http://schemas.openxmlformats.org/drawingml/2006/main" xmlns:r="http://schemas.openxmlformats.org/officeDocument/2006/relationships" xmlns:p="http://schemas.openxmlformats.org/presentationml/2006/main">
   <p:cSld>
     <p:spTree>
@@ -14199,15 +13816,6 @@
 </file>
 
 <file path=customXml/item1.xml><?xml version="1.0" encoding="utf-8"?>
-<?mso-contentType ?>
-<FormTemplates xmlns="http://schemas.microsoft.com/sharepoint/v3/contenttype/forms">
-  <Display>DocumentLibraryForm</Display>
-  <Edit>AssetEditForm</Edit>
-  <New>DocumentLibraryForm</New>
-</FormTemplates>
-</file>
-
-<file path=customXml/item2.xml><?xml version="1.0" encoding="utf-8"?>
 <p:properties xmlns:p="http://schemas.microsoft.com/office/2006/metadata/properties" xmlns:xsi="http://www.w3.org/2001/XMLSchema-instance" xmlns:pc="http://schemas.microsoft.com/office/infopath/2007/PartnerControls">
   <documentManagement>
     <APDescription xmlns="4873beb7-5857-4685-be1f-d57550cc96cc" xsi:nil="true"/>
@@ -14331,6 +13939,15 @@
     <UANotes xmlns="4873beb7-5857-4685-be1f-d57550cc96cc" xsi:nil="true"/>
   </documentManagement>
 </p:properties>
+</file>
+
+<file path=customXml/item2.xml><?xml version="1.0" encoding="utf-8"?>
+<?mso-contentType ?>
+<FormTemplates xmlns="http://schemas.microsoft.com/sharepoint/v3/contenttype/forms">
+  <Display>DocumentLibraryForm</Display>
+  <Edit>AssetEditForm</Edit>
+  <New>DocumentLibraryForm</New>
+</FormTemplates>
 </file>
 
 <file path=customXml/item3.xml><?xml version="1.0" encoding="utf-8"?>
@@ -15374,14 +14991,6 @@
 </file>
 
 <file path=customXml/itemProps1.xml><?xml version="1.0" encoding="utf-8"?>
-<ds:datastoreItem xmlns:ds="http://schemas.openxmlformats.org/officeDocument/2006/customXml" ds:itemID="{561E720F-F05D-4536-9C34-0CFCED65D3B7}">
-  <ds:schemaRefs>
-    <ds:schemaRef ds:uri="http://schemas.microsoft.com/sharepoint/v3/contenttype/forms"/>
-  </ds:schemaRefs>
-</ds:datastoreItem>
-</file>
-
-<file path=customXml/itemProps2.xml><?xml version="1.0" encoding="utf-8"?>
 <ds:datastoreItem xmlns:ds="http://schemas.openxmlformats.org/officeDocument/2006/customXml" ds:itemID="{8CDDBB83-77C1-4099-A0AA-289882E745E2}">
   <ds:schemaRefs>
     <ds:schemaRef ds:uri="http://purl.org/dc/elements/1.1/"/>
@@ -15393,6 +15002,14 @@
     <ds:schemaRef ds:uri="http://schemas.microsoft.com/office/infopath/2007/PartnerControls"/>
     <ds:schemaRef ds:uri="http://www.w3.org/XML/1998/namespace"/>
     <ds:schemaRef ds:uri="http://purl.org/dc/dcmitype/"/>
+  </ds:schemaRefs>
+</ds:datastoreItem>
+</file>
+
+<file path=customXml/itemProps2.xml><?xml version="1.0" encoding="utf-8"?>
+<ds:datastoreItem xmlns:ds="http://schemas.openxmlformats.org/officeDocument/2006/customXml" ds:itemID="{561E720F-F05D-4536-9C34-0CFCED65D3B7}">
+  <ds:schemaRefs>
+    <ds:schemaRef ds:uri="http://schemas.microsoft.com/sharepoint/v3/contenttype/forms"/>
   </ds:schemaRefs>
 </ds:datastoreItem>
 </file>

--- a/Presentation/Stage_1/stage_1_presentation.pptx
+++ b/Presentation/Stage_1/stage_1_presentation.pptx
@@ -5,47 +5,46 @@
     <p:sldMasterId id="2147483648" r:id="rId4"/>
   </p:sldMasterIdLst>
   <p:notesMasterIdLst>
-    <p:notesMasterId r:id="rId40"/>
+    <p:notesMasterId r:id="rId39"/>
   </p:notesMasterIdLst>
   <p:handoutMasterIdLst>
-    <p:handoutMasterId r:id="rId41"/>
+    <p:handoutMasterId r:id="rId40"/>
   </p:handoutMasterIdLst>
   <p:sldIdLst>
     <p:sldId id="256" r:id="rId5"/>
     <p:sldId id="269" r:id="rId6"/>
     <p:sldId id="257" r:id="rId7"/>
     <p:sldId id="298" r:id="rId8"/>
-    <p:sldId id="299" r:id="rId9"/>
-    <p:sldId id="270" r:id="rId10"/>
-    <p:sldId id="271" r:id="rId11"/>
-    <p:sldId id="272" r:id="rId12"/>
-    <p:sldId id="273" r:id="rId13"/>
-    <p:sldId id="274" r:id="rId14"/>
-    <p:sldId id="275" r:id="rId15"/>
-    <p:sldId id="276" r:id="rId16"/>
-    <p:sldId id="277" r:id="rId17"/>
-    <p:sldId id="278" r:id="rId18"/>
-    <p:sldId id="279" r:id="rId19"/>
-    <p:sldId id="281" r:id="rId20"/>
-    <p:sldId id="282" r:id="rId21"/>
-    <p:sldId id="283" r:id="rId22"/>
-    <p:sldId id="284" r:id="rId23"/>
-    <p:sldId id="290" r:id="rId24"/>
-    <p:sldId id="292" r:id="rId25"/>
-    <p:sldId id="293" r:id="rId26"/>
-    <p:sldId id="294" r:id="rId27"/>
-    <p:sldId id="295" r:id="rId28"/>
-    <p:sldId id="296" r:id="rId29"/>
-    <p:sldId id="297" r:id="rId30"/>
-    <p:sldId id="300" r:id="rId31"/>
-    <p:sldId id="301" r:id="rId32"/>
-    <p:sldId id="302" r:id="rId33"/>
-    <p:sldId id="303" r:id="rId34"/>
-    <p:sldId id="304" r:id="rId35"/>
-    <p:sldId id="305" r:id="rId36"/>
-    <p:sldId id="306" r:id="rId37"/>
-    <p:sldId id="307" r:id="rId38"/>
-    <p:sldId id="268" r:id="rId39"/>
+    <p:sldId id="270" r:id="rId9"/>
+    <p:sldId id="271" r:id="rId10"/>
+    <p:sldId id="272" r:id="rId11"/>
+    <p:sldId id="273" r:id="rId12"/>
+    <p:sldId id="274" r:id="rId13"/>
+    <p:sldId id="275" r:id="rId14"/>
+    <p:sldId id="276" r:id="rId15"/>
+    <p:sldId id="277" r:id="rId16"/>
+    <p:sldId id="278" r:id="rId17"/>
+    <p:sldId id="279" r:id="rId18"/>
+    <p:sldId id="281" r:id="rId19"/>
+    <p:sldId id="282" r:id="rId20"/>
+    <p:sldId id="283" r:id="rId21"/>
+    <p:sldId id="284" r:id="rId22"/>
+    <p:sldId id="290" r:id="rId23"/>
+    <p:sldId id="292" r:id="rId24"/>
+    <p:sldId id="293" r:id="rId25"/>
+    <p:sldId id="294" r:id="rId26"/>
+    <p:sldId id="295" r:id="rId27"/>
+    <p:sldId id="297" r:id="rId28"/>
+    <p:sldId id="300" r:id="rId29"/>
+    <p:sldId id="301" r:id="rId30"/>
+    <p:sldId id="304" r:id="rId31"/>
+    <p:sldId id="305" r:id="rId32"/>
+    <p:sldId id="306" r:id="rId33"/>
+    <p:sldId id="307" r:id="rId34"/>
+    <p:sldId id="268" r:id="rId35"/>
+    <p:sldId id="308" r:id="rId36"/>
+    <p:sldId id="302" r:id="rId37"/>
+    <p:sldId id="303" r:id="rId38"/>
   </p:sldIdLst>
   <p:sldSz cx="12192000" cy="6858000"/>
   <p:notesSz cx="6858000" cy="9144000"/>
@@ -249,7 +248,7 @@
             <a:fld id="{23CEAAF3-9831-450B-8D59-2C09DB96C8FC}" type="datetimeFigureOut">
               <a:rPr lang="en-US"/>
               <a:pPr/>
-              <a:t>4/27/2021</a:t>
+              <a:t>4/28/2021</a:t>
             </a:fld>
             <a:endParaRPr/>
           </a:p>
@@ -416,7 +415,7 @@
             <a:fld id="{2D50CD79-FC16-4410-AB61-17F26E6D3BC8}" type="datetimeFigureOut">
               <a:rPr lang="en-US"/>
               <a:pPr/>
-              <a:t>4/27/2021</a:t>
+              <a:t>4/28/2021</a:t>
             </a:fld>
             <a:endParaRPr/>
           </a:p>
@@ -1057,10 +1056,9 @@
             </a:lvl1pPr>
           </a:lstStyle>
           <a:p>
-            <a:fld id="{183E4277-52B1-4833-AC6F-BB4B6A81D6CC}" type="datetime1">
+            <a:fld id="{4DB8E721-DBA2-46A4-A068-33C426CA229C}" type="datetime1">
               <a:rPr lang="en-US" smtClean="0"/>
-              <a:pPr/>
-              <a:t>4/27/2021</a:t>
+              <a:t>4/28/2021</a:t>
             </a:fld>
             <a:endParaRPr lang="en-US" dirty="0"/>
           </a:p>
@@ -1094,7 +1092,7 @@
           <a:p>
             <a:r>
               <a:rPr lang="en-US"/>
-              <a:t>Title of the Course</a:t>
+              <a:t>Astronomical image colourisation and super-resolution using GANS</a:t>
             </a:r>
           </a:p>
         </p:txBody>
@@ -1355,10 +1353,9 @@
           <a:bodyPr/>
           <a:lstStyle/>
           <a:p>
-            <a:fld id="{5C890C03-C70A-476F-BE79-585F03F505CD}" type="datetime1">
+            <a:fld id="{9BD8A829-5AC1-4274-B641-92F1458069F1}" type="datetime1">
               <a:rPr lang="en-US" smtClean="0"/>
-              <a:pPr/>
-              <a:t>4/27/2021</a:t>
+              <a:t>4/28/2021</a:t>
             </a:fld>
             <a:endParaRPr/>
           </a:p>
@@ -1380,8 +1377,8 @@
           <a:lstStyle/>
           <a:p>
             <a:r>
-              <a:rPr lang="en-IN"/>
-              <a:t>Title of the Course</a:t>
+              <a:rPr lang="en-US"/>
+              <a:t>Astronomical image colourisation and super-resolution using GANS</a:t>
             </a:r>
             <a:endParaRPr/>
           </a:p>
@@ -1543,10 +1540,9 @@
           <a:bodyPr/>
           <a:lstStyle/>
           <a:p>
-            <a:fld id="{47D0A024-B9D2-407A-A933-5D6963607B69}" type="datetime1">
+            <a:fld id="{D00D14CF-06C6-4555-A47C-9AF6E504D0B7}" type="datetime1">
               <a:rPr lang="en-US" smtClean="0"/>
-              <a:pPr/>
-              <a:t>4/27/2021</a:t>
+              <a:t>4/28/2021</a:t>
             </a:fld>
             <a:endParaRPr/>
           </a:p>
@@ -1568,8 +1564,8 @@
           <a:lstStyle/>
           <a:p>
             <a:r>
-              <a:rPr lang="en-IN"/>
-              <a:t>Title of the Course</a:t>
+              <a:rPr lang="en-US"/>
+              <a:t>Astronomical image colourisation and super-resolution using GANS</a:t>
             </a:r>
             <a:endParaRPr/>
           </a:p>
@@ -1741,10 +1737,9 @@
           <a:bodyPr/>
           <a:lstStyle/>
           <a:p>
-            <a:fld id="{26313726-BB44-4512-808B-B68E8613AC52}" type="datetime1">
+            <a:fld id="{47F2B9D1-1C28-433D-BFF1-054F3D4A9D18}" type="datetime1">
               <a:rPr lang="en-US" smtClean="0"/>
-              <a:pPr/>
-              <a:t>4/27/2021</a:t>
+              <a:t>4/28/2021</a:t>
             </a:fld>
             <a:endParaRPr/>
           </a:p>
@@ -1766,8 +1761,8 @@
           <a:lstStyle/>
           <a:p>
             <a:r>
-              <a:rPr lang="en-IN"/>
-              <a:t>Title of the Course</a:t>
+              <a:rPr lang="en-US"/>
+              <a:t>Astronomical image colourisation and super-resolution using GANS</a:t>
             </a:r>
             <a:endParaRPr/>
           </a:p>
@@ -2016,10 +2011,9 @@
           <a:bodyPr/>
           <a:lstStyle/>
           <a:p>
-            <a:fld id="{78F08668-515E-49FB-922C-5F234CBCB7AB}" type="datetime1">
+            <a:fld id="{17A19894-EF04-4A47-BB3C-15A90271CEB4}" type="datetime1">
               <a:rPr lang="en-US" smtClean="0"/>
-              <a:pPr/>
-              <a:t>4/27/2021</a:t>
+              <a:t>4/28/2021</a:t>
             </a:fld>
             <a:endParaRPr/>
           </a:p>
@@ -2041,8 +2035,8 @@
           <a:lstStyle/>
           <a:p>
             <a:r>
-              <a:rPr lang="en-IN"/>
-              <a:t>Title of the Course</a:t>
+              <a:rPr lang="en-US"/>
+              <a:t>Astronomical image colourisation and super-resolution using GANS</a:t>
             </a:r>
             <a:endParaRPr/>
           </a:p>
@@ -3051,10 +3045,9 @@
           <a:bodyPr/>
           <a:lstStyle/>
           <a:p>
-            <a:fld id="{BC09471B-790C-4B66-821E-4A767AEDEC76}" type="datetime1">
+            <a:fld id="{E3EDC469-C953-453C-B6B4-7F17CBC04FEC}" type="datetime1">
               <a:rPr lang="en-US" smtClean="0"/>
-              <a:pPr/>
-              <a:t>4/27/2021</a:t>
+              <a:t>4/28/2021</a:t>
             </a:fld>
             <a:endParaRPr/>
           </a:p>
@@ -3076,8 +3069,8 @@
           <a:lstStyle/>
           <a:p>
             <a:r>
-              <a:rPr lang="en-IN"/>
-              <a:t>Title of the Course</a:t>
+              <a:rPr lang="en-US"/>
+              <a:t>Astronomical image colourisation and super-resolution using GANS</a:t>
             </a:r>
             <a:endParaRPr/>
           </a:p>
@@ -3330,10 +3323,9 @@
           <a:bodyPr/>
           <a:lstStyle/>
           <a:p>
-            <a:fld id="{38CB8318-D5D0-44B7-B1EA-676E0E2BD6CC}" type="datetime1">
+            <a:fld id="{CEF7B5AE-BEEE-45C0-BC11-249345FA77D8}" type="datetime1">
               <a:rPr lang="en-US" smtClean="0"/>
-              <a:pPr/>
-              <a:t>4/27/2021</a:t>
+              <a:t>4/28/2021</a:t>
             </a:fld>
             <a:endParaRPr/>
           </a:p>
@@ -3355,8 +3347,8 @@
           <a:lstStyle/>
           <a:p>
             <a:r>
-              <a:rPr lang="en-IN"/>
-              <a:t>Title of the Course</a:t>
+              <a:rPr lang="en-US"/>
+              <a:t>Astronomical image colourisation and super-resolution using GANS</a:t>
             </a:r>
             <a:endParaRPr/>
           </a:p>
@@ -3716,10 +3708,9 @@
           <a:bodyPr/>
           <a:lstStyle/>
           <a:p>
-            <a:fld id="{4C09CE64-E006-40B0-A252-8B956A8588A1}" type="datetime1">
+            <a:fld id="{4301166D-EE12-4FE6-B62D-4975FDA4BA26}" type="datetime1">
               <a:rPr lang="en-US" smtClean="0"/>
-              <a:pPr/>
-              <a:t>4/27/2021</a:t>
+              <a:t>4/28/2021</a:t>
             </a:fld>
             <a:endParaRPr/>
           </a:p>
@@ -3741,8 +3732,8 @@
           <a:lstStyle/>
           <a:p>
             <a:r>
-              <a:rPr lang="en-IN"/>
-              <a:t>Title of the Course</a:t>
+              <a:rPr lang="en-US"/>
+              <a:t>Astronomical image colourisation and super-resolution using GANS</a:t>
             </a:r>
             <a:endParaRPr/>
           </a:p>
@@ -3852,10 +3843,9 @@
           <a:bodyPr/>
           <a:lstStyle/>
           <a:p>
-            <a:fld id="{D801D14B-6E16-4983-8AE7-1E9FD4ED446E}" type="datetime1">
+            <a:fld id="{1F5ED45D-6110-4BC9-BDC4-E0842E441380}" type="datetime1">
               <a:rPr lang="en-US" smtClean="0"/>
-              <a:pPr/>
-              <a:t>4/27/2021</a:t>
+              <a:t>4/28/2021</a:t>
             </a:fld>
             <a:endParaRPr/>
           </a:p>
@@ -3877,8 +3867,8 @@
           <a:lstStyle/>
           <a:p>
             <a:r>
-              <a:rPr lang="en-IN"/>
-              <a:t>Title of the Course</a:t>
+              <a:rPr lang="en-US"/>
+              <a:t>Astronomical image colourisation and super-resolution using GANS</a:t>
             </a:r>
             <a:endParaRPr/>
           </a:p>
@@ -3965,10 +3955,9 @@
           <a:bodyPr/>
           <a:lstStyle/>
           <a:p>
-            <a:fld id="{39D0E21E-CD8B-48CA-B5C0-8B76D73C89AB}" type="datetime1">
+            <a:fld id="{83EDDA2D-0339-4200-907C-00E500E72A81}" type="datetime1">
               <a:rPr lang="en-US" smtClean="0"/>
-              <a:pPr/>
-              <a:t>4/27/2021</a:t>
+              <a:t>4/28/2021</a:t>
             </a:fld>
             <a:endParaRPr/>
           </a:p>
@@ -3990,8 +3979,8 @@
           <a:lstStyle/>
           <a:p>
             <a:r>
-              <a:rPr lang="en-IN"/>
-              <a:t>Title of the Course</a:t>
+              <a:rPr lang="en-US"/>
+              <a:t>Astronomical image colourisation and super-resolution using GANS</a:t>
             </a:r>
             <a:endParaRPr/>
           </a:p>
@@ -4262,10 +4251,9 @@
           <a:bodyPr/>
           <a:lstStyle/>
           <a:p>
-            <a:fld id="{9BDB5B88-5499-4082-B3EB-38DEDE282E1E}" type="datetime1">
+            <a:fld id="{4107C91A-2CAA-418D-AD53-C399D4491290}" type="datetime1">
               <a:rPr lang="en-US" smtClean="0"/>
-              <a:pPr/>
-              <a:t>4/27/2021</a:t>
+              <a:t>4/28/2021</a:t>
             </a:fld>
             <a:endParaRPr/>
           </a:p>
@@ -4287,8 +4275,8 @@
           <a:lstStyle/>
           <a:p>
             <a:r>
-              <a:rPr lang="en-IN"/>
-              <a:t>Title of the Course</a:t>
+              <a:rPr lang="en-US"/>
+              <a:t>Astronomical image colourisation and super-resolution using GANS</a:t>
             </a:r>
             <a:endParaRPr/>
           </a:p>
@@ -4493,10 +4481,9 @@
             </a:lvl1pPr>
           </a:lstStyle>
           <a:p>
-            <a:fld id="{20CEE9E0-1356-49C3-9AF4-E01992A7F1A8}" type="datetime1">
+            <a:fld id="{FC9EA989-7826-467F-A84F-F4180D527E13}" type="datetime1">
               <a:rPr lang="en-US" smtClean="0"/>
-              <a:pPr/>
-              <a:t>4/27/2021</a:t>
+              <a:t>4/28/2021</a:t>
             </a:fld>
             <a:endParaRPr lang="en-US"/>
           </a:p>
@@ -4537,7 +4524,7 @@
           <a:p>
             <a:r>
               <a:rPr lang="en-US"/>
-              <a:t>Title of the Course</a:t>
+              <a:t>Astronomical image colourisation and super-resolution using GANS</a:t>
             </a:r>
           </a:p>
         </p:txBody>
@@ -5309,163 +5296,6 @@
           <a:lstStyle/>
           <a:p>
             <a:r>
-              <a:rPr lang="en-US" sz="2800" dirty="0"/>
-              <a:t>Literature Review</a:t>
-            </a:r>
-            <a:endParaRPr lang="en-US" dirty="0"/>
-          </a:p>
-        </p:txBody>
-      </p:sp>
-      <p:sp>
-        <p:nvSpPr>
-          <p:cNvPr id="5" name="Footer Placeholder 4"/>
-          <p:cNvSpPr>
-            <a:spLocks noGrp="1"/>
-          </p:cNvSpPr>
-          <p:nvPr>
-            <p:ph type="ftr" sz="quarter" idx="11"/>
-          </p:nvPr>
-        </p:nvSpPr>
-        <p:spPr/>
-        <p:txBody>
-          <a:bodyPr/>
-          <a:lstStyle/>
-          <a:p>
-            <a:r>
-              <a:rPr lang="en-IN" sz="1200" dirty="0">
-                <a:cs typeface="Times New Roman" panose="02020603050405020304" pitchFamily="18" charset="0"/>
-              </a:rPr>
-              <a:t>Astronomical image colourisation and super-resolution using GANS</a:t>
-            </a:r>
-            <a:endParaRPr lang="en-IN" dirty="0"/>
-          </a:p>
-        </p:txBody>
-      </p:sp>
-      <p:pic>
-        <p:nvPicPr>
-          <p:cNvPr id="4" name="Picture 1"/>
-          <p:cNvPicPr>
-            <a:picLocks noChangeAspect="1" noChangeArrowheads="1"/>
-          </p:cNvPicPr>
-          <p:nvPr/>
-        </p:nvPicPr>
-        <p:blipFill>
-          <a:blip r:embed="rId2" cstate="print">
-            <a:extLst>
-              <a:ext uri="{28A0092B-C50C-407E-A947-70E740481C1C}">
-                <a14:useLocalDpi xmlns:a14="http://schemas.microsoft.com/office/drawing/2010/main" val="0"/>
-              </a:ext>
-            </a:extLst>
-          </a:blip>
-          <a:stretch>
-            <a:fillRect/>
-          </a:stretch>
-        </p:blipFill>
-        <p:spPr bwMode="auto">
-          <a:xfrm>
-            <a:off x="10919540" y="150750"/>
-            <a:ext cx="1233271" cy="1029803"/>
-          </a:xfrm>
-          <a:prstGeom prst="rect">
-            <a:avLst/>
-          </a:prstGeom>
-          <a:noFill/>
-          <a:ln w="9525">
-            <a:noFill/>
-            <a:miter lim="800000"/>
-            <a:headEnd/>
-            <a:tailEnd/>
-          </a:ln>
-        </p:spPr>
-      </p:pic>
-      <p:pic>
-        <p:nvPicPr>
-          <p:cNvPr id="3" name="Picture 2">
-            <a:extLst>
-              <a:ext uri="{FF2B5EF4-FFF2-40B4-BE49-F238E27FC236}">
-                <a16:creationId xmlns:a16="http://schemas.microsoft.com/office/drawing/2014/main" id="{4BA9F5FD-6605-4A4C-9BB5-2ECEB4F1E197}"/>
-              </a:ext>
-            </a:extLst>
-          </p:cNvPr>
-          <p:cNvPicPr>
-            <a:picLocks noChangeAspect="1"/>
-          </p:cNvPicPr>
-          <p:nvPr/>
-        </p:nvPicPr>
-        <p:blipFill>
-          <a:blip r:embed="rId3"/>
-          <a:stretch>
-            <a:fillRect/>
-          </a:stretch>
-        </p:blipFill>
-        <p:spPr>
-          <a:xfrm>
-            <a:off x="3606612" y="1386188"/>
-            <a:ext cx="4978776" cy="4970162"/>
-          </a:xfrm>
-          <a:prstGeom prst="rect">
-            <a:avLst/>
-          </a:prstGeom>
-        </p:spPr>
-      </p:pic>
-    </p:spTree>
-    <p:extLst>
-      <p:ext uri="{BB962C8B-B14F-4D97-AF65-F5344CB8AC3E}">
-        <p14:creationId xmlns:p14="http://schemas.microsoft.com/office/powerpoint/2010/main" val="1076855196"/>
-      </p:ext>
-    </p:extLst>
-  </p:cSld>
-  <p:clrMapOvr>
-    <a:masterClrMapping/>
-  </p:clrMapOvr>
-  <mc:AlternateContent xmlns:mc="http://schemas.openxmlformats.org/markup-compatibility/2006" xmlns:p14="http://schemas.microsoft.com/office/powerpoint/2010/main">
-    <mc:Choice Requires="p14">
-      <p:transition spd="med" p14:dur="700">
-        <p:fade/>
-      </p:transition>
-    </mc:Choice>
-    <mc:Fallback xmlns="">
-      <p:transition spd="med">
-        <p:fade/>
-      </p:transition>
-    </mc:Fallback>
-  </mc:AlternateContent>
-</p:sld>
-</file>
-
-<file path=ppt/slides/slide11.xml><?xml version="1.0" encoding="utf-8"?>
-<p:sld xmlns:a="http://schemas.openxmlformats.org/drawingml/2006/main" xmlns:r="http://schemas.openxmlformats.org/officeDocument/2006/relationships" xmlns:p="http://schemas.openxmlformats.org/presentationml/2006/main">
-  <p:cSld>
-    <p:spTree>
-      <p:nvGrpSpPr>
-        <p:cNvPr id="1" name=""/>
-        <p:cNvGrpSpPr/>
-        <p:nvPr/>
-      </p:nvGrpSpPr>
-      <p:grpSpPr>
-        <a:xfrm>
-          <a:off x="0" y="0"/>
-          <a:ext cx="0" cy="0"/>
-          <a:chOff x="0" y="0"/>
-          <a:chExt cx="0" cy="0"/>
-        </a:xfrm>
-      </p:grpSpPr>
-      <p:sp>
-        <p:nvSpPr>
-          <p:cNvPr id="13" name="Title 12"/>
-          <p:cNvSpPr>
-            <a:spLocks noGrp="1"/>
-          </p:cNvSpPr>
-          <p:nvPr>
-            <p:ph type="title"/>
-          </p:nvPr>
-        </p:nvSpPr>
-        <p:spPr/>
-        <p:txBody>
-          <a:bodyPr/>
-          <a:lstStyle/>
-          <a:p>
-            <a:r>
               <a:rPr lang="en-US" dirty="0"/>
               <a:t>Motivation of the Project</a:t>
             </a:r>
@@ -5605,7 +5435,7 @@
 </p:sld>
 </file>
 
-<file path=ppt/slides/slide12.xml><?xml version="1.0" encoding="utf-8"?>
+<file path=ppt/slides/slide11.xml><?xml version="1.0" encoding="utf-8"?>
 <p:sld xmlns:a="http://schemas.openxmlformats.org/drawingml/2006/main" xmlns:r="http://schemas.openxmlformats.org/officeDocument/2006/relationships" xmlns:p="http://schemas.openxmlformats.org/presentationml/2006/main">
   <p:cSld>
     <p:spTree>
@@ -5941,7 +5771,7 @@
 </p:sld>
 </file>
 
-<file path=ppt/slides/slide13.xml><?xml version="1.0" encoding="utf-8"?>
+<file path=ppt/slides/slide12.xml><?xml version="1.0" encoding="utf-8"?>
 <p:sld xmlns:a="http://schemas.openxmlformats.org/drawingml/2006/main" xmlns:r="http://schemas.openxmlformats.org/officeDocument/2006/relationships" xmlns:p="http://schemas.openxmlformats.org/presentationml/2006/main">
   <p:cSld>
     <p:spTree>
@@ -6124,7 +5954,7 @@
 </p:sld>
 </file>
 
-<file path=ppt/slides/slide14.xml><?xml version="1.0" encoding="utf-8"?>
+<file path=ppt/slides/slide13.xml><?xml version="1.0" encoding="utf-8"?>
 <p:sld xmlns:a="http://schemas.openxmlformats.org/drawingml/2006/main" xmlns:r="http://schemas.openxmlformats.org/officeDocument/2006/relationships" xmlns:p="http://schemas.openxmlformats.org/presentationml/2006/main">
   <p:cSld>
     <p:spTree>
@@ -6316,7 +6146,7 @@
 </p:sld>
 </file>
 
-<file path=ppt/slides/slide15.xml><?xml version="1.0" encoding="utf-8"?>
+<file path=ppt/slides/slide14.xml><?xml version="1.0" encoding="utf-8"?>
 <p:sld xmlns:a="http://schemas.openxmlformats.org/drawingml/2006/main" xmlns:r="http://schemas.openxmlformats.org/officeDocument/2006/relationships" xmlns:p="http://schemas.openxmlformats.org/presentationml/2006/main">
   <p:cSld>
     <p:spTree>
@@ -6574,7 +6404,7 @@
 </p:sld>
 </file>
 
-<file path=ppt/slides/slide16.xml><?xml version="1.0" encoding="utf-8"?>
+<file path=ppt/slides/slide15.xml><?xml version="1.0" encoding="utf-8"?>
 <p:sld xmlns:a="http://schemas.openxmlformats.org/drawingml/2006/main" xmlns:r="http://schemas.openxmlformats.org/officeDocument/2006/relationships" xmlns:p="http://schemas.openxmlformats.org/presentationml/2006/main">
   <p:cSld>
     <p:spTree>
@@ -6767,7 +6597,7 @@
 </p:sld>
 </file>
 
-<file path=ppt/slides/slide17.xml><?xml version="1.0" encoding="utf-8"?>
+<file path=ppt/slides/slide16.xml><?xml version="1.0" encoding="utf-8"?>
 <p:sld xmlns:a="http://schemas.openxmlformats.org/drawingml/2006/main" xmlns:r="http://schemas.openxmlformats.org/officeDocument/2006/relationships" xmlns:p="http://schemas.openxmlformats.org/presentationml/2006/main">
   <p:cSld>
     <p:spTree>
@@ -6978,7 +6808,7 @@
 </p:sld>
 </file>
 
-<file path=ppt/slides/slide18.xml><?xml version="1.0" encoding="utf-8"?>
+<file path=ppt/slides/slide17.xml><?xml version="1.0" encoding="utf-8"?>
 <p:sld xmlns:a="http://schemas.openxmlformats.org/drawingml/2006/main" xmlns:r="http://schemas.openxmlformats.org/officeDocument/2006/relationships" xmlns:p="http://schemas.openxmlformats.org/presentationml/2006/main">
   <p:cSld>
     <p:spTree>
@@ -7184,7 +7014,7 @@
 </p:sld>
 </file>
 
-<file path=ppt/slides/slide19.xml><?xml version="1.0" encoding="utf-8"?>
+<file path=ppt/slides/slide18.xml><?xml version="1.0" encoding="utf-8"?>
 <p:sld xmlns:a="http://schemas.openxmlformats.org/drawingml/2006/main" xmlns:r="http://schemas.openxmlformats.org/officeDocument/2006/relationships" xmlns:p="http://schemas.openxmlformats.org/presentationml/2006/main">
   <p:cSld>
     <p:spTree>
@@ -7378,6 +7208,194 @@
     <p:extLst>
       <p:ext uri="{BB962C8B-B14F-4D97-AF65-F5344CB8AC3E}">
         <p14:creationId xmlns:p14="http://schemas.microsoft.com/office/powerpoint/2010/main" val="2432953026"/>
+      </p:ext>
+    </p:extLst>
+  </p:cSld>
+  <p:clrMapOvr>
+    <a:masterClrMapping/>
+  </p:clrMapOvr>
+  <mc:AlternateContent xmlns:mc="http://schemas.openxmlformats.org/markup-compatibility/2006" xmlns:p14="http://schemas.microsoft.com/office/powerpoint/2010/main">
+    <mc:Choice Requires="p14">
+      <p:transition spd="med" p14:dur="700">
+        <p:fade/>
+      </p:transition>
+    </mc:Choice>
+    <mc:Fallback xmlns="">
+      <p:transition spd="med">
+        <p:fade/>
+      </p:transition>
+    </mc:Fallback>
+  </mc:AlternateContent>
+</p:sld>
+</file>
+
+<file path=ppt/slides/slide19.xml><?xml version="1.0" encoding="utf-8"?>
+<p:sld xmlns:a="http://schemas.openxmlformats.org/drawingml/2006/main" xmlns:r="http://schemas.openxmlformats.org/officeDocument/2006/relationships" xmlns:p="http://schemas.openxmlformats.org/presentationml/2006/main">
+  <p:cSld>
+    <p:spTree>
+      <p:nvGrpSpPr>
+        <p:cNvPr id="1" name=""/>
+        <p:cNvGrpSpPr/>
+        <p:nvPr/>
+      </p:nvGrpSpPr>
+      <p:grpSpPr>
+        <a:xfrm>
+          <a:off x="0" y="0"/>
+          <a:ext cx="0" cy="0"/>
+          <a:chOff x="0" y="0"/>
+          <a:chExt cx="0" cy="0"/>
+        </a:xfrm>
+      </p:grpSpPr>
+      <p:sp>
+        <p:nvSpPr>
+          <p:cNvPr id="13" name="Title 12"/>
+          <p:cNvSpPr>
+            <a:spLocks noGrp="1"/>
+          </p:cNvSpPr>
+          <p:nvPr>
+            <p:ph type="title"/>
+          </p:nvPr>
+        </p:nvSpPr>
+        <p:spPr/>
+        <p:txBody>
+          <a:bodyPr/>
+          <a:lstStyle/>
+          <a:p>
+            <a:r>
+              <a:rPr lang="en-US" dirty="0"/>
+              <a:t>Methodology</a:t>
+            </a:r>
+          </a:p>
+        </p:txBody>
+      </p:sp>
+      <p:sp>
+        <p:nvSpPr>
+          <p:cNvPr id="14" name="Content Placeholder 13"/>
+          <p:cNvSpPr>
+            <a:spLocks noGrp="1"/>
+          </p:cNvSpPr>
+          <p:nvPr>
+            <p:ph idx="1"/>
+          </p:nvPr>
+        </p:nvSpPr>
+        <p:spPr/>
+        <p:txBody>
+          <a:bodyPr>
+            <a:normAutofit/>
+          </a:bodyPr>
+          <a:lstStyle/>
+          <a:p>
+            <a:r>
+              <a:rPr lang="en-US" dirty="0"/>
+              <a:t> Data gathering and processing:</a:t>
+            </a:r>
+          </a:p>
+          <a:p>
+            <a:pPr lvl="1"/>
+            <a:r>
+              <a:rPr lang="en-US" dirty="0"/>
+              <a:t>Data Scraping</a:t>
+            </a:r>
+          </a:p>
+          <a:p>
+            <a:pPr lvl="1"/>
+            <a:r>
+              <a:rPr lang="en-US" dirty="0"/>
+              <a:t>Data Cleaning</a:t>
+            </a:r>
+          </a:p>
+          <a:p>
+            <a:r>
+              <a:rPr lang="en-IN" dirty="0"/>
+              <a:t>Model Building</a:t>
+            </a:r>
+          </a:p>
+          <a:p>
+            <a:r>
+              <a:rPr lang="en-IN" dirty="0"/>
+              <a:t>Model Training</a:t>
+            </a:r>
+          </a:p>
+          <a:p>
+            <a:r>
+              <a:rPr lang="en-IN" dirty="0"/>
+              <a:t>Cost Optimization and tuning</a:t>
+            </a:r>
+          </a:p>
+          <a:p>
+            <a:r>
+              <a:rPr lang="en-IN" dirty="0"/>
+              <a:t>Performance Evaluation and Documentation</a:t>
+            </a:r>
+          </a:p>
+        </p:txBody>
+      </p:sp>
+      <p:sp>
+        <p:nvSpPr>
+          <p:cNvPr id="5" name="Footer Placeholder 4"/>
+          <p:cNvSpPr>
+            <a:spLocks noGrp="1"/>
+          </p:cNvSpPr>
+          <p:nvPr>
+            <p:ph type="ftr" sz="quarter" idx="11"/>
+          </p:nvPr>
+        </p:nvSpPr>
+        <p:spPr/>
+        <p:txBody>
+          <a:bodyPr/>
+          <a:lstStyle/>
+          <a:p>
+            <a:r>
+              <a:rPr lang="en-IN" sz="1200" dirty="0">
+                <a:cs typeface="Times New Roman" panose="02020603050405020304" pitchFamily="18" charset="0"/>
+              </a:rPr>
+              <a:t>Astronomical image colourisation and super-resolution using GANS</a:t>
+            </a:r>
+            <a:endParaRPr lang="en-IN" dirty="0"/>
+          </a:p>
+        </p:txBody>
+      </p:sp>
+      <p:pic>
+        <p:nvPicPr>
+          <p:cNvPr id="4" name="Picture 1"/>
+          <p:cNvPicPr>
+            <a:picLocks noChangeAspect="1" noChangeArrowheads="1"/>
+          </p:cNvPicPr>
+          <p:nvPr/>
+        </p:nvPicPr>
+        <p:blipFill>
+          <a:blip r:embed="rId2" cstate="print">
+            <a:extLst>
+              <a:ext uri="{28A0092B-C50C-407E-A947-70E740481C1C}">
+                <a14:useLocalDpi xmlns:a14="http://schemas.microsoft.com/office/drawing/2010/main" val="0"/>
+              </a:ext>
+            </a:extLst>
+          </a:blip>
+          <a:stretch>
+            <a:fillRect/>
+          </a:stretch>
+        </p:blipFill>
+        <p:spPr bwMode="auto">
+          <a:xfrm>
+            <a:off x="10919540" y="150750"/>
+            <a:ext cx="1233271" cy="1029803"/>
+          </a:xfrm>
+          <a:prstGeom prst="rect">
+            <a:avLst/>
+          </a:prstGeom>
+          <a:noFill/>
+          <a:ln w="9525">
+            <a:noFill/>
+            <a:miter lim="800000"/>
+            <a:headEnd/>
+            <a:tailEnd/>
+          </a:ln>
+        </p:spPr>
+      </p:pic>
+    </p:spTree>
+    <p:extLst>
+      <p:ext uri="{BB962C8B-B14F-4D97-AF65-F5344CB8AC3E}">
+        <p14:creationId xmlns:p14="http://schemas.microsoft.com/office/powerpoint/2010/main" val="261913967"/>
       </p:ext>
     </p:extLst>
   </p:cSld>
@@ -8203,194 +8221,6 @@
           <a:p>
             <a:r>
               <a:rPr lang="en-US" dirty="0"/>
-              <a:t>Methodology</a:t>
-            </a:r>
-          </a:p>
-        </p:txBody>
-      </p:sp>
-      <p:sp>
-        <p:nvSpPr>
-          <p:cNvPr id="14" name="Content Placeholder 13"/>
-          <p:cNvSpPr>
-            <a:spLocks noGrp="1"/>
-          </p:cNvSpPr>
-          <p:nvPr>
-            <p:ph idx="1"/>
-          </p:nvPr>
-        </p:nvSpPr>
-        <p:spPr/>
-        <p:txBody>
-          <a:bodyPr>
-            <a:normAutofit/>
-          </a:bodyPr>
-          <a:lstStyle/>
-          <a:p>
-            <a:r>
-              <a:rPr lang="en-US" dirty="0"/>
-              <a:t> Data gathering and processing:</a:t>
-            </a:r>
-          </a:p>
-          <a:p>
-            <a:pPr lvl="1"/>
-            <a:r>
-              <a:rPr lang="en-US" dirty="0"/>
-              <a:t>Data Scraping</a:t>
-            </a:r>
-          </a:p>
-          <a:p>
-            <a:pPr lvl="1"/>
-            <a:r>
-              <a:rPr lang="en-US" dirty="0"/>
-              <a:t>Data Cleaning</a:t>
-            </a:r>
-          </a:p>
-          <a:p>
-            <a:r>
-              <a:rPr lang="en-IN" dirty="0"/>
-              <a:t>Model Building</a:t>
-            </a:r>
-          </a:p>
-          <a:p>
-            <a:r>
-              <a:rPr lang="en-IN" dirty="0"/>
-              <a:t>Model Training</a:t>
-            </a:r>
-          </a:p>
-          <a:p>
-            <a:r>
-              <a:rPr lang="en-IN" dirty="0"/>
-              <a:t>Cost Optimization and tuning</a:t>
-            </a:r>
-          </a:p>
-          <a:p>
-            <a:r>
-              <a:rPr lang="en-IN" dirty="0"/>
-              <a:t>Performance Evaluation and Documentation</a:t>
-            </a:r>
-          </a:p>
-        </p:txBody>
-      </p:sp>
-      <p:sp>
-        <p:nvSpPr>
-          <p:cNvPr id="5" name="Footer Placeholder 4"/>
-          <p:cNvSpPr>
-            <a:spLocks noGrp="1"/>
-          </p:cNvSpPr>
-          <p:nvPr>
-            <p:ph type="ftr" sz="quarter" idx="11"/>
-          </p:nvPr>
-        </p:nvSpPr>
-        <p:spPr/>
-        <p:txBody>
-          <a:bodyPr/>
-          <a:lstStyle/>
-          <a:p>
-            <a:r>
-              <a:rPr lang="en-IN" sz="1200" dirty="0">
-                <a:cs typeface="Times New Roman" panose="02020603050405020304" pitchFamily="18" charset="0"/>
-              </a:rPr>
-              <a:t>Astronomical image colourisation and super-resolution using GANS</a:t>
-            </a:r>
-            <a:endParaRPr lang="en-IN" dirty="0"/>
-          </a:p>
-        </p:txBody>
-      </p:sp>
-      <p:pic>
-        <p:nvPicPr>
-          <p:cNvPr id="4" name="Picture 1"/>
-          <p:cNvPicPr>
-            <a:picLocks noChangeAspect="1" noChangeArrowheads="1"/>
-          </p:cNvPicPr>
-          <p:nvPr/>
-        </p:nvPicPr>
-        <p:blipFill>
-          <a:blip r:embed="rId2" cstate="print">
-            <a:extLst>
-              <a:ext uri="{28A0092B-C50C-407E-A947-70E740481C1C}">
-                <a14:useLocalDpi xmlns:a14="http://schemas.microsoft.com/office/drawing/2010/main" val="0"/>
-              </a:ext>
-            </a:extLst>
-          </a:blip>
-          <a:stretch>
-            <a:fillRect/>
-          </a:stretch>
-        </p:blipFill>
-        <p:spPr bwMode="auto">
-          <a:xfrm>
-            <a:off x="10919540" y="150750"/>
-            <a:ext cx="1233271" cy="1029803"/>
-          </a:xfrm>
-          <a:prstGeom prst="rect">
-            <a:avLst/>
-          </a:prstGeom>
-          <a:noFill/>
-          <a:ln w="9525">
-            <a:noFill/>
-            <a:miter lim="800000"/>
-            <a:headEnd/>
-            <a:tailEnd/>
-          </a:ln>
-        </p:spPr>
-      </p:pic>
-    </p:spTree>
-    <p:extLst>
-      <p:ext uri="{BB962C8B-B14F-4D97-AF65-F5344CB8AC3E}">
-        <p14:creationId xmlns:p14="http://schemas.microsoft.com/office/powerpoint/2010/main" val="261913967"/>
-      </p:ext>
-    </p:extLst>
-  </p:cSld>
-  <p:clrMapOvr>
-    <a:masterClrMapping/>
-  </p:clrMapOvr>
-  <mc:AlternateContent xmlns:mc="http://schemas.openxmlformats.org/markup-compatibility/2006" xmlns:p14="http://schemas.microsoft.com/office/powerpoint/2010/main">
-    <mc:Choice Requires="p14">
-      <p:transition spd="med" p14:dur="700">
-        <p:fade/>
-      </p:transition>
-    </mc:Choice>
-    <mc:Fallback xmlns="">
-      <p:transition spd="med">
-        <p:fade/>
-      </p:transition>
-    </mc:Fallback>
-  </mc:AlternateContent>
-</p:sld>
-</file>
-
-<file path=ppt/slides/slide21.xml><?xml version="1.0" encoding="utf-8"?>
-<p:sld xmlns:a="http://schemas.openxmlformats.org/drawingml/2006/main" xmlns:r="http://schemas.openxmlformats.org/officeDocument/2006/relationships" xmlns:p="http://schemas.openxmlformats.org/presentationml/2006/main">
-  <p:cSld>
-    <p:spTree>
-      <p:nvGrpSpPr>
-        <p:cNvPr id="1" name=""/>
-        <p:cNvGrpSpPr/>
-        <p:nvPr/>
-      </p:nvGrpSpPr>
-      <p:grpSpPr>
-        <a:xfrm>
-          <a:off x="0" y="0"/>
-          <a:ext cx="0" cy="0"/>
-          <a:chOff x="0" y="0"/>
-          <a:chExt cx="0" cy="0"/>
-        </a:xfrm>
-      </p:grpSpPr>
-      <p:sp>
-        <p:nvSpPr>
-          <p:cNvPr id="13" name="Title 12"/>
-          <p:cNvSpPr>
-            <a:spLocks noGrp="1"/>
-          </p:cNvSpPr>
-          <p:nvPr>
-            <p:ph type="title"/>
-          </p:nvPr>
-        </p:nvSpPr>
-        <p:spPr/>
-        <p:txBody>
-          <a:bodyPr/>
-          <a:lstStyle/>
-          <a:p>
-            <a:r>
-              <a:rPr lang="en-US" dirty="0"/>
               <a:t>Image Colorization</a:t>
             </a:r>
           </a:p>
@@ -8528,7 +8358,7 @@
 </p:sld>
 </file>
 
-<file path=ppt/slides/slide22.xml><?xml version="1.0" encoding="utf-8"?>
+<file path=ppt/slides/slide21.xml><?xml version="1.0" encoding="utf-8"?>
 <p:sld xmlns:a="http://schemas.openxmlformats.org/drawingml/2006/main" xmlns:r="http://schemas.openxmlformats.org/officeDocument/2006/relationships" xmlns:p="http://schemas.openxmlformats.org/presentationml/2006/main">
   <p:cSld>
     <p:spTree>
@@ -8681,7 +8511,7 @@
 </p:sld>
 </file>
 
-<file path=ppt/slides/slide23.xml><?xml version="1.0" encoding="utf-8"?>
+<file path=ppt/slides/slide22.xml><?xml version="1.0" encoding="utf-8"?>
 <p:sld xmlns:a="http://schemas.openxmlformats.org/drawingml/2006/main" xmlns:r="http://schemas.openxmlformats.org/officeDocument/2006/relationships" xmlns:p="http://schemas.openxmlformats.org/presentationml/2006/main">
   <p:cSld>
     <p:spTree>
@@ -8844,7 +8674,7 @@
 </p:sld>
 </file>
 
-<file path=ppt/slides/slide24.xml><?xml version="1.0" encoding="utf-8"?>
+<file path=ppt/slides/slide23.xml><?xml version="1.0" encoding="utf-8"?>
 <p:sld xmlns:a="http://schemas.openxmlformats.org/drawingml/2006/main" xmlns:r="http://schemas.openxmlformats.org/officeDocument/2006/relationships" xmlns:p="http://schemas.openxmlformats.org/presentationml/2006/main">
   <p:cSld>
     <p:spTree>
@@ -8959,16 +8789,50 @@
           </p:cNvPicPr>
           <p:nvPr/>
         </p:nvPicPr>
-        <p:blipFill>
-          <a:blip r:embed="rId3"/>
-          <a:stretch>
-            <a:fillRect/>
-          </a:stretch>
+        <p:blipFill rotWithShape="1">
+          <a:blip r:embed="rId3">
+            <a:extLst>
+              <a:ext uri="{BEBA8EAE-BF5A-486C-A8C5-ECC9F3942E4B}">
+                <a14:imgProps xmlns:a14="http://schemas.microsoft.com/office/drawing/2010/main">
+                  <a14:imgLayer r:embed="rId4">
+                    <a14:imgEffect>
+                      <a14:backgroundRemoval t="2767" b="32806" l="2429" r="97571">
+                        <a14:foregroundMark x1="9818" y1="11067" x2="96255" y2="9881"/>
+                        <a14:foregroundMark x1="94636" y1="13043" x2="97571" y2="14229"/>
+                        <a14:foregroundMark x1="2429" y1="21739" x2="43522" y2="32806"/>
+                        <a14:backgroundMark x1="46255" y1="30435" x2="83907" y2="25692"/>
+                        <a14:backgroundMark x1="96255" y1="29249" x2="87146" y2="30040"/>
+                        <a14:backgroundMark x1="87146" y1="30040" x2="80162" y2="30040"/>
+                        <a14:backgroundMark x1="80162" y1="30040" x2="46154" y2="28458"/>
+                        <a14:backgroundMark x1="46154" y1="28458" x2="46154" y2="28458"/>
+                        <a14:backgroundMark x1="45142" y1="24901" x2="45142" y2="33202"/>
+                        <a14:backgroundMark x1="44939" y1="24111" x2="98381" y2="25296"/>
+                        <a14:backgroundMark x1="98381" y1="25296" x2="98684" y2="33992"/>
+                        <a14:backgroundMark x1="98684" y1="33992" x2="44939" y2="33597"/>
+                        <a14:backgroundMark x1="44939" y1="24111" x2="49899" y2="23320"/>
+                        <a14:backgroundMark x1="49899" y1="23320" x2="59211" y2="25692"/>
+                        <a14:backgroundMark x1="44838" y1="20949" x2="44433" y2="32806"/>
+                        <a14:backgroundMark x1="44838" y1="20949" x2="47470" y2="24111"/>
+                        <a14:backgroundMark x1="44332" y1="20949" x2="58603" y2="26877"/>
+                        <a14:backgroundMark x1="83806" y1="18182" x2="94939" y2="19763"/>
+                        <a14:backgroundMark x1="94939" y1="19763" x2="84919" y2="24901"/>
+                        <a14:backgroundMark x1="85830" y1="21344" x2="92105" y2="24506"/>
+                        <a14:backgroundMark x1="92105" y1="24506" x2="92105" y2="24506"/>
+                        <a14:backgroundMark x1="96559" y1="18972" x2="99190" y2="33202"/>
+                      </a14:backgroundRemoval>
+                    </a14:imgEffect>
+                  </a14:imgLayer>
+                </a14:imgProps>
+              </a:ext>
+            </a:extLst>
+          </a:blip>
+          <a:srcRect l="1398" t="-1" r="1055" b="63956"/>
+          <a:stretch/>
         </p:blipFill>
         <p:spPr>
           <a:xfrm>
-            <a:off x="1855433" y="1649716"/>
-            <a:ext cx="8288170" cy="2122375"/>
+            <a:off x="1204298" y="1686250"/>
+            <a:ext cx="8084804" cy="765010"/>
           </a:xfrm>
           <a:prstGeom prst="rect">
             <a:avLst/>
@@ -8990,14 +8854,37 @@
           <p:nvPr/>
         </p:nvPicPr>
         <p:blipFill>
-          <a:blip r:embed="rId4"/>
+          <a:blip r:embed="rId5">
+            <a:extLst>
+              <a:ext uri="{BEBA8EAE-BF5A-486C-A8C5-ECC9F3942E4B}">
+                <a14:imgProps xmlns:a14="http://schemas.microsoft.com/office/drawing/2010/main">
+                  <a14:imgLayer r:embed="rId6">
+                    <a14:imgEffect>
+                      <a14:backgroundRemoval t="2410" b="95783" l="0" r="99485">
+                        <a14:foregroundMark x1="8763" y1="15060" x2="24536" y2="17470"/>
+                        <a14:foregroundMark x1="7010" y1="9639" x2="90722" y2="19880"/>
+                        <a14:foregroundMark x1="3402" y1="28916" x2="30928" y2="54217"/>
+                        <a14:foregroundMark x1="30928" y1="54217" x2="15670" y2="28313"/>
+                        <a14:backgroundMark x1="46701" y1="35542" x2="46598" y2="63253"/>
+                        <a14:backgroundMark x1="46598" y1="63253" x2="619" y2="66265"/>
+                        <a14:backgroundMark x1="619" y1="66265" x2="619" y2="87349"/>
+                        <a14:backgroundMark x1="619" y1="87349" x2="99381" y2="89759"/>
+                        <a14:backgroundMark x1="99175" y1="87349" x2="99278" y2="40361"/>
+                        <a14:backgroundMark x1="98969" y1="39157" x2="46392" y2="34337"/>
+                      </a14:backgroundRemoval>
+                    </a14:imgEffect>
+                  </a14:imgLayer>
+                </a14:imgProps>
+              </a:ext>
+            </a:extLst>
+          </a:blip>
           <a:stretch>
             <a:fillRect/>
           </a:stretch>
         </p:blipFill>
         <p:spPr>
           <a:xfrm>
-            <a:off x="2009107" y="3772091"/>
+            <a:off x="1214939" y="2828144"/>
             <a:ext cx="8172265" cy="1398553"/>
           </a:xfrm>
           <a:prstGeom prst="rect">
@@ -9020,14 +8907,190 @@
           <p:nvPr/>
         </p:nvPicPr>
         <p:blipFill rotWithShape="1">
-          <a:blip r:embed="rId5"/>
-          <a:srcRect t="8665"/>
+          <a:blip r:embed="rId7"/>
+          <a:srcRect l="38831" t="65036" r="41232" b="7306"/>
           <a:stretch/>
         </p:blipFill>
         <p:spPr>
           <a:xfrm>
-            <a:off x="1944209" y="5088448"/>
-            <a:ext cx="8504814" cy="1205757"/>
+            <a:off x="4927104" y="3734430"/>
+            <a:ext cx="1695637" cy="365126"/>
+          </a:xfrm>
+          <a:prstGeom prst="rect">
+            <a:avLst/>
+          </a:prstGeom>
+        </p:spPr>
+      </p:pic>
+      <p:pic>
+        <p:nvPicPr>
+          <p:cNvPr id="8" name="Picture 7">
+            <a:extLst>
+              <a:ext uri="{FF2B5EF4-FFF2-40B4-BE49-F238E27FC236}">
+                <a16:creationId xmlns:a16="http://schemas.microsoft.com/office/drawing/2014/main" id="{8399195A-6767-420A-B782-867135D30701}"/>
+              </a:ext>
+            </a:extLst>
+          </p:cNvPr>
+          <p:cNvPicPr>
+            <a:picLocks noChangeAspect="1"/>
+          </p:cNvPicPr>
+          <p:nvPr/>
+        </p:nvPicPr>
+        <p:blipFill rotWithShape="1">
+          <a:blip r:embed="rId8"/>
+          <a:srcRect l="43916" t="77874" r="43337" b="2928"/>
+          <a:stretch/>
+        </p:blipFill>
+        <p:spPr>
+          <a:xfrm>
+            <a:off x="5246700" y="2450538"/>
+            <a:ext cx="1056443" cy="407453"/>
+          </a:xfrm>
+          <a:prstGeom prst="rect">
+            <a:avLst/>
+          </a:prstGeom>
+        </p:spPr>
+      </p:pic>
+      <p:pic>
+        <p:nvPicPr>
+          <p:cNvPr id="10" name="Picture 9">
+            <a:extLst>
+              <a:ext uri="{FF2B5EF4-FFF2-40B4-BE49-F238E27FC236}">
+                <a16:creationId xmlns:a16="http://schemas.microsoft.com/office/drawing/2014/main" id="{97DF34E9-B157-42B0-AF60-BE2EB1D248CE}"/>
+              </a:ext>
+            </a:extLst>
+          </p:cNvPr>
+          <p:cNvPicPr>
+            <a:picLocks noChangeAspect="1"/>
+          </p:cNvPicPr>
+          <p:nvPr/>
+        </p:nvPicPr>
+        <p:blipFill rotWithShape="1">
+          <a:blip r:embed="rId9"/>
+          <a:srcRect r="16127" b="88507"/>
+          <a:stretch/>
+        </p:blipFill>
+        <p:spPr>
+          <a:xfrm>
+            <a:off x="2526085" y="4099556"/>
+            <a:ext cx="6861119" cy="323306"/>
+          </a:xfrm>
+          <a:prstGeom prst="rect">
+            <a:avLst/>
+          </a:prstGeom>
+        </p:spPr>
+      </p:pic>
+      <p:pic>
+        <p:nvPicPr>
+          <p:cNvPr id="11" name="Picture 10">
+            <a:extLst>
+              <a:ext uri="{FF2B5EF4-FFF2-40B4-BE49-F238E27FC236}">
+                <a16:creationId xmlns:a16="http://schemas.microsoft.com/office/drawing/2014/main" id="{60283140-38A1-49F7-AEC2-2CADE30360B1}"/>
+              </a:ext>
+            </a:extLst>
+          </p:cNvPr>
+          <p:cNvPicPr>
+            <a:picLocks noChangeAspect="1"/>
+          </p:cNvPicPr>
+          <p:nvPr/>
+        </p:nvPicPr>
+        <p:blipFill rotWithShape="1">
+          <a:blip r:embed="rId9"/>
+          <a:srcRect l="94253" t="15918" r="702" b="71390"/>
+          <a:stretch/>
+        </p:blipFill>
+        <p:spPr>
+          <a:xfrm>
+            <a:off x="1842052" y="4569927"/>
+            <a:ext cx="395120" cy="341835"/>
+          </a:xfrm>
+          <a:prstGeom prst="rect">
+            <a:avLst/>
+          </a:prstGeom>
+        </p:spPr>
+      </p:pic>
+      <p:pic>
+        <p:nvPicPr>
+          <p:cNvPr id="12" name="Picture 11">
+            <a:extLst>
+              <a:ext uri="{FF2B5EF4-FFF2-40B4-BE49-F238E27FC236}">
+                <a16:creationId xmlns:a16="http://schemas.microsoft.com/office/drawing/2014/main" id="{EFDB93F0-996C-4106-B30F-2AB34345401E}"/>
+              </a:ext>
+            </a:extLst>
+          </p:cNvPr>
+          <p:cNvPicPr>
+            <a:picLocks noChangeAspect="1"/>
+          </p:cNvPicPr>
+          <p:nvPr/>
+        </p:nvPicPr>
+        <p:blipFill rotWithShape="1">
+          <a:blip r:embed="rId9"/>
+          <a:srcRect l="1262" t="32490" b="56414"/>
+          <a:stretch/>
+        </p:blipFill>
+        <p:spPr>
+          <a:xfrm>
+            <a:off x="2237172" y="4607978"/>
+            <a:ext cx="7794310" cy="301173"/>
+          </a:xfrm>
+          <a:prstGeom prst="rect">
+            <a:avLst/>
+          </a:prstGeom>
+        </p:spPr>
+      </p:pic>
+      <p:pic>
+        <p:nvPicPr>
+          <p:cNvPr id="6" name="Picture 5">
+            <a:extLst>
+              <a:ext uri="{FF2B5EF4-FFF2-40B4-BE49-F238E27FC236}">
+                <a16:creationId xmlns:a16="http://schemas.microsoft.com/office/drawing/2014/main" id="{8E5C478F-4579-4616-8F71-162678846DD0}"/>
+              </a:ext>
+            </a:extLst>
+          </p:cNvPr>
+          <p:cNvPicPr>
+            <a:picLocks noChangeAspect="1"/>
+          </p:cNvPicPr>
+          <p:nvPr/>
+        </p:nvPicPr>
+        <p:blipFill>
+          <a:blip r:embed="rId10"/>
+          <a:stretch>
+            <a:fillRect/>
+          </a:stretch>
+        </p:blipFill>
+        <p:spPr>
+          <a:xfrm>
+            <a:off x="1291915" y="4989259"/>
+            <a:ext cx="4803326" cy="301173"/>
+          </a:xfrm>
+          <a:prstGeom prst="rect">
+            <a:avLst/>
+          </a:prstGeom>
+        </p:spPr>
+      </p:pic>
+      <p:pic>
+        <p:nvPicPr>
+          <p:cNvPr id="15" name="Picture 14">
+            <a:extLst>
+              <a:ext uri="{FF2B5EF4-FFF2-40B4-BE49-F238E27FC236}">
+                <a16:creationId xmlns:a16="http://schemas.microsoft.com/office/drawing/2014/main" id="{95616EFD-3DFA-4337-BB5A-436367A30596}"/>
+              </a:ext>
+            </a:extLst>
+          </p:cNvPr>
+          <p:cNvPicPr>
+            <a:picLocks noChangeAspect="1"/>
+          </p:cNvPicPr>
+          <p:nvPr/>
+        </p:nvPicPr>
+        <p:blipFill>
+          <a:blip r:embed="rId11"/>
+          <a:stretch>
+            <a:fillRect/>
+          </a:stretch>
+        </p:blipFill>
+        <p:spPr>
+          <a:xfrm>
+            <a:off x="2747587" y="5410232"/>
+            <a:ext cx="6242425" cy="638689"/>
           </a:xfrm>
           <a:prstGeom prst="rect">
             <a:avLst/>
@@ -9059,163 +9122,7 @@
 </p:sld>
 </file>
 
-<file path=ppt/slides/slide25.xml><?xml version="1.0" encoding="utf-8"?>
-<p:sld xmlns:a="http://schemas.openxmlformats.org/drawingml/2006/main" xmlns:r="http://schemas.openxmlformats.org/officeDocument/2006/relationships" xmlns:p="http://schemas.openxmlformats.org/presentationml/2006/main">
-  <p:cSld>
-    <p:spTree>
-      <p:nvGrpSpPr>
-        <p:cNvPr id="1" name=""/>
-        <p:cNvGrpSpPr/>
-        <p:nvPr/>
-      </p:nvGrpSpPr>
-      <p:grpSpPr>
-        <a:xfrm>
-          <a:off x="0" y="0"/>
-          <a:ext cx="0" cy="0"/>
-          <a:chOff x="0" y="0"/>
-          <a:chExt cx="0" cy="0"/>
-        </a:xfrm>
-      </p:grpSpPr>
-      <p:sp>
-        <p:nvSpPr>
-          <p:cNvPr id="13" name="Title 12"/>
-          <p:cNvSpPr>
-            <a:spLocks noGrp="1"/>
-          </p:cNvSpPr>
-          <p:nvPr>
-            <p:ph type="title"/>
-          </p:nvPr>
-        </p:nvSpPr>
-        <p:spPr/>
-        <p:txBody>
-          <a:bodyPr/>
-          <a:lstStyle/>
-          <a:p>
-            <a:r>
-              <a:rPr lang="en-US" dirty="0"/>
-              <a:t>Mathematical Model</a:t>
-            </a:r>
-          </a:p>
-        </p:txBody>
-      </p:sp>
-      <p:sp>
-        <p:nvSpPr>
-          <p:cNvPr id="5" name="Footer Placeholder 4"/>
-          <p:cNvSpPr>
-            <a:spLocks noGrp="1"/>
-          </p:cNvSpPr>
-          <p:nvPr>
-            <p:ph type="ftr" sz="quarter" idx="11"/>
-          </p:nvPr>
-        </p:nvSpPr>
-        <p:spPr/>
-        <p:txBody>
-          <a:bodyPr/>
-          <a:lstStyle/>
-          <a:p>
-            <a:r>
-              <a:rPr lang="en-IN" sz="1200" dirty="0">
-                <a:cs typeface="Times New Roman" panose="02020603050405020304" pitchFamily="18" charset="0"/>
-              </a:rPr>
-              <a:t>Astronomical image colourisation and super-resolution using GANS</a:t>
-            </a:r>
-            <a:endParaRPr lang="en-IN" dirty="0"/>
-          </a:p>
-        </p:txBody>
-      </p:sp>
-      <p:pic>
-        <p:nvPicPr>
-          <p:cNvPr id="4" name="Picture 1"/>
-          <p:cNvPicPr>
-            <a:picLocks noChangeAspect="1" noChangeArrowheads="1"/>
-          </p:cNvPicPr>
-          <p:nvPr/>
-        </p:nvPicPr>
-        <p:blipFill>
-          <a:blip r:embed="rId2" cstate="print">
-            <a:extLst>
-              <a:ext uri="{28A0092B-C50C-407E-A947-70E740481C1C}">
-                <a14:useLocalDpi xmlns:a14="http://schemas.microsoft.com/office/drawing/2010/main" val="0"/>
-              </a:ext>
-            </a:extLst>
-          </a:blip>
-          <a:stretch>
-            <a:fillRect/>
-          </a:stretch>
-        </p:blipFill>
-        <p:spPr bwMode="auto">
-          <a:xfrm>
-            <a:off x="10919540" y="150750"/>
-            <a:ext cx="1233271" cy="1029803"/>
-          </a:xfrm>
-          <a:prstGeom prst="rect">
-            <a:avLst/>
-          </a:prstGeom>
-          <a:noFill/>
-          <a:ln w="9525">
-            <a:noFill/>
-            <a:miter lim="800000"/>
-            <a:headEnd/>
-            <a:tailEnd/>
-          </a:ln>
-        </p:spPr>
-      </p:pic>
-      <p:pic>
-        <p:nvPicPr>
-          <p:cNvPr id="3" name="Picture 2">
-            <a:extLst>
-              <a:ext uri="{FF2B5EF4-FFF2-40B4-BE49-F238E27FC236}">
-                <a16:creationId xmlns:a16="http://schemas.microsoft.com/office/drawing/2014/main" id="{38119C0F-CA25-43F8-8D92-F3589E2D7761}"/>
-              </a:ext>
-            </a:extLst>
-          </p:cNvPr>
-          <p:cNvPicPr>
-            <a:picLocks noChangeAspect="1"/>
-          </p:cNvPicPr>
-          <p:nvPr/>
-        </p:nvPicPr>
-        <p:blipFill>
-          <a:blip r:embed="rId3"/>
-          <a:stretch>
-            <a:fillRect/>
-          </a:stretch>
-        </p:blipFill>
-        <p:spPr>
-          <a:xfrm>
-            <a:off x="1427339" y="1823813"/>
-            <a:ext cx="9335803" cy="3210373"/>
-          </a:xfrm>
-          <a:prstGeom prst="rect">
-            <a:avLst/>
-          </a:prstGeom>
-        </p:spPr>
-      </p:pic>
-    </p:spTree>
-    <p:extLst>
-      <p:ext uri="{BB962C8B-B14F-4D97-AF65-F5344CB8AC3E}">
-        <p14:creationId xmlns:p14="http://schemas.microsoft.com/office/powerpoint/2010/main" val="3290911062"/>
-      </p:ext>
-    </p:extLst>
-  </p:cSld>
-  <p:clrMapOvr>
-    <a:masterClrMapping/>
-  </p:clrMapOvr>
-  <mc:AlternateContent xmlns:mc="http://schemas.openxmlformats.org/markup-compatibility/2006" xmlns:p14="http://schemas.microsoft.com/office/powerpoint/2010/main">
-    <mc:Choice Requires="p14">
-      <p:transition spd="med" p14:dur="700">
-        <p:fade/>
-      </p:transition>
-    </mc:Choice>
-    <mc:Fallback xmlns="">
-      <p:transition spd="med">
-        <p:fade/>
-      </p:transition>
-    </mc:Fallback>
-  </mc:AlternateContent>
-</p:sld>
-</file>
-
-<file path=ppt/slides/slide26.xml><?xml version="1.0" encoding="utf-8"?>
+<file path=ppt/slides/slide24.xml><?xml version="1.0" encoding="utf-8"?>
 <p:sld xmlns:a="http://schemas.openxmlformats.org/drawingml/2006/main" xmlns:r="http://schemas.openxmlformats.org/officeDocument/2006/relationships" xmlns:p="http://schemas.openxmlformats.org/presentationml/2006/main">
   <p:cSld>
     <p:spTree>
@@ -9330,16 +9237,259 @@
           </p:cNvPicPr>
           <p:nvPr/>
         </p:nvPicPr>
-        <p:blipFill>
-          <a:blip r:embed="rId3"/>
-          <a:stretch>
-            <a:fillRect/>
-          </a:stretch>
+        <p:blipFill rotWithShape="1">
+          <a:blip r:embed="rId3">
+            <a:extLst>
+              <a:ext uri="{BEBA8EAE-BF5A-486C-A8C5-ECC9F3942E4B}">
+                <a14:imgProps xmlns:a14="http://schemas.microsoft.com/office/drawing/2010/main">
+                  <a14:imgLayer r:embed="rId4">
+                    <a14:imgEffect>
+                      <a14:backgroundRemoval t="3544" b="26329" l="2371" r="96598">
+                        <a14:foregroundMark x1="2371" y1="9620" x2="3299" y2="26329"/>
+                        <a14:backgroundMark x1="14227" y1="15443" x2="14124" y2="23797"/>
+                        <a14:backgroundMark x1="14124" y1="23797" x2="99381" y2="24304"/>
+                        <a14:backgroundMark x1="99381" y1="24304" x2="99381" y2="17215"/>
+                        <a14:backgroundMark x1="99381" y1="17215" x2="14124" y2="15696"/>
+                        <a14:backgroundMark x1="14536" y1="15949" x2="31546" y2="22025"/>
+                        <a14:backgroundMark x1="31546" y1="22025" x2="15773" y2="18481"/>
+                        <a14:backgroundMark x1="15773" y1="18481" x2="15052" y2="21772"/>
+                        <a14:backgroundMark x1="14536" y1="17215" x2="20722" y2="21266"/>
+                        <a14:backgroundMark x1="14742" y1="16456" x2="15052" y2="21519"/>
+                        <a14:backgroundMark x1="15052" y1="21519" x2="17010" y2="21266"/>
+                        <a14:backgroundMark x1="17010" y1="21266" x2="15464" y2="16962"/>
+                        <a14:backgroundMark x1="22990" y1="16709" x2="20412" y2="23797"/>
+                        <a14:backgroundMark x1="24639" y1="16203" x2="30412" y2="24304"/>
+                        <a14:backgroundMark x1="24227" y1="14684" x2="21753" y2="15949"/>
+                        <a14:backgroundMark x1="30825" y1="16962" x2="39072" y2="23797"/>
+                        <a14:backgroundMark x1="28247" y1="16203" x2="32474" y2="15696"/>
+                        <a14:backgroundMark x1="33196" y1="16709" x2="43093" y2="24810"/>
+                        <a14:backgroundMark x1="37629" y1="15190" x2="47320" y2="22278"/>
+                        <a14:backgroundMark x1="47320" y1="22278" x2="47320" y2="22278"/>
+                        <a14:backgroundMark x1="47320" y1="22278" x2="47938" y2="24051"/>
+                        <a14:backgroundMark x1="45361" y1="16962" x2="52577" y2="23291"/>
+                        <a14:backgroundMark x1="48557" y1="20253" x2="53918" y2="20253"/>
+                        <a14:backgroundMark x1="51649" y1="16709" x2="56289" y2="23291"/>
+                        <a14:backgroundMark x1="58660" y1="17468" x2="64021" y2="23291"/>
+                        <a14:backgroundMark x1="65155" y1="17215" x2="71031" y2="24304"/>
+                        <a14:backgroundMark x1="63608" y1="17215" x2="64948" y2="17215"/>
+                        <a14:backgroundMark x1="69691" y1="16456" x2="75361" y2="23038"/>
+                        <a14:backgroundMark x1="77835" y1="15696" x2="84227" y2="22278"/>
+                        <a14:backgroundMark x1="77629" y1="17722" x2="83093" y2="24051"/>
+                        <a14:backgroundMark x1="76186" y1="16203" x2="78969" y2="19494"/>
+                        <a14:backgroundMark x1="82268" y1="17468" x2="87320" y2="24051"/>
+                        <a14:backgroundMark x1="81753" y1="16456" x2="79072" y2="17468"/>
+                        <a14:backgroundMark x1="81031" y1="18734" x2="82784" y2="17975"/>
+                        <a14:backgroundMark x1="85464" y1="16456" x2="86082" y2="23544"/>
+                        <a14:backgroundMark x1="82990" y1="17468" x2="87835" y2="17975"/>
+                        <a14:backgroundMark x1="84124" y1="17975" x2="84433" y2="20506"/>
+                        <a14:backgroundMark x1="82887" y1="20506" x2="89072" y2="17975"/>
+                        <a14:backgroundMark x1="90619" y1="17215" x2="93918" y2="23291"/>
+                        <a14:backgroundMark x1="93918" y1="23291" x2="94433" y2="24557"/>
+                        <a14:backgroundMark x1="89691" y1="17975" x2="91443" y2="17975"/>
+                        <a14:backgroundMark x1="95052" y1="17215" x2="98763" y2="23544"/>
+                        <a14:backgroundMark x1="92680" y1="18481" x2="97113" y2="23038"/>
+                        <a14:backgroundMark x1="95979" y1="18228" x2="93402" y2="24051"/>
+                        <a14:backgroundMark x1="91237" y1="17215" x2="96289" y2="18481"/>
+                        <a14:backgroundMark x1="96289" y1="18481" x2="91546" y2="21266"/>
+                        <a14:backgroundMark x1="91649" y1="17722" x2="93299" y2="21266"/>
+                        <a14:backgroundMark x1="95876" y1="20506" x2="98866" y2="16962"/>
+                        <a14:backgroundMark x1="95670" y1="19241" x2="97216" y2="22278"/>
+                        <a14:backgroundMark x1="92062" y1="18481" x2="89588" y2="22025"/>
+                        <a14:backgroundMark x1="83299" y1="13671" x2="82784" y2="22785"/>
+                        <a14:backgroundMark x1="83299" y1="14684" x2="94742" y2="15190"/>
+                        <a14:backgroundMark x1="94742" y1="15190" x2="97423" y2="15190"/>
+                        <a14:backgroundMark x1="97423" y1="15190" x2="99588" y2="22785"/>
+                        <a14:backgroundMark x1="99588" y1="22785" x2="98247" y2="24051"/>
+                        <a14:backgroundMark x1="98247" y1="24051" x2="83196" y2="21772"/>
+                        <a14:backgroundMark x1="83196" y1="21772" x2="88660" y2="17468"/>
+                      </a14:backgroundRemoval>
+                    </a14:imgEffect>
+                  </a14:imgLayer>
+                </a14:imgProps>
+              </a:ext>
+            </a:extLst>
+          </a:blip>
+          <a:srcRect t="1576" b="74359"/>
+          <a:stretch/>
         </p:blipFill>
         <p:spPr>
           <a:xfrm>
-            <a:off x="1474971" y="1547550"/>
-            <a:ext cx="9240540" cy="3762900"/>
+            <a:off x="1104900" y="1615735"/>
+            <a:ext cx="9240540" cy="905523"/>
+          </a:xfrm>
+          <a:prstGeom prst="rect">
+            <a:avLst/>
+          </a:prstGeom>
+        </p:spPr>
+      </p:pic>
+      <p:pic>
+        <p:nvPicPr>
+          <p:cNvPr id="6" name="Picture 5">
+            <a:extLst>
+              <a:ext uri="{FF2B5EF4-FFF2-40B4-BE49-F238E27FC236}">
+                <a16:creationId xmlns:a16="http://schemas.microsoft.com/office/drawing/2014/main" id="{031D0221-B19A-4F9E-BB69-C456DE12BAB9}"/>
+              </a:ext>
+            </a:extLst>
+          </p:cNvPr>
+          <p:cNvPicPr>
+            <a:picLocks noChangeAspect="1"/>
+          </p:cNvPicPr>
+          <p:nvPr/>
+        </p:nvPicPr>
+        <p:blipFill rotWithShape="1">
+          <a:blip r:embed="rId5"/>
+          <a:srcRect l="32059" t="28019" b="61423"/>
+          <a:stretch/>
+        </p:blipFill>
+        <p:spPr>
+          <a:xfrm>
+            <a:off x="1944209" y="2654052"/>
+            <a:ext cx="6278155" cy="397276"/>
+          </a:xfrm>
+          <a:prstGeom prst="rect">
+            <a:avLst/>
+          </a:prstGeom>
+        </p:spPr>
+      </p:pic>
+      <p:pic>
+        <p:nvPicPr>
+          <p:cNvPr id="7" name="Picture 6">
+            <a:extLst>
+              <a:ext uri="{FF2B5EF4-FFF2-40B4-BE49-F238E27FC236}">
+                <a16:creationId xmlns:a16="http://schemas.microsoft.com/office/drawing/2014/main" id="{2A8CE12E-AF99-41D4-81AC-F18BF238A594}"/>
+              </a:ext>
+            </a:extLst>
+          </p:cNvPr>
+          <p:cNvPicPr>
+            <a:picLocks noChangeAspect="1"/>
+          </p:cNvPicPr>
+          <p:nvPr/>
+        </p:nvPicPr>
+        <p:blipFill rotWithShape="1">
+          <a:blip r:embed="rId5"/>
+          <a:srcRect l="22339" t="41841" b="48456"/>
+          <a:stretch/>
+        </p:blipFill>
+        <p:spPr>
+          <a:xfrm>
+            <a:off x="1944209" y="3087145"/>
+            <a:ext cx="7176278" cy="365127"/>
+          </a:xfrm>
+          <a:prstGeom prst="rect">
+            <a:avLst/>
+          </a:prstGeom>
+        </p:spPr>
+      </p:pic>
+      <p:pic>
+        <p:nvPicPr>
+          <p:cNvPr id="8" name="Picture 7">
+            <a:extLst>
+              <a:ext uri="{FF2B5EF4-FFF2-40B4-BE49-F238E27FC236}">
+                <a16:creationId xmlns:a16="http://schemas.microsoft.com/office/drawing/2014/main" id="{7D16978F-10E7-48C2-B171-67272DD1DD09}"/>
+              </a:ext>
+            </a:extLst>
+          </p:cNvPr>
+          <p:cNvPicPr>
+            <a:picLocks noChangeAspect="1"/>
+          </p:cNvPicPr>
+          <p:nvPr/>
+        </p:nvPicPr>
+        <p:blipFill rotWithShape="1">
+          <a:blip r:embed="rId5"/>
+          <a:srcRect l="899" t="42981" r="77869" b="49941"/>
+          <a:stretch/>
+        </p:blipFill>
+        <p:spPr>
+          <a:xfrm>
+            <a:off x="8069802" y="2719525"/>
+            <a:ext cx="1961965" cy="266330"/>
+          </a:xfrm>
+          <a:prstGeom prst="rect">
+            <a:avLst/>
+          </a:prstGeom>
+        </p:spPr>
+      </p:pic>
+      <p:pic>
+        <p:nvPicPr>
+          <p:cNvPr id="9" name="Picture 8">
+            <a:extLst>
+              <a:ext uri="{FF2B5EF4-FFF2-40B4-BE49-F238E27FC236}">
+                <a16:creationId xmlns:a16="http://schemas.microsoft.com/office/drawing/2014/main" id="{DA523105-066F-43BE-B88F-0A5369D44FD4}"/>
+              </a:ext>
+            </a:extLst>
+          </p:cNvPr>
+          <p:cNvPicPr>
+            <a:picLocks noChangeAspect="1"/>
+          </p:cNvPicPr>
+          <p:nvPr/>
+        </p:nvPicPr>
+        <p:blipFill rotWithShape="1">
+          <a:blip r:embed="rId5"/>
+          <a:srcRect l="146" t="55145" r="84353" b="38367"/>
+          <a:stretch/>
+        </p:blipFill>
+        <p:spPr>
+          <a:xfrm>
+            <a:off x="9050784" y="3101884"/>
+            <a:ext cx="1432427" cy="244137"/>
+          </a:xfrm>
+          <a:prstGeom prst="rect">
+            <a:avLst/>
+          </a:prstGeom>
+        </p:spPr>
+      </p:pic>
+      <p:pic>
+        <p:nvPicPr>
+          <p:cNvPr id="10" name="Picture 9">
+            <a:extLst>
+              <a:ext uri="{FF2B5EF4-FFF2-40B4-BE49-F238E27FC236}">
+                <a16:creationId xmlns:a16="http://schemas.microsoft.com/office/drawing/2014/main" id="{1ECBDD22-86FE-470C-B08C-5E0C57CA81C7}"/>
+              </a:ext>
+            </a:extLst>
+          </p:cNvPr>
+          <p:cNvPicPr>
+            <a:picLocks noChangeAspect="1"/>
+          </p:cNvPicPr>
+          <p:nvPr/>
+        </p:nvPicPr>
+        <p:blipFill rotWithShape="1">
+          <a:blip r:embed="rId5"/>
+          <a:srcRect l="15535" t="54634" b="35334"/>
+          <a:stretch/>
+        </p:blipFill>
+        <p:spPr>
+          <a:xfrm>
+            <a:off x="1245833" y="3452272"/>
+            <a:ext cx="7804951" cy="377501"/>
+          </a:xfrm>
+          <a:prstGeom prst="rect">
+            <a:avLst/>
+          </a:prstGeom>
+        </p:spPr>
+      </p:pic>
+      <p:pic>
+        <p:nvPicPr>
+          <p:cNvPr id="11" name="Picture 10">
+            <a:extLst>
+              <a:ext uri="{FF2B5EF4-FFF2-40B4-BE49-F238E27FC236}">
+                <a16:creationId xmlns:a16="http://schemas.microsoft.com/office/drawing/2014/main" id="{FCBA3911-FDF2-40E1-9FBE-54C0B900900E}"/>
+              </a:ext>
+            </a:extLst>
+          </p:cNvPr>
+          <p:cNvPicPr>
+            <a:picLocks noChangeAspect="1"/>
+          </p:cNvPicPr>
+          <p:nvPr/>
+        </p:nvPicPr>
+        <p:blipFill rotWithShape="1">
+          <a:blip r:embed="rId5"/>
+          <a:srcRect l="22339" t="72808" r="21681" b="-1"/>
+          <a:stretch/>
+        </p:blipFill>
+        <p:spPr>
+          <a:xfrm>
+            <a:off x="3508798" y="4024623"/>
+            <a:ext cx="5172885" cy="1023212"/>
           </a:xfrm>
           <a:prstGeom prst="rect">
             <a:avLst/>
@@ -9350,6 +9500,314 @@
     <p:extLst>
       <p:ext uri="{BB962C8B-B14F-4D97-AF65-F5344CB8AC3E}">
         <p14:creationId xmlns:p14="http://schemas.microsoft.com/office/powerpoint/2010/main" val="706433204"/>
+      </p:ext>
+    </p:extLst>
+  </p:cSld>
+  <p:clrMapOvr>
+    <a:masterClrMapping/>
+  </p:clrMapOvr>
+  <mc:AlternateContent xmlns:mc="http://schemas.openxmlformats.org/markup-compatibility/2006" xmlns:p14="http://schemas.microsoft.com/office/powerpoint/2010/main">
+    <mc:Choice Requires="p14">
+      <p:transition spd="med" p14:dur="700">
+        <p:fade/>
+      </p:transition>
+    </mc:Choice>
+    <mc:Fallback xmlns="">
+      <p:transition spd="med">
+        <p:fade/>
+      </p:transition>
+    </mc:Fallback>
+  </mc:AlternateContent>
+</p:sld>
+</file>
+
+<file path=ppt/slides/slide25.xml><?xml version="1.0" encoding="utf-8"?>
+<p:sld xmlns:a="http://schemas.openxmlformats.org/drawingml/2006/main" xmlns:r="http://schemas.openxmlformats.org/officeDocument/2006/relationships" xmlns:p="http://schemas.openxmlformats.org/presentationml/2006/main">
+  <p:cSld>
+    <p:spTree>
+      <p:nvGrpSpPr>
+        <p:cNvPr id="1" name=""/>
+        <p:cNvGrpSpPr/>
+        <p:nvPr/>
+      </p:nvGrpSpPr>
+      <p:grpSpPr>
+        <a:xfrm>
+          <a:off x="0" y="0"/>
+          <a:ext cx="0" cy="0"/>
+          <a:chOff x="0" y="0"/>
+          <a:chExt cx="0" cy="0"/>
+        </a:xfrm>
+      </p:grpSpPr>
+      <p:sp>
+        <p:nvSpPr>
+          <p:cNvPr id="2" name="Title 1">
+            <a:extLst>
+              <a:ext uri="{FF2B5EF4-FFF2-40B4-BE49-F238E27FC236}">
+                <a16:creationId xmlns:a16="http://schemas.microsoft.com/office/drawing/2014/main" id="{59CD8984-BC59-4734-B887-307E297C13F3}"/>
+              </a:ext>
+            </a:extLst>
+          </p:cNvPr>
+          <p:cNvSpPr>
+            <a:spLocks noGrp="1"/>
+          </p:cNvSpPr>
+          <p:nvPr>
+            <p:ph type="title"/>
+          </p:nvPr>
+        </p:nvSpPr>
+        <p:spPr/>
+        <p:txBody>
+          <a:bodyPr/>
+          <a:lstStyle/>
+          <a:p>
+            <a:r>
+              <a:rPr lang="en-US" dirty="0"/>
+              <a:t>Experimental Setup	</a:t>
+            </a:r>
+          </a:p>
+        </p:txBody>
+      </p:sp>
+      <p:sp>
+        <p:nvSpPr>
+          <p:cNvPr id="3" name="Content Placeholder 2">
+            <a:extLst>
+              <a:ext uri="{FF2B5EF4-FFF2-40B4-BE49-F238E27FC236}">
+                <a16:creationId xmlns:a16="http://schemas.microsoft.com/office/drawing/2014/main" id="{773222F5-2607-436A-B88E-0AC87CEC05E6}"/>
+              </a:ext>
+            </a:extLst>
+          </p:cNvPr>
+          <p:cNvSpPr>
+            <a:spLocks noGrp="1"/>
+          </p:cNvSpPr>
+          <p:nvPr>
+            <p:ph idx="1"/>
+          </p:nvPr>
+        </p:nvSpPr>
+        <p:spPr/>
+        <p:txBody>
+          <a:bodyPr/>
+          <a:lstStyle/>
+          <a:p>
+            <a:r>
+              <a:rPr lang="en-US" dirty="0"/>
+              <a:t>We aim to implement the neural network models in </a:t>
+            </a:r>
+            <a:r>
+              <a:rPr lang="en-US" dirty="0" err="1"/>
+              <a:t>Tensorflow</a:t>
+            </a:r>
+            <a:r>
+              <a:rPr lang="en-US" dirty="0"/>
+              <a:t> using </a:t>
+            </a:r>
+            <a:r>
+              <a:rPr lang="en-US" dirty="0" err="1"/>
+              <a:t>Jupyter</a:t>
+            </a:r>
+            <a:r>
+              <a:rPr lang="en-US" dirty="0"/>
+              <a:t> Notebook and python</a:t>
+            </a:r>
+          </a:p>
+          <a:p>
+            <a:r>
+              <a:rPr lang="en-US" dirty="0"/>
+              <a:t>As deep learning models require huge computational power for training, we plan to use Google </a:t>
+            </a:r>
+            <a:r>
+              <a:rPr lang="en-US" dirty="0" err="1"/>
+              <a:t>Colab</a:t>
+            </a:r>
+            <a:r>
+              <a:rPr lang="en-US" dirty="0"/>
+              <a:t> which provides a Tesla K80 GPU with memory ranging between 8GB to 16GB</a:t>
+            </a:r>
+          </a:p>
+          <a:p>
+            <a:r>
+              <a:rPr lang="en-US" dirty="0"/>
+              <a:t>The dataset has been scraped off the Hubble Heritage project and Hubble Legacy Archive</a:t>
+            </a:r>
+          </a:p>
+          <a:p>
+            <a:r>
+              <a:rPr lang="en-US" dirty="0"/>
+              <a:t>The processing on the dataset will be done using OpenCV and other image libraries in python and will be fed into the network</a:t>
+            </a:r>
+          </a:p>
+        </p:txBody>
+      </p:sp>
+      <p:sp>
+        <p:nvSpPr>
+          <p:cNvPr id="4" name="Footer Placeholder 3">
+            <a:extLst>
+              <a:ext uri="{FF2B5EF4-FFF2-40B4-BE49-F238E27FC236}">
+                <a16:creationId xmlns:a16="http://schemas.microsoft.com/office/drawing/2014/main" id="{4DD67FAB-2132-4737-A37B-527D9DF651D1}"/>
+              </a:ext>
+            </a:extLst>
+          </p:cNvPr>
+          <p:cNvSpPr>
+            <a:spLocks noGrp="1"/>
+          </p:cNvSpPr>
+          <p:nvPr>
+            <p:ph type="ftr" sz="quarter" idx="11"/>
+          </p:nvPr>
+        </p:nvSpPr>
+        <p:spPr/>
+        <p:txBody>
+          <a:bodyPr/>
+          <a:lstStyle/>
+          <a:p>
+            <a:r>
+              <a:rPr lang="en-US"/>
+              <a:t>Astronomical image colourisation and super-resolution using GANS</a:t>
+            </a:r>
+            <a:endParaRPr lang="en-IN" dirty="0"/>
+          </a:p>
+        </p:txBody>
+      </p:sp>
+    </p:spTree>
+    <p:extLst>
+      <p:ext uri="{BB962C8B-B14F-4D97-AF65-F5344CB8AC3E}">
+        <p14:creationId xmlns:p14="http://schemas.microsoft.com/office/powerpoint/2010/main" val="259787384"/>
+      </p:ext>
+    </p:extLst>
+  </p:cSld>
+  <p:clrMapOvr>
+    <a:masterClrMapping/>
+  </p:clrMapOvr>
+  <mc:AlternateContent xmlns:mc="http://schemas.openxmlformats.org/markup-compatibility/2006" xmlns:p14="http://schemas.microsoft.com/office/powerpoint/2010/main">
+    <mc:Choice Requires="p14">
+      <p:transition spd="med" p14:dur="700">
+        <p:fade/>
+      </p:transition>
+    </mc:Choice>
+    <mc:Fallback xmlns="">
+      <p:transition spd="med">
+        <p:fade/>
+      </p:transition>
+    </mc:Fallback>
+  </mc:AlternateContent>
+</p:sld>
+</file>
+
+<file path=ppt/slides/slide26.xml><?xml version="1.0" encoding="utf-8"?>
+<p:sld xmlns:a="http://schemas.openxmlformats.org/drawingml/2006/main" xmlns:r="http://schemas.openxmlformats.org/officeDocument/2006/relationships" xmlns:p="http://schemas.openxmlformats.org/presentationml/2006/main">
+  <p:cSld>
+    <p:spTree>
+      <p:nvGrpSpPr>
+        <p:cNvPr id="1" name=""/>
+        <p:cNvGrpSpPr/>
+        <p:nvPr/>
+      </p:nvGrpSpPr>
+      <p:grpSpPr>
+        <a:xfrm>
+          <a:off x="0" y="0"/>
+          <a:ext cx="0" cy="0"/>
+          <a:chOff x="0" y="0"/>
+          <a:chExt cx="0" cy="0"/>
+        </a:xfrm>
+      </p:grpSpPr>
+      <p:sp>
+        <p:nvSpPr>
+          <p:cNvPr id="2" name="Title 1">
+            <a:extLst>
+              <a:ext uri="{FF2B5EF4-FFF2-40B4-BE49-F238E27FC236}">
+                <a16:creationId xmlns:a16="http://schemas.microsoft.com/office/drawing/2014/main" id="{20F02093-8C65-4A66-9FF3-86977B5BB43C}"/>
+              </a:ext>
+            </a:extLst>
+          </p:cNvPr>
+          <p:cNvSpPr>
+            <a:spLocks noGrp="1"/>
+          </p:cNvSpPr>
+          <p:nvPr>
+            <p:ph type="title"/>
+          </p:nvPr>
+        </p:nvSpPr>
+        <p:spPr/>
+        <p:txBody>
+          <a:bodyPr/>
+          <a:lstStyle/>
+          <a:p>
+            <a:r>
+              <a:rPr lang="en-US" dirty="0"/>
+              <a:t>Performance Parameters</a:t>
+            </a:r>
+          </a:p>
+        </p:txBody>
+      </p:sp>
+      <p:sp>
+        <p:nvSpPr>
+          <p:cNvPr id="3" name="Content Placeholder 2">
+            <a:extLst>
+              <a:ext uri="{FF2B5EF4-FFF2-40B4-BE49-F238E27FC236}">
+                <a16:creationId xmlns:a16="http://schemas.microsoft.com/office/drawing/2014/main" id="{570F2C5F-8D2D-4704-A718-EAD3E1D10EC6}"/>
+              </a:ext>
+            </a:extLst>
+          </p:cNvPr>
+          <p:cNvSpPr>
+            <a:spLocks noGrp="1"/>
+          </p:cNvSpPr>
+          <p:nvPr>
+            <p:ph idx="1"/>
+          </p:nvPr>
+        </p:nvSpPr>
+        <p:spPr/>
+        <p:txBody>
+          <a:bodyPr/>
+          <a:lstStyle/>
+          <a:p>
+            <a:r>
+              <a:rPr lang="en-US" dirty="0"/>
+              <a:t>To evaluate the performance of the coloring model quantitatively, we propose averaging the L1 and L2 distance (per pixel-channel) between the generated images and the ground truth images</a:t>
+            </a:r>
+          </a:p>
+          <a:p>
+            <a:r>
+              <a:rPr lang="en-US" dirty="0"/>
+              <a:t>Another evaluation method is to calculate the Perceptual loss. It is critical for the performance of the Generator network</a:t>
+            </a:r>
+          </a:p>
+          <a:p>
+            <a:r>
+              <a:rPr lang="en-US" dirty="0"/>
+              <a:t>The perceptual loss is defined as the weighted sum of the content loss and the adversarial loss component</a:t>
+            </a:r>
+          </a:p>
+        </p:txBody>
+      </p:sp>
+      <p:sp>
+        <p:nvSpPr>
+          <p:cNvPr id="4" name="Footer Placeholder 3">
+            <a:extLst>
+              <a:ext uri="{FF2B5EF4-FFF2-40B4-BE49-F238E27FC236}">
+                <a16:creationId xmlns:a16="http://schemas.microsoft.com/office/drawing/2014/main" id="{F904A597-6303-4E45-9BE2-1E834050B6DF}"/>
+              </a:ext>
+            </a:extLst>
+          </p:cNvPr>
+          <p:cNvSpPr>
+            <a:spLocks noGrp="1"/>
+          </p:cNvSpPr>
+          <p:nvPr>
+            <p:ph type="ftr" sz="quarter" idx="11"/>
+          </p:nvPr>
+        </p:nvSpPr>
+        <p:spPr/>
+        <p:txBody>
+          <a:bodyPr/>
+          <a:lstStyle/>
+          <a:p>
+            <a:r>
+              <a:rPr lang="en-US"/>
+              <a:t>Astronomical image colourisation and super-resolution using GANS</a:t>
+            </a:r>
+            <a:endParaRPr lang="en-IN"/>
+          </a:p>
+        </p:txBody>
+      </p:sp>
+    </p:spTree>
+    <p:extLst>
+      <p:ext uri="{BB962C8B-B14F-4D97-AF65-F5344CB8AC3E}">
+        <p14:creationId xmlns:p14="http://schemas.microsoft.com/office/powerpoint/2010/main" val="4289081568"/>
       </p:ext>
     </p:extLst>
   </p:cSld>
@@ -9393,7 +9851,7 @@
           <p:cNvPr id="2" name="Title 1">
             <a:extLst>
               <a:ext uri="{FF2B5EF4-FFF2-40B4-BE49-F238E27FC236}">
-                <a16:creationId xmlns:a16="http://schemas.microsoft.com/office/drawing/2014/main" id="{59CD8984-BC59-4734-B887-307E297C13F3}"/>
+                <a16:creationId xmlns:a16="http://schemas.microsoft.com/office/drawing/2014/main" id="{515C154E-1383-4623-8BD9-DC1CE79CA7B7}"/>
               </a:ext>
             </a:extLst>
           </p:cNvPr>
@@ -9411,7 +9869,7 @@
           <a:p>
             <a:r>
               <a:rPr lang="en-US" dirty="0"/>
-              <a:t>Experimental Setup	</a:t>
+              <a:t>Efficiency Issues</a:t>
             </a:r>
           </a:p>
         </p:txBody>
@@ -9421,7 +9879,7 @@
           <p:cNvPr id="3" name="Content Placeholder 2">
             <a:extLst>
               <a:ext uri="{FF2B5EF4-FFF2-40B4-BE49-F238E27FC236}">
-                <a16:creationId xmlns:a16="http://schemas.microsoft.com/office/drawing/2014/main" id="{773222F5-2607-436A-B88E-0AC87CEC05E6}"/>
+                <a16:creationId xmlns:a16="http://schemas.microsoft.com/office/drawing/2014/main" id="{4AF4CFE7-2266-41A1-B6EF-966C6526A2AF}"/>
               </a:ext>
             </a:extLst>
           </p:cNvPr>
@@ -9439,49 +9897,37 @@
           <a:p>
             <a:r>
               <a:rPr lang="en-US" dirty="0"/>
-              <a:t>We aim to implement the neural network models in </a:t>
-            </a:r>
-            <a:r>
-              <a:rPr lang="en-US" dirty="0" err="1"/>
-              <a:t>Tensorflow</a:t>
-            </a:r>
+              <a:t>The data gathered had to be scraped off websites such as the Hubble Legacy archive and Hubble main website</a:t>
+            </a:r>
+          </a:p>
+          <a:p>
             <a:r>
               <a:rPr lang="en-US" dirty="0"/>
-              <a:t> using </a:t>
-            </a:r>
-            <a:r>
-              <a:rPr lang="en-US" dirty="0" err="1"/>
-              <a:t>Jupyter</a:t>
-            </a:r>
+              <a:t>This yielded in more images than were useful. So we focused on a particular section of the sky where we could get the images of galaxy M101</a:t>
+            </a:r>
+          </a:p>
+          <a:p>
             <a:r>
               <a:rPr lang="en-US" dirty="0"/>
-              <a:t> Notebook and python</a:t>
+              <a:t>This still yielded in about 400,000 images which had to be manually filtered</a:t>
             </a:r>
           </a:p>
           <a:p>
             <a:r>
               <a:rPr lang="en-US" dirty="0"/>
-              <a:t>As deep learning models require huge computational power for training, we plan to use Google </a:t>
-            </a:r>
-            <a:r>
-              <a:rPr lang="en-US" dirty="0" err="1"/>
-              <a:t>Colab</a:t>
-            </a:r>
+              <a:t>Even with all the images available, the network training will require huge computational resources to perform efficiently</a:t>
+            </a:r>
+          </a:p>
+          <a:p>
             <a:r>
               <a:rPr lang="en-US" dirty="0"/>
-              <a:t> which provides a Tesla K80 GPU with memory ranging between 8GB to 16GB</a:t>
+              <a:t>The network parameters exceed the available training data and will require augmentation to avoid overfitting </a:t>
             </a:r>
           </a:p>
           <a:p>
             <a:r>
               <a:rPr lang="en-US" dirty="0"/>
-              <a:t>The dataset has been scraped off the Hubble Heritage project and Hubble Legacy Archive</a:t>
-            </a:r>
-          </a:p>
-          <a:p>
-            <a:r>
-              <a:rPr lang="en-US" dirty="0"/>
-              <a:t>The processing on the dataset will be done using OpenCV and other image libraries in python and will be fed into the network</a:t>
+              <a:t>A quantitative evaluation of a GAN is considerably difficult even with the availability of the ground truth images</a:t>
             </a:r>
           </a:p>
         </p:txBody>
@@ -9491,7 +9937,7 @@
           <p:cNvPr id="4" name="Footer Placeholder 3">
             <a:extLst>
               <a:ext uri="{FF2B5EF4-FFF2-40B4-BE49-F238E27FC236}">
-                <a16:creationId xmlns:a16="http://schemas.microsoft.com/office/drawing/2014/main" id="{4DD67FAB-2132-4737-A37B-527D9DF651D1}"/>
+                <a16:creationId xmlns:a16="http://schemas.microsoft.com/office/drawing/2014/main" id="{479926B9-6778-4DA9-BCBA-AC30CF378207}"/>
               </a:ext>
             </a:extLst>
           </p:cNvPr>
@@ -9508,16 +9954,17 @@
           <a:lstStyle/>
           <a:p>
             <a:r>
-              <a:rPr lang="en-IN"/>
-              <a:t>Title of the Course</a:t>
-            </a:r>
+              <a:rPr lang="en-US"/>
+              <a:t>Astronomical image colourisation and super-resolution using GANS</a:t>
+            </a:r>
+            <a:endParaRPr lang="en-IN"/>
           </a:p>
         </p:txBody>
       </p:sp>
     </p:spTree>
     <p:extLst>
       <p:ext uri="{BB962C8B-B14F-4D97-AF65-F5344CB8AC3E}">
-        <p14:creationId xmlns:p14="http://schemas.microsoft.com/office/powerpoint/2010/main" val="259787384"/>
+        <p14:creationId xmlns:p14="http://schemas.microsoft.com/office/powerpoint/2010/main" val="1342927445"/>
       </p:ext>
     </p:extLst>
   </p:cSld>
@@ -9561,7 +10008,7 @@
           <p:cNvPr id="2" name="Title 1">
             <a:extLst>
               <a:ext uri="{FF2B5EF4-FFF2-40B4-BE49-F238E27FC236}">
-                <a16:creationId xmlns:a16="http://schemas.microsoft.com/office/drawing/2014/main" id="{20F02093-8C65-4A66-9FF3-86977B5BB43C}"/>
+                <a16:creationId xmlns:a16="http://schemas.microsoft.com/office/drawing/2014/main" id="{1B088865-DEAE-4612-97AF-B61F6AF552E8}"/>
               </a:ext>
             </a:extLst>
           </p:cNvPr>
@@ -9579,7 +10026,7 @@
           <a:p>
             <a:r>
               <a:rPr lang="en-US" dirty="0"/>
-              <a:t>Performance Parameters</a:t>
+              <a:t>References</a:t>
             </a:r>
           </a:p>
         </p:txBody>
@@ -9589,7 +10036,7 @@
           <p:cNvPr id="3" name="Content Placeholder 2">
             <a:extLst>
               <a:ext uri="{FF2B5EF4-FFF2-40B4-BE49-F238E27FC236}">
-                <a16:creationId xmlns:a16="http://schemas.microsoft.com/office/drawing/2014/main" id="{570F2C5F-8D2D-4704-A718-EAD3E1D10EC6}"/>
+                <a16:creationId xmlns:a16="http://schemas.microsoft.com/office/drawing/2014/main" id="{EA8DEEA1-8858-40B0-9169-F753007ABA02}"/>
               </a:ext>
             </a:extLst>
           </p:cNvPr>
@@ -9602,30 +10049,291 @@
         </p:nvSpPr>
         <p:spPr/>
         <p:txBody>
-          <a:bodyPr/>
+          <a:bodyPr>
+            <a:normAutofit/>
+          </a:bodyPr>
           <a:lstStyle/>
           <a:p>
             <a:r>
-              <a:rPr lang="en-US" dirty="0"/>
-              <a:t>GANs can prove to be pretty challenging to evaluate because of lack of a label vector but in this particular case, we have a ground truth image</a:t>
-            </a:r>
-          </a:p>
-          <a:p>
-            <a:r>
-              <a:rPr lang="en-US" dirty="0"/>
-              <a:t>To evaluate the performance of the coloring model quantitatively, we propose averaging the L1 and L2 distance (per pixel-channel) between the generated images and the ground truth images</a:t>
-            </a:r>
-          </a:p>
-          <a:p>
-            <a:r>
-              <a:rPr lang="en-US" dirty="0"/>
-              <a:t>Another evaluation method is to calculate the Perceptual loss. It is critical for the performance of the Generator network</a:t>
-            </a:r>
-          </a:p>
-          <a:p>
-            <a:r>
-              <a:rPr lang="en-US" dirty="0"/>
-              <a:t>The perceptual loss is defined as the weighted sum of the content loss and the adversarial loss component</a:t>
+              <a:rPr lang="en-US" sz="1400" b="0" i="0" u="none" strike="noStrike" baseline="0" dirty="0">
+                <a:latin typeface="Times New Roman" panose="02020603050405020304" pitchFamily="18" charset="0"/>
+                <a:cs typeface="Times New Roman" panose="02020603050405020304" pitchFamily="18" charset="0"/>
+              </a:rPr>
+              <a:t>Cheng, Z., Yang, Q. and Sheng, B. (2016). Deep colorization.</a:t>
+            </a:r>
+          </a:p>
+          <a:p>
+            <a:r>
+              <a:rPr lang="en-US" sz="1400" b="0" i="0" u="none" strike="noStrike" baseline="0" dirty="0">
+                <a:latin typeface="Times New Roman" panose="02020603050405020304" pitchFamily="18" charset="0"/>
+                <a:cs typeface="Times New Roman" panose="02020603050405020304" pitchFamily="18" charset="0"/>
+              </a:rPr>
+              <a:t>Dahl, R. (2016). Automatic colorization.</a:t>
+            </a:r>
+            <a:endParaRPr lang="en-US" sz="1400" dirty="0">
+              <a:latin typeface="Times New Roman" panose="02020603050405020304" pitchFamily="18" charset="0"/>
+              <a:cs typeface="Times New Roman" panose="02020603050405020304" pitchFamily="18" charset="0"/>
+            </a:endParaRPr>
+          </a:p>
+          <a:p>
+            <a:pPr algn="l"/>
+            <a:r>
+              <a:rPr lang="en-US" sz="1400" b="0" i="0" u="none" strike="noStrike" baseline="0" dirty="0">
+                <a:latin typeface="Times New Roman" panose="02020603050405020304" pitchFamily="18" charset="0"/>
+                <a:cs typeface="Times New Roman" panose="02020603050405020304" pitchFamily="18" charset="0"/>
+              </a:rPr>
+              <a:t>Dong, C., Loy, C. C., He, K. and Tang, X. (2014). Learning a deep convolutional network for image super-resolution, </a:t>
+            </a:r>
+            <a:r>
+              <a:rPr lang="en-US" sz="1400" b="0" i="1" u="none" strike="noStrike" baseline="0" dirty="0">
+                <a:latin typeface="Times New Roman" panose="02020603050405020304" pitchFamily="18" charset="0"/>
+                <a:cs typeface="Times New Roman" panose="02020603050405020304" pitchFamily="18" charset="0"/>
+              </a:rPr>
+              <a:t>in</a:t>
+            </a:r>
+            <a:r>
+              <a:rPr lang="en-US" sz="1400" b="0" i="0" u="none" strike="noStrike" baseline="0" dirty="0">
+                <a:latin typeface="Times New Roman" panose="02020603050405020304" pitchFamily="18" charset="0"/>
+                <a:cs typeface="Times New Roman" panose="02020603050405020304" pitchFamily="18" charset="0"/>
+              </a:rPr>
+              <a:t> D. Fleet, T. 	</a:t>
+            </a:r>
+            <a:r>
+              <a:rPr lang="en-US" sz="1400" b="0" i="0" u="none" strike="noStrike" baseline="0" dirty="0" err="1">
+                <a:latin typeface="Times New Roman" panose="02020603050405020304" pitchFamily="18" charset="0"/>
+                <a:cs typeface="Times New Roman" panose="02020603050405020304" pitchFamily="18" charset="0"/>
+              </a:rPr>
+              <a:t>Pajdla</a:t>
+            </a:r>
+            <a:r>
+              <a:rPr lang="en-US" sz="1400" b="0" i="0" u="none" strike="noStrike" baseline="0" dirty="0">
+                <a:latin typeface="Times New Roman" panose="02020603050405020304" pitchFamily="18" charset="0"/>
+                <a:cs typeface="Times New Roman" panose="02020603050405020304" pitchFamily="18" charset="0"/>
+              </a:rPr>
+              <a:t>, B. Schiele and T. </a:t>
+            </a:r>
+            <a:r>
+              <a:rPr lang="en-US" sz="1400" b="0" i="0" u="none" strike="noStrike" baseline="0" dirty="0" err="1">
+                <a:latin typeface="Times New Roman" panose="02020603050405020304" pitchFamily="18" charset="0"/>
+                <a:cs typeface="Times New Roman" panose="02020603050405020304" pitchFamily="18" charset="0"/>
+              </a:rPr>
+              <a:t>Tuytelaars</a:t>
+            </a:r>
+            <a:r>
+              <a:rPr lang="en-US" sz="1400" dirty="0">
+                <a:latin typeface="Times New Roman" panose="02020603050405020304" pitchFamily="18" charset="0"/>
+                <a:cs typeface="Times New Roman" panose="02020603050405020304" pitchFamily="18" charset="0"/>
+              </a:rPr>
+              <a:t> </a:t>
+            </a:r>
+            <a:r>
+              <a:rPr lang="en-US" sz="1400" b="0" i="0" u="none" strike="noStrike" baseline="0" dirty="0">
+                <a:latin typeface="Times New Roman" panose="02020603050405020304" pitchFamily="18" charset="0"/>
+                <a:cs typeface="Times New Roman" panose="02020603050405020304" pitchFamily="18" charset="0"/>
+              </a:rPr>
+              <a:t>(eds), </a:t>
+            </a:r>
+            <a:r>
+              <a:rPr lang="en-US" sz="1400" b="0" i="1" u="none" strike="noStrike" baseline="0" dirty="0">
+                <a:latin typeface="Times New Roman" panose="02020603050405020304" pitchFamily="18" charset="0"/>
+                <a:cs typeface="Times New Roman" panose="02020603050405020304" pitchFamily="18" charset="0"/>
+              </a:rPr>
+              <a:t>Computer Vision – ECCV 2014</a:t>
+            </a:r>
+            <a:r>
+              <a:rPr lang="en-US" sz="1400" b="0" i="0" u="none" strike="noStrike" baseline="0" dirty="0">
+                <a:latin typeface="Times New Roman" panose="02020603050405020304" pitchFamily="18" charset="0"/>
+                <a:cs typeface="Times New Roman" panose="02020603050405020304" pitchFamily="18" charset="0"/>
+              </a:rPr>
+              <a:t>, Springer International Publishing, </a:t>
+            </a:r>
+          </a:p>
+          <a:p>
+            <a:pPr marL="457200" lvl="1" indent="0">
+              <a:buNone/>
+            </a:pPr>
+            <a:r>
+              <a:rPr lang="en-US" sz="1400" dirty="0">
+                <a:latin typeface="Times New Roman" panose="02020603050405020304" pitchFamily="18" charset="0"/>
+                <a:cs typeface="Times New Roman" panose="02020603050405020304" pitchFamily="18" charset="0"/>
+              </a:rPr>
+              <a:t>	</a:t>
+            </a:r>
+            <a:r>
+              <a:rPr lang="en-US" sz="1400" b="0" i="0" u="none" strike="noStrike" baseline="0" dirty="0">
+                <a:latin typeface="Times New Roman" panose="02020603050405020304" pitchFamily="18" charset="0"/>
+                <a:cs typeface="Times New Roman" panose="02020603050405020304" pitchFamily="18" charset="0"/>
+              </a:rPr>
+              <a:t>Cham, pp. 184-199.</a:t>
+            </a:r>
+          </a:p>
+          <a:p>
+            <a:pPr algn="l"/>
+            <a:r>
+              <a:rPr lang="en-US" sz="1400" b="0" i="0" u="none" strike="noStrike" baseline="0" dirty="0">
+                <a:latin typeface="Times New Roman" panose="02020603050405020304" pitchFamily="18" charset="0"/>
+                <a:cs typeface="Times New Roman" panose="02020603050405020304" pitchFamily="18" charset="0"/>
+              </a:rPr>
+              <a:t>Goodfellow, I. J., </a:t>
+            </a:r>
+            <a:r>
+              <a:rPr lang="en-US" sz="1400" b="0" i="0" u="none" strike="noStrike" baseline="0" dirty="0" err="1">
+                <a:latin typeface="Times New Roman" panose="02020603050405020304" pitchFamily="18" charset="0"/>
+                <a:cs typeface="Times New Roman" panose="02020603050405020304" pitchFamily="18" charset="0"/>
+              </a:rPr>
+              <a:t>Pouget</a:t>
+            </a:r>
+            <a:r>
+              <a:rPr lang="en-US" sz="1400" b="0" i="0" u="none" strike="noStrike" baseline="0" dirty="0">
+                <a:latin typeface="Times New Roman" panose="02020603050405020304" pitchFamily="18" charset="0"/>
+                <a:cs typeface="Times New Roman" panose="02020603050405020304" pitchFamily="18" charset="0"/>
+              </a:rPr>
+              <a:t>-Abadie, J., Mirza, M., Xu, B., </a:t>
+            </a:r>
+            <a:r>
+              <a:rPr lang="en-US" sz="1400" b="0" i="0" u="none" strike="noStrike" baseline="0" dirty="0" err="1">
+                <a:latin typeface="Times New Roman" panose="02020603050405020304" pitchFamily="18" charset="0"/>
+                <a:cs typeface="Times New Roman" panose="02020603050405020304" pitchFamily="18" charset="0"/>
+              </a:rPr>
+              <a:t>Warde</a:t>
+            </a:r>
+            <a:r>
+              <a:rPr lang="en-US" sz="1400" b="0" i="0" u="none" strike="noStrike" baseline="0" dirty="0">
+                <a:latin typeface="Times New Roman" panose="02020603050405020304" pitchFamily="18" charset="0"/>
+                <a:cs typeface="Times New Roman" panose="02020603050405020304" pitchFamily="18" charset="0"/>
+              </a:rPr>
+              <a:t>-Farley, D., </a:t>
+            </a:r>
+            <a:r>
+              <a:rPr lang="en-US" sz="1400" b="0" i="0" u="none" strike="noStrike" baseline="0" dirty="0" err="1">
+                <a:latin typeface="Times New Roman" panose="02020603050405020304" pitchFamily="18" charset="0"/>
+                <a:cs typeface="Times New Roman" panose="02020603050405020304" pitchFamily="18" charset="0"/>
+              </a:rPr>
+              <a:t>Ozair</a:t>
+            </a:r>
+            <a:r>
+              <a:rPr lang="en-US" sz="1400" b="0" i="0" u="none" strike="noStrike" baseline="0" dirty="0">
+                <a:latin typeface="Times New Roman" panose="02020603050405020304" pitchFamily="18" charset="0"/>
+                <a:cs typeface="Times New Roman" panose="02020603050405020304" pitchFamily="18" charset="0"/>
+              </a:rPr>
+              <a:t>, S., Courville, A. and  </a:t>
+            </a:r>
+            <a:r>
+              <a:rPr lang="en-US" sz="1400" b="0" i="0" u="none" strike="noStrike" baseline="0" dirty="0" err="1">
+                <a:latin typeface="Times New Roman" panose="02020603050405020304" pitchFamily="18" charset="0"/>
+                <a:cs typeface="Times New Roman" panose="02020603050405020304" pitchFamily="18" charset="0"/>
+              </a:rPr>
+              <a:t>Bengio</a:t>
+            </a:r>
+            <a:r>
+              <a:rPr lang="en-US" sz="1400" b="0" i="0" u="none" strike="noStrike" baseline="0" dirty="0">
+                <a:latin typeface="Times New Roman" panose="02020603050405020304" pitchFamily="18" charset="0"/>
+                <a:cs typeface="Times New Roman" panose="02020603050405020304" pitchFamily="18" charset="0"/>
+              </a:rPr>
+              <a:t>, Y. (2014). </a:t>
+            </a:r>
+            <a:endParaRPr lang="en-US" sz="1400" dirty="0">
+              <a:latin typeface="Times New Roman" panose="02020603050405020304" pitchFamily="18" charset="0"/>
+              <a:cs typeface="Times New Roman" panose="02020603050405020304" pitchFamily="18" charset="0"/>
+            </a:endParaRPr>
+          </a:p>
+          <a:p>
+            <a:pPr marL="457200" lvl="1" indent="0">
+              <a:buNone/>
+            </a:pPr>
+            <a:r>
+              <a:rPr lang="en-US" sz="1400" b="0" i="0" u="none" strike="noStrike" baseline="0" dirty="0">
+                <a:latin typeface="Times New Roman" panose="02020603050405020304" pitchFamily="18" charset="0"/>
+                <a:cs typeface="Times New Roman" panose="02020603050405020304" pitchFamily="18" charset="0"/>
+              </a:rPr>
+              <a:t>	Generative adversarial networks.</a:t>
+            </a:r>
+          </a:p>
+          <a:p>
+            <a:pPr algn="l"/>
+            <a:r>
+              <a:rPr lang="en-US" sz="1400" b="0" i="0" u="none" strike="noStrike" baseline="0" dirty="0">
+                <a:latin typeface="Times New Roman" panose="02020603050405020304" pitchFamily="18" charset="0"/>
+                <a:cs typeface="Times New Roman" panose="02020603050405020304" pitchFamily="18" charset="0"/>
+              </a:rPr>
+              <a:t>He, K., Zhang, X., Ren, S. and Sun, J. (2015). Deep residual learning for image recognition.</a:t>
+            </a:r>
+          </a:p>
+          <a:p>
+            <a:pPr algn="l"/>
+            <a:r>
+              <a:rPr lang="de-DE" sz="1400" b="0" i="0" u="none" strike="noStrike" baseline="0" dirty="0">
+                <a:latin typeface="Times New Roman" panose="02020603050405020304" pitchFamily="18" charset="0"/>
+                <a:cs typeface="Times New Roman" panose="02020603050405020304" pitchFamily="18" charset="0"/>
+              </a:rPr>
+              <a:t>Huang, Y.-C., Tung, Y.-S., Chen, J.-C., Wang, S.-W. and Wu, J.-L. (2005). An </a:t>
+            </a:r>
+            <a:r>
+              <a:rPr lang="en-US" sz="1400" b="0" i="0" u="none" strike="noStrike" baseline="0" dirty="0">
+                <a:latin typeface="Times New Roman" panose="02020603050405020304" pitchFamily="18" charset="0"/>
+                <a:cs typeface="Times New Roman" panose="02020603050405020304" pitchFamily="18" charset="0"/>
+              </a:rPr>
+              <a:t>adaptive edge detection based colorization algorithm and 	its applications, pp. 351–354.</a:t>
+            </a:r>
+          </a:p>
+          <a:p>
+            <a:pPr algn="l"/>
+            <a:r>
+              <a:rPr lang="en-US" sz="1400" b="0" i="0" u="none" strike="noStrike" baseline="0" dirty="0">
+                <a:latin typeface="Times New Roman" panose="02020603050405020304" pitchFamily="18" charset="0"/>
+                <a:cs typeface="Times New Roman" panose="02020603050405020304" pitchFamily="18" charset="0"/>
+              </a:rPr>
+              <a:t>Isola, P., Zhu, J.-Y., Zhou, T. and </a:t>
+            </a:r>
+            <a:r>
+              <a:rPr lang="en-US" sz="1400" b="0" i="0" u="none" strike="noStrike" baseline="0" dirty="0" err="1">
+                <a:latin typeface="Times New Roman" panose="02020603050405020304" pitchFamily="18" charset="0"/>
+                <a:cs typeface="Times New Roman" panose="02020603050405020304" pitchFamily="18" charset="0"/>
+              </a:rPr>
+              <a:t>Efros</a:t>
+            </a:r>
+            <a:r>
+              <a:rPr lang="en-US" sz="1400" b="0" i="0" u="none" strike="noStrike" baseline="0" dirty="0">
+                <a:latin typeface="Times New Roman" panose="02020603050405020304" pitchFamily="18" charset="0"/>
+                <a:cs typeface="Times New Roman" panose="02020603050405020304" pitchFamily="18" charset="0"/>
+              </a:rPr>
+              <a:t>, A. A. (2018). Image-to-image translation with conditional adversarial networks.</a:t>
+            </a:r>
+          </a:p>
+          <a:p>
+            <a:pPr algn="l"/>
+            <a:r>
+              <a:rPr lang="en-US" sz="1400" b="0" i="0" u="none" strike="noStrike" baseline="0" dirty="0" err="1">
+                <a:latin typeface="Times New Roman" panose="02020603050405020304" pitchFamily="18" charset="0"/>
+                <a:cs typeface="Times New Roman" panose="02020603050405020304" pitchFamily="18" charset="0"/>
+              </a:rPr>
+              <a:t>Jianchao</a:t>
+            </a:r>
+            <a:r>
+              <a:rPr lang="en-US" sz="1400" b="0" i="0" u="none" strike="noStrike" baseline="0" dirty="0">
+                <a:latin typeface="Times New Roman" panose="02020603050405020304" pitchFamily="18" charset="0"/>
+                <a:cs typeface="Times New Roman" panose="02020603050405020304" pitchFamily="18" charset="0"/>
+              </a:rPr>
+              <a:t> Yang, Wright, J., Huang, T. and Yi Ma (2008). Image super-resolution as sparse representation of raw image patches, </a:t>
+            </a:r>
+          </a:p>
+          <a:p>
+            <a:pPr marL="457200" lvl="1" indent="0">
+              <a:buNone/>
+            </a:pPr>
+            <a:r>
+              <a:rPr lang="en-US" sz="1400" b="0" i="1" u="none" strike="noStrike" baseline="0" dirty="0">
+                <a:latin typeface="Times New Roman" panose="02020603050405020304" pitchFamily="18" charset="0"/>
+                <a:cs typeface="Times New Roman" panose="02020603050405020304" pitchFamily="18" charset="0"/>
+              </a:rPr>
+              <a:t>	2008 IEEE Conference on Computer Vision and Pattern Recognition</a:t>
+            </a:r>
+            <a:r>
+              <a:rPr lang="en-US" sz="1400" b="0" i="0" u="none" strike="noStrike" baseline="0" dirty="0">
+                <a:latin typeface="Times New Roman" panose="02020603050405020304" pitchFamily="18" charset="0"/>
+                <a:cs typeface="Times New Roman" panose="02020603050405020304" pitchFamily="18" charset="0"/>
+              </a:rPr>
+              <a:t>, pp. 1–8.</a:t>
             </a:r>
           </a:p>
         </p:txBody>
@@ -9635,7 +10343,7 @@
           <p:cNvPr id="4" name="Footer Placeholder 3">
             <a:extLst>
               <a:ext uri="{FF2B5EF4-FFF2-40B4-BE49-F238E27FC236}">
-                <a16:creationId xmlns:a16="http://schemas.microsoft.com/office/drawing/2014/main" id="{F904A597-6303-4E45-9BE2-1E834050B6DF}"/>
+                <a16:creationId xmlns:a16="http://schemas.microsoft.com/office/drawing/2014/main" id="{90CF10EA-242A-4F9F-97DC-68619990925C}"/>
               </a:ext>
             </a:extLst>
           </p:cNvPr>
@@ -9652,16 +10360,17 @@
           <a:lstStyle/>
           <a:p>
             <a:r>
-              <a:rPr lang="en-IN"/>
-              <a:t>Title of the Course</a:t>
-            </a:r>
+              <a:rPr lang="en-US"/>
+              <a:t>Astronomical image colourisation and super-resolution using GANS</a:t>
+            </a:r>
+            <a:endParaRPr lang="en-IN"/>
           </a:p>
         </p:txBody>
       </p:sp>
     </p:spTree>
     <p:extLst>
       <p:ext uri="{BB962C8B-B14F-4D97-AF65-F5344CB8AC3E}">
-        <p14:creationId xmlns:p14="http://schemas.microsoft.com/office/powerpoint/2010/main" val="4289081568"/>
+        <p14:creationId xmlns:p14="http://schemas.microsoft.com/office/powerpoint/2010/main" val="3190111597"/>
       </p:ext>
     </p:extLst>
   </p:cSld>
@@ -9705,6 +10414,1499 @@
           <p:cNvPr id="2" name="Title 1">
             <a:extLst>
               <a:ext uri="{FF2B5EF4-FFF2-40B4-BE49-F238E27FC236}">
+                <a16:creationId xmlns:a16="http://schemas.microsoft.com/office/drawing/2014/main" id="{60013DAE-EE1B-473B-B3B6-648540F8F0E6}"/>
+              </a:ext>
+            </a:extLst>
+          </p:cNvPr>
+          <p:cNvSpPr>
+            <a:spLocks noGrp="1"/>
+          </p:cNvSpPr>
+          <p:nvPr>
+            <p:ph type="title"/>
+          </p:nvPr>
+        </p:nvSpPr>
+        <p:spPr/>
+        <p:txBody>
+          <a:bodyPr/>
+          <a:lstStyle/>
+          <a:p>
+            <a:r>
+              <a:rPr lang="en-US" dirty="0"/>
+              <a:t>References</a:t>
+            </a:r>
+          </a:p>
+        </p:txBody>
+      </p:sp>
+      <p:sp>
+        <p:nvSpPr>
+          <p:cNvPr id="3" name="Content Placeholder 2">
+            <a:extLst>
+              <a:ext uri="{FF2B5EF4-FFF2-40B4-BE49-F238E27FC236}">
+                <a16:creationId xmlns:a16="http://schemas.microsoft.com/office/drawing/2014/main" id="{6A2C8905-50B5-4EA0-8B9A-E1EE0EB58F40}"/>
+              </a:ext>
+            </a:extLst>
+          </p:cNvPr>
+          <p:cNvSpPr>
+            <a:spLocks noGrp="1"/>
+          </p:cNvSpPr>
+          <p:nvPr>
+            <p:ph idx="1"/>
+          </p:nvPr>
+        </p:nvSpPr>
+        <p:spPr/>
+        <p:txBody>
+          <a:bodyPr>
+            <a:normAutofit fontScale="92500" lnSpcReduction="20000"/>
+          </a:bodyPr>
+          <a:lstStyle/>
+          <a:p>
+            <a:pPr algn="l"/>
+            <a:r>
+              <a:rPr lang="en-US" sz="1400" b="0" i="0" u="none" strike="noStrike" baseline="0" dirty="0">
+                <a:latin typeface="Times New Roman" panose="02020603050405020304" pitchFamily="18" charset="0"/>
+                <a:cs typeface="Times New Roman" panose="02020603050405020304" pitchFamily="18" charset="0"/>
+              </a:rPr>
+              <a:t>Kim, J., Lee, J. K. and Lee, K. M. (2016). Accurate image super-resolution using very deep convolutional networks, </a:t>
+            </a:r>
+          </a:p>
+          <a:p>
+            <a:pPr marL="457200" lvl="1" indent="0">
+              <a:buNone/>
+            </a:pPr>
+            <a:r>
+              <a:rPr lang="en-US" sz="1500" b="0" i="1" u="none" strike="noStrike" baseline="0" dirty="0">
+                <a:latin typeface="Times New Roman" panose="02020603050405020304" pitchFamily="18" charset="0"/>
+                <a:cs typeface="Times New Roman" panose="02020603050405020304" pitchFamily="18" charset="0"/>
+              </a:rPr>
+              <a:t>	2016 IEEE Conference on Computer Vision and Pattern Recognition (CVPR), </a:t>
+            </a:r>
+            <a:r>
+              <a:rPr lang="en-US" sz="1500" b="0" i="0" u="none" strike="noStrike" baseline="0" dirty="0">
+                <a:latin typeface="Times New Roman" panose="02020603050405020304" pitchFamily="18" charset="0"/>
+                <a:cs typeface="Times New Roman" panose="02020603050405020304" pitchFamily="18" charset="0"/>
+              </a:rPr>
+              <a:t>pp. 1646–1654.</a:t>
+            </a:r>
+          </a:p>
+          <a:p>
+            <a:pPr algn="l"/>
+            <a:r>
+              <a:rPr lang="en-US" sz="1400" b="0" i="0" u="none" strike="noStrike" baseline="0" dirty="0" err="1">
+                <a:latin typeface="Times New Roman" panose="02020603050405020304" pitchFamily="18" charset="0"/>
+                <a:cs typeface="Times New Roman" panose="02020603050405020304" pitchFamily="18" charset="0"/>
+              </a:rPr>
+              <a:t>Ledig</a:t>
+            </a:r>
+            <a:r>
+              <a:rPr lang="en-US" sz="1400" b="0" i="0" u="none" strike="noStrike" baseline="0" dirty="0">
+                <a:latin typeface="Times New Roman" panose="02020603050405020304" pitchFamily="18" charset="0"/>
+                <a:cs typeface="Times New Roman" panose="02020603050405020304" pitchFamily="18" charset="0"/>
+              </a:rPr>
+              <a:t>, C., Theis, L., </a:t>
+            </a:r>
+            <a:r>
+              <a:rPr lang="en-US" sz="1400" b="0" i="0" u="none" strike="noStrike" baseline="0" dirty="0" err="1">
+                <a:latin typeface="Times New Roman" panose="02020603050405020304" pitchFamily="18" charset="0"/>
+                <a:cs typeface="Times New Roman" panose="02020603050405020304" pitchFamily="18" charset="0"/>
+              </a:rPr>
+              <a:t>Huszar</a:t>
+            </a:r>
+            <a:r>
+              <a:rPr lang="en-US" sz="1400" b="0" i="0" u="none" strike="noStrike" baseline="0" dirty="0">
+                <a:latin typeface="Times New Roman" panose="02020603050405020304" pitchFamily="18" charset="0"/>
+                <a:cs typeface="Times New Roman" panose="02020603050405020304" pitchFamily="18" charset="0"/>
+              </a:rPr>
+              <a:t>, F., Caballero, J., Cunningham, A., Acosta, A., Aitken, A., </a:t>
+            </a:r>
+            <a:r>
+              <a:rPr lang="en-US" sz="1400" b="0" i="0" u="none" strike="noStrike" baseline="0" dirty="0" err="1">
+                <a:latin typeface="Times New Roman" panose="02020603050405020304" pitchFamily="18" charset="0"/>
+                <a:cs typeface="Times New Roman" panose="02020603050405020304" pitchFamily="18" charset="0"/>
+              </a:rPr>
+              <a:t>Tejani</a:t>
+            </a:r>
+            <a:r>
+              <a:rPr lang="en-US" sz="1400" b="0" i="0" u="none" strike="noStrike" baseline="0" dirty="0">
+                <a:latin typeface="Times New Roman" panose="02020603050405020304" pitchFamily="18" charset="0"/>
+                <a:cs typeface="Times New Roman" panose="02020603050405020304" pitchFamily="18" charset="0"/>
+              </a:rPr>
+              <a:t>, A., </a:t>
+            </a:r>
+            <a:r>
+              <a:rPr lang="en-US" sz="1400" b="0" i="0" u="none" strike="noStrike" baseline="0" dirty="0" err="1">
+                <a:latin typeface="Times New Roman" panose="02020603050405020304" pitchFamily="18" charset="0"/>
+                <a:cs typeface="Times New Roman" panose="02020603050405020304" pitchFamily="18" charset="0"/>
+              </a:rPr>
+              <a:t>Totz</a:t>
+            </a:r>
+            <a:r>
+              <a:rPr lang="en-US" sz="1400" b="0" i="0" u="none" strike="noStrike" baseline="0" dirty="0">
+                <a:latin typeface="Times New Roman" panose="02020603050405020304" pitchFamily="18" charset="0"/>
+                <a:cs typeface="Times New Roman" panose="02020603050405020304" pitchFamily="18" charset="0"/>
+              </a:rPr>
+              <a:t>, J., Wang, Z. and Shi, W. (2017). </a:t>
+            </a:r>
+          </a:p>
+          <a:p>
+            <a:pPr marL="457200" lvl="1" indent="0">
+              <a:buNone/>
+            </a:pPr>
+            <a:r>
+              <a:rPr lang="en-US" sz="1500" b="0" i="0" u="none" strike="noStrike" baseline="0" dirty="0">
+                <a:latin typeface="Times New Roman" panose="02020603050405020304" pitchFamily="18" charset="0"/>
+                <a:cs typeface="Times New Roman" panose="02020603050405020304" pitchFamily="18" charset="0"/>
+              </a:rPr>
+              <a:t>	Photorealistic single image super-resolution using a generative adversarial network.</a:t>
+            </a:r>
+          </a:p>
+          <a:p>
+            <a:pPr algn="l"/>
+            <a:r>
+              <a:rPr lang="en-US" sz="1400" b="0" i="0" u="none" strike="noStrike" baseline="0" dirty="0">
+                <a:latin typeface="Times New Roman" panose="02020603050405020304" pitchFamily="18" charset="0"/>
+                <a:cs typeface="Times New Roman" panose="02020603050405020304" pitchFamily="18" charset="0"/>
+              </a:rPr>
+              <a:t>Levin, A., </a:t>
+            </a:r>
+            <a:r>
+              <a:rPr lang="en-US" sz="1400" b="0" i="0" u="none" strike="noStrike" baseline="0" dirty="0" err="1">
+                <a:latin typeface="Times New Roman" panose="02020603050405020304" pitchFamily="18" charset="0"/>
+                <a:cs typeface="Times New Roman" panose="02020603050405020304" pitchFamily="18" charset="0"/>
+              </a:rPr>
+              <a:t>Lischinski</a:t>
+            </a:r>
+            <a:r>
+              <a:rPr lang="en-US" sz="1400" b="0" i="0" u="none" strike="noStrike" baseline="0" dirty="0">
+                <a:latin typeface="Times New Roman" panose="02020603050405020304" pitchFamily="18" charset="0"/>
+                <a:cs typeface="Times New Roman" panose="02020603050405020304" pitchFamily="18" charset="0"/>
+              </a:rPr>
+              <a:t>, D. and Weiss, Y. (2004). Colorization using optimization, </a:t>
+            </a:r>
+            <a:r>
+              <a:rPr lang="sv-SE" sz="1400" b="0" i="1" u="none" strike="noStrike" baseline="0" dirty="0">
+                <a:latin typeface="Times New Roman" panose="02020603050405020304" pitchFamily="18" charset="0"/>
+                <a:cs typeface="Times New Roman" panose="02020603050405020304" pitchFamily="18" charset="0"/>
+              </a:rPr>
+              <a:t>ACM SIGGRAPH 2004 Papers</a:t>
+            </a:r>
+            <a:r>
+              <a:rPr lang="sv-SE" sz="1400" b="0" i="0" u="none" strike="noStrike" baseline="0" dirty="0">
+                <a:latin typeface="Times New Roman" panose="02020603050405020304" pitchFamily="18" charset="0"/>
+                <a:cs typeface="Times New Roman" panose="02020603050405020304" pitchFamily="18" charset="0"/>
+              </a:rPr>
+              <a:t>, pp. 689–694.</a:t>
+            </a:r>
+          </a:p>
+          <a:p>
+            <a:pPr algn="l"/>
+            <a:r>
+              <a:rPr lang="en-US" sz="1400" b="0" i="0" u="none" strike="noStrike" baseline="0" dirty="0">
+                <a:latin typeface="Times New Roman" panose="02020603050405020304" pitchFamily="18" charset="0"/>
+                <a:cs typeface="Times New Roman" panose="02020603050405020304" pitchFamily="18" charset="0"/>
+              </a:rPr>
+              <a:t>Long, J., </a:t>
+            </a:r>
+            <a:r>
+              <a:rPr lang="en-US" sz="1400" b="0" i="0" u="none" strike="noStrike" baseline="0" dirty="0" err="1">
+                <a:latin typeface="Times New Roman" panose="02020603050405020304" pitchFamily="18" charset="0"/>
+                <a:cs typeface="Times New Roman" panose="02020603050405020304" pitchFamily="18" charset="0"/>
+              </a:rPr>
+              <a:t>Shelhamer</a:t>
+            </a:r>
+            <a:r>
+              <a:rPr lang="en-US" sz="1400" b="0" i="0" u="none" strike="noStrike" baseline="0" dirty="0">
+                <a:latin typeface="Times New Roman" panose="02020603050405020304" pitchFamily="18" charset="0"/>
+                <a:cs typeface="Times New Roman" panose="02020603050405020304" pitchFamily="18" charset="0"/>
+              </a:rPr>
+              <a:t>, E. and Darrell, T. (2015). Fully convolutional networks for semantic segmentation, </a:t>
+            </a:r>
+          </a:p>
+          <a:p>
+            <a:pPr marL="457200" lvl="1" indent="0">
+              <a:buNone/>
+            </a:pPr>
+            <a:r>
+              <a:rPr lang="en-US" sz="1500" b="0" i="1" u="none" strike="noStrike" baseline="0" dirty="0">
+                <a:latin typeface="Times New Roman" panose="02020603050405020304" pitchFamily="18" charset="0"/>
+                <a:cs typeface="Times New Roman" panose="02020603050405020304" pitchFamily="18" charset="0"/>
+              </a:rPr>
+              <a:t>	2015 IEEE Conference on Computer Vision and Pattern Recognition (CVPR), </a:t>
+            </a:r>
+            <a:r>
+              <a:rPr lang="en-US" sz="1500" b="0" i="0" u="none" strike="noStrike" baseline="0" dirty="0">
+                <a:latin typeface="Times New Roman" panose="02020603050405020304" pitchFamily="18" charset="0"/>
+                <a:cs typeface="Times New Roman" panose="02020603050405020304" pitchFamily="18" charset="0"/>
+              </a:rPr>
+              <a:t>pp. 3431–3440</a:t>
+            </a:r>
+            <a:r>
+              <a:rPr lang="en-US" sz="1000" b="0" i="0" u="none" strike="noStrike" baseline="0" dirty="0">
+                <a:latin typeface="Times New Roman" panose="02020603050405020304" pitchFamily="18" charset="0"/>
+                <a:cs typeface="Times New Roman" panose="02020603050405020304" pitchFamily="18" charset="0"/>
+              </a:rPr>
+              <a:t>.</a:t>
+            </a:r>
+          </a:p>
+          <a:p>
+            <a:pPr algn="l"/>
+            <a:r>
+              <a:rPr lang="en-US" sz="1400" b="0" i="0" u="none" strike="noStrike" baseline="0" dirty="0">
+                <a:latin typeface="Times New Roman" panose="02020603050405020304" pitchFamily="18" charset="0"/>
+                <a:cs typeface="Times New Roman" panose="02020603050405020304" pitchFamily="18" charset="0"/>
+              </a:rPr>
+              <a:t>Mirza, M. and </a:t>
+            </a:r>
+            <a:r>
+              <a:rPr lang="en-US" sz="1400" b="0" i="0" u="none" strike="noStrike" baseline="0" dirty="0" err="1">
+                <a:latin typeface="Times New Roman" panose="02020603050405020304" pitchFamily="18" charset="0"/>
+                <a:cs typeface="Times New Roman" panose="02020603050405020304" pitchFamily="18" charset="0"/>
+              </a:rPr>
+              <a:t>Osindero</a:t>
+            </a:r>
+            <a:r>
+              <a:rPr lang="en-US" sz="1400" b="0" i="0" u="none" strike="noStrike" baseline="0" dirty="0">
+                <a:latin typeface="Times New Roman" panose="02020603050405020304" pitchFamily="18" charset="0"/>
+                <a:cs typeface="Times New Roman" panose="02020603050405020304" pitchFamily="18" charset="0"/>
+              </a:rPr>
+              <a:t>, S. (2014). Conditional generative adversarial nets.</a:t>
+            </a:r>
+            <a:endParaRPr lang="en-US" sz="1400" dirty="0">
+              <a:latin typeface="Times New Roman" panose="02020603050405020304" pitchFamily="18" charset="0"/>
+              <a:cs typeface="Times New Roman" panose="02020603050405020304" pitchFamily="18" charset="0"/>
+            </a:endParaRPr>
+          </a:p>
+          <a:p>
+            <a:pPr algn="l"/>
+            <a:r>
+              <a:rPr lang="en-US" sz="1400" b="0" i="0" u="none" strike="noStrike" baseline="0" dirty="0">
+                <a:latin typeface="Times New Roman" panose="02020603050405020304" pitchFamily="18" charset="0"/>
+                <a:cs typeface="Times New Roman" panose="02020603050405020304" pitchFamily="18" charset="0"/>
+              </a:rPr>
+              <a:t>Pressman, R. S. (1992). Software Engineering (3rd Ed.): A Practitioner’s Approach, McGraw-Hill, Inc., New York, NY, USA.</a:t>
+            </a:r>
+          </a:p>
+          <a:p>
+            <a:pPr algn="l"/>
+            <a:r>
+              <a:rPr lang="en-US" sz="1500" b="0" i="0" u="none" strike="noStrike" baseline="0" dirty="0">
+                <a:latin typeface="Times New Roman" panose="02020603050405020304" pitchFamily="18" charset="0"/>
+                <a:cs typeface="Times New Roman" panose="02020603050405020304" pitchFamily="18" charset="0"/>
+              </a:rPr>
+              <a:t>Qu, </a:t>
+            </a:r>
+            <a:r>
+              <a:rPr lang="en-US" sz="1500" b="0" i="0" u="none" strike="noStrike" baseline="0" dirty="0" err="1">
+                <a:latin typeface="Times New Roman" panose="02020603050405020304" pitchFamily="18" charset="0"/>
+                <a:cs typeface="Times New Roman" panose="02020603050405020304" pitchFamily="18" charset="0"/>
+              </a:rPr>
+              <a:t>Y.,Wong</a:t>
+            </a:r>
+            <a:r>
+              <a:rPr lang="en-US" sz="1500" b="0" i="0" u="none" strike="noStrike" baseline="0" dirty="0">
+                <a:latin typeface="Times New Roman" panose="02020603050405020304" pitchFamily="18" charset="0"/>
+                <a:cs typeface="Times New Roman" panose="02020603050405020304" pitchFamily="18" charset="0"/>
+              </a:rPr>
+              <a:t>, T.-T. and Heng, P.-A. (2006). Manga colorization, ACM Transactions on Graphics (TOG) 25(3): 1214–1220.</a:t>
+            </a:r>
+          </a:p>
+          <a:p>
+            <a:pPr algn="l"/>
+            <a:r>
+              <a:rPr lang="en-US" sz="1500" b="0" i="0" u="none" strike="noStrike" baseline="0" dirty="0">
+                <a:latin typeface="Times New Roman" panose="02020603050405020304" pitchFamily="18" charset="0"/>
+                <a:cs typeface="Times New Roman" panose="02020603050405020304" pitchFamily="18" charset="0"/>
+              </a:rPr>
+              <a:t>Radford, A., Metz, L. and </a:t>
+            </a:r>
+            <a:r>
+              <a:rPr lang="en-US" sz="1500" b="0" i="0" u="none" strike="noStrike" baseline="0" dirty="0" err="1">
+                <a:latin typeface="Times New Roman" panose="02020603050405020304" pitchFamily="18" charset="0"/>
+                <a:cs typeface="Times New Roman" panose="02020603050405020304" pitchFamily="18" charset="0"/>
+              </a:rPr>
+              <a:t>Chintala</a:t>
+            </a:r>
+            <a:r>
+              <a:rPr lang="en-US" sz="1500" b="0" i="0" u="none" strike="noStrike" baseline="0" dirty="0">
+                <a:latin typeface="Times New Roman" panose="02020603050405020304" pitchFamily="18" charset="0"/>
+                <a:cs typeface="Times New Roman" panose="02020603050405020304" pitchFamily="18" charset="0"/>
+              </a:rPr>
+              <a:t>, S. (2016). Unsupervised representation learning with deep convolutional generative adversarial 	networks.</a:t>
+            </a:r>
+          </a:p>
+          <a:p>
+            <a:pPr algn="l"/>
+            <a:r>
+              <a:rPr lang="en-US" sz="1500" b="0" i="0" u="none" strike="noStrike" baseline="0" dirty="0">
+                <a:latin typeface="Times New Roman" panose="02020603050405020304" pitchFamily="18" charset="0"/>
+                <a:cs typeface="Times New Roman" panose="02020603050405020304" pitchFamily="18" charset="0"/>
+              </a:rPr>
+              <a:t>Shi, W., Caballero, J., </a:t>
+            </a:r>
+            <a:r>
+              <a:rPr lang="en-US" sz="1500" b="0" i="0" u="none" strike="noStrike" baseline="0" dirty="0" err="1">
+                <a:latin typeface="Times New Roman" panose="02020603050405020304" pitchFamily="18" charset="0"/>
+                <a:cs typeface="Times New Roman" panose="02020603050405020304" pitchFamily="18" charset="0"/>
+              </a:rPr>
+              <a:t>Husz´ar</a:t>
+            </a:r>
+            <a:r>
+              <a:rPr lang="en-US" sz="1500" b="0" i="0" u="none" strike="noStrike" baseline="0" dirty="0">
+                <a:latin typeface="Times New Roman" panose="02020603050405020304" pitchFamily="18" charset="0"/>
+                <a:cs typeface="Times New Roman" panose="02020603050405020304" pitchFamily="18" charset="0"/>
+              </a:rPr>
+              <a:t>, F., </a:t>
+            </a:r>
+            <a:r>
+              <a:rPr lang="en-US" sz="1500" b="0" i="0" u="none" strike="noStrike" baseline="0" dirty="0" err="1">
+                <a:latin typeface="Times New Roman" panose="02020603050405020304" pitchFamily="18" charset="0"/>
+                <a:cs typeface="Times New Roman" panose="02020603050405020304" pitchFamily="18" charset="0"/>
+              </a:rPr>
+              <a:t>Totz</a:t>
+            </a:r>
+            <a:r>
+              <a:rPr lang="en-US" sz="1500" b="0" i="0" u="none" strike="noStrike" baseline="0" dirty="0">
+                <a:latin typeface="Times New Roman" panose="02020603050405020304" pitchFamily="18" charset="0"/>
+                <a:cs typeface="Times New Roman" panose="02020603050405020304" pitchFamily="18" charset="0"/>
+              </a:rPr>
+              <a:t>, J., Aitken, A. P., Bishop, R., </a:t>
+            </a:r>
+            <a:r>
+              <a:rPr lang="en-US" sz="1500" b="0" i="0" u="none" strike="noStrike" baseline="0" dirty="0" err="1">
+                <a:latin typeface="Times New Roman" panose="02020603050405020304" pitchFamily="18" charset="0"/>
+                <a:cs typeface="Times New Roman" panose="02020603050405020304" pitchFamily="18" charset="0"/>
+              </a:rPr>
+              <a:t>Rueckert</a:t>
+            </a:r>
+            <a:r>
+              <a:rPr lang="en-US" sz="1500" b="0" i="0" u="none" strike="noStrike" baseline="0" dirty="0">
+                <a:latin typeface="Times New Roman" panose="02020603050405020304" pitchFamily="18" charset="0"/>
+                <a:cs typeface="Times New Roman" panose="02020603050405020304" pitchFamily="18" charset="0"/>
+              </a:rPr>
+              <a:t>, D. and Wang, Z. (2016). </a:t>
+            </a:r>
+          </a:p>
+          <a:p>
+            <a:pPr marL="457200" lvl="1" indent="0">
+              <a:buNone/>
+            </a:pPr>
+            <a:r>
+              <a:rPr lang="en-US" sz="1500" b="0" i="0" u="none" strike="noStrike" baseline="0" dirty="0">
+                <a:latin typeface="Times New Roman" panose="02020603050405020304" pitchFamily="18" charset="0"/>
+                <a:cs typeface="Times New Roman" panose="02020603050405020304" pitchFamily="18" charset="0"/>
+              </a:rPr>
+              <a:t>	Real-time single image and video super-resolution using an efficient sub-pixel convolutional neural network, </a:t>
+            </a:r>
+          </a:p>
+          <a:p>
+            <a:pPr marL="457200" lvl="1" indent="0">
+              <a:buNone/>
+            </a:pPr>
+            <a:r>
+              <a:rPr lang="en-US" sz="1500" dirty="0">
+                <a:latin typeface="Times New Roman" panose="02020603050405020304" pitchFamily="18" charset="0"/>
+                <a:cs typeface="Times New Roman" panose="02020603050405020304" pitchFamily="18" charset="0"/>
+              </a:rPr>
+              <a:t>	</a:t>
+            </a:r>
+            <a:r>
+              <a:rPr lang="en-US" sz="1500" b="0" i="1" u="none" strike="noStrike" baseline="0" dirty="0">
+                <a:latin typeface="Times New Roman" panose="02020603050405020304" pitchFamily="18" charset="0"/>
+                <a:cs typeface="Times New Roman" panose="02020603050405020304" pitchFamily="18" charset="0"/>
+              </a:rPr>
+              <a:t>2016 IEEE Conference on Computer Vision and Pattern Recognition (CVPR),</a:t>
+            </a:r>
+            <a:r>
+              <a:rPr lang="en-US" sz="1500" b="0" i="0" u="none" strike="noStrike" baseline="0" dirty="0">
+                <a:latin typeface="Times New Roman" panose="02020603050405020304" pitchFamily="18" charset="0"/>
+                <a:cs typeface="Times New Roman" panose="02020603050405020304" pitchFamily="18" charset="0"/>
+              </a:rPr>
+              <a:t> pp. 1874–1883.</a:t>
+            </a:r>
+            <a:endParaRPr lang="en-US" sz="1500" dirty="0">
+              <a:latin typeface="Times New Roman" panose="02020603050405020304" pitchFamily="18" charset="0"/>
+              <a:cs typeface="Times New Roman" panose="02020603050405020304" pitchFamily="18" charset="0"/>
+            </a:endParaRPr>
+          </a:p>
+        </p:txBody>
+      </p:sp>
+      <p:sp>
+        <p:nvSpPr>
+          <p:cNvPr id="4" name="Footer Placeholder 3">
+            <a:extLst>
+              <a:ext uri="{FF2B5EF4-FFF2-40B4-BE49-F238E27FC236}">
+                <a16:creationId xmlns:a16="http://schemas.microsoft.com/office/drawing/2014/main" id="{478E4A7B-00AC-4117-8CCF-32F4EA319662}"/>
+              </a:ext>
+            </a:extLst>
+          </p:cNvPr>
+          <p:cNvSpPr>
+            <a:spLocks noGrp="1"/>
+          </p:cNvSpPr>
+          <p:nvPr>
+            <p:ph type="ftr" sz="quarter" idx="11"/>
+          </p:nvPr>
+        </p:nvSpPr>
+        <p:spPr/>
+        <p:txBody>
+          <a:bodyPr/>
+          <a:lstStyle/>
+          <a:p>
+            <a:r>
+              <a:rPr lang="en-US"/>
+              <a:t>Astronomical image colourisation and super-resolution using GANS</a:t>
+            </a:r>
+            <a:endParaRPr lang="en-IN"/>
+          </a:p>
+        </p:txBody>
+      </p:sp>
+    </p:spTree>
+    <p:extLst>
+      <p:ext uri="{BB962C8B-B14F-4D97-AF65-F5344CB8AC3E}">
+        <p14:creationId xmlns:p14="http://schemas.microsoft.com/office/powerpoint/2010/main" val="604998426"/>
+      </p:ext>
+    </p:extLst>
+  </p:cSld>
+  <p:clrMapOvr>
+    <a:masterClrMapping/>
+  </p:clrMapOvr>
+  <mc:AlternateContent xmlns:mc="http://schemas.openxmlformats.org/markup-compatibility/2006" xmlns:p14="http://schemas.microsoft.com/office/powerpoint/2010/main">
+    <mc:Choice Requires="p14">
+      <p:transition spd="med" p14:dur="700">
+        <p:fade/>
+      </p:transition>
+    </mc:Choice>
+    <mc:Fallback xmlns="">
+      <p:transition spd="med">
+        <p:fade/>
+      </p:transition>
+    </mc:Fallback>
+  </mc:AlternateContent>
+</p:sld>
+</file>
+
+<file path=ppt/slides/slide3.xml><?xml version="1.0" encoding="utf-8"?>
+<p:sld xmlns:a="http://schemas.openxmlformats.org/drawingml/2006/main" xmlns:r="http://schemas.openxmlformats.org/officeDocument/2006/relationships" xmlns:p="http://schemas.openxmlformats.org/presentationml/2006/main">
+  <p:cSld>
+    <p:spTree>
+      <p:nvGrpSpPr>
+        <p:cNvPr id="1" name=""/>
+        <p:cNvGrpSpPr/>
+        <p:nvPr/>
+      </p:nvGrpSpPr>
+      <p:grpSpPr>
+        <a:xfrm>
+          <a:off x="0" y="0"/>
+          <a:ext cx="0" cy="0"/>
+          <a:chOff x="0" y="0"/>
+          <a:chExt cx="0" cy="0"/>
+        </a:xfrm>
+      </p:grpSpPr>
+      <p:sp>
+        <p:nvSpPr>
+          <p:cNvPr id="13" name="Title 12"/>
+          <p:cNvSpPr>
+            <a:spLocks noGrp="1"/>
+          </p:cNvSpPr>
+          <p:nvPr>
+            <p:ph type="title"/>
+          </p:nvPr>
+        </p:nvSpPr>
+        <p:spPr/>
+        <p:txBody>
+          <a:bodyPr/>
+          <a:lstStyle/>
+          <a:p>
+            <a:r>
+              <a:rPr lang="en-US" dirty="0"/>
+              <a:t>Content</a:t>
+            </a:r>
+          </a:p>
+        </p:txBody>
+      </p:sp>
+      <p:sp>
+        <p:nvSpPr>
+          <p:cNvPr id="14" name="Content Placeholder 13"/>
+          <p:cNvSpPr>
+            <a:spLocks noGrp="1"/>
+          </p:cNvSpPr>
+          <p:nvPr>
+            <p:ph idx="1"/>
+          </p:nvPr>
+        </p:nvSpPr>
+        <p:spPr/>
+        <p:txBody>
+          <a:bodyPr>
+            <a:normAutofit fontScale="70000" lnSpcReduction="20000"/>
+          </a:bodyPr>
+          <a:lstStyle/>
+          <a:p>
+            <a:pPr marL="228600" indent="-228600">
+              <a:lnSpc>
+                <a:spcPct val="90000"/>
+              </a:lnSpc>
+              <a:spcBef>
+                <a:spcPts val="1800"/>
+              </a:spcBef>
+              <a:buFont typeface="Wingdings" panose="05000000000000000000" pitchFamily="2" charset="2"/>
+              <a:buChar char="§"/>
+            </a:pPr>
+            <a:r>
+              <a:rPr lang="en-US" sz="2000" dirty="0"/>
+              <a:t>Problem Definition</a:t>
+            </a:r>
+          </a:p>
+          <a:p>
+            <a:pPr marL="228600" indent="-228600">
+              <a:lnSpc>
+                <a:spcPct val="90000"/>
+              </a:lnSpc>
+              <a:spcBef>
+                <a:spcPts val="1800"/>
+              </a:spcBef>
+              <a:buFont typeface="Wingdings" panose="05000000000000000000" pitchFamily="2" charset="2"/>
+              <a:buChar char="§"/>
+            </a:pPr>
+            <a:r>
+              <a:rPr lang="en-US" dirty="0"/>
+              <a:t>Requirement Specification</a:t>
+            </a:r>
+          </a:p>
+          <a:p>
+            <a:pPr marL="228600" indent="-228600">
+              <a:lnSpc>
+                <a:spcPct val="90000"/>
+              </a:lnSpc>
+              <a:spcBef>
+                <a:spcPts val="1800"/>
+              </a:spcBef>
+              <a:buFont typeface="Wingdings" panose="05000000000000000000" pitchFamily="2" charset="2"/>
+              <a:buChar char="§"/>
+            </a:pPr>
+            <a:r>
+              <a:rPr lang="en-US" sz="2000" dirty="0"/>
+              <a:t>Literature Survey</a:t>
+            </a:r>
+          </a:p>
+          <a:p>
+            <a:pPr marL="228600" indent="-228600">
+              <a:lnSpc>
+                <a:spcPct val="90000"/>
+              </a:lnSpc>
+              <a:spcBef>
+                <a:spcPts val="1800"/>
+              </a:spcBef>
+              <a:buFont typeface="Wingdings" panose="05000000000000000000" pitchFamily="2" charset="2"/>
+              <a:buChar char="§"/>
+            </a:pPr>
+            <a:r>
+              <a:rPr lang="en-US" sz="2000" dirty="0"/>
+              <a:t>Motivation of the Project</a:t>
+            </a:r>
+          </a:p>
+          <a:p>
+            <a:pPr marL="228600" indent="-228600">
+              <a:lnSpc>
+                <a:spcPct val="90000"/>
+              </a:lnSpc>
+              <a:spcBef>
+                <a:spcPts val="1800"/>
+              </a:spcBef>
+              <a:buFont typeface="Wingdings" panose="05000000000000000000" pitchFamily="2" charset="2"/>
+              <a:buChar char="§"/>
+            </a:pPr>
+            <a:r>
+              <a:rPr lang="en-US" sz="2000" dirty="0"/>
+              <a:t>Objectives</a:t>
+            </a:r>
+          </a:p>
+          <a:p>
+            <a:pPr marL="228600" indent="-228600">
+              <a:lnSpc>
+                <a:spcPct val="90000"/>
+              </a:lnSpc>
+              <a:spcBef>
+                <a:spcPts val="1800"/>
+              </a:spcBef>
+              <a:buFont typeface="Wingdings" panose="05000000000000000000" pitchFamily="2" charset="2"/>
+              <a:buChar char="§"/>
+            </a:pPr>
+            <a:r>
+              <a:rPr lang="en-US" sz="2000" dirty="0"/>
+              <a:t>Block diagram of Project/Architecture</a:t>
+            </a:r>
+          </a:p>
+          <a:p>
+            <a:pPr marL="228600" indent="-228600">
+              <a:lnSpc>
+                <a:spcPct val="90000"/>
+              </a:lnSpc>
+              <a:spcBef>
+                <a:spcPts val="1800"/>
+              </a:spcBef>
+              <a:buFont typeface="Wingdings" panose="05000000000000000000" pitchFamily="2" charset="2"/>
+              <a:buChar char="§"/>
+            </a:pPr>
+            <a:r>
+              <a:rPr lang="en-US" sz="2000" dirty="0"/>
+              <a:t>Methodology</a:t>
+            </a:r>
+          </a:p>
+          <a:p>
+            <a:pPr marL="228600" indent="-228600">
+              <a:lnSpc>
+                <a:spcPct val="90000"/>
+              </a:lnSpc>
+              <a:spcBef>
+                <a:spcPts val="1800"/>
+              </a:spcBef>
+              <a:buFont typeface="Wingdings" panose="05000000000000000000" pitchFamily="2" charset="2"/>
+              <a:buChar char="§"/>
+            </a:pPr>
+            <a:r>
+              <a:rPr lang="en-US" sz="2000" dirty="0"/>
+              <a:t>Mathematical Model</a:t>
+            </a:r>
+          </a:p>
+          <a:p>
+            <a:r>
+              <a:rPr lang="en-US" dirty="0"/>
+              <a:t>Experimental Set Up</a:t>
+            </a:r>
+          </a:p>
+          <a:p>
+            <a:r>
+              <a:rPr lang="en-US" sz="2000" dirty="0"/>
+              <a:t>Performance Parameter</a:t>
+            </a:r>
+          </a:p>
+          <a:p>
+            <a:r>
+              <a:rPr lang="en-US" dirty="0"/>
+              <a:t>Efficiency Issues</a:t>
+            </a:r>
+          </a:p>
+          <a:p>
+            <a:r>
+              <a:rPr lang="en-US" sz="2000" dirty="0"/>
+              <a:t>References</a:t>
+            </a:r>
+          </a:p>
+          <a:p>
+            <a:pPr marL="228600" indent="-228600">
+              <a:lnSpc>
+                <a:spcPct val="90000"/>
+              </a:lnSpc>
+              <a:spcBef>
+                <a:spcPts val="1800"/>
+              </a:spcBef>
+              <a:buFont typeface="Wingdings" panose="05000000000000000000" pitchFamily="2" charset="2"/>
+              <a:buChar char="§"/>
+            </a:pPr>
+            <a:endParaRPr lang="en-US" sz="2000" dirty="0"/>
+          </a:p>
+          <a:p>
+            <a:pPr marL="228600" indent="-228600">
+              <a:lnSpc>
+                <a:spcPct val="90000"/>
+              </a:lnSpc>
+              <a:spcBef>
+                <a:spcPts val="1800"/>
+              </a:spcBef>
+              <a:buFont typeface="Wingdings" panose="05000000000000000000" pitchFamily="2" charset="2"/>
+              <a:buChar char="§"/>
+            </a:pPr>
+            <a:endParaRPr lang="en-US" sz="2000" dirty="0"/>
+          </a:p>
+        </p:txBody>
+      </p:sp>
+      <p:sp>
+        <p:nvSpPr>
+          <p:cNvPr id="5" name="Footer Placeholder 4"/>
+          <p:cNvSpPr>
+            <a:spLocks noGrp="1"/>
+          </p:cNvSpPr>
+          <p:nvPr>
+            <p:ph type="ftr" sz="quarter" idx="11"/>
+          </p:nvPr>
+        </p:nvSpPr>
+        <p:spPr/>
+        <p:txBody>
+          <a:bodyPr/>
+          <a:lstStyle/>
+          <a:p>
+            <a:r>
+              <a:rPr lang="en-IN" sz="1200" dirty="0">
+                <a:cs typeface="Times New Roman" panose="02020603050405020304" pitchFamily="18" charset="0"/>
+              </a:rPr>
+              <a:t>Astronomical image colourisation and super-resolution using GANS</a:t>
+            </a:r>
+            <a:endParaRPr lang="en-IN" dirty="0"/>
+          </a:p>
+        </p:txBody>
+      </p:sp>
+      <p:pic>
+        <p:nvPicPr>
+          <p:cNvPr id="4" name="Picture 1"/>
+          <p:cNvPicPr>
+            <a:picLocks noChangeAspect="1" noChangeArrowheads="1"/>
+          </p:cNvPicPr>
+          <p:nvPr/>
+        </p:nvPicPr>
+        <p:blipFill>
+          <a:blip r:embed="rId2" cstate="print">
+            <a:extLst>
+              <a:ext uri="{28A0092B-C50C-407E-A947-70E740481C1C}">
+                <a14:useLocalDpi xmlns:a14="http://schemas.microsoft.com/office/drawing/2010/main" val="0"/>
+              </a:ext>
+            </a:extLst>
+          </a:blip>
+          <a:stretch>
+            <a:fillRect/>
+          </a:stretch>
+        </p:blipFill>
+        <p:spPr bwMode="auto">
+          <a:xfrm>
+            <a:off x="10919540" y="150750"/>
+            <a:ext cx="1233271" cy="1029803"/>
+          </a:xfrm>
+          <a:prstGeom prst="rect">
+            <a:avLst/>
+          </a:prstGeom>
+          <a:noFill/>
+          <a:ln w="9525">
+            <a:noFill/>
+            <a:miter lim="800000"/>
+            <a:headEnd/>
+            <a:tailEnd/>
+          </a:ln>
+        </p:spPr>
+      </p:pic>
+    </p:spTree>
+    <p:extLst>
+      <p:ext uri="{BB962C8B-B14F-4D97-AF65-F5344CB8AC3E}">
+        <p14:creationId xmlns:p14="http://schemas.microsoft.com/office/powerpoint/2010/main" val="1654255301"/>
+      </p:ext>
+    </p:extLst>
+  </p:cSld>
+  <p:clrMapOvr>
+    <a:masterClrMapping/>
+  </p:clrMapOvr>
+  <mc:AlternateContent xmlns:mc="http://schemas.openxmlformats.org/markup-compatibility/2006" xmlns:p14="http://schemas.microsoft.com/office/powerpoint/2010/main">
+    <mc:Choice Requires="p14">
+      <p:transition spd="med" p14:dur="700">
+        <p:fade/>
+      </p:transition>
+    </mc:Choice>
+    <mc:Fallback xmlns="">
+      <p:transition spd="med">
+        <p:fade/>
+      </p:transition>
+    </mc:Fallback>
+  </mc:AlternateContent>
+</p:sld>
+</file>
+
+<file path=ppt/slides/slide30.xml><?xml version="1.0" encoding="utf-8"?>
+<p:sld xmlns:a="http://schemas.openxmlformats.org/drawingml/2006/main" xmlns:r="http://schemas.openxmlformats.org/officeDocument/2006/relationships" xmlns:p="http://schemas.openxmlformats.org/presentationml/2006/main">
+  <p:cSld>
+    <p:spTree>
+      <p:nvGrpSpPr>
+        <p:cNvPr id="1" name=""/>
+        <p:cNvGrpSpPr/>
+        <p:nvPr/>
+      </p:nvGrpSpPr>
+      <p:grpSpPr>
+        <a:xfrm>
+          <a:off x="0" y="0"/>
+          <a:ext cx="0" cy="0"/>
+          <a:chOff x="0" y="0"/>
+          <a:chExt cx="0" cy="0"/>
+        </a:xfrm>
+      </p:grpSpPr>
+      <p:sp>
+        <p:nvSpPr>
+          <p:cNvPr id="2" name="Title 1">
+            <a:extLst>
+              <a:ext uri="{FF2B5EF4-FFF2-40B4-BE49-F238E27FC236}">
+                <a16:creationId xmlns:a16="http://schemas.microsoft.com/office/drawing/2014/main" id="{9830E956-2FFC-48BF-8208-EB43E244E3AD}"/>
+              </a:ext>
+            </a:extLst>
+          </p:cNvPr>
+          <p:cNvSpPr>
+            <a:spLocks noGrp="1"/>
+          </p:cNvSpPr>
+          <p:nvPr>
+            <p:ph type="title"/>
+          </p:nvPr>
+        </p:nvSpPr>
+        <p:spPr/>
+        <p:txBody>
+          <a:bodyPr/>
+          <a:lstStyle/>
+          <a:p>
+            <a:r>
+              <a:rPr lang="en-US" dirty="0"/>
+              <a:t>References</a:t>
+            </a:r>
+          </a:p>
+        </p:txBody>
+      </p:sp>
+      <p:sp>
+        <p:nvSpPr>
+          <p:cNvPr id="3" name="Content Placeholder 2">
+            <a:extLst>
+              <a:ext uri="{FF2B5EF4-FFF2-40B4-BE49-F238E27FC236}">
+                <a16:creationId xmlns:a16="http://schemas.microsoft.com/office/drawing/2014/main" id="{4E9FF4E2-85E8-43A6-B7A9-9BF4922BE0A6}"/>
+              </a:ext>
+            </a:extLst>
+          </p:cNvPr>
+          <p:cNvSpPr>
+            <a:spLocks noGrp="1"/>
+          </p:cNvSpPr>
+          <p:nvPr>
+            <p:ph idx="1"/>
+          </p:nvPr>
+        </p:nvSpPr>
+        <p:spPr/>
+        <p:txBody>
+          <a:bodyPr>
+            <a:normAutofit/>
+          </a:bodyPr>
+          <a:lstStyle/>
+          <a:p>
+            <a:pPr algn="l"/>
+            <a:r>
+              <a:rPr lang="en-US" sz="1400" b="0" i="0" u="none" strike="noStrike" baseline="0" dirty="0" err="1">
+                <a:latin typeface="Times New Roman" panose="02020603050405020304" pitchFamily="18" charset="0"/>
+                <a:cs typeface="Times New Roman" panose="02020603050405020304" pitchFamily="18" charset="0"/>
+              </a:rPr>
+              <a:t>Simonyan</a:t>
+            </a:r>
+            <a:r>
+              <a:rPr lang="en-US" sz="1400" b="0" i="0" u="none" strike="noStrike" baseline="0" dirty="0">
+                <a:latin typeface="Times New Roman" panose="02020603050405020304" pitchFamily="18" charset="0"/>
+                <a:cs typeface="Times New Roman" panose="02020603050405020304" pitchFamily="18" charset="0"/>
+              </a:rPr>
+              <a:t>, K. and Zisserman, A. (2015). Very deep convolutional networks for large-scale image recognition.</a:t>
+            </a:r>
+          </a:p>
+          <a:p>
+            <a:pPr algn="l"/>
+            <a:r>
+              <a:rPr lang="en-US" sz="1400" b="0" i="0" u="none" strike="noStrike" baseline="0" dirty="0">
+                <a:latin typeface="Times New Roman" panose="02020603050405020304" pitchFamily="18" charset="0"/>
+                <a:cs typeface="Times New Roman" panose="02020603050405020304" pitchFamily="18" charset="0"/>
+              </a:rPr>
+              <a:t>Tola, E., </a:t>
+            </a:r>
+            <a:r>
+              <a:rPr lang="en-US" sz="1400" b="0" i="0" u="none" strike="noStrike" baseline="0" dirty="0" err="1">
+                <a:latin typeface="Times New Roman" panose="02020603050405020304" pitchFamily="18" charset="0"/>
+                <a:cs typeface="Times New Roman" panose="02020603050405020304" pitchFamily="18" charset="0"/>
+              </a:rPr>
+              <a:t>Lepetit</a:t>
+            </a:r>
+            <a:r>
+              <a:rPr lang="en-US" sz="1400" b="0" i="0" u="none" strike="noStrike" baseline="0" dirty="0">
+                <a:latin typeface="Times New Roman" panose="02020603050405020304" pitchFamily="18" charset="0"/>
+                <a:cs typeface="Times New Roman" panose="02020603050405020304" pitchFamily="18" charset="0"/>
+              </a:rPr>
+              <a:t>, V. and </a:t>
+            </a:r>
+            <a:r>
+              <a:rPr lang="en-US" sz="1400" b="0" i="0" u="none" strike="noStrike" baseline="0" dirty="0" err="1">
+                <a:latin typeface="Times New Roman" panose="02020603050405020304" pitchFamily="18" charset="0"/>
+                <a:cs typeface="Times New Roman" panose="02020603050405020304" pitchFamily="18" charset="0"/>
+              </a:rPr>
+              <a:t>Fua</a:t>
+            </a:r>
+            <a:r>
+              <a:rPr lang="en-US" sz="1400" b="0" i="0" u="none" strike="noStrike" baseline="0" dirty="0">
+                <a:latin typeface="Times New Roman" panose="02020603050405020304" pitchFamily="18" charset="0"/>
+                <a:cs typeface="Times New Roman" panose="02020603050405020304" pitchFamily="18" charset="0"/>
+              </a:rPr>
+              <a:t>, P. (2008). A fast local descriptor for dense matching, </a:t>
+            </a:r>
+            <a:r>
+              <a:rPr lang="en-US" sz="1400" b="0" i="1" u="none" strike="noStrike" baseline="0" dirty="0">
+                <a:latin typeface="Times New Roman" panose="02020603050405020304" pitchFamily="18" charset="0"/>
+                <a:cs typeface="Times New Roman" panose="02020603050405020304" pitchFamily="18" charset="0"/>
+              </a:rPr>
+              <a:t>Proc. CVPR .</a:t>
+            </a:r>
+          </a:p>
+          <a:p>
+            <a:pPr algn="l"/>
+            <a:r>
+              <a:rPr lang="en-US" sz="1400" b="0" i="0" u="none" strike="noStrike" baseline="0" dirty="0">
+                <a:latin typeface="Times New Roman" panose="02020603050405020304" pitchFamily="18" charset="0"/>
+                <a:cs typeface="Times New Roman" panose="02020603050405020304" pitchFamily="18" charset="0"/>
+              </a:rPr>
+              <a:t>Tom and </a:t>
+            </a:r>
+            <a:r>
+              <a:rPr lang="en-US" sz="1400" b="0" i="0" u="none" strike="noStrike" baseline="0" dirty="0" err="1">
+                <a:latin typeface="Times New Roman" panose="02020603050405020304" pitchFamily="18" charset="0"/>
+                <a:cs typeface="Times New Roman" panose="02020603050405020304" pitchFamily="18" charset="0"/>
+              </a:rPr>
+              <a:t>Katsaggelos</a:t>
+            </a:r>
+            <a:r>
+              <a:rPr lang="en-US" sz="1400" b="0" i="0" u="none" strike="noStrike" baseline="0" dirty="0">
+                <a:latin typeface="Times New Roman" panose="02020603050405020304" pitchFamily="18" charset="0"/>
+                <a:cs typeface="Times New Roman" panose="02020603050405020304" pitchFamily="18" charset="0"/>
+              </a:rPr>
+              <a:t> (1996). Reconstruction of a high-resolution image by simultaneous </a:t>
+            </a:r>
+            <a:r>
+              <a:rPr lang="en-US" sz="1400" dirty="0">
+                <a:latin typeface="Times New Roman" panose="02020603050405020304" pitchFamily="18" charset="0"/>
+                <a:cs typeface="Times New Roman" panose="02020603050405020304" pitchFamily="18" charset="0"/>
+              </a:rPr>
+              <a:t>r</a:t>
+            </a:r>
+            <a:r>
+              <a:rPr lang="en-US" sz="1400" b="0" i="0" u="none" strike="noStrike" baseline="0" dirty="0">
+                <a:latin typeface="Times New Roman" panose="02020603050405020304" pitchFamily="18" charset="0"/>
+                <a:cs typeface="Times New Roman" panose="02020603050405020304" pitchFamily="18" charset="0"/>
+              </a:rPr>
+              <a:t>egistration, restoration, and interpolation of 	low-resolution images, </a:t>
+            </a:r>
+            <a:r>
+              <a:rPr lang="en-US" sz="1400" b="0" i="1" u="none" strike="noStrike" baseline="0" dirty="0">
+                <a:latin typeface="Times New Roman" panose="02020603050405020304" pitchFamily="18" charset="0"/>
+                <a:cs typeface="Times New Roman" panose="02020603050405020304" pitchFamily="18" charset="0"/>
+              </a:rPr>
+              <a:t>in</a:t>
+            </a:r>
+            <a:r>
+              <a:rPr lang="en-US" sz="1400" b="0" i="0" u="none" strike="noStrike" baseline="0" dirty="0">
+                <a:latin typeface="Times New Roman" panose="02020603050405020304" pitchFamily="18" charset="0"/>
+                <a:cs typeface="Times New Roman" panose="02020603050405020304" pitchFamily="18" charset="0"/>
+              </a:rPr>
+              <a:t> Anon (ed.), </a:t>
+            </a:r>
+            <a:r>
+              <a:rPr lang="en-US" sz="1400" b="0" i="1" u="none" strike="noStrike" baseline="0" dirty="0">
+                <a:latin typeface="Times New Roman" panose="02020603050405020304" pitchFamily="18" charset="0"/>
+                <a:cs typeface="Times New Roman" panose="02020603050405020304" pitchFamily="18" charset="0"/>
+              </a:rPr>
+              <a:t>IEEE International Conference on Image Processing, </a:t>
+            </a:r>
+            <a:r>
+              <a:rPr lang="en-US" sz="1400" b="0" i="0" u="none" strike="noStrike" baseline="0" dirty="0">
+                <a:latin typeface="Times New Roman" panose="02020603050405020304" pitchFamily="18" charset="0"/>
+                <a:cs typeface="Times New Roman" panose="02020603050405020304" pitchFamily="18" charset="0"/>
+              </a:rPr>
+              <a:t>Vol. 2, IEEE, pp. 539–542. 	Proceedings of the 1995 IEEE International Conference on Image Processing. Part 3 (of 3) ; Conference date: 23-10-1995 	Through 26-10-1995.</a:t>
+            </a:r>
+          </a:p>
+          <a:p>
+            <a:pPr algn="l"/>
+            <a:r>
+              <a:rPr lang="en-US" sz="1400" b="0" i="0" u="none" strike="noStrike" baseline="0" dirty="0">
+                <a:latin typeface="Times New Roman" panose="02020603050405020304" pitchFamily="18" charset="0"/>
+                <a:cs typeface="Times New Roman" panose="02020603050405020304" pitchFamily="18" charset="0"/>
+              </a:rPr>
+              <a:t>TSAI, R. (1984). </a:t>
+            </a:r>
+            <a:r>
+              <a:rPr lang="en-US" sz="1400" b="0" i="0" u="none" strike="noStrike" baseline="0" dirty="0" err="1">
+                <a:latin typeface="Times New Roman" panose="02020603050405020304" pitchFamily="18" charset="0"/>
+                <a:cs typeface="Times New Roman" panose="02020603050405020304" pitchFamily="18" charset="0"/>
+              </a:rPr>
+              <a:t>Multiframe</a:t>
+            </a:r>
+            <a:r>
+              <a:rPr lang="en-US" sz="1400" b="0" i="0" u="none" strike="noStrike" baseline="0" dirty="0">
+                <a:latin typeface="Times New Roman" panose="02020603050405020304" pitchFamily="18" charset="0"/>
+                <a:cs typeface="Times New Roman" panose="02020603050405020304" pitchFamily="18" charset="0"/>
+              </a:rPr>
+              <a:t> image restoration and registration</a:t>
+            </a:r>
+            <a:r>
+              <a:rPr lang="en-US" sz="1400" b="0" i="1" u="none" strike="noStrike" baseline="0" dirty="0">
+                <a:latin typeface="Times New Roman" panose="02020603050405020304" pitchFamily="18" charset="0"/>
+                <a:cs typeface="Times New Roman" panose="02020603050405020304" pitchFamily="18" charset="0"/>
+              </a:rPr>
+              <a:t>, Advance Computer Visual and Image Processing </a:t>
+            </a:r>
+            <a:r>
+              <a:rPr lang="en-US" sz="1400" b="0" i="0" u="none" strike="noStrike" baseline="0" dirty="0">
+                <a:latin typeface="Times New Roman" panose="02020603050405020304" pitchFamily="18" charset="0"/>
+                <a:cs typeface="Times New Roman" panose="02020603050405020304" pitchFamily="18" charset="0"/>
+              </a:rPr>
+              <a:t>1: 317–339.</a:t>
+            </a:r>
+          </a:p>
+          <a:p>
+            <a:pPr algn="l"/>
+            <a:r>
+              <a:rPr lang="en-US" sz="1400" b="0" i="0" u="none" strike="noStrike" baseline="0" dirty="0">
+                <a:latin typeface="Times New Roman" panose="02020603050405020304" pitchFamily="18" charset="0"/>
+                <a:cs typeface="Times New Roman" panose="02020603050405020304" pitchFamily="18" charset="0"/>
+              </a:rPr>
+              <a:t>Welsh, T., </a:t>
+            </a:r>
+            <a:r>
+              <a:rPr lang="en-US" sz="1400" b="0" i="0" u="none" strike="noStrike" baseline="0" dirty="0" err="1">
+                <a:latin typeface="Times New Roman" panose="02020603050405020304" pitchFamily="18" charset="0"/>
+                <a:cs typeface="Times New Roman" panose="02020603050405020304" pitchFamily="18" charset="0"/>
+              </a:rPr>
+              <a:t>Ashikhmin</a:t>
+            </a:r>
+            <a:r>
+              <a:rPr lang="en-US" sz="1400" b="0" i="0" u="none" strike="noStrike" baseline="0" dirty="0">
+                <a:latin typeface="Times New Roman" panose="02020603050405020304" pitchFamily="18" charset="0"/>
+                <a:cs typeface="Times New Roman" panose="02020603050405020304" pitchFamily="18" charset="0"/>
+              </a:rPr>
+              <a:t>, M. and Mueller, K. (2002). Transferring color to greyscale </a:t>
+            </a:r>
+            <a:r>
+              <a:rPr lang="fr-FR" sz="1400" b="0" i="0" u="none" strike="noStrike" baseline="0" dirty="0">
+                <a:latin typeface="Times New Roman" panose="02020603050405020304" pitchFamily="18" charset="0"/>
+                <a:cs typeface="Times New Roman" panose="02020603050405020304" pitchFamily="18" charset="0"/>
+              </a:rPr>
+              <a:t>images, </a:t>
+            </a:r>
+            <a:r>
+              <a:rPr lang="fr-FR" sz="1400" b="0" i="1" u="none" strike="noStrike" baseline="0" dirty="0">
+                <a:latin typeface="Times New Roman" panose="02020603050405020304" pitchFamily="18" charset="0"/>
+                <a:cs typeface="Times New Roman" panose="02020603050405020304" pitchFamily="18" charset="0"/>
+              </a:rPr>
+              <a:t>ACM Trans. Graph</a:t>
+            </a:r>
+            <a:r>
+              <a:rPr lang="fr-FR" sz="1400" b="0" i="0" u="none" strike="noStrike" baseline="0" dirty="0">
+                <a:latin typeface="Times New Roman" panose="02020603050405020304" pitchFamily="18" charset="0"/>
+                <a:cs typeface="Times New Roman" panose="02020603050405020304" pitchFamily="18" charset="0"/>
+              </a:rPr>
+              <a:t>. 21: 277–280.</a:t>
+            </a:r>
+          </a:p>
+          <a:p>
+            <a:pPr algn="l"/>
+            <a:r>
+              <a:rPr lang="en-US" sz="1400" b="0" i="0" u="none" strike="noStrike" baseline="0" dirty="0" err="1">
+                <a:latin typeface="Times New Roman" panose="02020603050405020304" pitchFamily="18" charset="0"/>
+                <a:cs typeface="Times New Roman" panose="02020603050405020304" pitchFamily="18" charset="0"/>
+              </a:rPr>
+              <a:t>Yatziv</a:t>
+            </a:r>
+            <a:r>
+              <a:rPr lang="en-US" sz="1400" b="0" i="0" u="none" strike="noStrike" baseline="0" dirty="0">
+                <a:latin typeface="Times New Roman" panose="02020603050405020304" pitchFamily="18" charset="0"/>
+                <a:cs typeface="Times New Roman" panose="02020603050405020304" pitchFamily="18" charset="0"/>
+              </a:rPr>
+              <a:t>, L. and </a:t>
+            </a:r>
+            <a:r>
+              <a:rPr lang="en-US" sz="1400" b="0" i="0" u="none" strike="noStrike" baseline="0" dirty="0" err="1">
+                <a:latin typeface="Times New Roman" panose="02020603050405020304" pitchFamily="18" charset="0"/>
+                <a:cs typeface="Times New Roman" panose="02020603050405020304" pitchFamily="18" charset="0"/>
+              </a:rPr>
+              <a:t>Sapiro</a:t>
+            </a:r>
+            <a:r>
+              <a:rPr lang="en-US" sz="1400" b="0" i="0" u="none" strike="noStrike" baseline="0" dirty="0">
+                <a:latin typeface="Times New Roman" panose="02020603050405020304" pitchFamily="18" charset="0"/>
+                <a:cs typeface="Times New Roman" panose="02020603050405020304" pitchFamily="18" charset="0"/>
+              </a:rPr>
+              <a:t>, G. (2006). Fast image and video colorization using chrominance blending,</a:t>
+            </a:r>
+          </a:p>
+          <a:p>
+            <a:pPr marL="457200" lvl="1" indent="0">
+              <a:buNone/>
+            </a:pPr>
+            <a:r>
+              <a:rPr lang="en-US" sz="1400" b="0" i="0" u="none" strike="noStrike" baseline="0" dirty="0">
+                <a:latin typeface="Times New Roman" panose="02020603050405020304" pitchFamily="18" charset="0"/>
+                <a:cs typeface="Times New Roman" panose="02020603050405020304" pitchFamily="18" charset="0"/>
+              </a:rPr>
+              <a:t>	</a:t>
+            </a:r>
+            <a:r>
+              <a:rPr lang="en-US" sz="1400" b="0" i="1" u="none" strike="noStrike" baseline="0" dirty="0">
+                <a:latin typeface="Times New Roman" panose="02020603050405020304" pitchFamily="18" charset="0"/>
+                <a:cs typeface="Times New Roman" panose="02020603050405020304" pitchFamily="18" charset="0"/>
+              </a:rPr>
+              <a:t>IEEE Transactions on Image Processing</a:t>
+            </a:r>
+            <a:r>
+              <a:rPr lang="en-US" sz="1400" b="0" i="0" u="none" strike="noStrike" baseline="0" dirty="0">
+                <a:latin typeface="Times New Roman" panose="02020603050405020304" pitchFamily="18" charset="0"/>
+                <a:cs typeface="Times New Roman" panose="02020603050405020304" pitchFamily="18" charset="0"/>
+              </a:rPr>
+              <a:t> 15(5): 1120–1129.</a:t>
+            </a:r>
+          </a:p>
+          <a:p>
+            <a:pPr algn="l"/>
+            <a:r>
+              <a:rPr lang="en-US" sz="1400" b="0" i="0" u="none" strike="noStrike" baseline="0" dirty="0">
+                <a:latin typeface="Times New Roman" panose="02020603050405020304" pitchFamily="18" charset="0"/>
+                <a:cs typeface="Times New Roman" panose="02020603050405020304" pitchFamily="18" charset="0"/>
+              </a:rPr>
+              <a:t>Zhu, J.-Y., </a:t>
+            </a:r>
+            <a:r>
+              <a:rPr lang="en-US" sz="1400" b="0" i="0" u="none" strike="noStrike" baseline="0" dirty="0" err="1">
+                <a:latin typeface="Times New Roman" panose="02020603050405020304" pitchFamily="18" charset="0"/>
+                <a:cs typeface="Times New Roman" panose="02020603050405020304" pitchFamily="18" charset="0"/>
+              </a:rPr>
+              <a:t>Kr</a:t>
+            </a:r>
+            <a:r>
+              <a:rPr lang="en-US" sz="1400" dirty="0" err="1">
+                <a:latin typeface="Times New Roman" panose="02020603050405020304" pitchFamily="18" charset="0"/>
+                <a:cs typeface="Times New Roman" panose="02020603050405020304" pitchFamily="18" charset="0"/>
+              </a:rPr>
+              <a:t>a</a:t>
+            </a:r>
+            <a:r>
+              <a:rPr lang="en-US" sz="1400" b="0" i="0" u="none" strike="noStrike" baseline="0" dirty="0" err="1">
+                <a:latin typeface="Times New Roman" panose="02020603050405020304" pitchFamily="18" charset="0"/>
+                <a:cs typeface="Times New Roman" panose="02020603050405020304" pitchFamily="18" charset="0"/>
+              </a:rPr>
+              <a:t>henbuhl</a:t>
+            </a:r>
+            <a:r>
+              <a:rPr lang="en-US" sz="1400" b="0" i="0" u="none" strike="noStrike" baseline="0" dirty="0">
+                <a:latin typeface="Times New Roman" panose="02020603050405020304" pitchFamily="18" charset="0"/>
+                <a:cs typeface="Times New Roman" panose="02020603050405020304" pitchFamily="18" charset="0"/>
+              </a:rPr>
+              <a:t>, P., </a:t>
+            </a:r>
+            <a:r>
+              <a:rPr lang="en-US" sz="1400" b="0" i="0" u="none" strike="noStrike" baseline="0" dirty="0" err="1">
+                <a:latin typeface="Times New Roman" panose="02020603050405020304" pitchFamily="18" charset="0"/>
+                <a:cs typeface="Times New Roman" panose="02020603050405020304" pitchFamily="18" charset="0"/>
+              </a:rPr>
+              <a:t>Shechtman</a:t>
+            </a:r>
+            <a:r>
+              <a:rPr lang="en-US" sz="1400" b="0" i="0" u="none" strike="noStrike" baseline="0" dirty="0">
+                <a:latin typeface="Times New Roman" panose="02020603050405020304" pitchFamily="18" charset="0"/>
+                <a:cs typeface="Times New Roman" panose="02020603050405020304" pitchFamily="18" charset="0"/>
+              </a:rPr>
+              <a:t>, E. and </a:t>
+            </a:r>
+            <a:r>
+              <a:rPr lang="en-US" sz="1400" b="0" i="0" u="none" strike="noStrike" baseline="0" dirty="0" err="1">
+                <a:latin typeface="Times New Roman" panose="02020603050405020304" pitchFamily="18" charset="0"/>
+                <a:cs typeface="Times New Roman" panose="02020603050405020304" pitchFamily="18" charset="0"/>
+              </a:rPr>
+              <a:t>Efros</a:t>
+            </a:r>
+            <a:r>
+              <a:rPr lang="en-US" sz="1400" b="0" i="0" u="none" strike="noStrike" baseline="0" dirty="0">
+                <a:latin typeface="Times New Roman" panose="02020603050405020304" pitchFamily="18" charset="0"/>
+                <a:cs typeface="Times New Roman" panose="02020603050405020304" pitchFamily="18" charset="0"/>
+              </a:rPr>
+              <a:t>, A. A. (2018). Generative visual manipulation on the natural image manifold.</a:t>
+            </a:r>
+            <a:endParaRPr lang="en-US" sz="1400" i="1" dirty="0">
+              <a:latin typeface="Times New Roman" panose="02020603050405020304" pitchFamily="18" charset="0"/>
+              <a:cs typeface="Times New Roman" panose="02020603050405020304" pitchFamily="18" charset="0"/>
+            </a:endParaRPr>
+          </a:p>
+        </p:txBody>
+      </p:sp>
+      <p:sp>
+        <p:nvSpPr>
+          <p:cNvPr id="4" name="Footer Placeholder 3">
+            <a:extLst>
+              <a:ext uri="{FF2B5EF4-FFF2-40B4-BE49-F238E27FC236}">
+                <a16:creationId xmlns:a16="http://schemas.microsoft.com/office/drawing/2014/main" id="{9B31565C-5D67-40D7-B395-3C7619E5198E}"/>
+              </a:ext>
+            </a:extLst>
+          </p:cNvPr>
+          <p:cNvSpPr>
+            <a:spLocks noGrp="1"/>
+          </p:cNvSpPr>
+          <p:nvPr>
+            <p:ph type="ftr" sz="quarter" idx="11"/>
+          </p:nvPr>
+        </p:nvSpPr>
+        <p:spPr/>
+        <p:txBody>
+          <a:bodyPr/>
+          <a:lstStyle/>
+          <a:p>
+            <a:r>
+              <a:rPr lang="en-US"/>
+              <a:t>Astronomical image colourisation and super-resolution using GANS</a:t>
+            </a:r>
+            <a:endParaRPr lang="en-IN"/>
+          </a:p>
+        </p:txBody>
+      </p:sp>
+    </p:spTree>
+    <p:extLst>
+      <p:ext uri="{BB962C8B-B14F-4D97-AF65-F5344CB8AC3E}">
+        <p14:creationId xmlns:p14="http://schemas.microsoft.com/office/powerpoint/2010/main" val="3478648367"/>
+      </p:ext>
+    </p:extLst>
+  </p:cSld>
+  <p:clrMapOvr>
+    <a:masterClrMapping/>
+  </p:clrMapOvr>
+  <mc:AlternateContent xmlns:mc="http://schemas.openxmlformats.org/markup-compatibility/2006" xmlns:p14="http://schemas.microsoft.com/office/powerpoint/2010/main">
+    <mc:Choice Requires="p14">
+      <p:transition spd="med" p14:dur="700">
+        <p:fade/>
+      </p:transition>
+    </mc:Choice>
+    <mc:Fallback xmlns="">
+      <p:transition spd="med">
+        <p:fade/>
+      </p:transition>
+    </mc:Fallback>
+  </mc:AlternateContent>
+</p:sld>
+</file>
+
+<file path=ppt/slides/slide31.xml><?xml version="1.0" encoding="utf-8"?>
+<p:sld xmlns:a="http://schemas.openxmlformats.org/drawingml/2006/main" xmlns:r="http://schemas.openxmlformats.org/officeDocument/2006/relationships" xmlns:p="http://schemas.openxmlformats.org/presentationml/2006/main">
+  <p:cSld>
+    <p:spTree>
+      <p:nvGrpSpPr>
+        <p:cNvPr id="1" name=""/>
+        <p:cNvGrpSpPr/>
+        <p:nvPr/>
+      </p:nvGrpSpPr>
+      <p:grpSpPr>
+        <a:xfrm>
+          <a:off x="0" y="0"/>
+          <a:ext cx="0" cy="0"/>
+          <a:chOff x="0" y="0"/>
+          <a:chExt cx="0" cy="0"/>
+        </a:xfrm>
+      </p:grpSpPr>
+      <p:sp>
+        <p:nvSpPr>
+          <p:cNvPr id="2" name="Title 1"/>
+          <p:cNvSpPr>
+            <a:spLocks noGrp="1"/>
+          </p:cNvSpPr>
+          <p:nvPr>
+            <p:ph type="ctrTitle"/>
+          </p:nvPr>
+        </p:nvSpPr>
+        <p:spPr/>
+        <p:txBody>
+          <a:bodyPr/>
+          <a:lstStyle/>
+          <a:p>
+            <a:r>
+              <a:rPr lang="en-IN" dirty="0"/>
+              <a:t>Thank You !!</a:t>
+            </a:r>
+          </a:p>
+        </p:txBody>
+      </p:sp>
+      <p:pic>
+        <p:nvPicPr>
+          <p:cNvPr id="4" name="Picture 1"/>
+          <p:cNvPicPr>
+            <a:picLocks noChangeAspect="1" noChangeArrowheads="1"/>
+          </p:cNvPicPr>
+          <p:nvPr/>
+        </p:nvPicPr>
+        <p:blipFill>
+          <a:blip r:embed="rId2" cstate="print">
+            <a:extLst>
+              <a:ext uri="{28A0092B-C50C-407E-A947-70E740481C1C}">
+                <a14:useLocalDpi xmlns:a14="http://schemas.microsoft.com/office/drawing/2010/main" val="0"/>
+              </a:ext>
+            </a:extLst>
+          </a:blip>
+          <a:stretch>
+            <a:fillRect/>
+          </a:stretch>
+        </p:blipFill>
+        <p:spPr bwMode="auto">
+          <a:xfrm>
+            <a:off x="9691631" y="1352533"/>
+            <a:ext cx="2228612" cy="1860930"/>
+          </a:xfrm>
+          <a:prstGeom prst="rect">
+            <a:avLst/>
+          </a:prstGeom>
+          <a:noFill/>
+          <a:ln w="9525">
+            <a:noFill/>
+            <a:miter lim="800000"/>
+            <a:headEnd/>
+            <a:tailEnd/>
+          </a:ln>
+        </p:spPr>
+      </p:pic>
+    </p:spTree>
+  </p:cSld>
+  <p:clrMapOvr>
+    <a:masterClrMapping/>
+  </p:clrMapOvr>
+  <mc:AlternateContent xmlns:mc="http://schemas.openxmlformats.org/markup-compatibility/2006" xmlns:p14="http://schemas.microsoft.com/office/powerpoint/2010/main">
+    <mc:Choice Requires="p14">
+      <p:transition spd="med" p14:dur="700">
+        <p:fade/>
+      </p:transition>
+    </mc:Choice>
+    <mc:Fallback xmlns="">
+      <p:transition spd="med">
+        <p:fade/>
+      </p:transition>
+    </mc:Fallback>
+  </mc:AlternateContent>
+</p:sld>
+</file>
+
+<file path=ppt/slides/slide32.xml><?xml version="1.0" encoding="utf-8"?>
+<p:sld xmlns:a="http://schemas.openxmlformats.org/drawingml/2006/main" xmlns:r="http://schemas.openxmlformats.org/officeDocument/2006/relationships" xmlns:p="http://schemas.openxmlformats.org/presentationml/2006/main">
+  <p:cSld>
+    <p:spTree>
+      <p:nvGrpSpPr>
+        <p:cNvPr id="1" name=""/>
+        <p:cNvGrpSpPr/>
+        <p:nvPr/>
+      </p:nvGrpSpPr>
+      <p:grpSpPr>
+        <a:xfrm>
+          <a:off x="0" y="0"/>
+          <a:ext cx="0" cy="0"/>
+          <a:chOff x="0" y="0"/>
+          <a:chExt cx="0" cy="0"/>
+        </a:xfrm>
+      </p:grpSpPr>
+      <p:sp>
+        <p:nvSpPr>
+          <p:cNvPr id="2" name="Title 1">
+            <a:extLst>
+              <a:ext uri="{FF2B5EF4-FFF2-40B4-BE49-F238E27FC236}">
+                <a16:creationId xmlns:a16="http://schemas.microsoft.com/office/drawing/2014/main" id="{103920B0-8A36-4F34-8EDC-11570C9B4A20}"/>
+              </a:ext>
+            </a:extLst>
+          </p:cNvPr>
+          <p:cNvSpPr>
+            <a:spLocks noGrp="1"/>
+          </p:cNvSpPr>
+          <p:nvPr>
+            <p:ph type="title"/>
+          </p:nvPr>
+        </p:nvSpPr>
+        <p:spPr/>
+        <p:txBody>
+          <a:bodyPr/>
+          <a:lstStyle/>
+          <a:p>
+            <a:r>
+              <a:rPr lang="en-US" dirty="0"/>
+              <a:t>Annexure</a:t>
+            </a:r>
+          </a:p>
+        </p:txBody>
+      </p:sp>
+      <p:sp>
+        <p:nvSpPr>
+          <p:cNvPr id="5" name="Text Placeholder 4">
+            <a:extLst>
+              <a:ext uri="{FF2B5EF4-FFF2-40B4-BE49-F238E27FC236}">
+                <a16:creationId xmlns:a16="http://schemas.microsoft.com/office/drawing/2014/main" id="{9066FBD3-33FA-472B-9DFF-DC48D668FED0}"/>
+              </a:ext>
+            </a:extLst>
+          </p:cNvPr>
+          <p:cNvSpPr>
+            <a:spLocks noGrp="1"/>
+          </p:cNvSpPr>
+          <p:nvPr>
+            <p:ph type="body" idx="1"/>
+          </p:nvPr>
+        </p:nvSpPr>
+        <p:spPr/>
+        <p:txBody>
+          <a:bodyPr/>
+          <a:lstStyle/>
+          <a:p>
+            <a:endParaRPr lang="en-US"/>
+          </a:p>
+        </p:txBody>
+      </p:sp>
+      <p:sp>
+        <p:nvSpPr>
+          <p:cNvPr id="4" name="Footer Placeholder 3">
+            <a:extLst>
+              <a:ext uri="{FF2B5EF4-FFF2-40B4-BE49-F238E27FC236}">
+                <a16:creationId xmlns:a16="http://schemas.microsoft.com/office/drawing/2014/main" id="{A671A576-2C7F-4EC9-BC85-079477D26B33}"/>
+              </a:ext>
+            </a:extLst>
+          </p:cNvPr>
+          <p:cNvSpPr>
+            <a:spLocks noGrp="1"/>
+          </p:cNvSpPr>
+          <p:nvPr>
+            <p:ph type="ftr" sz="quarter" idx="11"/>
+          </p:nvPr>
+        </p:nvSpPr>
+        <p:spPr/>
+        <p:txBody>
+          <a:bodyPr/>
+          <a:lstStyle/>
+          <a:p>
+            <a:r>
+              <a:rPr lang="en-US"/>
+              <a:t>Astronomical image colourisation and super-resolution using GANS</a:t>
+            </a:r>
+          </a:p>
+        </p:txBody>
+      </p:sp>
+    </p:spTree>
+    <p:extLst>
+      <p:ext uri="{BB962C8B-B14F-4D97-AF65-F5344CB8AC3E}">
+        <p14:creationId xmlns:p14="http://schemas.microsoft.com/office/powerpoint/2010/main" val="786667773"/>
+      </p:ext>
+    </p:extLst>
+  </p:cSld>
+  <p:clrMapOvr>
+    <a:masterClrMapping/>
+  </p:clrMapOvr>
+  <mc:AlternateContent xmlns:mc="http://schemas.openxmlformats.org/markup-compatibility/2006" xmlns:p14="http://schemas.microsoft.com/office/powerpoint/2010/main">
+    <mc:Choice Requires="p14">
+      <p:transition spd="med" p14:dur="700">
+        <p:fade/>
+      </p:transition>
+    </mc:Choice>
+    <mc:Fallback xmlns="">
+      <p:transition spd="med">
+        <p:fade/>
+      </p:transition>
+    </mc:Fallback>
+  </mc:AlternateContent>
+</p:sld>
+</file>
+
+<file path=ppt/slides/slide33.xml><?xml version="1.0" encoding="utf-8"?>
+<p:sld xmlns:a="http://schemas.openxmlformats.org/drawingml/2006/main" xmlns:r="http://schemas.openxmlformats.org/officeDocument/2006/relationships" xmlns:p="http://schemas.openxmlformats.org/presentationml/2006/main">
+  <p:cSld>
+    <p:spTree>
+      <p:nvGrpSpPr>
+        <p:cNvPr id="1" name=""/>
+        <p:cNvGrpSpPr/>
+        <p:nvPr/>
+      </p:nvGrpSpPr>
+      <p:grpSpPr>
+        <a:xfrm>
+          <a:off x="0" y="0"/>
+          <a:ext cx="0" cy="0"/>
+          <a:chOff x="0" y="0"/>
+          <a:chExt cx="0" cy="0"/>
+        </a:xfrm>
+      </p:grpSpPr>
+      <p:sp>
+        <p:nvSpPr>
+          <p:cNvPr id="2" name="Title 1">
+            <a:extLst>
+              <a:ext uri="{FF2B5EF4-FFF2-40B4-BE49-F238E27FC236}">
                 <a16:creationId xmlns:a16="http://schemas.microsoft.com/office/drawing/2014/main" id="{309A706E-315C-488B-A5BF-6FF22C57F8DE}"/>
               </a:ext>
             </a:extLst>
@@ -9723,7 +11925,7 @@
           <a:p>
             <a:r>
               <a:rPr lang="en-US" dirty="0"/>
-              <a:t>Performance Parameters</a:t>
+              <a:t>Annexure : Performance Parameters</a:t>
             </a:r>
           </a:p>
         </p:txBody>
@@ -9786,9 +11988,10 @@
           <a:lstStyle/>
           <a:p>
             <a:r>
-              <a:rPr lang="en-IN"/>
-              <a:t>Title of the Course</a:t>
-            </a:r>
+              <a:rPr lang="en-US"/>
+              <a:t>Astronomical image colourisation and super-resolution using GANS</a:t>
+            </a:r>
+            <a:endParaRPr lang="en-IN"/>
           </a:p>
         </p:txBody>
       </p:sp>
@@ -9914,1507 +12117,7 @@
     </p:spTree>
     <p:extLst>
       <p:ext uri="{BB962C8B-B14F-4D97-AF65-F5344CB8AC3E}">
-        <p14:creationId xmlns:p14="http://schemas.microsoft.com/office/powerpoint/2010/main" val="2124092626"/>
-      </p:ext>
-    </p:extLst>
-  </p:cSld>
-  <p:clrMapOvr>
-    <a:masterClrMapping/>
-  </p:clrMapOvr>
-  <mc:AlternateContent xmlns:mc="http://schemas.openxmlformats.org/markup-compatibility/2006" xmlns:p14="http://schemas.microsoft.com/office/powerpoint/2010/main">
-    <mc:Choice Requires="p14">
-      <p:transition spd="med" p14:dur="700">
-        <p:fade/>
-      </p:transition>
-    </mc:Choice>
-    <mc:Fallback xmlns="">
-      <p:transition spd="med">
-        <p:fade/>
-      </p:transition>
-    </mc:Fallback>
-  </mc:AlternateContent>
-</p:sld>
-</file>
-
-<file path=ppt/slides/slide3.xml><?xml version="1.0" encoding="utf-8"?>
-<p:sld xmlns:a="http://schemas.openxmlformats.org/drawingml/2006/main" xmlns:r="http://schemas.openxmlformats.org/officeDocument/2006/relationships" xmlns:p="http://schemas.openxmlformats.org/presentationml/2006/main">
-  <p:cSld>
-    <p:spTree>
-      <p:nvGrpSpPr>
-        <p:cNvPr id="1" name=""/>
-        <p:cNvGrpSpPr/>
-        <p:nvPr/>
-      </p:nvGrpSpPr>
-      <p:grpSpPr>
-        <a:xfrm>
-          <a:off x="0" y="0"/>
-          <a:ext cx="0" cy="0"/>
-          <a:chOff x="0" y="0"/>
-          <a:chExt cx="0" cy="0"/>
-        </a:xfrm>
-      </p:grpSpPr>
-      <p:sp>
-        <p:nvSpPr>
-          <p:cNvPr id="13" name="Title 12"/>
-          <p:cNvSpPr>
-            <a:spLocks noGrp="1"/>
-          </p:cNvSpPr>
-          <p:nvPr>
-            <p:ph type="title"/>
-          </p:nvPr>
-        </p:nvSpPr>
-        <p:spPr/>
-        <p:txBody>
-          <a:bodyPr/>
-          <a:lstStyle/>
-          <a:p>
-            <a:r>
-              <a:rPr lang="en-US" dirty="0"/>
-              <a:t>Content</a:t>
-            </a:r>
-          </a:p>
-        </p:txBody>
-      </p:sp>
-      <p:sp>
-        <p:nvSpPr>
-          <p:cNvPr id="14" name="Content Placeholder 13"/>
-          <p:cNvSpPr>
-            <a:spLocks noGrp="1"/>
-          </p:cNvSpPr>
-          <p:nvPr>
-            <p:ph idx="1"/>
-          </p:nvPr>
-        </p:nvSpPr>
-        <p:spPr/>
-        <p:txBody>
-          <a:bodyPr>
-            <a:normAutofit fontScale="70000" lnSpcReduction="20000"/>
-          </a:bodyPr>
-          <a:lstStyle/>
-          <a:p>
-            <a:pPr marL="228600" indent="-228600">
-              <a:lnSpc>
-                <a:spcPct val="90000"/>
-              </a:lnSpc>
-              <a:spcBef>
-                <a:spcPts val="1800"/>
-              </a:spcBef>
-              <a:buFont typeface="Wingdings" panose="05000000000000000000" pitchFamily="2" charset="2"/>
-              <a:buChar char="§"/>
-            </a:pPr>
-            <a:r>
-              <a:rPr lang="en-US" sz="2000" dirty="0"/>
-              <a:t>Problem Definition</a:t>
-            </a:r>
-          </a:p>
-          <a:p>
-            <a:pPr marL="228600" indent="-228600">
-              <a:lnSpc>
-                <a:spcPct val="90000"/>
-              </a:lnSpc>
-              <a:spcBef>
-                <a:spcPts val="1800"/>
-              </a:spcBef>
-              <a:buFont typeface="Wingdings" panose="05000000000000000000" pitchFamily="2" charset="2"/>
-              <a:buChar char="§"/>
-            </a:pPr>
-            <a:r>
-              <a:rPr lang="en-US" dirty="0"/>
-              <a:t>Requirement Specification</a:t>
-            </a:r>
-          </a:p>
-          <a:p>
-            <a:pPr marL="228600" indent="-228600">
-              <a:lnSpc>
-                <a:spcPct val="90000"/>
-              </a:lnSpc>
-              <a:spcBef>
-                <a:spcPts val="1800"/>
-              </a:spcBef>
-              <a:buFont typeface="Wingdings" panose="05000000000000000000" pitchFamily="2" charset="2"/>
-              <a:buChar char="§"/>
-            </a:pPr>
-            <a:r>
-              <a:rPr lang="en-US" sz="2000" dirty="0"/>
-              <a:t>Literature Survey</a:t>
-            </a:r>
-          </a:p>
-          <a:p>
-            <a:pPr marL="228600" indent="-228600">
-              <a:lnSpc>
-                <a:spcPct val="90000"/>
-              </a:lnSpc>
-              <a:spcBef>
-                <a:spcPts val="1800"/>
-              </a:spcBef>
-              <a:buFont typeface="Wingdings" panose="05000000000000000000" pitchFamily="2" charset="2"/>
-              <a:buChar char="§"/>
-            </a:pPr>
-            <a:r>
-              <a:rPr lang="en-US" sz="2000" dirty="0"/>
-              <a:t>Motivation of the Project</a:t>
-            </a:r>
-          </a:p>
-          <a:p>
-            <a:pPr marL="228600" indent="-228600">
-              <a:lnSpc>
-                <a:spcPct val="90000"/>
-              </a:lnSpc>
-              <a:spcBef>
-                <a:spcPts val="1800"/>
-              </a:spcBef>
-              <a:buFont typeface="Wingdings" panose="05000000000000000000" pitchFamily="2" charset="2"/>
-              <a:buChar char="§"/>
-            </a:pPr>
-            <a:r>
-              <a:rPr lang="en-US" sz="2000" dirty="0"/>
-              <a:t>Objectives</a:t>
-            </a:r>
-          </a:p>
-          <a:p>
-            <a:pPr marL="228600" indent="-228600">
-              <a:lnSpc>
-                <a:spcPct val="90000"/>
-              </a:lnSpc>
-              <a:spcBef>
-                <a:spcPts val="1800"/>
-              </a:spcBef>
-              <a:buFont typeface="Wingdings" panose="05000000000000000000" pitchFamily="2" charset="2"/>
-              <a:buChar char="§"/>
-            </a:pPr>
-            <a:r>
-              <a:rPr lang="en-US" sz="2000" dirty="0"/>
-              <a:t>Block diagram of Project/Architecture</a:t>
-            </a:r>
-          </a:p>
-          <a:p>
-            <a:pPr marL="228600" indent="-228600">
-              <a:lnSpc>
-                <a:spcPct val="90000"/>
-              </a:lnSpc>
-              <a:spcBef>
-                <a:spcPts val="1800"/>
-              </a:spcBef>
-              <a:buFont typeface="Wingdings" panose="05000000000000000000" pitchFamily="2" charset="2"/>
-              <a:buChar char="§"/>
-            </a:pPr>
-            <a:r>
-              <a:rPr lang="en-US" sz="2000" dirty="0"/>
-              <a:t>Methodology</a:t>
-            </a:r>
-          </a:p>
-          <a:p>
-            <a:pPr marL="228600" indent="-228600">
-              <a:lnSpc>
-                <a:spcPct val="90000"/>
-              </a:lnSpc>
-              <a:spcBef>
-                <a:spcPts val="1800"/>
-              </a:spcBef>
-              <a:buFont typeface="Wingdings" panose="05000000000000000000" pitchFamily="2" charset="2"/>
-              <a:buChar char="§"/>
-            </a:pPr>
-            <a:r>
-              <a:rPr lang="en-US" sz="2000" dirty="0"/>
-              <a:t>Mathematical Model</a:t>
-            </a:r>
-          </a:p>
-          <a:p>
-            <a:r>
-              <a:rPr lang="en-US" dirty="0"/>
-              <a:t>Experimental Set Up</a:t>
-            </a:r>
-          </a:p>
-          <a:p>
-            <a:r>
-              <a:rPr lang="en-US" sz="2000" dirty="0"/>
-              <a:t>Performance Parameter</a:t>
-            </a:r>
-          </a:p>
-          <a:p>
-            <a:r>
-              <a:rPr lang="en-US" dirty="0"/>
-              <a:t>Efficiency Issues</a:t>
-            </a:r>
-          </a:p>
-          <a:p>
-            <a:r>
-              <a:rPr lang="en-US" sz="2000" dirty="0"/>
-              <a:t>References</a:t>
-            </a:r>
-          </a:p>
-          <a:p>
-            <a:pPr marL="228600" indent="-228600">
-              <a:lnSpc>
-                <a:spcPct val="90000"/>
-              </a:lnSpc>
-              <a:spcBef>
-                <a:spcPts val="1800"/>
-              </a:spcBef>
-              <a:buFont typeface="Wingdings" panose="05000000000000000000" pitchFamily="2" charset="2"/>
-              <a:buChar char="§"/>
-            </a:pPr>
-            <a:endParaRPr lang="en-US" sz="2000" dirty="0"/>
-          </a:p>
-          <a:p>
-            <a:pPr marL="228600" indent="-228600">
-              <a:lnSpc>
-                <a:spcPct val="90000"/>
-              </a:lnSpc>
-              <a:spcBef>
-                <a:spcPts val="1800"/>
-              </a:spcBef>
-              <a:buFont typeface="Wingdings" panose="05000000000000000000" pitchFamily="2" charset="2"/>
-              <a:buChar char="§"/>
-            </a:pPr>
-            <a:endParaRPr lang="en-US" sz="2000" dirty="0"/>
-          </a:p>
-        </p:txBody>
-      </p:sp>
-      <p:sp>
-        <p:nvSpPr>
-          <p:cNvPr id="5" name="Footer Placeholder 4"/>
-          <p:cNvSpPr>
-            <a:spLocks noGrp="1"/>
-          </p:cNvSpPr>
-          <p:nvPr>
-            <p:ph type="ftr" sz="quarter" idx="11"/>
-          </p:nvPr>
-        </p:nvSpPr>
-        <p:spPr/>
-        <p:txBody>
-          <a:bodyPr/>
-          <a:lstStyle/>
-          <a:p>
-            <a:r>
-              <a:rPr lang="en-IN" sz="1200" dirty="0">
-                <a:cs typeface="Times New Roman" panose="02020603050405020304" pitchFamily="18" charset="0"/>
-              </a:rPr>
-              <a:t>Astronomical image colourisation and super-resolution using GANS</a:t>
-            </a:r>
-            <a:endParaRPr lang="en-IN" dirty="0"/>
-          </a:p>
-        </p:txBody>
-      </p:sp>
-      <p:pic>
-        <p:nvPicPr>
-          <p:cNvPr id="4" name="Picture 1"/>
-          <p:cNvPicPr>
-            <a:picLocks noChangeAspect="1" noChangeArrowheads="1"/>
-          </p:cNvPicPr>
-          <p:nvPr/>
-        </p:nvPicPr>
-        <p:blipFill>
-          <a:blip r:embed="rId2" cstate="print">
-            <a:extLst>
-              <a:ext uri="{28A0092B-C50C-407E-A947-70E740481C1C}">
-                <a14:useLocalDpi xmlns:a14="http://schemas.microsoft.com/office/drawing/2010/main" val="0"/>
-              </a:ext>
-            </a:extLst>
-          </a:blip>
-          <a:stretch>
-            <a:fillRect/>
-          </a:stretch>
-        </p:blipFill>
-        <p:spPr bwMode="auto">
-          <a:xfrm>
-            <a:off x="10919540" y="150750"/>
-            <a:ext cx="1233271" cy="1029803"/>
-          </a:xfrm>
-          <a:prstGeom prst="rect">
-            <a:avLst/>
-          </a:prstGeom>
-          <a:noFill/>
-          <a:ln w="9525">
-            <a:noFill/>
-            <a:miter lim="800000"/>
-            <a:headEnd/>
-            <a:tailEnd/>
-          </a:ln>
-        </p:spPr>
-      </p:pic>
-    </p:spTree>
-    <p:extLst>
-      <p:ext uri="{BB962C8B-B14F-4D97-AF65-F5344CB8AC3E}">
-        <p14:creationId xmlns:p14="http://schemas.microsoft.com/office/powerpoint/2010/main" val="1654255301"/>
-      </p:ext>
-    </p:extLst>
-  </p:cSld>
-  <p:clrMapOvr>
-    <a:masterClrMapping/>
-  </p:clrMapOvr>
-  <mc:AlternateContent xmlns:mc="http://schemas.openxmlformats.org/markup-compatibility/2006" xmlns:p14="http://schemas.microsoft.com/office/powerpoint/2010/main">
-    <mc:Choice Requires="p14">
-      <p:transition spd="med" p14:dur="700">
-        <p:fade/>
-      </p:transition>
-    </mc:Choice>
-    <mc:Fallback xmlns="">
-      <p:transition spd="med">
-        <p:fade/>
-      </p:transition>
-    </mc:Fallback>
-  </mc:AlternateContent>
-</p:sld>
-</file>
-
-<file path=ppt/slides/slide30.xml><?xml version="1.0" encoding="utf-8"?>
-<p:sld xmlns:a="http://schemas.openxmlformats.org/drawingml/2006/main" xmlns:r="http://schemas.openxmlformats.org/officeDocument/2006/relationships" xmlns:p="http://schemas.openxmlformats.org/presentationml/2006/main">
-  <p:cSld>
-    <p:spTree>
-      <p:nvGrpSpPr>
-        <p:cNvPr id="1" name=""/>
-        <p:cNvGrpSpPr/>
-        <p:nvPr/>
-      </p:nvGrpSpPr>
-      <p:grpSpPr>
-        <a:xfrm>
-          <a:off x="0" y="0"/>
-          <a:ext cx="0" cy="0"/>
-          <a:chOff x="0" y="0"/>
-          <a:chExt cx="0" cy="0"/>
-        </a:xfrm>
-      </p:grpSpPr>
-      <p:sp>
-        <p:nvSpPr>
-          <p:cNvPr id="2" name="Title 1">
-            <a:extLst>
-              <a:ext uri="{FF2B5EF4-FFF2-40B4-BE49-F238E27FC236}">
-                <a16:creationId xmlns:a16="http://schemas.microsoft.com/office/drawing/2014/main" id="{2644FDE2-7D90-484D-AFF5-7BFD7B5D3C58}"/>
-              </a:ext>
-            </a:extLst>
-          </p:cNvPr>
-          <p:cNvSpPr>
-            <a:spLocks noGrp="1"/>
-          </p:cNvSpPr>
-          <p:nvPr>
-            <p:ph type="title"/>
-          </p:nvPr>
-        </p:nvSpPr>
-        <p:spPr/>
-        <p:txBody>
-          <a:bodyPr/>
-          <a:lstStyle/>
-          <a:p>
-            <a:r>
-              <a:rPr lang="en-US" dirty="0"/>
-              <a:t>Performance Parameters</a:t>
-            </a:r>
-          </a:p>
-        </p:txBody>
-      </p:sp>
-      <p:pic>
-        <p:nvPicPr>
-          <p:cNvPr id="6" name="Content Placeholder 5">
-            <a:extLst>
-              <a:ext uri="{FF2B5EF4-FFF2-40B4-BE49-F238E27FC236}">
-                <a16:creationId xmlns:a16="http://schemas.microsoft.com/office/drawing/2014/main" id="{1981E619-75B8-4093-A8D9-6959118FA6A1}"/>
-              </a:ext>
-            </a:extLst>
-          </p:cNvPr>
-          <p:cNvPicPr>
-            <a:picLocks noGrp="1" noChangeAspect="1"/>
-          </p:cNvPicPr>
-          <p:nvPr>
-            <p:ph idx="1"/>
-          </p:nvPr>
-        </p:nvPicPr>
-        <p:blipFill>
-          <a:blip r:embed="rId2"/>
-          <a:stretch>
-            <a:fillRect/>
-          </a:stretch>
-        </p:blipFill>
-        <p:spPr>
-          <a:xfrm>
-            <a:off x="1393997" y="1836831"/>
-            <a:ext cx="9402487" cy="1524213"/>
-          </a:xfrm>
-        </p:spPr>
-      </p:pic>
-      <p:sp>
-        <p:nvSpPr>
-          <p:cNvPr id="4" name="Footer Placeholder 3">
-            <a:extLst>
-              <a:ext uri="{FF2B5EF4-FFF2-40B4-BE49-F238E27FC236}">
-                <a16:creationId xmlns:a16="http://schemas.microsoft.com/office/drawing/2014/main" id="{0C3D8EA0-6BA6-4DF2-88B0-EF2A4189F93F}"/>
-              </a:ext>
-            </a:extLst>
-          </p:cNvPr>
-          <p:cNvSpPr>
-            <a:spLocks noGrp="1"/>
-          </p:cNvSpPr>
-          <p:nvPr>
-            <p:ph type="ftr" sz="quarter" idx="11"/>
-          </p:nvPr>
-        </p:nvSpPr>
-        <p:spPr/>
-        <p:txBody>
-          <a:bodyPr/>
-          <a:lstStyle/>
-          <a:p>
-            <a:r>
-              <a:rPr lang="en-IN"/>
-              <a:t>Title of the Course</a:t>
-            </a:r>
-          </a:p>
-        </p:txBody>
-      </p:sp>
-    </p:spTree>
-    <p:extLst>
-      <p:ext uri="{BB962C8B-B14F-4D97-AF65-F5344CB8AC3E}">
-        <p14:creationId xmlns:p14="http://schemas.microsoft.com/office/powerpoint/2010/main" val="2741955053"/>
-      </p:ext>
-    </p:extLst>
-  </p:cSld>
-  <p:clrMapOvr>
-    <a:masterClrMapping/>
-  </p:clrMapOvr>
-  <mc:AlternateContent xmlns:mc="http://schemas.openxmlformats.org/markup-compatibility/2006" xmlns:p14="http://schemas.microsoft.com/office/powerpoint/2010/main">
-    <mc:Choice Requires="p14">
-      <p:transition spd="med" p14:dur="700">
-        <p:fade/>
-      </p:transition>
-    </mc:Choice>
-    <mc:Fallback xmlns="">
-      <p:transition spd="med">
-        <p:fade/>
-      </p:transition>
-    </mc:Fallback>
-  </mc:AlternateContent>
-</p:sld>
-</file>
-
-<file path=ppt/slides/slide31.xml><?xml version="1.0" encoding="utf-8"?>
-<p:sld xmlns:a="http://schemas.openxmlformats.org/drawingml/2006/main" xmlns:r="http://schemas.openxmlformats.org/officeDocument/2006/relationships" xmlns:p="http://schemas.openxmlformats.org/presentationml/2006/main">
-  <p:cSld>
-    <p:spTree>
-      <p:nvGrpSpPr>
-        <p:cNvPr id="1" name=""/>
-        <p:cNvGrpSpPr/>
-        <p:nvPr/>
-      </p:nvGrpSpPr>
-      <p:grpSpPr>
-        <a:xfrm>
-          <a:off x="0" y="0"/>
-          <a:ext cx="0" cy="0"/>
-          <a:chOff x="0" y="0"/>
-          <a:chExt cx="0" cy="0"/>
-        </a:xfrm>
-      </p:grpSpPr>
-      <p:sp>
-        <p:nvSpPr>
-          <p:cNvPr id="2" name="Title 1">
-            <a:extLst>
-              <a:ext uri="{FF2B5EF4-FFF2-40B4-BE49-F238E27FC236}">
-                <a16:creationId xmlns:a16="http://schemas.microsoft.com/office/drawing/2014/main" id="{515C154E-1383-4623-8BD9-DC1CE79CA7B7}"/>
-              </a:ext>
-            </a:extLst>
-          </p:cNvPr>
-          <p:cNvSpPr>
-            <a:spLocks noGrp="1"/>
-          </p:cNvSpPr>
-          <p:nvPr>
-            <p:ph type="title"/>
-          </p:nvPr>
-        </p:nvSpPr>
-        <p:spPr/>
-        <p:txBody>
-          <a:bodyPr/>
-          <a:lstStyle/>
-          <a:p>
-            <a:r>
-              <a:rPr lang="en-US" dirty="0"/>
-              <a:t>Efficiency Issues</a:t>
-            </a:r>
-          </a:p>
-        </p:txBody>
-      </p:sp>
-      <p:sp>
-        <p:nvSpPr>
-          <p:cNvPr id="3" name="Content Placeholder 2">
-            <a:extLst>
-              <a:ext uri="{FF2B5EF4-FFF2-40B4-BE49-F238E27FC236}">
-                <a16:creationId xmlns:a16="http://schemas.microsoft.com/office/drawing/2014/main" id="{4AF4CFE7-2266-41A1-B6EF-966C6526A2AF}"/>
-              </a:ext>
-            </a:extLst>
-          </p:cNvPr>
-          <p:cNvSpPr>
-            <a:spLocks noGrp="1"/>
-          </p:cNvSpPr>
-          <p:nvPr>
-            <p:ph idx="1"/>
-          </p:nvPr>
-        </p:nvSpPr>
-        <p:spPr/>
-        <p:txBody>
-          <a:bodyPr/>
-          <a:lstStyle/>
-          <a:p>
-            <a:r>
-              <a:rPr lang="en-US" dirty="0"/>
-              <a:t>The data gathered had to be scraped off websites such as the Hubble Legacy archive and Hubble main website</a:t>
-            </a:r>
-          </a:p>
-          <a:p>
-            <a:r>
-              <a:rPr lang="en-US" dirty="0"/>
-              <a:t>This yielded in more images than were useful. So we focused on a particular section of the sky where we could get the images of galaxy M101</a:t>
-            </a:r>
-          </a:p>
-          <a:p>
-            <a:r>
-              <a:rPr lang="en-US" dirty="0"/>
-              <a:t>This still yielded in about 400,000 images which had to be manually filtered</a:t>
-            </a:r>
-          </a:p>
-          <a:p>
-            <a:r>
-              <a:rPr lang="en-US" dirty="0"/>
-              <a:t>Even with all the images available, the network training will require huge computational resources to perform efficiently</a:t>
-            </a:r>
-          </a:p>
-          <a:p>
-            <a:r>
-              <a:rPr lang="en-US" dirty="0"/>
-              <a:t>The network parameters exceed the available training data and will require augmentation to avoid overfitting </a:t>
-            </a:r>
-          </a:p>
-          <a:p>
-            <a:r>
-              <a:rPr lang="en-US" dirty="0"/>
-              <a:t>A quantitative evaluation of a GAN is considerably difficult even with the availability of the ground truth images</a:t>
-            </a:r>
-          </a:p>
-        </p:txBody>
-      </p:sp>
-      <p:sp>
-        <p:nvSpPr>
-          <p:cNvPr id="4" name="Footer Placeholder 3">
-            <a:extLst>
-              <a:ext uri="{FF2B5EF4-FFF2-40B4-BE49-F238E27FC236}">
-                <a16:creationId xmlns:a16="http://schemas.microsoft.com/office/drawing/2014/main" id="{479926B9-6778-4DA9-BCBA-AC30CF378207}"/>
-              </a:ext>
-            </a:extLst>
-          </p:cNvPr>
-          <p:cNvSpPr>
-            <a:spLocks noGrp="1"/>
-          </p:cNvSpPr>
-          <p:nvPr>
-            <p:ph type="ftr" sz="quarter" idx="11"/>
-          </p:nvPr>
-        </p:nvSpPr>
-        <p:spPr/>
-        <p:txBody>
-          <a:bodyPr/>
-          <a:lstStyle/>
-          <a:p>
-            <a:r>
-              <a:rPr lang="en-IN"/>
-              <a:t>Title of the Course</a:t>
-            </a:r>
-          </a:p>
-        </p:txBody>
-      </p:sp>
-    </p:spTree>
-    <p:extLst>
-      <p:ext uri="{BB962C8B-B14F-4D97-AF65-F5344CB8AC3E}">
-        <p14:creationId xmlns:p14="http://schemas.microsoft.com/office/powerpoint/2010/main" val="1342927445"/>
-      </p:ext>
-    </p:extLst>
-  </p:cSld>
-  <p:clrMapOvr>
-    <a:masterClrMapping/>
-  </p:clrMapOvr>
-  <mc:AlternateContent xmlns:mc="http://schemas.openxmlformats.org/markup-compatibility/2006" xmlns:p14="http://schemas.microsoft.com/office/powerpoint/2010/main">
-    <mc:Choice Requires="p14">
-      <p:transition spd="med" p14:dur="700">
-        <p:fade/>
-      </p:transition>
-    </mc:Choice>
-    <mc:Fallback xmlns="">
-      <p:transition spd="med">
-        <p:fade/>
-      </p:transition>
-    </mc:Fallback>
-  </mc:AlternateContent>
-</p:sld>
-</file>
-
-<file path=ppt/slides/slide32.xml><?xml version="1.0" encoding="utf-8"?>
-<p:sld xmlns:a="http://schemas.openxmlformats.org/drawingml/2006/main" xmlns:r="http://schemas.openxmlformats.org/officeDocument/2006/relationships" xmlns:p="http://schemas.openxmlformats.org/presentationml/2006/main">
-  <p:cSld>
-    <p:spTree>
-      <p:nvGrpSpPr>
-        <p:cNvPr id="1" name=""/>
-        <p:cNvGrpSpPr/>
-        <p:nvPr/>
-      </p:nvGrpSpPr>
-      <p:grpSpPr>
-        <a:xfrm>
-          <a:off x="0" y="0"/>
-          <a:ext cx="0" cy="0"/>
-          <a:chOff x="0" y="0"/>
-          <a:chExt cx="0" cy="0"/>
-        </a:xfrm>
-      </p:grpSpPr>
-      <p:sp>
-        <p:nvSpPr>
-          <p:cNvPr id="2" name="Title 1">
-            <a:extLst>
-              <a:ext uri="{FF2B5EF4-FFF2-40B4-BE49-F238E27FC236}">
-                <a16:creationId xmlns:a16="http://schemas.microsoft.com/office/drawing/2014/main" id="{1B088865-DEAE-4612-97AF-B61F6AF552E8}"/>
-              </a:ext>
-            </a:extLst>
-          </p:cNvPr>
-          <p:cNvSpPr>
-            <a:spLocks noGrp="1"/>
-          </p:cNvSpPr>
-          <p:nvPr>
-            <p:ph type="title"/>
-          </p:nvPr>
-        </p:nvSpPr>
-        <p:spPr/>
-        <p:txBody>
-          <a:bodyPr/>
-          <a:lstStyle/>
-          <a:p>
-            <a:r>
-              <a:rPr lang="en-US" dirty="0"/>
-              <a:t>References</a:t>
-            </a:r>
-          </a:p>
-        </p:txBody>
-      </p:sp>
-      <p:sp>
-        <p:nvSpPr>
-          <p:cNvPr id="3" name="Content Placeholder 2">
-            <a:extLst>
-              <a:ext uri="{FF2B5EF4-FFF2-40B4-BE49-F238E27FC236}">
-                <a16:creationId xmlns:a16="http://schemas.microsoft.com/office/drawing/2014/main" id="{EA8DEEA1-8858-40B0-9169-F753007ABA02}"/>
-              </a:ext>
-            </a:extLst>
-          </p:cNvPr>
-          <p:cNvSpPr>
-            <a:spLocks noGrp="1"/>
-          </p:cNvSpPr>
-          <p:nvPr>
-            <p:ph idx="1"/>
-          </p:nvPr>
-        </p:nvSpPr>
-        <p:spPr/>
-        <p:txBody>
-          <a:bodyPr>
-            <a:normAutofit/>
-          </a:bodyPr>
-          <a:lstStyle/>
-          <a:p>
-            <a:r>
-              <a:rPr lang="en-US" sz="1400" b="0" i="0" u="none" strike="noStrike" baseline="0" dirty="0">
-                <a:latin typeface="Times New Roman" panose="02020603050405020304" pitchFamily="18" charset="0"/>
-                <a:cs typeface="Times New Roman" panose="02020603050405020304" pitchFamily="18" charset="0"/>
-              </a:rPr>
-              <a:t>Cheng, Z., Yang, Q. and Sheng, B. (2016). Deep colorization.</a:t>
-            </a:r>
-          </a:p>
-          <a:p>
-            <a:r>
-              <a:rPr lang="en-US" sz="1400" b="0" i="0" u="none" strike="noStrike" baseline="0" dirty="0">
-                <a:latin typeface="Times New Roman" panose="02020603050405020304" pitchFamily="18" charset="0"/>
-                <a:cs typeface="Times New Roman" panose="02020603050405020304" pitchFamily="18" charset="0"/>
-              </a:rPr>
-              <a:t>Dahl, R. (2016). Automatic colorization.</a:t>
-            </a:r>
-            <a:endParaRPr lang="en-US" sz="1400" dirty="0">
-              <a:latin typeface="Times New Roman" panose="02020603050405020304" pitchFamily="18" charset="0"/>
-              <a:cs typeface="Times New Roman" panose="02020603050405020304" pitchFamily="18" charset="0"/>
-            </a:endParaRPr>
-          </a:p>
-          <a:p>
-            <a:pPr algn="l"/>
-            <a:r>
-              <a:rPr lang="en-US" sz="1400" b="0" i="0" u="none" strike="noStrike" baseline="0" dirty="0">
-                <a:latin typeface="Times New Roman" panose="02020603050405020304" pitchFamily="18" charset="0"/>
-                <a:cs typeface="Times New Roman" panose="02020603050405020304" pitchFamily="18" charset="0"/>
-              </a:rPr>
-              <a:t>Dong, C., Loy, C. C., He, K. and Tang, X. (2014). Learning a deep convolutional network for image super-resolution, </a:t>
-            </a:r>
-            <a:r>
-              <a:rPr lang="en-US" sz="1400" b="0" i="1" u="none" strike="noStrike" baseline="0" dirty="0">
-                <a:latin typeface="Times New Roman" panose="02020603050405020304" pitchFamily="18" charset="0"/>
-                <a:cs typeface="Times New Roman" panose="02020603050405020304" pitchFamily="18" charset="0"/>
-              </a:rPr>
-              <a:t>in</a:t>
-            </a:r>
-            <a:r>
-              <a:rPr lang="en-US" sz="1400" b="0" i="0" u="none" strike="noStrike" baseline="0" dirty="0">
-                <a:latin typeface="Times New Roman" panose="02020603050405020304" pitchFamily="18" charset="0"/>
-                <a:cs typeface="Times New Roman" panose="02020603050405020304" pitchFamily="18" charset="0"/>
-              </a:rPr>
-              <a:t> D. Fleet, T. 	</a:t>
-            </a:r>
-            <a:r>
-              <a:rPr lang="en-US" sz="1400" b="0" i="0" u="none" strike="noStrike" baseline="0" dirty="0" err="1">
-                <a:latin typeface="Times New Roman" panose="02020603050405020304" pitchFamily="18" charset="0"/>
-                <a:cs typeface="Times New Roman" panose="02020603050405020304" pitchFamily="18" charset="0"/>
-              </a:rPr>
-              <a:t>Pajdla</a:t>
-            </a:r>
-            <a:r>
-              <a:rPr lang="en-US" sz="1400" b="0" i="0" u="none" strike="noStrike" baseline="0" dirty="0">
-                <a:latin typeface="Times New Roman" panose="02020603050405020304" pitchFamily="18" charset="0"/>
-                <a:cs typeface="Times New Roman" panose="02020603050405020304" pitchFamily="18" charset="0"/>
-              </a:rPr>
-              <a:t>, B. Schiele and T. </a:t>
-            </a:r>
-            <a:r>
-              <a:rPr lang="en-US" sz="1400" b="0" i="0" u="none" strike="noStrike" baseline="0" dirty="0" err="1">
-                <a:latin typeface="Times New Roman" panose="02020603050405020304" pitchFamily="18" charset="0"/>
-                <a:cs typeface="Times New Roman" panose="02020603050405020304" pitchFamily="18" charset="0"/>
-              </a:rPr>
-              <a:t>Tuytelaars</a:t>
-            </a:r>
-            <a:r>
-              <a:rPr lang="en-US" sz="1400" dirty="0">
-                <a:latin typeface="Times New Roman" panose="02020603050405020304" pitchFamily="18" charset="0"/>
-                <a:cs typeface="Times New Roman" panose="02020603050405020304" pitchFamily="18" charset="0"/>
-              </a:rPr>
-              <a:t> </a:t>
-            </a:r>
-            <a:r>
-              <a:rPr lang="en-US" sz="1400" b="0" i="0" u="none" strike="noStrike" baseline="0" dirty="0">
-                <a:latin typeface="Times New Roman" panose="02020603050405020304" pitchFamily="18" charset="0"/>
-                <a:cs typeface="Times New Roman" panose="02020603050405020304" pitchFamily="18" charset="0"/>
-              </a:rPr>
-              <a:t>(eds), </a:t>
-            </a:r>
-            <a:r>
-              <a:rPr lang="en-US" sz="1400" b="0" i="1" u="none" strike="noStrike" baseline="0" dirty="0">
-                <a:latin typeface="Times New Roman" panose="02020603050405020304" pitchFamily="18" charset="0"/>
-                <a:cs typeface="Times New Roman" panose="02020603050405020304" pitchFamily="18" charset="0"/>
-              </a:rPr>
-              <a:t>Computer Vision – ECCV 2014</a:t>
-            </a:r>
-            <a:r>
-              <a:rPr lang="en-US" sz="1400" b="0" i="0" u="none" strike="noStrike" baseline="0" dirty="0">
-                <a:latin typeface="Times New Roman" panose="02020603050405020304" pitchFamily="18" charset="0"/>
-                <a:cs typeface="Times New Roman" panose="02020603050405020304" pitchFamily="18" charset="0"/>
-              </a:rPr>
-              <a:t>, Springer International Publishing, </a:t>
-            </a:r>
-          </a:p>
-          <a:p>
-            <a:pPr marL="457200" lvl="1" indent="0">
-              <a:buNone/>
-            </a:pPr>
-            <a:r>
-              <a:rPr lang="en-US" sz="1400" dirty="0">
-                <a:latin typeface="Times New Roman" panose="02020603050405020304" pitchFamily="18" charset="0"/>
-                <a:cs typeface="Times New Roman" panose="02020603050405020304" pitchFamily="18" charset="0"/>
-              </a:rPr>
-              <a:t>	</a:t>
-            </a:r>
-            <a:r>
-              <a:rPr lang="en-US" sz="1400" b="0" i="0" u="none" strike="noStrike" baseline="0" dirty="0">
-                <a:latin typeface="Times New Roman" panose="02020603050405020304" pitchFamily="18" charset="0"/>
-                <a:cs typeface="Times New Roman" panose="02020603050405020304" pitchFamily="18" charset="0"/>
-              </a:rPr>
-              <a:t>Cham, pp. 184-199.</a:t>
-            </a:r>
-          </a:p>
-          <a:p>
-            <a:pPr algn="l"/>
-            <a:r>
-              <a:rPr lang="en-US" sz="1400" b="0" i="0" u="none" strike="noStrike" baseline="0" dirty="0">
-                <a:latin typeface="Times New Roman" panose="02020603050405020304" pitchFamily="18" charset="0"/>
-                <a:cs typeface="Times New Roman" panose="02020603050405020304" pitchFamily="18" charset="0"/>
-              </a:rPr>
-              <a:t>Goodfellow, I. J., </a:t>
-            </a:r>
-            <a:r>
-              <a:rPr lang="en-US" sz="1400" b="0" i="0" u="none" strike="noStrike" baseline="0" dirty="0" err="1">
-                <a:latin typeface="Times New Roman" panose="02020603050405020304" pitchFamily="18" charset="0"/>
-                <a:cs typeface="Times New Roman" panose="02020603050405020304" pitchFamily="18" charset="0"/>
-              </a:rPr>
-              <a:t>Pouget</a:t>
-            </a:r>
-            <a:r>
-              <a:rPr lang="en-US" sz="1400" b="0" i="0" u="none" strike="noStrike" baseline="0" dirty="0">
-                <a:latin typeface="Times New Roman" panose="02020603050405020304" pitchFamily="18" charset="0"/>
-                <a:cs typeface="Times New Roman" panose="02020603050405020304" pitchFamily="18" charset="0"/>
-              </a:rPr>
-              <a:t>-Abadie, J., Mirza, M., Xu, B., </a:t>
-            </a:r>
-            <a:r>
-              <a:rPr lang="en-US" sz="1400" b="0" i="0" u="none" strike="noStrike" baseline="0" dirty="0" err="1">
-                <a:latin typeface="Times New Roman" panose="02020603050405020304" pitchFamily="18" charset="0"/>
-                <a:cs typeface="Times New Roman" panose="02020603050405020304" pitchFamily="18" charset="0"/>
-              </a:rPr>
-              <a:t>Warde</a:t>
-            </a:r>
-            <a:r>
-              <a:rPr lang="en-US" sz="1400" b="0" i="0" u="none" strike="noStrike" baseline="0" dirty="0">
-                <a:latin typeface="Times New Roman" panose="02020603050405020304" pitchFamily="18" charset="0"/>
-                <a:cs typeface="Times New Roman" panose="02020603050405020304" pitchFamily="18" charset="0"/>
-              </a:rPr>
-              <a:t>-Farley, D., </a:t>
-            </a:r>
-            <a:r>
-              <a:rPr lang="en-US" sz="1400" b="0" i="0" u="none" strike="noStrike" baseline="0" dirty="0" err="1">
-                <a:latin typeface="Times New Roman" panose="02020603050405020304" pitchFamily="18" charset="0"/>
-                <a:cs typeface="Times New Roman" panose="02020603050405020304" pitchFamily="18" charset="0"/>
-              </a:rPr>
-              <a:t>Ozair</a:t>
-            </a:r>
-            <a:r>
-              <a:rPr lang="en-US" sz="1400" b="0" i="0" u="none" strike="noStrike" baseline="0" dirty="0">
-                <a:latin typeface="Times New Roman" panose="02020603050405020304" pitchFamily="18" charset="0"/>
-                <a:cs typeface="Times New Roman" panose="02020603050405020304" pitchFamily="18" charset="0"/>
-              </a:rPr>
-              <a:t>, S., Courville, A. and  </a:t>
-            </a:r>
-            <a:r>
-              <a:rPr lang="en-US" sz="1400" b="0" i="0" u="none" strike="noStrike" baseline="0" dirty="0" err="1">
-                <a:latin typeface="Times New Roman" panose="02020603050405020304" pitchFamily="18" charset="0"/>
-                <a:cs typeface="Times New Roman" panose="02020603050405020304" pitchFamily="18" charset="0"/>
-              </a:rPr>
-              <a:t>Bengio</a:t>
-            </a:r>
-            <a:r>
-              <a:rPr lang="en-US" sz="1400" b="0" i="0" u="none" strike="noStrike" baseline="0" dirty="0">
-                <a:latin typeface="Times New Roman" panose="02020603050405020304" pitchFamily="18" charset="0"/>
-                <a:cs typeface="Times New Roman" panose="02020603050405020304" pitchFamily="18" charset="0"/>
-              </a:rPr>
-              <a:t>, Y. (2014). </a:t>
-            </a:r>
-            <a:endParaRPr lang="en-US" sz="1400" dirty="0">
-              <a:latin typeface="Times New Roman" panose="02020603050405020304" pitchFamily="18" charset="0"/>
-              <a:cs typeface="Times New Roman" panose="02020603050405020304" pitchFamily="18" charset="0"/>
-            </a:endParaRPr>
-          </a:p>
-          <a:p>
-            <a:pPr marL="457200" lvl="1" indent="0">
-              <a:buNone/>
-            </a:pPr>
-            <a:r>
-              <a:rPr lang="en-US" sz="1400" b="0" i="0" u="none" strike="noStrike" baseline="0" dirty="0">
-                <a:latin typeface="Times New Roman" panose="02020603050405020304" pitchFamily="18" charset="0"/>
-                <a:cs typeface="Times New Roman" panose="02020603050405020304" pitchFamily="18" charset="0"/>
-              </a:rPr>
-              <a:t>	Generative adversarial networks.</a:t>
-            </a:r>
-          </a:p>
-          <a:p>
-            <a:pPr algn="l"/>
-            <a:r>
-              <a:rPr lang="en-US" sz="1400" b="0" i="0" u="none" strike="noStrike" baseline="0" dirty="0">
-                <a:latin typeface="Times New Roman" panose="02020603050405020304" pitchFamily="18" charset="0"/>
-                <a:cs typeface="Times New Roman" panose="02020603050405020304" pitchFamily="18" charset="0"/>
-              </a:rPr>
-              <a:t>He, K., Zhang, X., Ren, S. and Sun, J. (2015). Deep residual learning for image recognition.</a:t>
-            </a:r>
-          </a:p>
-          <a:p>
-            <a:pPr algn="l"/>
-            <a:r>
-              <a:rPr lang="de-DE" sz="1400" b="0" i="0" u="none" strike="noStrike" baseline="0" dirty="0">
-                <a:latin typeface="Times New Roman" panose="02020603050405020304" pitchFamily="18" charset="0"/>
-                <a:cs typeface="Times New Roman" panose="02020603050405020304" pitchFamily="18" charset="0"/>
-              </a:rPr>
-              <a:t>Huang, Y.-C., Tung, Y.-S., Chen, J.-C., Wang, S.-W. and Wu, J.-L. (2005). An </a:t>
-            </a:r>
-            <a:r>
-              <a:rPr lang="en-US" sz="1400" b="0" i="0" u="none" strike="noStrike" baseline="0" dirty="0">
-                <a:latin typeface="Times New Roman" panose="02020603050405020304" pitchFamily="18" charset="0"/>
-                <a:cs typeface="Times New Roman" panose="02020603050405020304" pitchFamily="18" charset="0"/>
-              </a:rPr>
-              <a:t>adaptive edge detection based colorization algorithm and 	its applications, pp. 351–354.</a:t>
-            </a:r>
-          </a:p>
-          <a:p>
-            <a:pPr algn="l"/>
-            <a:r>
-              <a:rPr lang="en-US" sz="1400" b="0" i="0" u="none" strike="noStrike" baseline="0" dirty="0">
-                <a:latin typeface="Times New Roman" panose="02020603050405020304" pitchFamily="18" charset="0"/>
-                <a:cs typeface="Times New Roman" panose="02020603050405020304" pitchFamily="18" charset="0"/>
-              </a:rPr>
-              <a:t>Isola, P., Zhu, J.-Y., Zhou, T. and </a:t>
-            </a:r>
-            <a:r>
-              <a:rPr lang="en-US" sz="1400" b="0" i="0" u="none" strike="noStrike" baseline="0" dirty="0" err="1">
-                <a:latin typeface="Times New Roman" panose="02020603050405020304" pitchFamily="18" charset="0"/>
-                <a:cs typeface="Times New Roman" panose="02020603050405020304" pitchFamily="18" charset="0"/>
-              </a:rPr>
-              <a:t>Efros</a:t>
-            </a:r>
-            <a:r>
-              <a:rPr lang="en-US" sz="1400" b="0" i="0" u="none" strike="noStrike" baseline="0" dirty="0">
-                <a:latin typeface="Times New Roman" panose="02020603050405020304" pitchFamily="18" charset="0"/>
-                <a:cs typeface="Times New Roman" panose="02020603050405020304" pitchFamily="18" charset="0"/>
-              </a:rPr>
-              <a:t>, A. A. (2018). Image-to-image translation with conditional adversarial networks.</a:t>
-            </a:r>
-          </a:p>
-          <a:p>
-            <a:pPr algn="l"/>
-            <a:r>
-              <a:rPr lang="en-US" sz="1400" b="0" i="0" u="none" strike="noStrike" baseline="0" dirty="0" err="1">
-                <a:latin typeface="Times New Roman" panose="02020603050405020304" pitchFamily="18" charset="0"/>
-                <a:cs typeface="Times New Roman" panose="02020603050405020304" pitchFamily="18" charset="0"/>
-              </a:rPr>
-              <a:t>Jianchao</a:t>
-            </a:r>
-            <a:r>
-              <a:rPr lang="en-US" sz="1400" b="0" i="0" u="none" strike="noStrike" baseline="0" dirty="0">
-                <a:latin typeface="Times New Roman" panose="02020603050405020304" pitchFamily="18" charset="0"/>
-                <a:cs typeface="Times New Roman" panose="02020603050405020304" pitchFamily="18" charset="0"/>
-              </a:rPr>
-              <a:t> Yang, Wright, J., Huang, T. and Yi Ma (2008). Image super-resolution as sparse representation of raw image patches, </a:t>
-            </a:r>
-          </a:p>
-          <a:p>
-            <a:pPr marL="457200" lvl="1" indent="0">
-              <a:buNone/>
-            </a:pPr>
-            <a:r>
-              <a:rPr lang="en-US" sz="1400" b="0" i="1" u="none" strike="noStrike" baseline="0" dirty="0">
-                <a:latin typeface="Times New Roman" panose="02020603050405020304" pitchFamily="18" charset="0"/>
-                <a:cs typeface="Times New Roman" panose="02020603050405020304" pitchFamily="18" charset="0"/>
-              </a:rPr>
-              <a:t>	2008 IEEE Conference on Computer Vision and Pattern Recognition</a:t>
-            </a:r>
-            <a:r>
-              <a:rPr lang="en-US" sz="1400" b="0" i="0" u="none" strike="noStrike" baseline="0" dirty="0">
-                <a:latin typeface="Times New Roman" panose="02020603050405020304" pitchFamily="18" charset="0"/>
-                <a:cs typeface="Times New Roman" panose="02020603050405020304" pitchFamily="18" charset="0"/>
-              </a:rPr>
-              <a:t>, pp. 1–8.</a:t>
-            </a:r>
-          </a:p>
-        </p:txBody>
-      </p:sp>
-      <p:sp>
-        <p:nvSpPr>
-          <p:cNvPr id="4" name="Footer Placeholder 3">
-            <a:extLst>
-              <a:ext uri="{FF2B5EF4-FFF2-40B4-BE49-F238E27FC236}">
-                <a16:creationId xmlns:a16="http://schemas.microsoft.com/office/drawing/2014/main" id="{90CF10EA-242A-4F9F-97DC-68619990925C}"/>
-              </a:ext>
-            </a:extLst>
-          </p:cNvPr>
-          <p:cNvSpPr>
-            <a:spLocks noGrp="1"/>
-          </p:cNvSpPr>
-          <p:nvPr>
-            <p:ph type="ftr" sz="quarter" idx="11"/>
-          </p:nvPr>
-        </p:nvSpPr>
-        <p:spPr/>
-        <p:txBody>
-          <a:bodyPr/>
-          <a:lstStyle/>
-          <a:p>
-            <a:r>
-              <a:rPr lang="en-IN"/>
-              <a:t>Title of the Course</a:t>
-            </a:r>
-          </a:p>
-        </p:txBody>
-      </p:sp>
-    </p:spTree>
-    <p:extLst>
-      <p:ext uri="{BB962C8B-B14F-4D97-AF65-F5344CB8AC3E}">
-        <p14:creationId xmlns:p14="http://schemas.microsoft.com/office/powerpoint/2010/main" val="3190111597"/>
-      </p:ext>
-    </p:extLst>
-  </p:cSld>
-  <p:clrMapOvr>
-    <a:masterClrMapping/>
-  </p:clrMapOvr>
-  <mc:AlternateContent xmlns:mc="http://schemas.openxmlformats.org/markup-compatibility/2006" xmlns:p14="http://schemas.microsoft.com/office/powerpoint/2010/main">
-    <mc:Choice Requires="p14">
-      <p:transition spd="med" p14:dur="700">
-        <p:fade/>
-      </p:transition>
-    </mc:Choice>
-    <mc:Fallback xmlns="">
-      <p:transition spd="med">
-        <p:fade/>
-      </p:transition>
-    </mc:Fallback>
-  </mc:AlternateContent>
-</p:sld>
-</file>
-
-<file path=ppt/slides/slide33.xml><?xml version="1.0" encoding="utf-8"?>
-<p:sld xmlns:a="http://schemas.openxmlformats.org/drawingml/2006/main" xmlns:r="http://schemas.openxmlformats.org/officeDocument/2006/relationships" xmlns:p="http://schemas.openxmlformats.org/presentationml/2006/main">
-  <p:cSld>
-    <p:spTree>
-      <p:nvGrpSpPr>
-        <p:cNvPr id="1" name=""/>
-        <p:cNvGrpSpPr/>
-        <p:nvPr/>
-      </p:nvGrpSpPr>
-      <p:grpSpPr>
-        <a:xfrm>
-          <a:off x="0" y="0"/>
-          <a:ext cx="0" cy="0"/>
-          <a:chOff x="0" y="0"/>
-          <a:chExt cx="0" cy="0"/>
-        </a:xfrm>
-      </p:grpSpPr>
-      <p:sp>
-        <p:nvSpPr>
-          <p:cNvPr id="2" name="Title 1">
-            <a:extLst>
-              <a:ext uri="{FF2B5EF4-FFF2-40B4-BE49-F238E27FC236}">
-                <a16:creationId xmlns:a16="http://schemas.microsoft.com/office/drawing/2014/main" id="{60013DAE-EE1B-473B-B3B6-648540F8F0E6}"/>
-              </a:ext>
-            </a:extLst>
-          </p:cNvPr>
-          <p:cNvSpPr>
-            <a:spLocks noGrp="1"/>
-          </p:cNvSpPr>
-          <p:nvPr>
-            <p:ph type="title"/>
-          </p:nvPr>
-        </p:nvSpPr>
-        <p:spPr/>
-        <p:txBody>
-          <a:bodyPr/>
-          <a:lstStyle/>
-          <a:p>
-            <a:r>
-              <a:rPr lang="en-US" dirty="0"/>
-              <a:t>References</a:t>
-            </a:r>
-          </a:p>
-        </p:txBody>
-      </p:sp>
-      <p:sp>
-        <p:nvSpPr>
-          <p:cNvPr id="3" name="Content Placeholder 2">
-            <a:extLst>
-              <a:ext uri="{FF2B5EF4-FFF2-40B4-BE49-F238E27FC236}">
-                <a16:creationId xmlns:a16="http://schemas.microsoft.com/office/drawing/2014/main" id="{6A2C8905-50B5-4EA0-8B9A-E1EE0EB58F40}"/>
-              </a:ext>
-            </a:extLst>
-          </p:cNvPr>
-          <p:cNvSpPr>
-            <a:spLocks noGrp="1"/>
-          </p:cNvSpPr>
-          <p:nvPr>
-            <p:ph idx="1"/>
-          </p:nvPr>
-        </p:nvSpPr>
-        <p:spPr/>
-        <p:txBody>
-          <a:bodyPr>
-            <a:normAutofit fontScale="92500" lnSpcReduction="20000"/>
-          </a:bodyPr>
-          <a:lstStyle/>
-          <a:p>
-            <a:pPr algn="l"/>
-            <a:r>
-              <a:rPr lang="en-US" sz="1400" b="0" i="0" u="none" strike="noStrike" baseline="0" dirty="0">
-                <a:latin typeface="Times New Roman" panose="02020603050405020304" pitchFamily="18" charset="0"/>
-                <a:cs typeface="Times New Roman" panose="02020603050405020304" pitchFamily="18" charset="0"/>
-              </a:rPr>
-              <a:t>Kim, J., Lee, J. K. and Lee, K. M. (2016). Accurate image super-resolution using very deep convolutional networks, </a:t>
-            </a:r>
-          </a:p>
-          <a:p>
-            <a:pPr marL="457200" lvl="1" indent="0">
-              <a:buNone/>
-            </a:pPr>
-            <a:r>
-              <a:rPr lang="en-US" sz="1500" b="0" i="1" u="none" strike="noStrike" baseline="0" dirty="0">
-                <a:latin typeface="Times New Roman" panose="02020603050405020304" pitchFamily="18" charset="0"/>
-                <a:cs typeface="Times New Roman" panose="02020603050405020304" pitchFamily="18" charset="0"/>
-              </a:rPr>
-              <a:t>	2016 IEEE Conference on Computer Vision and Pattern Recognition (CVPR), </a:t>
-            </a:r>
-            <a:r>
-              <a:rPr lang="en-US" sz="1500" b="0" i="0" u="none" strike="noStrike" baseline="0" dirty="0">
-                <a:latin typeface="Times New Roman" panose="02020603050405020304" pitchFamily="18" charset="0"/>
-                <a:cs typeface="Times New Roman" panose="02020603050405020304" pitchFamily="18" charset="0"/>
-              </a:rPr>
-              <a:t>pp. 1646–1654.</a:t>
-            </a:r>
-          </a:p>
-          <a:p>
-            <a:pPr algn="l"/>
-            <a:r>
-              <a:rPr lang="en-US" sz="1400" b="0" i="0" u="none" strike="noStrike" baseline="0" dirty="0" err="1">
-                <a:latin typeface="Times New Roman" panose="02020603050405020304" pitchFamily="18" charset="0"/>
-                <a:cs typeface="Times New Roman" panose="02020603050405020304" pitchFamily="18" charset="0"/>
-              </a:rPr>
-              <a:t>Ledig</a:t>
-            </a:r>
-            <a:r>
-              <a:rPr lang="en-US" sz="1400" b="0" i="0" u="none" strike="noStrike" baseline="0" dirty="0">
-                <a:latin typeface="Times New Roman" panose="02020603050405020304" pitchFamily="18" charset="0"/>
-                <a:cs typeface="Times New Roman" panose="02020603050405020304" pitchFamily="18" charset="0"/>
-              </a:rPr>
-              <a:t>, C., Theis, L., </a:t>
-            </a:r>
-            <a:r>
-              <a:rPr lang="en-US" sz="1400" b="0" i="0" u="none" strike="noStrike" baseline="0" dirty="0" err="1">
-                <a:latin typeface="Times New Roman" panose="02020603050405020304" pitchFamily="18" charset="0"/>
-                <a:cs typeface="Times New Roman" panose="02020603050405020304" pitchFamily="18" charset="0"/>
-              </a:rPr>
-              <a:t>Huszar</a:t>
-            </a:r>
-            <a:r>
-              <a:rPr lang="en-US" sz="1400" b="0" i="0" u="none" strike="noStrike" baseline="0" dirty="0">
-                <a:latin typeface="Times New Roman" panose="02020603050405020304" pitchFamily="18" charset="0"/>
-                <a:cs typeface="Times New Roman" panose="02020603050405020304" pitchFamily="18" charset="0"/>
-              </a:rPr>
-              <a:t>, F., Caballero, J., Cunningham, A., Acosta, A., Aitken, A., </a:t>
-            </a:r>
-            <a:r>
-              <a:rPr lang="en-US" sz="1400" b="0" i="0" u="none" strike="noStrike" baseline="0" dirty="0" err="1">
-                <a:latin typeface="Times New Roman" panose="02020603050405020304" pitchFamily="18" charset="0"/>
-                <a:cs typeface="Times New Roman" panose="02020603050405020304" pitchFamily="18" charset="0"/>
-              </a:rPr>
-              <a:t>Tejani</a:t>
-            </a:r>
-            <a:r>
-              <a:rPr lang="en-US" sz="1400" b="0" i="0" u="none" strike="noStrike" baseline="0" dirty="0">
-                <a:latin typeface="Times New Roman" panose="02020603050405020304" pitchFamily="18" charset="0"/>
-                <a:cs typeface="Times New Roman" panose="02020603050405020304" pitchFamily="18" charset="0"/>
-              </a:rPr>
-              <a:t>, A., </a:t>
-            </a:r>
-            <a:r>
-              <a:rPr lang="en-US" sz="1400" b="0" i="0" u="none" strike="noStrike" baseline="0" dirty="0" err="1">
-                <a:latin typeface="Times New Roman" panose="02020603050405020304" pitchFamily="18" charset="0"/>
-                <a:cs typeface="Times New Roman" panose="02020603050405020304" pitchFamily="18" charset="0"/>
-              </a:rPr>
-              <a:t>Totz</a:t>
-            </a:r>
-            <a:r>
-              <a:rPr lang="en-US" sz="1400" b="0" i="0" u="none" strike="noStrike" baseline="0" dirty="0">
-                <a:latin typeface="Times New Roman" panose="02020603050405020304" pitchFamily="18" charset="0"/>
-                <a:cs typeface="Times New Roman" panose="02020603050405020304" pitchFamily="18" charset="0"/>
-              </a:rPr>
-              <a:t>, J., Wang, Z. and Shi, W. (2017). </a:t>
-            </a:r>
-          </a:p>
-          <a:p>
-            <a:pPr marL="457200" lvl="1" indent="0">
-              <a:buNone/>
-            </a:pPr>
-            <a:r>
-              <a:rPr lang="en-US" sz="1500" b="0" i="0" u="none" strike="noStrike" baseline="0" dirty="0">
-                <a:latin typeface="Times New Roman" panose="02020603050405020304" pitchFamily="18" charset="0"/>
-                <a:cs typeface="Times New Roman" panose="02020603050405020304" pitchFamily="18" charset="0"/>
-              </a:rPr>
-              <a:t>	Photorealistic single image super-resolution using a generative adversarial network.</a:t>
-            </a:r>
-          </a:p>
-          <a:p>
-            <a:pPr algn="l"/>
-            <a:r>
-              <a:rPr lang="en-US" sz="1400" b="0" i="0" u="none" strike="noStrike" baseline="0" dirty="0">
-                <a:latin typeface="Times New Roman" panose="02020603050405020304" pitchFamily="18" charset="0"/>
-                <a:cs typeface="Times New Roman" panose="02020603050405020304" pitchFamily="18" charset="0"/>
-              </a:rPr>
-              <a:t>Levin, A., </a:t>
-            </a:r>
-            <a:r>
-              <a:rPr lang="en-US" sz="1400" b="0" i="0" u="none" strike="noStrike" baseline="0" dirty="0" err="1">
-                <a:latin typeface="Times New Roman" panose="02020603050405020304" pitchFamily="18" charset="0"/>
-                <a:cs typeface="Times New Roman" panose="02020603050405020304" pitchFamily="18" charset="0"/>
-              </a:rPr>
-              <a:t>Lischinski</a:t>
-            </a:r>
-            <a:r>
-              <a:rPr lang="en-US" sz="1400" b="0" i="0" u="none" strike="noStrike" baseline="0" dirty="0">
-                <a:latin typeface="Times New Roman" panose="02020603050405020304" pitchFamily="18" charset="0"/>
-                <a:cs typeface="Times New Roman" panose="02020603050405020304" pitchFamily="18" charset="0"/>
-              </a:rPr>
-              <a:t>, D. and Weiss, Y. (2004). Colorization using optimization, </a:t>
-            </a:r>
-            <a:r>
-              <a:rPr lang="sv-SE" sz="1400" b="0" i="1" u="none" strike="noStrike" baseline="0" dirty="0">
-                <a:latin typeface="Times New Roman" panose="02020603050405020304" pitchFamily="18" charset="0"/>
-                <a:cs typeface="Times New Roman" panose="02020603050405020304" pitchFamily="18" charset="0"/>
-              </a:rPr>
-              <a:t>ACM SIGGRAPH 2004 Papers</a:t>
-            </a:r>
-            <a:r>
-              <a:rPr lang="sv-SE" sz="1400" b="0" i="0" u="none" strike="noStrike" baseline="0" dirty="0">
-                <a:latin typeface="Times New Roman" panose="02020603050405020304" pitchFamily="18" charset="0"/>
-                <a:cs typeface="Times New Roman" panose="02020603050405020304" pitchFamily="18" charset="0"/>
-              </a:rPr>
-              <a:t>, pp. 689–694.</a:t>
-            </a:r>
-          </a:p>
-          <a:p>
-            <a:pPr algn="l"/>
-            <a:r>
-              <a:rPr lang="en-US" sz="1400" b="0" i="0" u="none" strike="noStrike" baseline="0" dirty="0">
-                <a:latin typeface="Times New Roman" panose="02020603050405020304" pitchFamily="18" charset="0"/>
-                <a:cs typeface="Times New Roman" panose="02020603050405020304" pitchFamily="18" charset="0"/>
-              </a:rPr>
-              <a:t>Long, J., </a:t>
-            </a:r>
-            <a:r>
-              <a:rPr lang="en-US" sz="1400" b="0" i="0" u="none" strike="noStrike" baseline="0" dirty="0" err="1">
-                <a:latin typeface="Times New Roman" panose="02020603050405020304" pitchFamily="18" charset="0"/>
-                <a:cs typeface="Times New Roman" panose="02020603050405020304" pitchFamily="18" charset="0"/>
-              </a:rPr>
-              <a:t>Shelhamer</a:t>
-            </a:r>
-            <a:r>
-              <a:rPr lang="en-US" sz="1400" b="0" i="0" u="none" strike="noStrike" baseline="0" dirty="0">
-                <a:latin typeface="Times New Roman" panose="02020603050405020304" pitchFamily="18" charset="0"/>
-                <a:cs typeface="Times New Roman" panose="02020603050405020304" pitchFamily="18" charset="0"/>
-              </a:rPr>
-              <a:t>, E. and Darrell, T. (2015). Fully convolutional networks for semantic segmentation, </a:t>
-            </a:r>
-          </a:p>
-          <a:p>
-            <a:pPr marL="457200" lvl="1" indent="0">
-              <a:buNone/>
-            </a:pPr>
-            <a:r>
-              <a:rPr lang="en-US" sz="1500" b="0" i="1" u="none" strike="noStrike" baseline="0" dirty="0">
-                <a:latin typeface="Times New Roman" panose="02020603050405020304" pitchFamily="18" charset="0"/>
-                <a:cs typeface="Times New Roman" panose="02020603050405020304" pitchFamily="18" charset="0"/>
-              </a:rPr>
-              <a:t>	2015 IEEE Conference on Computer Vision and Pattern Recognition (CVPR), </a:t>
-            </a:r>
-            <a:r>
-              <a:rPr lang="en-US" sz="1500" b="0" i="0" u="none" strike="noStrike" baseline="0" dirty="0">
-                <a:latin typeface="Times New Roman" panose="02020603050405020304" pitchFamily="18" charset="0"/>
-                <a:cs typeface="Times New Roman" panose="02020603050405020304" pitchFamily="18" charset="0"/>
-              </a:rPr>
-              <a:t>pp. 3431–3440</a:t>
-            </a:r>
-            <a:r>
-              <a:rPr lang="en-US" sz="1000" b="0" i="0" u="none" strike="noStrike" baseline="0" dirty="0">
-                <a:latin typeface="Times New Roman" panose="02020603050405020304" pitchFamily="18" charset="0"/>
-                <a:cs typeface="Times New Roman" panose="02020603050405020304" pitchFamily="18" charset="0"/>
-              </a:rPr>
-              <a:t>.</a:t>
-            </a:r>
-          </a:p>
-          <a:p>
-            <a:pPr algn="l"/>
-            <a:r>
-              <a:rPr lang="en-US" sz="1400" b="0" i="0" u="none" strike="noStrike" baseline="0" dirty="0">
-                <a:latin typeface="Times New Roman" panose="02020603050405020304" pitchFamily="18" charset="0"/>
-                <a:cs typeface="Times New Roman" panose="02020603050405020304" pitchFamily="18" charset="0"/>
-              </a:rPr>
-              <a:t>Mirza, M. and </a:t>
-            </a:r>
-            <a:r>
-              <a:rPr lang="en-US" sz="1400" b="0" i="0" u="none" strike="noStrike" baseline="0" dirty="0" err="1">
-                <a:latin typeface="Times New Roman" panose="02020603050405020304" pitchFamily="18" charset="0"/>
-                <a:cs typeface="Times New Roman" panose="02020603050405020304" pitchFamily="18" charset="0"/>
-              </a:rPr>
-              <a:t>Osindero</a:t>
-            </a:r>
-            <a:r>
-              <a:rPr lang="en-US" sz="1400" b="0" i="0" u="none" strike="noStrike" baseline="0" dirty="0">
-                <a:latin typeface="Times New Roman" panose="02020603050405020304" pitchFamily="18" charset="0"/>
-                <a:cs typeface="Times New Roman" panose="02020603050405020304" pitchFamily="18" charset="0"/>
-              </a:rPr>
-              <a:t>, S. (2014). Conditional generative adversarial nets.</a:t>
-            </a:r>
-            <a:endParaRPr lang="en-US" sz="1400" dirty="0">
-              <a:latin typeface="Times New Roman" panose="02020603050405020304" pitchFamily="18" charset="0"/>
-              <a:cs typeface="Times New Roman" panose="02020603050405020304" pitchFamily="18" charset="0"/>
-            </a:endParaRPr>
-          </a:p>
-          <a:p>
-            <a:pPr algn="l"/>
-            <a:r>
-              <a:rPr lang="en-US" sz="1400" b="0" i="0" u="none" strike="noStrike" baseline="0" dirty="0">
-                <a:latin typeface="Times New Roman" panose="02020603050405020304" pitchFamily="18" charset="0"/>
-                <a:cs typeface="Times New Roman" panose="02020603050405020304" pitchFamily="18" charset="0"/>
-              </a:rPr>
-              <a:t>Pressman, R. S. (1992). Software Engineering (3rd Ed.): A Practitioner’s Approach, McGraw-Hill, Inc., New York, NY, USA.</a:t>
-            </a:r>
-          </a:p>
-          <a:p>
-            <a:pPr algn="l"/>
-            <a:r>
-              <a:rPr lang="en-US" sz="1500" b="0" i="0" u="none" strike="noStrike" baseline="0" dirty="0">
-                <a:latin typeface="Times New Roman" panose="02020603050405020304" pitchFamily="18" charset="0"/>
-                <a:cs typeface="Times New Roman" panose="02020603050405020304" pitchFamily="18" charset="0"/>
-              </a:rPr>
-              <a:t>Qu, </a:t>
-            </a:r>
-            <a:r>
-              <a:rPr lang="en-US" sz="1500" b="0" i="0" u="none" strike="noStrike" baseline="0" dirty="0" err="1">
-                <a:latin typeface="Times New Roman" panose="02020603050405020304" pitchFamily="18" charset="0"/>
-                <a:cs typeface="Times New Roman" panose="02020603050405020304" pitchFamily="18" charset="0"/>
-              </a:rPr>
-              <a:t>Y.,Wong</a:t>
-            </a:r>
-            <a:r>
-              <a:rPr lang="en-US" sz="1500" b="0" i="0" u="none" strike="noStrike" baseline="0" dirty="0">
-                <a:latin typeface="Times New Roman" panose="02020603050405020304" pitchFamily="18" charset="0"/>
-                <a:cs typeface="Times New Roman" panose="02020603050405020304" pitchFamily="18" charset="0"/>
-              </a:rPr>
-              <a:t>, T.-T. and Heng, P.-A. (2006). Manga colorization, ACM Transactions on Graphics (TOG) 25(3): 1214–1220.</a:t>
-            </a:r>
-          </a:p>
-          <a:p>
-            <a:pPr algn="l"/>
-            <a:r>
-              <a:rPr lang="en-US" sz="1500" b="0" i="0" u="none" strike="noStrike" baseline="0" dirty="0">
-                <a:latin typeface="Times New Roman" panose="02020603050405020304" pitchFamily="18" charset="0"/>
-                <a:cs typeface="Times New Roman" panose="02020603050405020304" pitchFamily="18" charset="0"/>
-              </a:rPr>
-              <a:t>Radford, A., Metz, L. and </a:t>
-            </a:r>
-            <a:r>
-              <a:rPr lang="en-US" sz="1500" b="0" i="0" u="none" strike="noStrike" baseline="0" dirty="0" err="1">
-                <a:latin typeface="Times New Roman" panose="02020603050405020304" pitchFamily="18" charset="0"/>
-                <a:cs typeface="Times New Roman" panose="02020603050405020304" pitchFamily="18" charset="0"/>
-              </a:rPr>
-              <a:t>Chintala</a:t>
-            </a:r>
-            <a:r>
-              <a:rPr lang="en-US" sz="1500" b="0" i="0" u="none" strike="noStrike" baseline="0" dirty="0">
-                <a:latin typeface="Times New Roman" panose="02020603050405020304" pitchFamily="18" charset="0"/>
-                <a:cs typeface="Times New Roman" panose="02020603050405020304" pitchFamily="18" charset="0"/>
-              </a:rPr>
-              <a:t>, S. (2016). Unsupervised representation learning with deep convolutional generative adversarial 	networks.</a:t>
-            </a:r>
-          </a:p>
-          <a:p>
-            <a:pPr algn="l"/>
-            <a:r>
-              <a:rPr lang="en-US" sz="1500" b="0" i="0" u="none" strike="noStrike" baseline="0" dirty="0">
-                <a:latin typeface="Times New Roman" panose="02020603050405020304" pitchFamily="18" charset="0"/>
-                <a:cs typeface="Times New Roman" panose="02020603050405020304" pitchFamily="18" charset="0"/>
-              </a:rPr>
-              <a:t>Shi, W., Caballero, J., </a:t>
-            </a:r>
-            <a:r>
-              <a:rPr lang="en-US" sz="1500" b="0" i="0" u="none" strike="noStrike" baseline="0" dirty="0" err="1">
-                <a:latin typeface="Times New Roman" panose="02020603050405020304" pitchFamily="18" charset="0"/>
-                <a:cs typeface="Times New Roman" panose="02020603050405020304" pitchFamily="18" charset="0"/>
-              </a:rPr>
-              <a:t>Husz´ar</a:t>
-            </a:r>
-            <a:r>
-              <a:rPr lang="en-US" sz="1500" b="0" i="0" u="none" strike="noStrike" baseline="0" dirty="0">
-                <a:latin typeface="Times New Roman" panose="02020603050405020304" pitchFamily="18" charset="0"/>
-                <a:cs typeface="Times New Roman" panose="02020603050405020304" pitchFamily="18" charset="0"/>
-              </a:rPr>
-              <a:t>, F., </a:t>
-            </a:r>
-            <a:r>
-              <a:rPr lang="en-US" sz="1500" b="0" i="0" u="none" strike="noStrike" baseline="0" dirty="0" err="1">
-                <a:latin typeface="Times New Roman" panose="02020603050405020304" pitchFamily="18" charset="0"/>
-                <a:cs typeface="Times New Roman" panose="02020603050405020304" pitchFamily="18" charset="0"/>
-              </a:rPr>
-              <a:t>Totz</a:t>
-            </a:r>
-            <a:r>
-              <a:rPr lang="en-US" sz="1500" b="0" i="0" u="none" strike="noStrike" baseline="0" dirty="0">
-                <a:latin typeface="Times New Roman" panose="02020603050405020304" pitchFamily="18" charset="0"/>
-                <a:cs typeface="Times New Roman" panose="02020603050405020304" pitchFamily="18" charset="0"/>
-              </a:rPr>
-              <a:t>, J., Aitken, A. P., Bishop, R., </a:t>
-            </a:r>
-            <a:r>
-              <a:rPr lang="en-US" sz="1500" b="0" i="0" u="none" strike="noStrike" baseline="0" dirty="0" err="1">
-                <a:latin typeface="Times New Roman" panose="02020603050405020304" pitchFamily="18" charset="0"/>
-                <a:cs typeface="Times New Roman" panose="02020603050405020304" pitchFamily="18" charset="0"/>
-              </a:rPr>
-              <a:t>Rueckert</a:t>
-            </a:r>
-            <a:r>
-              <a:rPr lang="en-US" sz="1500" b="0" i="0" u="none" strike="noStrike" baseline="0" dirty="0">
-                <a:latin typeface="Times New Roman" panose="02020603050405020304" pitchFamily="18" charset="0"/>
-                <a:cs typeface="Times New Roman" panose="02020603050405020304" pitchFamily="18" charset="0"/>
-              </a:rPr>
-              <a:t>, D. and Wang, Z. (2016). </a:t>
-            </a:r>
-          </a:p>
-          <a:p>
-            <a:pPr marL="457200" lvl="1" indent="0">
-              <a:buNone/>
-            </a:pPr>
-            <a:r>
-              <a:rPr lang="en-US" sz="1500" b="0" i="0" u="none" strike="noStrike" baseline="0" dirty="0">
-                <a:latin typeface="Times New Roman" panose="02020603050405020304" pitchFamily="18" charset="0"/>
-                <a:cs typeface="Times New Roman" panose="02020603050405020304" pitchFamily="18" charset="0"/>
-              </a:rPr>
-              <a:t>	Real-time single image and video super-resolution using an efficient sub-pixel convolutional neural network, </a:t>
-            </a:r>
-          </a:p>
-          <a:p>
-            <a:pPr marL="457200" lvl="1" indent="0">
-              <a:buNone/>
-            </a:pPr>
-            <a:r>
-              <a:rPr lang="en-US" sz="1500" dirty="0">
-                <a:latin typeface="Times New Roman" panose="02020603050405020304" pitchFamily="18" charset="0"/>
-                <a:cs typeface="Times New Roman" panose="02020603050405020304" pitchFamily="18" charset="0"/>
-              </a:rPr>
-              <a:t>	</a:t>
-            </a:r>
-            <a:r>
-              <a:rPr lang="en-US" sz="1500" b="0" i="1" u="none" strike="noStrike" baseline="0" dirty="0">
-                <a:latin typeface="Times New Roman" panose="02020603050405020304" pitchFamily="18" charset="0"/>
-                <a:cs typeface="Times New Roman" panose="02020603050405020304" pitchFamily="18" charset="0"/>
-              </a:rPr>
-              <a:t>2016 IEEE Conference on Computer Vision and Pattern Recognition (CVPR),</a:t>
-            </a:r>
-            <a:r>
-              <a:rPr lang="en-US" sz="1500" b="0" i="0" u="none" strike="noStrike" baseline="0" dirty="0">
-                <a:latin typeface="Times New Roman" panose="02020603050405020304" pitchFamily="18" charset="0"/>
-                <a:cs typeface="Times New Roman" panose="02020603050405020304" pitchFamily="18" charset="0"/>
-              </a:rPr>
-              <a:t> pp. 1874–1883.</a:t>
-            </a:r>
-            <a:endParaRPr lang="en-US" sz="1500" dirty="0">
-              <a:latin typeface="Times New Roman" panose="02020603050405020304" pitchFamily="18" charset="0"/>
-              <a:cs typeface="Times New Roman" panose="02020603050405020304" pitchFamily="18" charset="0"/>
-            </a:endParaRPr>
-          </a:p>
-        </p:txBody>
-      </p:sp>
-      <p:sp>
-        <p:nvSpPr>
-          <p:cNvPr id="4" name="Footer Placeholder 3">
-            <a:extLst>
-              <a:ext uri="{FF2B5EF4-FFF2-40B4-BE49-F238E27FC236}">
-                <a16:creationId xmlns:a16="http://schemas.microsoft.com/office/drawing/2014/main" id="{478E4A7B-00AC-4117-8CCF-32F4EA319662}"/>
-              </a:ext>
-            </a:extLst>
-          </p:cNvPr>
-          <p:cNvSpPr>
-            <a:spLocks noGrp="1"/>
-          </p:cNvSpPr>
-          <p:nvPr>
-            <p:ph type="ftr" sz="quarter" idx="11"/>
-          </p:nvPr>
-        </p:nvSpPr>
-        <p:spPr/>
-        <p:txBody>
-          <a:bodyPr/>
-          <a:lstStyle/>
-          <a:p>
-            <a:r>
-              <a:rPr lang="en-IN"/>
-              <a:t>Title of the Course</a:t>
-            </a:r>
-          </a:p>
-        </p:txBody>
-      </p:sp>
-    </p:spTree>
-    <p:extLst>
-      <p:ext uri="{BB962C8B-B14F-4D97-AF65-F5344CB8AC3E}">
-        <p14:creationId xmlns:p14="http://schemas.microsoft.com/office/powerpoint/2010/main" val="604998426"/>
+        <p14:creationId xmlns:p14="http://schemas.microsoft.com/office/powerpoint/2010/main" val="3579449608"/>
       </p:ext>
     </p:extLst>
   </p:cSld>
@@ -11458,7 +12161,7 @@
           <p:cNvPr id="2" name="Title 1">
             <a:extLst>
               <a:ext uri="{FF2B5EF4-FFF2-40B4-BE49-F238E27FC236}">
-                <a16:creationId xmlns:a16="http://schemas.microsoft.com/office/drawing/2014/main" id="{9830E956-2FFC-48BF-8208-EB43E244E3AD}"/>
+                <a16:creationId xmlns:a16="http://schemas.microsoft.com/office/drawing/2014/main" id="{2644FDE2-7D90-484D-AFF5-7BFD7B5D3C58}"/>
               </a:ext>
             </a:extLst>
           </p:cNvPr>
@@ -11476,503 +12179,75 @@
           <a:p>
             <a:r>
               <a:rPr lang="en-US" dirty="0"/>
-              <a:t>References</a:t>
-            </a:r>
-          </a:p>
-        </p:txBody>
-      </p:sp>
-      <p:sp>
-        <p:nvSpPr>
-          <p:cNvPr id="3" name="Content Placeholder 2">
+              <a:t>Annexure: Performance Parameters</a:t>
+            </a:r>
+          </a:p>
+        </p:txBody>
+      </p:sp>
+      <p:pic>
+        <p:nvPicPr>
+          <p:cNvPr id="6" name="Content Placeholder 5">
             <a:extLst>
               <a:ext uri="{FF2B5EF4-FFF2-40B4-BE49-F238E27FC236}">
-                <a16:creationId xmlns:a16="http://schemas.microsoft.com/office/drawing/2014/main" id="{4E9FF4E2-85E8-43A6-B7A9-9BF4922BE0A6}"/>
+                <a16:creationId xmlns:a16="http://schemas.microsoft.com/office/drawing/2014/main" id="{1981E619-75B8-4093-A8D9-6959118FA6A1}"/>
               </a:ext>
             </a:extLst>
           </p:cNvPr>
-          <p:cNvSpPr>
-            <a:spLocks noGrp="1"/>
-          </p:cNvSpPr>
+          <p:cNvPicPr>
+            <a:picLocks noGrp="1" noChangeAspect="1"/>
+          </p:cNvPicPr>
           <p:nvPr>
             <p:ph idx="1"/>
           </p:nvPr>
-        </p:nvSpPr>
-        <p:spPr/>
-        <p:txBody>
-          <a:bodyPr>
-            <a:normAutofit/>
-          </a:bodyPr>
-          <a:lstStyle/>
-          <a:p>
-            <a:pPr algn="l"/>
-            <a:r>
-              <a:rPr lang="en-US" sz="1400" b="0" i="0" u="none" strike="noStrike" baseline="0" dirty="0" err="1">
-                <a:latin typeface="Times New Roman" panose="02020603050405020304" pitchFamily="18" charset="0"/>
-                <a:cs typeface="Times New Roman" panose="02020603050405020304" pitchFamily="18" charset="0"/>
-              </a:rPr>
-              <a:t>Simonyan</a:t>
-            </a:r>
-            <a:r>
-              <a:rPr lang="en-US" sz="1400" b="0" i="0" u="none" strike="noStrike" baseline="0" dirty="0">
-                <a:latin typeface="Times New Roman" panose="02020603050405020304" pitchFamily="18" charset="0"/>
-                <a:cs typeface="Times New Roman" panose="02020603050405020304" pitchFamily="18" charset="0"/>
-              </a:rPr>
-              <a:t>, K. and Zisserman, A. (2015). Very deep convolutional networks for large-scale image recognition.</a:t>
-            </a:r>
-          </a:p>
-          <a:p>
-            <a:pPr algn="l"/>
-            <a:r>
-              <a:rPr lang="en-US" sz="1400" b="0" i="0" u="none" strike="noStrike" baseline="0" dirty="0">
-                <a:latin typeface="Times New Roman" panose="02020603050405020304" pitchFamily="18" charset="0"/>
-                <a:cs typeface="Times New Roman" panose="02020603050405020304" pitchFamily="18" charset="0"/>
-              </a:rPr>
-              <a:t>Tola, E., </a:t>
-            </a:r>
-            <a:r>
-              <a:rPr lang="en-US" sz="1400" b="0" i="0" u="none" strike="noStrike" baseline="0" dirty="0" err="1">
-                <a:latin typeface="Times New Roman" panose="02020603050405020304" pitchFamily="18" charset="0"/>
-                <a:cs typeface="Times New Roman" panose="02020603050405020304" pitchFamily="18" charset="0"/>
-              </a:rPr>
-              <a:t>Lepetit</a:t>
-            </a:r>
-            <a:r>
-              <a:rPr lang="en-US" sz="1400" b="0" i="0" u="none" strike="noStrike" baseline="0" dirty="0">
-                <a:latin typeface="Times New Roman" panose="02020603050405020304" pitchFamily="18" charset="0"/>
-                <a:cs typeface="Times New Roman" panose="02020603050405020304" pitchFamily="18" charset="0"/>
-              </a:rPr>
-              <a:t>, V. and </a:t>
-            </a:r>
-            <a:r>
-              <a:rPr lang="en-US" sz="1400" b="0" i="0" u="none" strike="noStrike" baseline="0" dirty="0" err="1">
-                <a:latin typeface="Times New Roman" panose="02020603050405020304" pitchFamily="18" charset="0"/>
-                <a:cs typeface="Times New Roman" panose="02020603050405020304" pitchFamily="18" charset="0"/>
-              </a:rPr>
-              <a:t>Fua</a:t>
-            </a:r>
-            <a:r>
-              <a:rPr lang="en-US" sz="1400" b="0" i="0" u="none" strike="noStrike" baseline="0" dirty="0">
-                <a:latin typeface="Times New Roman" panose="02020603050405020304" pitchFamily="18" charset="0"/>
-                <a:cs typeface="Times New Roman" panose="02020603050405020304" pitchFamily="18" charset="0"/>
-              </a:rPr>
-              <a:t>, P. (2008). A fast local descriptor for dense matching, </a:t>
-            </a:r>
-            <a:r>
-              <a:rPr lang="en-US" sz="1400" b="0" i="1" u="none" strike="noStrike" baseline="0" dirty="0">
-                <a:latin typeface="Times New Roman" panose="02020603050405020304" pitchFamily="18" charset="0"/>
-                <a:cs typeface="Times New Roman" panose="02020603050405020304" pitchFamily="18" charset="0"/>
-              </a:rPr>
-              <a:t>Proc. CVPR .</a:t>
-            </a:r>
-          </a:p>
-          <a:p>
-            <a:pPr algn="l"/>
-            <a:r>
-              <a:rPr lang="en-US" sz="1400" b="0" i="0" u="none" strike="noStrike" baseline="0" dirty="0">
-                <a:latin typeface="Times New Roman" panose="02020603050405020304" pitchFamily="18" charset="0"/>
-                <a:cs typeface="Times New Roman" panose="02020603050405020304" pitchFamily="18" charset="0"/>
-              </a:rPr>
-              <a:t>Tom and </a:t>
-            </a:r>
-            <a:r>
-              <a:rPr lang="en-US" sz="1400" b="0" i="0" u="none" strike="noStrike" baseline="0" dirty="0" err="1">
-                <a:latin typeface="Times New Roman" panose="02020603050405020304" pitchFamily="18" charset="0"/>
-                <a:cs typeface="Times New Roman" panose="02020603050405020304" pitchFamily="18" charset="0"/>
-              </a:rPr>
-              <a:t>Katsaggelos</a:t>
-            </a:r>
-            <a:r>
-              <a:rPr lang="en-US" sz="1400" b="0" i="0" u="none" strike="noStrike" baseline="0" dirty="0">
-                <a:latin typeface="Times New Roman" panose="02020603050405020304" pitchFamily="18" charset="0"/>
-                <a:cs typeface="Times New Roman" panose="02020603050405020304" pitchFamily="18" charset="0"/>
-              </a:rPr>
-              <a:t> (1996). Reconstruction of a high-resolution image by simultaneous </a:t>
-            </a:r>
-            <a:r>
-              <a:rPr lang="en-US" sz="1400" dirty="0">
-                <a:latin typeface="Times New Roman" panose="02020603050405020304" pitchFamily="18" charset="0"/>
-                <a:cs typeface="Times New Roman" panose="02020603050405020304" pitchFamily="18" charset="0"/>
-              </a:rPr>
-              <a:t>r</a:t>
-            </a:r>
-            <a:r>
-              <a:rPr lang="en-US" sz="1400" b="0" i="0" u="none" strike="noStrike" baseline="0" dirty="0">
-                <a:latin typeface="Times New Roman" panose="02020603050405020304" pitchFamily="18" charset="0"/>
-                <a:cs typeface="Times New Roman" panose="02020603050405020304" pitchFamily="18" charset="0"/>
-              </a:rPr>
-              <a:t>egistration, restoration, and interpolation of 	low-resolution images, </a:t>
-            </a:r>
-            <a:r>
-              <a:rPr lang="en-US" sz="1400" b="0" i="1" u="none" strike="noStrike" baseline="0" dirty="0">
-                <a:latin typeface="Times New Roman" panose="02020603050405020304" pitchFamily="18" charset="0"/>
-                <a:cs typeface="Times New Roman" panose="02020603050405020304" pitchFamily="18" charset="0"/>
-              </a:rPr>
-              <a:t>in</a:t>
-            </a:r>
-            <a:r>
-              <a:rPr lang="en-US" sz="1400" b="0" i="0" u="none" strike="noStrike" baseline="0" dirty="0">
-                <a:latin typeface="Times New Roman" panose="02020603050405020304" pitchFamily="18" charset="0"/>
-                <a:cs typeface="Times New Roman" panose="02020603050405020304" pitchFamily="18" charset="0"/>
-              </a:rPr>
-              <a:t> Anon (ed.), </a:t>
-            </a:r>
-            <a:r>
-              <a:rPr lang="en-US" sz="1400" b="0" i="1" u="none" strike="noStrike" baseline="0" dirty="0">
-                <a:latin typeface="Times New Roman" panose="02020603050405020304" pitchFamily="18" charset="0"/>
-                <a:cs typeface="Times New Roman" panose="02020603050405020304" pitchFamily="18" charset="0"/>
-              </a:rPr>
-              <a:t>IEEE International Conference on Image Processing, </a:t>
-            </a:r>
-            <a:r>
-              <a:rPr lang="en-US" sz="1400" b="0" i="0" u="none" strike="noStrike" baseline="0" dirty="0">
-                <a:latin typeface="Times New Roman" panose="02020603050405020304" pitchFamily="18" charset="0"/>
-                <a:cs typeface="Times New Roman" panose="02020603050405020304" pitchFamily="18" charset="0"/>
-              </a:rPr>
-              <a:t>Vol. 2, IEEE, pp. 539–542. 	Proceedings of the 1995 IEEE International Conference on Image Processing. Part 3 (of 3) ; Conference date: 23-10-1995 	Through 26-10-1995.</a:t>
-            </a:r>
-          </a:p>
-          <a:p>
-            <a:pPr algn="l"/>
-            <a:r>
-              <a:rPr lang="en-US" sz="1400" b="0" i="0" u="none" strike="noStrike" baseline="0" dirty="0">
-                <a:latin typeface="Times New Roman" panose="02020603050405020304" pitchFamily="18" charset="0"/>
-                <a:cs typeface="Times New Roman" panose="02020603050405020304" pitchFamily="18" charset="0"/>
-              </a:rPr>
-              <a:t>TSAI, R. (1984). </a:t>
-            </a:r>
-            <a:r>
-              <a:rPr lang="en-US" sz="1400" b="0" i="0" u="none" strike="noStrike" baseline="0" dirty="0" err="1">
-                <a:latin typeface="Times New Roman" panose="02020603050405020304" pitchFamily="18" charset="0"/>
-                <a:cs typeface="Times New Roman" panose="02020603050405020304" pitchFamily="18" charset="0"/>
-              </a:rPr>
-              <a:t>Multiframe</a:t>
-            </a:r>
-            <a:r>
-              <a:rPr lang="en-US" sz="1400" b="0" i="0" u="none" strike="noStrike" baseline="0" dirty="0">
-                <a:latin typeface="Times New Roman" panose="02020603050405020304" pitchFamily="18" charset="0"/>
-                <a:cs typeface="Times New Roman" panose="02020603050405020304" pitchFamily="18" charset="0"/>
-              </a:rPr>
-              <a:t> image restoration and registration</a:t>
-            </a:r>
-            <a:r>
-              <a:rPr lang="en-US" sz="1400" b="0" i="1" u="none" strike="noStrike" baseline="0" dirty="0">
-                <a:latin typeface="Times New Roman" panose="02020603050405020304" pitchFamily="18" charset="0"/>
-                <a:cs typeface="Times New Roman" panose="02020603050405020304" pitchFamily="18" charset="0"/>
-              </a:rPr>
-              <a:t>, Advance Computer Visual and Image Processing </a:t>
-            </a:r>
-            <a:r>
-              <a:rPr lang="en-US" sz="1400" b="0" i="0" u="none" strike="noStrike" baseline="0" dirty="0">
-                <a:latin typeface="Times New Roman" panose="02020603050405020304" pitchFamily="18" charset="0"/>
-                <a:cs typeface="Times New Roman" panose="02020603050405020304" pitchFamily="18" charset="0"/>
-              </a:rPr>
-              <a:t>1: 317–339.</a:t>
-            </a:r>
-          </a:p>
-          <a:p>
-            <a:pPr algn="l"/>
-            <a:r>
-              <a:rPr lang="en-US" sz="1400" b="0" i="0" u="none" strike="noStrike" baseline="0" dirty="0">
-                <a:latin typeface="Times New Roman" panose="02020603050405020304" pitchFamily="18" charset="0"/>
-                <a:cs typeface="Times New Roman" panose="02020603050405020304" pitchFamily="18" charset="0"/>
-              </a:rPr>
-              <a:t>Welsh, T., </a:t>
-            </a:r>
-            <a:r>
-              <a:rPr lang="en-US" sz="1400" b="0" i="0" u="none" strike="noStrike" baseline="0" dirty="0" err="1">
-                <a:latin typeface="Times New Roman" panose="02020603050405020304" pitchFamily="18" charset="0"/>
-                <a:cs typeface="Times New Roman" panose="02020603050405020304" pitchFamily="18" charset="0"/>
-              </a:rPr>
-              <a:t>Ashikhmin</a:t>
-            </a:r>
-            <a:r>
-              <a:rPr lang="en-US" sz="1400" b="0" i="0" u="none" strike="noStrike" baseline="0" dirty="0">
-                <a:latin typeface="Times New Roman" panose="02020603050405020304" pitchFamily="18" charset="0"/>
-                <a:cs typeface="Times New Roman" panose="02020603050405020304" pitchFamily="18" charset="0"/>
-              </a:rPr>
-              <a:t>, M. and Mueller, K. (2002). Transferring color to greyscale </a:t>
-            </a:r>
-            <a:r>
-              <a:rPr lang="fr-FR" sz="1400" b="0" i="0" u="none" strike="noStrike" baseline="0" dirty="0">
-                <a:latin typeface="Times New Roman" panose="02020603050405020304" pitchFamily="18" charset="0"/>
-                <a:cs typeface="Times New Roman" panose="02020603050405020304" pitchFamily="18" charset="0"/>
-              </a:rPr>
-              <a:t>images, </a:t>
-            </a:r>
-            <a:r>
-              <a:rPr lang="fr-FR" sz="1400" b="0" i="1" u="none" strike="noStrike" baseline="0" dirty="0">
-                <a:latin typeface="Times New Roman" panose="02020603050405020304" pitchFamily="18" charset="0"/>
-                <a:cs typeface="Times New Roman" panose="02020603050405020304" pitchFamily="18" charset="0"/>
-              </a:rPr>
-              <a:t>ACM Trans. Graph</a:t>
-            </a:r>
-            <a:r>
-              <a:rPr lang="fr-FR" sz="1400" b="0" i="0" u="none" strike="noStrike" baseline="0" dirty="0">
-                <a:latin typeface="Times New Roman" panose="02020603050405020304" pitchFamily="18" charset="0"/>
-                <a:cs typeface="Times New Roman" panose="02020603050405020304" pitchFamily="18" charset="0"/>
-              </a:rPr>
-              <a:t>. 21: 277–280.</a:t>
-            </a:r>
-          </a:p>
-          <a:p>
-            <a:pPr algn="l"/>
-            <a:r>
-              <a:rPr lang="en-US" sz="1400" b="0" i="0" u="none" strike="noStrike" baseline="0" dirty="0" err="1">
-                <a:latin typeface="Times New Roman" panose="02020603050405020304" pitchFamily="18" charset="0"/>
-                <a:cs typeface="Times New Roman" panose="02020603050405020304" pitchFamily="18" charset="0"/>
-              </a:rPr>
-              <a:t>Yatziv</a:t>
-            </a:r>
-            <a:r>
-              <a:rPr lang="en-US" sz="1400" b="0" i="0" u="none" strike="noStrike" baseline="0" dirty="0">
-                <a:latin typeface="Times New Roman" panose="02020603050405020304" pitchFamily="18" charset="0"/>
-                <a:cs typeface="Times New Roman" panose="02020603050405020304" pitchFamily="18" charset="0"/>
-              </a:rPr>
-              <a:t>, L. and </a:t>
-            </a:r>
-            <a:r>
-              <a:rPr lang="en-US" sz="1400" b="0" i="0" u="none" strike="noStrike" baseline="0" dirty="0" err="1">
-                <a:latin typeface="Times New Roman" panose="02020603050405020304" pitchFamily="18" charset="0"/>
-                <a:cs typeface="Times New Roman" panose="02020603050405020304" pitchFamily="18" charset="0"/>
-              </a:rPr>
-              <a:t>Sapiro</a:t>
-            </a:r>
-            <a:r>
-              <a:rPr lang="en-US" sz="1400" b="0" i="0" u="none" strike="noStrike" baseline="0" dirty="0">
-                <a:latin typeface="Times New Roman" panose="02020603050405020304" pitchFamily="18" charset="0"/>
-                <a:cs typeface="Times New Roman" panose="02020603050405020304" pitchFamily="18" charset="0"/>
-              </a:rPr>
-              <a:t>, G. (2006). Fast image and video colorization using chrominance blending,</a:t>
-            </a:r>
-          </a:p>
-          <a:p>
-            <a:pPr marL="457200" lvl="1" indent="0">
-              <a:buNone/>
-            </a:pPr>
-            <a:r>
-              <a:rPr lang="en-US" sz="1400" b="0" i="0" u="none" strike="noStrike" baseline="0" dirty="0">
-                <a:latin typeface="Times New Roman" panose="02020603050405020304" pitchFamily="18" charset="0"/>
-                <a:cs typeface="Times New Roman" panose="02020603050405020304" pitchFamily="18" charset="0"/>
-              </a:rPr>
-              <a:t>	</a:t>
-            </a:r>
-            <a:r>
-              <a:rPr lang="en-US" sz="1400" b="0" i="1" u="none" strike="noStrike" baseline="0" dirty="0">
-                <a:latin typeface="Times New Roman" panose="02020603050405020304" pitchFamily="18" charset="0"/>
-                <a:cs typeface="Times New Roman" panose="02020603050405020304" pitchFamily="18" charset="0"/>
-              </a:rPr>
-              <a:t>IEEE Transactions on Image Processing</a:t>
-            </a:r>
-            <a:r>
-              <a:rPr lang="en-US" sz="1400" b="0" i="0" u="none" strike="noStrike" baseline="0" dirty="0">
-                <a:latin typeface="Times New Roman" panose="02020603050405020304" pitchFamily="18" charset="0"/>
-                <a:cs typeface="Times New Roman" panose="02020603050405020304" pitchFamily="18" charset="0"/>
-              </a:rPr>
-              <a:t> 15(5): 1120–1129.</a:t>
-            </a:r>
-          </a:p>
-          <a:p>
-            <a:pPr algn="l"/>
-            <a:r>
-              <a:rPr lang="en-US" sz="1400" b="0" i="0" u="none" strike="noStrike" baseline="0" dirty="0">
-                <a:latin typeface="Times New Roman" panose="02020603050405020304" pitchFamily="18" charset="0"/>
-                <a:cs typeface="Times New Roman" panose="02020603050405020304" pitchFamily="18" charset="0"/>
-              </a:rPr>
-              <a:t>Zhu, J.-Y., </a:t>
-            </a:r>
-            <a:r>
-              <a:rPr lang="en-US" sz="1400" b="0" i="0" u="none" strike="noStrike" baseline="0" dirty="0" err="1">
-                <a:latin typeface="Times New Roman" panose="02020603050405020304" pitchFamily="18" charset="0"/>
-                <a:cs typeface="Times New Roman" panose="02020603050405020304" pitchFamily="18" charset="0"/>
-              </a:rPr>
-              <a:t>Kr</a:t>
-            </a:r>
-            <a:r>
-              <a:rPr lang="en-US" sz="1400" dirty="0" err="1">
-                <a:latin typeface="Times New Roman" panose="02020603050405020304" pitchFamily="18" charset="0"/>
-                <a:cs typeface="Times New Roman" panose="02020603050405020304" pitchFamily="18" charset="0"/>
-              </a:rPr>
-              <a:t>a</a:t>
-            </a:r>
-            <a:r>
-              <a:rPr lang="en-US" sz="1400" b="0" i="0" u="none" strike="noStrike" baseline="0" dirty="0" err="1">
-                <a:latin typeface="Times New Roman" panose="02020603050405020304" pitchFamily="18" charset="0"/>
-                <a:cs typeface="Times New Roman" panose="02020603050405020304" pitchFamily="18" charset="0"/>
-              </a:rPr>
-              <a:t>henbuhl</a:t>
-            </a:r>
-            <a:r>
-              <a:rPr lang="en-US" sz="1400" b="0" i="0" u="none" strike="noStrike" baseline="0" dirty="0">
-                <a:latin typeface="Times New Roman" panose="02020603050405020304" pitchFamily="18" charset="0"/>
-                <a:cs typeface="Times New Roman" panose="02020603050405020304" pitchFamily="18" charset="0"/>
-              </a:rPr>
-              <a:t>, P., </a:t>
-            </a:r>
-            <a:r>
-              <a:rPr lang="en-US" sz="1400" b="0" i="0" u="none" strike="noStrike" baseline="0" dirty="0" err="1">
-                <a:latin typeface="Times New Roman" panose="02020603050405020304" pitchFamily="18" charset="0"/>
-                <a:cs typeface="Times New Roman" panose="02020603050405020304" pitchFamily="18" charset="0"/>
-              </a:rPr>
-              <a:t>Shechtman</a:t>
-            </a:r>
-            <a:r>
-              <a:rPr lang="en-US" sz="1400" b="0" i="0" u="none" strike="noStrike" baseline="0" dirty="0">
-                <a:latin typeface="Times New Roman" panose="02020603050405020304" pitchFamily="18" charset="0"/>
-                <a:cs typeface="Times New Roman" panose="02020603050405020304" pitchFamily="18" charset="0"/>
-              </a:rPr>
-              <a:t>, E. and </a:t>
-            </a:r>
-            <a:r>
-              <a:rPr lang="en-US" sz="1400" b="0" i="0" u="none" strike="noStrike" baseline="0" dirty="0" err="1">
-                <a:latin typeface="Times New Roman" panose="02020603050405020304" pitchFamily="18" charset="0"/>
-                <a:cs typeface="Times New Roman" panose="02020603050405020304" pitchFamily="18" charset="0"/>
-              </a:rPr>
-              <a:t>Efros</a:t>
-            </a:r>
-            <a:r>
-              <a:rPr lang="en-US" sz="1400" b="0" i="0" u="none" strike="noStrike" baseline="0" dirty="0">
-                <a:latin typeface="Times New Roman" panose="02020603050405020304" pitchFamily="18" charset="0"/>
-                <a:cs typeface="Times New Roman" panose="02020603050405020304" pitchFamily="18" charset="0"/>
-              </a:rPr>
-              <a:t>, A. A. (2018). Generative visual manipulation on the natural image manifold.</a:t>
-            </a:r>
-            <a:endParaRPr lang="en-US" sz="1400" i="1" dirty="0">
-              <a:latin typeface="Times New Roman" panose="02020603050405020304" pitchFamily="18" charset="0"/>
-              <a:cs typeface="Times New Roman" panose="02020603050405020304" pitchFamily="18" charset="0"/>
-            </a:endParaRPr>
-          </a:p>
-        </p:txBody>
-      </p:sp>
-      <p:sp>
-        <p:nvSpPr>
-          <p:cNvPr id="4" name="Footer Placeholder 3">
-            <a:extLst>
-              <a:ext uri="{FF2B5EF4-FFF2-40B4-BE49-F238E27FC236}">
-                <a16:creationId xmlns:a16="http://schemas.microsoft.com/office/drawing/2014/main" id="{9B31565C-5D67-40D7-B395-3C7619E5198E}"/>
-              </a:ext>
-            </a:extLst>
-          </p:cNvPr>
-          <p:cNvSpPr>
-            <a:spLocks noGrp="1"/>
-          </p:cNvSpPr>
-          <p:nvPr>
-            <p:ph type="ftr" sz="quarter" idx="11"/>
-          </p:nvPr>
-        </p:nvSpPr>
-        <p:spPr/>
-        <p:txBody>
-          <a:bodyPr/>
-          <a:lstStyle/>
-          <a:p>
-            <a:r>
-              <a:rPr lang="en-IN"/>
-              <a:t>Title of the Course</a:t>
-            </a:r>
-          </a:p>
-        </p:txBody>
-      </p:sp>
-    </p:spTree>
-    <p:extLst>
-      <p:ext uri="{BB962C8B-B14F-4D97-AF65-F5344CB8AC3E}">
-        <p14:creationId xmlns:p14="http://schemas.microsoft.com/office/powerpoint/2010/main" val="3478648367"/>
-      </p:ext>
-    </p:extLst>
-  </p:cSld>
-  <p:clrMapOvr>
-    <a:masterClrMapping/>
-  </p:clrMapOvr>
-  <mc:AlternateContent xmlns:mc="http://schemas.openxmlformats.org/markup-compatibility/2006" xmlns:p14="http://schemas.microsoft.com/office/powerpoint/2010/main">
-    <mc:Choice Requires="p14">
-      <p:transition spd="med" p14:dur="700">
-        <p:fade/>
-      </p:transition>
-    </mc:Choice>
-    <mc:Fallback xmlns="">
-      <p:transition spd="med">
-        <p:fade/>
-      </p:transition>
-    </mc:Fallback>
-  </mc:AlternateContent>
-</p:sld>
-</file>
-
-<file path=ppt/slides/slide35.xml><?xml version="1.0" encoding="utf-8"?>
-<p:sld xmlns:a="http://schemas.openxmlformats.org/drawingml/2006/main" xmlns:r="http://schemas.openxmlformats.org/officeDocument/2006/relationships" xmlns:p="http://schemas.openxmlformats.org/presentationml/2006/main">
-  <p:cSld>
-    <p:spTree>
-      <p:nvGrpSpPr>
-        <p:cNvPr id="1" name=""/>
-        <p:cNvGrpSpPr/>
-        <p:nvPr/>
-      </p:nvGrpSpPr>
-      <p:grpSpPr>
-        <a:xfrm>
-          <a:off x="0" y="0"/>
-          <a:ext cx="0" cy="0"/>
-          <a:chOff x="0" y="0"/>
-          <a:chExt cx="0" cy="0"/>
-        </a:xfrm>
-      </p:grpSpPr>
-      <p:sp>
-        <p:nvSpPr>
-          <p:cNvPr id="2" name="Title 1"/>
-          <p:cNvSpPr>
-            <a:spLocks noGrp="1"/>
-          </p:cNvSpPr>
-          <p:nvPr>
-            <p:ph type="ctrTitle"/>
-          </p:nvPr>
-        </p:nvSpPr>
-        <p:spPr/>
-        <p:txBody>
-          <a:bodyPr/>
-          <a:lstStyle/>
-          <a:p>
-            <a:r>
-              <a:rPr lang="en-IN" dirty="0"/>
-              <a:t>Thank You !!</a:t>
-            </a:r>
-          </a:p>
-        </p:txBody>
-      </p:sp>
-      <p:pic>
-        <p:nvPicPr>
-          <p:cNvPr id="4" name="Picture 1"/>
-          <p:cNvPicPr>
-            <a:picLocks noChangeAspect="1" noChangeArrowheads="1"/>
-          </p:cNvPicPr>
-          <p:nvPr/>
         </p:nvPicPr>
         <p:blipFill>
-          <a:blip r:embed="rId2" cstate="print">
-            <a:extLst>
-              <a:ext uri="{28A0092B-C50C-407E-A947-70E740481C1C}">
-                <a14:useLocalDpi xmlns:a14="http://schemas.microsoft.com/office/drawing/2010/main" val="0"/>
-              </a:ext>
-            </a:extLst>
-          </a:blip>
+          <a:blip r:embed="rId2"/>
           <a:stretch>
             <a:fillRect/>
           </a:stretch>
         </p:blipFill>
-        <p:spPr bwMode="auto">
+        <p:spPr>
           <a:xfrm>
-            <a:off x="9691631" y="1352533"/>
-            <a:ext cx="2228612" cy="1860930"/>
+            <a:off x="1393997" y="1836831"/>
+            <a:ext cx="9402487" cy="1524213"/>
           </a:xfrm>
-          <a:prstGeom prst="rect">
-            <a:avLst/>
-          </a:prstGeom>
-          <a:noFill/>
-          <a:ln w="9525">
-            <a:noFill/>
-            <a:miter lim="800000"/>
-            <a:headEnd/>
-            <a:tailEnd/>
-          </a:ln>
         </p:spPr>
       </p:pic>
+      <p:sp>
+        <p:nvSpPr>
+          <p:cNvPr id="4" name="Footer Placeholder 3">
+            <a:extLst>
+              <a:ext uri="{FF2B5EF4-FFF2-40B4-BE49-F238E27FC236}">
+                <a16:creationId xmlns:a16="http://schemas.microsoft.com/office/drawing/2014/main" id="{0C3D8EA0-6BA6-4DF2-88B0-EF2A4189F93F}"/>
+              </a:ext>
+            </a:extLst>
+          </p:cNvPr>
+          <p:cNvSpPr>
+            <a:spLocks noGrp="1"/>
+          </p:cNvSpPr>
+          <p:nvPr>
+            <p:ph type="ftr" sz="quarter" idx="11"/>
+          </p:nvPr>
+        </p:nvSpPr>
+        <p:spPr/>
+        <p:txBody>
+          <a:bodyPr/>
+          <a:lstStyle/>
+          <a:p>
+            <a:r>
+              <a:rPr lang="en-US"/>
+              <a:t>Astronomical image colourisation and super-resolution using GANS</a:t>
+            </a:r>
+            <a:endParaRPr lang="en-IN"/>
+          </a:p>
+        </p:txBody>
+      </p:sp>
     </p:spTree>
+    <p:extLst>
+      <p:ext uri="{BB962C8B-B14F-4D97-AF65-F5344CB8AC3E}">
+        <p14:creationId xmlns:p14="http://schemas.microsoft.com/office/powerpoint/2010/main" val="2490032087"/>
+      </p:ext>
+    </p:extLst>
   </p:cSld>
   <p:clrMapOvr>
     <a:masterClrMapping/>
@@ -12060,34 +12335,91 @@
           <a:p>
             <a:r>
               <a:rPr lang="en-US" dirty="0"/>
-              <a:t>The project consists of multiple deep learning models</a:t>
-            </a:r>
+              <a:t>The following table showcases the minimum hardware requirements:</a:t>
+            </a:r>
+          </a:p>
+          <a:p>
+            <a:endParaRPr lang="en-US" dirty="0"/>
+          </a:p>
+          <a:p>
+            <a:endParaRPr lang="en-US" dirty="0"/>
+          </a:p>
+          <a:p>
+            <a:endParaRPr lang="en-US" dirty="0"/>
+          </a:p>
+          <a:p>
+            <a:endParaRPr lang="en-US" dirty="0"/>
           </a:p>
           <a:p>
             <a:r>
               <a:rPr lang="en-US" dirty="0"/>
-              <a:t>Owing to the extensive computations involved in training a neural network, a need for high end hardware</a:t>
-            </a:r>
-          </a:p>
-          <a:p>
+              <a:t>The following are the software requirements:</a:t>
+            </a:r>
+          </a:p>
+          <a:p>
+            <a:pPr lvl="1"/>
             <a:r>
               <a:rPr lang="en-US" dirty="0"/>
-              <a:t>Google </a:t>
+              <a:t>Operating System: Windows/Linux</a:t>
+            </a:r>
+          </a:p>
+          <a:p>
+            <a:pPr lvl="1"/>
+            <a:r>
+              <a:rPr lang="en-US" dirty="0"/>
+              <a:t>IDE: </a:t>
             </a:r>
             <a:r>
               <a:rPr lang="en-US" dirty="0" err="1"/>
-              <a:t>Colab</a:t>
+              <a:t>Jupyter</a:t>
             </a:r>
             <a:r>
               <a:rPr lang="en-US" dirty="0"/>
-              <a:t> is a free notebook environment offered by Google which provides access to high end GPUs and more computational power for a limited time</a:t>
-            </a:r>
-          </a:p>
-          <a:p>
+              <a:t> Notebook</a:t>
+            </a:r>
+          </a:p>
+          <a:p>
+            <a:pPr lvl="1"/>
             <a:r>
               <a:rPr lang="en-US" dirty="0"/>
-              <a:t>The following table showcases the minimum hardware requirements:</a:t>
-            </a:r>
+              <a:t>Programming Languages: python3, </a:t>
+            </a:r>
+            <a:r>
+              <a:rPr lang="en-US" dirty="0" err="1"/>
+              <a:t>javascript</a:t>
+            </a:r>
+            <a:endParaRPr lang="en-US" dirty="0"/>
+          </a:p>
+          <a:p>
+            <a:pPr lvl="1"/>
+            <a:r>
+              <a:rPr lang="en-US" dirty="0"/>
+              <a:t>Frameworks: Node.js, </a:t>
+            </a:r>
+            <a:r>
+              <a:rPr lang="en-US" dirty="0" err="1"/>
+              <a:t>Tensorflow</a:t>
+            </a:r>
+            <a:r>
+              <a:rPr lang="en-US" dirty="0"/>
+              <a:t>, </a:t>
+            </a:r>
+            <a:r>
+              <a:rPr lang="en-US" dirty="0" err="1"/>
+              <a:t>sklearn</a:t>
+            </a:r>
+            <a:r>
+              <a:rPr lang="en-US" dirty="0"/>
+              <a:t>, plotting libraries, </a:t>
+            </a:r>
+            <a:r>
+              <a:rPr lang="en-US" dirty="0" err="1"/>
+              <a:t>openCV</a:t>
+            </a:r>
+            <a:endParaRPr lang="en-US" dirty="0"/>
+          </a:p>
+          <a:p>
+            <a:endParaRPr lang="en-US" dirty="0"/>
           </a:p>
         </p:txBody>
       </p:sp>
@@ -12113,9 +12445,10 @@
           <a:lstStyle/>
           <a:p>
             <a:r>
-              <a:rPr lang="en-IN"/>
-              <a:t>Title of the Course</a:t>
-            </a:r>
+              <a:rPr lang="en-US"/>
+              <a:t>Astronomical image colourisation and super-resolution using GANS</a:t>
+            </a:r>
+            <a:endParaRPr lang="en-IN"/>
           </a:p>
         </p:txBody>
       </p:sp>
@@ -12177,7 +12510,7 @@
         </p:blipFill>
         <p:spPr>
           <a:xfrm>
-            <a:off x="1622629" y="4179286"/>
+            <a:off x="1374055" y="2145095"/>
             <a:ext cx="8945223" cy="1581371"/>
           </a:xfrm>
           <a:prstGeom prst="rect">
@@ -12211,194 +12544,6 @@
 </file>
 
 <file path=ppt/slides/slide5.xml><?xml version="1.0" encoding="utf-8"?>
-<p:sld xmlns:a="http://schemas.openxmlformats.org/drawingml/2006/main" xmlns:r="http://schemas.openxmlformats.org/officeDocument/2006/relationships" xmlns:p="http://schemas.openxmlformats.org/presentationml/2006/main">
-  <p:cSld>
-    <p:spTree>
-      <p:nvGrpSpPr>
-        <p:cNvPr id="1" name=""/>
-        <p:cNvGrpSpPr/>
-        <p:nvPr/>
-      </p:nvGrpSpPr>
-      <p:grpSpPr>
-        <a:xfrm>
-          <a:off x="0" y="0"/>
-          <a:ext cx="0" cy="0"/>
-          <a:chOff x="0" y="0"/>
-          <a:chExt cx="0" cy="0"/>
-        </a:xfrm>
-      </p:grpSpPr>
-      <p:sp>
-        <p:nvSpPr>
-          <p:cNvPr id="2" name="Title 1">
-            <a:extLst>
-              <a:ext uri="{FF2B5EF4-FFF2-40B4-BE49-F238E27FC236}">
-                <a16:creationId xmlns:a16="http://schemas.microsoft.com/office/drawing/2014/main" id="{423FE4DA-1547-4535-A0D6-CFB3BF102D16}"/>
-              </a:ext>
-            </a:extLst>
-          </p:cNvPr>
-          <p:cNvSpPr>
-            <a:spLocks noGrp="1"/>
-          </p:cNvSpPr>
-          <p:nvPr>
-            <p:ph type="title"/>
-          </p:nvPr>
-        </p:nvSpPr>
-        <p:spPr/>
-        <p:txBody>
-          <a:bodyPr/>
-          <a:lstStyle/>
-          <a:p>
-            <a:r>
-              <a:rPr lang="en-US" dirty="0"/>
-              <a:t>Requirement Specifications</a:t>
-            </a:r>
-          </a:p>
-        </p:txBody>
-      </p:sp>
-      <p:sp>
-        <p:nvSpPr>
-          <p:cNvPr id="3" name="Content Placeholder 2">
-            <a:extLst>
-              <a:ext uri="{FF2B5EF4-FFF2-40B4-BE49-F238E27FC236}">
-                <a16:creationId xmlns:a16="http://schemas.microsoft.com/office/drawing/2014/main" id="{40853449-599C-48A7-B9EC-07F383B2A0B5}"/>
-              </a:ext>
-            </a:extLst>
-          </p:cNvPr>
-          <p:cNvSpPr>
-            <a:spLocks noGrp="1"/>
-          </p:cNvSpPr>
-          <p:nvPr>
-            <p:ph idx="1"/>
-          </p:nvPr>
-        </p:nvSpPr>
-        <p:spPr/>
-        <p:txBody>
-          <a:bodyPr/>
-          <a:lstStyle/>
-          <a:p>
-            <a:r>
-              <a:rPr lang="en-US" dirty="0"/>
-              <a:t>The following are the software requirements:</a:t>
-            </a:r>
-          </a:p>
-          <a:p>
-            <a:pPr lvl="1"/>
-            <a:r>
-              <a:rPr lang="en-US" dirty="0"/>
-              <a:t>Operating System: Windows/Linux</a:t>
-            </a:r>
-          </a:p>
-          <a:p>
-            <a:pPr lvl="1"/>
-            <a:r>
-              <a:rPr lang="en-US" dirty="0"/>
-              <a:t>IDE: </a:t>
-            </a:r>
-            <a:r>
-              <a:rPr lang="en-US" dirty="0" err="1"/>
-              <a:t>Jupyter</a:t>
-            </a:r>
-            <a:r>
-              <a:rPr lang="en-US" dirty="0"/>
-              <a:t> Notebook</a:t>
-            </a:r>
-          </a:p>
-          <a:p>
-            <a:pPr lvl="1"/>
-            <a:r>
-              <a:rPr lang="en-US" dirty="0"/>
-              <a:t>Programming Languages: python3, </a:t>
-            </a:r>
-            <a:r>
-              <a:rPr lang="en-US" dirty="0" err="1"/>
-              <a:t>javascript</a:t>
-            </a:r>
-            <a:endParaRPr lang="en-US" dirty="0"/>
-          </a:p>
-          <a:p>
-            <a:pPr lvl="1"/>
-            <a:r>
-              <a:rPr lang="en-US" dirty="0"/>
-              <a:t>Frameworks: Node.js, </a:t>
-            </a:r>
-            <a:r>
-              <a:rPr lang="en-US" dirty="0" err="1"/>
-              <a:t>Tensorflow</a:t>
-            </a:r>
-            <a:r>
-              <a:rPr lang="en-US" dirty="0"/>
-              <a:t>, </a:t>
-            </a:r>
-            <a:r>
-              <a:rPr lang="en-US" dirty="0" err="1"/>
-              <a:t>sklearn</a:t>
-            </a:r>
-            <a:r>
-              <a:rPr lang="en-US" dirty="0"/>
-              <a:t>, plotting libraries, </a:t>
-            </a:r>
-            <a:r>
-              <a:rPr lang="en-US" dirty="0" err="1"/>
-              <a:t>openCV</a:t>
-            </a:r>
-            <a:endParaRPr lang="en-US" dirty="0"/>
-          </a:p>
-        </p:txBody>
-      </p:sp>
-      <p:sp>
-        <p:nvSpPr>
-          <p:cNvPr id="4" name="Footer Placeholder 3">
-            <a:extLst>
-              <a:ext uri="{FF2B5EF4-FFF2-40B4-BE49-F238E27FC236}">
-                <a16:creationId xmlns:a16="http://schemas.microsoft.com/office/drawing/2014/main" id="{FC7513FB-568A-4646-AFE9-70AD3D3C1FA1}"/>
-              </a:ext>
-            </a:extLst>
-          </p:cNvPr>
-          <p:cNvSpPr>
-            <a:spLocks noGrp="1"/>
-          </p:cNvSpPr>
-          <p:nvPr>
-            <p:ph type="ftr" sz="quarter" idx="11"/>
-          </p:nvPr>
-        </p:nvSpPr>
-        <p:spPr/>
-        <p:txBody>
-          <a:bodyPr/>
-          <a:lstStyle/>
-          <a:p>
-            <a:r>
-              <a:rPr lang="en-IN"/>
-              <a:t>Title of the Course</a:t>
-            </a:r>
-          </a:p>
-        </p:txBody>
-      </p:sp>
-    </p:spTree>
-    <p:extLst>
-      <p:ext uri="{BB962C8B-B14F-4D97-AF65-F5344CB8AC3E}">
-        <p14:creationId xmlns:p14="http://schemas.microsoft.com/office/powerpoint/2010/main" val="4269259792"/>
-      </p:ext>
-    </p:extLst>
-  </p:cSld>
-  <p:clrMapOvr>
-    <a:masterClrMapping/>
-  </p:clrMapOvr>
-  <mc:AlternateContent xmlns:mc="http://schemas.openxmlformats.org/markup-compatibility/2006" xmlns:p14="http://schemas.microsoft.com/office/powerpoint/2010/main">
-    <mc:Choice Requires="p14">
-      <p:transition spd="med" p14:dur="700">
-        <p:fade/>
-      </p:transition>
-    </mc:Choice>
-    <mc:Fallback xmlns="">
-      <p:transition spd="med">
-        <p:fade/>
-      </p:transition>
-    </mc:Fallback>
-  </mc:AlternateContent>
-</p:sld>
-</file>
-
-<file path=ppt/slides/slide6.xml><?xml version="1.0" encoding="utf-8"?>
 <p:sld xmlns:a="http://schemas.openxmlformats.org/drawingml/2006/main" xmlns:r="http://schemas.openxmlformats.org/officeDocument/2006/relationships" xmlns:p="http://schemas.openxmlformats.org/presentationml/2006/main">
   <p:cSld>
     <p:spTree>
@@ -12593,7 +12738,7 @@
 </p:sld>
 </file>
 
-<file path=ppt/slides/slide7.xml><?xml version="1.0" encoding="utf-8"?>
+<file path=ppt/slides/slide6.xml><?xml version="1.0" encoding="utf-8"?>
 <p:sld xmlns:a="http://schemas.openxmlformats.org/drawingml/2006/main" xmlns:r="http://schemas.openxmlformats.org/officeDocument/2006/relationships" xmlns:p="http://schemas.openxmlformats.org/presentationml/2006/main">
   <p:cSld>
     <p:spTree>
@@ -12749,7 +12894,7 @@
 </p:sld>
 </file>
 
-<file path=ppt/slides/slide8.xml><?xml version="1.0" encoding="utf-8"?>
+<file path=ppt/slides/slide7.xml><?xml version="1.0" encoding="utf-8"?>
 <p:sld xmlns:a="http://schemas.openxmlformats.org/drawingml/2006/main" xmlns:r="http://schemas.openxmlformats.org/officeDocument/2006/relationships" xmlns:p="http://schemas.openxmlformats.org/presentationml/2006/main">
   <p:cSld>
     <p:spTree>
@@ -12906,7 +13051,7 @@
 </p:sld>
 </file>
 
-<file path=ppt/slides/slide9.xml><?xml version="1.0" encoding="utf-8"?>
+<file path=ppt/slides/slide8.xml><?xml version="1.0" encoding="utf-8"?>
 <p:sld xmlns:a="http://schemas.openxmlformats.org/drawingml/2006/main" xmlns:r="http://schemas.openxmlformats.org/officeDocument/2006/relationships" xmlns:p="http://schemas.openxmlformats.org/presentationml/2006/main">
   <p:cSld>
     <p:spTree>
@@ -13042,6 +13187,163 @@
     <p:extLst>
       <p:ext uri="{BB962C8B-B14F-4D97-AF65-F5344CB8AC3E}">
         <p14:creationId xmlns:p14="http://schemas.microsoft.com/office/powerpoint/2010/main" val="832444659"/>
+      </p:ext>
+    </p:extLst>
+  </p:cSld>
+  <p:clrMapOvr>
+    <a:masterClrMapping/>
+  </p:clrMapOvr>
+  <mc:AlternateContent xmlns:mc="http://schemas.openxmlformats.org/markup-compatibility/2006" xmlns:p14="http://schemas.microsoft.com/office/powerpoint/2010/main">
+    <mc:Choice Requires="p14">
+      <p:transition spd="med" p14:dur="700">
+        <p:fade/>
+      </p:transition>
+    </mc:Choice>
+    <mc:Fallback xmlns="">
+      <p:transition spd="med">
+        <p:fade/>
+      </p:transition>
+    </mc:Fallback>
+  </mc:AlternateContent>
+</p:sld>
+</file>
+
+<file path=ppt/slides/slide9.xml><?xml version="1.0" encoding="utf-8"?>
+<p:sld xmlns:a="http://schemas.openxmlformats.org/drawingml/2006/main" xmlns:r="http://schemas.openxmlformats.org/officeDocument/2006/relationships" xmlns:p="http://schemas.openxmlformats.org/presentationml/2006/main">
+  <p:cSld>
+    <p:spTree>
+      <p:nvGrpSpPr>
+        <p:cNvPr id="1" name=""/>
+        <p:cNvGrpSpPr/>
+        <p:nvPr/>
+      </p:nvGrpSpPr>
+      <p:grpSpPr>
+        <a:xfrm>
+          <a:off x="0" y="0"/>
+          <a:ext cx="0" cy="0"/>
+          <a:chOff x="0" y="0"/>
+          <a:chExt cx="0" cy="0"/>
+        </a:xfrm>
+      </p:grpSpPr>
+      <p:sp>
+        <p:nvSpPr>
+          <p:cNvPr id="13" name="Title 12"/>
+          <p:cNvSpPr>
+            <a:spLocks noGrp="1"/>
+          </p:cNvSpPr>
+          <p:nvPr>
+            <p:ph type="title"/>
+          </p:nvPr>
+        </p:nvSpPr>
+        <p:spPr/>
+        <p:txBody>
+          <a:bodyPr/>
+          <a:lstStyle/>
+          <a:p>
+            <a:r>
+              <a:rPr lang="en-US" sz="2800" dirty="0"/>
+              <a:t>Literature Review</a:t>
+            </a:r>
+            <a:endParaRPr lang="en-US" dirty="0"/>
+          </a:p>
+        </p:txBody>
+      </p:sp>
+      <p:sp>
+        <p:nvSpPr>
+          <p:cNvPr id="5" name="Footer Placeholder 4"/>
+          <p:cNvSpPr>
+            <a:spLocks noGrp="1"/>
+          </p:cNvSpPr>
+          <p:nvPr>
+            <p:ph type="ftr" sz="quarter" idx="11"/>
+          </p:nvPr>
+        </p:nvSpPr>
+        <p:spPr/>
+        <p:txBody>
+          <a:bodyPr/>
+          <a:lstStyle/>
+          <a:p>
+            <a:r>
+              <a:rPr lang="en-IN" sz="1200" dirty="0">
+                <a:cs typeface="Times New Roman" panose="02020603050405020304" pitchFamily="18" charset="0"/>
+              </a:rPr>
+              <a:t>Astronomical image colourisation and super-resolution using GANS</a:t>
+            </a:r>
+            <a:endParaRPr lang="en-IN" dirty="0"/>
+          </a:p>
+        </p:txBody>
+      </p:sp>
+      <p:pic>
+        <p:nvPicPr>
+          <p:cNvPr id="4" name="Picture 1"/>
+          <p:cNvPicPr>
+            <a:picLocks noChangeAspect="1" noChangeArrowheads="1"/>
+          </p:cNvPicPr>
+          <p:nvPr/>
+        </p:nvPicPr>
+        <p:blipFill>
+          <a:blip r:embed="rId2" cstate="print">
+            <a:extLst>
+              <a:ext uri="{28A0092B-C50C-407E-A947-70E740481C1C}">
+                <a14:useLocalDpi xmlns:a14="http://schemas.microsoft.com/office/drawing/2010/main" val="0"/>
+              </a:ext>
+            </a:extLst>
+          </a:blip>
+          <a:stretch>
+            <a:fillRect/>
+          </a:stretch>
+        </p:blipFill>
+        <p:spPr bwMode="auto">
+          <a:xfrm>
+            <a:off x="10919540" y="150750"/>
+            <a:ext cx="1233271" cy="1029803"/>
+          </a:xfrm>
+          <a:prstGeom prst="rect">
+            <a:avLst/>
+          </a:prstGeom>
+          <a:noFill/>
+          <a:ln w="9525">
+            <a:noFill/>
+            <a:miter lim="800000"/>
+            <a:headEnd/>
+            <a:tailEnd/>
+          </a:ln>
+        </p:spPr>
+      </p:pic>
+      <p:pic>
+        <p:nvPicPr>
+          <p:cNvPr id="3" name="Picture 2">
+            <a:extLst>
+              <a:ext uri="{FF2B5EF4-FFF2-40B4-BE49-F238E27FC236}">
+                <a16:creationId xmlns:a16="http://schemas.microsoft.com/office/drawing/2014/main" id="{4BA9F5FD-6605-4A4C-9BB5-2ECEB4F1E197}"/>
+              </a:ext>
+            </a:extLst>
+          </p:cNvPr>
+          <p:cNvPicPr>
+            <a:picLocks noChangeAspect="1"/>
+          </p:cNvPicPr>
+          <p:nvPr/>
+        </p:nvPicPr>
+        <p:blipFill>
+          <a:blip r:embed="rId3"/>
+          <a:stretch>
+            <a:fillRect/>
+          </a:stretch>
+        </p:blipFill>
+        <p:spPr>
+          <a:xfrm>
+            <a:off x="3606612" y="1386188"/>
+            <a:ext cx="4978776" cy="4970162"/>
+          </a:xfrm>
+          <a:prstGeom prst="rect">
+            <a:avLst/>
+          </a:prstGeom>
+        </p:spPr>
+      </p:pic>
+    </p:spTree>
+    <p:extLst>
+      <p:ext uri="{BB962C8B-B14F-4D97-AF65-F5344CB8AC3E}">
+        <p14:creationId xmlns:p14="http://schemas.microsoft.com/office/powerpoint/2010/main" val="1076855196"/>
       </p:ext>
     </p:extLst>
   </p:cSld>
@@ -13811,15 +14113,6 @@
 </file>
 
 <file path=customXml/item1.xml><?xml version="1.0" encoding="utf-8"?>
-<?mso-contentType ?>
-<FormTemplates xmlns="http://schemas.microsoft.com/sharepoint/v3/contenttype/forms">
-  <Display>DocumentLibraryForm</Display>
-  <Edit>AssetEditForm</Edit>
-  <New>DocumentLibraryForm</New>
-</FormTemplates>
-</file>
-
-<file path=customXml/item2.xml><?xml version="1.0" encoding="utf-8"?>
 <p:properties xmlns:p="http://schemas.microsoft.com/office/2006/metadata/properties" xmlns:xsi="http://www.w3.org/2001/XMLSchema-instance" xmlns:pc="http://schemas.microsoft.com/office/infopath/2007/PartnerControls">
   <documentManagement>
     <APDescription xmlns="4873beb7-5857-4685-be1f-d57550cc96cc" xsi:nil="true"/>
@@ -13943,6 +14236,15 @@
     <UANotes xmlns="4873beb7-5857-4685-be1f-d57550cc96cc" xsi:nil="true"/>
   </documentManagement>
 </p:properties>
+</file>
+
+<file path=customXml/item2.xml><?xml version="1.0" encoding="utf-8"?>
+<?mso-contentType ?>
+<FormTemplates xmlns="http://schemas.microsoft.com/sharepoint/v3/contenttype/forms">
+  <Display>DocumentLibraryForm</Display>
+  <Edit>AssetEditForm</Edit>
+  <New>DocumentLibraryForm</New>
+</FormTemplates>
 </file>
 
 <file path=customXml/item3.xml><?xml version="1.0" encoding="utf-8"?>
@@ -14986,14 +15288,6 @@
 </file>
 
 <file path=customXml/itemProps1.xml><?xml version="1.0" encoding="utf-8"?>
-<ds:datastoreItem xmlns:ds="http://schemas.openxmlformats.org/officeDocument/2006/customXml" ds:itemID="{561E720F-F05D-4536-9C34-0CFCED65D3B7}">
-  <ds:schemaRefs>
-    <ds:schemaRef ds:uri="http://schemas.microsoft.com/sharepoint/v3/contenttype/forms"/>
-  </ds:schemaRefs>
-</ds:datastoreItem>
-</file>
-
-<file path=customXml/itemProps2.xml><?xml version="1.0" encoding="utf-8"?>
 <ds:datastoreItem xmlns:ds="http://schemas.openxmlformats.org/officeDocument/2006/customXml" ds:itemID="{8CDDBB83-77C1-4099-A0AA-289882E745E2}">
   <ds:schemaRefs>
     <ds:schemaRef ds:uri="http://purl.org/dc/terms/"/>
@@ -15005,6 +15299,14 @@
     <ds:schemaRef ds:uri="http://schemas.microsoft.com/office/infopath/2007/PartnerControls"/>
     <ds:schemaRef ds:uri="http://schemas.microsoft.com/office/2006/metadata/properties"/>
     <ds:schemaRef ds:uri="http://www.w3.org/XML/1998/namespace"/>
+  </ds:schemaRefs>
+</ds:datastoreItem>
+</file>
+
+<file path=customXml/itemProps2.xml><?xml version="1.0" encoding="utf-8"?>
+<ds:datastoreItem xmlns:ds="http://schemas.openxmlformats.org/officeDocument/2006/customXml" ds:itemID="{561E720F-F05D-4536-9C34-0CFCED65D3B7}">
+  <ds:schemaRefs>
+    <ds:schemaRef ds:uri="http://schemas.microsoft.com/sharepoint/v3/contenttype/forms"/>
   </ds:schemaRefs>
 </ds:datastoreItem>
 </file>

--- a/Presentation/Stage_1/stage_1_presentation.pptx
+++ b/Presentation/Stage_1/stage_1_presentation.pptx
@@ -5,10 +5,10 @@
     <p:sldMasterId id="2147483648" r:id="rId4"/>
   </p:sldMasterIdLst>
   <p:notesMasterIdLst>
-    <p:notesMasterId r:id="rId39"/>
+    <p:notesMasterId r:id="rId40"/>
   </p:notesMasterIdLst>
   <p:handoutMasterIdLst>
-    <p:handoutMasterId r:id="rId40"/>
+    <p:handoutMasterId r:id="rId41"/>
   </p:handoutMasterIdLst>
   <p:sldIdLst>
     <p:sldId id="256" r:id="rId5"/>
@@ -26,25 +26,26 @@
     <p:sldId id="278" r:id="rId17"/>
     <p:sldId id="279" r:id="rId18"/>
     <p:sldId id="281" r:id="rId19"/>
-    <p:sldId id="282" r:id="rId20"/>
-    <p:sldId id="283" r:id="rId21"/>
-    <p:sldId id="284" r:id="rId22"/>
-    <p:sldId id="290" r:id="rId23"/>
-    <p:sldId id="292" r:id="rId24"/>
-    <p:sldId id="293" r:id="rId25"/>
-    <p:sldId id="294" r:id="rId26"/>
-    <p:sldId id="295" r:id="rId27"/>
-    <p:sldId id="297" r:id="rId28"/>
-    <p:sldId id="300" r:id="rId29"/>
-    <p:sldId id="301" r:id="rId30"/>
-    <p:sldId id="304" r:id="rId31"/>
-    <p:sldId id="305" r:id="rId32"/>
-    <p:sldId id="306" r:id="rId33"/>
-    <p:sldId id="307" r:id="rId34"/>
-    <p:sldId id="268" r:id="rId35"/>
-    <p:sldId id="308" r:id="rId36"/>
-    <p:sldId id="302" r:id="rId37"/>
-    <p:sldId id="303" r:id="rId38"/>
+    <p:sldId id="309" r:id="rId20"/>
+    <p:sldId id="282" r:id="rId21"/>
+    <p:sldId id="283" r:id="rId22"/>
+    <p:sldId id="284" r:id="rId23"/>
+    <p:sldId id="290" r:id="rId24"/>
+    <p:sldId id="292" r:id="rId25"/>
+    <p:sldId id="293" r:id="rId26"/>
+    <p:sldId id="294" r:id="rId27"/>
+    <p:sldId id="295" r:id="rId28"/>
+    <p:sldId id="297" r:id="rId29"/>
+    <p:sldId id="300" r:id="rId30"/>
+    <p:sldId id="301" r:id="rId31"/>
+    <p:sldId id="304" r:id="rId32"/>
+    <p:sldId id="305" r:id="rId33"/>
+    <p:sldId id="306" r:id="rId34"/>
+    <p:sldId id="307" r:id="rId35"/>
+    <p:sldId id="268" r:id="rId36"/>
+    <p:sldId id="308" r:id="rId37"/>
+    <p:sldId id="302" r:id="rId38"/>
+    <p:sldId id="303" r:id="rId39"/>
   </p:sldIdLst>
   <p:sldSz cx="12192000" cy="6858000"/>
   <p:notesSz cx="6858000" cy="9144000"/>
@@ -6616,6 +6617,171 @@
       </p:grpSpPr>
       <p:sp>
         <p:nvSpPr>
+          <p:cNvPr id="2" name="Title 1">
+            <a:extLst>
+              <a:ext uri="{FF2B5EF4-FFF2-40B4-BE49-F238E27FC236}">
+                <a16:creationId xmlns:a16="http://schemas.microsoft.com/office/drawing/2014/main" id="{3D95BBF0-7B27-4961-A731-95E061171C97}"/>
+              </a:ext>
+            </a:extLst>
+          </p:cNvPr>
+          <p:cNvSpPr>
+            <a:spLocks noGrp="1"/>
+          </p:cNvSpPr>
+          <p:nvPr>
+            <p:ph type="title"/>
+          </p:nvPr>
+        </p:nvSpPr>
+        <p:spPr/>
+        <p:txBody>
+          <a:bodyPr/>
+          <a:lstStyle/>
+          <a:p>
+            <a:r>
+              <a:rPr lang="en-US" dirty="0"/>
+              <a:t>Block diagram of Project</a:t>
+            </a:r>
+          </a:p>
+        </p:txBody>
+      </p:sp>
+      <p:sp>
+        <p:nvSpPr>
+          <p:cNvPr id="4" name="Footer Placeholder 3">
+            <a:extLst>
+              <a:ext uri="{FF2B5EF4-FFF2-40B4-BE49-F238E27FC236}">
+                <a16:creationId xmlns:a16="http://schemas.microsoft.com/office/drawing/2014/main" id="{905E88C8-1178-4311-AD04-68537718ECF0}"/>
+              </a:ext>
+            </a:extLst>
+          </p:cNvPr>
+          <p:cNvSpPr>
+            <a:spLocks noGrp="1"/>
+          </p:cNvSpPr>
+          <p:nvPr>
+            <p:ph type="ftr" sz="quarter" idx="11"/>
+          </p:nvPr>
+        </p:nvSpPr>
+        <p:spPr/>
+        <p:txBody>
+          <a:bodyPr/>
+          <a:lstStyle/>
+          <a:p>
+            <a:r>
+              <a:rPr lang="en-US"/>
+              <a:t>Astronomical image colourisation and super-resolution using GANS</a:t>
+            </a:r>
+          </a:p>
+        </p:txBody>
+      </p:sp>
+      <p:pic>
+        <p:nvPicPr>
+          <p:cNvPr id="6" name="Picture 5">
+            <a:extLst>
+              <a:ext uri="{FF2B5EF4-FFF2-40B4-BE49-F238E27FC236}">
+                <a16:creationId xmlns:a16="http://schemas.microsoft.com/office/drawing/2014/main" id="{A5FC556F-F1BF-457C-A09C-6BC25B2F3762}"/>
+              </a:ext>
+            </a:extLst>
+          </p:cNvPr>
+          <p:cNvPicPr>
+            <a:picLocks noChangeAspect="1"/>
+          </p:cNvPicPr>
+          <p:nvPr/>
+        </p:nvPicPr>
+        <p:blipFill>
+          <a:blip r:embed="rId2"/>
+          <a:stretch>
+            <a:fillRect/>
+          </a:stretch>
+        </p:blipFill>
+        <p:spPr>
+          <a:xfrm>
+            <a:off x="389858" y="1600200"/>
+            <a:ext cx="11410765" cy="4331254"/>
+          </a:xfrm>
+          <a:prstGeom prst="rect">
+            <a:avLst/>
+          </a:prstGeom>
+        </p:spPr>
+      </p:pic>
+      <p:sp>
+        <p:nvSpPr>
+          <p:cNvPr id="7" name="TextBox 6">
+            <a:extLst>
+              <a:ext uri="{FF2B5EF4-FFF2-40B4-BE49-F238E27FC236}">
+                <a16:creationId xmlns:a16="http://schemas.microsoft.com/office/drawing/2014/main" id="{74FF393A-623B-4834-891E-01B8B663FAEF}"/>
+              </a:ext>
+            </a:extLst>
+          </p:cNvPr>
+          <p:cNvSpPr txBox="1"/>
+          <p:nvPr/>
+        </p:nvSpPr>
+        <p:spPr>
+          <a:xfrm>
+            <a:off x="3047980" y="5996377"/>
+            <a:ext cx="6094520" cy="246221"/>
+          </a:xfrm>
+          <a:prstGeom prst="rect">
+            <a:avLst/>
+          </a:prstGeom>
+          <a:noFill/>
+        </p:spPr>
+        <p:txBody>
+          <a:bodyPr wrap="square">
+            <a:spAutoFit/>
+          </a:bodyPr>
+          <a:lstStyle/>
+          <a:p>
+            <a:pPr algn="ctr"/>
+            <a:r>
+              <a:rPr lang="en-US" sz="1000" dirty="0"/>
+              <a:t>Figure 6: Image conversion by GAN</a:t>
+            </a:r>
+            <a:endParaRPr lang="en-IN" sz="1000" dirty="0"/>
+          </a:p>
+        </p:txBody>
+      </p:sp>
+    </p:spTree>
+    <p:extLst>
+      <p:ext uri="{BB962C8B-B14F-4D97-AF65-F5344CB8AC3E}">
+        <p14:creationId xmlns:p14="http://schemas.microsoft.com/office/powerpoint/2010/main" val="958700248"/>
+      </p:ext>
+    </p:extLst>
+  </p:cSld>
+  <p:clrMapOvr>
+    <a:masterClrMapping/>
+  </p:clrMapOvr>
+  <mc:AlternateContent xmlns:mc="http://schemas.openxmlformats.org/markup-compatibility/2006" xmlns:p14="http://schemas.microsoft.com/office/powerpoint/2010/main">
+    <mc:Choice Requires="p14">
+      <p:transition spd="med" p14:dur="700">
+        <p:fade/>
+      </p:transition>
+    </mc:Choice>
+    <mc:Fallback xmlns="">
+      <p:transition spd="med">
+        <p:fade/>
+      </p:transition>
+    </mc:Fallback>
+  </mc:AlternateContent>
+</p:sld>
+</file>
+
+<file path=ppt/slides/slide17.xml><?xml version="1.0" encoding="utf-8"?>
+<p:sld xmlns:a="http://schemas.openxmlformats.org/drawingml/2006/main" xmlns:r="http://schemas.openxmlformats.org/officeDocument/2006/relationships" xmlns:p="http://schemas.openxmlformats.org/presentationml/2006/main">
+  <p:cSld>
+    <p:spTree>
+      <p:nvGrpSpPr>
+        <p:cNvPr id="1" name=""/>
+        <p:cNvGrpSpPr/>
+        <p:nvPr/>
+      </p:nvGrpSpPr>
+      <p:grpSpPr>
+        <a:xfrm>
+          <a:off x="0" y="0"/>
+          <a:ext cx="0" cy="0"/>
+          <a:chOff x="0" y="0"/>
+          <a:chExt cx="0" cy="0"/>
+        </a:xfrm>
+      </p:grpSpPr>
+      <p:sp>
+        <p:nvSpPr>
           <p:cNvPr id="13" name="Title 12"/>
           <p:cNvSpPr>
             <a:spLocks noGrp="1"/>
@@ -6765,7 +6931,7 @@
             <a:pPr algn="ctr"/>
             <a:r>
               <a:rPr lang="en-US" sz="1000" dirty="0"/>
-              <a:t>Figure 6: Discriminator (</a:t>
+              <a:t>Figure 7: Discriminator (</a:t>
             </a:r>
             <a:r>
               <a:rPr lang="en-US" sz="1000" b="0" i="0" u="none" strike="noStrike" baseline="0" dirty="0" err="1"/>
@@ -6808,7 +6974,7 @@
 </p:sld>
 </file>
 
-<file path=ppt/slides/slide17.xml><?xml version="1.0" encoding="utf-8"?>
+<file path=ppt/slides/slide18.xml><?xml version="1.0" encoding="utf-8"?>
 <p:sld xmlns:a="http://schemas.openxmlformats.org/drawingml/2006/main" xmlns:r="http://schemas.openxmlformats.org/officeDocument/2006/relationships" xmlns:p="http://schemas.openxmlformats.org/presentationml/2006/main">
   <p:cSld>
     <p:spTree>
@@ -6975,7 +7141,7 @@
             <a:pPr algn="ctr"/>
             <a:r>
               <a:rPr lang="en-US" sz="1000" dirty="0"/>
-              <a:t>Figure 7: Encoder Decoder Generator (</a:t>
+              <a:t>Figure 8: Encoder Decoder Generator (</a:t>
             </a:r>
             <a:r>
               <a:rPr lang="en-US" sz="1000" b="0" i="0" u="none" strike="noStrike" baseline="0" dirty="0" err="1"/>
@@ -7014,7 +7180,7 @@
 </p:sld>
 </file>
 
-<file path=ppt/slides/slide18.xml><?xml version="1.0" encoding="utf-8"?>
+<file path=ppt/slides/slide19.xml><?xml version="1.0" encoding="utf-8"?>
 <p:sld xmlns:a="http://schemas.openxmlformats.org/drawingml/2006/main" xmlns:r="http://schemas.openxmlformats.org/officeDocument/2006/relationships" xmlns:p="http://schemas.openxmlformats.org/presentationml/2006/main">
   <p:cSld>
     <p:spTree>
@@ -7182,7 +7348,7 @@
             <a:pPr algn="ctr"/>
             <a:r>
               <a:rPr lang="en-US" sz="1000" dirty="0"/>
-              <a:t>Figure 8: </a:t>
+              <a:t>Figure 9: </a:t>
             </a:r>
             <a:r>
               <a:rPr lang="en-US" sz="1000" dirty="0" err="1"/>
@@ -7208,194 +7374,6 @@
     <p:extLst>
       <p:ext uri="{BB962C8B-B14F-4D97-AF65-F5344CB8AC3E}">
         <p14:creationId xmlns:p14="http://schemas.microsoft.com/office/powerpoint/2010/main" val="2432953026"/>
-      </p:ext>
-    </p:extLst>
-  </p:cSld>
-  <p:clrMapOvr>
-    <a:masterClrMapping/>
-  </p:clrMapOvr>
-  <mc:AlternateContent xmlns:mc="http://schemas.openxmlformats.org/markup-compatibility/2006" xmlns:p14="http://schemas.microsoft.com/office/powerpoint/2010/main">
-    <mc:Choice Requires="p14">
-      <p:transition spd="med" p14:dur="700">
-        <p:fade/>
-      </p:transition>
-    </mc:Choice>
-    <mc:Fallback xmlns="">
-      <p:transition spd="med">
-        <p:fade/>
-      </p:transition>
-    </mc:Fallback>
-  </mc:AlternateContent>
-</p:sld>
-</file>
-
-<file path=ppt/slides/slide19.xml><?xml version="1.0" encoding="utf-8"?>
-<p:sld xmlns:a="http://schemas.openxmlformats.org/drawingml/2006/main" xmlns:r="http://schemas.openxmlformats.org/officeDocument/2006/relationships" xmlns:p="http://schemas.openxmlformats.org/presentationml/2006/main">
-  <p:cSld>
-    <p:spTree>
-      <p:nvGrpSpPr>
-        <p:cNvPr id="1" name=""/>
-        <p:cNvGrpSpPr/>
-        <p:nvPr/>
-      </p:nvGrpSpPr>
-      <p:grpSpPr>
-        <a:xfrm>
-          <a:off x="0" y="0"/>
-          <a:ext cx="0" cy="0"/>
-          <a:chOff x="0" y="0"/>
-          <a:chExt cx="0" cy="0"/>
-        </a:xfrm>
-      </p:grpSpPr>
-      <p:sp>
-        <p:nvSpPr>
-          <p:cNvPr id="13" name="Title 12"/>
-          <p:cNvSpPr>
-            <a:spLocks noGrp="1"/>
-          </p:cNvSpPr>
-          <p:nvPr>
-            <p:ph type="title"/>
-          </p:nvPr>
-        </p:nvSpPr>
-        <p:spPr/>
-        <p:txBody>
-          <a:bodyPr/>
-          <a:lstStyle/>
-          <a:p>
-            <a:r>
-              <a:rPr lang="en-US" dirty="0"/>
-              <a:t>Methodology</a:t>
-            </a:r>
-          </a:p>
-        </p:txBody>
-      </p:sp>
-      <p:sp>
-        <p:nvSpPr>
-          <p:cNvPr id="14" name="Content Placeholder 13"/>
-          <p:cNvSpPr>
-            <a:spLocks noGrp="1"/>
-          </p:cNvSpPr>
-          <p:nvPr>
-            <p:ph idx="1"/>
-          </p:nvPr>
-        </p:nvSpPr>
-        <p:spPr/>
-        <p:txBody>
-          <a:bodyPr>
-            <a:normAutofit/>
-          </a:bodyPr>
-          <a:lstStyle/>
-          <a:p>
-            <a:r>
-              <a:rPr lang="en-US" dirty="0"/>
-              <a:t> Data gathering and processing:</a:t>
-            </a:r>
-          </a:p>
-          <a:p>
-            <a:pPr lvl="1"/>
-            <a:r>
-              <a:rPr lang="en-US" dirty="0"/>
-              <a:t>Data Scraping</a:t>
-            </a:r>
-          </a:p>
-          <a:p>
-            <a:pPr lvl="1"/>
-            <a:r>
-              <a:rPr lang="en-US" dirty="0"/>
-              <a:t>Data Cleaning</a:t>
-            </a:r>
-          </a:p>
-          <a:p>
-            <a:r>
-              <a:rPr lang="en-IN" dirty="0"/>
-              <a:t>Model Building</a:t>
-            </a:r>
-          </a:p>
-          <a:p>
-            <a:r>
-              <a:rPr lang="en-IN" dirty="0"/>
-              <a:t>Model Training</a:t>
-            </a:r>
-          </a:p>
-          <a:p>
-            <a:r>
-              <a:rPr lang="en-IN" dirty="0"/>
-              <a:t>Cost Optimization and tuning</a:t>
-            </a:r>
-          </a:p>
-          <a:p>
-            <a:r>
-              <a:rPr lang="en-IN" dirty="0"/>
-              <a:t>Performance Evaluation and Documentation</a:t>
-            </a:r>
-          </a:p>
-        </p:txBody>
-      </p:sp>
-      <p:sp>
-        <p:nvSpPr>
-          <p:cNvPr id="5" name="Footer Placeholder 4"/>
-          <p:cNvSpPr>
-            <a:spLocks noGrp="1"/>
-          </p:cNvSpPr>
-          <p:nvPr>
-            <p:ph type="ftr" sz="quarter" idx="11"/>
-          </p:nvPr>
-        </p:nvSpPr>
-        <p:spPr/>
-        <p:txBody>
-          <a:bodyPr/>
-          <a:lstStyle/>
-          <a:p>
-            <a:r>
-              <a:rPr lang="en-IN" sz="1200" dirty="0">
-                <a:cs typeface="Times New Roman" panose="02020603050405020304" pitchFamily="18" charset="0"/>
-              </a:rPr>
-              <a:t>Astronomical image colourisation and super-resolution using GANS</a:t>
-            </a:r>
-            <a:endParaRPr lang="en-IN" dirty="0"/>
-          </a:p>
-        </p:txBody>
-      </p:sp>
-      <p:pic>
-        <p:nvPicPr>
-          <p:cNvPr id="4" name="Picture 1"/>
-          <p:cNvPicPr>
-            <a:picLocks noChangeAspect="1" noChangeArrowheads="1"/>
-          </p:cNvPicPr>
-          <p:nvPr/>
-        </p:nvPicPr>
-        <p:blipFill>
-          <a:blip r:embed="rId2" cstate="print">
-            <a:extLst>
-              <a:ext uri="{28A0092B-C50C-407E-A947-70E740481C1C}">
-                <a14:useLocalDpi xmlns:a14="http://schemas.microsoft.com/office/drawing/2010/main" val="0"/>
-              </a:ext>
-            </a:extLst>
-          </a:blip>
-          <a:stretch>
-            <a:fillRect/>
-          </a:stretch>
-        </p:blipFill>
-        <p:spPr bwMode="auto">
-          <a:xfrm>
-            <a:off x="10919540" y="150750"/>
-            <a:ext cx="1233271" cy="1029803"/>
-          </a:xfrm>
-          <a:prstGeom prst="rect">
-            <a:avLst/>
-          </a:prstGeom>
-          <a:noFill/>
-          <a:ln w="9525">
-            <a:noFill/>
-            <a:miter lim="800000"/>
-            <a:headEnd/>
-            <a:tailEnd/>
-          </a:ln>
-        </p:spPr>
-      </p:pic>
-    </p:spTree>
-    <p:extLst>
-      <p:ext uri="{BB962C8B-B14F-4D97-AF65-F5344CB8AC3E}">
-        <p14:creationId xmlns:p14="http://schemas.microsoft.com/office/powerpoint/2010/main" val="261913967"/>
       </p:ext>
     </p:extLst>
   </p:cSld>
@@ -8221,6 +8199,194 @@
           <a:p>
             <a:r>
               <a:rPr lang="en-US" dirty="0"/>
+              <a:t>Methodology</a:t>
+            </a:r>
+          </a:p>
+        </p:txBody>
+      </p:sp>
+      <p:sp>
+        <p:nvSpPr>
+          <p:cNvPr id="14" name="Content Placeholder 13"/>
+          <p:cNvSpPr>
+            <a:spLocks noGrp="1"/>
+          </p:cNvSpPr>
+          <p:nvPr>
+            <p:ph idx="1"/>
+          </p:nvPr>
+        </p:nvSpPr>
+        <p:spPr/>
+        <p:txBody>
+          <a:bodyPr>
+            <a:normAutofit/>
+          </a:bodyPr>
+          <a:lstStyle/>
+          <a:p>
+            <a:r>
+              <a:rPr lang="en-US" dirty="0"/>
+              <a:t> Data gathering and processing:</a:t>
+            </a:r>
+          </a:p>
+          <a:p>
+            <a:pPr lvl="1"/>
+            <a:r>
+              <a:rPr lang="en-US" dirty="0"/>
+              <a:t>Data Scraping</a:t>
+            </a:r>
+          </a:p>
+          <a:p>
+            <a:pPr lvl="1"/>
+            <a:r>
+              <a:rPr lang="en-US" dirty="0"/>
+              <a:t>Data Cleaning</a:t>
+            </a:r>
+          </a:p>
+          <a:p>
+            <a:r>
+              <a:rPr lang="en-IN" dirty="0"/>
+              <a:t>Model Building</a:t>
+            </a:r>
+          </a:p>
+          <a:p>
+            <a:r>
+              <a:rPr lang="en-IN" dirty="0"/>
+              <a:t>Model Training</a:t>
+            </a:r>
+          </a:p>
+          <a:p>
+            <a:r>
+              <a:rPr lang="en-IN" dirty="0"/>
+              <a:t>Cost Optimization and tuning</a:t>
+            </a:r>
+          </a:p>
+          <a:p>
+            <a:r>
+              <a:rPr lang="en-IN" dirty="0"/>
+              <a:t>Performance Evaluation and Documentation</a:t>
+            </a:r>
+          </a:p>
+        </p:txBody>
+      </p:sp>
+      <p:sp>
+        <p:nvSpPr>
+          <p:cNvPr id="5" name="Footer Placeholder 4"/>
+          <p:cNvSpPr>
+            <a:spLocks noGrp="1"/>
+          </p:cNvSpPr>
+          <p:nvPr>
+            <p:ph type="ftr" sz="quarter" idx="11"/>
+          </p:nvPr>
+        </p:nvSpPr>
+        <p:spPr/>
+        <p:txBody>
+          <a:bodyPr/>
+          <a:lstStyle/>
+          <a:p>
+            <a:r>
+              <a:rPr lang="en-IN" sz="1200" dirty="0">
+                <a:cs typeface="Times New Roman" panose="02020603050405020304" pitchFamily="18" charset="0"/>
+              </a:rPr>
+              <a:t>Astronomical image colourisation and super-resolution using GANS</a:t>
+            </a:r>
+            <a:endParaRPr lang="en-IN" dirty="0"/>
+          </a:p>
+        </p:txBody>
+      </p:sp>
+      <p:pic>
+        <p:nvPicPr>
+          <p:cNvPr id="4" name="Picture 1"/>
+          <p:cNvPicPr>
+            <a:picLocks noChangeAspect="1" noChangeArrowheads="1"/>
+          </p:cNvPicPr>
+          <p:nvPr/>
+        </p:nvPicPr>
+        <p:blipFill>
+          <a:blip r:embed="rId2" cstate="print">
+            <a:extLst>
+              <a:ext uri="{28A0092B-C50C-407E-A947-70E740481C1C}">
+                <a14:useLocalDpi xmlns:a14="http://schemas.microsoft.com/office/drawing/2010/main" val="0"/>
+              </a:ext>
+            </a:extLst>
+          </a:blip>
+          <a:stretch>
+            <a:fillRect/>
+          </a:stretch>
+        </p:blipFill>
+        <p:spPr bwMode="auto">
+          <a:xfrm>
+            <a:off x="10919540" y="150750"/>
+            <a:ext cx="1233271" cy="1029803"/>
+          </a:xfrm>
+          <a:prstGeom prst="rect">
+            <a:avLst/>
+          </a:prstGeom>
+          <a:noFill/>
+          <a:ln w="9525">
+            <a:noFill/>
+            <a:miter lim="800000"/>
+            <a:headEnd/>
+            <a:tailEnd/>
+          </a:ln>
+        </p:spPr>
+      </p:pic>
+    </p:spTree>
+    <p:extLst>
+      <p:ext uri="{BB962C8B-B14F-4D97-AF65-F5344CB8AC3E}">
+        <p14:creationId xmlns:p14="http://schemas.microsoft.com/office/powerpoint/2010/main" val="261913967"/>
+      </p:ext>
+    </p:extLst>
+  </p:cSld>
+  <p:clrMapOvr>
+    <a:masterClrMapping/>
+  </p:clrMapOvr>
+  <mc:AlternateContent xmlns:mc="http://schemas.openxmlformats.org/markup-compatibility/2006" xmlns:p14="http://schemas.microsoft.com/office/powerpoint/2010/main">
+    <mc:Choice Requires="p14">
+      <p:transition spd="med" p14:dur="700">
+        <p:fade/>
+      </p:transition>
+    </mc:Choice>
+    <mc:Fallback xmlns="">
+      <p:transition spd="med">
+        <p:fade/>
+      </p:transition>
+    </mc:Fallback>
+  </mc:AlternateContent>
+</p:sld>
+</file>
+
+<file path=ppt/slides/slide21.xml><?xml version="1.0" encoding="utf-8"?>
+<p:sld xmlns:a="http://schemas.openxmlformats.org/drawingml/2006/main" xmlns:r="http://schemas.openxmlformats.org/officeDocument/2006/relationships" xmlns:p="http://schemas.openxmlformats.org/presentationml/2006/main">
+  <p:cSld>
+    <p:spTree>
+      <p:nvGrpSpPr>
+        <p:cNvPr id="1" name=""/>
+        <p:cNvGrpSpPr/>
+        <p:nvPr/>
+      </p:nvGrpSpPr>
+      <p:grpSpPr>
+        <a:xfrm>
+          <a:off x="0" y="0"/>
+          <a:ext cx="0" cy="0"/>
+          <a:chOff x="0" y="0"/>
+          <a:chExt cx="0" cy="0"/>
+        </a:xfrm>
+      </p:grpSpPr>
+      <p:sp>
+        <p:nvSpPr>
+          <p:cNvPr id="13" name="Title 12"/>
+          <p:cNvSpPr>
+            <a:spLocks noGrp="1"/>
+          </p:cNvSpPr>
+          <p:nvPr>
+            <p:ph type="title"/>
+          </p:nvPr>
+        </p:nvSpPr>
+        <p:spPr/>
+        <p:txBody>
+          <a:bodyPr/>
+          <a:lstStyle/>
+          <a:p>
+            <a:r>
+              <a:rPr lang="en-US" dirty="0"/>
               <a:t>Image Colorization</a:t>
             </a:r>
           </a:p>
@@ -8358,7 +8524,7 @@
 </p:sld>
 </file>
 
-<file path=ppt/slides/slide21.xml><?xml version="1.0" encoding="utf-8"?>
+<file path=ppt/slides/slide22.xml><?xml version="1.0" encoding="utf-8"?>
 <p:sld xmlns:a="http://schemas.openxmlformats.org/drawingml/2006/main" xmlns:r="http://schemas.openxmlformats.org/officeDocument/2006/relationships" xmlns:p="http://schemas.openxmlformats.org/presentationml/2006/main">
   <p:cSld>
     <p:spTree>
@@ -8511,7 +8677,7 @@
 </p:sld>
 </file>
 
-<file path=ppt/slides/slide22.xml><?xml version="1.0" encoding="utf-8"?>
+<file path=ppt/slides/slide23.xml><?xml version="1.0" encoding="utf-8"?>
 <p:sld xmlns:a="http://schemas.openxmlformats.org/drawingml/2006/main" xmlns:r="http://schemas.openxmlformats.org/officeDocument/2006/relationships" xmlns:p="http://schemas.openxmlformats.org/presentationml/2006/main">
   <p:cSld>
     <p:spTree>
@@ -8674,7 +8840,7 @@
 </p:sld>
 </file>
 
-<file path=ppt/slides/slide23.xml><?xml version="1.0" encoding="utf-8"?>
+<file path=ppt/slides/slide24.xml><?xml version="1.0" encoding="utf-8"?>
 <p:sld xmlns:a="http://schemas.openxmlformats.org/drawingml/2006/main" xmlns:r="http://schemas.openxmlformats.org/officeDocument/2006/relationships" xmlns:p="http://schemas.openxmlformats.org/presentationml/2006/main">
   <p:cSld>
     <p:spTree>
@@ -9122,7 +9288,7 @@
 </p:sld>
 </file>
 
-<file path=ppt/slides/slide24.xml><?xml version="1.0" encoding="utf-8"?>
+<file path=ppt/slides/slide25.xml><?xml version="1.0" encoding="utf-8"?>
 <p:sld xmlns:a="http://schemas.openxmlformats.org/drawingml/2006/main" xmlns:r="http://schemas.openxmlformats.org/officeDocument/2006/relationships" xmlns:p="http://schemas.openxmlformats.org/presentationml/2006/main">
   <p:cSld>
     <p:spTree>
@@ -9521,175 +9687,6 @@
 </p:sld>
 </file>
 
-<file path=ppt/slides/slide25.xml><?xml version="1.0" encoding="utf-8"?>
-<p:sld xmlns:a="http://schemas.openxmlformats.org/drawingml/2006/main" xmlns:r="http://schemas.openxmlformats.org/officeDocument/2006/relationships" xmlns:p="http://schemas.openxmlformats.org/presentationml/2006/main">
-  <p:cSld>
-    <p:spTree>
-      <p:nvGrpSpPr>
-        <p:cNvPr id="1" name=""/>
-        <p:cNvGrpSpPr/>
-        <p:nvPr/>
-      </p:nvGrpSpPr>
-      <p:grpSpPr>
-        <a:xfrm>
-          <a:off x="0" y="0"/>
-          <a:ext cx="0" cy="0"/>
-          <a:chOff x="0" y="0"/>
-          <a:chExt cx="0" cy="0"/>
-        </a:xfrm>
-      </p:grpSpPr>
-      <p:sp>
-        <p:nvSpPr>
-          <p:cNvPr id="2" name="Title 1">
-            <a:extLst>
-              <a:ext uri="{FF2B5EF4-FFF2-40B4-BE49-F238E27FC236}">
-                <a16:creationId xmlns:a16="http://schemas.microsoft.com/office/drawing/2014/main" id="{59CD8984-BC59-4734-B887-307E297C13F3}"/>
-              </a:ext>
-            </a:extLst>
-          </p:cNvPr>
-          <p:cNvSpPr>
-            <a:spLocks noGrp="1"/>
-          </p:cNvSpPr>
-          <p:nvPr>
-            <p:ph type="title"/>
-          </p:nvPr>
-        </p:nvSpPr>
-        <p:spPr/>
-        <p:txBody>
-          <a:bodyPr/>
-          <a:lstStyle/>
-          <a:p>
-            <a:r>
-              <a:rPr lang="en-US" dirty="0"/>
-              <a:t>Experimental Setup	</a:t>
-            </a:r>
-          </a:p>
-        </p:txBody>
-      </p:sp>
-      <p:sp>
-        <p:nvSpPr>
-          <p:cNvPr id="3" name="Content Placeholder 2">
-            <a:extLst>
-              <a:ext uri="{FF2B5EF4-FFF2-40B4-BE49-F238E27FC236}">
-                <a16:creationId xmlns:a16="http://schemas.microsoft.com/office/drawing/2014/main" id="{773222F5-2607-436A-B88E-0AC87CEC05E6}"/>
-              </a:ext>
-            </a:extLst>
-          </p:cNvPr>
-          <p:cNvSpPr>
-            <a:spLocks noGrp="1"/>
-          </p:cNvSpPr>
-          <p:nvPr>
-            <p:ph idx="1"/>
-          </p:nvPr>
-        </p:nvSpPr>
-        <p:spPr/>
-        <p:txBody>
-          <a:bodyPr/>
-          <a:lstStyle/>
-          <a:p>
-            <a:r>
-              <a:rPr lang="en-US" dirty="0"/>
-              <a:t>We aim to implement the neural network models in </a:t>
-            </a:r>
-            <a:r>
-              <a:rPr lang="en-US" dirty="0" err="1"/>
-              <a:t>Tensorflow</a:t>
-            </a:r>
-            <a:r>
-              <a:rPr lang="en-US" dirty="0"/>
-              <a:t> using </a:t>
-            </a:r>
-            <a:r>
-              <a:rPr lang="en-US" dirty="0" err="1"/>
-              <a:t>Jupyter</a:t>
-            </a:r>
-            <a:r>
-              <a:rPr lang="en-US" dirty="0"/>
-              <a:t> Notebook and python</a:t>
-            </a:r>
-          </a:p>
-          <a:p>
-            <a:r>
-              <a:rPr lang="en-US" dirty="0"/>
-              <a:t>As deep learning models require huge computational power for training, we plan to use Google </a:t>
-            </a:r>
-            <a:r>
-              <a:rPr lang="en-US" dirty="0" err="1"/>
-              <a:t>Colab</a:t>
-            </a:r>
-            <a:r>
-              <a:rPr lang="en-US" dirty="0"/>
-              <a:t> which provides a Tesla K80 GPU with memory ranging between 8GB to 16GB</a:t>
-            </a:r>
-          </a:p>
-          <a:p>
-            <a:r>
-              <a:rPr lang="en-US" dirty="0"/>
-              <a:t>The dataset has been scraped off the Hubble Heritage project and Hubble Legacy Archive</a:t>
-            </a:r>
-          </a:p>
-          <a:p>
-            <a:r>
-              <a:rPr lang="en-US" dirty="0"/>
-              <a:t>The processing on the dataset will be done using OpenCV and other image libraries in python and will be fed into the network</a:t>
-            </a:r>
-          </a:p>
-        </p:txBody>
-      </p:sp>
-      <p:sp>
-        <p:nvSpPr>
-          <p:cNvPr id="4" name="Footer Placeholder 3">
-            <a:extLst>
-              <a:ext uri="{FF2B5EF4-FFF2-40B4-BE49-F238E27FC236}">
-                <a16:creationId xmlns:a16="http://schemas.microsoft.com/office/drawing/2014/main" id="{4DD67FAB-2132-4737-A37B-527D9DF651D1}"/>
-              </a:ext>
-            </a:extLst>
-          </p:cNvPr>
-          <p:cNvSpPr>
-            <a:spLocks noGrp="1"/>
-          </p:cNvSpPr>
-          <p:nvPr>
-            <p:ph type="ftr" sz="quarter" idx="11"/>
-          </p:nvPr>
-        </p:nvSpPr>
-        <p:spPr/>
-        <p:txBody>
-          <a:bodyPr/>
-          <a:lstStyle/>
-          <a:p>
-            <a:r>
-              <a:rPr lang="en-US"/>
-              <a:t>Astronomical image colourisation and super-resolution using GANS</a:t>
-            </a:r>
-            <a:endParaRPr lang="en-IN" dirty="0"/>
-          </a:p>
-        </p:txBody>
-      </p:sp>
-    </p:spTree>
-    <p:extLst>
-      <p:ext uri="{BB962C8B-B14F-4D97-AF65-F5344CB8AC3E}">
-        <p14:creationId xmlns:p14="http://schemas.microsoft.com/office/powerpoint/2010/main" val="259787384"/>
-      </p:ext>
-    </p:extLst>
-  </p:cSld>
-  <p:clrMapOvr>
-    <a:masterClrMapping/>
-  </p:clrMapOvr>
-  <mc:AlternateContent xmlns:mc="http://schemas.openxmlformats.org/markup-compatibility/2006" xmlns:p14="http://schemas.microsoft.com/office/powerpoint/2010/main">
-    <mc:Choice Requires="p14">
-      <p:transition spd="med" p14:dur="700">
-        <p:fade/>
-      </p:transition>
-    </mc:Choice>
-    <mc:Fallback xmlns="">
-      <p:transition spd="med">
-        <p:fade/>
-      </p:transition>
-    </mc:Fallback>
-  </mc:AlternateContent>
-</p:sld>
-</file>
-
 <file path=ppt/slides/slide26.xml><?xml version="1.0" encoding="utf-8"?>
 <p:sld xmlns:a="http://schemas.openxmlformats.org/drawingml/2006/main" xmlns:r="http://schemas.openxmlformats.org/officeDocument/2006/relationships" xmlns:p="http://schemas.openxmlformats.org/presentationml/2006/main">
   <p:cSld>
@@ -9712,7 +9709,7 @@
           <p:cNvPr id="2" name="Title 1">
             <a:extLst>
               <a:ext uri="{FF2B5EF4-FFF2-40B4-BE49-F238E27FC236}">
-                <a16:creationId xmlns:a16="http://schemas.microsoft.com/office/drawing/2014/main" id="{20F02093-8C65-4A66-9FF3-86977B5BB43C}"/>
+                <a16:creationId xmlns:a16="http://schemas.microsoft.com/office/drawing/2014/main" id="{59CD8984-BC59-4734-B887-307E297C13F3}"/>
               </a:ext>
             </a:extLst>
           </p:cNvPr>
@@ -9730,7 +9727,7 @@
           <a:p>
             <a:r>
               <a:rPr lang="en-US" dirty="0"/>
-              <a:t>Performance Parameters</a:t>
+              <a:t>Experimental Setup	</a:t>
             </a:r>
           </a:p>
         </p:txBody>
@@ -9740,7 +9737,7 @@
           <p:cNvPr id="3" name="Content Placeholder 2">
             <a:extLst>
               <a:ext uri="{FF2B5EF4-FFF2-40B4-BE49-F238E27FC236}">
-                <a16:creationId xmlns:a16="http://schemas.microsoft.com/office/drawing/2014/main" id="{570F2C5F-8D2D-4704-A718-EAD3E1D10EC6}"/>
+                <a16:creationId xmlns:a16="http://schemas.microsoft.com/office/drawing/2014/main" id="{773222F5-2607-436A-B88E-0AC87CEC05E6}"/>
               </a:ext>
             </a:extLst>
           </p:cNvPr>
@@ -9758,19 +9755,49 @@
           <a:p>
             <a:r>
               <a:rPr lang="en-US" dirty="0"/>
-              <a:t>To evaluate the performance of the coloring model quantitatively, we propose averaging the L1 and L2 distance (per pixel-channel) between the generated images and the ground truth images</a:t>
-            </a:r>
-          </a:p>
-          <a:p>
+              <a:t>We aim to implement the neural network models in </a:t>
+            </a:r>
+            <a:r>
+              <a:rPr lang="en-US" dirty="0" err="1"/>
+              <a:t>Tensorflow</a:t>
+            </a:r>
             <a:r>
               <a:rPr lang="en-US" dirty="0"/>
-              <a:t>Another evaluation method is to calculate the Perceptual loss. It is critical for the performance of the Generator network</a:t>
-            </a:r>
-          </a:p>
-          <a:p>
+              <a:t> using </a:t>
+            </a:r>
+            <a:r>
+              <a:rPr lang="en-US" dirty="0" err="1"/>
+              <a:t>Jupyter</a:t>
+            </a:r>
             <a:r>
               <a:rPr lang="en-US" dirty="0"/>
-              <a:t>The perceptual loss is defined as the weighted sum of the content loss and the adversarial loss component</a:t>
+              <a:t> Notebook and python</a:t>
+            </a:r>
+          </a:p>
+          <a:p>
+            <a:r>
+              <a:rPr lang="en-US" dirty="0"/>
+              <a:t>As deep learning models require huge computational power for training, we plan to use Google </a:t>
+            </a:r>
+            <a:r>
+              <a:rPr lang="en-US" dirty="0" err="1"/>
+              <a:t>Colab</a:t>
+            </a:r>
+            <a:r>
+              <a:rPr lang="en-US" dirty="0"/>
+              <a:t> which provides a Tesla K80 GPU with memory ranging between 8GB to 16GB</a:t>
+            </a:r>
+          </a:p>
+          <a:p>
+            <a:r>
+              <a:rPr lang="en-US" dirty="0"/>
+              <a:t>The dataset has been scraped off the Hubble Heritage project and Hubble Legacy Archive</a:t>
+            </a:r>
+          </a:p>
+          <a:p>
+            <a:r>
+              <a:rPr lang="en-US" dirty="0"/>
+              <a:t>The processing on the dataset will be done using OpenCV and other image libraries in python and will be fed into the network</a:t>
             </a:r>
           </a:p>
         </p:txBody>
@@ -9780,7 +9807,7 @@
           <p:cNvPr id="4" name="Footer Placeholder 3">
             <a:extLst>
               <a:ext uri="{FF2B5EF4-FFF2-40B4-BE49-F238E27FC236}">
-                <a16:creationId xmlns:a16="http://schemas.microsoft.com/office/drawing/2014/main" id="{F904A597-6303-4E45-9BE2-1E834050B6DF}"/>
+                <a16:creationId xmlns:a16="http://schemas.microsoft.com/office/drawing/2014/main" id="{4DD67FAB-2132-4737-A37B-527D9DF651D1}"/>
               </a:ext>
             </a:extLst>
           </p:cNvPr>
@@ -9800,14 +9827,14 @@
               <a:rPr lang="en-US"/>
               <a:t>Astronomical image colourisation and super-resolution using GANS</a:t>
             </a:r>
-            <a:endParaRPr lang="en-IN"/>
+            <a:endParaRPr lang="en-IN" dirty="0"/>
           </a:p>
         </p:txBody>
       </p:sp>
     </p:spTree>
     <p:extLst>
       <p:ext uri="{BB962C8B-B14F-4D97-AF65-F5344CB8AC3E}">
-        <p14:creationId xmlns:p14="http://schemas.microsoft.com/office/powerpoint/2010/main" val="4289081568"/>
+        <p14:creationId xmlns:p14="http://schemas.microsoft.com/office/powerpoint/2010/main" val="259787384"/>
       </p:ext>
     </p:extLst>
   </p:cSld>
@@ -9851,7 +9878,7 @@
           <p:cNvPr id="2" name="Title 1">
             <a:extLst>
               <a:ext uri="{FF2B5EF4-FFF2-40B4-BE49-F238E27FC236}">
-                <a16:creationId xmlns:a16="http://schemas.microsoft.com/office/drawing/2014/main" id="{515C154E-1383-4623-8BD9-DC1CE79CA7B7}"/>
+                <a16:creationId xmlns:a16="http://schemas.microsoft.com/office/drawing/2014/main" id="{20F02093-8C65-4A66-9FF3-86977B5BB43C}"/>
               </a:ext>
             </a:extLst>
           </p:cNvPr>
@@ -9869,7 +9896,7 @@
           <a:p>
             <a:r>
               <a:rPr lang="en-US" dirty="0"/>
-              <a:t>Efficiency Issues</a:t>
+              <a:t>Performance Parameters</a:t>
             </a:r>
           </a:p>
         </p:txBody>
@@ -9879,7 +9906,7 @@
           <p:cNvPr id="3" name="Content Placeholder 2">
             <a:extLst>
               <a:ext uri="{FF2B5EF4-FFF2-40B4-BE49-F238E27FC236}">
-                <a16:creationId xmlns:a16="http://schemas.microsoft.com/office/drawing/2014/main" id="{4AF4CFE7-2266-41A1-B6EF-966C6526A2AF}"/>
+                <a16:creationId xmlns:a16="http://schemas.microsoft.com/office/drawing/2014/main" id="{570F2C5F-8D2D-4704-A718-EAD3E1D10EC6}"/>
               </a:ext>
             </a:extLst>
           </p:cNvPr>
@@ -9897,37 +9924,19 @@
           <a:p>
             <a:r>
               <a:rPr lang="en-US" dirty="0"/>
-              <a:t>The data gathered had to be scraped off websites such as the Hubble Legacy archive and Hubble main website</a:t>
+              <a:t>To evaluate the performance of the coloring model quantitatively, we propose averaging the L1 and L2 distance (per pixel-channel) between the generated images and the ground truth images</a:t>
             </a:r>
           </a:p>
           <a:p>
             <a:r>
               <a:rPr lang="en-US" dirty="0"/>
-              <a:t>This yielded in more images than were useful. So we focused on a particular section of the sky where we could get the images of galaxy M101</a:t>
+              <a:t>Another evaluation method is to calculate the Perceptual loss. It is critical for the performance of the Generator network</a:t>
             </a:r>
           </a:p>
           <a:p>
             <a:r>
               <a:rPr lang="en-US" dirty="0"/>
-              <a:t>This still yielded in about 400,000 images which had to be manually filtered</a:t>
-            </a:r>
-          </a:p>
-          <a:p>
-            <a:r>
-              <a:rPr lang="en-US" dirty="0"/>
-              <a:t>Even with all the images available, the network training will require huge computational resources to perform efficiently</a:t>
-            </a:r>
-          </a:p>
-          <a:p>
-            <a:r>
-              <a:rPr lang="en-US" dirty="0"/>
-              <a:t>The network parameters exceed the available training data and will require augmentation to avoid overfitting </a:t>
-            </a:r>
-          </a:p>
-          <a:p>
-            <a:r>
-              <a:rPr lang="en-US" dirty="0"/>
-              <a:t>A quantitative evaluation of a GAN is considerably difficult even with the availability of the ground truth images</a:t>
+              <a:t>The perceptual loss is defined as the weighted sum of the content loss and the adversarial loss component</a:t>
             </a:r>
           </a:p>
         </p:txBody>
@@ -9937,7 +9946,7 @@
           <p:cNvPr id="4" name="Footer Placeholder 3">
             <a:extLst>
               <a:ext uri="{FF2B5EF4-FFF2-40B4-BE49-F238E27FC236}">
-                <a16:creationId xmlns:a16="http://schemas.microsoft.com/office/drawing/2014/main" id="{479926B9-6778-4DA9-BCBA-AC30CF378207}"/>
+                <a16:creationId xmlns:a16="http://schemas.microsoft.com/office/drawing/2014/main" id="{F904A597-6303-4E45-9BE2-1E834050B6DF}"/>
               </a:ext>
             </a:extLst>
           </p:cNvPr>
@@ -9964,7 +9973,7 @@
     </p:spTree>
     <p:extLst>
       <p:ext uri="{BB962C8B-B14F-4D97-AF65-F5344CB8AC3E}">
-        <p14:creationId xmlns:p14="http://schemas.microsoft.com/office/powerpoint/2010/main" val="1342927445"/>
+        <p14:creationId xmlns:p14="http://schemas.microsoft.com/office/powerpoint/2010/main" val="4289081568"/>
       </p:ext>
     </p:extLst>
   </p:cSld>
@@ -10008,7 +10017,7 @@
           <p:cNvPr id="2" name="Title 1">
             <a:extLst>
               <a:ext uri="{FF2B5EF4-FFF2-40B4-BE49-F238E27FC236}">
-                <a16:creationId xmlns:a16="http://schemas.microsoft.com/office/drawing/2014/main" id="{1B088865-DEAE-4612-97AF-B61F6AF552E8}"/>
+                <a16:creationId xmlns:a16="http://schemas.microsoft.com/office/drawing/2014/main" id="{515C154E-1383-4623-8BD9-DC1CE79CA7B7}"/>
               </a:ext>
             </a:extLst>
           </p:cNvPr>
@@ -10026,7 +10035,7 @@
           <a:p>
             <a:r>
               <a:rPr lang="en-US" dirty="0"/>
-              <a:t>References</a:t>
+              <a:t>Efficiency Issues</a:t>
             </a:r>
           </a:p>
         </p:txBody>
@@ -10036,7 +10045,7 @@
           <p:cNvPr id="3" name="Content Placeholder 2">
             <a:extLst>
               <a:ext uri="{FF2B5EF4-FFF2-40B4-BE49-F238E27FC236}">
-                <a16:creationId xmlns:a16="http://schemas.microsoft.com/office/drawing/2014/main" id="{EA8DEEA1-8858-40B0-9169-F753007ABA02}"/>
+                <a16:creationId xmlns:a16="http://schemas.microsoft.com/office/drawing/2014/main" id="{4AF4CFE7-2266-41A1-B6EF-966C6526A2AF}"/>
               </a:ext>
             </a:extLst>
           </p:cNvPr>
@@ -10049,291 +10058,42 @@
         </p:nvSpPr>
         <p:spPr/>
         <p:txBody>
-          <a:bodyPr>
-            <a:normAutofit/>
-          </a:bodyPr>
+          <a:bodyPr/>
           <a:lstStyle/>
           <a:p>
             <a:r>
-              <a:rPr lang="en-US" sz="1400" b="0" i="0" u="none" strike="noStrike" baseline="0" dirty="0">
-                <a:latin typeface="Times New Roman" panose="02020603050405020304" pitchFamily="18" charset="0"/>
-                <a:cs typeface="Times New Roman" panose="02020603050405020304" pitchFamily="18" charset="0"/>
-              </a:rPr>
-              <a:t>Cheng, Z., Yang, Q. and Sheng, B. (2016). Deep colorization.</a:t>
-            </a:r>
-          </a:p>
-          <a:p>
-            <a:r>
-              <a:rPr lang="en-US" sz="1400" b="0" i="0" u="none" strike="noStrike" baseline="0" dirty="0">
-                <a:latin typeface="Times New Roman" panose="02020603050405020304" pitchFamily="18" charset="0"/>
-                <a:cs typeface="Times New Roman" panose="02020603050405020304" pitchFamily="18" charset="0"/>
-              </a:rPr>
-              <a:t>Dahl, R. (2016). Automatic colorization.</a:t>
-            </a:r>
-            <a:endParaRPr lang="en-US" sz="1400" dirty="0">
-              <a:latin typeface="Times New Roman" panose="02020603050405020304" pitchFamily="18" charset="0"/>
-              <a:cs typeface="Times New Roman" panose="02020603050405020304" pitchFamily="18" charset="0"/>
-            </a:endParaRPr>
-          </a:p>
-          <a:p>
-            <a:pPr algn="l"/>
-            <a:r>
-              <a:rPr lang="en-US" sz="1400" b="0" i="0" u="none" strike="noStrike" baseline="0" dirty="0">
-                <a:latin typeface="Times New Roman" panose="02020603050405020304" pitchFamily="18" charset="0"/>
-                <a:cs typeface="Times New Roman" panose="02020603050405020304" pitchFamily="18" charset="0"/>
-              </a:rPr>
-              <a:t>Dong, C., Loy, C. C., He, K. and Tang, X. (2014). Learning a deep convolutional network for image super-resolution, </a:t>
-            </a:r>
-            <a:r>
-              <a:rPr lang="en-US" sz="1400" b="0" i="1" u="none" strike="noStrike" baseline="0" dirty="0">
-                <a:latin typeface="Times New Roman" panose="02020603050405020304" pitchFamily="18" charset="0"/>
-                <a:cs typeface="Times New Roman" panose="02020603050405020304" pitchFamily="18" charset="0"/>
-              </a:rPr>
-              <a:t>in</a:t>
-            </a:r>
-            <a:r>
-              <a:rPr lang="en-US" sz="1400" b="0" i="0" u="none" strike="noStrike" baseline="0" dirty="0">
-                <a:latin typeface="Times New Roman" panose="02020603050405020304" pitchFamily="18" charset="0"/>
-                <a:cs typeface="Times New Roman" panose="02020603050405020304" pitchFamily="18" charset="0"/>
-              </a:rPr>
-              <a:t> D. Fleet, T. 	</a:t>
-            </a:r>
-            <a:r>
-              <a:rPr lang="en-US" sz="1400" b="0" i="0" u="none" strike="noStrike" baseline="0" dirty="0" err="1">
-                <a:latin typeface="Times New Roman" panose="02020603050405020304" pitchFamily="18" charset="0"/>
-                <a:cs typeface="Times New Roman" panose="02020603050405020304" pitchFamily="18" charset="0"/>
-              </a:rPr>
-              <a:t>Pajdla</a:t>
-            </a:r>
-            <a:r>
-              <a:rPr lang="en-US" sz="1400" b="0" i="0" u="none" strike="noStrike" baseline="0" dirty="0">
-                <a:latin typeface="Times New Roman" panose="02020603050405020304" pitchFamily="18" charset="0"/>
-                <a:cs typeface="Times New Roman" panose="02020603050405020304" pitchFamily="18" charset="0"/>
-              </a:rPr>
-              <a:t>, B. Schiele and T. </a:t>
-            </a:r>
-            <a:r>
-              <a:rPr lang="en-US" sz="1400" b="0" i="0" u="none" strike="noStrike" baseline="0" dirty="0" err="1">
-                <a:latin typeface="Times New Roman" panose="02020603050405020304" pitchFamily="18" charset="0"/>
-                <a:cs typeface="Times New Roman" panose="02020603050405020304" pitchFamily="18" charset="0"/>
-              </a:rPr>
-              <a:t>Tuytelaars</a:t>
-            </a:r>
-            <a:r>
-              <a:rPr lang="en-US" sz="1400" dirty="0">
-                <a:latin typeface="Times New Roman" panose="02020603050405020304" pitchFamily="18" charset="0"/>
-                <a:cs typeface="Times New Roman" panose="02020603050405020304" pitchFamily="18" charset="0"/>
-              </a:rPr>
-              <a:t> </a:t>
-            </a:r>
-            <a:r>
-              <a:rPr lang="en-US" sz="1400" b="0" i="0" u="none" strike="noStrike" baseline="0" dirty="0">
-                <a:latin typeface="Times New Roman" panose="02020603050405020304" pitchFamily="18" charset="0"/>
-                <a:cs typeface="Times New Roman" panose="02020603050405020304" pitchFamily="18" charset="0"/>
-              </a:rPr>
-              <a:t>(eds), </a:t>
-            </a:r>
-            <a:r>
-              <a:rPr lang="en-US" sz="1400" b="0" i="1" u="none" strike="noStrike" baseline="0" dirty="0">
-                <a:latin typeface="Times New Roman" panose="02020603050405020304" pitchFamily="18" charset="0"/>
-                <a:cs typeface="Times New Roman" panose="02020603050405020304" pitchFamily="18" charset="0"/>
-              </a:rPr>
-              <a:t>Computer Vision – ECCV 2014</a:t>
-            </a:r>
-            <a:r>
-              <a:rPr lang="en-US" sz="1400" b="0" i="0" u="none" strike="noStrike" baseline="0" dirty="0">
-                <a:latin typeface="Times New Roman" panose="02020603050405020304" pitchFamily="18" charset="0"/>
-                <a:cs typeface="Times New Roman" panose="02020603050405020304" pitchFamily="18" charset="0"/>
-              </a:rPr>
-              <a:t>, Springer International Publishing, </a:t>
-            </a:r>
-          </a:p>
-          <a:p>
-            <a:pPr marL="457200" lvl="1" indent="0">
-              <a:buNone/>
-            </a:pPr>
-            <a:r>
-              <a:rPr lang="en-US" sz="1400" dirty="0">
-                <a:latin typeface="Times New Roman" panose="02020603050405020304" pitchFamily="18" charset="0"/>
-                <a:cs typeface="Times New Roman" panose="02020603050405020304" pitchFamily="18" charset="0"/>
-              </a:rPr>
-              <a:t>	</a:t>
-            </a:r>
-            <a:r>
-              <a:rPr lang="en-US" sz="1400" b="0" i="0" u="none" strike="noStrike" baseline="0" dirty="0">
-                <a:latin typeface="Times New Roman" panose="02020603050405020304" pitchFamily="18" charset="0"/>
-                <a:cs typeface="Times New Roman" panose="02020603050405020304" pitchFamily="18" charset="0"/>
-              </a:rPr>
-              <a:t>Cham, pp. 184-199.</a:t>
-            </a:r>
-          </a:p>
-          <a:p>
-            <a:pPr algn="l"/>
-            <a:r>
-              <a:rPr lang="en-US" sz="1400" b="0" i="0" u="none" strike="noStrike" baseline="0" dirty="0">
-                <a:latin typeface="Times New Roman" panose="02020603050405020304" pitchFamily="18" charset="0"/>
-                <a:cs typeface="Times New Roman" panose="02020603050405020304" pitchFamily="18" charset="0"/>
-              </a:rPr>
-              <a:t>Goodfellow, I. J., </a:t>
-            </a:r>
-            <a:r>
-              <a:rPr lang="en-US" sz="1400" b="0" i="0" u="none" strike="noStrike" baseline="0" dirty="0" err="1">
-                <a:latin typeface="Times New Roman" panose="02020603050405020304" pitchFamily="18" charset="0"/>
-                <a:cs typeface="Times New Roman" panose="02020603050405020304" pitchFamily="18" charset="0"/>
-              </a:rPr>
-              <a:t>Pouget</a:t>
-            </a:r>
-            <a:r>
-              <a:rPr lang="en-US" sz="1400" b="0" i="0" u="none" strike="noStrike" baseline="0" dirty="0">
-                <a:latin typeface="Times New Roman" panose="02020603050405020304" pitchFamily="18" charset="0"/>
-                <a:cs typeface="Times New Roman" panose="02020603050405020304" pitchFamily="18" charset="0"/>
-              </a:rPr>
-              <a:t>-Abadie, J., Mirza, M., Xu, B., </a:t>
-            </a:r>
-            <a:r>
-              <a:rPr lang="en-US" sz="1400" b="0" i="0" u="none" strike="noStrike" baseline="0" dirty="0" err="1">
-                <a:latin typeface="Times New Roman" panose="02020603050405020304" pitchFamily="18" charset="0"/>
-                <a:cs typeface="Times New Roman" panose="02020603050405020304" pitchFamily="18" charset="0"/>
-              </a:rPr>
-              <a:t>Warde</a:t>
-            </a:r>
-            <a:r>
-              <a:rPr lang="en-US" sz="1400" b="0" i="0" u="none" strike="noStrike" baseline="0" dirty="0">
-                <a:latin typeface="Times New Roman" panose="02020603050405020304" pitchFamily="18" charset="0"/>
-                <a:cs typeface="Times New Roman" panose="02020603050405020304" pitchFamily="18" charset="0"/>
-              </a:rPr>
-              <a:t>-Farley, D., </a:t>
-            </a:r>
-            <a:r>
-              <a:rPr lang="en-US" sz="1400" b="0" i="0" u="none" strike="noStrike" baseline="0" dirty="0" err="1">
-                <a:latin typeface="Times New Roman" panose="02020603050405020304" pitchFamily="18" charset="0"/>
-                <a:cs typeface="Times New Roman" panose="02020603050405020304" pitchFamily="18" charset="0"/>
-              </a:rPr>
-              <a:t>Ozair</a:t>
-            </a:r>
-            <a:r>
-              <a:rPr lang="en-US" sz="1400" b="0" i="0" u="none" strike="noStrike" baseline="0" dirty="0">
-                <a:latin typeface="Times New Roman" panose="02020603050405020304" pitchFamily="18" charset="0"/>
-                <a:cs typeface="Times New Roman" panose="02020603050405020304" pitchFamily="18" charset="0"/>
-              </a:rPr>
-              <a:t>, S., Courville, A. and  </a:t>
-            </a:r>
-            <a:r>
-              <a:rPr lang="en-US" sz="1400" b="0" i="0" u="none" strike="noStrike" baseline="0" dirty="0" err="1">
-                <a:latin typeface="Times New Roman" panose="02020603050405020304" pitchFamily="18" charset="0"/>
-                <a:cs typeface="Times New Roman" panose="02020603050405020304" pitchFamily="18" charset="0"/>
-              </a:rPr>
-              <a:t>Bengio</a:t>
-            </a:r>
-            <a:r>
-              <a:rPr lang="en-US" sz="1400" b="0" i="0" u="none" strike="noStrike" baseline="0" dirty="0">
-                <a:latin typeface="Times New Roman" panose="02020603050405020304" pitchFamily="18" charset="0"/>
-                <a:cs typeface="Times New Roman" panose="02020603050405020304" pitchFamily="18" charset="0"/>
-              </a:rPr>
-              <a:t>, Y. (2014). </a:t>
-            </a:r>
-            <a:endParaRPr lang="en-US" sz="1400" dirty="0">
-              <a:latin typeface="Times New Roman" panose="02020603050405020304" pitchFamily="18" charset="0"/>
-              <a:cs typeface="Times New Roman" panose="02020603050405020304" pitchFamily="18" charset="0"/>
-            </a:endParaRPr>
-          </a:p>
-          <a:p>
-            <a:pPr marL="457200" lvl="1" indent="0">
-              <a:buNone/>
-            </a:pPr>
-            <a:r>
-              <a:rPr lang="en-US" sz="1400" b="0" i="0" u="none" strike="noStrike" baseline="0" dirty="0">
-                <a:latin typeface="Times New Roman" panose="02020603050405020304" pitchFamily="18" charset="0"/>
-                <a:cs typeface="Times New Roman" panose="02020603050405020304" pitchFamily="18" charset="0"/>
-              </a:rPr>
-              <a:t>	Generative adversarial networks.</a:t>
-            </a:r>
-          </a:p>
-          <a:p>
-            <a:pPr algn="l"/>
-            <a:r>
-              <a:rPr lang="en-US" sz="1400" b="0" i="0" u="none" strike="noStrike" baseline="0" dirty="0">
-                <a:latin typeface="Times New Roman" panose="02020603050405020304" pitchFamily="18" charset="0"/>
-                <a:cs typeface="Times New Roman" panose="02020603050405020304" pitchFamily="18" charset="0"/>
-              </a:rPr>
-              <a:t>He, K., Zhang, X., Ren, S. and Sun, J. (2015). Deep residual learning for image recognition.</a:t>
-            </a:r>
-          </a:p>
-          <a:p>
-            <a:pPr algn="l"/>
-            <a:r>
-              <a:rPr lang="de-DE" sz="1400" b="0" i="0" u="none" strike="noStrike" baseline="0" dirty="0">
-                <a:latin typeface="Times New Roman" panose="02020603050405020304" pitchFamily="18" charset="0"/>
-                <a:cs typeface="Times New Roman" panose="02020603050405020304" pitchFamily="18" charset="0"/>
-              </a:rPr>
-              <a:t>Huang, Y.-C., Tung, Y.-S., Chen, J.-C., Wang, S.-W. and Wu, J.-L. (2005). An </a:t>
-            </a:r>
-            <a:r>
-              <a:rPr lang="en-US" sz="1400" b="0" i="0" u="none" strike="noStrike" baseline="0" dirty="0">
-                <a:latin typeface="Times New Roman" panose="02020603050405020304" pitchFamily="18" charset="0"/>
-                <a:cs typeface="Times New Roman" panose="02020603050405020304" pitchFamily="18" charset="0"/>
-              </a:rPr>
-              <a:t>adaptive edge detection based colorization algorithm and 	its applications, pp. 351–354.</a:t>
-            </a:r>
-          </a:p>
-          <a:p>
-            <a:pPr algn="l"/>
-            <a:r>
-              <a:rPr lang="en-US" sz="1400" b="0" i="0" u="none" strike="noStrike" baseline="0" dirty="0">
-                <a:latin typeface="Times New Roman" panose="02020603050405020304" pitchFamily="18" charset="0"/>
-                <a:cs typeface="Times New Roman" panose="02020603050405020304" pitchFamily="18" charset="0"/>
-              </a:rPr>
-              <a:t>Isola, P., Zhu, J.-Y., Zhou, T. and </a:t>
-            </a:r>
-            <a:r>
-              <a:rPr lang="en-US" sz="1400" b="0" i="0" u="none" strike="noStrike" baseline="0" dirty="0" err="1">
-                <a:latin typeface="Times New Roman" panose="02020603050405020304" pitchFamily="18" charset="0"/>
-                <a:cs typeface="Times New Roman" panose="02020603050405020304" pitchFamily="18" charset="0"/>
-              </a:rPr>
-              <a:t>Efros</a:t>
-            </a:r>
-            <a:r>
-              <a:rPr lang="en-US" sz="1400" b="0" i="0" u="none" strike="noStrike" baseline="0" dirty="0">
-                <a:latin typeface="Times New Roman" panose="02020603050405020304" pitchFamily="18" charset="0"/>
-                <a:cs typeface="Times New Roman" panose="02020603050405020304" pitchFamily="18" charset="0"/>
-              </a:rPr>
-              <a:t>, A. A. (2018). Image-to-image translation with conditional adversarial networks.</a:t>
-            </a:r>
-          </a:p>
-          <a:p>
-            <a:pPr algn="l"/>
-            <a:r>
-              <a:rPr lang="en-US" sz="1400" b="0" i="0" u="none" strike="noStrike" baseline="0" dirty="0" err="1">
-                <a:latin typeface="Times New Roman" panose="02020603050405020304" pitchFamily="18" charset="0"/>
-                <a:cs typeface="Times New Roman" panose="02020603050405020304" pitchFamily="18" charset="0"/>
-              </a:rPr>
-              <a:t>Jianchao</a:t>
-            </a:r>
-            <a:r>
-              <a:rPr lang="en-US" sz="1400" b="0" i="0" u="none" strike="noStrike" baseline="0" dirty="0">
-                <a:latin typeface="Times New Roman" panose="02020603050405020304" pitchFamily="18" charset="0"/>
-                <a:cs typeface="Times New Roman" panose="02020603050405020304" pitchFamily="18" charset="0"/>
-              </a:rPr>
-              <a:t> Yang, Wright, J., Huang, T. and Yi Ma (2008). Image super-resolution as sparse representation of raw image patches, </a:t>
-            </a:r>
-          </a:p>
-          <a:p>
-            <a:pPr marL="457200" lvl="1" indent="0">
-              <a:buNone/>
-            </a:pPr>
-            <a:r>
-              <a:rPr lang="en-US" sz="1400" b="0" i="1" u="none" strike="noStrike" baseline="0" dirty="0">
-                <a:latin typeface="Times New Roman" panose="02020603050405020304" pitchFamily="18" charset="0"/>
-                <a:cs typeface="Times New Roman" panose="02020603050405020304" pitchFamily="18" charset="0"/>
-              </a:rPr>
-              <a:t>	2008 IEEE Conference on Computer Vision and Pattern Recognition</a:t>
-            </a:r>
-            <a:r>
-              <a:rPr lang="en-US" sz="1400" b="0" i="0" u="none" strike="noStrike" baseline="0" dirty="0">
-                <a:latin typeface="Times New Roman" panose="02020603050405020304" pitchFamily="18" charset="0"/>
-                <a:cs typeface="Times New Roman" panose="02020603050405020304" pitchFamily="18" charset="0"/>
-              </a:rPr>
-              <a:t>, pp. 1–8.</a:t>
+              <a:rPr lang="en-US" dirty="0"/>
+              <a:t>The data gathered had to be scraped off websites such as the Hubble Legacy archive and Hubble main website</a:t>
+            </a:r>
+          </a:p>
+          <a:p>
+            <a:r>
+              <a:rPr lang="en-US" dirty="0"/>
+              <a:t>This yielded in more images than were useful. So we focused on a particular section of the sky where we could get the images of galaxy M101</a:t>
+            </a:r>
+          </a:p>
+          <a:p>
+            <a:r>
+              <a:rPr lang="en-US" dirty="0"/>
+              <a:t>This still yielded in about 400,000 images which had to be manually filtered</a:t>
+            </a:r>
+          </a:p>
+          <a:p>
+            <a:r>
+              <a:rPr lang="en-US" dirty="0"/>
+              <a:t>Even with all the images available, the network training will require huge computational resources to perform efficiently</a:t>
+            </a:r>
+          </a:p>
+          <a:p>
+            <a:r>
+              <a:rPr lang="en-US" dirty="0"/>
+              <a:t>The network parameters exceed the available training data and will require augmentation to avoid overfitting </a:t>
+            </a:r>
+          </a:p>
+          <a:p>
+            <a:r>
+              <a:rPr lang="en-US" dirty="0"/>
+              <a:t>A quantitative evaluation of a GAN is considerably difficult even with the availability of the ground truth images</a:t>
             </a:r>
           </a:p>
         </p:txBody>
@@ -10343,7 +10103,7 @@
           <p:cNvPr id="4" name="Footer Placeholder 3">
             <a:extLst>
               <a:ext uri="{FF2B5EF4-FFF2-40B4-BE49-F238E27FC236}">
-                <a16:creationId xmlns:a16="http://schemas.microsoft.com/office/drawing/2014/main" id="{90CF10EA-242A-4F9F-97DC-68619990925C}"/>
+                <a16:creationId xmlns:a16="http://schemas.microsoft.com/office/drawing/2014/main" id="{479926B9-6778-4DA9-BCBA-AC30CF378207}"/>
               </a:ext>
             </a:extLst>
           </p:cNvPr>
@@ -10370,7 +10130,7 @@
     </p:spTree>
     <p:extLst>
       <p:ext uri="{BB962C8B-B14F-4D97-AF65-F5344CB8AC3E}">
-        <p14:creationId xmlns:p14="http://schemas.microsoft.com/office/powerpoint/2010/main" val="3190111597"/>
+        <p14:creationId xmlns:p14="http://schemas.microsoft.com/office/powerpoint/2010/main" val="1342927445"/>
       </p:ext>
     </p:extLst>
   </p:cSld>
@@ -10414,7 +10174,7 @@
           <p:cNvPr id="2" name="Title 1">
             <a:extLst>
               <a:ext uri="{FF2B5EF4-FFF2-40B4-BE49-F238E27FC236}">
-                <a16:creationId xmlns:a16="http://schemas.microsoft.com/office/drawing/2014/main" id="{60013DAE-EE1B-473B-B3B6-648540F8F0E6}"/>
+                <a16:creationId xmlns:a16="http://schemas.microsoft.com/office/drawing/2014/main" id="{1B088865-DEAE-4612-97AF-B61F6AF552E8}"/>
               </a:ext>
             </a:extLst>
           </p:cNvPr>
@@ -10442,7 +10202,7 @@
           <p:cNvPr id="3" name="Content Placeholder 2">
             <a:extLst>
               <a:ext uri="{FF2B5EF4-FFF2-40B4-BE49-F238E27FC236}">
-                <a16:creationId xmlns:a16="http://schemas.microsoft.com/office/drawing/2014/main" id="{6A2C8905-50B5-4EA0-8B9A-E1EE0EB58F40}"/>
+                <a16:creationId xmlns:a16="http://schemas.microsoft.com/office/drawing/2014/main" id="{EA8DEEA1-8858-40B0-9169-F753007ABA02}"/>
               </a:ext>
             </a:extLst>
           </p:cNvPr>
@@ -10456,376 +10216,291 @@
         <p:spPr/>
         <p:txBody>
           <a:bodyPr>
-            <a:normAutofit fontScale="92500" lnSpcReduction="20000"/>
+            <a:normAutofit/>
           </a:bodyPr>
           <a:lstStyle/>
           <a:p>
-            <a:pPr algn="l"/>
             <a:r>
               <a:rPr lang="en-US" sz="1400" b="0" i="0" u="none" strike="noStrike" baseline="0" dirty="0">
                 <a:latin typeface="Times New Roman" panose="02020603050405020304" pitchFamily="18" charset="0"/>
                 <a:cs typeface="Times New Roman" panose="02020603050405020304" pitchFamily="18" charset="0"/>
               </a:rPr>
-              <a:t>Kim, J., Lee, J. K. and Lee, K. M. (2016). Accurate image super-resolution using very deep convolutional networks, </a:t>
-            </a:r>
-          </a:p>
-          <a:p>
-            <a:pPr marL="457200" lvl="1" indent="0">
-              <a:buNone/>
-            </a:pPr>
-            <a:r>
-              <a:rPr lang="en-US" sz="1500" b="0" i="1" u="none" strike="noStrike" baseline="0" dirty="0">
+              <a:t>Cheng, Z., Yang, Q. and Sheng, B. (2016). Deep colorization.</a:t>
+            </a:r>
+          </a:p>
+          <a:p>
+            <a:r>
+              <a:rPr lang="en-US" sz="1400" b="0" i="0" u="none" strike="noStrike" baseline="0" dirty="0">
                 <a:latin typeface="Times New Roman" panose="02020603050405020304" pitchFamily="18" charset="0"/>
                 <a:cs typeface="Times New Roman" panose="02020603050405020304" pitchFamily="18" charset="0"/>
               </a:rPr>
-              <a:t>	2016 IEEE Conference on Computer Vision and Pattern Recognition (CVPR), </a:t>
-            </a:r>
-            <a:r>
-              <a:rPr lang="en-US" sz="1500" b="0" i="0" u="none" strike="noStrike" baseline="0" dirty="0">
+              <a:t>Dahl, R. (2016). Automatic colorization.</a:t>
+            </a:r>
+            <a:endParaRPr lang="en-US" sz="1400" dirty="0">
+              <a:latin typeface="Times New Roman" panose="02020603050405020304" pitchFamily="18" charset="0"/>
+              <a:cs typeface="Times New Roman" panose="02020603050405020304" pitchFamily="18" charset="0"/>
+            </a:endParaRPr>
+          </a:p>
+          <a:p>
+            <a:pPr algn="l"/>
+            <a:r>
+              <a:rPr lang="en-US" sz="1400" b="0" i="0" u="none" strike="noStrike" baseline="0" dirty="0">
                 <a:latin typeface="Times New Roman" panose="02020603050405020304" pitchFamily="18" charset="0"/>
                 <a:cs typeface="Times New Roman" panose="02020603050405020304" pitchFamily="18" charset="0"/>
               </a:rPr>
-              <a:t>pp. 1646–1654.</a:t>
-            </a:r>
-          </a:p>
-          <a:p>
-            <a:pPr algn="l"/>
+              <a:t>Dong, C., Loy, C. C., He, K. and Tang, X. (2014). Learning a deep convolutional network for image super-resolution, </a:t>
+            </a:r>
+            <a:r>
+              <a:rPr lang="en-US" sz="1400" b="0" i="1" u="none" strike="noStrike" baseline="0" dirty="0">
+                <a:latin typeface="Times New Roman" panose="02020603050405020304" pitchFamily="18" charset="0"/>
+                <a:cs typeface="Times New Roman" panose="02020603050405020304" pitchFamily="18" charset="0"/>
+              </a:rPr>
+              <a:t>in</a:t>
+            </a:r>
+            <a:r>
+              <a:rPr lang="en-US" sz="1400" b="0" i="0" u="none" strike="noStrike" baseline="0" dirty="0">
+                <a:latin typeface="Times New Roman" panose="02020603050405020304" pitchFamily="18" charset="0"/>
+                <a:cs typeface="Times New Roman" panose="02020603050405020304" pitchFamily="18" charset="0"/>
+              </a:rPr>
+              <a:t> D. Fleet, T. 	</a:t>
+            </a:r>
             <a:r>
               <a:rPr lang="en-US" sz="1400" b="0" i="0" u="none" strike="noStrike" baseline="0" dirty="0" err="1">
                 <a:latin typeface="Times New Roman" panose="02020603050405020304" pitchFamily="18" charset="0"/>
                 <a:cs typeface="Times New Roman" panose="02020603050405020304" pitchFamily="18" charset="0"/>
               </a:rPr>
-              <a:t>Ledig</a:t>
+              <a:t>Pajdla</a:t>
             </a:r>
             <a:r>
               <a:rPr lang="en-US" sz="1400" b="0" i="0" u="none" strike="noStrike" baseline="0" dirty="0">
                 <a:latin typeface="Times New Roman" panose="02020603050405020304" pitchFamily="18" charset="0"/>
                 <a:cs typeface="Times New Roman" panose="02020603050405020304" pitchFamily="18" charset="0"/>
               </a:rPr>
-              <a:t>, C., Theis, L., </a:t>
+              <a:t>, B. Schiele and T. </a:t>
             </a:r>
             <a:r>
               <a:rPr lang="en-US" sz="1400" b="0" i="0" u="none" strike="noStrike" baseline="0" dirty="0" err="1">
                 <a:latin typeface="Times New Roman" panose="02020603050405020304" pitchFamily="18" charset="0"/>
                 <a:cs typeface="Times New Roman" panose="02020603050405020304" pitchFamily="18" charset="0"/>
               </a:rPr>
-              <a:t>Huszar</a:t>
+              <a:t>Tuytelaars</a:t>
+            </a:r>
+            <a:r>
+              <a:rPr lang="en-US" sz="1400" dirty="0">
+                <a:latin typeface="Times New Roman" panose="02020603050405020304" pitchFamily="18" charset="0"/>
+                <a:cs typeface="Times New Roman" panose="02020603050405020304" pitchFamily="18" charset="0"/>
+              </a:rPr>
+              <a:t> </a:t>
             </a:r>
             <a:r>
               <a:rPr lang="en-US" sz="1400" b="0" i="0" u="none" strike="noStrike" baseline="0" dirty="0">
                 <a:latin typeface="Times New Roman" panose="02020603050405020304" pitchFamily="18" charset="0"/>
                 <a:cs typeface="Times New Roman" panose="02020603050405020304" pitchFamily="18" charset="0"/>
               </a:rPr>
-              <a:t>, F., Caballero, J., Cunningham, A., Acosta, A., Aitken, A., </a:t>
+              <a:t>(eds), </a:t>
+            </a:r>
+            <a:r>
+              <a:rPr lang="en-US" sz="1400" b="0" i="1" u="none" strike="noStrike" baseline="0" dirty="0">
+                <a:latin typeface="Times New Roman" panose="02020603050405020304" pitchFamily="18" charset="0"/>
+                <a:cs typeface="Times New Roman" panose="02020603050405020304" pitchFamily="18" charset="0"/>
+              </a:rPr>
+              <a:t>Computer Vision – ECCV 2014</a:t>
+            </a:r>
+            <a:r>
+              <a:rPr lang="en-US" sz="1400" b="0" i="0" u="none" strike="noStrike" baseline="0" dirty="0">
+                <a:latin typeface="Times New Roman" panose="02020603050405020304" pitchFamily="18" charset="0"/>
+                <a:cs typeface="Times New Roman" panose="02020603050405020304" pitchFamily="18" charset="0"/>
+              </a:rPr>
+              <a:t>, Springer International Publishing, </a:t>
+            </a:r>
+          </a:p>
+          <a:p>
+            <a:pPr marL="457200" lvl="1" indent="0">
+              <a:buNone/>
+            </a:pPr>
+            <a:r>
+              <a:rPr lang="en-US" sz="1400" dirty="0">
+                <a:latin typeface="Times New Roman" panose="02020603050405020304" pitchFamily="18" charset="0"/>
+                <a:cs typeface="Times New Roman" panose="02020603050405020304" pitchFamily="18" charset="0"/>
+              </a:rPr>
+              <a:t>	</a:t>
+            </a:r>
+            <a:r>
+              <a:rPr lang="en-US" sz="1400" b="0" i="0" u="none" strike="noStrike" baseline="0" dirty="0">
+                <a:latin typeface="Times New Roman" panose="02020603050405020304" pitchFamily="18" charset="0"/>
+                <a:cs typeface="Times New Roman" panose="02020603050405020304" pitchFamily="18" charset="0"/>
+              </a:rPr>
+              <a:t>Cham, pp. 184-199.</a:t>
+            </a:r>
+          </a:p>
+          <a:p>
+            <a:pPr algn="l"/>
+            <a:r>
+              <a:rPr lang="en-US" sz="1400" b="0" i="0" u="none" strike="noStrike" baseline="0" dirty="0">
+                <a:latin typeface="Times New Roman" panose="02020603050405020304" pitchFamily="18" charset="0"/>
+                <a:cs typeface="Times New Roman" panose="02020603050405020304" pitchFamily="18" charset="0"/>
+              </a:rPr>
+              <a:t>Goodfellow, I. J., </a:t>
             </a:r>
             <a:r>
               <a:rPr lang="en-US" sz="1400" b="0" i="0" u="none" strike="noStrike" baseline="0" dirty="0" err="1">
                 <a:latin typeface="Times New Roman" panose="02020603050405020304" pitchFamily="18" charset="0"/>
                 <a:cs typeface="Times New Roman" panose="02020603050405020304" pitchFamily="18" charset="0"/>
               </a:rPr>
-              <a:t>Tejani</a:t>
+              <a:t>Pouget</a:t>
             </a:r>
             <a:r>
               <a:rPr lang="en-US" sz="1400" b="0" i="0" u="none" strike="noStrike" baseline="0" dirty="0">
                 <a:latin typeface="Times New Roman" panose="02020603050405020304" pitchFamily="18" charset="0"/>
                 <a:cs typeface="Times New Roman" panose="02020603050405020304" pitchFamily="18" charset="0"/>
               </a:rPr>
-              <a:t>, A., </a:t>
+              <a:t>-Abadie, J., Mirza, M., Xu, B., </a:t>
             </a:r>
             <a:r>
               <a:rPr lang="en-US" sz="1400" b="0" i="0" u="none" strike="noStrike" baseline="0" dirty="0" err="1">
                 <a:latin typeface="Times New Roman" panose="02020603050405020304" pitchFamily="18" charset="0"/>
                 <a:cs typeface="Times New Roman" panose="02020603050405020304" pitchFamily="18" charset="0"/>
               </a:rPr>
-              <a:t>Totz</a:t>
+              <a:t>Warde</a:t>
             </a:r>
             <a:r>
               <a:rPr lang="en-US" sz="1400" b="0" i="0" u="none" strike="noStrike" baseline="0" dirty="0">
                 <a:latin typeface="Times New Roman" panose="02020603050405020304" pitchFamily="18" charset="0"/>
                 <a:cs typeface="Times New Roman" panose="02020603050405020304" pitchFamily="18" charset="0"/>
               </a:rPr>
-              <a:t>, J., Wang, Z. and Shi, W. (2017). </a:t>
-            </a:r>
-          </a:p>
-          <a:p>
-            <a:pPr marL="457200" lvl="1" indent="0">
-              <a:buNone/>
-            </a:pPr>
-            <a:r>
-              <a:rPr lang="en-US" sz="1500" b="0" i="0" u="none" strike="noStrike" baseline="0" dirty="0">
+              <a:t>-Farley, D., </a:t>
+            </a:r>
+            <a:r>
+              <a:rPr lang="en-US" sz="1400" b="0" i="0" u="none" strike="noStrike" baseline="0" dirty="0" err="1">
                 <a:latin typeface="Times New Roman" panose="02020603050405020304" pitchFamily="18" charset="0"/>
                 <a:cs typeface="Times New Roman" panose="02020603050405020304" pitchFamily="18" charset="0"/>
               </a:rPr>
-              <a:t>	Photorealistic single image super-resolution using a generative adversarial network.</a:t>
-            </a:r>
-          </a:p>
-          <a:p>
-            <a:pPr algn="l"/>
+              <a:t>Ozair</a:t>
+            </a:r>
             <a:r>
               <a:rPr lang="en-US" sz="1400" b="0" i="0" u="none" strike="noStrike" baseline="0" dirty="0">
                 <a:latin typeface="Times New Roman" panose="02020603050405020304" pitchFamily="18" charset="0"/>
                 <a:cs typeface="Times New Roman" panose="02020603050405020304" pitchFamily="18" charset="0"/>
               </a:rPr>
-              <a:t>Levin, A., </a:t>
+              <a:t>, S., Courville, A. and  </a:t>
             </a:r>
             <a:r>
               <a:rPr lang="en-US" sz="1400" b="0" i="0" u="none" strike="noStrike" baseline="0" dirty="0" err="1">
                 <a:latin typeface="Times New Roman" panose="02020603050405020304" pitchFamily="18" charset="0"/>
                 <a:cs typeface="Times New Roman" panose="02020603050405020304" pitchFamily="18" charset="0"/>
               </a:rPr>
-              <a:t>Lischinski</a:t>
+              <a:t>Bengio</a:t>
             </a:r>
             <a:r>
               <a:rPr lang="en-US" sz="1400" b="0" i="0" u="none" strike="noStrike" baseline="0" dirty="0">
                 <a:latin typeface="Times New Roman" panose="02020603050405020304" pitchFamily="18" charset="0"/>
                 <a:cs typeface="Times New Roman" panose="02020603050405020304" pitchFamily="18" charset="0"/>
               </a:rPr>
-              <a:t>, D. and Weiss, Y. (2004). Colorization using optimization, </a:t>
-            </a:r>
-            <a:r>
-              <a:rPr lang="sv-SE" sz="1400" b="0" i="1" u="none" strike="noStrike" baseline="0" dirty="0">
-                <a:latin typeface="Times New Roman" panose="02020603050405020304" pitchFamily="18" charset="0"/>
-                <a:cs typeface="Times New Roman" panose="02020603050405020304" pitchFamily="18" charset="0"/>
-              </a:rPr>
-              <a:t>ACM SIGGRAPH 2004 Papers</a:t>
-            </a:r>
-            <a:r>
-              <a:rPr lang="sv-SE" sz="1400" b="0" i="0" u="none" strike="noStrike" baseline="0" dirty="0">
-                <a:latin typeface="Times New Roman" panose="02020603050405020304" pitchFamily="18" charset="0"/>
-                <a:cs typeface="Times New Roman" panose="02020603050405020304" pitchFamily="18" charset="0"/>
-              </a:rPr>
-              <a:t>, pp. 689–694.</a:t>
-            </a:r>
-          </a:p>
-          <a:p>
-            <a:pPr algn="l"/>
+              <a:t>, Y. (2014). </a:t>
+            </a:r>
+            <a:endParaRPr lang="en-US" sz="1400" dirty="0">
+              <a:latin typeface="Times New Roman" panose="02020603050405020304" pitchFamily="18" charset="0"/>
+              <a:cs typeface="Times New Roman" panose="02020603050405020304" pitchFamily="18" charset="0"/>
+            </a:endParaRPr>
+          </a:p>
+          <a:p>
+            <a:pPr marL="457200" lvl="1" indent="0">
+              <a:buNone/>
+            </a:pPr>
             <a:r>
               <a:rPr lang="en-US" sz="1400" b="0" i="0" u="none" strike="noStrike" baseline="0" dirty="0">
                 <a:latin typeface="Times New Roman" panose="02020603050405020304" pitchFamily="18" charset="0"/>
                 <a:cs typeface="Times New Roman" panose="02020603050405020304" pitchFamily="18" charset="0"/>
               </a:rPr>
-              <a:t>Long, J., </a:t>
+              <a:t>	Generative adversarial networks.</a:t>
+            </a:r>
+          </a:p>
+          <a:p>
+            <a:pPr algn="l"/>
+            <a:r>
+              <a:rPr lang="en-US" sz="1400" b="0" i="0" u="none" strike="noStrike" baseline="0" dirty="0">
+                <a:latin typeface="Times New Roman" panose="02020603050405020304" pitchFamily="18" charset="0"/>
+                <a:cs typeface="Times New Roman" panose="02020603050405020304" pitchFamily="18" charset="0"/>
+              </a:rPr>
+              <a:t>He, K., Zhang, X., Ren, S. and Sun, J. (2015). Deep residual learning for image recognition.</a:t>
+            </a:r>
+          </a:p>
+          <a:p>
+            <a:pPr algn="l"/>
+            <a:r>
+              <a:rPr lang="de-DE" sz="1400" b="0" i="0" u="none" strike="noStrike" baseline="0" dirty="0">
+                <a:latin typeface="Times New Roman" panose="02020603050405020304" pitchFamily="18" charset="0"/>
+                <a:cs typeface="Times New Roman" panose="02020603050405020304" pitchFamily="18" charset="0"/>
+              </a:rPr>
+              <a:t>Huang, Y.-C., Tung, Y.-S., Chen, J.-C., Wang, S.-W. and Wu, J.-L. (2005). An </a:t>
+            </a:r>
+            <a:r>
+              <a:rPr lang="en-US" sz="1400" b="0" i="0" u="none" strike="noStrike" baseline="0" dirty="0">
+                <a:latin typeface="Times New Roman" panose="02020603050405020304" pitchFamily="18" charset="0"/>
+                <a:cs typeface="Times New Roman" panose="02020603050405020304" pitchFamily="18" charset="0"/>
+              </a:rPr>
+              <a:t>adaptive edge detection based colorization algorithm and 	its applications, pp. 351–354.</a:t>
+            </a:r>
+          </a:p>
+          <a:p>
+            <a:pPr algn="l"/>
+            <a:r>
+              <a:rPr lang="en-US" sz="1400" b="0" i="0" u="none" strike="noStrike" baseline="0" dirty="0">
+                <a:latin typeface="Times New Roman" panose="02020603050405020304" pitchFamily="18" charset="0"/>
+                <a:cs typeface="Times New Roman" panose="02020603050405020304" pitchFamily="18" charset="0"/>
+              </a:rPr>
+              <a:t>Isola, P., Zhu, J.-Y., Zhou, T. and </a:t>
             </a:r>
             <a:r>
               <a:rPr lang="en-US" sz="1400" b="0" i="0" u="none" strike="noStrike" baseline="0" dirty="0" err="1">
                 <a:latin typeface="Times New Roman" panose="02020603050405020304" pitchFamily="18" charset="0"/>
                 <a:cs typeface="Times New Roman" panose="02020603050405020304" pitchFamily="18" charset="0"/>
               </a:rPr>
-              <a:t>Shelhamer</a:t>
+              <a:t>Efros</a:t>
             </a:r>
             <a:r>
               <a:rPr lang="en-US" sz="1400" b="0" i="0" u="none" strike="noStrike" baseline="0" dirty="0">
                 <a:latin typeface="Times New Roman" panose="02020603050405020304" pitchFamily="18" charset="0"/>
                 <a:cs typeface="Times New Roman" panose="02020603050405020304" pitchFamily="18" charset="0"/>
               </a:rPr>
-              <a:t>, E. and Darrell, T. (2015). Fully convolutional networks for semantic segmentation, </a:t>
-            </a:r>
-          </a:p>
-          <a:p>
-            <a:pPr marL="457200" lvl="1" indent="0">
-              <a:buNone/>
-            </a:pPr>
-            <a:r>
-              <a:rPr lang="en-US" sz="1500" b="0" i="1" u="none" strike="noStrike" baseline="0" dirty="0">
+              <a:t>, A. A. (2018). Image-to-image translation with conditional adversarial networks.</a:t>
+            </a:r>
+          </a:p>
+          <a:p>
+            <a:pPr algn="l"/>
+            <a:r>
+              <a:rPr lang="en-US" sz="1400" b="0" i="0" u="none" strike="noStrike" baseline="0" dirty="0" err="1">
                 <a:latin typeface="Times New Roman" panose="02020603050405020304" pitchFamily="18" charset="0"/>
                 <a:cs typeface="Times New Roman" panose="02020603050405020304" pitchFamily="18" charset="0"/>
               </a:rPr>
-              <a:t>	2015 IEEE Conference on Computer Vision and Pattern Recognition (CVPR), </a:t>
-            </a:r>
-            <a:r>
-              <a:rPr lang="en-US" sz="1500" b="0" i="0" u="none" strike="noStrike" baseline="0" dirty="0">
-                <a:latin typeface="Times New Roman" panose="02020603050405020304" pitchFamily="18" charset="0"/>
-                <a:cs typeface="Times New Roman" panose="02020603050405020304" pitchFamily="18" charset="0"/>
-              </a:rPr>
-              <a:t>pp. 3431–3440</a:t>
-            </a:r>
-            <a:r>
-              <a:rPr lang="en-US" sz="1000" b="0" i="0" u="none" strike="noStrike" baseline="0" dirty="0">
-                <a:latin typeface="Times New Roman" panose="02020603050405020304" pitchFamily="18" charset="0"/>
-                <a:cs typeface="Times New Roman" panose="02020603050405020304" pitchFamily="18" charset="0"/>
-              </a:rPr>
-              <a:t>.</a:t>
-            </a:r>
-          </a:p>
-          <a:p>
-            <a:pPr algn="l"/>
+              <a:t>Jianchao</a:t>
+            </a:r>
             <a:r>
               <a:rPr lang="en-US" sz="1400" b="0" i="0" u="none" strike="noStrike" baseline="0" dirty="0">
                 <a:latin typeface="Times New Roman" panose="02020603050405020304" pitchFamily="18" charset="0"/>
                 <a:cs typeface="Times New Roman" panose="02020603050405020304" pitchFamily="18" charset="0"/>
               </a:rPr>
-              <a:t>Mirza, M. and </a:t>
-            </a:r>
-            <a:r>
-              <a:rPr lang="en-US" sz="1400" b="0" i="0" u="none" strike="noStrike" baseline="0" dirty="0" err="1">
+              <a:t> Yang, Wright, J., Huang, T. and Yi Ma (2008). Image super-resolution as sparse representation of raw image patches, </a:t>
+            </a:r>
+          </a:p>
+          <a:p>
+            <a:pPr marL="457200" lvl="1" indent="0">
+              <a:buNone/>
+            </a:pPr>
+            <a:r>
+              <a:rPr lang="en-US" sz="1400" b="0" i="1" u="none" strike="noStrike" baseline="0" dirty="0">
                 <a:latin typeface="Times New Roman" panose="02020603050405020304" pitchFamily="18" charset="0"/>
                 <a:cs typeface="Times New Roman" panose="02020603050405020304" pitchFamily="18" charset="0"/>
               </a:rPr>
-              <a:t>Osindero</a:t>
+              <a:t>	2008 IEEE Conference on Computer Vision and Pattern Recognition</a:t>
             </a:r>
             <a:r>
               <a:rPr lang="en-US" sz="1400" b="0" i="0" u="none" strike="noStrike" baseline="0" dirty="0">
                 <a:latin typeface="Times New Roman" panose="02020603050405020304" pitchFamily="18" charset="0"/>
                 <a:cs typeface="Times New Roman" panose="02020603050405020304" pitchFamily="18" charset="0"/>
               </a:rPr>
-              <a:t>, S. (2014). Conditional generative adversarial nets.</a:t>
-            </a:r>
-            <a:endParaRPr lang="en-US" sz="1400" dirty="0">
-              <a:latin typeface="Times New Roman" panose="02020603050405020304" pitchFamily="18" charset="0"/>
-              <a:cs typeface="Times New Roman" panose="02020603050405020304" pitchFamily="18" charset="0"/>
-            </a:endParaRPr>
-          </a:p>
-          <a:p>
-            <a:pPr algn="l"/>
-            <a:r>
-              <a:rPr lang="en-US" sz="1400" b="0" i="0" u="none" strike="noStrike" baseline="0" dirty="0">
-                <a:latin typeface="Times New Roman" panose="02020603050405020304" pitchFamily="18" charset="0"/>
-                <a:cs typeface="Times New Roman" panose="02020603050405020304" pitchFamily="18" charset="0"/>
-              </a:rPr>
-              <a:t>Pressman, R. S. (1992). Software Engineering (3rd Ed.): A Practitioner’s Approach, McGraw-Hill, Inc., New York, NY, USA.</a:t>
-            </a:r>
-          </a:p>
-          <a:p>
-            <a:pPr algn="l"/>
-            <a:r>
-              <a:rPr lang="en-US" sz="1500" b="0" i="0" u="none" strike="noStrike" baseline="0" dirty="0">
-                <a:latin typeface="Times New Roman" panose="02020603050405020304" pitchFamily="18" charset="0"/>
-                <a:cs typeface="Times New Roman" panose="02020603050405020304" pitchFamily="18" charset="0"/>
-              </a:rPr>
-              <a:t>Qu, </a:t>
-            </a:r>
-            <a:r>
-              <a:rPr lang="en-US" sz="1500" b="0" i="0" u="none" strike="noStrike" baseline="0" dirty="0" err="1">
-                <a:latin typeface="Times New Roman" panose="02020603050405020304" pitchFamily="18" charset="0"/>
-                <a:cs typeface="Times New Roman" panose="02020603050405020304" pitchFamily="18" charset="0"/>
-              </a:rPr>
-              <a:t>Y.,Wong</a:t>
-            </a:r>
-            <a:r>
-              <a:rPr lang="en-US" sz="1500" b="0" i="0" u="none" strike="noStrike" baseline="0" dirty="0">
-                <a:latin typeface="Times New Roman" panose="02020603050405020304" pitchFamily="18" charset="0"/>
-                <a:cs typeface="Times New Roman" panose="02020603050405020304" pitchFamily="18" charset="0"/>
-              </a:rPr>
-              <a:t>, T.-T. and Heng, P.-A. (2006). Manga colorization, ACM Transactions on Graphics (TOG) 25(3): 1214–1220.</a:t>
-            </a:r>
-          </a:p>
-          <a:p>
-            <a:pPr algn="l"/>
-            <a:r>
-              <a:rPr lang="en-US" sz="1500" b="0" i="0" u="none" strike="noStrike" baseline="0" dirty="0">
-                <a:latin typeface="Times New Roman" panose="02020603050405020304" pitchFamily="18" charset="0"/>
-                <a:cs typeface="Times New Roman" panose="02020603050405020304" pitchFamily="18" charset="0"/>
-              </a:rPr>
-              <a:t>Radford, A., Metz, L. and </a:t>
-            </a:r>
-            <a:r>
-              <a:rPr lang="en-US" sz="1500" b="0" i="0" u="none" strike="noStrike" baseline="0" dirty="0" err="1">
-                <a:latin typeface="Times New Roman" panose="02020603050405020304" pitchFamily="18" charset="0"/>
-                <a:cs typeface="Times New Roman" panose="02020603050405020304" pitchFamily="18" charset="0"/>
-              </a:rPr>
-              <a:t>Chintala</a:t>
-            </a:r>
-            <a:r>
-              <a:rPr lang="en-US" sz="1500" b="0" i="0" u="none" strike="noStrike" baseline="0" dirty="0">
-                <a:latin typeface="Times New Roman" panose="02020603050405020304" pitchFamily="18" charset="0"/>
-                <a:cs typeface="Times New Roman" panose="02020603050405020304" pitchFamily="18" charset="0"/>
-              </a:rPr>
-              <a:t>, S. (2016). Unsupervised representation learning with deep convolutional generative adversarial 	networks.</a:t>
-            </a:r>
-          </a:p>
-          <a:p>
-            <a:pPr algn="l"/>
-            <a:r>
-              <a:rPr lang="en-US" sz="1500" b="0" i="0" u="none" strike="noStrike" baseline="0" dirty="0">
-                <a:latin typeface="Times New Roman" panose="02020603050405020304" pitchFamily="18" charset="0"/>
-                <a:cs typeface="Times New Roman" panose="02020603050405020304" pitchFamily="18" charset="0"/>
-              </a:rPr>
-              <a:t>Shi, W., Caballero, J., </a:t>
-            </a:r>
-            <a:r>
-              <a:rPr lang="en-US" sz="1500" b="0" i="0" u="none" strike="noStrike" baseline="0" dirty="0" err="1">
-                <a:latin typeface="Times New Roman" panose="02020603050405020304" pitchFamily="18" charset="0"/>
-                <a:cs typeface="Times New Roman" panose="02020603050405020304" pitchFamily="18" charset="0"/>
-              </a:rPr>
-              <a:t>Husz´ar</a:t>
-            </a:r>
-            <a:r>
-              <a:rPr lang="en-US" sz="1500" b="0" i="0" u="none" strike="noStrike" baseline="0" dirty="0">
-                <a:latin typeface="Times New Roman" panose="02020603050405020304" pitchFamily="18" charset="0"/>
-                <a:cs typeface="Times New Roman" panose="02020603050405020304" pitchFamily="18" charset="0"/>
-              </a:rPr>
-              <a:t>, F., </a:t>
-            </a:r>
-            <a:r>
-              <a:rPr lang="en-US" sz="1500" b="0" i="0" u="none" strike="noStrike" baseline="0" dirty="0" err="1">
-                <a:latin typeface="Times New Roman" panose="02020603050405020304" pitchFamily="18" charset="0"/>
-                <a:cs typeface="Times New Roman" panose="02020603050405020304" pitchFamily="18" charset="0"/>
-              </a:rPr>
-              <a:t>Totz</a:t>
-            </a:r>
-            <a:r>
-              <a:rPr lang="en-US" sz="1500" b="0" i="0" u="none" strike="noStrike" baseline="0" dirty="0">
-                <a:latin typeface="Times New Roman" panose="02020603050405020304" pitchFamily="18" charset="0"/>
-                <a:cs typeface="Times New Roman" panose="02020603050405020304" pitchFamily="18" charset="0"/>
-              </a:rPr>
-              <a:t>, J., Aitken, A. P., Bishop, R., </a:t>
-            </a:r>
-            <a:r>
-              <a:rPr lang="en-US" sz="1500" b="0" i="0" u="none" strike="noStrike" baseline="0" dirty="0" err="1">
-                <a:latin typeface="Times New Roman" panose="02020603050405020304" pitchFamily="18" charset="0"/>
-                <a:cs typeface="Times New Roman" panose="02020603050405020304" pitchFamily="18" charset="0"/>
-              </a:rPr>
-              <a:t>Rueckert</a:t>
-            </a:r>
-            <a:r>
-              <a:rPr lang="en-US" sz="1500" b="0" i="0" u="none" strike="noStrike" baseline="0" dirty="0">
-                <a:latin typeface="Times New Roman" panose="02020603050405020304" pitchFamily="18" charset="0"/>
-                <a:cs typeface="Times New Roman" panose="02020603050405020304" pitchFamily="18" charset="0"/>
-              </a:rPr>
-              <a:t>, D. and Wang, Z. (2016). </a:t>
-            </a:r>
-          </a:p>
-          <a:p>
-            <a:pPr marL="457200" lvl="1" indent="0">
-              <a:buNone/>
-            </a:pPr>
-            <a:r>
-              <a:rPr lang="en-US" sz="1500" b="0" i="0" u="none" strike="noStrike" baseline="0" dirty="0">
-                <a:latin typeface="Times New Roman" panose="02020603050405020304" pitchFamily="18" charset="0"/>
-                <a:cs typeface="Times New Roman" panose="02020603050405020304" pitchFamily="18" charset="0"/>
-              </a:rPr>
-              <a:t>	Real-time single image and video super-resolution using an efficient sub-pixel convolutional neural network, </a:t>
-            </a:r>
-          </a:p>
-          <a:p>
-            <a:pPr marL="457200" lvl="1" indent="0">
-              <a:buNone/>
-            </a:pPr>
-            <a:r>
-              <a:rPr lang="en-US" sz="1500" dirty="0">
-                <a:latin typeface="Times New Roman" panose="02020603050405020304" pitchFamily="18" charset="0"/>
-                <a:cs typeface="Times New Roman" panose="02020603050405020304" pitchFamily="18" charset="0"/>
-              </a:rPr>
-              <a:t>	</a:t>
-            </a:r>
-            <a:r>
-              <a:rPr lang="en-US" sz="1500" b="0" i="1" u="none" strike="noStrike" baseline="0" dirty="0">
-                <a:latin typeface="Times New Roman" panose="02020603050405020304" pitchFamily="18" charset="0"/>
-                <a:cs typeface="Times New Roman" panose="02020603050405020304" pitchFamily="18" charset="0"/>
-              </a:rPr>
-              <a:t>2016 IEEE Conference on Computer Vision and Pattern Recognition (CVPR),</a:t>
-            </a:r>
-            <a:r>
-              <a:rPr lang="en-US" sz="1500" b="0" i="0" u="none" strike="noStrike" baseline="0" dirty="0">
-                <a:latin typeface="Times New Roman" panose="02020603050405020304" pitchFamily="18" charset="0"/>
-                <a:cs typeface="Times New Roman" panose="02020603050405020304" pitchFamily="18" charset="0"/>
-              </a:rPr>
-              <a:t> pp. 1874–1883.</a:t>
-            </a:r>
-            <a:endParaRPr lang="en-US" sz="1500" dirty="0">
-              <a:latin typeface="Times New Roman" panose="02020603050405020304" pitchFamily="18" charset="0"/>
-              <a:cs typeface="Times New Roman" panose="02020603050405020304" pitchFamily="18" charset="0"/>
-            </a:endParaRPr>
+              <a:t>, pp. 1–8.</a:t>
+            </a:r>
           </a:p>
         </p:txBody>
       </p:sp>
@@ -10834,7 +10509,7 @@
           <p:cNvPr id="4" name="Footer Placeholder 3">
             <a:extLst>
               <a:ext uri="{FF2B5EF4-FFF2-40B4-BE49-F238E27FC236}">
-                <a16:creationId xmlns:a16="http://schemas.microsoft.com/office/drawing/2014/main" id="{478E4A7B-00AC-4117-8CCF-32F4EA319662}"/>
+                <a16:creationId xmlns:a16="http://schemas.microsoft.com/office/drawing/2014/main" id="{90CF10EA-242A-4F9F-97DC-68619990925C}"/>
               </a:ext>
             </a:extLst>
           </p:cNvPr>
@@ -10861,7 +10536,7 @@
     </p:spTree>
     <p:extLst>
       <p:ext uri="{BB962C8B-B14F-4D97-AF65-F5344CB8AC3E}">
-        <p14:creationId xmlns:p14="http://schemas.microsoft.com/office/powerpoint/2010/main" val="604998426"/>
+        <p14:creationId xmlns:p14="http://schemas.microsoft.com/office/powerpoint/2010/main" val="3190111597"/>
       </p:ext>
     </p:extLst>
   </p:cSld>
@@ -11227,6 +10902,497 @@
           <p:cNvPr id="2" name="Title 1">
             <a:extLst>
               <a:ext uri="{FF2B5EF4-FFF2-40B4-BE49-F238E27FC236}">
+                <a16:creationId xmlns:a16="http://schemas.microsoft.com/office/drawing/2014/main" id="{60013DAE-EE1B-473B-B3B6-648540F8F0E6}"/>
+              </a:ext>
+            </a:extLst>
+          </p:cNvPr>
+          <p:cNvSpPr>
+            <a:spLocks noGrp="1"/>
+          </p:cNvSpPr>
+          <p:nvPr>
+            <p:ph type="title"/>
+          </p:nvPr>
+        </p:nvSpPr>
+        <p:spPr/>
+        <p:txBody>
+          <a:bodyPr/>
+          <a:lstStyle/>
+          <a:p>
+            <a:r>
+              <a:rPr lang="en-US" dirty="0"/>
+              <a:t>References</a:t>
+            </a:r>
+          </a:p>
+        </p:txBody>
+      </p:sp>
+      <p:sp>
+        <p:nvSpPr>
+          <p:cNvPr id="3" name="Content Placeholder 2">
+            <a:extLst>
+              <a:ext uri="{FF2B5EF4-FFF2-40B4-BE49-F238E27FC236}">
+                <a16:creationId xmlns:a16="http://schemas.microsoft.com/office/drawing/2014/main" id="{6A2C8905-50B5-4EA0-8B9A-E1EE0EB58F40}"/>
+              </a:ext>
+            </a:extLst>
+          </p:cNvPr>
+          <p:cNvSpPr>
+            <a:spLocks noGrp="1"/>
+          </p:cNvSpPr>
+          <p:nvPr>
+            <p:ph idx="1"/>
+          </p:nvPr>
+        </p:nvSpPr>
+        <p:spPr/>
+        <p:txBody>
+          <a:bodyPr>
+            <a:normAutofit fontScale="92500" lnSpcReduction="20000"/>
+          </a:bodyPr>
+          <a:lstStyle/>
+          <a:p>
+            <a:pPr algn="l"/>
+            <a:r>
+              <a:rPr lang="en-US" sz="1400" b="0" i="0" u="none" strike="noStrike" baseline="0" dirty="0">
+                <a:latin typeface="Times New Roman" panose="02020603050405020304" pitchFamily="18" charset="0"/>
+                <a:cs typeface="Times New Roman" panose="02020603050405020304" pitchFamily="18" charset="0"/>
+              </a:rPr>
+              <a:t>Kim, J., Lee, J. K. and Lee, K. M. (2016). Accurate image super-resolution using very deep convolutional networks, </a:t>
+            </a:r>
+          </a:p>
+          <a:p>
+            <a:pPr marL="457200" lvl="1" indent="0">
+              <a:buNone/>
+            </a:pPr>
+            <a:r>
+              <a:rPr lang="en-US" sz="1500" b="0" i="1" u="none" strike="noStrike" baseline="0" dirty="0">
+                <a:latin typeface="Times New Roman" panose="02020603050405020304" pitchFamily="18" charset="0"/>
+                <a:cs typeface="Times New Roman" panose="02020603050405020304" pitchFamily="18" charset="0"/>
+              </a:rPr>
+              <a:t>	2016 IEEE Conference on Computer Vision and Pattern Recognition (CVPR), </a:t>
+            </a:r>
+            <a:r>
+              <a:rPr lang="en-US" sz="1500" b="0" i="0" u="none" strike="noStrike" baseline="0" dirty="0">
+                <a:latin typeface="Times New Roman" panose="02020603050405020304" pitchFamily="18" charset="0"/>
+                <a:cs typeface="Times New Roman" panose="02020603050405020304" pitchFamily="18" charset="0"/>
+              </a:rPr>
+              <a:t>pp. 1646–1654.</a:t>
+            </a:r>
+          </a:p>
+          <a:p>
+            <a:pPr algn="l"/>
+            <a:r>
+              <a:rPr lang="en-US" sz="1400" b="0" i="0" u="none" strike="noStrike" baseline="0" dirty="0" err="1">
+                <a:latin typeface="Times New Roman" panose="02020603050405020304" pitchFamily="18" charset="0"/>
+                <a:cs typeface="Times New Roman" panose="02020603050405020304" pitchFamily="18" charset="0"/>
+              </a:rPr>
+              <a:t>Ledig</a:t>
+            </a:r>
+            <a:r>
+              <a:rPr lang="en-US" sz="1400" b="0" i="0" u="none" strike="noStrike" baseline="0" dirty="0">
+                <a:latin typeface="Times New Roman" panose="02020603050405020304" pitchFamily="18" charset="0"/>
+                <a:cs typeface="Times New Roman" panose="02020603050405020304" pitchFamily="18" charset="0"/>
+              </a:rPr>
+              <a:t>, C., Theis, L., </a:t>
+            </a:r>
+            <a:r>
+              <a:rPr lang="en-US" sz="1400" b="0" i="0" u="none" strike="noStrike" baseline="0" dirty="0" err="1">
+                <a:latin typeface="Times New Roman" panose="02020603050405020304" pitchFamily="18" charset="0"/>
+                <a:cs typeface="Times New Roman" panose="02020603050405020304" pitchFamily="18" charset="0"/>
+              </a:rPr>
+              <a:t>Huszar</a:t>
+            </a:r>
+            <a:r>
+              <a:rPr lang="en-US" sz="1400" b="0" i="0" u="none" strike="noStrike" baseline="0" dirty="0">
+                <a:latin typeface="Times New Roman" panose="02020603050405020304" pitchFamily="18" charset="0"/>
+                <a:cs typeface="Times New Roman" panose="02020603050405020304" pitchFamily="18" charset="0"/>
+              </a:rPr>
+              <a:t>, F., Caballero, J., Cunningham, A., Acosta, A., Aitken, A., </a:t>
+            </a:r>
+            <a:r>
+              <a:rPr lang="en-US" sz="1400" b="0" i="0" u="none" strike="noStrike" baseline="0" dirty="0" err="1">
+                <a:latin typeface="Times New Roman" panose="02020603050405020304" pitchFamily="18" charset="0"/>
+                <a:cs typeface="Times New Roman" panose="02020603050405020304" pitchFamily="18" charset="0"/>
+              </a:rPr>
+              <a:t>Tejani</a:t>
+            </a:r>
+            <a:r>
+              <a:rPr lang="en-US" sz="1400" b="0" i="0" u="none" strike="noStrike" baseline="0" dirty="0">
+                <a:latin typeface="Times New Roman" panose="02020603050405020304" pitchFamily="18" charset="0"/>
+                <a:cs typeface="Times New Roman" panose="02020603050405020304" pitchFamily="18" charset="0"/>
+              </a:rPr>
+              <a:t>, A., </a:t>
+            </a:r>
+            <a:r>
+              <a:rPr lang="en-US" sz="1400" b="0" i="0" u="none" strike="noStrike" baseline="0" dirty="0" err="1">
+                <a:latin typeface="Times New Roman" panose="02020603050405020304" pitchFamily="18" charset="0"/>
+                <a:cs typeface="Times New Roman" panose="02020603050405020304" pitchFamily="18" charset="0"/>
+              </a:rPr>
+              <a:t>Totz</a:t>
+            </a:r>
+            <a:r>
+              <a:rPr lang="en-US" sz="1400" b="0" i="0" u="none" strike="noStrike" baseline="0" dirty="0">
+                <a:latin typeface="Times New Roman" panose="02020603050405020304" pitchFamily="18" charset="0"/>
+                <a:cs typeface="Times New Roman" panose="02020603050405020304" pitchFamily="18" charset="0"/>
+              </a:rPr>
+              <a:t>, J., Wang, Z. and Shi, W. (2017). </a:t>
+            </a:r>
+          </a:p>
+          <a:p>
+            <a:pPr marL="457200" lvl="1" indent="0">
+              <a:buNone/>
+            </a:pPr>
+            <a:r>
+              <a:rPr lang="en-US" sz="1500" b="0" i="0" u="none" strike="noStrike" baseline="0" dirty="0">
+                <a:latin typeface="Times New Roman" panose="02020603050405020304" pitchFamily="18" charset="0"/>
+                <a:cs typeface="Times New Roman" panose="02020603050405020304" pitchFamily="18" charset="0"/>
+              </a:rPr>
+              <a:t>	Photorealistic single image super-resolution using a generative adversarial network.</a:t>
+            </a:r>
+          </a:p>
+          <a:p>
+            <a:pPr algn="l"/>
+            <a:r>
+              <a:rPr lang="en-US" sz="1400" b="0" i="0" u="none" strike="noStrike" baseline="0" dirty="0">
+                <a:latin typeface="Times New Roman" panose="02020603050405020304" pitchFamily="18" charset="0"/>
+                <a:cs typeface="Times New Roman" panose="02020603050405020304" pitchFamily="18" charset="0"/>
+              </a:rPr>
+              <a:t>Levin, A., </a:t>
+            </a:r>
+            <a:r>
+              <a:rPr lang="en-US" sz="1400" b="0" i="0" u="none" strike="noStrike" baseline="0" dirty="0" err="1">
+                <a:latin typeface="Times New Roman" panose="02020603050405020304" pitchFamily="18" charset="0"/>
+                <a:cs typeface="Times New Roman" panose="02020603050405020304" pitchFamily="18" charset="0"/>
+              </a:rPr>
+              <a:t>Lischinski</a:t>
+            </a:r>
+            <a:r>
+              <a:rPr lang="en-US" sz="1400" b="0" i="0" u="none" strike="noStrike" baseline="0" dirty="0">
+                <a:latin typeface="Times New Roman" panose="02020603050405020304" pitchFamily="18" charset="0"/>
+                <a:cs typeface="Times New Roman" panose="02020603050405020304" pitchFamily="18" charset="0"/>
+              </a:rPr>
+              <a:t>, D. and Weiss, Y. (2004). Colorization using optimization, </a:t>
+            </a:r>
+            <a:r>
+              <a:rPr lang="sv-SE" sz="1400" b="0" i="1" u="none" strike="noStrike" baseline="0" dirty="0">
+                <a:latin typeface="Times New Roman" panose="02020603050405020304" pitchFamily="18" charset="0"/>
+                <a:cs typeface="Times New Roman" panose="02020603050405020304" pitchFamily="18" charset="0"/>
+              </a:rPr>
+              <a:t>ACM SIGGRAPH 2004 Papers</a:t>
+            </a:r>
+            <a:r>
+              <a:rPr lang="sv-SE" sz="1400" b="0" i="0" u="none" strike="noStrike" baseline="0" dirty="0">
+                <a:latin typeface="Times New Roman" panose="02020603050405020304" pitchFamily="18" charset="0"/>
+                <a:cs typeface="Times New Roman" panose="02020603050405020304" pitchFamily="18" charset="0"/>
+              </a:rPr>
+              <a:t>, pp. 689–694.</a:t>
+            </a:r>
+          </a:p>
+          <a:p>
+            <a:pPr algn="l"/>
+            <a:r>
+              <a:rPr lang="en-US" sz="1400" b="0" i="0" u="none" strike="noStrike" baseline="0" dirty="0">
+                <a:latin typeface="Times New Roman" panose="02020603050405020304" pitchFamily="18" charset="0"/>
+                <a:cs typeface="Times New Roman" panose="02020603050405020304" pitchFamily="18" charset="0"/>
+              </a:rPr>
+              <a:t>Long, J., </a:t>
+            </a:r>
+            <a:r>
+              <a:rPr lang="en-US" sz="1400" b="0" i="0" u="none" strike="noStrike" baseline="0" dirty="0" err="1">
+                <a:latin typeface="Times New Roman" panose="02020603050405020304" pitchFamily="18" charset="0"/>
+                <a:cs typeface="Times New Roman" panose="02020603050405020304" pitchFamily="18" charset="0"/>
+              </a:rPr>
+              <a:t>Shelhamer</a:t>
+            </a:r>
+            <a:r>
+              <a:rPr lang="en-US" sz="1400" b="0" i="0" u="none" strike="noStrike" baseline="0" dirty="0">
+                <a:latin typeface="Times New Roman" panose="02020603050405020304" pitchFamily="18" charset="0"/>
+                <a:cs typeface="Times New Roman" panose="02020603050405020304" pitchFamily="18" charset="0"/>
+              </a:rPr>
+              <a:t>, E. and Darrell, T. (2015). Fully convolutional networks for semantic segmentation, </a:t>
+            </a:r>
+          </a:p>
+          <a:p>
+            <a:pPr marL="457200" lvl="1" indent="0">
+              <a:buNone/>
+            </a:pPr>
+            <a:r>
+              <a:rPr lang="en-US" sz="1500" b="0" i="1" u="none" strike="noStrike" baseline="0" dirty="0">
+                <a:latin typeface="Times New Roman" panose="02020603050405020304" pitchFamily="18" charset="0"/>
+                <a:cs typeface="Times New Roman" panose="02020603050405020304" pitchFamily="18" charset="0"/>
+              </a:rPr>
+              <a:t>	2015 IEEE Conference on Computer Vision and Pattern Recognition (CVPR), </a:t>
+            </a:r>
+            <a:r>
+              <a:rPr lang="en-US" sz="1500" b="0" i="0" u="none" strike="noStrike" baseline="0" dirty="0">
+                <a:latin typeface="Times New Roman" panose="02020603050405020304" pitchFamily="18" charset="0"/>
+                <a:cs typeface="Times New Roman" panose="02020603050405020304" pitchFamily="18" charset="0"/>
+              </a:rPr>
+              <a:t>pp. 3431–3440</a:t>
+            </a:r>
+            <a:r>
+              <a:rPr lang="en-US" sz="1000" b="0" i="0" u="none" strike="noStrike" baseline="0" dirty="0">
+                <a:latin typeface="Times New Roman" panose="02020603050405020304" pitchFamily="18" charset="0"/>
+                <a:cs typeface="Times New Roman" panose="02020603050405020304" pitchFamily="18" charset="0"/>
+              </a:rPr>
+              <a:t>.</a:t>
+            </a:r>
+          </a:p>
+          <a:p>
+            <a:pPr algn="l"/>
+            <a:r>
+              <a:rPr lang="en-US" sz="1400" b="0" i="0" u="none" strike="noStrike" baseline="0" dirty="0">
+                <a:latin typeface="Times New Roman" panose="02020603050405020304" pitchFamily="18" charset="0"/>
+                <a:cs typeface="Times New Roman" panose="02020603050405020304" pitchFamily="18" charset="0"/>
+              </a:rPr>
+              <a:t>Mirza, M. and </a:t>
+            </a:r>
+            <a:r>
+              <a:rPr lang="en-US" sz="1400" b="0" i="0" u="none" strike="noStrike" baseline="0" dirty="0" err="1">
+                <a:latin typeface="Times New Roman" panose="02020603050405020304" pitchFamily="18" charset="0"/>
+                <a:cs typeface="Times New Roman" panose="02020603050405020304" pitchFamily="18" charset="0"/>
+              </a:rPr>
+              <a:t>Osindero</a:t>
+            </a:r>
+            <a:r>
+              <a:rPr lang="en-US" sz="1400" b="0" i="0" u="none" strike="noStrike" baseline="0" dirty="0">
+                <a:latin typeface="Times New Roman" panose="02020603050405020304" pitchFamily="18" charset="0"/>
+                <a:cs typeface="Times New Roman" panose="02020603050405020304" pitchFamily="18" charset="0"/>
+              </a:rPr>
+              <a:t>, S. (2014). Conditional generative adversarial nets.</a:t>
+            </a:r>
+            <a:endParaRPr lang="en-US" sz="1400" dirty="0">
+              <a:latin typeface="Times New Roman" panose="02020603050405020304" pitchFamily="18" charset="0"/>
+              <a:cs typeface="Times New Roman" panose="02020603050405020304" pitchFamily="18" charset="0"/>
+            </a:endParaRPr>
+          </a:p>
+          <a:p>
+            <a:pPr algn="l"/>
+            <a:r>
+              <a:rPr lang="en-US" sz="1400" b="0" i="0" u="none" strike="noStrike" baseline="0" dirty="0">
+                <a:latin typeface="Times New Roman" panose="02020603050405020304" pitchFamily="18" charset="0"/>
+                <a:cs typeface="Times New Roman" panose="02020603050405020304" pitchFamily="18" charset="0"/>
+              </a:rPr>
+              <a:t>Pressman, R. S. (1992). Software Engineering (3rd Ed.): A Practitioner’s Approach, McGraw-Hill, Inc., New York, NY, USA.</a:t>
+            </a:r>
+          </a:p>
+          <a:p>
+            <a:pPr algn="l"/>
+            <a:r>
+              <a:rPr lang="en-US" sz="1500" b="0" i="0" u="none" strike="noStrike" baseline="0" dirty="0">
+                <a:latin typeface="Times New Roman" panose="02020603050405020304" pitchFamily="18" charset="0"/>
+                <a:cs typeface="Times New Roman" panose="02020603050405020304" pitchFamily="18" charset="0"/>
+              </a:rPr>
+              <a:t>Qu, </a:t>
+            </a:r>
+            <a:r>
+              <a:rPr lang="en-US" sz="1500" b="0" i="0" u="none" strike="noStrike" baseline="0" dirty="0" err="1">
+                <a:latin typeface="Times New Roman" panose="02020603050405020304" pitchFamily="18" charset="0"/>
+                <a:cs typeface="Times New Roman" panose="02020603050405020304" pitchFamily="18" charset="0"/>
+              </a:rPr>
+              <a:t>Y.,Wong</a:t>
+            </a:r>
+            <a:r>
+              <a:rPr lang="en-US" sz="1500" b="0" i="0" u="none" strike="noStrike" baseline="0" dirty="0">
+                <a:latin typeface="Times New Roman" panose="02020603050405020304" pitchFamily="18" charset="0"/>
+                <a:cs typeface="Times New Roman" panose="02020603050405020304" pitchFamily="18" charset="0"/>
+              </a:rPr>
+              <a:t>, T.-T. and Heng, P.-A. (2006). Manga colorization, ACM Transactions on Graphics (TOG) 25(3): 1214–1220.</a:t>
+            </a:r>
+          </a:p>
+          <a:p>
+            <a:pPr algn="l"/>
+            <a:r>
+              <a:rPr lang="en-US" sz="1500" b="0" i="0" u="none" strike="noStrike" baseline="0" dirty="0">
+                <a:latin typeface="Times New Roman" panose="02020603050405020304" pitchFamily="18" charset="0"/>
+                <a:cs typeface="Times New Roman" panose="02020603050405020304" pitchFamily="18" charset="0"/>
+              </a:rPr>
+              <a:t>Radford, A., Metz, L. and </a:t>
+            </a:r>
+            <a:r>
+              <a:rPr lang="en-US" sz="1500" b="0" i="0" u="none" strike="noStrike" baseline="0" dirty="0" err="1">
+                <a:latin typeface="Times New Roman" panose="02020603050405020304" pitchFamily="18" charset="0"/>
+                <a:cs typeface="Times New Roman" panose="02020603050405020304" pitchFamily="18" charset="0"/>
+              </a:rPr>
+              <a:t>Chintala</a:t>
+            </a:r>
+            <a:r>
+              <a:rPr lang="en-US" sz="1500" b="0" i="0" u="none" strike="noStrike" baseline="0" dirty="0">
+                <a:latin typeface="Times New Roman" panose="02020603050405020304" pitchFamily="18" charset="0"/>
+                <a:cs typeface="Times New Roman" panose="02020603050405020304" pitchFamily="18" charset="0"/>
+              </a:rPr>
+              <a:t>, S. (2016). Unsupervised representation learning with deep convolutional generative adversarial 	networks.</a:t>
+            </a:r>
+          </a:p>
+          <a:p>
+            <a:pPr algn="l"/>
+            <a:r>
+              <a:rPr lang="en-US" sz="1500" b="0" i="0" u="none" strike="noStrike" baseline="0" dirty="0">
+                <a:latin typeface="Times New Roman" panose="02020603050405020304" pitchFamily="18" charset="0"/>
+                <a:cs typeface="Times New Roman" panose="02020603050405020304" pitchFamily="18" charset="0"/>
+              </a:rPr>
+              <a:t>Shi, W., Caballero, J., </a:t>
+            </a:r>
+            <a:r>
+              <a:rPr lang="en-US" sz="1500" b="0" i="0" u="none" strike="noStrike" baseline="0" dirty="0" err="1">
+                <a:latin typeface="Times New Roman" panose="02020603050405020304" pitchFamily="18" charset="0"/>
+                <a:cs typeface="Times New Roman" panose="02020603050405020304" pitchFamily="18" charset="0"/>
+              </a:rPr>
+              <a:t>Husz´ar</a:t>
+            </a:r>
+            <a:r>
+              <a:rPr lang="en-US" sz="1500" b="0" i="0" u="none" strike="noStrike" baseline="0" dirty="0">
+                <a:latin typeface="Times New Roman" panose="02020603050405020304" pitchFamily="18" charset="0"/>
+                <a:cs typeface="Times New Roman" panose="02020603050405020304" pitchFamily="18" charset="0"/>
+              </a:rPr>
+              <a:t>, F., </a:t>
+            </a:r>
+            <a:r>
+              <a:rPr lang="en-US" sz="1500" b="0" i="0" u="none" strike="noStrike" baseline="0" dirty="0" err="1">
+                <a:latin typeface="Times New Roman" panose="02020603050405020304" pitchFamily="18" charset="0"/>
+                <a:cs typeface="Times New Roman" panose="02020603050405020304" pitchFamily="18" charset="0"/>
+              </a:rPr>
+              <a:t>Totz</a:t>
+            </a:r>
+            <a:r>
+              <a:rPr lang="en-US" sz="1500" b="0" i="0" u="none" strike="noStrike" baseline="0" dirty="0">
+                <a:latin typeface="Times New Roman" panose="02020603050405020304" pitchFamily="18" charset="0"/>
+                <a:cs typeface="Times New Roman" panose="02020603050405020304" pitchFamily="18" charset="0"/>
+              </a:rPr>
+              <a:t>, J., Aitken, A. P., Bishop, R., </a:t>
+            </a:r>
+            <a:r>
+              <a:rPr lang="en-US" sz="1500" b="0" i="0" u="none" strike="noStrike" baseline="0" dirty="0" err="1">
+                <a:latin typeface="Times New Roman" panose="02020603050405020304" pitchFamily="18" charset="0"/>
+                <a:cs typeface="Times New Roman" panose="02020603050405020304" pitchFamily="18" charset="0"/>
+              </a:rPr>
+              <a:t>Rueckert</a:t>
+            </a:r>
+            <a:r>
+              <a:rPr lang="en-US" sz="1500" b="0" i="0" u="none" strike="noStrike" baseline="0" dirty="0">
+                <a:latin typeface="Times New Roman" panose="02020603050405020304" pitchFamily="18" charset="0"/>
+                <a:cs typeface="Times New Roman" panose="02020603050405020304" pitchFamily="18" charset="0"/>
+              </a:rPr>
+              <a:t>, D. and Wang, Z. (2016). </a:t>
+            </a:r>
+          </a:p>
+          <a:p>
+            <a:pPr marL="457200" lvl="1" indent="0">
+              <a:buNone/>
+            </a:pPr>
+            <a:r>
+              <a:rPr lang="en-US" sz="1500" b="0" i="0" u="none" strike="noStrike" baseline="0" dirty="0">
+                <a:latin typeface="Times New Roman" panose="02020603050405020304" pitchFamily="18" charset="0"/>
+                <a:cs typeface="Times New Roman" panose="02020603050405020304" pitchFamily="18" charset="0"/>
+              </a:rPr>
+              <a:t>	Real-time single image and video super-resolution using an efficient sub-pixel convolutional neural network, </a:t>
+            </a:r>
+          </a:p>
+          <a:p>
+            <a:pPr marL="457200" lvl="1" indent="0">
+              <a:buNone/>
+            </a:pPr>
+            <a:r>
+              <a:rPr lang="en-US" sz="1500" dirty="0">
+                <a:latin typeface="Times New Roman" panose="02020603050405020304" pitchFamily="18" charset="0"/>
+                <a:cs typeface="Times New Roman" panose="02020603050405020304" pitchFamily="18" charset="0"/>
+              </a:rPr>
+              <a:t>	</a:t>
+            </a:r>
+            <a:r>
+              <a:rPr lang="en-US" sz="1500" b="0" i="1" u="none" strike="noStrike" baseline="0" dirty="0">
+                <a:latin typeface="Times New Roman" panose="02020603050405020304" pitchFamily="18" charset="0"/>
+                <a:cs typeface="Times New Roman" panose="02020603050405020304" pitchFamily="18" charset="0"/>
+              </a:rPr>
+              <a:t>2016 IEEE Conference on Computer Vision and Pattern Recognition (CVPR),</a:t>
+            </a:r>
+            <a:r>
+              <a:rPr lang="en-US" sz="1500" b="0" i="0" u="none" strike="noStrike" baseline="0" dirty="0">
+                <a:latin typeface="Times New Roman" panose="02020603050405020304" pitchFamily="18" charset="0"/>
+                <a:cs typeface="Times New Roman" panose="02020603050405020304" pitchFamily="18" charset="0"/>
+              </a:rPr>
+              <a:t> pp. 1874–1883.</a:t>
+            </a:r>
+            <a:endParaRPr lang="en-US" sz="1500" dirty="0">
+              <a:latin typeface="Times New Roman" panose="02020603050405020304" pitchFamily="18" charset="0"/>
+              <a:cs typeface="Times New Roman" panose="02020603050405020304" pitchFamily="18" charset="0"/>
+            </a:endParaRPr>
+          </a:p>
+        </p:txBody>
+      </p:sp>
+      <p:sp>
+        <p:nvSpPr>
+          <p:cNvPr id="4" name="Footer Placeholder 3">
+            <a:extLst>
+              <a:ext uri="{FF2B5EF4-FFF2-40B4-BE49-F238E27FC236}">
+                <a16:creationId xmlns:a16="http://schemas.microsoft.com/office/drawing/2014/main" id="{478E4A7B-00AC-4117-8CCF-32F4EA319662}"/>
+              </a:ext>
+            </a:extLst>
+          </p:cNvPr>
+          <p:cNvSpPr>
+            <a:spLocks noGrp="1"/>
+          </p:cNvSpPr>
+          <p:nvPr>
+            <p:ph type="ftr" sz="quarter" idx="11"/>
+          </p:nvPr>
+        </p:nvSpPr>
+        <p:spPr/>
+        <p:txBody>
+          <a:bodyPr/>
+          <a:lstStyle/>
+          <a:p>
+            <a:r>
+              <a:rPr lang="en-US"/>
+              <a:t>Astronomical image colourisation and super-resolution using GANS</a:t>
+            </a:r>
+            <a:endParaRPr lang="en-IN"/>
+          </a:p>
+        </p:txBody>
+      </p:sp>
+    </p:spTree>
+    <p:extLst>
+      <p:ext uri="{BB962C8B-B14F-4D97-AF65-F5344CB8AC3E}">
+        <p14:creationId xmlns:p14="http://schemas.microsoft.com/office/powerpoint/2010/main" val="604998426"/>
+      </p:ext>
+    </p:extLst>
+  </p:cSld>
+  <p:clrMapOvr>
+    <a:masterClrMapping/>
+  </p:clrMapOvr>
+  <mc:AlternateContent xmlns:mc="http://schemas.openxmlformats.org/markup-compatibility/2006" xmlns:p14="http://schemas.microsoft.com/office/powerpoint/2010/main">
+    <mc:Choice Requires="p14">
+      <p:transition spd="med" p14:dur="700">
+        <p:fade/>
+      </p:transition>
+    </mc:Choice>
+    <mc:Fallback xmlns="">
+      <p:transition spd="med">
+        <p:fade/>
+      </p:transition>
+    </mc:Fallback>
+  </mc:AlternateContent>
+</p:sld>
+</file>
+
+<file path=ppt/slides/slide31.xml><?xml version="1.0" encoding="utf-8"?>
+<p:sld xmlns:a="http://schemas.openxmlformats.org/drawingml/2006/main" xmlns:r="http://schemas.openxmlformats.org/officeDocument/2006/relationships" xmlns:p="http://schemas.openxmlformats.org/presentationml/2006/main">
+  <p:cSld>
+    <p:spTree>
+      <p:nvGrpSpPr>
+        <p:cNvPr id="1" name=""/>
+        <p:cNvGrpSpPr/>
+        <p:nvPr/>
+      </p:nvGrpSpPr>
+      <p:grpSpPr>
+        <a:xfrm>
+          <a:off x="0" y="0"/>
+          <a:ext cx="0" cy="0"/>
+          <a:chOff x="0" y="0"/>
+          <a:chExt cx="0" cy="0"/>
+        </a:xfrm>
+      </p:grpSpPr>
+      <p:sp>
+        <p:nvSpPr>
+          <p:cNvPr id="2" name="Title 1">
+            <a:extLst>
+              <a:ext uri="{FF2B5EF4-FFF2-40B4-BE49-F238E27FC236}">
                 <a16:creationId xmlns:a16="http://schemas.microsoft.com/office/drawing/2014/main" id="{9830E956-2FFC-48BF-8208-EB43E244E3AD}"/>
               </a:ext>
             </a:extLst>
@@ -11666,7 +11832,7 @@
 </p:sld>
 </file>
 
-<file path=ppt/slides/slide31.xml><?xml version="1.0" encoding="utf-8"?>
+<file path=ppt/slides/slide32.xml><?xml version="1.0" encoding="utf-8"?>
 <p:sld xmlns:a="http://schemas.openxmlformats.org/drawingml/2006/main" xmlns:r="http://schemas.openxmlformats.org/officeDocument/2006/relationships" xmlns:p="http://schemas.openxmlformats.org/presentationml/2006/main">
   <p:cSld>
     <p:spTree>
@@ -11762,7 +11928,7 @@
 </p:sld>
 </file>
 
-<file path=ppt/slides/slide32.xml><?xml version="1.0" encoding="utf-8"?>
+<file path=ppt/slides/slide33.xml><?xml version="1.0" encoding="utf-8"?>
 <p:sld xmlns:a="http://schemas.openxmlformats.org/drawingml/2006/main" xmlns:r="http://schemas.openxmlformats.org/officeDocument/2006/relationships" xmlns:p="http://schemas.openxmlformats.org/presentationml/2006/main">
   <p:cSld>
     <p:spTree>
@@ -11885,7 +12051,7 @@
 </p:sld>
 </file>
 
-<file path=ppt/slides/slide33.xml><?xml version="1.0" encoding="utf-8"?>
+<file path=ppt/slides/slide34.xml><?xml version="1.0" encoding="utf-8"?>
 <p:sld xmlns:a="http://schemas.openxmlformats.org/drawingml/2006/main" xmlns:r="http://schemas.openxmlformats.org/officeDocument/2006/relationships" xmlns:p="http://schemas.openxmlformats.org/presentationml/2006/main">
   <p:cSld>
     <p:spTree>
@@ -12139,7 +12305,7 @@
 </p:sld>
 </file>
 
-<file path=ppt/slides/slide34.xml><?xml version="1.0" encoding="utf-8"?>
+<file path=ppt/slides/slide35.xml><?xml version="1.0" encoding="utf-8"?>
 <p:sld xmlns:a="http://schemas.openxmlformats.org/drawingml/2006/main" xmlns:r="http://schemas.openxmlformats.org/officeDocument/2006/relationships" xmlns:p="http://schemas.openxmlformats.org/presentationml/2006/main">
   <p:cSld>
     <p:spTree>
@@ -14113,6 +14279,15 @@
 </file>
 
 <file path=customXml/item1.xml><?xml version="1.0" encoding="utf-8"?>
+<?mso-contentType ?>
+<FormTemplates xmlns="http://schemas.microsoft.com/sharepoint/v3/contenttype/forms">
+  <Display>DocumentLibraryForm</Display>
+  <Edit>AssetEditForm</Edit>
+  <New>DocumentLibraryForm</New>
+</FormTemplates>
+</file>
+
+<file path=customXml/item2.xml><?xml version="1.0" encoding="utf-8"?>
 <p:properties xmlns:p="http://schemas.microsoft.com/office/2006/metadata/properties" xmlns:xsi="http://www.w3.org/2001/XMLSchema-instance" xmlns:pc="http://schemas.microsoft.com/office/infopath/2007/PartnerControls">
   <documentManagement>
     <APDescription xmlns="4873beb7-5857-4685-be1f-d57550cc96cc" xsi:nil="true"/>
@@ -14236,15 +14411,6 @@
     <UANotes xmlns="4873beb7-5857-4685-be1f-d57550cc96cc" xsi:nil="true"/>
   </documentManagement>
 </p:properties>
-</file>
-
-<file path=customXml/item2.xml><?xml version="1.0" encoding="utf-8"?>
-<?mso-contentType ?>
-<FormTemplates xmlns="http://schemas.microsoft.com/sharepoint/v3/contenttype/forms">
-  <Display>DocumentLibraryForm</Display>
-  <Edit>AssetEditForm</Edit>
-  <New>DocumentLibraryForm</New>
-</FormTemplates>
 </file>
 
 <file path=customXml/item3.xml><?xml version="1.0" encoding="utf-8"?>
@@ -15288,6 +15454,14 @@
 </file>
 
 <file path=customXml/itemProps1.xml><?xml version="1.0" encoding="utf-8"?>
+<ds:datastoreItem xmlns:ds="http://schemas.openxmlformats.org/officeDocument/2006/customXml" ds:itemID="{561E720F-F05D-4536-9C34-0CFCED65D3B7}">
+  <ds:schemaRefs>
+    <ds:schemaRef ds:uri="http://schemas.microsoft.com/sharepoint/v3/contenttype/forms"/>
+  </ds:schemaRefs>
+</ds:datastoreItem>
+</file>
+
+<file path=customXml/itemProps2.xml><?xml version="1.0" encoding="utf-8"?>
 <ds:datastoreItem xmlns:ds="http://schemas.openxmlformats.org/officeDocument/2006/customXml" ds:itemID="{8CDDBB83-77C1-4099-A0AA-289882E745E2}">
   <ds:schemaRefs>
     <ds:schemaRef ds:uri="http://purl.org/dc/terms/"/>
@@ -15299,14 +15473,6 @@
     <ds:schemaRef ds:uri="http://schemas.microsoft.com/office/infopath/2007/PartnerControls"/>
     <ds:schemaRef ds:uri="http://schemas.microsoft.com/office/2006/metadata/properties"/>
     <ds:schemaRef ds:uri="http://www.w3.org/XML/1998/namespace"/>
-  </ds:schemaRefs>
-</ds:datastoreItem>
-</file>
-
-<file path=customXml/itemProps2.xml><?xml version="1.0" encoding="utf-8"?>
-<ds:datastoreItem xmlns:ds="http://schemas.openxmlformats.org/officeDocument/2006/customXml" ds:itemID="{561E720F-F05D-4536-9C34-0CFCED65D3B7}">
-  <ds:schemaRefs>
-    <ds:schemaRef ds:uri="http://schemas.microsoft.com/sharepoint/v3/contenttype/forms"/>
   </ds:schemaRefs>
 </ds:datastoreItem>
 </file>

--- a/Presentation/Stage_1/stage_1_presentation.pptx
+++ b/Presentation/Stage_1/stage_1_presentation.pptx
@@ -8943,123 +8943,6 @@
       </p:pic>
       <p:pic>
         <p:nvPicPr>
-          <p:cNvPr id="3" name="Picture 2">
-            <a:extLst>
-              <a:ext uri="{FF2B5EF4-FFF2-40B4-BE49-F238E27FC236}">
-                <a16:creationId xmlns:a16="http://schemas.microsoft.com/office/drawing/2014/main" id="{8F75C5C1-87B0-4E3B-86CD-2A5BF38FDD12}"/>
-              </a:ext>
-            </a:extLst>
-          </p:cNvPr>
-          <p:cNvPicPr>
-            <a:picLocks noChangeAspect="1"/>
-          </p:cNvPicPr>
-          <p:nvPr/>
-        </p:nvPicPr>
-        <p:blipFill rotWithShape="1">
-          <a:blip r:embed="rId3">
-            <a:extLst>
-              <a:ext uri="{BEBA8EAE-BF5A-486C-A8C5-ECC9F3942E4B}">
-                <a14:imgProps xmlns:a14="http://schemas.microsoft.com/office/drawing/2010/main">
-                  <a14:imgLayer r:embed="rId4">
-                    <a14:imgEffect>
-                      <a14:backgroundRemoval t="2767" b="32806" l="2429" r="97571">
-                        <a14:foregroundMark x1="9818" y1="11067" x2="96255" y2="9881"/>
-                        <a14:foregroundMark x1="94636" y1="13043" x2="97571" y2="14229"/>
-                        <a14:foregroundMark x1="2429" y1="21739" x2="43522" y2="32806"/>
-                        <a14:backgroundMark x1="46255" y1="30435" x2="83907" y2="25692"/>
-                        <a14:backgroundMark x1="96255" y1="29249" x2="87146" y2="30040"/>
-                        <a14:backgroundMark x1="87146" y1="30040" x2="80162" y2="30040"/>
-                        <a14:backgroundMark x1="80162" y1="30040" x2="46154" y2="28458"/>
-                        <a14:backgroundMark x1="46154" y1="28458" x2="46154" y2="28458"/>
-                        <a14:backgroundMark x1="45142" y1="24901" x2="45142" y2="33202"/>
-                        <a14:backgroundMark x1="44939" y1="24111" x2="98381" y2="25296"/>
-                        <a14:backgroundMark x1="98381" y1="25296" x2="98684" y2="33992"/>
-                        <a14:backgroundMark x1="98684" y1="33992" x2="44939" y2="33597"/>
-                        <a14:backgroundMark x1="44939" y1="24111" x2="49899" y2="23320"/>
-                        <a14:backgroundMark x1="49899" y1="23320" x2="59211" y2="25692"/>
-                        <a14:backgroundMark x1="44838" y1="20949" x2="44433" y2="32806"/>
-                        <a14:backgroundMark x1="44838" y1="20949" x2="47470" y2="24111"/>
-                        <a14:backgroundMark x1="44332" y1="20949" x2="58603" y2="26877"/>
-                        <a14:backgroundMark x1="83806" y1="18182" x2="94939" y2="19763"/>
-                        <a14:backgroundMark x1="94939" y1="19763" x2="84919" y2="24901"/>
-                        <a14:backgroundMark x1="85830" y1="21344" x2="92105" y2="24506"/>
-                        <a14:backgroundMark x1="92105" y1="24506" x2="92105" y2="24506"/>
-                        <a14:backgroundMark x1="96559" y1="18972" x2="99190" y2="33202"/>
-                      </a14:backgroundRemoval>
-                    </a14:imgEffect>
-                  </a14:imgLayer>
-                </a14:imgProps>
-              </a:ext>
-            </a:extLst>
-          </a:blip>
-          <a:srcRect l="1398" t="-1" r="1055" b="63956"/>
-          <a:stretch/>
-        </p:blipFill>
-        <p:spPr>
-          <a:xfrm>
-            <a:off x="1204298" y="1686250"/>
-            <a:ext cx="8084804" cy="765010"/>
-          </a:xfrm>
-          <a:prstGeom prst="rect">
-            <a:avLst/>
-          </a:prstGeom>
-        </p:spPr>
-      </p:pic>
-      <p:pic>
-        <p:nvPicPr>
-          <p:cNvPr id="7" name="Picture 6">
-            <a:extLst>
-              <a:ext uri="{FF2B5EF4-FFF2-40B4-BE49-F238E27FC236}">
-                <a16:creationId xmlns:a16="http://schemas.microsoft.com/office/drawing/2014/main" id="{8E77625A-0D46-4AB1-99DA-5F559F9D1EA9}"/>
-              </a:ext>
-            </a:extLst>
-          </p:cNvPr>
-          <p:cNvPicPr>
-            <a:picLocks noChangeAspect="1"/>
-          </p:cNvPicPr>
-          <p:nvPr/>
-        </p:nvPicPr>
-        <p:blipFill>
-          <a:blip r:embed="rId5">
-            <a:extLst>
-              <a:ext uri="{BEBA8EAE-BF5A-486C-A8C5-ECC9F3942E4B}">
-                <a14:imgProps xmlns:a14="http://schemas.microsoft.com/office/drawing/2010/main">
-                  <a14:imgLayer r:embed="rId6">
-                    <a14:imgEffect>
-                      <a14:backgroundRemoval t="2410" b="95783" l="0" r="99485">
-                        <a14:foregroundMark x1="8763" y1="15060" x2="24536" y2="17470"/>
-                        <a14:foregroundMark x1="7010" y1="9639" x2="90722" y2="19880"/>
-                        <a14:foregroundMark x1="3402" y1="28916" x2="30928" y2="54217"/>
-                        <a14:foregroundMark x1="30928" y1="54217" x2="15670" y2="28313"/>
-                        <a14:backgroundMark x1="46701" y1="35542" x2="46598" y2="63253"/>
-                        <a14:backgroundMark x1="46598" y1="63253" x2="619" y2="66265"/>
-                        <a14:backgroundMark x1="619" y1="66265" x2="619" y2="87349"/>
-                        <a14:backgroundMark x1="619" y1="87349" x2="99381" y2="89759"/>
-                        <a14:backgroundMark x1="99175" y1="87349" x2="99278" y2="40361"/>
-                        <a14:backgroundMark x1="98969" y1="39157" x2="46392" y2="34337"/>
-                      </a14:backgroundRemoval>
-                    </a14:imgEffect>
-                  </a14:imgLayer>
-                </a14:imgProps>
-              </a:ext>
-            </a:extLst>
-          </a:blip>
-          <a:stretch>
-            <a:fillRect/>
-          </a:stretch>
-        </p:blipFill>
-        <p:spPr>
-          <a:xfrm>
-            <a:off x="1214939" y="2828144"/>
-            <a:ext cx="8172265" cy="1398553"/>
-          </a:xfrm>
-          <a:prstGeom prst="rect">
-            <a:avLst/>
-          </a:prstGeom>
-        </p:spPr>
-      </p:pic>
-      <p:pic>
-        <p:nvPicPr>
           <p:cNvPr id="9" name="Picture 8">
             <a:extLst>
               <a:ext uri="{FF2B5EF4-FFF2-40B4-BE49-F238E27FC236}">
@@ -9073,7 +8956,7 @@
           <p:nvPr/>
         </p:nvPicPr>
         <p:blipFill rotWithShape="1">
-          <a:blip r:embed="rId7"/>
+          <a:blip r:embed="rId3"/>
           <a:srcRect l="38831" t="65036" r="41232" b="7306"/>
           <a:stretch/>
         </p:blipFill>
@@ -9102,7 +8985,7 @@
           <p:nvPr/>
         </p:nvPicPr>
         <p:blipFill rotWithShape="1">
-          <a:blip r:embed="rId8"/>
+          <a:blip r:embed="rId4"/>
           <a:srcRect l="43916" t="77874" r="43337" b="2928"/>
           <a:stretch/>
         </p:blipFill>
@@ -9131,7 +9014,7 @@
           <p:nvPr/>
         </p:nvPicPr>
         <p:blipFill rotWithShape="1">
-          <a:blip r:embed="rId9"/>
+          <a:blip r:embed="rId5"/>
           <a:srcRect r="16127" b="88507"/>
           <a:stretch/>
         </p:blipFill>
@@ -9160,7 +9043,7 @@
           <p:nvPr/>
         </p:nvPicPr>
         <p:blipFill rotWithShape="1">
-          <a:blip r:embed="rId9"/>
+          <a:blip r:embed="rId5"/>
           <a:srcRect l="94253" t="15918" r="702" b="71390"/>
           <a:stretch/>
         </p:blipFill>
@@ -9189,7 +9072,7 @@
           <p:nvPr/>
         </p:nvPicPr>
         <p:blipFill rotWithShape="1">
-          <a:blip r:embed="rId9"/>
+          <a:blip r:embed="rId5"/>
           <a:srcRect l="1262" t="32490" b="56414"/>
           <a:stretch/>
         </p:blipFill>
@@ -9218,7 +9101,7 @@
           <p:nvPr/>
         </p:nvPicPr>
         <p:blipFill>
-          <a:blip r:embed="rId10"/>
+          <a:blip r:embed="rId6"/>
           <a:stretch>
             <a:fillRect/>
           </a:stretch>
@@ -9248,7 +9131,7 @@
           <p:nvPr/>
         </p:nvPicPr>
         <p:blipFill>
-          <a:blip r:embed="rId11"/>
+          <a:blip r:embed="rId7"/>
           <a:stretch>
             <a:fillRect/>
           </a:stretch>
@@ -9257,6 +9140,66 @@
           <a:xfrm>
             <a:off x="2747587" y="5410232"/>
             <a:ext cx="6242425" cy="638689"/>
+          </a:xfrm>
+          <a:prstGeom prst="rect">
+            <a:avLst/>
+          </a:prstGeom>
+        </p:spPr>
+      </p:pic>
+      <p:pic>
+        <p:nvPicPr>
+          <p:cNvPr id="18" name="Picture 17">
+            <a:extLst>
+              <a:ext uri="{FF2B5EF4-FFF2-40B4-BE49-F238E27FC236}">
+                <a16:creationId xmlns:a16="http://schemas.microsoft.com/office/drawing/2014/main" id="{25BD078B-4A27-4E10-96C2-1D70ACF1F7B2}"/>
+              </a:ext>
+            </a:extLst>
+          </p:cNvPr>
+          <p:cNvPicPr>
+            <a:picLocks noChangeAspect="1"/>
+          </p:cNvPicPr>
+          <p:nvPr/>
+        </p:nvPicPr>
+        <p:blipFill>
+          <a:blip r:embed="rId8"/>
+          <a:stretch>
+            <a:fillRect/>
+          </a:stretch>
+        </p:blipFill>
+        <p:spPr>
+          <a:xfrm>
+            <a:off x="1214939" y="1660441"/>
+            <a:ext cx="8113289" cy="729484"/>
+          </a:xfrm>
+          <a:prstGeom prst="rect">
+            <a:avLst/>
+          </a:prstGeom>
+        </p:spPr>
+      </p:pic>
+      <p:pic>
+        <p:nvPicPr>
+          <p:cNvPr id="20" name="Picture 19">
+            <a:extLst>
+              <a:ext uri="{FF2B5EF4-FFF2-40B4-BE49-F238E27FC236}">
+                <a16:creationId xmlns:a16="http://schemas.microsoft.com/office/drawing/2014/main" id="{4EC1BF3E-D7BC-47B1-BFF2-182BC584922D}"/>
+              </a:ext>
+            </a:extLst>
+          </p:cNvPr>
+          <p:cNvPicPr>
+            <a:picLocks noChangeAspect="1"/>
+          </p:cNvPicPr>
+          <p:nvPr/>
+        </p:nvPicPr>
+        <p:blipFill>
+          <a:blip r:embed="rId9"/>
+          <a:stretch>
+            <a:fillRect/>
+          </a:stretch>
+        </p:blipFill>
+        <p:spPr>
+          <a:xfrm>
+            <a:off x="1237522" y="2879787"/>
+            <a:ext cx="8248657" cy="1215404"/>
           </a:xfrm>
           <a:prstGeom prst="rect">
             <a:avLst/>
@@ -9391,105 +9334,6 @@
       </p:pic>
       <p:pic>
         <p:nvPicPr>
-          <p:cNvPr id="3" name="Picture 2">
-            <a:extLst>
-              <a:ext uri="{FF2B5EF4-FFF2-40B4-BE49-F238E27FC236}">
-                <a16:creationId xmlns:a16="http://schemas.microsoft.com/office/drawing/2014/main" id="{B3657738-7032-43F7-B362-03FDEE30ABD9}"/>
-              </a:ext>
-            </a:extLst>
-          </p:cNvPr>
-          <p:cNvPicPr>
-            <a:picLocks noChangeAspect="1"/>
-          </p:cNvPicPr>
-          <p:nvPr/>
-        </p:nvPicPr>
-        <p:blipFill rotWithShape="1">
-          <a:blip r:embed="rId3">
-            <a:extLst>
-              <a:ext uri="{BEBA8EAE-BF5A-486C-A8C5-ECC9F3942E4B}">
-                <a14:imgProps xmlns:a14="http://schemas.microsoft.com/office/drawing/2010/main">
-                  <a14:imgLayer r:embed="rId4">
-                    <a14:imgEffect>
-                      <a14:backgroundRemoval t="3544" b="26329" l="2371" r="96598">
-                        <a14:foregroundMark x1="2371" y1="9620" x2="3299" y2="26329"/>
-                        <a14:backgroundMark x1="14227" y1="15443" x2="14124" y2="23797"/>
-                        <a14:backgroundMark x1="14124" y1="23797" x2="99381" y2="24304"/>
-                        <a14:backgroundMark x1="99381" y1="24304" x2="99381" y2="17215"/>
-                        <a14:backgroundMark x1="99381" y1="17215" x2="14124" y2="15696"/>
-                        <a14:backgroundMark x1="14536" y1="15949" x2="31546" y2="22025"/>
-                        <a14:backgroundMark x1="31546" y1="22025" x2="15773" y2="18481"/>
-                        <a14:backgroundMark x1="15773" y1="18481" x2="15052" y2="21772"/>
-                        <a14:backgroundMark x1="14536" y1="17215" x2="20722" y2="21266"/>
-                        <a14:backgroundMark x1="14742" y1="16456" x2="15052" y2="21519"/>
-                        <a14:backgroundMark x1="15052" y1="21519" x2="17010" y2="21266"/>
-                        <a14:backgroundMark x1="17010" y1="21266" x2="15464" y2="16962"/>
-                        <a14:backgroundMark x1="22990" y1="16709" x2="20412" y2="23797"/>
-                        <a14:backgroundMark x1="24639" y1="16203" x2="30412" y2="24304"/>
-                        <a14:backgroundMark x1="24227" y1="14684" x2="21753" y2="15949"/>
-                        <a14:backgroundMark x1="30825" y1="16962" x2="39072" y2="23797"/>
-                        <a14:backgroundMark x1="28247" y1="16203" x2="32474" y2="15696"/>
-                        <a14:backgroundMark x1="33196" y1="16709" x2="43093" y2="24810"/>
-                        <a14:backgroundMark x1="37629" y1="15190" x2="47320" y2="22278"/>
-                        <a14:backgroundMark x1="47320" y1="22278" x2="47320" y2="22278"/>
-                        <a14:backgroundMark x1="47320" y1="22278" x2="47938" y2="24051"/>
-                        <a14:backgroundMark x1="45361" y1="16962" x2="52577" y2="23291"/>
-                        <a14:backgroundMark x1="48557" y1="20253" x2="53918" y2="20253"/>
-                        <a14:backgroundMark x1="51649" y1="16709" x2="56289" y2="23291"/>
-                        <a14:backgroundMark x1="58660" y1="17468" x2="64021" y2="23291"/>
-                        <a14:backgroundMark x1="65155" y1="17215" x2="71031" y2="24304"/>
-                        <a14:backgroundMark x1="63608" y1="17215" x2="64948" y2="17215"/>
-                        <a14:backgroundMark x1="69691" y1="16456" x2="75361" y2="23038"/>
-                        <a14:backgroundMark x1="77835" y1="15696" x2="84227" y2="22278"/>
-                        <a14:backgroundMark x1="77629" y1="17722" x2="83093" y2="24051"/>
-                        <a14:backgroundMark x1="76186" y1="16203" x2="78969" y2="19494"/>
-                        <a14:backgroundMark x1="82268" y1="17468" x2="87320" y2="24051"/>
-                        <a14:backgroundMark x1="81753" y1="16456" x2="79072" y2="17468"/>
-                        <a14:backgroundMark x1="81031" y1="18734" x2="82784" y2="17975"/>
-                        <a14:backgroundMark x1="85464" y1="16456" x2="86082" y2="23544"/>
-                        <a14:backgroundMark x1="82990" y1="17468" x2="87835" y2="17975"/>
-                        <a14:backgroundMark x1="84124" y1="17975" x2="84433" y2="20506"/>
-                        <a14:backgroundMark x1="82887" y1="20506" x2="89072" y2="17975"/>
-                        <a14:backgroundMark x1="90619" y1="17215" x2="93918" y2="23291"/>
-                        <a14:backgroundMark x1="93918" y1="23291" x2="94433" y2="24557"/>
-                        <a14:backgroundMark x1="89691" y1="17975" x2="91443" y2="17975"/>
-                        <a14:backgroundMark x1="95052" y1="17215" x2="98763" y2="23544"/>
-                        <a14:backgroundMark x1="92680" y1="18481" x2="97113" y2="23038"/>
-                        <a14:backgroundMark x1="95979" y1="18228" x2="93402" y2="24051"/>
-                        <a14:backgroundMark x1="91237" y1="17215" x2="96289" y2="18481"/>
-                        <a14:backgroundMark x1="96289" y1="18481" x2="91546" y2="21266"/>
-                        <a14:backgroundMark x1="91649" y1="17722" x2="93299" y2="21266"/>
-                        <a14:backgroundMark x1="95876" y1="20506" x2="98866" y2="16962"/>
-                        <a14:backgroundMark x1="95670" y1="19241" x2="97216" y2="22278"/>
-                        <a14:backgroundMark x1="92062" y1="18481" x2="89588" y2="22025"/>
-                        <a14:backgroundMark x1="83299" y1="13671" x2="82784" y2="22785"/>
-                        <a14:backgroundMark x1="83299" y1="14684" x2="94742" y2="15190"/>
-                        <a14:backgroundMark x1="94742" y1="15190" x2="97423" y2="15190"/>
-                        <a14:backgroundMark x1="97423" y1="15190" x2="99588" y2="22785"/>
-                        <a14:backgroundMark x1="99588" y1="22785" x2="98247" y2="24051"/>
-                        <a14:backgroundMark x1="98247" y1="24051" x2="83196" y2="21772"/>
-                        <a14:backgroundMark x1="83196" y1="21772" x2="88660" y2="17468"/>
-                      </a14:backgroundRemoval>
-                    </a14:imgEffect>
-                  </a14:imgLayer>
-                </a14:imgProps>
-              </a:ext>
-            </a:extLst>
-          </a:blip>
-          <a:srcRect t="1576" b="74359"/>
-          <a:stretch/>
-        </p:blipFill>
-        <p:spPr>
-          <a:xfrm>
-            <a:off x="1104900" y="1615735"/>
-            <a:ext cx="9240540" cy="905523"/>
-          </a:xfrm>
-          <a:prstGeom prst="rect">
-            <a:avLst/>
-          </a:prstGeom>
-        </p:spPr>
-      </p:pic>
-      <p:pic>
-        <p:nvPicPr>
           <p:cNvPr id="6" name="Picture 5">
             <a:extLst>
               <a:ext uri="{FF2B5EF4-FFF2-40B4-BE49-F238E27FC236}">
@@ -9503,7 +9347,7 @@
           <p:nvPr/>
         </p:nvPicPr>
         <p:blipFill rotWithShape="1">
-          <a:blip r:embed="rId5"/>
+          <a:blip r:embed="rId3"/>
           <a:srcRect l="32059" t="28019" b="61423"/>
           <a:stretch/>
         </p:blipFill>
@@ -9532,7 +9376,7 @@
           <p:nvPr/>
         </p:nvPicPr>
         <p:blipFill rotWithShape="1">
-          <a:blip r:embed="rId5"/>
+          <a:blip r:embed="rId3"/>
           <a:srcRect l="22339" t="41841" b="48456"/>
           <a:stretch/>
         </p:blipFill>
@@ -9561,7 +9405,7 @@
           <p:nvPr/>
         </p:nvPicPr>
         <p:blipFill rotWithShape="1">
-          <a:blip r:embed="rId5"/>
+          <a:blip r:embed="rId3"/>
           <a:srcRect l="899" t="42981" r="77869" b="49941"/>
           <a:stretch/>
         </p:blipFill>
@@ -9590,7 +9434,7 @@
           <p:nvPr/>
         </p:nvPicPr>
         <p:blipFill rotWithShape="1">
-          <a:blip r:embed="rId5"/>
+          <a:blip r:embed="rId3"/>
           <a:srcRect l="146" t="55145" r="84353" b="38367"/>
           <a:stretch/>
         </p:blipFill>
@@ -9619,7 +9463,7 @@
           <p:nvPr/>
         </p:nvPicPr>
         <p:blipFill rotWithShape="1">
-          <a:blip r:embed="rId5"/>
+          <a:blip r:embed="rId3"/>
           <a:srcRect l="15535" t="54634" b="35334"/>
           <a:stretch/>
         </p:blipFill>
@@ -9648,7 +9492,7 @@
           <p:nvPr/>
         </p:nvPicPr>
         <p:blipFill rotWithShape="1">
-          <a:blip r:embed="rId5"/>
+          <a:blip r:embed="rId3"/>
           <a:srcRect l="22339" t="72808" r="21681" b="-1"/>
           <a:stretch/>
         </p:blipFill>
@@ -9656,6 +9500,36 @@
           <a:xfrm>
             <a:off x="3508798" y="4024623"/>
             <a:ext cx="5172885" cy="1023212"/>
+          </a:xfrm>
+          <a:prstGeom prst="rect">
+            <a:avLst/>
+          </a:prstGeom>
+        </p:spPr>
+      </p:pic>
+      <p:pic>
+        <p:nvPicPr>
+          <p:cNvPr id="12" name="Picture 11">
+            <a:extLst>
+              <a:ext uri="{FF2B5EF4-FFF2-40B4-BE49-F238E27FC236}">
+                <a16:creationId xmlns:a16="http://schemas.microsoft.com/office/drawing/2014/main" id="{99CFD62A-8672-40FC-AAB7-CA72813CE459}"/>
+              </a:ext>
+            </a:extLst>
+          </p:cNvPr>
+          <p:cNvPicPr>
+            <a:picLocks noChangeAspect="1"/>
+          </p:cNvPicPr>
+          <p:nvPr/>
+        </p:nvPicPr>
+        <p:blipFill>
+          <a:blip r:embed="rId4"/>
+          <a:stretch>
+            <a:fillRect/>
+          </a:stretch>
+        </p:blipFill>
+        <p:spPr>
+          <a:xfrm>
+            <a:off x="1229719" y="1673256"/>
+            <a:ext cx="9142891" cy="883371"/>
           </a:xfrm>
           <a:prstGeom prst="rect">
             <a:avLst/>
@@ -14279,15 +14153,6 @@
 </file>
 
 <file path=customXml/item1.xml><?xml version="1.0" encoding="utf-8"?>
-<?mso-contentType ?>
-<FormTemplates xmlns="http://schemas.microsoft.com/sharepoint/v3/contenttype/forms">
-  <Display>DocumentLibraryForm</Display>
-  <Edit>AssetEditForm</Edit>
-  <New>DocumentLibraryForm</New>
-</FormTemplates>
-</file>
-
-<file path=customXml/item2.xml><?xml version="1.0" encoding="utf-8"?>
 <p:properties xmlns:p="http://schemas.microsoft.com/office/2006/metadata/properties" xmlns:xsi="http://www.w3.org/2001/XMLSchema-instance" xmlns:pc="http://schemas.microsoft.com/office/infopath/2007/PartnerControls">
   <documentManagement>
     <APDescription xmlns="4873beb7-5857-4685-be1f-d57550cc96cc" xsi:nil="true"/>
@@ -14411,6 +14276,15 @@
     <UANotes xmlns="4873beb7-5857-4685-be1f-d57550cc96cc" xsi:nil="true"/>
   </documentManagement>
 </p:properties>
+</file>
+
+<file path=customXml/item2.xml><?xml version="1.0" encoding="utf-8"?>
+<?mso-contentType ?>
+<FormTemplates xmlns="http://schemas.microsoft.com/sharepoint/v3/contenttype/forms">
+  <Display>DocumentLibraryForm</Display>
+  <Edit>AssetEditForm</Edit>
+  <New>DocumentLibraryForm</New>
+</FormTemplates>
 </file>
 
 <file path=customXml/item3.xml><?xml version="1.0" encoding="utf-8"?>
@@ -15454,14 +15328,6 @@
 </file>
 
 <file path=customXml/itemProps1.xml><?xml version="1.0" encoding="utf-8"?>
-<ds:datastoreItem xmlns:ds="http://schemas.openxmlformats.org/officeDocument/2006/customXml" ds:itemID="{561E720F-F05D-4536-9C34-0CFCED65D3B7}">
-  <ds:schemaRefs>
-    <ds:schemaRef ds:uri="http://schemas.microsoft.com/sharepoint/v3/contenttype/forms"/>
-  </ds:schemaRefs>
-</ds:datastoreItem>
-</file>
-
-<file path=customXml/itemProps2.xml><?xml version="1.0" encoding="utf-8"?>
 <ds:datastoreItem xmlns:ds="http://schemas.openxmlformats.org/officeDocument/2006/customXml" ds:itemID="{8CDDBB83-77C1-4099-A0AA-289882E745E2}">
   <ds:schemaRefs>
     <ds:schemaRef ds:uri="http://purl.org/dc/terms/"/>
@@ -15473,6 +15339,14 @@
     <ds:schemaRef ds:uri="http://schemas.microsoft.com/office/infopath/2007/PartnerControls"/>
     <ds:schemaRef ds:uri="http://schemas.microsoft.com/office/2006/metadata/properties"/>
     <ds:schemaRef ds:uri="http://www.w3.org/XML/1998/namespace"/>
+  </ds:schemaRefs>
+</ds:datastoreItem>
+</file>
+
+<file path=customXml/itemProps2.xml><?xml version="1.0" encoding="utf-8"?>
+<ds:datastoreItem xmlns:ds="http://schemas.openxmlformats.org/officeDocument/2006/customXml" ds:itemID="{561E720F-F05D-4536-9C34-0CFCED65D3B7}">
+  <ds:schemaRefs>
+    <ds:schemaRef ds:uri="http://schemas.microsoft.com/sharepoint/v3/contenttype/forms"/>
   </ds:schemaRefs>
 </ds:datastoreItem>
 </file>

--- a/Presentation/Stage_1/stage_1_presentation.pptx
+++ b/Presentation/Stage_1/stage_1_presentation.pptx
@@ -5121,28 +5121,12 @@
               <a:t>Internal Guide: </a:t>
             </a:r>
             <a:r>
-              <a:rPr lang="en-IN" dirty="0">
-                <a:solidFill>
-                  <a:srgbClr val="000000"/>
-                </a:solidFill>
-              </a:rPr>
-              <a:t>Prof.</a:t>
-            </a:r>
-            <a:r>
-              <a:rPr lang="en-IN" b="1" dirty="0">
-                <a:solidFill>
-                  <a:srgbClr val="000000"/>
-                </a:solidFill>
-              </a:rPr>
-              <a:t> </a:t>
-            </a:r>
-            <a:r>
-              <a:rPr lang="en-IN" sz="1800" dirty="0" err="1"/>
-              <a:t>Dr.</a:t>
+              <a:rPr lang="en-IN" sz="1800"/>
+              <a:t>Prof. Dr</a:t>
             </a:r>
             <a:r>
               <a:rPr lang="en-IN" sz="1800" dirty="0"/>
-              <a:t> S. M. </a:t>
+              <a:t>. S. M. </a:t>
             </a:r>
             <a:r>
               <a:rPr lang="en-IN" sz="1800" dirty="0" err="1"/>
@@ -14153,6 +14137,15 @@
 </file>
 
 <file path=customXml/item1.xml><?xml version="1.0" encoding="utf-8"?>
+<?mso-contentType ?>
+<FormTemplates xmlns="http://schemas.microsoft.com/sharepoint/v3/contenttype/forms">
+  <Display>DocumentLibraryForm</Display>
+  <Edit>AssetEditForm</Edit>
+  <New>DocumentLibraryForm</New>
+</FormTemplates>
+</file>
+
+<file path=customXml/item2.xml><?xml version="1.0" encoding="utf-8"?>
 <p:properties xmlns:p="http://schemas.microsoft.com/office/2006/metadata/properties" xmlns:xsi="http://www.w3.org/2001/XMLSchema-instance" xmlns:pc="http://schemas.microsoft.com/office/infopath/2007/PartnerControls">
   <documentManagement>
     <APDescription xmlns="4873beb7-5857-4685-be1f-d57550cc96cc" xsi:nil="true"/>
@@ -14276,15 +14269,6 @@
     <UANotes xmlns="4873beb7-5857-4685-be1f-d57550cc96cc" xsi:nil="true"/>
   </documentManagement>
 </p:properties>
-</file>
-
-<file path=customXml/item2.xml><?xml version="1.0" encoding="utf-8"?>
-<?mso-contentType ?>
-<FormTemplates xmlns="http://schemas.microsoft.com/sharepoint/v3/contenttype/forms">
-  <Display>DocumentLibraryForm</Display>
-  <Edit>AssetEditForm</Edit>
-  <New>DocumentLibraryForm</New>
-</FormTemplates>
 </file>
 
 <file path=customXml/item3.xml><?xml version="1.0" encoding="utf-8"?>
@@ -15328,6 +15312,14 @@
 </file>
 
 <file path=customXml/itemProps1.xml><?xml version="1.0" encoding="utf-8"?>
+<ds:datastoreItem xmlns:ds="http://schemas.openxmlformats.org/officeDocument/2006/customXml" ds:itemID="{561E720F-F05D-4536-9C34-0CFCED65D3B7}">
+  <ds:schemaRefs>
+    <ds:schemaRef ds:uri="http://schemas.microsoft.com/sharepoint/v3/contenttype/forms"/>
+  </ds:schemaRefs>
+</ds:datastoreItem>
+</file>
+
+<file path=customXml/itemProps2.xml><?xml version="1.0" encoding="utf-8"?>
 <ds:datastoreItem xmlns:ds="http://schemas.openxmlformats.org/officeDocument/2006/customXml" ds:itemID="{8CDDBB83-77C1-4099-A0AA-289882E745E2}">
   <ds:schemaRefs>
     <ds:schemaRef ds:uri="http://purl.org/dc/terms/"/>
@@ -15339,14 +15331,6 @@
     <ds:schemaRef ds:uri="http://schemas.microsoft.com/office/infopath/2007/PartnerControls"/>
     <ds:schemaRef ds:uri="http://schemas.microsoft.com/office/2006/metadata/properties"/>
     <ds:schemaRef ds:uri="http://www.w3.org/XML/1998/namespace"/>
-  </ds:schemaRefs>
-</ds:datastoreItem>
-</file>
-
-<file path=customXml/itemProps2.xml><?xml version="1.0" encoding="utf-8"?>
-<ds:datastoreItem xmlns:ds="http://schemas.openxmlformats.org/officeDocument/2006/customXml" ds:itemID="{561E720F-F05D-4536-9C34-0CFCED65D3B7}">
-  <ds:schemaRefs>
-    <ds:schemaRef ds:uri="http://schemas.microsoft.com/sharepoint/v3/contenttype/forms"/>
   </ds:schemaRefs>
 </ds:datastoreItem>
 </file>

--- a/Presentation/Stage_1/stage_1_presentation.pptx
+++ b/Presentation/Stage_1/stage_1_presentation.pptx
@@ -8401,12 +8401,6 @@
           <a:p>
             <a:r>
               <a:rPr lang="en-US" sz="2000" dirty="0"/>
-              <a:t>System will consists of L2 loss which is a function of the Euclidean distance between the pixel’s blurred color channel value in the target and predicted image.</a:t>
-            </a:r>
-          </a:p>
-          <a:p>
-            <a:r>
-              <a:rPr lang="en-US" sz="2000" dirty="0"/>
               <a:t>Generative Adversarial Networks use a minimax loss which is different than the L2 loss as it will choose a color to ﬁll an area rather than averaging. This is similar to a classiﬁcation based approach.</a:t>
             </a:r>
           </a:p>
@@ -8483,6 +8477,150 @@
           </a:ln>
         </p:spPr>
       </p:pic>
+      <p:pic>
+        <p:nvPicPr>
+          <p:cNvPr id="3" name="Picture 2">
+            <a:extLst>
+              <a:ext uri="{FF2B5EF4-FFF2-40B4-BE49-F238E27FC236}">
+                <a16:creationId xmlns:a16="http://schemas.microsoft.com/office/drawing/2014/main" id="{ECA1C287-13F9-427B-82E7-3647FAA1F87C}"/>
+              </a:ext>
+            </a:extLst>
+          </p:cNvPr>
+          <p:cNvPicPr>
+            <a:picLocks noChangeAspect="1"/>
+          </p:cNvPicPr>
+          <p:nvPr/>
+        </p:nvPicPr>
+        <p:blipFill>
+          <a:blip r:embed="rId3">
+            <a:extLst>
+              <a:ext uri="{28A0092B-C50C-407E-A947-70E740481C1C}">
+                <a14:useLocalDpi xmlns:a14="http://schemas.microsoft.com/office/drawing/2010/main" val="0"/>
+              </a:ext>
+            </a:extLst>
+          </a:blip>
+          <a:stretch>
+            <a:fillRect/>
+          </a:stretch>
+        </p:blipFill>
+        <p:spPr>
+          <a:xfrm>
+            <a:off x="2131380" y="3429000"/>
+            <a:ext cx="2396231" cy="2396231"/>
+          </a:xfrm>
+          <a:prstGeom prst="rect">
+            <a:avLst/>
+          </a:prstGeom>
+        </p:spPr>
+      </p:pic>
+      <p:sp>
+        <p:nvSpPr>
+          <p:cNvPr id="8" name="TextBox 7">
+            <a:extLst>
+              <a:ext uri="{FF2B5EF4-FFF2-40B4-BE49-F238E27FC236}">
+                <a16:creationId xmlns:a16="http://schemas.microsoft.com/office/drawing/2014/main" id="{B77EA0D7-2069-4486-8C70-20866B363FA1}"/>
+              </a:ext>
+            </a:extLst>
+          </p:cNvPr>
+          <p:cNvSpPr txBox="1"/>
+          <p:nvPr/>
+        </p:nvSpPr>
+        <p:spPr>
+          <a:xfrm>
+            <a:off x="2148765" y="5864165"/>
+            <a:ext cx="2361459" cy="246221"/>
+          </a:xfrm>
+          <a:prstGeom prst="rect">
+            <a:avLst/>
+          </a:prstGeom>
+          <a:noFill/>
+        </p:spPr>
+        <p:txBody>
+          <a:bodyPr wrap="square" rtlCol="0">
+            <a:spAutoFit/>
+          </a:bodyPr>
+          <a:lstStyle/>
+          <a:p>
+            <a:pPr algn="ctr"/>
+            <a:r>
+              <a:rPr lang="en-US" sz="1000" dirty="0"/>
+              <a:t>Fig 10a: Black &amp; White image</a:t>
+            </a:r>
+          </a:p>
+        </p:txBody>
+      </p:sp>
+      <p:pic>
+        <p:nvPicPr>
+          <p:cNvPr id="7" name="Picture 6">
+            <a:extLst>
+              <a:ext uri="{FF2B5EF4-FFF2-40B4-BE49-F238E27FC236}">
+                <a16:creationId xmlns:a16="http://schemas.microsoft.com/office/drawing/2014/main" id="{D4510493-790C-488A-A0A9-678B6677DD90}"/>
+              </a:ext>
+            </a:extLst>
+          </p:cNvPr>
+          <p:cNvPicPr>
+            <a:picLocks noChangeAspect="1"/>
+          </p:cNvPicPr>
+          <p:nvPr/>
+        </p:nvPicPr>
+        <p:blipFill>
+          <a:blip r:embed="rId4">
+            <a:extLst>
+              <a:ext uri="{28A0092B-C50C-407E-A947-70E740481C1C}">
+                <a14:useLocalDpi xmlns:a14="http://schemas.microsoft.com/office/drawing/2010/main" val="0"/>
+              </a:ext>
+            </a:extLst>
+          </a:blip>
+          <a:stretch>
+            <a:fillRect/>
+          </a:stretch>
+        </p:blipFill>
+        <p:spPr>
+          <a:xfrm>
+            <a:off x="6994052" y="3428999"/>
+            <a:ext cx="2396231" cy="2396231"/>
+          </a:xfrm>
+          <a:prstGeom prst="rect">
+            <a:avLst/>
+          </a:prstGeom>
+        </p:spPr>
+      </p:pic>
+      <p:sp>
+        <p:nvSpPr>
+          <p:cNvPr id="11" name="TextBox 10">
+            <a:extLst>
+              <a:ext uri="{FF2B5EF4-FFF2-40B4-BE49-F238E27FC236}">
+                <a16:creationId xmlns:a16="http://schemas.microsoft.com/office/drawing/2014/main" id="{6794D269-983C-4D32-931F-AF1DEA2E63A6}"/>
+              </a:ext>
+            </a:extLst>
+          </p:cNvPr>
+          <p:cNvSpPr txBox="1"/>
+          <p:nvPr/>
+        </p:nvSpPr>
+        <p:spPr>
+          <a:xfrm>
+            <a:off x="7011437" y="5864165"/>
+            <a:ext cx="2361459" cy="246221"/>
+          </a:xfrm>
+          <a:prstGeom prst="rect">
+            <a:avLst/>
+          </a:prstGeom>
+          <a:noFill/>
+        </p:spPr>
+        <p:txBody>
+          <a:bodyPr wrap="square" rtlCol="0">
+            <a:spAutoFit/>
+          </a:bodyPr>
+          <a:lstStyle/>
+          <a:p>
+            <a:pPr algn="ctr"/>
+            <a:r>
+              <a:rPr lang="en-US" sz="1000" dirty="0"/>
+              <a:t>Fig 10a: Colorized output</a:t>
+            </a:r>
+          </a:p>
+        </p:txBody>
+      </p:sp>
     </p:spTree>
     <p:extLst>
       <p:ext uri="{BB962C8B-B14F-4D97-AF65-F5344CB8AC3E}">
@@ -8636,6 +8774,150 @@
           </a:ln>
         </p:spPr>
       </p:pic>
+      <p:pic>
+        <p:nvPicPr>
+          <p:cNvPr id="3" name="Picture 2">
+            <a:extLst>
+              <a:ext uri="{FF2B5EF4-FFF2-40B4-BE49-F238E27FC236}">
+                <a16:creationId xmlns:a16="http://schemas.microsoft.com/office/drawing/2014/main" id="{22A3FE03-16E4-4072-902F-BD64C0F451EE}"/>
+              </a:ext>
+            </a:extLst>
+          </p:cNvPr>
+          <p:cNvPicPr>
+            <a:picLocks noChangeAspect="1"/>
+          </p:cNvPicPr>
+          <p:nvPr/>
+        </p:nvPicPr>
+        <p:blipFill>
+          <a:blip r:embed="rId3">
+            <a:extLst>
+              <a:ext uri="{28A0092B-C50C-407E-A947-70E740481C1C}">
+                <a14:useLocalDpi xmlns:a14="http://schemas.microsoft.com/office/drawing/2010/main" val="0"/>
+              </a:ext>
+            </a:extLst>
+          </a:blip>
+          <a:stretch>
+            <a:fillRect/>
+          </a:stretch>
+        </p:blipFill>
+        <p:spPr>
+          <a:xfrm>
+            <a:off x="2663301" y="3097752"/>
+            <a:ext cx="2160048" cy="2160048"/>
+          </a:xfrm>
+          <a:prstGeom prst="rect">
+            <a:avLst/>
+          </a:prstGeom>
+        </p:spPr>
+      </p:pic>
+      <p:sp>
+        <p:nvSpPr>
+          <p:cNvPr id="8" name="TextBox 7">
+            <a:extLst>
+              <a:ext uri="{FF2B5EF4-FFF2-40B4-BE49-F238E27FC236}">
+                <a16:creationId xmlns:a16="http://schemas.microsoft.com/office/drawing/2014/main" id="{20E8342F-61DB-4032-B194-2FC85BDC7A5D}"/>
+              </a:ext>
+            </a:extLst>
+          </p:cNvPr>
+          <p:cNvSpPr txBox="1"/>
+          <p:nvPr/>
+        </p:nvSpPr>
+        <p:spPr>
+          <a:xfrm>
+            <a:off x="2562595" y="5441950"/>
+            <a:ext cx="2361459" cy="246221"/>
+          </a:xfrm>
+          <a:prstGeom prst="rect">
+            <a:avLst/>
+          </a:prstGeom>
+          <a:noFill/>
+        </p:spPr>
+        <p:txBody>
+          <a:bodyPr wrap="square" rtlCol="0">
+            <a:spAutoFit/>
+          </a:bodyPr>
+          <a:lstStyle/>
+          <a:p>
+            <a:pPr algn="ctr"/>
+            <a:r>
+              <a:rPr lang="en-US" sz="1000" dirty="0"/>
+              <a:t>Fig 11a: Blurred image</a:t>
+            </a:r>
+          </a:p>
+        </p:txBody>
+      </p:sp>
+      <p:pic>
+        <p:nvPicPr>
+          <p:cNvPr id="7" name="Picture 6">
+            <a:extLst>
+              <a:ext uri="{FF2B5EF4-FFF2-40B4-BE49-F238E27FC236}">
+                <a16:creationId xmlns:a16="http://schemas.microsoft.com/office/drawing/2014/main" id="{CC4965A1-32C6-447C-ABF2-7D9ABF5E85E3}"/>
+              </a:ext>
+            </a:extLst>
+          </p:cNvPr>
+          <p:cNvPicPr>
+            <a:picLocks noChangeAspect="1"/>
+          </p:cNvPicPr>
+          <p:nvPr/>
+        </p:nvPicPr>
+        <p:blipFill>
+          <a:blip r:embed="rId4">
+            <a:extLst>
+              <a:ext uri="{28A0092B-C50C-407E-A947-70E740481C1C}">
+                <a14:useLocalDpi xmlns:a14="http://schemas.microsoft.com/office/drawing/2010/main" val="0"/>
+              </a:ext>
+            </a:extLst>
+          </a:blip>
+          <a:stretch>
+            <a:fillRect/>
+          </a:stretch>
+        </p:blipFill>
+        <p:spPr>
+          <a:xfrm>
+            <a:off x="6573288" y="3097752"/>
+            <a:ext cx="2160048" cy="2160048"/>
+          </a:xfrm>
+          <a:prstGeom prst="rect">
+            <a:avLst/>
+          </a:prstGeom>
+        </p:spPr>
+      </p:pic>
+      <p:sp>
+        <p:nvSpPr>
+          <p:cNvPr id="11" name="TextBox 10">
+            <a:extLst>
+              <a:ext uri="{FF2B5EF4-FFF2-40B4-BE49-F238E27FC236}">
+                <a16:creationId xmlns:a16="http://schemas.microsoft.com/office/drawing/2014/main" id="{4BFB96CE-2652-4488-815B-D148D544E7C0}"/>
+              </a:ext>
+            </a:extLst>
+          </p:cNvPr>
+          <p:cNvSpPr txBox="1"/>
+          <p:nvPr/>
+        </p:nvSpPr>
+        <p:spPr>
+          <a:xfrm>
+            <a:off x="6472582" y="5415870"/>
+            <a:ext cx="2361459" cy="246221"/>
+          </a:xfrm>
+          <a:prstGeom prst="rect">
+            <a:avLst/>
+          </a:prstGeom>
+          <a:noFill/>
+        </p:spPr>
+        <p:txBody>
+          <a:bodyPr wrap="square" rtlCol="0">
+            <a:spAutoFit/>
+          </a:bodyPr>
+          <a:lstStyle/>
+          <a:p>
+            <a:pPr algn="ctr"/>
+            <a:r>
+              <a:rPr lang="en-US" sz="1000" dirty="0"/>
+              <a:t>Fig 11a: Upscaled output</a:t>
+            </a:r>
+          </a:p>
+        </p:txBody>
+      </p:sp>
     </p:spTree>
     <p:extLst>
       <p:ext uri="{BB962C8B-B14F-4D97-AF65-F5344CB8AC3E}">
@@ -12426,21 +12708,8 @@
             </a:r>
             <a:r>
               <a:rPr lang="en-US" dirty="0"/>
-              <a:t>, </a:t>
-            </a:r>
-            <a:r>
-              <a:rPr lang="en-US" dirty="0" err="1"/>
-              <a:t>sklearn</a:t>
-            </a:r>
-            <a:r>
-              <a:rPr lang="en-US" dirty="0"/>
-              <a:t>, plotting libraries, </a:t>
-            </a:r>
-            <a:r>
-              <a:rPr lang="en-US" dirty="0" err="1"/>
-              <a:t>openCV</a:t>
-            </a:r>
-            <a:endParaRPr lang="en-US" dirty="0"/>
+              <a:t>, Sci-kit learn, plotting libraries, OpenCV</a:t>
+            </a:r>
           </a:p>
           <a:p>
             <a:endParaRPr lang="en-US" dirty="0"/>
@@ -14137,15 +14406,6 @@
 </file>
 
 <file path=customXml/item1.xml><?xml version="1.0" encoding="utf-8"?>
-<?mso-contentType ?>
-<FormTemplates xmlns="http://schemas.microsoft.com/sharepoint/v3/contenttype/forms">
-  <Display>DocumentLibraryForm</Display>
-  <Edit>AssetEditForm</Edit>
-  <New>DocumentLibraryForm</New>
-</FormTemplates>
-</file>
-
-<file path=customXml/item2.xml><?xml version="1.0" encoding="utf-8"?>
 <p:properties xmlns:p="http://schemas.microsoft.com/office/2006/metadata/properties" xmlns:xsi="http://www.w3.org/2001/XMLSchema-instance" xmlns:pc="http://schemas.microsoft.com/office/infopath/2007/PartnerControls">
   <documentManagement>
     <APDescription xmlns="4873beb7-5857-4685-be1f-d57550cc96cc" xsi:nil="true"/>
@@ -14269,6 +14529,15 @@
     <UANotes xmlns="4873beb7-5857-4685-be1f-d57550cc96cc" xsi:nil="true"/>
   </documentManagement>
 </p:properties>
+</file>
+
+<file path=customXml/item2.xml><?xml version="1.0" encoding="utf-8"?>
+<?mso-contentType ?>
+<FormTemplates xmlns="http://schemas.microsoft.com/sharepoint/v3/contenttype/forms">
+  <Display>DocumentLibraryForm</Display>
+  <Edit>AssetEditForm</Edit>
+  <New>DocumentLibraryForm</New>
+</FormTemplates>
 </file>
 
 <file path=customXml/item3.xml><?xml version="1.0" encoding="utf-8"?>
@@ -15312,14 +15581,6 @@
 </file>
 
 <file path=customXml/itemProps1.xml><?xml version="1.0" encoding="utf-8"?>
-<ds:datastoreItem xmlns:ds="http://schemas.openxmlformats.org/officeDocument/2006/customXml" ds:itemID="{561E720F-F05D-4536-9C34-0CFCED65D3B7}">
-  <ds:schemaRefs>
-    <ds:schemaRef ds:uri="http://schemas.microsoft.com/sharepoint/v3/contenttype/forms"/>
-  </ds:schemaRefs>
-</ds:datastoreItem>
-</file>
-
-<file path=customXml/itemProps2.xml><?xml version="1.0" encoding="utf-8"?>
 <ds:datastoreItem xmlns:ds="http://schemas.openxmlformats.org/officeDocument/2006/customXml" ds:itemID="{8CDDBB83-77C1-4099-A0AA-289882E745E2}">
   <ds:schemaRefs>
     <ds:schemaRef ds:uri="http://purl.org/dc/terms/"/>
@@ -15331,6 +15592,14 @@
     <ds:schemaRef ds:uri="http://schemas.microsoft.com/office/infopath/2007/PartnerControls"/>
     <ds:schemaRef ds:uri="http://schemas.microsoft.com/office/2006/metadata/properties"/>
     <ds:schemaRef ds:uri="http://www.w3.org/XML/1998/namespace"/>
+  </ds:schemaRefs>
+</ds:datastoreItem>
+</file>
+
+<file path=customXml/itemProps2.xml><?xml version="1.0" encoding="utf-8"?>
+<ds:datastoreItem xmlns:ds="http://schemas.openxmlformats.org/officeDocument/2006/customXml" ds:itemID="{561E720F-F05D-4536-9C34-0CFCED65D3B7}">
+  <ds:schemaRefs>
+    <ds:schemaRef ds:uri="http://schemas.microsoft.com/sharepoint/v3/contenttype/forms"/>
   </ds:schemaRefs>
 </ds:datastoreItem>
 </file>

--- a/Presentation/Stage_1/stage_1_presentation.pptx
+++ b/Presentation/Stage_1/stage_1_presentation.pptx
@@ -14,8 +14,8 @@
     <p:sldId id="256" r:id="rId5"/>
     <p:sldId id="269" r:id="rId6"/>
     <p:sldId id="257" r:id="rId7"/>
-    <p:sldId id="298" r:id="rId8"/>
-    <p:sldId id="270" r:id="rId9"/>
+    <p:sldId id="270" r:id="rId8"/>
+    <p:sldId id="298" r:id="rId9"/>
     <p:sldId id="271" r:id="rId10"/>
     <p:sldId id="272" r:id="rId11"/>
     <p:sldId id="273" r:id="rId12"/>
@@ -12592,269 +12592,6 @@
       </p:grpSpPr>
       <p:sp>
         <p:nvSpPr>
-          <p:cNvPr id="2" name="Title 1">
-            <a:extLst>
-              <a:ext uri="{FF2B5EF4-FFF2-40B4-BE49-F238E27FC236}">
-                <a16:creationId xmlns:a16="http://schemas.microsoft.com/office/drawing/2014/main" id="{A8225520-1A32-49DC-A480-998582E3C0C5}"/>
-              </a:ext>
-            </a:extLst>
-          </p:cNvPr>
-          <p:cNvSpPr>
-            <a:spLocks noGrp="1"/>
-          </p:cNvSpPr>
-          <p:nvPr>
-            <p:ph type="title"/>
-          </p:nvPr>
-        </p:nvSpPr>
-        <p:spPr/>
-        <p:txBody>
-          <a:bodyPr/>
-          <a:lstStyle/>
-          <a:p>
-            <a:r>
-              <a:rPr lang="en-US" dirty="0"/>
-              <a:t>Requirement Specifications</a:t>
-            </a:r>
-          </a:p>
-        </p:txBody>
-      </p:sp>
-      <p:sp>
-        <p:nvSpPr>
-          <p:cNvPr id="3" name="Content Placeholder 2">
-            <a:extLst>
-              <a:ext uri="{FF2B5EF4-FFF2-40B4-BE49-F238E27FC236}">
-                <a16:creationId xmlns:a16="http://schemas.microsoft.com/office/drawing/2014/main" id="{B335F153-55A5-4162-94E2-F9899DEB42A3}"/>
-              </a:ext>
-            </a:extLst>
-          </p:cNvPr>
-          <p:cNvSpPr>
-            <a:spLocks noGrp="1"/>
-          </p:cNvSpPr>
-          <p:nvPr>
-            <p:ph idx="1"/>
-          </p:nvPr>
-        </p:nvSpPr>
-        <p:spPr/>
-        <p:txBody>
-          <a:bodyPr/>
-          <a:lstStyle/>
-          <a:p>
-            <a:r>
-              <a:rPr lang="en-US" dirty="0"/>
-              <a:t>The following table showcases the minimum hardware requirements:</a:t>
-            </a:r>
-          </a:p>
-          <a:p>
-            <a:endParaRPr lang="en-US" dirty="0"/>
-          </a:p>
-          <a:p>
-            <a:endParaRPr lang="en-US" dirty="0"/>
-          </a:p>
-          <a:p>
-            <a:endParaRPr lang="en-US" dirty="0"/>
-          </a:p>
-          <a:p>
-            <a:endParaRPr lang="en-US" dirty="0"/>
-          </a:p>
-          <a:p>
-            <a:r>
-              <a:rPr lang="en-US" dirty="0"/>
-              <a:t>The following are the software requirements:</a:t>
-            </a:r>
-          </a:p>
-          <a:p>
-            <a:pPr lvl="1"/>
-            <a:r>
-              <a:rPr lang="en-US" dirty="0"/>
-              <a:t>Operating System: Windows/Linux</a:t>
-            </a:r>
-          </a:p>
-          <a:p>
-            <a:pPr lvl="1"/>
-            <a:r>
-              <a:rPr lang="en-US" dirty="0"/>
-              <a:t>IDE: </a:t>
-            </a:r>
-            <a:r>
-              <a:rPr lang="en-US" dirty="0" err="1"/>
-              <a:t>Jupyter</a:t>
-            </a:r>
-            <a:r>
-              <a:rPr lang="en-US" dirty="0"/>
-              <a:t> Notebook</a:t>
-            </a:r>
-          </a:p>
-          <a:p>
-            <a:pPr lvl="1"/>
-            <a:r>
-              <a:rPr lang="en-US" dirty="0"/>
-              <a:t>Programming Languages: python3, </a:t>
-            </a:r>
-            <a:r>
-              <a:rPr lang="en-US" dirty="0" err="1"/>
-              <a:t>javascript</a:t>
-            </a:r>
-            <a:endParaRPr lang="en-US" dirty="0"/>
-          </a:p>
-          <a:p>
-            <a:pPr lvl="1"/>
-            <a:r>
-              <a:rPr lang="en-US" dirty="0"/>
-              <a:t>Frameworks: Node.js, </a:t>
-            </a:r>
-            <a:r>
-              <a:rPr lang="en-US" dirty="0" err="1"/>
-              <a:t>Tensorflow</a:t>
-            </a:r>
-            <a:r>
-              <a:rPr lang="en-US" dirty="0"/>
-              <a:t>, Sci-kit learn, plotting libraries, OpenCV</a:t>
-            </a:r>
-          </a:p>
-          <a:p>
-            <a:endParaRPr lang="en-US" dirty="0"/>
-          </a:p>
-        </p:txBody>
-      </p:sp>
-      <p:sp>
-        <p:nvSpPr>
-          <p:cNvPr id="4" name="Footer Placeholder 3">
-            <a:extLst>
-              <a:ext uri="{FF2B5EF4-FFF2-40B4-BE49-F238E27FC236}">
-                <a16:creationId xmlns:a16="http://schemas.microsoft.com/office/drawing/2014/main" id="{819AB2B2-5795-4B43-9E83-DBBD42E31F21}"/>
-              </a:ext>
-            </a:extLst>
-          </p:cNvPr>
-          <p:cNvSpPr>
-            <a:spLocks noGrp="1"/>
-          </p:cNvSpPr>
-          <p:nvPr>
-            <p:ph type="ftr" sz="quarter" idx="11"/>
-          </p:nvPr>
-        </p:nvSpPr>
-        <p:spPr/>
-        <p:txBody>
-          <a:bodyPr/>
-          <a:lstStyle/>
-          <a:p>
-            <a:r>
-              <a:rPr lang="en-US"/>
-              <a:t>Astronomical image colourisation and super-resolution using GANS</a:t>
-            </a:r>
-            <a:endParaRPr lang="en-IN"/>
-          </a:p>
-        </p:txBody>
-      </p:sp>
-      <p:sp>
-        <p:nvSpPr>
-          <p:cNvPr id="7" name="TextBox 6">
-            <a:extLst>
-              <a:ext uri="{FF2B5EF4-FFF2-40B4-BE49-F238E27FC236}">
-                <a16:creationId xmlns:a16="http://schemas.microsoft.com/office/drawing/2014/main" id="{131B2BEC-23AB-4EEB-B493-690C12ED095E}"/>
-              </a:ext>
-            </a:extLst>
-          </p:cNvPr>
-          <p:cNvSpPr txBox="1"/>
-          <p:nvPr/>
-        </p:nvSpPr>
-        <p:spPr>
-          <a:xfrm>
-            <a:off x="4731798" y="5852732"/>
-            <a:ext cx="2920753" cy="246221"/>
-          </a:xfrm>
-          <a:prstGeom prst="rect">
-            <a:avLst/>
-          </a:prstGeom>
-          <a:noFill/>
-        </p:spPr>
-        <p:txBody>
-          <a:bodyPr wrap="square" rtlCol="0">
-            <a:spAutoFit/>
-          </a:bodyPr>
-          <a:lstStyle/>
-          <a:p>
-            <a:pPr algn="ctr"/>
-            <a:r>
-              <a:rPr lang="en-US" sz="1000" dirty="0"/>
-              <a:t>Table 1: Hardware Requirements</a:t>
-            </a:r>
-          </a:p>
-        </p:txBody>
-      </p:sp>
-      <p:pic>
-        <p:nvPicPr>
-          <p:cNvPr id="9" name="Picture 8">
-            <a:extLst>
-              <a:ext uri="{FF2B5EF4-FFF2-40B4-BE49-F238E27FC236}">
-                <a16:creationId xmlns:a16="http://schemas.microsoft.com/office/drawing/2014/main" id="{D4A9D9FA-FE81-44DA-8AAF-937566B0DBBA}"/>
-              </a:ext>
-            </a:extLst>
-          </p:cNvPr>
-          <p:cNvPicPr>
-            <a:picLocks noChangeAspect="1"/>
-          </p:cNvPicPr>
-          <p:nvPr/>
-        </p:nvPicPr>
-        <p:blipFill>
-          <a:blip r:embed="rId2"/>
-          <a:stretch>
-            <a:fillRect/>
-          </a:stretch>
-        </p:blipFill>
-        <p:spPr>
-          <a:xfrm>
-            <a:off x="1374055" y="2145095"/>
-            <a:ext cx="8945223" cy="1581371"/>
-          </a:xfrm>
-          <a:prstGeom prst="rect">
-            <a:avLst/>
-          </a:prstGeom>
-        </p:spPr>
-      </p:pic>
-    </p:spTree>
-    <p:extLst>
-      <p:ext uri="{BB962C8B-B14F-4D97-AF65-F5344CB8AC3E}">
-        <p14:creationId xmlns:p14="http://schemas.microsoft.com/office/powerpoint/2010/main" val="1715567951"/>
-      </p:ext>
-    </p:extLst>
-  </p:cSld>
-  <p:clrMapOvr>
-    <a:masterClrMapping/>
-  </p:clrMapOvr>
-  <mc:AlternateContent xmlns:mc="http://schemas.openxmlformats.org/markup-compatibility/2006" xmlns:p14="http://schemas.microsoft.com/office/powerpoint/2010/main">
-    <mc:Choice Requires="p14">
-      <p:transition spd="med" p14:dur="700">
-        <p:fade/>
-      </p:transition>
-    </mc:Choice>
-    <mc:Fallback xmlns="">
-      <p:transition spd="med">
-        <p:fade/>
-      </p:transition>
-    </mc:Fallback>
-  </mc:AlternateContent>
-</p:sld>
-</file>
-
-<file path=ppt/slides/slide5.xml><?xml version="1.0" encoding="utf-8"?>
-<p:sld xmlns:a="http://schemas.openxmlformats.org/drawingml/2006/main" xmlns:r="http://schemas.openxmlformats.org/officeDocument/2006/relationships" xmlns:p="http://schemas.openxmlformats.org/presentationml/2006/main">
-  <p:cSld>
-    <p:spTree>
-      <p:nvGrpSpPr>
-        <p:cNvPr id="1" name=""/>
-        <p:cNvGrpSpPr/>
-        <p:nvPr/>
-      </p:nvGrpSpPr>
-      <p:grpSpPr>
-        <a:xfrm>
-          <a:off x="0" y="0"/>
-          <a:ext cx="0" cy="0"/>
-          <a:chOff x="0" y="0"/>
-          <a:chExt cx="0" cy="0"/>
-        </a:xfrm>
-      </p:grpSpPr>
-      <p:sp>
-        <p:nvSpPr>
           <p:cNvPr id="13" name="Title 12"/>
           <p:cNvSpPr>
             <a:spLocks noGrp="1"/>
@@ -13010,6 +12747,269 @@
     <p:extLst>
       <p:ext uri="{BB962C8B-B14F-4D97-AF65-F5344CB8AC3E}">
         <p14:creationId xmlns:p14="http://schemas.microsoft.com/office/powerpoint/2010/main" val="2942683675"/>
+      </p:ext>
+    </p:extLst>
+  </p:cSld>
+  <p:clrMapOvr>
+    <a:masterClrMapping/>
+  </p:clrMapOvr>
+  <mc:AlternateContent xmlns:mc="http://schemas.openxmlformats.org/markup-compatibility/2006" xmlns:p14="http://schemas.microsoft.com/office/powerpoint/2010/main">
+    <mc:Choice Requires="p14">
+      <p:transition spd="med" p14:dur="700">
+        <p:fade/>
+      </p:transition>
+    </mc:Choice>
+    <mc:Fallback xmlns="">
+      <p:transition spd="med">
+        <p:fade/>
+      </p:transition>
+    </mc:Fallback>
+  </mc:AlternateContent>
+</p:sld>
+</file>
+
+<file path=ppt/slides/slide5.xml><?xml version="1.0" encoding="utf-8"?>
+<p:sld xmlns:a="http://schemas.openxmlformats.org/drawingml/2006/main" xmlns:r="http://schemas.openxmlformats.org/officeDocument/2006/relationships" xmlns:p="http://schemas.openxmlformats.org/presentationml/2006/main">
+  <p:cSld>
+    <p:spTree>
+      <p:nvGrpSpPr>
+        <p:cNvPr id="1" name=""/>
+        <p:cNvGrpSpPr/>
+        <p:nvPr/>
+      </p:nvGrpSpPr>
+      <p:grpSpPr>
+        <a:xfrm>
+          <a:off x="0" y="0"/>
+          <a:ext cx="0" cy="0"/>
+          <a:chOff x="0" y="0"/>
+          <a:chExt cx="0" cy="0"/>
+        </a:xfrm>
+      </p:grpSpPr>
+      <p:sp>
+        <p:nvSpPr>
+          <p:cNvPr id="2" name="Title 1">
+            <a:extLst>
+              <a:ext uri="{FF2B5EF4-FFF2-40B4-BE49-F238E27FC236}">
+                <a16:creationId xmlns:a16="http://schemas.microsoft.com/office/drawing/2014/main" id="{A8225520-1A32-49DC-A480-998582E3C0C5}"/>
+              </a:ext>
+            </a:extLst>
+          </p:cNvPr>
+          <p:cNvSpPr>
+            <a:spLocks noGrp="1"/>
+          </p:cNvSpPr>
+          <p:nvPr>
+            <p:ph type="title"/>
+          </p:nvPr>
+        </p:nvSpPr>
+        <p:spPr/>
+        <p:txBody>
+          <a:bodyPr/>
+          <a:lstStyle/>
+          <a:p>
+            <a:r>
+              <a:rPr lang="en-US" dirty="0"/>
+              <a:t>Requirement Specifications</a:t>
+            </a:r>
+          </a:p>
+        </p:txBody>
+      </p:sp>
+      <p:sp>
+        <p:nvSpPr>
+          <p:cNvPr id="3" name="Content Placeholder 2">
+            <a:extLst>
+              <a:ext uri="{FF2B5EF4-FFF2-40B4-BE49-F238E27FC236}">
+                <a16:creationId xmlns:a16="http://schemas.microsoft.com/office/drawing/2014/main" id="{B335F153-55A5-4162-94E2-F9899DEB42A3}"/>
+              </a:ext>
+            </a:extLst>
+          </p:cNvPr>
+          <p:cNvSpPr>
+            <a:spLocks noGrp="1"/>
+          </p:cNvSpPr>
+          <p:nvPr>
+            <p:ph idx="1"/>
+          </p:nvPr>
+        </p:nvSpPr>
+        <p:spPr/>
+        <p:txBody>
+          <a:bodyPr/>
+          <a:lstStyle/>
+          <a:p>
+            <a:r>
+              <a:rPr lang="en-US" dirty="0"/>
+              <a:t>The following table showcases the minimum hardware requirements:</a:t>
+            </a:r>
+          </a:p>
+          <a:p>
+            <a:endParaRPr lang="en-US" dirty="0"/>
+          </a:p>
+          <a:p>
+            <a:endParaRPr lang="en-US" dirty="0"/>
+          </a:p>
+          <a:p>
+            <a:endParaRPr lang="en-US" dirty="0"/>
+          </a:p>
+          <a:p>
+            <a:endParaRPr lang="en-US" dirty="0"/>
+          </a:p>
+          <a:p>
+            <a:r>
+              <a:rPr lang="en-US" dirty="0"/>
+              <a:t>The following are the software requirements:</a:t>
+            </a:r>
+          </a:p>
+          <a:p>
+            <a:pPr lvl="1"/>
+            <a:r>
+              <a:rPr lang="en-US" dirty="0"/>
+              <a:t>Operating System: Windows/Linux</a:t>
+            </a:r>
+          </a:p>
+          <a:p>
+            <a:pPr lvl="1"/>
+            <a:r>
+              <a:rPr lang="en-US" dirty="0"/>
+              <a:t>IDE: </a:t>
+            </a:r>
+            <a:r>
+              <a:rPr lang="en-US" dirty="0" err="1"/>
+              <a:t>Jupyter</a:t>
+            </a:r>
+            <a:r>
+              <a:rPr lang="en-US" dirty="0"/>
+              <a:t> Notebook</a:t>
+            </a:r>
+          </a:p>
+          <a:p>
+            <a:pPr lvl="1"/>
+            <a:r>
+              <a:rPr lang="en-US" dirty="0"/>
+              <a:t>Programming Languages: python3, </a:t>
+            </a:r>
+            <a:r>
+              <a:rPr lang="en-US" dirty="0" err="1"/>
+              <a:t>javascript</a:t>
+            </a:r>
+            <a:endParaRPr lang="en-US" dirty="0"/>
+          </a:p>
+          <a:p>
+            <a:pPr lvl="1"/>
+            <a:r>
+              <a:rPr lang="en-US" dirty="0"/>
+              <a:t>Frameworks: Node.js, </a:t>
+            </a:r>
+            <a:r>
+              <a:rPr lang="en-US" dirty="0" err="1"/>
+              <a:t>Tensorflow</a:t>
+            </a:r>
+            <a:r>
+              <a:rPr lang="en-US" dirty="0"/>
+              <a:t>, Sci-kit learn, plotting libraries, OpenCV</a:t>
+            </a:r>
+          </a:p>
+          <a:p>
+            <a:endParaRPr lang="en-US" dirty="0"/>
+          </a:p>
+        </p:txBody>
+      </p:sp>
+      <p:sp>
+        <p:nvSpPr>
+          <p:cNvPr id="4" name="Footer Placeholder 3">
+            <a:extLst>
+              <a:ext uri="{FF2B5EF4-FFF2-40B4-BE49-F238E27FC236}">
+                <a16:creationId xmlns:a16="http://schemas.microsoft.com/office/drawing/2014/main" id="{819AB2B2-5795-4B43-9E83-DBBD42E31F21}"/>
+              </a:ext>
+            </a:extLst>
+          </p:cNvPr>
+          <p:cNvSpPr>
+            <a:spLocks noGrp="1"/>
+          </p:cNvSpPr>
+          <p:nvPr>
+            <p:ph type="ftr" sz="quarter" idx="11"/>
+          </p:nvPr>
+        </p:nvSpPr>
+        <p:spPr/>
+        <p:txBody>
+          <a:bodyPr/>
+          <a:lstStyle/>
+          <a:p>
+            <a:r>
+              <a:rPr lang="en-US"/>
+              <a:t>Astronomical image colourisation and super-resolution using GANS</a:t>
+            </a:r>
+            <a:endParaRPr lang="en-IN"/>
+          </a:p>
+        </p:txBody>
+      </p:sp>
+      <p:sp>
+        <p:nvSpPr>
+          <p:cNvPr id="7" name="TextBox 6">
+            <a:extLst>
+              <a:ext uri="{FF2B5EF4-FFF2-40B4-BE49-F238E27FC236}">
+                <a16:creationId xmlns:a16="http://schemas.microsoft.com/office/drawing/2014/main" id="{131B2BEC-23AB-4EEB-B493-690C12ED095E}"/>
+              </a:ext>
+            </a:extLst>
+          </p:cNvPr>
+          <p:cNvSpPr txBox="1"/>
+          <p:nvPr/>
+        </p:nvSpPr>
+        <p:spPr>
+          <a:xfrm>
+            <a:off x="4731798" y="5852732"/>
+            <a:ext cx="2920753" cy="246221"/>
+          </a:xfrm>
+          <a:prstGeom prst="rect">
+            <a:avLst/>
+          </a:prstGeom>
+          <a:noFill/>
+        </p:spPr>
+        <p:txBody>
+          <a:bodyPr wrap="square" rtlCol="0">
+            <a:spAutoFit/>
+          </a:bodyPr>
+          <a:lstStyle/>
+          <a:p>
+            <a:pPr algn="ctr"/>
+            <a:r>
+              <a:rPr lang="en-US" sz="1000" dirty="0"/>
+              <a:t>Table 1: Hardware Requirements</a:t>
+            </a:r>
+          </a:p>
+        </p:txBody>
+      </p:sp>
+      <p:pic>
+        <p:nvPicPr>
+          <p:cNvPr id="9" name="Picture 8">
+            <a:extLst>
+              <a:ext uri="{FF2B5EF4-FFF2-40B4-BE49-F238E27FC236}">
+                <a16:creationId xmlns:a16="http://schemas.microsoft.com/office/drawing/2014/main" id="{D4A9D9FA-FE81-44DA-8AAF-937566B0DBBA}"/>
+              </a:ext>
+            </a:extLst>
+          </p:cNvPr>
+          <p:cNvPicPr>
+            <a:picLocks noChangeAspect="1"/>
+          </p:cNvPicPr>
+          <p:nvPr/>
+        </p:nvPicPr>
+        <p:blipFill>
+          <a:blip r:embed="rId2"/>
+          <a:stretch>
+            <a:fillRect/>
+          </a:stretch>
+        </p:blipFill>
+        <p:spPr>
+          <a:xfrm>
+            <a:off x="1374055" y="2145095"/>
+            <a:ext cx="8945223" cy="1581371"/>
+          </a:xfrm>
+          <a:prstGeom prst="rect">
+            <a:avLst/>
+          </a:prstGeom>
+        </p:spPr>
+      </p:pic>
+    </p:spTree>
+    <p:extLst>
+      <p:ext uri="{BB962C8B-B14F-4D97-AF65-F5344CB8AC3E}">
+        <p14:creationId xmlns:p14="http://schemas.microsoft.com/office/powerpoint/2010/main" val="1715567951"/>
       </p:ext>
     </p:extLst>
   </p:cSld>
@@ -14406,6 +14406,15 @@
 </file>
 
 <file path=customXml/item1.xml><?xml version="1.0" encoding="utf-8"?>
+<?mso-contentType ?>
+<FormTemplates xmlns="http://schemas.microsoft.com/sharepoint/v3/contenttype/forms">
+  <Display>DocumentLibraryForm</Display>
+  <Edit>AssetEditForm</Edit>
+  <New>DocumentLibraryForm</New>
+</FormTemplates>
+</file>
+
+<file path=customXml/item2.xml><?xml version="1.0" encoding="utf-8"?>
 <p:properties xmlns:p="http://schemas.microsoft.com/office/2006/metadata/properties" xmlns:xsi="http://www.w3.org/2001/XMLSchema-instance" xmlns:pc="http://schemas.microsoft.com/office/infopath/2007/PartnerControls">
   <documentManagement>
     <APDescription xmlns="4873beb7-5857-4685-be1f-d57550cc96cc" xsi:nil="true"/>
@@ -14529,15 +14538,6 @@
     <UANotes xmlns="4873beb7-5857-4685-be1f-d57550cc96cc" xsi:nil="true"/>
   </documentManagement>
 </p:properties>
-</file>
-
-<file path=customXml/item2.xml><?xml version="1.0" encoding="utf-8"?>
-<?mso-contentType ?>
-<FormTemplates xmlns="http://schemas.microsoft.com/sharepoint/v3/contenttype/forms">
-  <Display>DocumentLibraryForm</Display>
-  <Edit>AssetEditForm</Edit>
-  <New>DocumentLibraryForm</New>
-</FormTemplates>
 </file>
 
 <file path=customXml/item3.xml><?xml version="1.0" encoding="utf-8"?>
@@ -15581,6 +15581,14 @@
 </file>
 
 <file path=customXml/itemProps1.xml><?xml version="1.0" encoding="utf-8"?>
+<ds:datastoreItem xmlns:ds="http://schemas.openxmlformats.org/officeDocument/2006/customXml" ds:itemID="{561E720F-F05D-4536-9C34-0CFCED65D3B7}">
+  <ds:schemaRefs>
+    <ds:schemaRef ds:uri="http://schemas.microsoft.com/sharepoint/v3/contenttype/forms"/>
+  </ds:schemaRefs>
+</ds:datastoreItem>
+</file>
+
+<file path=customXml/itemProps2.xml><?xml version="1.0" encoding="utf-8"?>
 <ds:datastoreItem xmlns:ds="http://schemas.openxmlformats.org/officeDocument/2006/customXml" ds:itemID="{8CDDBB83-77C1-4099-A0AA-289882E745E2}">
   <ds:schemaRefs>
     <ds:schemaRef ds:uri="http://purl.org/dc/terms/"/>
@@ -15592,14 +15600,6 @@
     <ds:schemaRef ds:uri="http://schemas.microsoft.com/office/infopath/2007/PartnerControls"/>
     <ds:schemaRef ds:uri="http://schemas.microsoft.com/office/2006/metadata/properties"/>
     <ds:schemaRef ds:uri="http://www.w3.org/XML/1998/namespace"/>
-  </ds:schemaRefs>
-</ds:datastoreItem>
-</file>
-
-<file path=customXml/itemProps2.xml><?xml version="1.0" encoding="utf-8"?>
-<ds:datastoreItem xmlns:ds="http://schemas.openxmlformats.org/officeDocument/2006/customXml" ds:itemID="{561E720F-F05D-4536-9C34-0CFCED65D3B7}">
-  <ds:schemaRefs>
-    <ds:schemaRef ds:uri="http://schemas.microsoft.com/sharepoint/v3/contenttype/forms"/>
   </ds:schemaRefs>
 </ds:datastoreItem>
 </file>

--- a/Presentation/Stage_1/stage_1_presentation.pptx
+++ b/Presentation/Stage_1/stage_1_presentation.pptx
@@ -5072,7 +5072,13 @@
               <a:rPr lang="en-IN" sz="3600" dirty="0">
                 <a:cs typeface="Times New Roman" panose="02020603050405020304" pitchFamily="18" charset="0"/>
               </a:rPr>
-              <a:t> using GANS</a:t>
+              <a:t> using GAN</a:t>
+            </a:r>
+            <a:r>
+              <a:rPr lang="en-IN" sz="3600" cap="none" dirty="0">
+                <a:cs typeface="Times New Roman" panose="02020603050405020304" pitchFamily="18" charset="0"/>
+              </a:rPr>
+              <a:t>s</a:t>
             </a:r>
             <a:endParaRPr lang="en-US" sz="3600" dirty="0"/>
           </a:p>
@@ -14406,15 +14412,6 @@
 </file>
 
 <file path=customXml/item1.xml><?xml version="1.0" encoding="utf-8"?>
-<?mso-contentType ?>
-<FormTemplates xmlns="http://schemas.microsoft.com/sharepoint/v3/contenttype/forms">
-  <Display>DocumentLibraryForm</Display>
-  <Edit>AssetEditForm</Edit>
-  <New>DocumentLibraryForm</New>
-</FormTemplates>
-</file>
-
-<file path=customXml/item2.xml><?xml version="1.0" encoding="utf-8"?>
 <p:properties xmlns:p="http://schemas.microsoft.com/office/2006/metadata/properties" xmlns:xsi="http://www.w3.org/2001/XMLSchema-instance" xmlns:pc="http://schemas.microsoft.com/office/infopath/2007/PartnerControls">
   <documentManagement>
     <APDescription xmlns="4873beb7-5857-4685-be1f-d57550cc96cc" xsi:nil="true"/>
@@ -14538,6 +14535,15 @@
     <UANotes xmlns="4873beb7-5857-4685-be1f-d57550cc96cc" xsi:nil="true"/>
   </documentManagement>
 </p:properties>
+</file>
+
+<file path=customXml/item2.xml><?xml version="1.0" encoding="utf-8"?>
+<?mso-contentType ?>
+<FormTemplates xmlns="http://schemas.microsoft.com/sharepoint/v3/contenttype/forms">
+  <Display>DocumentLibraryForm</Display>
+  <Edit>AssetEditForm</Edit>
+  <New>DocumentLibraryForm</New>
+</FormTemplates>
 </file>
 
 <file path=customXml/item3.xml><?xml version="1.0" encoding="utf-8"?>
@@ -15581,14 +15587,6 @@
 </file>
 
 <file path=customXml/itemProps1.xml><?xml version="1.0" encoding="utf-8"?>
-<ds:datastoreItem xmlns:ds="http://schemas.openxmlformats.org/officeDocument/2006/customXml" ds:itemID="{561E720F-F05D-4536-9C34-0CFCED65D3B7}">
-  <ds:schemaRefs>
-    <ds:schemaRef ds:uri="http://schemas.microsoft.com/sharepoint/v3/contenttype/forms"/>
-  </ds:schemaRefs>
-</ds:datastoreItem>
-</file>
-
-<file path=customXml/itemProps2.xml><?xml version="1.0" encoding="utf-8"?>
 <ds:datastoreItem xmlns:ds="http://schemas.openxmlformats.org/officeDocument/2006/customXml" ds:itemID="{8CDDBB83-77C1-4099-A0AA-289882E745E2}">
   <ds:schemaRefs>
     <ds:schemaRef ds:uri="http://purl.org/dc/terms/"/>
@@ -15600,6 +15598,14 @@
     <ds:schemaRef ds:uri="http://schemas.microsoft.com/office/infopath/2007/PartnerControls"/>
     <ds:schemaRef ds:uri="http://schemas.microsoft.com/office/2006/metadata/properties"/>
     <ds:schemaRef ds:uri="http://www.w3.org/XML/1998/namespace"/>
+  </ds:schemaRefs>
+</ds:datastoreItem>
+</file>
+
+<file path=customXml/itemProps2.xml><?xml version="1.0" encoding="utf-8"?>
+<ds:datastoreItem xmlns:ds="http://schemas.openxmlformats.org/officeDocument/2006/customXml" ds:itemID="{561E720F-F05D-4536-9C34-0CFCED65D3B7}">
+  <ds:schemaRefs>
+    <ds:schemaRef ds:uri="http://schemas.microsoft.com/sharepoint/v3/contenttype/forms"/>
   </ds:schemaRefs>
 </ds:datastoreItem>
 </file>

--- a/Presentation/Stage_1/stage_1_presentation.pptx
+++ b/Presentation/Stage_1/stage_1_presentation.pptx
@@ -5,49 +5,47 @@
     <p:sldMasterId id="2147483648" r:id="rId4"/>
   </p:sldMasterIdLst>
   <p:notesMasterIdLst>
-    <p:notesMasterId r:id="rId42"/>
+    <p:notesMasterId r:id="rId40"/>
   </p:notesMasterIdLst>
   <p:handoutMasterIdLst>
-    <p:handoutMasterId r:id="rId43"/>
+    <p:handoutMasterId r:id="rId41"/>
   </p:handoutMasterIdLst>
   <p:sldIdLst>
     <p:sldId id="256" r:id="rId5"/>
     <p:sldId id="269" r:id="rId6"/>
     <p:sldId id="257" r:id="rId7"/>
-    <p:sldId id="298" r:id="rId8"/>
-    <p:sldId id="299" r:id="rId9"/>
-    <p:sldId id="270" r:id="rId10"/>
-    <p:sldId id="271" r:id="rId11"/>
-    <p:sldId id="272" r:id="rId12"/>
-    <p:sldId id="273" r:id="rId13"/>
-    <p:sldId id="274" r:id="rId14"/>
-    <p:sldId id="275" r:id="rId15"/>
-    <p:sldId id="276" r:id="rId16"/>
-    <p:sldId id="277" r:id="rId17"/>
-    <p:sldId id="278" r:id="rId18"/>
-    <p:sldId id="279" r:id="rId19"/>
-    <p:sldId id="281" r:id="rId20"/>
+    <p:sldId id="270" r:id="rId8"/>
+    <p:sldId id="298" r:id="rId9"/>
+    <p:sldId id="271" r:id="rId10"/>
+    <p:sldId id="272" r:id="rId11"/>
+    <p:sldId id="273" r:id="rId12"/>
+    <p:sldId id="274" r:id="rId13"/>
+    <p:sldId id="275" r:id="rId14"/>
+    <p:sldId id="276" r:id="rId15"/>
+    <p:sldId id="277" r:id="rId16"/>
+    <p:sldId id="278" r:id="rId17"/>
+    <p:sldId id="279" r:id="rId18"/>
+    <p:sldId id="281" r:id="rId19"/>
+    <p:sldId id="309" r:id="rId20"/>
     <p:sldId id="282" r:id="rId21"/>
     <p:sldId id="283" r:id="rId22"/>
     <p:sldId id="284" r:id="rId23"/>
-    <p:sldId id="289" r:id="rId24"/>
-    <p:sldId id="290" r:id="rId25"/>
-    <p:sldId id="291" r:id="rId26"/>
-    <p:sldId id="292" r:id="rId27"/>
-    <p:sldId id="293" r:id="rId28"/>
-    <p:sldId id="294" r:id="rId29"/>
-    <p:sldId id="295" r:id="rId30"/>
-    <p:sldId id="296" r:id="rId31"/>
-    <p:sldId id="297" r:id="rId32"/>
-    <p:sldId id="300" r:id="rId33"/>
-    <p:sldId id="301" r:id="rId34"/>
-    <p:sldId id="302" r:id="rId35"/>
-    <p:sldId id="303" r:id="rId36"/>
-    <p:sldId id="304" r:id="rId37"/>
-    <p:sldId id="305" r:id="rId38"/>
-    <p:sldId id="306" r:id="rId39"/>
-    <p:sldId id="307" r:id="rId40"/>
-    <p:sldId id="268" r:id="rId41"/>
+    <p:sldId id="290" r:id="rId24"/>
+    <p:sldId id="292" r:id="rId25"/>
+    <p:sldId id="293" r:id="rId26"/>
+    <p:sldId id="294" r:id="rId27"/>
+    <p:sldId id="295" r:id="rId28"/>
+    <p:sldId id="297" r:id="rId29"/>
+    <p:sldId id="300" r:id="rId30"/>
+    <p:sldId id="301" r:id="rId31"/>
+    <p:sldId id="304" r:id="rId32"/>
+    <p:sldId id="305" r:id="rId33"/>
+    <p:sldId id="306" r:id="rId34"/>
+    <p:sldId id="307" r:id="rId35"/>
+    <p:sldId id="268" r:id="rId36"/>
+    <p:sldId id="308" r:id="rId37"/>
+    <p:sldId id="302" r:id="rId38"/>
+    <p:sldId id="303" r:id="rId39"/>
   </p:sldIdLst>
   <p:sldSz cx="12192000" cy="6858000"/>
   <p:notesSz cx="6858000" cy="9144000"/>
@@ -251,7 +249,7 @@
             <a:fld id="{23CEAAF3-9831-450B-8D59-2C09DB96C8FC}" type="datetimeFigureOut">
               <a:rPr lang="en-US"/>
               <a:pPr/>
-              <a:t>4/27/2021</a:t>
+              <a:t>4/28/2021</a:t>
             </a:fld>
             <a:endParaRPr/>
           </a:p>
@@ -418,7 +416,7 @@
             <a:fld id="{2D50CD79-FC16-4410-AB61-17F26E6D3BC8}" type="datetimeFigureOut">
               <a:rPr lang="en-US"/>
               <a:pPr/>
-              <a:t>4/27/2021</a:t>
+              <a:t>4/28/2021</a:t>
             </a:fld>
             <a:endParaRPr/>
           </a:p>
@@ -1059,10 +1057,9 @@
             </a:lvl1pPr>
           </a:lstStyle>
           <a:p>
-            <a:fld id="{183E4277-52B1-4833-AC6F-BB4B6A81D6CC}" type="datetime1">
+            <a:fld id="{4DB8E721-DBA2-46A4-A068-33C426CA229C}" type="datetime1">
               <a:rPr lang="en-US" smtClean="0"/>
-              <a:pPr/>
-              <a:t>4/27/2021</a:t>
+              <a:t>4/28/2021</a:t>
             </a:fld>
             <a:endParaRPr lang="en-US" dirty="0"/>
           </a:p>
@@ -1096,7 +1093,7 @@
           <a:p>
             <a:r>
               <a:rPr lang="en-US"/>
-              <a:t>Title of the Course</a:t>
+              <a:t>Astronomical image colourisation and super-resolution using GANS</a:t>
             </a:r>
           </a:p>
         </p:txBody>
@@ -1357,10 +1354,9 @@
           <a:bodyPr/>
           <a:lstStyle/>
           <a:p>
-            <a:fld id="{5C890C03-C70A-476F-BE79-585F03F505CD}" type="datetime1">
+            <a:fld id="{9BD8A829-5AC1-4274-B641-92F1458069F1}" type="datetime1">
               <a:rPr lang="en-US" smtClean="0"/>
-              <a:pPr/>
-              <a:t>4/27/2021</a:t>
+              <a:t>4/28/2021</a:t>
             </a:fld>
             <a:endParaRPr/>
           </a:p>
@@ -1382,8 +1378,8 @@
           <a:lstStyle/>
           <a:p>
             <a:r>
-              <a:rPr lang="en-IN"/>
-              <a:t>Title of the Course</a:t>
+              <a:rPr lang="en-US"/>
+              <a:t>Astronomical image colourisation and super-resolution using GANS</a:t>
             </a:r>
             <a:endParaRPr/>
           </a:p>
@@ -1545,10 +1541,9 @@
           <a:bodyPr/>
           <a:lstStyle/>
           <a:p>
-            <a:fld id="{47D0A024-B9D2-407A-A933-5D6963607B69}" type="datetime1">
+            <a:fld id="{D00D14CF-06C6-4555-A47C-9AF6E504D0B7}" type="datetime1">
               <a:rPr lang="en-US" smtClean="0"/>
-              <a:pPr/>
-              <a:t>4/27/2021</a:t>
+              <a:t>4/28/2021</a:t>
             </a:fld>
             <a:endParaRPr/>
           </a:p>
@@ -1570,8 +1565,8 @@
           <a:lstStyle/>
           <a:p>
             <a:r>
-              <a:rPr lang="en-IN"/>
-              <a:t>Title of the Course</a:t>
+              <a:rPr lang="en-US"/>
+              <a:t>Astronomical image colourisation and super-resolution using GANS</a:t>
             </a:r>
             <a:endParaRPr/>
           </a:p>
@@ -1743,10 +1738,9 @@
           <a:bodyPr/>
           <a:lstStyle/>
           <a:p>
-            <a:fld id="{26313726-BB44-4512-808B-B68E8613AC52}" type="datetime1">
+            <a:fld id="{47F2B9D1-1C28-433D-BFF1-054F3D4A9D18}" type="datetime1">
               <a:rPr lang="en-US" smtClean="0"/>
-              <a:pPr/>
-              <a:t>4/27/2021</a:t>
+              <a:t>4/28/2021</a:t>
             </a:fld>
             <a:endParaRPr/>
           </a:p>
@@ -1768,8 +1762,8 @@
           <a:lstStyle/>
           <a:p>
             <a:r>
-              <a:rPr lang="en-IN"/>
-              <a:t>Title of the Course</a:t>
+              <a:rPr lang="en-US"/>
+              <a:t>Astronomical image colourisation and super-resolution using GANS</a:t>
             </a:r>
             <a:endParaRPr/>
           </a:p>
@@ -2018,10 +2012,9 @@
           <a:bodyPr/>
           <a:lstStyle/>
           <a:p>
-            <a:fld id="{78F08668-515E-49FB-922C-5F234CBCB7AB}" type="datetime1">
+            <a:fld id="{17A19894-EF04-4A47-BB3C-15A90271CEB4}" type="datetime1">
               <a:rPr lang="en-US" smtClean="0"/>
-              <a:pPr/>
-              <a:t>4/27/2021</a:t>
+              <a:t>4/28/2021</a:t>
             </a:fld>
             <a:endParaRPr/>
           </a:p>
@@ -2043,8 +2036,8 @@
           <a:lstStyle/>
           <a:p>
             <a:r>
-              <a:rPr lang="en-IN"/>
-              <a:t>Title of the Course</a:t>
+              <a:rPr lang="en-US"/>
+              <a:t>Astronomical image colourisation and super-resolution using GANS</a:t>
             </a:r>
             <a:endParaRPr/>
           </a:p>
@@ -3053,10 +3046,9 @@
           <a:bodyPr/>
           <a:lstStyle/>
           <a:p>
-            <a:fld id="{BC09471B-790C-4B66-821E-4A767AEDEC76}" type="datetime1">
+            <a:fld id="{E3EDC469-C953-453C-B6B4-7F17CBC04FEC}" type="datetime1">
               <a:rPr lang="en-US" smtClean="0"/>
-              <a:pPr/>
-              <a:t>4/27/2021</a:t>
+              <a:t>4/28/2021</a:t>
             </a:fld>
             <a:endParaRPr/>
           </a:p>
@@ -3078,8 +3070,8 @@
           <a:lstStyle/>
           <a:p>
             <a:r>
-              <a:rPr lang="en-IN"/>
-              <a:t>Title of the Course</a:t>
+              <a:rPr lang="en-US"/>
+              <a:t>Astronomical image colourisation and super-resolution using GANS</a:t>
             </a:r>
             <a:endParaRPr/>
           </a:p>
@@ -3332,10 +3324,9 @@
           <a:bodyPr/>
           <a:lstStyle/>
           <a:p>
-            <a:fld id="{38CB8318-D5D0-44B7-B1EA-676E0E2BD6CC}" type="datetime1">
+            <a:fld id="{CEF7B5AE-BEEE-45C0-BC11-249345FA77D8}" type="datetime1">
               <a:rPr lang="en-US" smtClean="0"/>
-              <a:pPr/>
-              <a:t>4/27/2021</a:t>
+              <a:t>4/28/2021</a:t>
             </a:fld>
             <a:endParaRPr/>
           </a:p>
@@ -3357,8 +3348,8 @@
           <a:lstStyle/>
           <a:p>
             <a:r>
-              <a:rPr lang="en-IN"/>
-              <a:t>Title of the Course</a:t>
+              <a:rPr lang="en-US"/>
+              <a:t>Astronomical image colourisation and super-resolution using GANS</a:t>
             </a:r>
             <a:endParaRPr/>
           </a:p>
@@ -3718,10 +3709,9 @@
           <a:bodyPr/>
           <a:lstStyle/>
           <a:p>
-            <a:fld id="{4C09CE64-E006-40B0-A252-8B956A8588A1}" type="datetime1">
+            <a:fld id="{4301166D-EE12-4FE6-B62D-4975FDA4BA26}" type="datetime1">
               <a:rPr lang="en-US" smtClean="0"/>
-              <a:pPr/>
-              <a:t>4/27/2021</a:t>
+              <a:t>4/28/2021</a:t>
             </a:fld>
             <a:endParaRPr/>
           </a:p>
@@ -3743,8 +3733,8 @@
           <a:lstStyle/>
           <a:p>
             <a:r>
-              <a:rPr lang="en-IN"/>
-              <a:t>Title of the Course</a:t>
+              <a:rPr lang="en-US"/>
+              <a:t>Astronomical image colourisation and super-resolution using GANS</a:t>
             </a:r>
             <a:endParaRPr/>
           </a:p>
@@ -3854,10 +3844,9 @@
           <a:bodyPr/>
           <a:lstStyle/>
           <a:p>
-            <a:fld id="{D801D14B-6E16-4983-8AE7-1E9FD4ED446E}" type="datetime1">
+            <a:fld id="{1F5ED45D-6110-4BC9-BDC4-E0842E441380}" type="datetime1">
               <a:rPr lang="en-US" smtClean="0"/>
-              <a:pPr/>
-              <a:t>4/27/2021</a:t>
+              <a:t>4/28/2021</a:t>
             </a:fld>
             <a:endParaRPr/>
           </a:p>
@@ -3879,8 +3868,8 @@
           <a:lstStyle/>
           <a:p>
             <a:r>
-              <a:rPr lang="en-IN"/>
-              <a:t>Title of the Course</a:t>
+              <a:rPr lang="en-US"/>
+              <a:t>Astronomical image colourisation and super-resolution using GANS</a:t>
             </a:r>
             <a:endParaRPr/>
           </a:p>
@@ -3967,10 +3956,9 @@
           <a:bodyPr/>
           <a:lstStyle/>
           <a:p>
-            <a:fld id="{39D0E21E-CD8B-48CA-B5C0-8B76D73C89AB}" type="datetime1">
+            <a:fld id="{83EDDA2D-0339-4200-907C-00E500E72A81}" type="datetime1">
               <a:rPr lang="en-US" smtClean="0"/>
-              <a:pPr/>
-              <a:t>4/27/2021</a:t>
+              <a:t>4/28/2021</a:t>
             </a:fld>
             <a:endParaRPr/>
           </a:p>
@@ -3992,8 +3980,8 @@
           <a:lstStyle/>
           <a:p>
             <a:r>
-              <a:rPr lang="en-IN"/>
-              <a:t>Title of the Course</a:t>
+              <a:rPr lang="en-US"/>
+              <a:t>Astronomical image colourisation and super-resolution using GANS</a:t>
             </a:r>
             <a:endParaRPr/>
           </a:p>
@@ -4264,10 +4252,9 @@
           <a:bodyPr/>
           <a:lstStyle/>
           <a:p>
-            <a:fld id="{9BDB5B88-5499-4082-B3EB-38DEDE282E1E}" type="datetime1">
+            <a:fld id="{4107C91A-2CAA-418D-AD53-C399D4491290}" type="datetime1">
               <a:rPr lang="en-US" smtClean="0"/>
-              <a:pPr/>
-              <a:t>4/27/2021</a:t>
+              <a:t>4/28/2021</a:t>
             </a:fld>
             <a:endParaRPr/>
           </a:p>
@@ -4289,8 +4276,8 @@
           <a:lstStyle/>
           <a:p>
             <a:r>
-              <a:rPr lang="en-IN"/>
-              <a:t>Title of the Course</a:t>
+              <a:rPr lang="en-US"/>
+              <a:t>Astronomical image colourisation and super-resolution using GANS</a:t>
             </a:r>
             <a:endParaRPr/>
           </a:p>
@@ -4495,10 +4482,9 @@
             </a:lvl1pPr>
           </a:lstStyle>
           <a:p>
-            <a:fld id="{20CEE9E0-1356-49C3-9AF4-E01992A7F1A8}" type="datetime1">
+            <a:fld id="{FC9EA989-7826-467F-A84F-F4180D527E13}" type="datetime1">
               <a:rPr lang="en-US" smtClean="0"/>
-              <a:pPr/>
-              <a:t>4/27/2021</a:t>
+              <a:t>4/28/2021</a:t>
             </a:fld>
             <a:endParaRPr lang="en-US"/>
           </a:p>
@@ -4539,7 +4525,7 @@
           <a:p>
             <a:r>
               <a:rPr lang="en-US"/>
-              <a:t>Title of the Course</a:t>
+              <a:t>Astronomical image colourisation and super-resolution using GANS</a:t>
             </a:r>
           </a:p>
         </p:txBody>
@@ -5086,7 +5072,13 @@
               <a:rPr lang="en-IN" sz="3600" dirty="0">
                 <a:cs typeface="Times New Roman" panose="02020603050405020304" pitchFamily="18" charset="0"/>
               </a:rPr>
-              <a:t> using GANS</a:t>
+              <a:t> using GAN</a:t>
+            </a:r>
+            <a:r>
+              <a:rPr lang="en-IN" sz="3600" cap="none" dirty="0">
+                <a:cs typeface="Times New Roman" panose="02020603050405020304" pitchFamily="18" charset="0"/>
+              </a:rPr>
+              <a:t>s</a:t>
             </a:r>
             <a:endParaRPr lang="en-US" sz="3600" dirty="0"/>
           </a:p>
@@ -5135,28 +5127,12 @@
               <a:t>Internal Guide: </a:t>
             </a:r>
             <a:r>
-              <a:rPr lang="en-IN" dirty="0">
-                <a:solidFill>
-                  <a:srgbClr val="000000"/>
-                </a:solidFill>
-              </a:rPr>
-              <a:t>Prof.</a:t>
-            </a:r>
-            <a:r>
-              <a:rPr lang="en-IN" b="1" dirty="0">
-                <a:solidFill>
-                  <a:srgbClr val="000000"/>
-                </a:solidFill>
-              </a:rPr>
-              <a:t> </a:t>
-            </a:r>
-            <a:r>
-              <a:rPr lang="en-IN" sz="1800" dirty="0" err="1"/>
-              <a:t>Dr.</a:t>
+              <a:rPr lang="en-IN" sz="1800"/>
+              <a:t>Prof. Dr</a:t>
             </a:r>
             <a:r>
               <a:rPr lang="en-IN" sz="1800" dirty="0"/>
-              <a:t> S. M. </a:t>
+              <a:t>. S. M. </a:t>
             </a:r>
             <a:r>
               <a:rPr lang="en-IN" sz="1800" dirty="0" err="1"/>
@@ -5311,163 +5287,6 @@
           <a:lstStyle/>
           <a:p>
             <a:r>
-              <a:rPr lang="en-US" sz="2800" dirty="0"/>
-              <a:t>Literature Review</a:t>
-            </a:r>
-            <a:endParaRPr lang="en-US" dirty="0"/>
-          </a:p>
-        </p:txBody>
-      </p:sp>
-      <p:sp>
-        <p:nvSpPr>
-          <p:cNvPr id="5" name="Footer Placeholder 4"/>
-          <p:cNvSpPr>
-            <a:spLocks noGrp="1"/>
-          </p:cNvSpPr>
-          <p:nvPr>
-            <p:ph type="ftr" sz="quarter" idx="11"/>
-          </p:nvPr>
-        </p:nvSpPr>
-        <p:spPr/>
-        <p:txBody>
-          <a:bodyPr/>
-          <a:lstStyle/>
-          <a:p>
-            <a:r>
-              <a:rPr lang="en-IN" sz="1200" dirty="0">
-                <a:cs typeface="Times New Roman" panose="02020603050405020304" pitchFamily="18" charset="0"/>
-              </a:rPr>
-              <a:t>Astronomical image colourisation and super-resolution using GANS</a:t>
-            </a:r>
-            <a:endParaRPr lang="en-IN" dirty="0"/>
-          </a:p>
-        </p:txBody>
-      </p:sp>
-      <p:pic>
-        <p:nvPicPr>
-          <p:cNvPr id="4" name="Picture 1"/>
-          <p:cNvPicPr>
-            <a:picLocks noChangeAspect="1" noChangeArrowheads="1"/>
-          </p:cNvPicPr>
-          <p:nvPr/>
-        </p:nvPicPr>
-        <p:blipFill>
-          <a:blip r:embed="rId2" cstate="print">
-            <a:extLst>
-              <a:ext uri="{28A0092B-C50C-407E-A947-70E740481C1C}">
-                <a14:useLocalDpi xmlns:a14="http://schemas.microsoft.com/office/drawing/2010/main" val="0"/>
-              </a:ext>
-            </a:extLst>
-          </a:blip>
-          <a:stretch>
-            <a:fillRect/>
-          </a:stretch>
-        </p:blipFill>
-        <p:spPr bwMode="auto">
-          <a:xfrm>
-            <a:off x="10919540" y="150750"/>
-            <a:ext cx="1233271" cy="1029803"/>
-          </a:xfrm>
-          <a:prstGeom prst="rect">
-            <a:avLst/>
-          </a:prstGeom>
-          <a:noFill/>
-          <a:ln w="9525">
-            <a:noFill/>
-            <a:miter lim="800000"/>
-            <a:headEnd/>
-            <a:tailEnd/>
-          </a:ln>
-        </p:spPr>
-      </p:pic>
-      <p:pic>
-        <p:nvPicPr>
-          <p:cNvPr id="3" name="Picture 2">
-            <a:extLst>
-              <a:ext uri="{FF2B5EF4-FFF2-40B4-BE49-F238E27FC236}">
-                <a16:creationId xmlns:a16="http://schemas.microsoft.com/office/drawing/2014/main" id="{4BA9F5FD-6605-4A4C-9BB5-2ECEB4F1E197}"/>
-              </a:ext>
-            </a:extLst>
-          </p:cNvPr>
-          <p:cNvPicPr>
-            <a:picLocks noChangeAspect="1"/>
-          </p:cNvPicPr>
-          <p:nvPr/>
-        </p:nvPicPr>
-        <p:blipFill>
-          <a:blip r:embed="rId3"/>
-          <a:stretch>
-            <a:fillRect/>
-          </a:stretch>
-        </p:blipFill>
-        <p:spPr>
-          <a:xfrm>
-            <a:off x="3606612" y="1386188"/>
-            <a:ext cx="4978776" cy="4970162"/>
-          </a:xfrm>
-          <a:prstGeom prst="rect">
-            <a:avLst/>
-          </a:prstGeom>
-        </p:spPr>
-      </p:pic>
-    </p:spTree>
-    <p:extLst>
-      <p:ext uri="{BB962C8B-B14F-4D97-AF65-F5344CB8AC3E}">
-        <p14:creationId xmlns:p14="http://schemas.microsoft.com/office/powerpoint/2010/main" val="1076855196"/>
-      </p:ext>
-    </p:extLst>
-  </p:cSld>
-  <p:clrMapOvr>
-    <a:masterClrMapping/>
-  </p:clrMapOvr>
-  <mc:AlternateContent xmlns:mc="http://schemas.openxmlformats.org/markup-compatibility/2006" xmlns:p14="http://schemas.microsoft.com/office/powerpoint/2010/main">
-    <mc:Choice Requires="p14">
-      <p:transition spd="med" p14:dur="700">
-        <p:fade/>
-      </p:transition>
-    </mc:Choice>
-    <mc:Fallback xmlns="">
-      <p:transition spd="med">
-        <p:fade/>
-      </p:transition>
-    </mc:Fallback>
-  </mc:AlternateContent>
-</p:sld>
-</file>
-
-<file path=ppt/slides/slide11.xml><?xml version="1.0" encoding="utf-8"?>
-<p:sld xmlns:a="http://schemas.openxmlformats.org/drawingml/2006/main" xmlns:r="http://schemas.openxmlformats.org/officeDocument/2006/relationships" xmlns:p="http://schemas.openxmlformats.org/presentationml/2006/main">
-  <p:cSld>
-    <p:spTree>
-      <p:nvGrpSpPr>
-        <p:cNvPr id="1" name=""/>
-        <p:cNvGrpSpPr/>
-        <p:nvPr/>
-      </p:nvGrpSpPr>
-      <p:grpSpPr>
-        <a:xfrm>
-          <a:off x="0" y="0"/>
-          <a:ext cx="0" cy="0"/>
-          <a:chOff x="0" y="0"/>
-          <a:chExt cx="0" cy="0"/>
-        </a:xfrm>
-      </p:grpSpPr>
-      <p:sp>
-        <p:nvSpPr>
-          <p:cNvPr id="13" name="Title 12"/>
-          <p:cNvSpPr>
-            <a:spLocks noGrp="1"/>
-          </p:cNvSpPr>
-          <p:nvPr>
-            <p:ph type="title"/>
-          </p:nvPr>
-        </p:nvSpPr>
-        <p:spPr/>
-        <p:txBody>
-          <a:bodyPr/>
-          <a:lstStyle/>
-          <a:p>
-            <a:r>
               <a:rPr lang="en-US" dirty="0"/>
               <a:t>Motivation of the Project</a:t>
             </a:r>
@@ -5607,7 +5426,7 @@
 </p:sld>
 </file>
 
-<file path=ppt/slides/slide12.xml><?xml version="1.0" encoding="utf-8"?>
+<file path=ppt/slides/slide11.xml><?xml version="1.0" encoding="utf-8"?>
 <p:sld xmlns:a="http://schemas.openxmlformats.org/drawingml/2006/main" xmlns:r="http://schemas.openxmlformats.org/officeDocument/2006/relationships" xmlns:p="http://schemas.openxmlformats.org/presentationml/2006/main">
   <p:cSld>
     <p:spTree>
@@ -5943,7 +5762,7 @@
 </p:sld>
 </file>
 
-<file path=ppt/slides/slide13.xml><?xml version="1.0" encoding="utf-8"?>
+<file path=ppt/slides/slide12.xml><?xml version="1.0" encoding="utf-8"?>
 <p:sld xmlns:a="http://schemas.openxmlformats.org/drawingml/2006/main" xmlns:r="http://schemas.openxmlformats.org/officeDocument/2006/relationships" xmlns:p="http://schemas.openxmlformats.org/presentationml/2006/main">
   <p:cSld>
     <p:spTree>
@@ -6126,7 +5945,7 @@
 </p:sld>
 </file>
 
-<file path=ppt/slides/slide14.xml><?xml version="1.0" encoding="utf-8"?>
+<file path=ppt/slides/slide13.xml><?xml version="1.0" encoding="utf-8"?>
 <p:sld xmlns:a="http://schemas.openxmlformats.org/drawingml/2006/main" xmlns:r="http://schemas.openxmlformats.org/officeDocument/2006/relationships" xmlns:p="http://schemas.openxmlformats.org/presentationml/2006/main">
   <p:cSld>
     <p:spTree>
@@ -6318,7 +6137,7 @@
 </p:sld>
 </file>
 
-<file path=ppt/slides/slide15.xml><?xml version="1.0" encoding="utf-8"?>
+<file path=ppt/slides/slide14.xml><?xml version="1.0" encoding="utf-8"?>
 <p:sld xmlns:a="http://schemas.openxmlformats.org/drawingml/2006/main" xmlns:r="http://schemas.openxmlformats.org/officeDocument/2006/relationships" xmlns:p="http://schemas.openxmlformats.org/presentationml/2006/main">
   <p:cSld>
     <p:spTree>
@@ -6576,7 +6395,7 @@
 </p:sld>
 </file>
 
-<file path=ppt/slides/slide16.xml><?xml version="1.0" encoding="utf-8"?>
+<file path=ppt/slides/slide15.xml><?xml version="1.0" encoding="utf-8"?>
 <p:sld xmlns:a="http://schemas.openxmlformats.org/drawingml/2006/main" xmlns:r="http://schemas.openxmlformats.org/officeDocument/2006/relationships" xmlns:p="http://schemas.openxmlformats.org/presentationml/2006/main">
   <p:cSld>
     <p:spTree>
@@ -6748,6 +6567,171 @@
     <p:extLst>
       <p:ext uri="{BB962C8B-B14F-4D97-AF65-F5344CB8AC3E}">
         <p14:creationId xmlns:p14="http://schemas.microsoft.com/office/powerpoint/2010/main" val="3724086955"/>
+      </p:ext>
+    </p:extLst>
+  </p:cSld>
+  <p:clrMapOvr>
+    <a:masterClrMapping/>
+  </p:clrMapOvr>
+  <mc:AlternateContent xmlns:mc="http://schemas.openxmlformats.org/markup-compatibility/2006" xmlns:p14="http://schemas.microsoft.com/office/powerpoint/2010/main">
+    <mc:Choice Requires="p14">
+      <p:transition spd="med" p14:dur="700">
+        <p:fade/>
+      </p:transition>
+    </mc:Choice>
+    <mc:Fallback xmlns="">
+      <p:transition spd="med">
+        <p:fade/>
+      </p:transition>
+    </mc:Fallback>
+  </mc:AlternateContent>
+</p:sld>
+</file>
+
+<file path=ppt/slides/slide16.xml><?xml version="1.0" encoding="utf-8"?>
+<p:sld xmlns:a="http://schemas.openxmlformats.org/drawingml/2006/main" xmlns:r="http://schemas.openxmlformats.org/officeDocument/2006/relationships" xmlns:p="http://schemas.openxmlformats.org/presentationml/2006/main">
+  <p:cSld>
+    <p:spTree>
+      <p:nvGrpSpPr>
+        <p:cNvPr id="1" name=""/>
+        <p:cNvGrpSpPr/>
+        <p:nvPr/>
+      </p:nvGrpSpPr>
+      <p:grpSpPr>
+        <a:xfrm>
+          <a:off x="0" y="0"/>
+          <a:ext cx="0" cy="0"/>
+          <a:chOff x="0" y="0"/>
+          <a:chExt cx="0" cy="0"/>
+        </a:xfrm>
+      </p:grpSpPr>
+      <p:sp>
+        <p:nvSpPr>
+          <p:cNvPr id="2" name="Title 1">
+            <a:extLst>
+              <a:ext uri="{FF2B5EF4-FFF2-40B4-BE49-F238E27FC236}">
+                <a16:creationId xmlns:a16="http://schemas.microsoft.com/office/drawing/2014/main" id="{3D95BBF0-7B27-4961-A731-95E061171C97}"/>
+              </a:ext>
+            </a:extLst>
+          </p:cNvPr>
+          <p:cNvSpPr>
+            <a:spLocks noGrp="1"/>
+          </p:cNvSpPr>
+          <p:nvPr>
+            <p:ph type="title"/>
+          </p:nvPr>
+        </p:nvSpPr>
+        <p:spPr/>
+        <p:txBody>
+          <a:bodyPr/>
+          <a:lstStyle/>
+          <a:p>
+            <a:r>
+              <a:rPr lang="en-US" dirty="0"/>
+              <a:t>Block diagram of Project</a:t>
+            </a:r>
+          </a:p>
+        </p:txBody>
+      </p:sp>
+      <p:sp>
+        <p:nvSpPr>
+          <p:cNvPr id="4" name="Footer Placeholder 3">
+            <a:extLst>
+              <a:ext uri="{FF2B5EF4-FFF2-40B4-BE49-F238E27FC236}">
+                <a16:creationId xmlns:a16="http://schemas.microsoft.com/office/drawing/2014/main" id="{905E88C8-1178-4311-AD04-68537718ECF0}"/>
+              </a:ext>
+            </a:extLst>
+          </p:cNvPr>
+          <p:cNvSpPr>
+            <a:spLocks noGrp="1"/>
+          </p:cNvSpPr>
+          <p:nvPr>
+            <p:ph type="ftr" sz="quarter" idx="11"/>
+          </p:nvPr>
+        </p:nvSpPr>
+        <p:spPr/>
+        <p:txBody>
+          <a:bodyPr/>
+          <a:lstStyle/>
+          <a:p>
+            <a:r>
+              <a:rPr lang="en-US"/>
+              <a:t>Astronomical image colourisation and super-resolution using GANS</a:t>
+            </a:r>
+          </a:p>
+        </p:txBody>
+      </p:sp>
+      <p:pic>
+        <p:nvPicPr>
+          <p:cNvPr id="6" name="Picture 5">
+            <a:extLst>
+              <a:ext uri="{FF2B5EF4-FFF2-40B4-BE49-F238E27FC236}">
+                <a16:creationId xmlns:a16="http://schemas.microsoft.com/office/drawing/2014/main" id="{A5FC556F-F1BF-457C-A09C-6BC25B2F3762}"/>
+              </a:ext>
+            </a:extLst>
+          </p:cNvPr>
+          <p:cNvPicPr>
+            <a:picLocks noChangeAspect="1"/>
+          </p:cNvPicPr>
+          <p:nvPr/>
+        </p:nvPicPr>
+        <p:blipFill>
+          <a:blip r:embed="rId2"/>
+          <a:stretch>
+            <a:fillRect/>
+          </a:stretch>
+        </p:blipFill>
+        <p:spPr>
+          <a:xfrm>
+            <a:off x="389858" y="1600200"/>
+            <a:ext cx="11410765" cy="4331254"/>
+          </a:xfrm>
+          <a:prstGeom prst="rect">
+            <a:avLst/>
+          </a:prstGeom>
+        </p:spPr>
+      </p:pic>
+      <p:sp>
+        <p:nvSpPr>
+          <p:cNvPr id="7" name="TextBox 6">
+            <a:extLst>
+              <a:ext uri="{FF2B5EF4-FFF2-40B4-BE49-F238E27FC236}">
+                <a16:creationId xmlns:a16="http://schemas.microsoft.com/office/drawing/2014/main" id="{74FF393A-623B-4834-891E-01B8B663FAEF}"/>
+              </a:ext>
+            </a:extLst>
+          </p:cNvPr>
+          <p:cNvSpPr txBox="1"/>
+          <p:nvPr/>
+        </p:nvSpPr>
+        <p:spPr>
+          <a:xfrm>
+            <a:off x="3047980" y="5996377"/>
+            <a:ext cx="6094520" cy="246221"/>
+          </a:xfrm>
+          <a:prstGeom prst="rect">
+            <a:avLst/>
+          </a:prstGeom>
+          <a:noFill/>
+        </p:spPr>
+        <p:txBody>
+          <a:bodyPr wrap="square">
+            <a:spAutoFit/>
+          </a:bodyPr>
+          <a:lstStyle/>
+          <a:p>
+            <a:pPr algn="ctr"/>
+            <a:r>
+              <a:rPr lang="en-US" sz="1000" dirty="0"/>
+              <a:t>Figure 6: Image conversion by GAN</a:t>
+            </a:r>
+            <a:endParaRPr lang="en-IN" sz="1000" dirty="0"/>
+          </a:p>
+        </p:txBody>
+      </p:sp>
+    </p:spTree>
+    <p:extLst>
+      <p:ext uri="{BB962C8B-B14F-4D97-AF65-F5344CB8AC3E}">
+        <p14:creationId xmlns:p14="http://schemas.microsoft.com/office/powerpoint/2010/main" val="958700248"/>
       </p:ext>
     </p:extLst>
   </p:cSld>
@@ -6937,7 +6921,7 @@
             <a:pPr algn="ctr"/>
             <a:r>
               <a:rPr lang="en-US" sz="1000" dirty="0"/>
-              <a:t>Figure 6: Discriminator (</a:t>
+              <a:t>Figure 7: Discriminator (</a:t>
             </a:r>
             <a:r>
               <a:rPr lang="en-US" sz="1000" b="0" i="0" u="none" strike="noStrike" baseline="0" dirty="0" err="1"/>
@@ -7147,7 +7131,7 @@
             <a:pPr algn="ctr"/>
             <a:r>
               <a:rPr lang="en-US" sz="1000" dirty="0"/>
-              <a:t>Figure 7: Encoder Decoder Generator (</a:t>
+              <a:t>Figure 8: Encoder Decoder Generator (</a:t>
             </a:r>
             <a:r>
               <a:rPr lang="en-US" sz="1000" b="0" i="0" u="none" strike="noStrike" baseline="0" dirty="0" err="1"/>
@@ -7354,7 +7338,7 @@
             <a:pPr algn="ctr"/>
             <a:r>
               <a:rPr lang="en-US" sz="1000" dirty="0"/>
-              <a:t>Figure 8: </a:t>
+              <a:t>Figure 9: </a:t>
             </a:r>
             <a:r>
               <a:rPr lang="en-US" sz="1000" dirty="0" err="1"/>
@@ -8229,199 +8213,6 @@
           <a:p>
             <a:r>
               <a:rPr lang="en-US" dirty="0"/>
-              <a:t> Data gathering and processing</a:t>
-            </a:r>
-          </a:p>
-          <a:p>
-            <a:pPr marL="0" indent="0">
-              <a:buNone/>
-            </a:pPr>
-            <a:r>
-              <a:rPr lang="en-US" dirty="0"/>
-              <a:t>- Data Scraping</a:t>
-            </a:r>
-          </a:p>
-          <a:p>
-            <a:pPr>
-              <a:buFontTx/>
-              <a:buChar char="-"/>
-            </a:pPr>
-            <a:r>
-              <a:rPr lang="en-US" dirty="0"/>
-              <a:t>Data Cleaning</a:t>
-            </a:r>
-          </a:p>
-          <a:p>
-            <a:r>
-              <a:rPr lang="en-IN" dirty="0"/>
-              <a:t>Model Building</a:t>
-            </a:r>
-          </a:p>
-          <a:p>
-            <a:r>
-              <a:rPr lang="en-IN" dirty="0"/>
-              <a:t>Model Training</a:t>
-            </a:r>
-          </a:p>
-          <a:p>
-            <a:r>
-              <a:rPr lang="en-IN" dirty="0"/>
-              <a:t>Cost Optimization and tuning</a:t>
-            </a:r>
-          </a:p>
-          <a:p>
-            <a:r>
-              <a:rPr lang="en-IN" dirty="0"/>
-              <a:t>Performance Evaluation and Documentation</a:t>
-            </a:r>
-          </a:p>
-        </p:txBody>
-      </p:sp>
-      <p:sp>
-        <p:nvSpPr>
-          <p:cNvPr id="5" name="Footer Placeholder 4"/>
-          <p:cNvSpPr>
-            <a:spLocks noGrp="1"/>
-          </p:cNvSpPr>
-          <p:nvPr>
-            <p:ph type="ftr" sz="quarter" idx="11"/>
-          </p:nvPr>
-        </p:nvSpPr>
-        <p:spPr/>
-        <p:txBody>
-          <a:bodyPr/>
-          <a:lstStyle/>
-          <a:p>
-            <a:r>
-              <a:rPr lang="en-IN" sz="1200" dirty="0">
-                <a:cs typeface="Times New Roman" panose="02020603050405020304" pitchFamily="18" charset="0"/>
-              </a:rPr>
-              <a:t>Astronomical image colourisation and super-resolution using GANS</a:t>
-            </a:r>
-            <a:endParaRPr lang="en-IN" dirty="0"/>
-          </a:p>
-        </p:txBody>
-      </p:sp>
-      <p:pic>
-        <p:nvPicPr>
-          <p:cNvPr id="4" name="Picture 1"/>
-          <p:cNvPicPr>
-            <a:picLocks noChangeAspect="1" noChangeArrowheads="1"/>
-          </p:cNvPicPr>
-          <p:nvPr/>
-        </p:nvPicPr>
-        <p:blipFill>
-          <a:blip r:embed="rId2" cstate="print">
-            <a:extLst>
-              <a:ext uri="{28A0092B-C50C-407E-A947-70E740481C1C}">
-                <a14:useLocalDpi xmlns:a14="http://schemas.microsoft.com/office/drawing/2010/main" val="0"/>
-              </a:ext>
-            </a:extLst>
-          </a:blip>
-          <a:stretch>
-            <a:fillRect/>
-          </a:stretch>
-        </p:blipFill>
-        <p:spPr bwMode="auto">
-          <a:xfrm>
-            <a:off x="10919540" y="150750"/>
-            <a:ext cx="1233271" cy="1029803"/>
-          </a:xfrm>
-          <a:prstGeom prst="rect">
-            <a:avLst/>
-          </a:prstGeom>
-          <a:noFill/>
-          <a:ln w="9525">
-            <a:noFill/>
-            <a:miter lim="800000"/>
-            <a:headEnd/>
-            <a:tailEnd/>
-          </a:ln>
-        </p:spPr>
-      </p:pic>
-    </p:spTree>
-    <p:extLst>
-      <p:ext uri="{BB962C8B-B14F-4D97-AF65-F5344CB8AC3E}">
-        <p14:creationId xmlns:p14="http://schemas.microsoft.com/office/powerpoint/2010/main" val="3994141855"/>
-      </p:ext>
-    </p:extLst>
-  </p:cSld>
-  <p:clrMapOvr>
-    <a:masterClrMapping/>
-  </p:clrMapOvr>
-  <mc:AlternateContent xmlns:mc="http://schemas.openxmlformats.org/markup-compatibility/2006" xmlns:p14="http://schemas.microsoft.com/office/powerpoint/2010/main">
-    <mc:Choice Requires="p14">
-      <p:transition spd="med" p14:dur="700">
-        <p:fade/>
-      </p:transition>
-    </mc:Choice>
-    <mc:Fallback xmlns="">
-      <p:transition spd="med">
-        <p:fade/>
-      </p:transition>
-    </mc:Fallback>
-  </mc:AlternateContent>
-</p:sld>
-</file>
-
-<file path=ppt/slides/slide21.xml><?xml version="1.0" encoding="utf-8"?>
-<p:sld xmlns:a="http://schemas.openxmlformats.org/drawingml/2006/main" xmlns:r="http://schemas.openxmlformats.org/officeDocument/2006/relationships" xmlns:p="http://schemas.openxmlformats.org/presentationml/2006/main">
-  <p:cSld>
-    <p:spTree>
-      <p:nvGrpSpPr>
-        <p:cNvPr id="1" name=""/>
-        <p:cNvGrpSpPr/>
-        <p:nvPr/>
-      </p:nvGrpSpPr>
-      <p:grpSpPr>
-        <a:xfrm>
-          <a:off x="0" y="0"/>
-          <a:ext cx="0" cy="0"/>
-          <a:chOff x="0" y="0"/>
-          <a:chExt cx="0" cy="0"/>
-        </a:xfrm>
-      </p:grpSpPr>
-      <p:sp>
-        <p:nvSpPr>
-          <p:cNvPr id="13" name="Title 12"/>
-          <p:cNvSpPr>
-            <a:spLocks noGrp="1"/>
-          </p:cNvSpPr>
-          <p:nvPr>
-            <p:ph type="title"/>
-          </p:nvPr>
-        </p:nvSpPr>
-        <p:spPr/>
-        <p:txBody>
-          <a:bodyPr/>
-          <a:lstStyle/>
-          <a:p>
-            <a:r>
-              <a:rPr lang="en-US" dirty="0"/>
-              <a:t>Methodology</a:t>
-            </a:r>
-          </a:p>
-        </p:txBody>
-      </p:sp>
-      <p:sp>
-        <p:nvSpPr>
-          <p:cNvPr id="14" name="Content Placeholder 13"/>
-          <p:cNvSpPr>
-            <a:spLocks noGrp="1"/>
-          </p:cNvSpPr>
-          <p:nvPr>
-            <p:ph idx="1"/>
-          </p:nvPr>
-        </p:nvSpPr>
-        <p:spPr/>
-        <p:txBody>
-          <a:bodyPr>
-            <a:normAutofit/>
-          </a:bodyPr>
-          <a:lstStyle/>
-          <a:p>
-            <a:r>
-              <a:rPr lang="en-US" dirty="0"/>
               <a:t> Data gathering and processing:</a:t>
             </a:r>
           </a:p>
@@ -8552,7 +8343,7 @@
 </p:sld>
 </file>
 
-<file path=ppt/slides/slide22.xml><?xml version="1.0" encoding="utf-8"?>
+<file path=ppt/slides/slide21.xml><?xml version="1.0" encoding="utf-8"?>
 <p:sld xmlns:a="http://schemas.openxmlformats.org/drawingml/2006/main" xmlns:r="http://schemas.openxmlformats.org/officeDocument/2006/relationships" xmlns:p="http://schemas.openxmlformats.org/presentationml/2006/main">
   <p:cSld>
     <p:spTree>
@@ -8586,7 +8377,7 @@
           <a:p>
             <a:r>
               <a:rPr lang="en-US" dirty="0"/>
-              <a:t>Methodology</a:t>
+              <a:t>Image Colorization</a:t>
             </a:r>
           </a:p>
         </p:txBody>
@@ -8609,52 +8400,24 @@
           <a:lstStyle/>
           <a:p>
             <a:r>
-              <a:rPr lang="en-US" dirty="0"/>
-              <a:t> Data gathering and processing</a:t>
-            </a:r>
-          </a:p>
-          <a:p>
-            <a:pPr marL="0" indent="0">
-              <a:buNone/>
-            </a:pPr>
-            <a:r>
-              <a:rPr lang="en-US" dirty="0"/>
-              <a:t>- Data Scraping</a:t>
-            </a:r>
-          </a:p>
-          <a:p>
-            <a:pPr>
-              <a:buFontTx/>
-              <a:buChar char="-"/>
-            </a:pPr>
-            <a:r>
-              <a:rPr lang="en-US" dirty="0"/>
-              <a:t>Data Cleaning</a:t>
-            </a:r>
-          </a:p>
-          <a:p>
-            <a:r>
-              <a:rPr lang="en-IN" dirty="0"/>
-              <a:t>Model Building</a:t>
-            </a:r>
-          </a:p>
-          <a:p>
-            <a:r>
-              <a:rPr lang="en-IN" dirty="0"/>
-              <a:t>Model Training</a:t>
-            </a:r>
-          </a:p>
-          <a:p>
-            <a:r>
-              <a:rPr lang="en-IN" dirty="0"/>
-              <a:t>Cost Optimization and tuning</a:t>
-            </a:r>
-          </a:p>
-          <a:p>
-            <a:r>
-              <a:rPr lang="en-IN" dirty="0"/>
-              <a:t>Performance Evaluation and Documentation</a:t>
-            </a:r>
+              <a:rPr lang="en-US" sz="2000" dirty="0"/>
+              <a:t>Image Colorization convolutional neural networks with residual encoders using the VGG16 architecture will be used.</a:t>
+            </a:r>
+          </a:p>
+          <a:p>
+            <a:r>
+              <a:rPr lang="en-US" sz="2000" dirty="0"/>
+              <a:t>Generative Adversarial Networks use a minimax loss which is different than the L2 loss as it will choose a color to ﬁll an area rather than averaging. This is similar to a classiﬁcation based approach.</a:t>
+            </a:r>
+          </a:p>
+          <a:p>
+            <a:endParaRPr lang="en-US" sz="2000" dirty="0"/>
+          </a:p>
+          <a:p>
+            <a:endParaRPr lang="en-US" dirty="0"/>
+          </a:p>
+          <a:p>
+            <a:endParaRPr lang="en-IN" dirty="0"/>
           </a:p>
         </p:txBody>
       </p:sp>
@@ -8720,10 +8483,154 @@
           </a:ln>
         </p:spPr>
       </p:pic>
+      <p:pic>
+        <p:nvPicPr>
+          <p:cNvPr id="3" name="Picture 2">
+            <a:extLst>
+              <a:ext uri="{FF2B5EF4-FFF2-40B4-BE49-F238E27FC236}">
+                <a16:creationId xmlns:a16="http://schemas.microsoft.com/office/drawing/2014/main" id="{ECA1C287-13F9-427B-82E7-3647FAA1F87C}"/>
+              </a:ext>
+            </a:extLst>
+          </p:cNvPr>
+          <p:cNvPicPr>
+            <a:picLocks noChangeAspect="1"/>
+          </p:cNvPicPr>
+          <p:nvPr/>
+        </p:nvPicPr>
+        <p:blipFill>
+          <a:blip r:embed="rId3">
+            <a:extLst>
+              <a:ext uri="{28A0092B-C50C-407E-A947-70E740481C1C}">
+                <a14:useLocalDpi xmlns:a14="http://schemas.microsoft.com/office/drawing/2010/main" val="0"/>
+              </a:ext>
+            </a:extLst>
+          </a:blip>
+          <a:stretch>
+            <a:fillRect/>
+          </a:stretch>
+        </p:blipFill>
+        <p:spPr>
+          <a:xfrm>
+            <a:off x="2131380" y="3429000"/>
+            <a:ext cx="2396231" cy="2396231"/>
+          </a:xfrm>
+          <a:prstGeom prst="rect">
+            <a:avLst/>
+          </a:prstGeom>
+        </p:spPr>
+      </p:pic>
+      <p:sp>
+        <p:nvSpPr>
+          <p:cNvPr id="8" name="TextBox 7">
+            <a:extLst>
+              <a:ext uri="{FF2B5EF4-FFF2-40B4-BE49-F238E27FC236}">
+                <a16:creationId xmlns:a16="http://schemas.microsoft.com/office/drawing/2014/main" id="{B77EA0D7-2069-4486-8C70-20866B363FA1}"/>
+              </a:ext>
+            </a:extLst>
+          </p:cNvPr>
+          <p:cNvSpPr txBox="1"/>
+          <p:nvPr/>
+        </p:nvSpPr>
+        <p:spPr>
+          <a:xfrm>
+            <a:off x="2148765" y="5864165"/>
+            <a:ext cx="2361459" cy="246221"/>
+          </a:xfrm>
+          <a:prstGeom prst="rect">
+            <a:avLst/>
+          </a:prstGeom>
+          <a:noFill/>
+        </p:spPr>
+        <p:txBody>
+          <a:bodyPr wrap="square" rtlCol="0">
+            <a:spAutoFit/>
+          </a:bodyPr>
+          <a:lstStyle/>
+          <a:p>
+            <a:pPr algn="ctr"/>
+            <a:r>
+              <a:rPr lang="en-US" sz="1000" dirty="0"/>
+              <a:t>Fig 10a: Black &amp; White image</a:t>
+            </a:r>
+          </a:p>
+        </p:txBody>
+      </p:sp>
+      <p:pic>
+        <p:nvPicPr>
+          <p:cNvPr id="7" name="Picture 6">
+            <a:extLst>
+              <a:ext uri="{FF2B5EF4-FFF2-40B4-BE49-F238E27FC236}">
+                <a16:creationId xmlns:a16="http://schemas.microsoft.com/office/drawing/2014/main" id="{D4510493-790C-488A-A0A9-678B6677DD90}"/>
+              </a:ext>
+            </a:extLst>
+          </p:cNvPr>
+          <p:cNvPicPr>
+            <a:picLocks noChangeAspect="1"/>
+          </p:cNvPicPr>
+          <p:nvPr/>
+        </p:nvPicPr>
+        <p:blipFill>
+          <a:blip r:embed="rId4">
+            <a:extLst>
+              <a:ext uri="{28A0092B-C50C-407E-A947-70E740481C1C}">
+                <a14:useLocalDpi xmlns:a14="http://schemas.microsoft.com/office/drawing/2010/main" val="0"/>
+              </a:ext>
+            </a:extLst>
+          </a:blip>
+          <a:stretch>
+            <a:fillRect/>
+          </a:stretch>
+        </p:blipFill>
+        <p:spPr>
+          <a:xfrm>
+            <a:off x="6994052" y="3428999"/>
+            <a:ext cx="2396231" cy="2396231"/>
+          </a:xfrm>
+          <a:prstGeom prst="rect">
+            <a:avLst/>
+          </a:prstGeom>
+        </p:spPr>
+      </p:pic>
+      <p:sp>
+        <p:nvSpPr>
+          <p:cNvPr id="11" name="TextBox 10">
+            <a:extLst>
+              <a:ext uri="{FF2B5EF4-FFF2-40B4-BE49-F238E27FC236}">
+                <a16:creationId xmlns:a16="http://schemas.microsoft.com/office/drawing/2014/main" id="{6794D269-983C-4D32-931F-AF1DEA2E63A6}"/>
+              </a:ext>
+            </a:extLst>
+          </p:cNvPr>
+          <p:cNvSpPr txBox="1"/>
+          <p:nvPr/>
+        </p:nvSpPr>
+        <p:spPr>
+          <a:xfrm>
+            <a:off x="7011437" y="5864165"/>
+            <a:ext cx="2361459" cy="246221"/>
+          </a:xfrm>
+          <a:prstGeom prst="rect">
+            <a:avLst/>
+          </a:prstGeom>
+          <a:noFill/>
+        </p:spPr>
+        <p:txBody>
+          <a:bodyPr wrap="square" rtlCol="0">
+            <a:spAutoFit/>
+          </a:bodyPr>
+          <a:lstStyle/>
+          <a:p>
+            <a:pPr algn="ctr"/>
+            <a:r>
+              <a:rPr lang="en-US" sz="1000" dirty="0"/>
+              <a:t>Fig 10a: Colorized output</a:t>
+            </a:r>
+          </a:p>
+        </p:txBody>
+      </p:sp>
     </p:spTree>
     <p:extLst>
       <p:ext uri="{BB962C8B-B14F-4D97-AF65-F5344CB8AC3E}">
-        <p14:creationId xmlns:p14="http://schemas.microsoft.com/office/powerpoint/2010/main" val="1833285333"/>
+        <p14:creationId xmlns:p14="http://schemas.microsoft.com/office/powerpoint/2010/main" val="1974536376"/>
       </p:ext>
     </p:extLst>
   </p:cSld>
@@ -8745,7 +8652,7 @@
 </p:sld>
 </file>
 
-<file path=ppt/slides/slide23.xml><?xml version="1.0" encoding="utf-8"?>
+<file path=ppt/slides/slide22.xml><?xml version="1.0" encoding="utf-8"?>
 <p:sld xmlns:a="http://schemas.openxmlformats.org/drawingml/2006/main" xmlns:r="http://schemas.openxmlformats.org/officeDocument/2006/relationships" xmlns:p="http://schemas.openxmlformats.org/presentationml/2006/main">
   <p:cSld>
     <p:spTree>
@@ -8779,7 +8686,7 @@
           <a:p>
             <a:r>
               <a:rPr lang="en-US" dirty="0"/>
-              <a:t>Image Colorization</a:t>
+              <a:t>Image Upscaling</a:t>
             </a:r>
           </a:p>
         </p:txBody>
@@ -8802,27 +8709,9 @@
           <a:lstStyle/>
           <a:p>
             <a:r>
-              <a:rPr lang="en-US" sz="2000" dirty="0"/>
-              <a:t>Image Colorization convolutional neural networks with residual encoders using the VGG16 architecture will be used.</a:t>
-            </a:r>
-          </a:p>
-          <a:p>
-            <a:r>
-              <a:rPr lang="en-US" sz="2000" dirty="0"/>
-              <a:t>System will consists of L2 loss which is a function of the Euclidean distance between the pixel’s blurred color channel value in the target and predicted image.</a:t>
-            </a:r>
-          </a:p>
-          <a:p>
-            <a:r>
-              <a:rPr lang="en-US" sz="2000" dirty="0"/>
-              <a:t>Generative Adversarial Networks use a minimax loss which is different than the L2 loss as it will choose a color to ﬁll an area rather than averaging. This is similar to a classiﬁcation based approach.</a:t>
-            </a:r>
-          </a:p>
-          <a:p>
-            <a:endParaRPr lang="en-US" sz="2000" dirty="0"/>
-          </a:p>
-          <a:p>
-            <a:endParaRPr lang="en-US" dirty="0"/>
+              <a:rPr lang="en-US" dirty="0"/>
+              <a:t>SR-GAN works well with for single image super-resolution as it also uses an intelligent content loss function that uses pre-trained VGG-net layers.</a:t>
+            </a:r>
           </a:p>
           <a:p>
             <a:endParaRPr lang="en-IN" dirty="0"/>
@@ -8891,132 +8780,22 @@
           </a:ln>
         </p:spPr>
       </p:pic>
-    </p:spTree>
-    <p:extLst>
-      <p:ext uri="{BB962C8B-B14F-4D97-AF65-F5344CB8AC3E}">
-        <p14:creationId xmlns:p14="http://schemas.microsoft.com/office/powerpoint/2010/main" val="1974536376"/>
-      </p:ext>
-    </p:extLst>
-  </p:cSld>
-  <p:clrMapOvr>
-    <a:masterClrMapping/>
-  </p:clrMapOvr>
-  <mc:AlternateContent xmlns:mc="http://schemas.openxmlformats.org/markup-compatibility/2006" xmlns:p14="http://schemas.microsoft.com/office/powerpoint/2010/main">
-    <mc:Choice Requires="p14">
-      <p:transition spd="med" p14:dur="700">
-        <p:fade/>
-      </p:transition>
-    </mc:Choice>
-    <mc:Fallback xmlns="">
-      <p:transition spd="med">
-        <p:fade/>
-      </p:transition>
-    </mc:Fallback>
-  </mc:AlternateContent>
-</p:sld>
-</file>
-
-<file path=ppt/slides/slide24.xml><?xml version="1.0" encoding="utf-8"?>
-<p:sld xmlns:a="http://schemas.openxmlformats.org/drawingml/2006/main" xmlns:r="http://schemas.openxmlformats.org/officeDocument/2006/relationships" xmlns:p="http://schemas.openxmlformats.org/presentationml/2006/main">
-  <p:cSld>
-    <p:spTree>
-      <p:nvGrpSpPr>
-        <p:cNvPr id="1" name=""/>
-        <p:cNvGrpSpPr/>
-        <p:nvPr/>
-      </p:nvGrpSpPr>
-      <p:grpSpPr>
-        <a:xfrm>
-          <a:off x="0" y="0"/>
-          <a:ext cx="0" cy="0"/>
-          <a:chOff x="0" y="0"/>
-          <a:chExt cx="0" cy="0"/>
-        </a:xfrm>
-      </p:grpSpPr>
-      <p:sp>
-        <p:nvSpPr>
-          <p:cNvPr id="13" name="Title 12"/>
-          <p:cNvSpPr>
-            <a:spLocks noGrp="1"/>
-          </p:cNvSpPr>
-          <p:nvPr>
-            <p:ph type="title"/>
-          </p:nvPr>
-        </p:nvSpPr>
-        <p:spPr/>
-        <p:txBody>
-          <a:bodyPr/>
-          <a:lstStyle/>
-          <a:p>
-            <a:r>
-              <a:rPr lang="en-US" dirty="0"/>
-              <a:t>Image Upscaling</a:t>
-            </a:r>
-          </a:p>
-        </p:txBody>
-      </p:sp>
-      <p:sp>
-        <p:nvSpPr>
-          <p:cNvPr id="14" name="Content Placeholder 13"/>
-          <p:cNvSpPr>
-            <a:spLocks noGrp="1"/>
-          </p:cNvSpPr>
-          <p:nvPr>
-            <p:ph idx="1"/>
-          </p:nvPr>
-        </p:nvSpPr>
-        <p:spPr/>
-        <p:txBody>
-          <a:bodyPr>
-            <a:normAutofit/>
-          </a:bodyPr>
-          <a:lstStyle/>
-          <a:p>
-            <a:r>
-              <a:rPr lang="en-US" dirty="0"/>
-              <a:t>SR-GAN works well with for single image super-resolution as it also uses an intelligent content loss function that uses pre-trained VGG-net layers.</a:t>
-            </a:r>
-          </a:p>
-          <a:p>
-            <a:endParaRPr lang="en-IN" dirty="0"/>
-          </a:p>
-        </p:txBody>
-      </p:sp>
-      <p:sp>
-        <p:nvSpPr>
-          <p:cNvPr id="5" name="Footer Placeholder 4"/>
-          <p:cNvSpPr>
-            <a:spLocks noGrp="1"/>
-          </p:cNvSpPr>
-          <p:nvPr>
-            <p:ph type="ftr" sz="quarter" idx="11"/>
-          </p:nvPr>
-        </p:nvSpPr>
-        <p:spPr/>
-        <p:txBody>
-          <a:bodyPr/>
-          <a:lstStyle/>
-          <a:p>
-            <a:r>
-              <a:rPr lang="en-IN" sz="1200" dirty="0">
-                <a:cs typeface="Times New Roman" panose="02020603050405020304" pitchFamily="18" charset="0"/>
-              </a:rPr>
-              <a:t>Astronomical image colourisation and super-resolution using GANS</a:t>
-            </a:r>
-            <a:endParaRPr lang="en-IN" dirty="0"/>
-          </a:p>
-        </p:txBody>
-      </p:sp>
       <p:pic>
         <p:nvPicPr>
-          <p:cNvPr id="4" name="Picture 1"/>
+          <p:cNvPr id="3" name="Picture 2">
+            <a:extLst>
+              <a:ext uri="{FF2B5EF4-FFF2-40B4-BE49-F238E27FC236}">
+                <a16:creationId xmlns:a16="http://schemas.microsoft.com/office/drawing/2014/main" id="{22A3FE03-16E4-4072-902F-BD64C0F451EE}"/>
+              </a:ext>
+            </a:extLst>
+          </p:cNvPr>
           <p:cNvPicPr>
-            <a:picLocks noChangeAspect="1" noChangeArrowheads="1"/>
+            <a:picLocks noChangeAspect="1"/>
           </p:cNvPicPr>
           <p:nvPr/>
         </p:nvPicPr>
         <p:blipFill>
-          <a:blip r:embed="rId2" cstate="print">
+          <a:blip r:embed="rId3">
             <a:extLst>
               <a:ext uri="{28A0092B-C50C-407E-A947-70E740481C1C}">
                 <a14:useLocalDpi xmlns:a14="http://schemas.microsoft.com/office/drawing/2010/main" val="0"/>
@@ -9027,23 +8806,124 @@
             <a:fillRect/>
           </a:stretch>
         </p:blipFill>
-        <p:spPr bwMode="auto">
+        <p:spPr>
           <a:xfrm>
-            <a:off x="10919540" y="150750"/>
-            <a:ext cx="1233271" cy="1029803"/>
+            <a:off x="2663301" y="3097752"/>
+            <a:ext cx="2160048" cy="2160048"/>
+          </a:xfrm>
+          <a:prstGeom prst="rect">
+            <a:avLst/>
+          </a:prstGeom>
+        </p:spPr>
+      </p:pic>
+      <p:sp>
+        <p:nvSpPr>
+          <p:cNvPr id="8" name="TextBox 7">
+            <a:extLst>
+              <a:ext uri="{FF2B5EF4-FFF2-40B4-BE49-F238E27FC236}">
+                <a16:creationId xmlns:a16="http://schemas.microsoft.com/office/drawing/2014/main" id="{20E8342F-61DB-4032-B194-2FC85BDC7A5D}"/>
+              </a:ext>
+            </a:extLst>
+          </p:cNvPr>
+          <p:cNvSpPr txBox="1"/>
+          <p:nvPr/>
+        </p:nvSpPr>
+        <p:spPr>
+          <a:xfrm>
+            <a:off x="2562595" y="5441950"/>
+            <a:ext cx="2361459" cy="246221"/>
           </a:xfrm>
           <a:prstGeom prst="rect">
             <a:avLst/>
           </a:prstGeom>
           <a:noFill/>
-          <a:ln w="9525">
-            <a:noFill/>
-            <a:miter lim="800000"/>
-            <a:headEnd/>
-            <a:tailEnd/>
-          </a:ln>
+        </p:spPr>
+        <p:txBody>
+          <a:bodyPr wrap="square" rtlCol="0">
+            <a:spAutoFit/>
+          </a:bodyPr>
+          <a:lstStyle/>
+          <a:p>
+            <a:pPr algn="ctr"/>
+            <a:r>
+              <a:rPr lang="en-US" sz="1000" dirty="0"/>
+              <a:t>Fig 11a: Blurred image</a:t>
+            </a:r>
+          </a:p>
+        </p:txBody>
+      </p:sp>
+      <p:pic>
+        <p:nvPicPr>
+          <p:cNvPr id="7" name="Picture 6">
+            <a:extLst>
+              <a:ext uri="{FF2B5EF4-FFF2-40B4-BE49-F238E27FC236}">
+                <a16:creationId xmlns:a16="http://schemas.microsoft.com/office/drawing/2014/main" id="{CC4965A1-32C6-447C-ABF2-7D9ABF5E85E3}"/>
+              </a:ext>
+            </a:extLst>
+          </p:cNvPr>
+          <p:cNvPicPr>
+            <a:picLocks noChangeAspect="1"/>
+          </p:cNvPicPr>
+          <p:nvPr/>
+        </p:nvPicPr>
+        <p:blipFill>
+          <a:blip r:embed="rId4">
+            <a:extLst>
+              <a:ext uri="{28A0092B-C50C-407E-A947-70E740481C1C}">
+                <a14:useLocalDpi xmlns:a14="http://schemas.microsoft.com/office/drawing/2010/main" val="0"/>
+              </a:ext>
+            </a:extLst>
+          </a:blip>
+          <a:stretch>
+            <a:fillRect/>
+          </a:stretch>
+        </p:blipFill>
+        <p:spPr>
+          <a:xfrm>
+            <a:off x="6573288" y="3097752"/>
+            <a:ext cx="2160048" cy="2160048"/>
+          </a:xfrm>
+          <a:prstGeom prst="rect">
+            <a:avLst/>
+          </a:prstGeom>
         </p:spPr>
       </p:pic>
+      <p:sp>
+        <p:nvSpPr>
+          <p:cNvPr id="11" name="TextBox 10">
+            <a:extLst>
+              <a:ext uri="{FF2B5EF4-FFF2-40B4-BE49-F238E27FC236}">
+                <a16:creationId xmlns:a16="http://schemas.microsoft.com/office/drawing/2014/main" id="{4BFB96CE-2652-4488-815B-D148D544E7C0}"/>
+              </a:ext>
+            </a:extLst>
+          </p:cNvPr>
+          <p:cNvSpPr txBox="1"/>
+          <p:nvPr/>
+        </p:nvSpPr>
+        <p:spPr>
+          <a:xfrm>
+            <a:off x="6472582" y="5415870"/>
+            <a:ext cx="2361459" cy="246221"/>
+          </a:xfrm>
+          <a:prstGeom prst="rect">
+            <a:avLst/>
+          </a:prstGeom>
+          <a:noFill/>
+        </p:spPr>
+        <p:txBody>
+          <a:bodyPr wrap="square" rtlCol="0">
+            <a:spAutoFit/>
+          </a:bodyPr>
+          <a:lstStyle/>
+          <a:p>
+            <a:pPr algn="ctr"/>
+            <a:r>
+              <a:rPr lang="en-US" sz="1000" dirty="0"/>
+              <a:t>Fig 11a: Upscaled output</a:t>
+            </a:r>
+          </a:p>
+        </p:txBody>
+      </p:sp>
     </p:spTree>
     <p:extLst>
       <p:ext uri="{BB962C8B-B14F-4D97-AF65-F5344CB8AC3E}">
@@ -9069,7 +8949,7 @@
 </p:sld>
 </file>
 
-<file path=ppt/slides/slide25.xml><?xml version="1.0" encoding="utf-8"?>
+<file path=ppt/slides/slide23.xml><?xml version="1.0" encoding="utf-8"?>
 <p:sld xmlns:a="http://schemas.openxmlformats.org/drawingml/2006/main" xmlns:r="http://schemas.openxmlformats.org/officeDocument/2006/relationships" xmlns:p="http://schemas.openxmlformats.org/presentationml/2006/main">
   <p:cSld>
     <p:spTree>
@@ -9232,7 +9112,7 @@
 </p:sld>
 </file>
 
-<file path=ppt/slides/slide26.xml><?xml version="1.0" encoding="utf-8"?>
+<file path=ppt/slides/slide24.xml><?xml version="1.0" encoding="utf-8"?>
 <p:sld xmlns:a="http://schemas.openxmlformats.org/drawingml/2006/main" xmlns:r="http://schemas.openxmlformats.org/officeDocument/2006/relationships" xmlns:p="http://schemas.openxmlformats.org/presentationml/2006/main">
   <p:cSld>
     <p:spTree>
@@ -9335,66 +9215,6 @@
       </p:pic>
       <p:pic>
         <p:nvPicPr>
-          <p:cNvPr id="3" name="Picture 2">
-            <a:extLst>
-              <a:ext uri="{FF2B5EF4-FFF2-40B4-BE49-F238E27FC236}">
-                <a16:creationId xmlns:a16="http://schemas.microsoft.com/office/drawing/2014/main" id="{8F75C5C1-87B0-4E3B-86CD-2A5BF38FDD12}"/>
-              </a:ext>
-            </a:extLst>
-          </p:cNvPr>
-          <p:cNvPicPr>
-            <a:picLocks noChangeAspect="1"/>
-          </p:cNvPicPr>
-          <p:nvPr/>
-        </p:nvPicPr>
-        <p:blipFill>
-          <a:blip r:embed="rId3"/>
-          <a:stretch>
-            <a:fillRect/>
-          </a:stretch>
-        </p:blipFill>
-        <p:spPr>
-          <a:xfrm>
-            <a:off x="1855433" y="1649716"/>
-            <a:ext cx="8288170" cy="2122375"/>
-          </a:xfrm>
-          <a:prstGeom prst="rect">
-            <a:avLst/>
-          </a:prstGeom>
-        </p:spPr>
-      </p:pic>
-      <p:pic>
-        <p:nvPicPr>
-          <p:cNvPr id="7" name="Picture 6">
-            <a:extLst>
-              <a:ext uri="{FF2B5EF4-FFF2-40B4-BE49-F238E27FC236}">
-                <a16:creationId xmlns:a16="http://schemas.microsoft.com/office/drawing/2014/main" id="{8E77625A-0D46-4AB1-99DA-5F559F9D1EA9}"/>
-              </a:ext>
-            </a:extLst>
-          </p:cNvPr>
-          <p:cNvPicPr>
-            <a:picLocks noChangeAspect="1"/>
-          </p:cNvPicPr>
-          <p:nvPr/>
-        </p:nvPicPr>
-        <p:blipFill>
-          <a:blip r:embed="rId4"/>
-          <a:stretch>
-            <a:fillRect/>
-          </a:stretch>
-        </p:blipFill>
-        <p:spPr>
-          <a:xfrm>
-            <a:off x="2009107" y="3772091"/>
-            <a:ext cx="8172265" cy="1398553"/>
-          </a:xfrm>
-          <a:prstGeom prst="rect">
-            <a:avLst/>
-          </a:prstGeom>
-        </p:spPr>
-      </p:pic>
-      <p:pic>
-        <p:nvPicPr>
           <p:cNvPr id="9" name="Picture 8">
             <a:extLst>
               <a:ext uri="{FF2B5EF4-FFF2-40B4-BE49-F238E27FC236}">
@@ -9408,14 +9228,250 @@
           <p:nvPr/>
         </p:nvPicPr>
         <p:blipFill rotWithShape="1">
-          <a:blip r:embed="rId5"/>
-          <a:srcRect t="8665"/>
+          <a:blip r:embed="rId3"/>
+          <a:srcRect l="38831" t="65036" r="41232" b="7306"/>
           <a:stretch/>
         </p:blipFill>
         <p:spPr>
           <a:xfrm>
-            <a:off x="1944209" y="5088448"/>
-            <a:ext cx="8504814" cy="1205757"/>
+            <a:off x="4927104" y="3734430"/>
+            <a:ext cx="1695637" cy="365126"/>
+          </a:xfrm>
+          <a:prstGeom prst="rect">
+            <a:avLst/>
+          </a:prstGeom>
+        </p:spPr>
+      </p:pic>
+      <p:pic>
+        <p:nvPicPr>
+          <p:cNvPr id="8" name="Picture 7">
+            <a:extLst>
+              <a:ext uri="{FF2B5EF4-FFF2-40B4-BE49-F238E27FC236}">
+                <a16:creationId xmlns:a16="http://schemas.microsoft.com/office/drawing/2014/main" id="{8399195A-6767-420A-B782-867135D30701}"/>
+              </a:ext>
+            </a:extLst>
+          </p:cNvPr>
+          <p:cNvPicPr>
+            <a:picLocks noChangeAspect="1"/>
+          </p:cNvPicPr>
+          <p:nvPr/>
+        </p:nvPicPr>
+        <p:blipFill rotWithShape="1">
+          <a:blip r:embed="rId4"/>
+          <a:srcRect l="43916" t="77874" r="43337" b="2928"/>
+          <a:stretch/>
+        </p:blipFill>
+        <p:spPr>
+          <a:xfrm>
+            <a:off x="5246700" y="2450538"/>
+            <a:ext cx="1056443" cy="407453"/>
+          </a:xfrm>
+          <a:prstGeom prst="rect">
+            <a:avLst/>
+          </a:prstGeom>
+        </p:spPr>
+      </p:pic>
+      <p:pic>
+        <p:nvPicPr>
+          <p:cNvPr id="10" name="Picture 9">
+            <a:extLst>
+              <a:ext uri="{FF2B5EF4-FFF2-40B4-BE49-F238E27FC236}">
+                <a16:creationId xmlns:a16="http://schemas.microsoft.com/office/drawing/2014/main" id="{97DF34E9-B157-42B0-AF60-BE2EB1D248CE}"/>
+              </a:ext>
+            </a:extLst>
+          </p:cNvPr>
+          <p:cNvPicPr>
+            <a:picLocks noChangeAspect="1"/>
+          </p:cNvPicPr>
+          <p:nvPr/>
+        </p:nvPicPr>
+        <p:blipFill rotWithShape="1">
+          <a:blip r:embed="rId5"/>
+          <a:srcRect r="16127" b="88507"/>
+          <a:stretch/>
+        </p:blipFill>
+        <p:spPr>
+          <a:xfrm>
+            <a:off x="2526085" y="4099556"/>
+            <a:ext cx="6861119" cy="323306"/>
+          </a:xfrm>
+          <a:prstGeom prst="rect">
+            <a:avLst/>
+          </a:prstGeom>
+        </p:spPr>
+      </p:pic>
+      <p:pic>
+        <p:nvPicPr>
+          <p:cNvPr id="11" name="Picture 10">
+            <a:extLst>
+              <a:ext uri="{FF2B5EF4-FFF2-40B4-BE49-F238E27FC236}">
+                <a16:creationId xmlns:a16="http://schemas.microsoft.com/office/drawing/2014/main" id="{60283140-38A1-49F7-AEC2-2CADE30360B1}"/>
+              </a:ext>
+            </a:extLst>
+          </p:cNvPr>
+          <p:cNvPicPr>
+            <a:picLocks noChangeAspect="1"/>
+          </p:cNvPicPr>
+          <p:nvPr/>
+        </p:nvPicPr>
+        <p:blipFill rotWithShape="1">
+          <a:blip r:embed="rId5"/>
+          <a:srcRect l="94253" t="15918" r="702" b="71390"/>
+          <a:stretch/>
+        </p:blipFill>
+        <p:spPr>
+          <a:xfrm>
+            <a:off x="1842052" y="4569927"/>
+            <a:ext cx="395120" cy="341835"/>
+          </a:xfrm>
+          <a:prstGeom prst="rect">
+            <a:avLst/>
+          </a:prstGeom>
+        </p:spPr>
+      </p:pic>
+      <p:pic>
+        <p:nvPicPr>
+          <p:cNvPr id="12" name="Picture 11">
+            <a:extLst>
+              <a:ext uri="{FF2B5EF4-FFF2-40B4-BE49-F238E27FC236}">
+                <a16:creationId xmlns:a16="http://schemas.microsoft.com/office/drawing/2014/main" id="{EFDB93F0-996C-4106-B30F-2AB34345401E}"/>
+              </a:ext>
+            </a:extLst>
+          </p:cNvPr>
+          <p:cNvPicPr>
+            <a:picLocks noChangeAspect="1"/>
+          </p:cNvPicPr>
+          <p:nvPr/>
+        </p:nvPicPr>
+        <p:blipFill rotWithShape="1">
+          <a:blip r:embed="rId5"/>
+          <a:srcRect l="1262" t="32490" b="56414"/>
+          <a:stretch/>
+        </p:blipFill>
+        <p:spPr>
+          <a:xfrm>
+            <a:off x="2237172" y="4607978"/>
+            <a:ext cx="7794310" cy="301173"/>
+          </a:xfrm>
+          <a:prstGeom prst="rect">
+            <a:avLst/>
+          </a:prstGeom>
+        </p:spPr>
+      </p:pic>
+      <p:pic>
+        <p:nvPicPr>
+          <p:cNvPr id="6" name="Picture 5">
+            <a:extLst>
+              <a:ext uri="{FF2B5EF4-FFF2-40B4-BE49-F238E27FC236}">
+                <a16:creationId xmlns:a16="http://schemas.microsoft.com/office/drawing/2014/main" id="{8E5C478F-4579-4616-8F71-162678846DD0}"/>
+              </a:ext>
+            </a:extLst>
+          </p:cNvPr>
+          <p:cNvPicPr>
+            <a:picLocks noChangeAspect="1"/>
+          </p:cNvPicPr>
+          <p:nvPr/>
+        </p:nvPicPr>
+        <p:blipFill>
+          <a:blip r:embed="rId6"/>
+          <a:stretch>
+            <a:fillRect/>
+          </a:stretch>
+        </p:blipFill>
+        <p:spPr>
+          <a:xfrm>
+            <a:off x="1291915" y="4989259"/>
+            <a:ext cx="4803326" cy="301173"/>
+          </a:xfrm>
+          <a:prstGeom prst="rect">
+            <a:avLst/>
+          </a:prstGeom>
+        </p:spPr>
+      </p:pic>
+      <p:pic>
+        <p:nvPicPr>
+          <p:cNvPr id="15" name="Picture 14">
+            <a:extLst>
+              <a:ext uri="{FF2B5EF4-FFF2-40B4-BE49-F238E27FC236}">
+                <a16:creationId xmlns:a16="http://schemas.microsoft.com/office/drawing/2014/main" id="{95616EFD-3DFA-4337-BB5A-436367A30596}"/>
+              </a:ext>
+            </a:extLst>
+          </p:cNvPr>
+          <p:cNvPicPr>
+            <a:picLocks noChangeAspect="1"/>
+          </p:cNvPicPr>
+          <p:nvPr/>
+        </p:nvPicPr>
+        <p:blipFill>
+          <a:blip r:embed="rId7"/>
+          <a:stretch>
+            <a:fillRect/>
+          </a:stretch>
+        </p:blipFill>
+        <p:spPr>
+          <a:xfrm>
+            <a:off x="2747587" y="5410232"/>
+            <a:ext cx="6242425" cy="638689"/>
+          </a:xfrm>
+          <a:prstGeom prst="rect">
+            <a:avLst/>
+          </a:prstGeom>
+        </p:spPr>
+      </p:pic>
+      <p:pic>
+        <p:nvPicPr>
+          <p:cNvPr id="18" name="Picture 17">
+            <a:extLst>
+              <a:ext uri="{FF2B5EF4-FFF2-40B4-BE49-F238E27FC236}">
+                <a16:creationId xmlns:a16="http://schemas.microsoft.com/office/drawing/2014/main" id="{25BD078B-4A27-4E10-96C2-1D70ACF1F7B2}"/>
+              </a:ext>
+            </a:extLst>
+          </p:cNvPr>
+          <p:cNvPicPr>
+            <a:picLocks noChangeAspect="1"/>
+          </p:cNvPicPr>
+          <p:nvPr/>
+        </p:nvPicPr>
+        <p:blipFill>
+          <a:blip r:embed="rId8"/>
+          <a:stretch>
+            <a:fillRect/>
+          </a:stretch>
+        </p:blipFill>
+        <p:spPr>
+          <a:xfrm>
+            <a:off x="1214939" y="1660441"/>
+            <a:ext cx="8113289" cy="729484"/>
+          </a:xfrm>
+          <a:prstGeom prst="rect">
+            <a:avLst/>
+          </a:prstGeom>
+        </p:spPr>
+      </p:pic>
+      <p:pic>
+        <p:nvPicPr>
+          <p:cNvPr id="20" name="Picture 19">
+            <a:extLst>
+              <a:ext uri="{FF2B5EF4-FFF2-40B4-BE49-F238E27FC236}">
+                <a16:creationId xmlns:a16="http://schemas.microsoft.com/office/drawing/2014/main" id="{4EC1BF3E-D7BC-47B1-BFF2-182BC584922D}"/>
+              </a:ext>
+            </a:extLst>
+          </p:cNvPr>
+          <p:cNvPicPr>
+            <a:picLocks noChangeAspect="1"/>
+          </p:cNvPicPr>
+          <p:nvPr/>
+        </p:nvPicPr>
+        <p:blipFill>
+          <a:blip r:embed="rId9"/>
+          <a:stretch>
+            <a:fillRect/>
+          </a:stretch>
+        </p:blipFill>
+        <p:spPr>
+          <a:xfrm>
+            <a:off x="1237522" y="2879787"/>
+            <a:ext cx="8248657" cy="1215404"/>
           </a:xfrm>
           <a:prstGeom prst="rect">
             <a:avLst/>
@@ -9447,7 +9503,7 @@
 </p:sld>
 </file>
 
-<file path=ppt/slides/slide27.xml><?xml version="1.0" encoding="utf-8"?>
+<file path=ppt/slides/slide25.xml><?xml version="1.0" encoding="utf-8"?>
 <p:sld xmlns:a="http://schemas.openxmlformats.org/drawingml/2006/main" xmlns:r="http://schemas.openxmlformats.org/officeDocument/2006/relationships" xmlns:p="http://schemas.openxmlformats.org/presentationml/2006/main">
   <p:cSld>
     <p:spTree>
@@ -9550,10 +9606,184 @@
       </p:pic>
       <p:pic>
         <p:nvPicPr>
-          <p:cNvPr id="3" name="Picture 2">
+          <p:cNvPr id="6" name="Picture 5">
             <a:extLst>
               <a:ext uri="{FF2B5EF4-FFF2-40B4-BE49-F238E27FC236}">
-                <a16:creationId xmlns:a16="http://schemas.microsoft.com/office/drawing/2014/main" id="{38119C0F-CA25-43F8-8D92-F3589E2D7761}"/>
+                <a16:creationId xmlns:a16="http://schemas.microsoft.com/office/drawing/2014/main" id="{031D0221-B19A-4F9E-BB69-C456DE12BAB9}"/>
+              </a:ext>
+            </a:extLst>
+          </p:cNvPr>
+          <p:cNvPicPr>
+            <a:picLocks noChangeAspect="1"/>
+          </p:cNvPicPr>
+          <p:nvPr/>
+        </p:nvPicPr>
+        <p:blipFill rotWithShape="1">
+          <a:blip r:embed="rId3"/>
+          <a:srcRect l="32059" t="28019" b="61423"/>
+          <a:stretch/>
+        </p:blipFill>
+        <p:spPr>
+          <a:xfrm>
+            <a:off x="1944209" y="2654052"/>
+            <a:ext cx="6278155" cy="397276"/>
+          </a:xfrm>
+          <a:prstGeom prst="rect">
+            <a:avLst/>
+          </a:prstGeom>
+        </p:spPr>
+      </p:pic>
+      <p:pic>
+        <p:nvPicPr>
+          <p:cNvPr id="7" name="Picture 6">
+            <a:extLst>
+              <a:ext uri="{FF2B5EF4-FFF2-40B4-BE49-F238E27FC236}">
+                <a16:creationId xmlns:a16="http://schemas.microsoft.com/office/drawing/2014/main" id="{2A8CE12E-AF99-41D4-81AC-F18BF238A594}"/>
+              </a:ext>
+            </a:extLst>
+          </p:cNvPr>
+          <p:cNvPicPr>
+            <a:picLocks noChangeAspect="1"/>
+          </p:cNvPicPr>
+          <p:nvPr/>
+        </p:nvPicPr>
+        <p:blipFill rotWithShape="1">
+          <a:blip r:embed="rId3"/>
+          <a:srcRect l="22339" t="41841" b="48456"/>
+          <a:stretch/>
+        </p:blipFill>
+        <p:spPr>
+          <a:xfrm>
+            <a:off x="1944209" y="3087145"/>
+            <a:ext cx="7176278" cy="365127"/>
+          </a:xfrm>
+          <a:prstGeom prst="rect">
+            <a:avLst/>
+          </a:prstGeom>
+        </p:spPr>
+      </p:pic>
+      <p:pic>
+        <p:nvPicPr>
+          <p:cNvPr id="8" name="Picture 7">
+            <a:extLst>
+              <a:ext uri="{FF2B5EF4-FFF2-40B4-BE49-F238E27FC236}">
+                <a16:creationId xmlns:a16="http://schemas.microsoft.com/office/drawing/2014/main" id="{7D16978F-10E7-48C2-B171-67272DD1DD09}"/>
+              </a:ext>
+            </a:extLst>
+          </p:cNvPr>
+          <p:cNvPicPr>
+            <a:picLocks noChangeAspect="1"/>
+          </p:cNvPicPr>
+          <p:nvPr/>
+        </p:nvPicPr>
+        <p:blipFill rotWithShape="1">
+          <a:blip r:embed="rId3"/>
+          <a:srcRect l="899" t="42981" r="77869" b="49941"/>
+          <a:stretch/>
+        </p:blipFill>
+        <p:spPr>
+          <a:xfrm>
+            <a:off x="8069802" y="2719525"/>
+            <a:ext cx="1961965" cy="266330"/>
+          </a:xfrm>
+          <a:prstGeom prst="rect">
+            <a:avLst/>
+          </a:prstGeom>
+        </p:spPr>
+      </p:pic>
+      <p:pic>
+        <p:nvPicPr>
+          <p:cNvPr id="9" name="Picture 8">
+            <a:extLst>
+              <a:ext uri="{FF2B5EF4-FFF2-40B4-BE49-F238E27FC236}">
+                <a16:creationId xmlns:a16="http://schemas.microsoft.com/office/drawing/2014/main" id="{DA523105-066F-43BE-B88F-0A5369D44FD4}"/>
+              </a:ext>
+            </a:extLst>
+          </p:cNvPr>
+          <p:cNvPicPr>
+            <a:picLocks noChangeAspect="1"/>
+          </p:cNvPicPr>
+          <p:nvPr/>
+        </p:nvPicPr>
+        <p:blipFill rotWithShape="1">
+          <a:blip r:embed="rId3"/>
+          <a:srcRect l="146" t="55145" r="84353" b="38367"/>
+          <a:stretch/>
+        </p:blipFill>
+        <p:spPr>
+          <a:xfrm>
+            <a:off x="9050784" y="3101884"/>
+            <a:ext cx="1432427" cy="244137"/>
+          </a:xfrm>
+          <a:prstGeom prst="rect">
+            <a:avLst/>
+          </a:prstGeom>
+        </p:spPr>
+      </p:pic>
+      <p:pic>
+        <p:nvPicPr>
+          <p:cNvPr id="10" name="Picture 9">
+            <a:extLst>
+              <a:ext uri="{FF2B5EF4-FFF2-40B4-BE49-F238E27FC236}">
+                <a16:creationId xmlns:a16="http://schemas.microsoft.com/office/drawing/2014/main" id="{1ECBDD22-86FE-470C-B08C-5E0C57CA81C7}"/>
+              </a:ext>
+            </a:extLst>
+          </p:cNvPr>
+          <p:cNvPicPr>
+            <a:picLocks noChangeAspect="1"/>
+          </p:cNvPicPr>
+          <p:nvPr/>
+        </p:nvPicPr>
+        <p:blipFill rotWithShape="1">
+          <a:blip r:embed="rId3"/>
+          <a:srcRect l="15535" t="54634" b="35334"/>
+          <a:stretch/>
+        </p:blipFill>
+        <p:spPr>
+          <a:xfrm>
+            <a:off x="1245833" y="3452272"/>
+            <a:ext cx="7804951" cy="377501"/>
+          </a:xfrm>
+          <a:prstGeom prst="rect">
+            <a:avLst/>
+          </a:prstGeom>
+        </p:spPr>
+      </p:pic>
+      <p:pic>
+        <p:nvPicPr>
+          <p:cNvPr id="11" name="Picture 10">
+            <a:extLst>
+              <a:ext uri="{FF2B5EF4-FFF2-40B4-BE49-F238E27FC236}">
+                <a16:creationId xmlns:a16="http://schemas.microsoft.com/office/drawing/2014/main" id="{FCBA3911-FDF2-40E1-9FBE-54C0B900900E}"/>
+              </a:ext>
+            </a:extLst>
+          </p:cNvPr>
+          <p:cNvPicPr>
+            <a:picLocks noChangeAspect="1"/>
+          </p:cNvPicPr>
+          <p:nvPr/>
+        </p:nvPicPr>
+        <p:blipFill rotWithShape="1">
+          <a:blip r:embed="rId3"/>
+          <a:srcRect l="22339" t="72808" r="21681" b="-1"/>
+          <a:stretch/>
+        </p:blipFill>
+        <p:spPr>
+          <a:xfrm>
+            <a:off x="3508798" y="4024623"/>
+            <a:ext cx="5172885" cy="1023212"/>
+          </a:xfrm>
+          <a:prstGeom prst="rect">
+            <a:avLst/>
+          </a:prstGeom>
+        </p:spPr>
+      </p:pic>
+      <p:pic>
+        <p:nvPicPr>
+          <p:cNvPr id="12" name="Picture 11">
+            <a:extLst>
+              <a:ext uri="{FF2B5EF4-FFF2-40B4-BE49-F238E27FC236}">
+                <a16:creationId xmlns:a16="http://schemas.microsoft.com/office/drawing/2014/main" id="{99CFD62A-8672-40FC-AAB7-CA72813CE459}"/>
               </a:ext>
             </a:extLst>
           </p:cNvPr>
@@ -9563,15 +9793,15 @@
           <p:nvPr/>
         </p:nvPicPr>
         <p:blipFill>
-          <a:blip r:embed="rId3"/>
+          <a:blip r:embed="rId4"/>
           <a:stretch>
             <a:fillRect/>
           </a:stretch>
         </p:blipFill>
         <p:spPr>
           <a:xfrm>
-            <a:off x="1427339" y="1823813"/>
-            <a:ext cx="9335803" cy="3210373"/>
+            <a:off x="1229719" y="1673256"/>
+            <a:ext cx="9142891" cy="883371"/>
           </a:xfrm>
           <a:prstGeom prst="rect">
             <a:avLst/>
@@ -9581,7 +9811,315 @@
     </p:spTree>
     <p:extLst>
       <p:ext uri="{BB962C8B-B14F-4D97-AF65-F5344CB8AC3E}">
-        <p14:creationId xmlns:p14="http://schemas.microsoft.com/office/powerpoint/2010/main" val="3290911062"/>
+        <p14:creationId xmlns:p14="http://schemas.microsoft.com/office/powerpoint/2010/main" val="706433204"/>
+      </p:ext>
+    </p:extLst>
+  </p:cSld>
+  <p:clrMapOvr>
+    <a:masterClrMapping/>
+  </p:clrMapOvr>
+  <mc:AlternateContent xmlns:mc="http://schemas.openxmlformats.org/markup-compatibility/2006" xmlns:p14="http://schemas.microsoft.com/office/powerpoint/2010/main">
+    <mc:Choice Requires="p14">
+      <p:transition spd="med" p14:dur="700">
+        <p:fade/>
+      </p:transition>
+    </mc:Choice>
+    <mc:Fallback xmlns="">
+      <p:transition spd="med">
+        <p:fade/>
+      </p:transition>
+    </mc:Fallback>
+  </mc:AlternateContent>
+</p:sld>
+</file>
+
+<file path=ppt/slides/slide26.xml><?xml version="1.0" encoding="utf-8"?>
+<p:sld xmlns:a="http://schemas.openxmlformats.org/drawingml/2006/main" xmlns:r="http://schemas.openxmlformats.org/officeDocument/2006/relationships" xmlns:p="http://schemas.openxmlformats.org/presentationml/2006/main">
+  <p:cSld>
+    <p:spTree>
+      <p:nvGrpSpPr>
+        <p:cNvPr id="1" name=""/>
+        <p:cNvGrpSpPr/>
+        <p:nvPr/>
+      </p:nvGrpSpPr>
+      <p:grpSpPr>
+        <a:xfrm>
+          <a:off x="0" y="0"/>
+          <a:ext cx="0" cy="0"/>
+          <a:chOff x="0" y="0"/>
+          <a:chExt cx="0" cy="0"/>
+        </a:xfrm>
+      </p:grpSpPr>
+      <p:sp>
+        <p:nvSpPr>
+          <p:cNvPr id="2" name="Title 1">
+            <a:extLst>
+              <a:ext uri="{FF2B5EF4-FFF2-40B4-BE49-F238E27FC236}">
+                <a16:creationId xmlns:a16="http://schemas.microsoft.com/office/drawing/2014/main" id="{59CD8984-BC59-4734-B887-307E297C13F3}"/>
+              </a:ext>
+            </a:extLst>
+          </p:cNvPr>
+          <p:cNvSpPr>
+            <a:spLocks noGrp="1"/>
+          </p:cNvSpPr>
+          <p:nvPr>
+            <p:ph type="title"/>
+          </p:nvPr>
+        </p:nvSpPr>
+        <p:spPr/>
+        <p:txBody>
+          <a:bodyPr/>
+          <a:lstStyle/>
+          <a:p>
+            <a:r>
+              <a:rPr lang="en-US" dirty="0"/>
+              <a:t>Experimental Setup	</a:t>
+            </a:r>
+          </a:p>
+        </p:txBody>
+      </p:sp>
+      <p:sp>
+        <p:nvSpPr>
+          <p:cNvPr id="3" name="Content Placeholder 2">
+            <a:extLst>
+              <a:ext uri="{FF2B5EF4-FFF2-40B4-BE49-F238E27FC236}">
+                <a16:creationId xmlns:a16="http://schemas.microsoft.com/office/drawing/2014/main" id="{773222F5-2607-436A-B88E-0AC87CEC05E6}"/>
+              </a:ext>
+            </a:extLst>
+          </p:cNvPr>
+          <p:cNvSpPr>
+            <a:spLocks noGrp="1"/>
+          </p:cNvSpPr>
+          <p:nvPr>
+            <p:ph idx="1"/>
+          </p:nvPr>
+        </p:nvSpPr>
+        <p:spPr/>
+        <p:txBody>
+          <a:bodyPr/>
+          <a:lstStyle/>
+          <a:p>
+            <a:r>
+              <a:rPr lang="en-US" dirty="0"/>
+              <a:t>We aim to implement the neural network models in </a:t>
+            </a:r>
+            <a:r>
+              <a:rPr lang="en-US" dirty="0" err="1"/>
+              <a:t>Tensorflow</a:t>
+            </a:r>
+            <a:r>
+              <a:rPr lang="en-US" dirty="0"/>
+              <a:t> using </a:t>
+            </a:r>
+            <a:r>
+              <a:rPr lang="en-US" dirty="0" err="1"/>
+              <a:t>Jupyter</a:t>
+            </a:r>
+            <a:r>
+              <a:rPr lang="en-US" dirty="0"/>
+              <a:t> Notebook and python</a:t>
+            </a:r>
+          </a:p>
+          <a:p>
+            <a:r>
+              <a:rPr lang="en-US" dirty="0"/>
+              <a:t>As deep learning models require huge computational power for training, we plan to use Google </a:t>
+            </a:r>
+            <a:r>
+              <a:rPr lang="en-US" dirty="0" err="1"/>
+              <a:t>Colab</a:t>
+            </a:r>
+            <a:r>
+              <a:rPr lang="en-US" dirty="0"/>
+              <a:t> which provides a Tesla K80 GPU with memory ranging between 8GB to 16GB</a:t>
+            </a:r>
+          </a:p>
+          <a:p>
+            <a:r>
+              <a:rPr lang="en-US" dirty="0"/>
+              <a:t>The dataset has been scraped off the Hubble Heritage project and Hubble Legacy Archive</a:t>
+            </a:r>
+          </a:p>
+          <a:p>
+            <a:r>
+              <a:rPr lang="en-US" dirty="0"/>
+              <a:t>The processing on the dataset will be done using OpenCV and other image libraries in python and will be fed into the network</a:t>
+            </a:r>
+          </a:p>
+        </p:txBody>
+      </p:sp>
+      <p:sp>
+        <p:nvSpPr>
+          <p:cNvPr id="4" name="Footer Placeholder 3">
+            <a:extLst>
+              <a:ext uri="{FF2B5EF4-FFF2-40B4-BE49-F238E27FC236}">
+                <a16:creationId xmlns:a16="http://schemas.microsoft.com/office/drawing/2014/main" id="{4DD67FAB-2132-4737-A37B-527D9DF651D1}"/>
+              </a:ext>
+            </a:extLst>
+          </p:cNvPr>
+          <p:cNvSpPr>
+            <a:spLocks noGrp="1"/>
+          </p:cNvSpPr>
+          <p:nvPr>
+            <p:ph type="ftr" sz="quarter" idx="11"/>
+          </p:nvPr>
+        </p:nvSpPr>
+        <p:spPr/>
+        <p:txBody>
+          <a:bodyPr/>
+          <a:lstStyle/>
+          <a:p>
+            <a:r>
+              <a:rPr lang="en-US"/>
+              <a:t>Astronomical image colourisation and super-resolution using GANS</a:t>
+            </a:r>
+            <a:endParaRPr lang="en-IN" dirty="0"/>
+          </a:p>
+        </p:txBody>
+      </p:sp>
+    </p:spTree>
+    <p:extLst>
+      <p:ext uri="{BB962C8B-B14F-4D97-AF65-F5344CB8AC3E}">
+        <p14:creationId xmlns:p14="http://schemas.microsoft.com/office/powerpoint/2010/main" val="259787384"/>
+      </p:ext>
+    </p:extLst>
+  </p:cSld>
+  <p:clrMapOvr>
+    <a:masterClrMapping/>
+  </p:clrMapOvr>
+  <mc:AlternateContent xmlns:mc="http://schemas.openxmlformats.org/markup-compatibility/2006" xmlns:p14="http://schemas.microsoft.com/office/powerpoint/2010/main">
+    <mc:Choice Requires="p14">
+      <p:transition spd="med" p14:dur="700">
+        <p:fade/>
+      </p:transition>
+    </mc:Choice>
+    <mc:Fallback xmlns="">
+      <p:transition spd="med">
+        <p:fade/>
+      </p:transition>
+    </mc:Fallback>
+  </mc:AlternateContent>
+</p:sld>
+</file>
+
+<file path=ppt/slides/slide27.xml><?xml version="1.0" encoding="utf-8"?>
+<p:sld xmlns:a="http://schemas.openxmlformats.org/drawingml/2006/main" xmlns:r="http://schemas.openxmlformats.org/officeDocument/2006/relationships" xmlns:p="http://schemas.openxmlformats.org/presentationml/2006/main">
+  <p:cSld>
+    <p:spTree>
+      <p:nvGrpSpPr>
+        <p:cNvPr id="1" name=""/>
+        <p:cNvGrpSpPr/>
+        <p:nvPr/>
+      </p:nvGrpSpPr>
+      <p:grpSpPr>
+        <a:xfrm>
+          <a:off x="0" y="0"/>
+          <a:ext cx="0" cy="0"/>
+          <a:chOff x="0" y="0"/>
+          <a:chExt cx="0" cy="0"/>
+        </a:xfrm>
+      </p:grpSpPr>
+      <p:sp>
+        <p:nvSpPr>
+          <p:cNvPr id="2" name="Title 1">
+            <a:extLst>
+              <a:ext uri="{FF2B5EF4-FFF2-40B4-BE49-F238E27FC236}">
+                <a16:creationId xmlns:a16="http://schemas.microsoft.com/office/drawing/2014/main" id="{20F02093-8C65-4A66-9FF3-86977B5BB43C}"/>
+              </a:ext>
+            </a:extLst>
+          </p:cNvPr>
+          <p:cNvSpPr>
+            <a:spLocks noGrp="1"/>
+          </p:cNvSpPr>
+          <p:nvPr>
+            <p:ph type="title"/>
+          </p:nvPr>
+        </p:nvSpPr>
+        <p:spPr/>
+        <p:txBody>
+          <a:bodyPr/>
+          <a:lstStyle/>
+          <a:p>
+            <a:r>
+              <a:rPr lang="en-US" dirty="0"/>
+              <a:t>Performance Parameters</a:t>
+            </a:r>
+          </a:p>
+        </p:txBody>
+      </p:sp>
+      <p:sp>
+        <p:nvSpPr>
+          <p:cNvPr id="3" name="Content Placeholder 2">
+            <a:extLst>
+              <a:ext uri="{FF2B5EF4-FFF2-40B4-BE49-F238E27FC236}">
+                <a16:creationId xmlns:a16="http://schemas.microsoft.com/office/drawing/2014/main" id="{570F2C5F-8D2D-4704-A718-EAD3E1D10EC6}"/>
+              </a:ext>
+            </a:extLst>
+          </p:cNvPr>
+          <p:cNvSpPr>
+            <a:spLocks noGrp="1"/>
+          </p:cNvSpPr>
+          <p:nvPr>
+            <p:ph idx="1"/>
+          </p:nvPr>
+        </p:nvSpPr>
+        <p:spPr/>
+        <p:txBody>
+          <a:bodyPr/>
+          <a:lstStyle/>
+          <a:p>
+            <a:r>
+              <a:rPr lang="en-US" dirty="0"/>
+              <a:t>To evaluate the performance of the coloring model quantitatively, we propose averaging the L1 and L2 distance (per pixel-channel) between the generated images and the ground truth images</a:t>
+            </a:r>
+          </a:p>
+          <a:p>
+            <a:r>
+              <a:rPr lang="en-US" dirty="0"/>
+              <a:t>Another evaluation method is to calculate the Perceptual loss. It is critical for the performance of the Generator network</a:t>
+            </a:r>
+          </a:p>
+          <a:p>
+            <a:r>
+              <a:rPr lang="en-US" dirty="0"/>
+              <a:t>The perceptual loss is defined as the weighted sum of the content loss and the adversarial loss component</a:t>
+            </a:r>
+          </a:p>
+        </p:txBody>
+      </p:sp>
+      <p:sp>
+        <p:nvSpPr>
+          <p:cNvPr id="4" name="Footer Placeholder 3">
+            <a:extLst>
+              <a:ext uri="{FF2B5EF4-FFF2-40B4-BE49-F238E27FC236}">
+                <a16:creationId xmlns:a16="http://schemas.microsoft.com/office/drawing/2014/main" id="{F904A597-6303-4E45-9BE2-1E834050B6DF}"/>
+              </a:ext>
+            </a:extLst>
+          </p:cNvPr>
+          <p:cNvSpPr>
+            <a:spLocks noGrp="1"/>
+          </p:cNvSpPr>
+          <p:nvPr>
+            <p:ph type="ftr" sz="quarter" idx="11"/>
+          </p:nvPr>
+        </p:nvSpPr>
+        <p:spPr/>
+        <p:txBody>
+          <a:bodyPr/>
+          <a:lstStyle/>
+          <a:p>
+            <a:r>
+              <a:rPr lang="en-US"/>
+              <a:t>Astronomical image colourisation and super-resolution using GANS</a:t>
+            </a:r>
+            <a:endParaRPr lang="en-IN"/>
+          </a:p>
+        </p:txBody>
+      </p:sp>
+    </p:spTree>
+    <p:extLst>
+      <p:ext uri="{BB962C8B-B14F-4D97-AF65-F5344CB8AC3E}">
+        <p14:creationId xmlns:p14="http://schemas.microsoft.com/office/powerpoint/2010/main" val="4289081568"/>
       </p:ext>
     </p:extLst>
   </p:cSld>
@@ -9622,122 +10160,123 @@
       </p:grpSpPr>
       <p:sp>
         <p:nvSpPr>
-          <p:cNvPr id="13" name="Title 12"/>
-          <p:cNvSpPr>
-            <a:spLocks noGrp="1"/>
-          </p:cNvSpPr>
-          <p:nvPr>
-            <p:ph type="title"/>
-          </p:nvPr>
-        </p:nvSpPr>
-        <p:spPr/>
-        <p:txBody>
-          <a:bodyPr/>
-          <a:lstStyle/>
-          <a:p>
-            <a:r>
-              <a:rPr lang="en-US" dirty="0"/>
-              <a:t>Mathematical Model</a:t>
-            </a:r>
-          </a:p>
-        </p:txBody>
-      </p:sp>
-      <p:sp>
-        <p:nvSpPr>
-          <p:cNvPr id="5" name="Footer Placeholder 4"/>
-          <p:cNvSpPr>
-            <a:spLocks noGrp="1"/>
-          </p:cNvSpPr>
-          <p:nvPr>
-            <p:ph type="ftr" sz="quarter" idx="11"/>
-          </p:nvPr>
-        </p:nvSpPr>
-        <p:spPr/>
-        <p:txBody>
-          <a:bodyPr/>
-          <a:lstStyle/>
-          <a:p>
-            <a:r>
-              <a:rPr lang="en-IN" sz="1200" dirty="0">
-                <a:cs typeface="Times New Roman" panose="02020603050405020304" pitchFamily="18" charset="0"/>
-              </a:rPr>
-              <a:t>Astronomical image colourisation and super-resolution using GANS</a:t>
-            </a:r>
-            <a:endParaRPr lang="en-IN" dirty="0"/>
-          </a:p>
-        </p:txBody>
-      </p:sp>
-      <p:pic>
-        <p:nvPicPr>
-          <p:cNvPr id="4" name="Picture 1"/>
-          <p:cNvPicPr>
-            <a:picLocks noChangeAspect="1" noChangeArrowheads="1"/>
-          </p:cNvPicPr>
-          <p:nvPr/>
-        </p:nvPicPr>
-        <p:blipFill>
-          <a:blip r:embed="rId2" cstate="print">
-            <a:extLst>
-              <a:ext uri="{28A0092B-C50C-407E-A947-70E740481C1C}">
-                <a14:useLocalDpi xmlns:a14="http://schemas.microsoft.com/office/drawing/2010/main" val="0"/>
-              </a:ext>
-            </a:extLst>
-          </a:blip>
-          <a:stretch>
-            <a:fillRect/>
-          </a:stretch>
-        </p:blipFill>
-        <p:spPr bwMode="auto">
-          <a:xfrm>
-            <a:off x="10919540" y="150750"/>
-            <a:ext cx="1233271" cy="1029803"/>
-          </a:xfrm>
-          <a:prstGeom prst="rect">
-            <a:avLst/>
-          </a:prstGeom>
-          <a:noFill/>
-          <a:ln w="9525">
-            <a:noFill/>
-            <a:miter lim="800000"/>
-            <a:headEnd/>
-            <a:tailEnd/>
-          </a:ln>
-        </p:spPr>
-      </p:pic>
-      <p:pic>
-        <p:nvPicPr>
-          <p:cNvPr id="3" name="Picture 2">
+          <p:cNvPr id="2" name="Title 1">
             <a:extLst>
               <a:ext uri="{FF2B5EF4-FFF2-40B4-BE49-F238E27FC236}">
-                <a16:creationId xmlns:a16="http://schemas.microsoft.com/office/drawing/2014/main" id="{B3657738-7032-43F7-B362-03FDEE30ABD9}"/>
+                <a16:creationId xmlns:a16="http://schemas.microsoft.com/office/drawing/2014/main" id="{515C154E-1383-4623-8BD9-DC1CE79CA7B7}"/>
               </a:ext>
             </a:extLst>
           </p:cNvPr>
-          <p:cNvPicPr>
-            <a:picLocks noChangeAspect="1"/>
-          </p:cNvPicPr>
-          <p:nvPr/>
-        </p:nvPicPr>
-        <p:blipFill>
-          <a:blip r:embed="rId3"/>
-          <a:stretch>
-            <a:fillRect/>
-          </a:stretch>
-        </p:blipFill>
-        <p:spPr>
-          <a:xfrm>
-            <a:off x="1474971" y="1547550"/>
-            <a:ext cx="9240540" cy="3762900"/>
-          </a:xfrm>
-          <a:prstGeom prst="rect">
-            <a:avLst/>
-          </a:prstGeom>
-        </p:spPr>
-      </p:pic>
+          <p:cNvSpPr>
+            <a:spLocks noGrp="1"/>
+          </p:cNvSpPr>
+          <p:nvPr>
+            <p:ph type="title"/>
+          </p:nvPr>
+        </p:nvSpPr>
+        <p:spPr/>
+        <p:txBody>
+          <a:bodyPr/>
+          <a:lstStyle/>
+          <a:p>
+            <a:r>
+              <a:rPr lang="en-US" dirty="0"/>
+              <a:t>Efficiency Issues</a:t>
+            </a:r>
+          </a:p>
+        </p:txBody>
+      </p:sp>
+      <p:sp>
+        <p:nvSpPr>
+          <p:cNvPr id="3" name="Content Placeholder 2">
+            <a:extLst>
+              <a:ext uri="{FF2B5EF4-FFF2-40B4-BE49-F238E27FC236}">
+                <a16:creationId xmlns:a16="http://schemas.microsoft.com/office/drawing/2014/main" id="{4AF4CFE7-2266-41A1-B6EF-966C6526A2AF}"/>
+              </a:ext>
+            </a:extLst>
+          </p:cNvPr>
+          <p:cNvSpPr>
+            <a:spLocks noGrp="1"/>
+          </p:cNvSpPr>
+          <p:nvPr>
+            <p:ph idx="1"/>
+          </p:nvPr>
+        </p:nvSpPr>
+        <p:spPr/>
+        <p:txBody>
+          <a:bodyPr/>
+          <a:lstStyle/>
+          <a:p>
+            <a:r>
+              <a:rPr lang="en-US" dirty="0"/>
+              <a:t>The data gathered had to be scraped off websites such as the Hubble Legacy archive and Hubble main website</a:t>
+            </a:r>
+          </a:p>
+          <a:p>
+            <a:r>
+              <a:rPr lang="en-US" dirty="0"/>
+              <a:t>This yielded in more images than were useful. So we focused on a particular section of the sky where we could get the images of galaxy M101</a:t>
+            </a:r>
+          </a:p>
+          <a:p>
+            <a:r>
+              <a:rPr lang="en-US" dirty="0"/>
+              <a:t>This still yielded in about 400,000 images which had to be manually filtered</a:t>
+            </a:r>
+          </a:p>
+          <a:p>
+            <a:r>
+              <a:rPr lang="en-US" dirty="0"/>
+              <a:t>Even with all the images available, the network training will require huge computational resources to perform efficiently</a:t>
+            </a:r>
+          </a:p>
+          <a:p>
+            <a:r>
+              <a:rPr lang="en-US" dirty="0"/>
+              <a:t>The network parameters exceed the available training data and will require augmentation to avoid overfitting </a:t>
+            </a:r>
+          </a:p>
+          <a:p>
+            <a:r>
+              <a:rPr lang="en-US" dirty="0"/>
+              <a:t>A quantitative evaluation of a GAN is considerably difficult even with the availability of the ground truth images</a:t>
+            </a:r>
+          </a:p>
+        </p:txBody>
+      </p:sp>
+      <p:sp>
+        <p:nvSpPr>
+          <p:cNvPr id="4" name="Footer Placeholder 3">
+            <a:extLst>
+              <a:ext uri="{FF2B5EF4-FFF2-40B4-BE49-F238E27FC236}">
+                <a16:creationId xmlns:a16="http://schemas.microsoft.com/office/drawing/2014/main" id="{479926B9-6778-4DA9-BCBA-AC30CF378207}"/>
+              </a:ext>
+            </a:extLst>
+          </p:cNvPr>
+          <p:cNvSpPr>
+            <a:spLocks noGrp="1"/>
+          </p:cNvSpPr>
+          <p:nvPr>
+            <p:ph type="ftr" sz="quarter" idx="11"/>
+          </p:nvPr>
+        </p:nvSpPr>
+        <p:spPr/>
+        <p:txBody>
+          <a:bodyPr/>
+          <a:lstStyle/>
+          <a:p>
+            <a:r>
+              <a:rPr lang="en-US"/>
+              <a:t>Astronomical image colourisation and super-resolution using GANS</a:t>
+            </a:r>
+            <a:endParaRPr lang="en-IN"/>
+          </a:p>
+        </p:txBody>
+      </p:sp>
     </p:spTree>
     <p:extLst>
       <p:ext uri="{BB962C8B-B14F-4D97-AF65-F5344CB8AC3E}">
-        <p14:creationId xmlns:p14="http://schemas.microsoft.com/office/powerpoint/2010/main" val="706433204"/>
+        <p14:creationId xmlns:p14="http://schemas.microsoft.com/office/powerpoint/2010/main" val="1342927445"/>
       </p:ext>
     </p:extLst>
   </p:cSld>
@@ -9781,7 +10320,7 @@
           <p:cNvPr id="2" name="Title 1">
             <a:extLst>
               <a:ext uri="{FF2B5EF4-FFF2-40B4-BE49-F238E27FC236}">
-                <a16:creationId xmlns:a16="http://schemas.microsoft.com/office/drawing/2014/main" id="{59CD8984-BC59-4734-B887-307E297C13F3}"/>
+                <a16:creationId xmlns:a16="http://schemas.microsoft.com/office/drawing/2014/main" id="{1B088865-DEAE-4612-97AF-B61F6AF552E8}"/>
               </a:ext>
             </a:extLst>
           </p:cNvPr>
@@ -9799,7 +10338,7 @@
           <a:p>
             <a:r>
               <a:rPr lang="en-US" dirty="0"/>
-              <a:t>Experimental Setup	</a:t>
+              <a:t>References</a:t>
             </a:r>
           </a:p>
         </p:txBody>
@@ -9809,7 +10348,7 @@
           <p:cNvPr id="3" name="Content Placeholder 2">
             <a:extLst>
               <a:ext uri="{FF2B5EF4-FFF2-40B4-BE49-F238E27FC236}">
-                <a16:creationId xmlns:a16="http://schemas.microsoft.com/office/drawing/2014/main" id="{773222F5-2607-436A-B88E-0AC87CEC05E6}"/>
+                <a16:creationId xmlns:a16="http://schemas.microsoft.com/office/drawing/2014/main" id="{EA8DEEA1-8858-40B0-9169-F753007ABA02}"/>
               </a:ext>
             </a:extLst>
           </p:cNvPr>
@@ -9822,54 +10361,291 @@
         </p:nvSpPr>
         <p:spPr/>
         <p:txBody>
-          <a:bodyPr/>
+          <a:bodyPr>
+            <a:normAutofit/>
+          </a:bodyPr>
           <a:lstStyle/>
           <a:p>
             <a:r>
-              <a:rPr lang="en-US" dirty="0"/>
-              <a:t>We aim to implement the neural network models in </a:t>
-            </a:r>
-            <a:r>
-              <a:rPr lang="en-US" dirty="0" err="1"/>
-              <a:t>Tensorflow</a:t>
-            </a:r>
-            <a:r>
-              <a:rPr lang="en-US" dirty="0"/>
-              <a:t> using </a:t>
-            </a:r>
-            <a:r>
-              <a:rPr lang="en-US" dirty="0" err="1"/>
-              <a:t>Jupyter</a:t>
-            </a:r>
-            <a:r>
-              <a:rPr lang="en-US" dirty="0"/>
-              <a:t> Notebook and python</a:t>
-            </a:r>
-          </a:p>
-          <a:p>
-            <a:r>
-              <a:rPr lang="en-US" dirty="0"/>
-              <a:t>As deep learning models require huge computational power for training, we plan to use Google </a:t>
-            </a:r>
-            <a:r>
-              <a:rPr lang="en-US" dirty="0" err="1"/>
-              <a:t>Colab</a:t>
-            </a:r>
-            <a:r>
-              <a:rPr lang="en-US" dirty="0"/>
-              <a:t> which provides a Tesla K80 GPU with memory ranging between 8GB to 16GB</a:t>
-            </a:r>
-          </a:p>
-          <a:p>
-            <a:r>
-              <a:rPr lang="en-US" dirty="0"/>
-              <a:t>The dataset has been scraped off the Hubble Heritage project and Hubble Legacy Archive</a:t>
-            </a:r>
-          </a:p>
-          <a:p>
-            <a:r>
-              <a:rPr lang="en-US" dirty="0"/>
-              <a:t>The processing on the dataset will be done using OpenCV and other image libraries in python and will be fed into the network</a:t>
+              <a:rPr lang="en-US" sz="1400" b="0" i="0" u="none" strike="noStrike" baseline="0" dirty="0">
+                <a:latin typeface="Times New Roman" panose="02020603050405020304" pitchFamily="18" charset="0"/>
+                <a:cs typeface="Times New Roman" panose="02020603050405020304" pitchFamily="18" charset="0"/>
+              </a:rPr>
+              <a:t>Cheng, Z., Yang, Q. and Sheng, B. (2016). Deep colorization.</a:t>
+            </a:r>
+          </a:p>
+          <a:p>
+            <a:r>
+              <a:rPr lang="en-US" sz="1400" b="0" i="0" u="none" strike="noStrike" baseline="0" dirty="0">
+                <a:latin typeface="Times New Roman" panose="02020603050405020304" pitchFamily="18" charset="0"/>
+                <a:cs typeface="Times New Roman" panose="02020603050405020304" pitchFamily="18" charset="0"/>
+              </a:rPr>
+              <a:t>Dahl, R. (2016). Automatic colorization.</a:t>
+            </a:r>
+            <a:endParaRPr lang="en-US" sz="1400" dirty="0">
+              <a:latin typeface="Times New Roman" panose="02020603050405020304" pitchFamily="18" charset="0"/>
+              <a:cs typeface="Times New Roman" panose="02020603050405020304" pitchFamily="18" charset="0"/>
+            </a:endParaRPr>
+          </a:p>
+          <a:p>
+            <a:pPr algn="l"/>
+            <a:r>
+              <a:rPr lang="en-US" sz="1400" b="0" i="0" u="none" strike="noStrike" baseline="0" dirty="0">
+                <a:latin typeface="Times New Roman" panose="02020603050405020304" pitchFamily="18" charset="0"/>
+                <a:cs typeface="Times New Roman" panose="02020603050405020304" pitchFamily="18" charset="0"/>
+              </a:rPr>
+              <a:t>Dong, C., Loy, C. C., He, K. and Tang, X. (2014). Learning a deep convolutional network for image super-resolution, </a:t>
+            </a:r>
+            <a:r>
+              <a:rPr lang="en-US" sz="1400" b="0" i="1" u="none" strike="noStrike" baseline="0" dirty="0">
+                <a:latin typeface="Times New Roman" panose="02020603050405020304" pitchFamily="18" charset="0"/>
+                <a:cs typeface="Times New Roman" panose="02020603050405020304" pitchFamily="18" charset="0"/>
+              </a:rPr>
+              <a:t>in</a:t>
+            </a:r>
+            <a:r>
+              <a:rPr lang="en-US" sz="1400" b="0" i="0" u="none" strike="noStrike" baseline="0" dirty="0">
+                <a:latin typeface="Times New Roman" panose="02020603050405020304" pitchFamily="18" charset="0"/>
+                <a:cs typeface="Times New Roman" panose="02020603050405020304" pitchFamily="18" charset="0"/>
+              </a:rPr>
+              <a:t> D. Fleet, T. 	</a:t>
+            </a:r>
+            <a:r>
+              <a:rPr lang="en-US" sz="1400" b="0" i="0" u="none" strike="noStrike" baseline="0" dirty="0" err="1">
+                <a:latin typeface="Times New Roman" panose="02020603050405020304" pitchFamily="18" charset="0"/>
+                <a:cs typeface="Times New Roman" panose="02020603050405020304" pitchFamily="18" charset="0"/>
+              </a:rPr>
+              <a:t>Pajdla</a:t>
+            </a:r>
+            <a:r>
+              <a:rPr lang="en-US" sz="1400" b="0" i="0" u="none" strike="noStrike" baseline="0" dirty="0">
+                <a:latin typeface="Times New Roman" panose="02020603050405020304" pitchFamily="18" charset="0"/>
+                <a:cs typeface="Times New Roman" panose="02020603050405020304" pitchFamily="18" charset="0"/>
+              </a:rPr>
+              <a:t>, B. Schiele and T. </a:t>
+            </a:r>
+            <a:r>
+              <a:rPr lang="en-US" sz="1400" b="0" i="0" u="none" strike="noStrike" baseline="0" dirty="0" err="1">
+                <a:latin typeface="Times New Roman" panose="02020603050405020304" pitchFamily="18" charset="0"/>
+                <a:cs typeface="Times New Roman" panose="02020603050405020304" pitchFamily="18" charset="0"/>
+              </a:rPr>
+              <a:t>Tuytelaars</a:t>
+            </a:r>
+            <a:r>
+              <a:rPr lang="en-US" sz="1400" dirty="0">
+                <a:latin typeface="Times New Roman" panose="02020603050405020304" pitchFamily="18" charset="0"/>
+                <a:cs typeface="Times New Roman" panose="02020603050405020304" pitchFamily="18" charset="0"/>
+              </a:rPr>
+              <a:t> </a:t>
+            </a:r>
+            <a:r>
+              <a:rPr lang="en-US" sz="1400" b="0" i="0" u="none" strike="noStrike" baseline="0" dirty="0">
+                <a:latin typeface="Times New Roman" panose="02020603050405020304" pitchFamily="18" charset="0"/>
+                <a:cs typeface="Times New Roman" panose="02020603050405020304" pitchFamily="18" charset="0"/>
+              </a:rPr>
+              <a:t>(eds), </a:t>
+            </a:r>
+            <a:r>
+              <a:rPr lang="en-US" sz="1400" b="0" i="1" u="none" strike="noStrike" baseline="0" dirty="0">
+                <a:latin typeface="Times New Roman" panose="02020603050405020304" pitchFamily="18" charset="0"/>
+                <a:cs typeface="Times New Roman" panose="02020603050405020304" pitchFamily="18" charset="0"/>
+              </a:rPr>
+              <a:t>Computer Vision – ECCV 2014</a:t>
+            </a:r>
+            <a:r>
+              <a:rPr lang="en-US" sz="1400" b="0" i="0" u="none" strike="noStrike" baseline="0" dirty="0">
+                <a:latin typeface="Times New Roman" panose="02020603050405020304" pitchFamily="18" charset="0"/>
+                <a:cs typeface="Times New Roman" panose="02020603050405020304" pitchFamily="18" charset="0"/>
+              </a:rPr>
+              <a:t>, Springer International Publishing, </a:t>
+            </a:r>
+          </a:p>
+          <a:p>
+            <a:pPr marL="457200" lvl="1" indent="0">
+              <a:buNone/>
+            </a:pPr>
+            <a:r>
+              <a:rPr lang="en-US" sz="1400" dirty="0">
+                <a:latin typeface="Times New Roman" panose="02020603050405020304" pitchFamily="18" charset="0"/>
+                <a:cs typeface="Times New Roman" panose="02020603050405020304" pitchFamily="18" charset="0"/>
+              </a:rPr>
+              <a:t>	</a:t>
+            </a:r>
+            <a:r>
+              <a:rPr lang="en-US" sz="1400" b="0" i="0" u="none" strike="noStrike" baseline="0" dirty="0">
+                <a:latin typeface="Times New Roman" panose="02020603050405020304" pitchFamily="18" charset="0"/>
+                <a:cs typeface="Times New Roman" panose="02020603050405020304" pitchFamily="18" charset="0"/>
+              </a:rPr>
+              <a:t>Cham, pp. 184-199.</a:t>
+            </a:r>
+          </a:p>
+          <a:p>
+            <a:pPr algn="l"/>
+            <a:r>
+              <a:rPr lang="en-US" sz="1400" b="0" i="0" u="none" strike="noStrike" baseline="0" dirty="0">
+                <a:latin typeface="Times New Roman" panose="02020603050405020304" pitchFamily="18" charset="0"/>
+                <a:cs typeface="Times New Roman" panose="02020603050405020304" pitchFamily="18" charset="0"/>
+              </a:rPr>
+              <a:t>Goodfellow, I. J., </a:t>
+            </a:r>
+            <a:r>
+              <a:rPr lang="en-US" sz="1400" b="0" i="0" u="none" strike="noStrike" baseline="0" dirty="0" err="1">
+                <a:latin typeface="Times New Roman" panose="02020603050405020304" pitchFamily="18" charset="0"/>
+                <a:cs typeface="Times New Roman" panose="02020603050405020304" pitchFamily="18" charset="0"/>
+              </a:rPr>
+              <a:t>Pouget</a:t>
+            </a:r>
+            <a:r>
+              <a:rPr lang="en-US" sz="1400" b="0" i="0" u="none" strike="noStrike" baseline="0" dirty="0">
+                <a:latin typeface="Times New Roman" panose="02020603050405020304" pitchFamily="18" charset="0"/>
+                <a:cs typeface="Times New Roman" panose="02020603050405020304" pitchFamily="18" charset="0"/>
+              </a:rPr>
+              <a:t>-Abadie, J., Mirza, M., Xu, B., </a:t>
+            </a:r>
+            <a:r>
+              <a:rPr lang="en-US" sz="1400" b="0" i="0" u="none" strike="noStrike" baseline="0" dirty="0" err="1">
+                <a:latin typeface="Times New Roman" panose="02020603050405020304" pitchFamily="18" charset="0"/>
+                <a:cs typeface="Times New Roman" panose="02020603050405020304" pitchFamily="18" charset="0"/>
+              </a:rPr>
+              <a:t>Warde</a:t>
+            </a:r>
+            <a:r>
+              <a:rPr lang="en-US" sz="1400" b="0" i="0" u="none" strike="noStrike" baseline="0" dirty="0">
+                <a:latin typeface="Times New Roman" panose="02020603050405020304" pitchFamily="18" charset="0"/>
+                <a:cs typeface="Times New Roman" panose="02020603050405020304" pitchFamily="18" charset="0"/>
+              </a:rPr>
+              <a:t>-Farley, D., </a:t>
+            </a:r>
+            <a:r>
+              <a:rPr lang="en-US" sz="1400" b="0" i="0" u="none" strike="noStrike" baseline="0" dirty="0" err="1">
+                <a:latin typeface="Times New Roman" panose="02020603050405020304" pitchFamily="18" charset="0"/>
+                <a:cs typeface="Times New Roman" panose="02020603050405020304" pitchFamily="18" charset="0"/>
+              </a:rPr>
+              <a:t>Ozair</a:t>
+            </a:r>
+            <a:r>
+              <a:rPr lang="en-US" sz="1400" b="0" i="0" u="none" strike="noStrike" baseline="0" dirty="0">
+                <a:latin typeface="Times New Roman" panose="02020603050405020304" pitchFamily="18" charset="0"/>
+                <a:cs typeface="Times New Roman" panose="02020603050405020304" pitchFamily="18" charset="0"/>
+              </a:rPr>
+              <a:t>, S., Courville, A. and  </a:t>
+            </a:r>
+            <a:r>
+              <a:rPr lang="en-US" sz="1400" b="0" i="0" u="none" strike="noStrike" baseline="0" dirty="0" err="1">
+                <a:latin typeface="Times New Roman" panose="02020603050405020304" pitchFamily="18" charset="0"/>
+                <a:cs typeface="Times New Roman" panose="02020603050405020304" pitchFamily="18" charset="0"/>
+              </a:rPr>
+              <a:t>Bengio</a:t>
+            </a:r>
+            <a:r>
+              <a:rPr lang="en-US" sz="1400" b="0" i="0" u="none" strike="noStrike" baseline="0" dirty="0">
+                <a:latin typeface="Times New Roman" panose="02020603050405020304" pitchFamily="18" charset="0"/>
+                <a:cs typeface="Times New Roman" panose="02020603050405020304" pitchFamily="18" charset="0"/>
+              </a:rPr>
+              <a:t>, Y. (2014). </a:t>
+            </a:r>
+            <a:endParaRPr lang="en-US" sz="1400" dirty="0">
+              <a:latin typeface="Times New Roman" panose="02020603050405020304" pitchFamily="18" charset="0"/>
+              <a:cs typeface="Times New Roman" panose="02020603050405020304" pitchFamily="18" charset="0"/>
+            </a:endParaRPr>
+          </a:p>
+          <a:p>
+            <a:pPr marL="457200" lvl="1" indent="0">
+              <a:buNone/>
+            </a:pPr>
+            <a:r>
+              <a:rPr lang="en-US" sz="1400" b="0" i="0" u="none" strike="noStrike" baseline="0" dirty="0">
+                <a:latin typeface="Times New Roman" panose="02020603050405020304" pitchFamily="18" charset="0"/>
+                <a:cs typeface="Times New Roman" panose="02020603050405020304" pitchFamily="18" charset="0"/>
+              </a:rPr>
+              <a:t>	Generative adversarial networks.</a:t>
+            </a:r>
+          </a:p>
+          <a:p>
+            <a:pPr algn="l"/>
+            <a:r>
+              <a:rPr lang="en-US" sz="1400" b="0" i="0" u="none" strike="noStrike" baseline="0" dirty="0">
+                <a:latin typeface="Times New Roman" panose="02020603050405020304" pitchFamily="18" charset="0"/>
+                <a:cs typeface="Times New Roman" panose="02020603050405020304" pitchFamily="18" charset="0"/>
+              </a:rPr>
+              <a:t>He, K., Zhang, X., Ren, S. and Sun, J. (2015). Deep residual learning for image recognition.</a:t>
+            </a:r>
+          </a:p>
+          <a:p>
+            <a:pPr algn="l"/>
+            <a:r>
+              <a:rPr lang="de-DE" sz="1400" b="0" i="0" u="none" strike="noStrike" baseline="0" dirty="0">
+                <a:latin typeface="Times New Roman" panose="02020603050405020304" pitchFamily="18" charset="0"/>
+                <a:cs typeface="Times New Roman" panose="02020603050405020304" pitchFamily="18" charset="0"/>
+              </a:rPr>
+              <a:t>Huang, Y.-C., Tung, Y.-S., Chen, J.-C., Wang, S.-W. and Wu, J.-L. (2005). An </a:t>
+            </a:r>
+            <a:r>
+              <a:rPr lang="en-US" sz="1400" b="0" i="0" u="none" strike="noStrike" baseline="0" dirty="0">
+                <a:latin typeface="Times New Roman" panose="02020603050405020304" pitchFamily="18" charset="0"/>
+                <a:cs typeface="Times New Roman" panose="02020603050405020304" pitchFamily="18" charset="0"/>
+              </a:rPr>
+              <a:t>adaptive edge detection based colorization algorithm and 	its applications, pp. 351–354.</a:t>
+            </a:r>
+          </a:p>
+          <a:p>
+            <a:pPr algn="l"/>
+            <a:r>
+              <a:rPr lang="en-US" sz="1400" b="0" i="0" u="none" strike="noStrike" baseline="0" dirty="0">
+                <a:latin typeface="Times New Roman" panose="02020603050405020304" pitchFamily="18" charset="0"/>
+                <a:cs typeface="Times New Roman" panose="02020603050405020304" pitchFamily="18" charset="0"/>
+              </a:rPr>
+              <a:t>Isola, P., Zhu, J.-Y., Zhou, T. and </a:t>
+            </a:r>
+            <a:r>
+              <a:rPr lang="en-US" sz="1400" b="0" i="0" u="none" strike="noStrike" baseline="0" dirty="0" err="1">
+                <a:latin typeface="Times New Roman" panose="02020603050405020304" pitchFamily="18" charset="0"/>
+                <a:cs typeface="Times New Roman" panose="02020603050405020304" pitchFamily="18" charset="0"/>
+              </a:rPr>
+              <a:t>Efros</a:t>
+            </a:r>
+            <a:r>
+              <a:rPr lang="en-US" sz="1400" b="0" i="0" u="none" strike="noStrike" baseline="0" dirty="0">
+                <a:latin typeface="Times New Roman" panose="02020603050405020304" pitchFamily="18" charset="0"/>
+                <a:cs typeface="Times New Roman" panose="02020603050405020304" pitchFamily="18" charset="0"/>
+              </a:rPr>
+              <a:t>, A. A. (2018). Image-to-image translation with conditional adversarial networks.</a:t>
+            </a:r>
+          </a:p>
+          <a:p>
+            <a:pPr algn="l"/>
+            <a:r>
+              <a:rPr lang="en-US" sz="1400" b="0" i="0" u="none" strike="noStrike" baseline="0" dirty="0" err="1">
+                <a:latin typeface="Times New Roman" panose="02020603050405020304" pitchFamily="18" charset="0"/>
+                <a:cs typeface="Times New Roman" panose="02020603050405020304" pitchFamily="18" charset="0"/>
+              </a:rPr>
+              <a:t>Jianchao</a:t>
+            </a:r>
+            <a:r>
+              <a:rPr lang="en-US" sz="1400" b="0" i="0" u="none" strike="noStrike" baseline="0" dirty="0">
+                <a:latin typeface="Times New Roman" panose="02020603050405020304" pitchFamily="18" charset="0"/>
+                <a:cs typeface="Times New Roman" panose="02020603050405020304" pitchFamily="18" charset="0"/>
+              </a:rPr>
+              <a:t> Yang, Wright, J., Huang, T. and Yi Ma (2008). Image super-resolution as sparse representation of raw image patches, </a:t>
+            </a:r>
+          </a:p>
+          <a:p>
+            <a:pPr marL="457200" lvl="1" indent="0">
+              <a:buNone/>
+            </a:pPr>
+            <a:r>
+              <a:rPr lang="en-US" sz="1400" b="0" i="1" u="none" strike="noStrike" baseline="0" dirty="0">
+                <a:latin typeface="Times New Roman" panose="02020603050405020304" pitchFamily="18" charset="0"/>
+                <a:cs typeface="Times New Roman" panose="02020603050405020304" pitchFamily="18" charset="0"/>
+              </a:rPr>
+              <a:t>	2008 IEEE Conference on Computer Vision and Pattern Recognition</a:t>
+            </a:r>
+            <a:r>
+              <a:rPr lang="en-US" sz="1400" b="0" i="0" u="none" strike="noStrike" baseline="0" dirty="0">
+                <a:latin typeface="Times New Roman" panose="02020603050405020304" pitchFamily="18" charset="0"/>
+                <a:cs typeface="Times New Roman" panose="02020603050405020304" pitchFamily="18" charset="0"/>
+              </a:rPr>
+              <a:t>, pp. 1–8.</a:t>
             </a:r>
           </a:p>
         </p:txBody>
@@ -9879,7 +10655,7 @@
           <p:cNvPr id="4" name="Footer Placeholder 3">
             <a:extLst>
               <a:ext uri="{FF2B5EF4-FFF2-40B4-BE49-F238E27FC236}">
-                <a16:creationId xmlns:a16="http://schemas.microsoft.com/office/drawing/2014/main" id="{4DD67FAB-2132-4737-A37B-527D9DF651D1}"/>
+                <a16:creationId xmlns:a16="http://schemas.microsoft.com/office/drawing/2014/main" id="{90CF10EA-242A-4F9F-97DC-68619990925C}"/>
               </a:ext>
             </a:extLst>
           </p:cNvPr>
@@ -9896,16 +10672,17 @@
           <a:lstStyle/>
           <a:p>
             <a:r>
-              <a:rPr lang="en-IN"/>
-              <a:t>Title of the Course</a:t>
-            </a:r>
+              <a:rPr lang="en-US"/>
+              <a:t>Astronomical image colourisation and super-resolution using GANS</a:t>
+            </a:r>
+            <a:endParaRPr lang="en-IN"/>
           </a:p>
         </p:txBody>
       </p:sp>
     </p:spTree>
     <p:extLst>
       <p:ext uri="{BB962C8B-B14F-4D97-AF65-F5344CB8AC3E}">
-        <p14:creationId xmlns:p14="http://schemas.microsoft.com/office/powerpoint/2010/main" val="259787384"/>
+        <p14:creationId xmlns:p14="http://schemas.microsoft.com/office/powerpoint/2010/main" val="3190111597"/>
       </p:ext>
     </p:extLst>
   </p:cSld>
@@ -10271,7 +11048,7 @@
           <p:cNvPr id="2" name="Title 1">
             <a:extLst>
               <a:ext uri="{FF2B5EF4-FFF2-40B4-BE49-F238E27FC236}">
-                <a16:creationId xmlns:a16="http://schemas.microsoft.com/office/drawing/2014/main" id="{20F02093-8C65-4A66-9FF3-86977B5BB43C}"/>
+                <a16:creationId xmlns:a16="http://schemas.microsoft.com/office/drawing/2014/main" id="{60013DAE-EE1B-473B-B3B6-648540F8F0E6}"/>
               </a:ext>
             </a:extLst>
           </p:cNvPr>
@@ -10289,7 +11066,7 @@
           <a:p>
             <a:r>
               <a:rPr lang="en-US" dirty="0"/>
-              <a:t>Performance Parameters</a:t>
+              <a:t>References</a:t>
             </a:r>
           </a:p>
         </p:txBody>
@@ -10299,7 +11076,7 @@
           <p:cNvPr id="3" name="Content Placeholder 2">
             <a:extLst>
               <a:ext uri="{FF2B5EF4-FFF2-40B4-BE49-F238E27FC236}">
-                <a16:creationId xmlns:a16="http://schemas.microsoft.com/office/drawing/2014/main" id="{570F2C5F-8D2D-4704-A718-EAD3E1D10EC6}"/>
+                <a16:creationId xmlns:a16="http://schemas.microsoft.com/office/drawing/2014/main" id="{6A2C8905-50B5-4EA0-8B9A-E1EE0EB58F40}"/>
               </a:ext>
             </a:extLst>
           </p:cNvPr>
@@ -10312,31 +11089,377 @@
         </p:nvSpPr>
         <p:spPr/>
         <p:txBody>
-          <a:bodyPr/>
+          <a:bodyPr>
+            <a:normAutofit fontScale="92500" lnSpcReduction="20000"/>
+          </a:bodyPr>
           <a:lstStyle/>
           <a:p>
-            <a:r>
-              <a:rPr lang="en-US" dirty="0"/>
-              <a:t>GANs can prove to be pretty challenging to evaluate because of lack of a label vector but in this particular case, we have a ground truth image</a:t>
-            </a:r>
-          </a:p>
-          <a:p>
-            <a:r>
-              <a:rPr lang="en-US" dirty="0"/>
-              <a:t>To evaluate the performance of the coloring model quantitatively, we propose averaging the L1 and L2 distance (per pixel-channel) between the generated images and the ground truth images</a:t>
-            </a:r>
-          </a:p>
-          <a:p>
-            <a:r>
-              <a:rPr lang="en-US" dirty="0"/>
-              <a:t>Another evaluation method is to calculate the Perceptual loss. It is critical for the performance of the Generator network</a:t>
-            </a:r>
-          </a:p>
-          <a:p>
-            <a:r>
-              <a:rPr lang="en-US" dirty="0"/>
-              <a:t>The perceptual loss is defined as the weighted sum of the content loss and the adversarial loss component</a:t>
-            </a:r>
+            <a:pPr algn="l"/>
+            <a:r>
+              <a:rPr lang="en-US" sz="1400" b="0" i="0" u="none" strike="noStrike" baseline="0" dirty="0">
+                <a:latin typeface="Times New Roman" panose="02020603050405020304" pitchFamily="18" charset="0"/>
+                <a:cs typeface="Times New Roman" panose="02020603050405020304" pitchFamily="18" charset="0"/>
+              </a:rPr>
+              <a:t>Kim, J., Lee, J. K. and Lee, K. M. (2016). Accurate image super-resolution using very deep convolutional networks, </a:t>
+            </a:r>
+          </a:p>
+          <a:p>
+            <a:pPr marL="457200" lvl="1" indent="0">
+              <a:buNone/>
+            </a:pPr>
+            <a:r>
+              <a:rPr lang="en-US" sz="1500" b="0" i="1" u="none" strike="noStrike" baseline="0" dirty="0">
+                <a:latin typeface="Times New Roman" panose="02020603050405020304" pitchFamily="18" charset="0"/>
+                <a:cs typeface="Times New Roman" panose="02020603050405020304" pitchFamily="18" charset="0"/>
+              </a:rPr>
+              <a:t>	2016 IEEE Conference on Computer Vision and Pattern Recognition (CVPR), </a:t>
+            </a:r>
+            <a:r>
+              <a:rPr lang="en-US" sz="1500" b="0" i="0" u="none" strike="noStrike" baseline="0" dirty="0">
+                <a:latin typeface="Times New Roman" panose="02020603050405020304" pitchFamily="18" charset="0"/>
+                <a:cs typeface="Times New Roman" panose="02020603050405020304" pitchFamily="18" charset="0"/>
+              </a:rPr>
+              <a:t>pp. 1646–1654.</a:t>
+            </a:r>
+          </a:p>
+          <a:p>
+            <a:pPr algn="l"/>
+            <a:r>
+              <a:rPr lang="en-US" sz="1400" b="0" i="0" u="none" strike="noStrike" baseline="0" dirty="0" err="1">
+                <a:latin typeface="Times New Roman" panose="02020603050405020304" pitchFamily="18" charset="0"/>
+                <a:cs typeface="Times New Roman" panose="02020603050405020304" pitchFamily="18" charset="0"/>
+              </a:rPr>
+              <a:t>Ledig</a:t>
+            </a:r>
+            <a:r>
+              <a:rPr lang="en-US" sz="1400" b="0" i="0" u="none" strike="noStrike" baseline="0" dirty="0">
+                <a:latin typeface="Times New Roman" panose="02020603050405020304" pitchFamily="18" charset="0"/>
+                <a:cs typeface="Times New Roman" panose="02020603050405020304" pitchFamily="18" charset="0"/>
+              </a:rPr>
+              <a:t>, C., Theis, L., </a:t>
+            </a:r>
+            <a:r>
+              <a:rPr lang="en-US" sz="1400" b="0" i="0" u="none" strike="noStrike" baseline="0" dirty="0" err="1">
+                <a:latin typeface="Times New Roman" panose="02020603050405020304" pitchFamily="18" charset="0"/>
+                <a:cs typeface="Times New Roman" panose="02020603050405020304" pitchFamily="18" charset="0"/>
+              </a:rPr>
+              <a:t>Huszar</a:t>
+            </a:r>
+            <a:r>
+              <a:rPr lang="en-US" sz="1400" b="0" i="0" u="none" strike="noStrike" baseline="0" dirty="0">
+                <a:latin typeface="Times New Roman" panose="02020603050405020304" pitchFamily="18" charset="0"/>
+                <a:cs typeface="Times New Roman" panose="02020603050405020304" pitchFamily="18" charset="0"/>
+              </a:rPr>
+              <a:t>, F., Caballero, J., Cunningham, A., Acosta, A., Aitken, A., </a:t>
+            </a:r>
+            <a:r>
+              <a:rPr lang="en-US" sz="1400" b="0" i="0" u="none" strike="noStrike" baseline="0" dirty="0" err="1">
+                <a:latin typeface="Times New Roman" panose="02020603050405020304" pitchFamily="18" charset="0"/>
+                <a:cs typeface="Times New Roman" panose="02020603050405020304" pitchFamily="18" charset="0"/>
+              </a:rPr>
+              <a:t>Tejani</a:t>
+            </a:r>
+            <a:r>
+              <a:rPr lang="en-US" sz="1400" b="0" i="0" u="none" strike="noStrike" baseline="0" dirty="0">
+                <a:latin typeface="Times New Roman" panose="02020603050405020304" pitchFamily="18" charset="0"/>
+                <a:cs typeface="Times New Roman" panose="02020603050405020304" pitchFamily="18" charset="0"/>
+              </a:rPr>
+              <a:t>, A., </a:t>
+            </a:r>
+            <a:r>
+              <a:rPr lang="en-US" sz="1400" b="0" i="0" u="none" strike="noStrike" baseline="0" dirty="0" err="1">
+                <a:latin typeface="Times New Roman" panose="02020603050405020304" pitchFamily="18" charset="0"/>
+                <a:cs typeface="Times New Roman" panose="02020603050405020304" pitchFamily="18" charset="0"/>
+              </a:rPr>
+              <a:t>Totz</a:t>
+            </a:r>
+            <a:r>
+              <a:rPr lang="en-US" sz="1400" b="0" i="0" u="none" strike="noStrike" baseline="0" dirty="0">
+                <a:latin typeface="Times New Roman" panose="02020603050405020304" pitchFamily="18" charset="0"/>
+                <a:cs typeface="Times New Roman" panose="02020603050405020304" pitchFamily="18" charset="0"/>
+              </a:rPr>
+              <a:t>, J., Wang, Z. and Shi, W. (2017). </a:t>
+            </a:r>
+          </a:p>
+          <a:p>
+            <a:pPr marL="457200" lvl="1" indent="0">
+              <a:buNone/>
+            </a:pPr>
+            <a:r>
+              <a:rPr lang="en-US" sz="1500" b="0" i="0" u="none" strike="noStrike" baseline="0" dirty="0">
+                <a:latin typeface="Times New Roman" panose="02020603050405020304" pitchFamily="18" charset="0"/>
+                <a:cs typeface="Times New Roman" panose="02020603050405020304" pitchFamily="18" charset="0"/>
+              </a:rPr>
+              <a:t>	Photorealistic single image super-resolution using a generative adversarial network.</a:t>
+            </a:r>
+          </a:p>
+          <a:p>
+            <a:pPr algn="l"/>
+            <a:r>
+              <a:rPr lang="en-US" sz="1400" b="0" i="0" u="none" strike="noStrike" baseline="0" dirty="0">
+                <a:latin typeface="Times New Roman" panose="02020603050405020304" pitchFamily="18" charset="0"/>
+                <a:cs typeface="Times New Roman" panose="02020603050405020304" pitchFamily="18" charset="0"/>
+              </a:rPr>
+              <a:t>Levin, A., </a:t>
+            </a:r>
+            <a:r>
+              <a:rPr lang="en-US" sz="1400" b="0" i="0" u="none" strike="noStrike" baseline="0" dirty="0" err="1">
+                <a:latin typeface="Times New Roman" panose="02020603050405020304" pitchFamily="18" charset="0"/>
+                <a:cs typeface="Times New Roman" panose="02020603050405020304" pitchFamily="18" charset="0"/>
+              </a:rPr>
+              <a:t>Lischinski</a:t>
+            </a:r>
+            <a:r>
+              <a:rPr lang="en-US" sz="1400" b="0" i="0" u="none" strike="noStrike" baseline="0" dirty="0">
+                <a:latin typeface="Times New Roman" panose="02020603050405020304" pitchFamily="18" charset="0"/>
+                <a:cs typeface="Times New Roman" panose="02020603050405020304" pitchFamily="18" charset="0"/>
+              </a:rPr>
+              <a:t>, D. and Weiss, Y. (2004). Colorization using optimization, </a:t>
+            </a:r>
+            <a:r>
+              <a:rPr lang="sv-SE" sz="1400" b="0" i="1" u="none" strike="noStrike" baseline="0" dirty="0">
+                <a:latin typeface="Times New Roman" panose="02020603050405020304" pitchFamily="18" charset="0"/>
+                <a:cs typeface="Times New Roman" panose="02020603050405020304" pitchFamily="18" charset="0"/>
+              </a:rPr>
+              <a:t>ACM SIGGRAPH 2004 Papers</a:t>
+            </a:r>
+            <a:r>
+              <a:rPr lang="sv-SE" sz="1400" b="0" i="0" u="none" strike="noStrike" baseline="0" dirty="0">
+                <a:latin typeface="Times New Roman" panose="02020603050405020304" pitchFamily="18" charset="0"/>
+                <a:cs typeface="Times New Roman" panose="02020603050405020304" pitchFamily="18" charset="0"/>
+              </a:rPr>
+              <a:t>, pp. 689–694.</a:t>
+            </a:r>
+          </a:p>
+          <a:p>
+            <a:pPr algn="l"/>
+            <a:r>
+              <a:rPr lang="en-US" sz="1400" b="0" i="0" u="none" strike="noStrike" baseline="0" dirty="0">
+                <a:latin typeface="Times New Roman" panose="02020603050405020304" pitchFamily="18" charset="0"/>
+                <a:cs typeface="Times New Roman" panose="02020603050405020304" pitchFamily="18" charset="0"/>
+              </a:rPr>
+              <a:t>Long, J., </a:t>
+            </a:r>
+            <a:r>
+              <a:rPr lang="en-US" sz="1400" b="0" i="0" u="none" strike="noStrike" baseline="0" dirty="0" err="1">
+                <a:latin typeface="Times New Roman" panose="02020603050405020304" pitchFamily="18" charset="0"/>
+                <a:cs typeface="Times New Roman" panose="02020603050405020304" pitchFamily="18" charset="0"/>
+              </a:rPr>
+              <a:t>Shelhamer</a:t>
+            </a:r>
+            <a:r>
+              <a:rPr lang="en-US" sz="1400" b="0" i="0" u="none" strike="noStrike" baseline="0" dirty="0">
+                <a:latin typeface="Times New Roman" panose="02020603050405020304" pitchFamily="18" charset="0"/>
+                <a:cs typeface="Times New Roman" panose="02020603050405020304" pitchFamily="18" charset="0"/>
+              </a:rPr>
+              <a:t>, E. and Darrell, T. (2015). Fully convolutional networks for semantic segmentation, </a:t>
+            </a:r>
+          </a:p>
+          <a:p>
+            <a:pPr marL="457200" lvl="1" indent="0">
+              <a:buNone/>
+            </a:pPr>
+            <a:r>
+              <a:rPr lang="en-US" sz="1500" b="0" i="1" u="none" strike="noStrike" baseline="0" dirty="0">
+                <a:latin typeface="Times New Roman" panose="02020603050405020304" pitchFamily="18" charset="0"/>
+                <a:cs typeface="Times New Roman" panose="02020603050405020304" pitchFamily="18" charset="0"/>
+              </a:rPr>
+              <a:t>	2015 IEEE Conference on Computer Vision and Pattern Recognition (CVPR), </a:t>
+            </a:r>
+            <a:r>
+              <a:rPr lang="en-US" sz="1500" b="0" i="0" u="none" strike="noStrike" baseline="0" dirty="0">
+                <a:latin typeface="Times New Roman" panose="02020603050405020304" pitchFamily="18" charset="0"/>
+                <a:cs typeface="Times New Roman" panose="02020603050405020304" pitchFamily="18" charset="0"/>
+              </a:rPr>
+              <a:t>pp. 3431–3440</a:t>
+            </a:r>
+            <a:r>
+              <a:rPr lang="en-US" sz="1000" b="0" i="0" u="none" strike="noStrike" baseline="0" dirty="0">
+                <a:latin typeface="Times New Roman" panose="02020603050405020304" pitchFamily="18" charset="0"/>
+                <a:cs typeface="Times New Roman" panose="02020603050405020304" pitchFamily="18" charset="0"/>
+              </a:rPr>
+              <a:t>.</a:t>
+            </a:r>
+          </a:p>
+          <a:p>
+            <a:pPr algn="l"/>
+            <a:r>
+              <a:rPr lang="en-US" sz="1400" b="0" i="0" u="none" strike="noStrike" baseline="0" dirty="0">
+                <a:latin typeface="Times New Roman" panose="02020603050405020304" pitchFamily="18" charset="0"/>
+                <a:cs typeface="Times New Roman" panose="02020603050405020304" pitchFamily="18" charset="0"/>
+              </a:rPr>
+              <a:t>Mirza, M. and </a:t>
+            </a:r>
+            <a:r>
+              <a:rPr lang="en-US" sz="1400" b="0" i="0" u="none" strike="noStrike" baseline="0" dirty="0" err="1">
+                <a:latin typeface="Times New Roman" panose="02020603050405020304" pitchFamily="18" charset="0"/>
+                <a:cs typeface="Times New Roman" panose="02020603050405020304" pitchFamily="18" charset="0"/>
+              </a:rPr>
+              <a:t>Osindero</a:t>
+            </a:r>
+            <a:r>
+              <a:rPr lang="en-US" sz="1400" b="0" i="0" u="none" strike="noStrike" baseline="0" dirty="0">
+                <a:latin typeface="Times New Roman" panose="02020603050405020304" pitchFamily="18" charset="0"/>
+                <a:cs typeface="Times New Roman" panose="02020603050405020304" pitchFamily="18" charset="0"/>
+              </a:rPr>
+              <a:t>, S. (2014). Conditional generative adversarial nets.</a:t>
+            </a:r>
+            <a:endParaRPr lang="en-US" sz="1400" dirty="0">
+              <a:latin typeface="Times New Roman" panose="02020603050405020304" pitchFamily="18" charset="0"/>
+              <a:cs typeface="Times New Roman" panose="02020603050405020304" pitchFamily="18" charset="0"/>
+            </a:endParaRPr>
+          </a:p>
+          <a:p>
+            <a:pPr algn="l"/>
+            <a:r>
+              <a:rPr lang="en-US" sz="1400" b="0" i="0" u="none" strike="noStrike" baseline="0" dirty="0">
+                <a:latin typeface="Times New Roman" panose="02020603050405020304" pitchFamily="18" charset="0"/>
+                <a:cs typeface="Times New Roman" panose="02020603050405020304" pitchFamily="18" charset="0"/>
+              </a:rPr>
+              <a:t>Pressman, R. S. (1992). Software Engineering (3rd Ed.): A Practitioner’s Approach, McGraw-Hill, Inc., New York, NY, USA.</a:t>
+            </a:r>
+          </a:p>
+          <a:p>
+            <a:pPr algn="l"/>
+            <a:r>
+              <a:rPr lang="en-US" sz="1500" b="0" i="0" u="none" strike="noStrike" baseline="0" dirty="0">
+                <a:latin typeface="Times New Roman" panose="02020603050405020304" pitchFamily="18" charset="0"/>
+                <a:cs typeface="Times New Roman" panose="02020603050405020304" pitchFamily="18" charset="0"/>
+              </a:rPr>
+              <a:t>Qu, </a:t>
+            </a:r>
+            <a:r>
+              <a:rPr lang="en-US" sz="1500" b="0" i="0" u="none" strike="noStrike" baseline="0" dirty="0" err="1">
+                <a:latin typeface="Times New Roman" panose="02020603050405020304" pitchFamily="18" charset="0"/>
+                <a:cs typeface="Times New Roman" panose="02020603050405020304" pitchFamily="18" charset="0"/>
+              </a:rPr>
+              <a:t>Y.,Wong</a:t>
+            </a:r>
+            <a:r>
+              <a:rPr lang="en-US" sz="1500" b="0" i="0" u="none" strike="noStrike" baseline="0" dirty="0">
+                <a:latin typeface="Times New Roman" panose="02020603050405020304" pitchFamily="18" charset="0"/>
+                <a:cs typeface="Times New Roman" panose="02020603050405020304" pitchFamily="18" charset="0"/>
+              </a:rPr>
+              <a:t>, T.-T. and Heng, P.-A. (2006). Manga colorization, ACM Transactions on Graphics (TOG) 25(3): 1214–1220.</a:t>
+            </a:r>
+          </a:p>
+          <a:p>
+            <a:pPr algn="l"/>
+            <a:r>
+              <a:rPr lang="en-US" sz="1500" b="0" i="0" u="none" strike="noStrike" baseline="0" dirty="0">
+                <a:latin typeface="Times New Roman" panose="02020603050405020304" pitchFamily="18" charset="0"/>
+                <a:cs typeface="Times New Roman" panose="02020603050405020304" pitchFamily="18" charset="0"/>
+              </a:rPr>
+              <a:t>Radford, A., Metz, L. and </a:t>
+            </a:r>
+            <a:r>
+              <a:rPr lang="en-US" sz="1500" b="0" i="0" u="none" strike="noStrike" baseline="0" dirty="0" err="1">
+                <a:latin typeface="Times New Roman" panose="02020603050405020304" pitchFamily="18" charset="0"/>
+                <a:cs typeface="Times New Roman" panose="02020603050405020304" pitchFamily="18" charset="0"/>
+              </a:rPr>
+              <a:t>Chintala</a:t>
+            </a:r>
+            <a:r>
+              <a:rPr lang="en-US" sz="1500" b="0" i="0" u="none" strike="noStrike" baseline="0" dirty="0">
+                <a:latin typeface="Times New Roman" panose="02020603050405020304" pitchFamily="18" charset="0"/>
+                <a:cs typeface="Times New Roman" panose="02020603050405020304" pitchFamily="18" charset="0"/>
+              </a:rPr>
+              <a:t>, S. (2016). Unsupervised representation learning with deep convolutional generative adversarial 	networks.</a:t>
+            </a:r>
+          </a:p>
+          <a:p>
+            <a:pPr algn="l"/>
+            <a:r>
+              <a:rPr lang="en-US" sz="1500" b="0" i="0" u="none" strike="noStrike" baseline="0" dirty="0">
+                <a:latin typeface="Times New Roman" panose="02020603050405020304" pitchFamily="18" charset="0"/>
+                <a:cs typeface="Times New Roman" panose="02020603050405020304" pitchFamily="18" charset="0"/>
+              </a:rPr>
+              <a:t>Shi, W., Caballero, J., </a:t>
+            </a:r>
+            <a:r>
+              <a:rPr lang="en-US" sz="1500" b="0" i="0" u="none" strike="noStrike" baseline="0" dirty="0" err="1">
+                <a:latin typeface="Times New Roman" panose="02020603050405020304" pitchFamily="18" charset="0"/>
+                <a:cs typeface="Times New Roman" panose="02020603050405020304" pitchFamily="18" charset="0"/>
+              </a:rPr>
+              <a:t>Husz´ar</a:t>
+            </a:r>
+            <a:r>
+              <a:rPr lang="en-US" sz="1500" b="0" i="0" u="none" strike="noStrike" baseline="0" dirty="0">
+                <a:latin typeface="Times New Roman" panose="02020603050405020304" pitchFamily="18" charset="0"/>
+                <a:cs typeface="Times New Roman" panose="02020603050405020304" pitchFamily="18" charset="0"/>
+              </a:rPr>
+              <a:t>, F., </a:t>
+            </a:r>
+            <a:r>
+              <a:rPr lang="en-US" sz="1500" b="0" i="0" u="none" strike="noStrike" baseline="0" dirty="0" err="1">
+                <a:latin typeface="Times New Roman" panose="02020603050405020304" pitchFamily="18" charset="0"/>
+                <a:cs typeface="Times New Roman" panose="02020603050405020304" pitchFamily="18" charset="0"/>
+              </a:rPr>
+              <a:t>Totz</a:t>
+            </a:r>
+            <a:r>
+              <a:rPr lang="en-US" sz="1500" b="0" i="0" u="none" strike="noStrike" baseline="0" dirty="0">
+                <a:latin typeface="Times New Roman" panose="02020603050405020304" pitchFamily="18" charset="0"/>
+                <a:cs typeface="Times New Roman" panose="02020603050405020304" pitchFamily="18" charset="0"/>
+              </a:rPr>
+              <a:t>, J., Aitken, A. P., Bishop, R., </a:t>
+            </a:r>
+            <a:r>
+              <a:rPr lang="en-US" sz="1500" b="0" i="0" u="none" strike="noStrike" baseline="0" dirty="0" err="1">
+                <a:latin typeface="Times New Roman" panose="02020603050405020304" pitchFamily="18" charset="0"/>
+                <a:cs typeface="Times New Roman" panose="02020603050405020304" pitchFamily="18" charset="0"/>
+              </a:rPr>
+              <a:t>Rueckert</a:t>
+            </a:r>
+            <a:r>
+              <a:rPr lang="en-US" sz="1500" b="0" i="0" u="none" strike="noStrike" baseline="0" dirty="0">
+                <a:latin typeface="Times New Roman" panose="02020603050405020304" pitchFamily="18" charset="0"/>
+                <a:cs typeface="Times New Roman" panose="02020603050405020304" pitchFamily="18" charset="0"/>
+              </a:rPr>
+              <a:t>, D. and Wang, Z. (2016). </a:t>
+            </a:r>
+          </a:p>
+          <a:p>
+            <a:pPr marL="457200" lvl="1" indent="0">
+              <a:buNone/>
+            </a:pPr>
+            <a:r>
+              <a:rPr lang="en-US" sz="1500" b="0" i="0" u="none" strike="noStrike" baseline="0" dirty="0">
+                <a:latin typeface="Times New Roman" panose="02020603050405020304" pitchFamily="18" charset="0"/>
+                <a:cs typeface="Times New Roman" panose="02020603050405020304" pitchFamily="18" charset="0"/>
+              </a:rPr>
+              <a:t>	Real-time single image and video super-resolution using an efficient sub-pixel convolutional neural network, </a:t>
+            </a:r>
+          </a:p>
+          <a:p>
+            <a:pPr marL="457200" lvl="1" indent="0">
+              <a:buNone/>
+            </a:pPr>
+            <a:r>
+              <a:rPr lang="en-US" sz="1500" dirty="0">
+                <a:latin typeface="Times New Roman" panose="02020603050405020304" pitchFamily="18" charset="0"/>
+                <a:cs typeface="Times New Roman" panose="02020603050405020304" pitchFamily="18" charset="0"/>
+              </a:rPr>
+              <a:t>	</a:t>
+            </a:r>
+            <a:r>
+              <a:rPr lang="en-US" sz="1500" b="0" i="1" u="none" strike="noStrike" baseline="0" dirty="0">
+                <a:latin typeface="Times New Roman" panose="02020603050405020304" pitchFamily="18" charset="0"/>
+                <a:cs typeface="Times New Roman" panose="02020603050405020304" pitchFamily="18" charset="0"/>
+              </a:rPr>
+              <a:t>2016 IEEE Conference on Computer Vision and Pattern Recognition (CVPR),</a:t>
+            </a:r>
+            <a:r>
+              <a:rPr lang="en-US" sz="1500" b="0" i="0" u="none" strike="noStrike" baseline="0" dirty="0">
+                <a:latin typeface="Times New Roman" panose="02020603050405020304" pitchFamily="18" charset="0"/>
+                <a:cs typeface="Times New Roman" panose="02020603050405020304" pitchFamily="18" charset="0"/>
+              </a:rPr>
+              <a:t> pp. 1874–1883.</a:t>
+            </a:r>
+            <a:endParaRPr lang="en-US" sz="1500" dirty="0">
+              <a:latin typeface="Times New Roman" panose="02020603050405020304" pitchFamily="18" charset="0"/>
+              <a:cs typeface="Times New Roman" panose="02020603050405020304" pitchFamily="18" charset="0"/>
+            </a:endParaRPr>
           </a:p>
         </p:txBody>
       </p:sp>
@@ -10345,7 +11468,7 @@
           <p:cNvPr id="4" name="Footer Placeholder 3">
             <a:extLst>
               <a:ext uri="{FF2B5EF4-FFF2-40B4-BE49-F238E27FC236}">
-                <a16:creationId xmlns:a16="http://schemas.microsoft.com/office/drawing/2014/main" id="{F904A597-6303-4E45-9BE2-1E834050B6DF}"/>
+                <a16:creationId xmlns:a16="http://schemas.microsoft.com/office/drawing/2014/main" id="{478E4A7B-00AC-4117-8CCF-32F4EA319662}"/>
               </a:ext>
             </a:extLst>
           </p:cNvPr>
@@ -10362,16 +11485,17 @@
           <a:lstStyle/>
           <a:p>
             <a:r>
-              <a:rPr lang="en-IN"/>
-              <a:t>Title of the Course</a:t>
-            </a:r>
+              <a:rPr lang="en-US"/>
+              <a:t>Astronomical image colourisation and super-resolution using GANS</a:t>
+            </a:r>
+            <a:endParaRPr lang="en-IN"/>
           </a:p>
         </p:txBody>
       </p:sp>
     </p:spTree>
     <p:extLst>
       <p:ext uri="{BB962C8B-B14F-4D97-AF65-F5344CB8AC3E}">
-        <p14:creationId xmlns:p14="http://schemas.microsoft.com/office/powerpoint/2010/main" val="4289081568"/>
+        <p14:creationId xmlns:p14="http://schemas.microsoft.com/office/powerpoint/2010/main" val="604998426"/>
       </p:ext>
     </p:extLst>
   </p:cSld>
@@ -10415,6 +11539,686 @@
           <p:cNvPr id="2" name="Title 1">
             <a:extLst>
               <a:ext uri="{FF2B5EF4-FFF2-40B4-BE49-F238E27FC236}">
+                <a16:creationId xmlns:a16="http://schemas.microsoft.com/office/drawing/2014/main" id="{9830E956-2FFC-48BF-8208-EB43E244E3AD}"/>
+              </a:ext>
+            </a:extLst>
+          </p:cNvPr>
+          <p:cNvSpPr>
+            <a:spLocks noGrp="1"/>
+          </p:cNvSpPr>
+          <p:nvPr>
+            <p:ph type="title"/>
+          </p:nvPr>
+        </p:nvSpPr>
+        <p:spPr/>
+        <p:txBody>
+          <a:bodyPr/>
+          <a:lstStyle/>
+          <a:p>
+            <a:r>
+              <a:rPr lang="en-US" dirty="0"/>
+              <a:t>References</a:t>
+            </a:r>
+          </a:p>
+        </p:txBody>
+      </p:sp>
+      <p:sp>
+        <p:nvSpPr>
+          <p:cNvPr id="3" name="Content Placeholder 2">
+            <a:extLst>
+              <a:ext uri="{FF2B5EF4-FFF2-40B4-BE49-F238E27FC236}">
+                <a16:creationId xmlns:a16="http://schemas.microsoft.com/office/drawing/2014/main" id="{4E9FF4E2-85E8-43A6-B7A9-9BF4922BE0A6}"/>
+              </a:ext>
+            </a:extLst>
+          </p:cNvPr>
+          <p:cNvSpPr>
+            <a:spLocks noGrp="1"/>
+          </p:cNvSpPr>
+          <p:nvPr>
+            <p:ph idx="1"/>
+          </p:nvPr>
+        </p:nvSpPr>
+        <p:spPr/>
+        <p:txBody>
+          <a:bodyPr>
+            <a:normAutofit/>
+          </a:bodyPr>
+          <a:lstStyle/>
+          <a:p>
+            <a:pPr algn="l"/>
+            <a:r>
+              <a:rPr lang="en-US" sz="1400" b="0" i="0" u="none" strike="noStrike" baseline="0" dirty="0" err="1">
+                <a:latin typeface="Times New Roman" panose="02020603050405020304" pitchFamily="18" charset="0"/>
+                <a:cs typeface="Times New Roman" panose="02020603050405020304" pitchFamily="18" charset="0"/>
+              </a:rPr>
+              <a:t>Simonyan</a:t>
+            </a:r>
+            <a:r>
+              <a:rPr lang="en-US" sz="1400" b="0" i="0" u="none" strike="noStrike" baseline="0" dirty="0">
+                <a:latin typeface="Times New Roman" panose="02020603050405020304" pitchFamily="18" charset="0"/>
+                <a:cs typeface="Times New Roman" panose="02020603050405020304" pitchFamily="18" charset="0"/>
+              </a:rPr>
+              <a:t>, K. and Zisserman, A. (2015). Very deep convolutional networks for large-scale image recognition.</a:t>
+            </a:r>
+          </a:p>
+          <a:p>
+            <a:pPr algn="l"/>
+            <a:r>
+              <a:rPr lang="en-US" sz="1400" b="0" i="0" u="none" strike="noStrike" baseline="0" dirty="0">
+                <a:latin typeface="Times New Roman" panose="02020603050405020304" pitchFamily="18" charset="0"/>
+                <a:cs typeface="Times New Roman" panose="02020603050405020304" pitchFamily="18" charset="0"/>
+              </a:rPr>
+              <a:t>Tola, E., </a:t>
+            </a:r>
+            <a:r>
+              <a:rPr lang="en-US" sz="1400" b="0" i="0" u="none" strike="noStrike" baseline="0" dirty="0" err="1">
+                <a:latin typeface="Times New Roman" panose="02020603050405020304" pitchFamily="18" charset="0"/>
+                <a:cs typeface="Times New Roman" panose="02020603050405020304" pitchFamily="18" charset="0"/>
+              </a:rPr>
+              <a:t>Lepetit</a:t>
+            </a:r>
+            <a:r>
+              <a:rPr lang="en-US" sz="1400" b="0" i="0" u="none" strike="noStrike" baseline="0" dirty="0">
+                <a:latin typeface="Times New Roman" panose="02020603050405020304" pitchFamily="18" charset="0"/>
+                <a:cs typeface="Times New Roman" panose="02020603050405020304" pitchFamily="18" charset="0"/>
+              </a:rPr>
+              <a:t>, V. and </a:t>
+            </a:r>
+            <a:r>
+              <a:rPr lang="en-US" sz="1400" b="0" i="0" u="none" strike="noStrike" baseline="0" dirty="0" err="1">
+                <a:latin typeface="Times New Roman" panose="02020603050405020304" pitchFamily="18" charset="0"/>
+                <a:cs typeface="Times New Roman" panose="02020603050405020304" pitchFamily="18" charset="0"/>
+              </a:rPr>
+              <a:t>Fua</a:t>
+            </a:r>
+            <a:r>
+              <a:rPr lang="en-US" sz="1400" b="0" i="0" u="none" strike="noStrike" baseline="0" dirty="0">
+                <a:latin typeface="Times New Roman" panose="02020603050405020304" pitchFamily="18" charset="0"/>
+                <a:cs typeface="Times New Roman" panose="02020603050405020304" pitchFamily="18" charset="0"/>
+              </a:rPr>
+              <a:t>, P. (2008). A fast local descriptor for dense matching, </a:t>
+            </a:r>
+            <a:r>
+              <a:rPr lang="en-US" sz="1400" b="0" i="1" u="none" strike="noStrike" baseline="0" dirty="0">
+                <a:latin typeface="Times New Roman" panose="02020603050405020304" pitchFamily="18" charset="0"/>
+                <a:cs typeface="Times New Roman" panose="02020603050405020304" pitchFamily="18" charset="0"/>
+              </a:rPr>
+              <a:t>Proc. CVPR .</a:t>
+            </a:r>
+          </a:p>
+          <a:p>
+            <a:pPr algn="l"/>
+            <a:r>
+              <a:rPr lang="en-US" sz="1400" b="0" i="0" u="none" strike="noStrike" baseline="0" dirty="0">
+                <a:latin typeface="Times New Roman" panose="02020603050405020304" pitchFamily="18" charset="0"/>
+                <a:cs typeface="Times New Roman" panose="02020603050405020304" pitchFamily="18" charset="0"/>
+              </a:rPr>
+              <a:t>Tom and </a:t>
+            </a:r>
+            <a:r>
+              <a:rPr lang="en-US" sz="1400" b="0" i="0" u="none" strike="noStrike" baseline="0" dirty="0" err="1">
+                <a:latin typeface="Times New Roman" panose="02020603050405020304" pitchFamily="18" charset="0"/>
+                <a:cs typeface="Times New Roman" panose="02020603050405020304" pitchFamily="18" charset="0"/>
+              </a:rPr>
+              <a:t>Katsaggelos</a:t>
+            </a:r>
+            <a:r>
+              <a:rPr lang="en-US" sz="1400" b="0" i="0" u="none" strike="noStrike" baseline="0" dirty="0">
+                <a:latin typeface="Times New Roman" panose="02020603050405020304" pitchFamily="18" charset="0"/>
+                <a:cs typeface="Times New Roman" panose="02020603050405020304" pitchFamily="18" charset="0"/>
+              </a:rPr>
+              <a:t> (1996). Reconstruction of a high-resolution image by simultaneous </a:t>
+            </a:r>
+            <a:r>
+              <a:rPr lang="en-US" sz="1400" dirty="0">
+                <a:latin typeface="Times New Roman" panose="02020603050405020304" pitchFamily="18" charset="0"/>
+                <a:cs typeface="Times New Roman" panose="02020603050405020304" pitchFamily="18" charset="0"/>
+              </a:rPr>
+              <a:t>r</a:t>
+            </a:r>
+            <a:r>
+              <a:rPr lang="en-US" sz="1400" b="0" i="0" u="none" strike="noStrike" baseline="0" dirty="0">
+                <a:latin typeface="Times New Roman" panose="02020603050405020304" pitchFamily="18" charset="0"/>
+                <a:cs typeface="Times New Roman" panose="02020603050405020304" pitchFamily="18" charset="0"/>
+              </a:rPr>
+              <a:t>egistration, restoration, and interpolation of 	low-resolution images, </a:t>
+            </a:r>
+            <a:r>
+              <a:rPr lang="en-US" sz="1400" b="0" i="1" u="none" strike="noStrike" baseline="0" dirty="0">
+                <a:latin typeface="Times New Roman" panose="02020603050405020304" pitchFamily="18" charset="0"/>
+                <a:cs typeface="Times New Roman" panose="02020603050405020304" pitchFamily="18" charset="0"/>
+              </a:rPr>
+              <a:t>in</a:t>
+            </a:r>
+            <a:r>
+              <a:rPr lang="en-US" sz="1400" b="0" i="0" u="none" strike="noStrike" baseline="0" dirty="0">
+                <a:latin typeface="Times New Roman" panose="02020603050405020304" pitchFamily="18" charset="0"/>
+                <a:cs typeface="Times New Roman" panose="02020603050405020304" pitchFamily="18" charset="0"/>
+              </a:rPr>
+              <a:t> Anon (ed.), </a:t>
+            </a:r>
+            <a:r>
+              <a:rPr lang="en-US" sz="1400" b="0" i="1" u="none" strike="noStrike" baseline="0" dirty="0">
+                <a:latin typeface="Times New Roman" panose="02020603050405020304" pitchFamily="18" charset="0"/>
+                <a:cs typeface="Times New Roman" panose="02020603050405020304" pitchFamily="18" charset="0"/>
+              </a:rPr>
+              <a:t>IEEE International Conference on Image Processing, </a:t>
+            </a:r>
+            <a:r>
+              <a:rPr lang="en-US" sz="1400" b="0" i="0" u="none" strike="noStrike" baseline="0" dirty="0">
+                <a:latin typeface="Times New Roman" panose="02020603050405020304" pitchFamily="18" charset="0"/>
+                <a:cs typeface="Times New Roman" panose="02020603050405020304" pitchFamily="18" charset="0"/>
+              </a:rPr>
+              <a:t>Vol. 2, IEEE, pp. 539–542. 	Proceedings of the 1995 IEEE International Conference on Image Processing. Part 3 (of 3) ; Conference date: 23-10-1995 	Through 26-10-1995.</a:t>
+            </a:r>
+          </a:p>
+          <a:p>
+            <a:pPr algn="l"/>
+            <a:r>
+              <a:rPr lang="en-US" sz="1400" b="0" i="0" u="none" strike="noStrike" baseline="0" dirty="0">
+                <a:latin typeface="Times New Roman" panose="02020603050405020304" pitchFamily="18" charset="0"/>
+                <a:cs typeface="Times New Roman" panose="02020603050405020304" pitchFamily="18" charset="0"/>
+              </a:rPr>
+              <a:t>TSAI, R. (1984). </a:t>
+            </a:r>
+            <a:r>
+              <a:rPr lang="en-US" sz="1400" b="0" i="0" u="none" strike="noStrike" baseline="0" dirty="0" err="1">
+                <a:latin typeface="Times New Roman" panose="02020603050405020304" pitchFamily="18" charset="0"/>
+                <a:cs typeface="Times New Roman" panose="02020603050405020304" pitchFamily="18" charset="0"/>
+              </a:rPr>
+              <a:t>Multiframe</a:t>
+            </a:r>
+            <a:r>
+              <a:rPr lang="en-US" sz="1400" b="0" i="0" u="none" strike="noStrike" baseline="0" dirty="0">
+                <a:latin typeface="Times New Roman" panose="02020603050405020304" pitchFamily="18" charset="0"/>
+                <a:cs typeface="Times New Roman" panose="02020603050405020304" pitchFamily="18" charset="0"/>
+              </a:rPr>
+              <a:t> image restoration and registration</a:t>
+            </a:r>
+            <a:r>
+              <a:rPr lang="en-US" sz="1400" b="0" i="1" u="none" strike="noStrike" baseline="0" dirty="0">
+                <a:latin typeface="Times New Roman" panose="02020603050405020304" pitchFamily="18" charset="0"/>
+                <a:cs typeface="Times New Roman" panose="02020603050405020304" pitchFamily="18" charset="0"/>
+              </a:rPr>
+              <a:t>, Advance Computer Visual and Image Processing </a:t>
+            </a:r>
+            <a:r>
+              <a:rPr lang="en-US" sz="1400" b="0" i="0" u="none" strike="noStrike" baseline="0" dirty="0">
+                <a:latin typeface="Times New Roman" panose="02020603050405020304" pitchFamily="18" charset="0"/>
+                <a:cs typeface="Times New Roman" panose="02020603050405020304" pitchFamily="18" charset="0"/>
+              </a:rPr>
+              <a:t>1: 317–339.</a:t>
+            </a:r>
+          </a:p>
+          <a:p>
+            <a:pPr algn="l"/>
+            <a:r>
+              <a:rPr lang="en-US" sz="1400" b="0" i="0" u="none" strike="noStrike" baseline="0" dirty="0">
+                <a:latin typeface="Times New Roman" panose="02020603050405020304" pitchFamily="18" charset="0"/>
+                <a:cs typeface="Times New Roman" panose="02020603050405020304" pitchFamily="18" charset="0"/>
+              </a:rPr>
+              <a:t>Welsh, T., </a:t>
+            </a:r>
+            <a:r>
+              <a:rPr lang="en-US" sz="1400" b="0" i="0" u="none" strike="noStrike" baseline="0" dirty="0" err="1">
+                <a:latin typeface="Times New Roman" panose="02020603050405020304" pitchFamily="18" charset="0"/>
+                <a:cs typeface="Times New Roman" panose="02020603050405020304" pitchFamily="18" charset="0"/>
+              </a:rPr>
+              <a:t>Ashikhmin</a:t>
+            </a:r>
+            <a:r>
+              <a:rPr lang="en-US" sz="1400" b="0" i="0" u="none" strike="noStrike" baseline="0" dirty="0">
+                <a:latin typeface="Times New Roman" panose="02020603050405020304" pitchFamily="18" charset="0"/>
+                <a:cs typeface="Times New Roman" panose="02020603050405020304" pitchFamily="18" charset="0"/>
+              </a:rPr>
+              <a:t>, M. and Mueller, K. (2002). Transferring color to greyscale </a:t>
+            </a:r>
+            <a:r>
+              <a:rPr lang="fr-FR" sz="1400" b="0" i="0" u="none" strike="noStrike" baseline="0" dirty="0">
+                <a:latin typeface="Times New Roman" panose="02020603050405020304" pitchFamily="18" charset="0"/>
+                <a:cs typeface="Times New Roman" panose="02020603050405020304" pitchFamily="18" charset="0"/>
+              </a:rPr>
+              <a:t>images, </a:t>
+            </a:r>
+            <a:r>
+              <a:rPr lang="fr-FR" sz="1400" b="0" i="1" u="none" strike="noStrike" baseline="0" dirty="0">
+                <a:latin typeface="Times New Roman" panose="02020603050405020304" pitchFamily="18" charset="0"/>
+                <a:cs typeface="Times New Roman" panose="02020603050405020304" pitchFamily="18" charset="0"/>
+              </a:rPr>
+              <a:t>ACM Trans. Graph</a:t>
+            </a:r>
+            <a:r>
+              <a:rPr lang="fr-FR" sz="1400" b="0" i="0" u="none" strike="noStrike" baseline="0" dirty="0">
+                <a:latin typeface="Times New Roman" panose="02020603050405020304" pitchFamily="18" charset="0"/>
+                <a:cs typeface="Times New Roman" panose="02020603050405020304" pitchFamily="18" charset="0"/>
+              </a:rPr>
+              <a:t>. 21: 277–280.</a:t>
+            </a:r>
+          </a:p>
+          <a:p>
+            <a:pPr algn="l"/>
+            <a:r>
+              <a:rPr lang="en-US" sz="1400" b="0" i="0" u="none" strike="noStrike" baseline="0" dirty="0" err="1">
+                <a:latin typeface="Times New Roman" panose="02020603050405020304" pitchFamily="18" charset="0"/>
+                <a:cs typeface="Times New Roman" panose="02020603050405020304" pitchFamily="18" charset="0"/>
+              </a:rPr>
+              <a:t>Yatziv</a:t>
+            </a:r>
+            <a:r>
+              <a:rPr lang="en-US" sz="1400" b="0" i="0" u="none" strike="noStrike" baseline="0" dirty="0">
+                <a:latin typeface="Times New Roman" panose="02020603050405020304" pitchFamily="18" charset="0"/>
+                <a:cs typeface="Times New Roman" panose="02020603050405020304" pitchFamily="18" charset="0"/>
+              </a:rPr>
+              <a:t>, L. and </a:t>
+            </a:r>
+            <a:r>
+              <a:rPr lang="en-US" sz="1400" b="0" i="0" u="none" strike="noStrike" baseline="0" dirty="0" err="1">
+                <a:latin typeface="Times New Roman" panose="02020603050405020304" pitchFamily="18" charset="0"/>
+                <a:cs typeface="Times New Roman" panose="02020603050405020304" pitchFamily="18" charset="0"/>
+              </a:rPr>
+              <a:t>Sapiro</a:t>
+            </a:r>
+            <a:r>
+              <a:rPr lang="en-US" sz="1400" b="0" i="0" u="none" strike="noStrike" baseline="0" dirty="0">
+                <a:latin typeface="Times New Roman" panose="02020603050405020304" pitchFamily="18" charset="0"/>
+                <a:cs typeface="Times New Roman" panose="02020603050405020304" pitchFamily="18" charset="0"/>
+              </a:rPr>
+              <a:t>, G. (2006). Fast image and video colorization using chrominance blending,</a:t>
+            </a:r>
+          </a:p>
+          <a:p>
+            <a:pPr marL="457200" lvl="1" indent="0">
+              <a:buNone/>
+            </a:pPr>
+            <a:r>
+              <a:rPr lang="en-US" sz="1400" b="0" i="0" u="none" strike="noStrike" baseline="0" dirty="0">
+                <a:latin typeface="Times New Roman" panose="02020603050405020304" pitchFamily="18" charset="0"/>
+                <a:cs typeface="Times New Roman" panose="02020603050405020304" pitchFamily="18" charset="0"/>
+              </a:rPr>
+              <a:t>	</a:t>
+            </a:r>
+            <a:r>
+              <a:rPr lang="en-US" sz="1400" b="0" i="1" u="none" strike="noStrike" baseline="0" dirty="0">
+                <a:latin typeface="Times New Roman" panose="02020603050405020304" pitchFamily="18" charset="0"/>
+                <a:cs typeface="Times New Roman" panose="02020603050405020304" pitchFamily="18" charset="0"/>
+              </a:rPr>
+              <a:t>IEEE Transactions on Image Processing</a:t>
+            </a:r>
+            <a:r>
+              <a:rPr lang="en-US" sz="1400" b="0" i="0" u="none" strike="noStrike" baseline="0" dirty="0">
+                <a:latin typeface="Times New Roman" panose="02020603050405020304" pitchFamily="18" charset="0"/>
+                <a:cs typeface="Times New Roman" panose="02020603050405020304" pitchFamily="18" charset="0"/>
+              </a:rPr>
+              <a:t> 15(5): 1120–1129.</a:t>
+            </a:r>
+          </a:p>
+          <a:p>
+            <a:pPr algn="l"/>
+            <a:r>
+              <a:rPr lang="en-US" sz="1400" b="0" i="0" u="none" strike="noStrike" baseline="0" dirty="0">
+                <a:latin typeface="Times New Roman" panose="02020603050405020304" pitchFamily="18" charset="0"/>
+                <a:cs typeface="Times New Roman" panose="02020603050405020304" pitchFamily="18" charset="0"/>
+              </a:rPr>
+              <a:t>Zhu, J.-Y., </a:t>
+            </a:r>
+            <a:r>
+              <a:rPr lang="en-US" sz="1400" b="0" i="0" u="none" strike="noStrike" baseline="0" dirty="0" err="1">
+                <a:latin typeface="Times New Roman" panose="02020603050405020304" pitchFamily="18" charset="0"/>
+                <a:cs typeface="Times New Roman" panose="02020603050405020304" pitchFamily="18" charset="0"/>
+              </a:rPr>
+              <a:t>Kr</a:t>
+            </a:r>
+            <a:r>
+              <a:rPr lang="en-US" sz="1400" dirty="0" err="1">
+                <a:latin typeface="Times New Roman" panose="02020603050405020304" pitchFamily="18" charset="0"/>
+                <a:cs typeface="Times New Roman" panose="02020603050405020304" pitchFamily="18" charset="0"/>
+              </a:rPr>
+              <a:t>a</a:t>
+            </a:r>
+            <a:r>
+              <a:rPr lang="en-US" sz="1400" b="0" i="0" u="none" strike="noStrike" baseline="0" dirty="0" err="1">
+                <a:latin typeface="Times New Roman" panose="02020603050405020304" pitchFamily="18" charset="0"/>
+                <a:cs typeface="Times New Roman" panose="02020603050405020304" pitchFamily="18" charset="0"/>
+              </a:rPr>
+              <a:t>henbuhl</a:t>
+            </a:r>
+            <a:r>
+              <a:rPr lang="en-US" sz="1400" b="0" i="0" u="none" strike="noStrike" baseline="0" dirty="0">
+                <a:latin typeface="Times New Roman" panose="02020603050405020304" pitchFamily="18" charset="0"/>
+                <a:cs typeface="Times New Roman" panose="02020603050405020304" pitchFamily="18" charset="0"/>
+              </a:rPr>
+              <a:t>, P., </a:t>
+            </a:r>
+            <a:r>
+              <a:rPr lang="en-US" sz="1400" b="0" i="0" u="none" strike="noStrike" baseline="0" dirty="0" err="1">
+                <a:latin typeface="Times New Roman" panose="02020603050405020304" pitchFamily="18" charset="0"/>
+                <a:cs typeface="Times New Roman" panose="02020603050405020304" pitchFamily="18" charset="0"/>
+              </a:rPr>
+              <a:t>Shechtman</a:t>
+            </a:r>
+            <a:r>
+              <a:rPr lang="en-US" sz="1400" b="0" i="0" u="none" strike="noStrike" baseline="0" dirty="0">
+                <a:latin typeface="Times New Roman" panose="02020603050405020304" pitchFamily="18" charset="0"/>
+                <a:cs typeface="Times New Roman" panose="02020603050405020304" pitchFamily="18" charset="0"/>
+              </a:rPr>
+              <a:t>, E. and </a:t>
+            </a:r>
+            <a:r>
+              <a:rPr lang="en-US" sz="1400" b="0" i="0" u="none" strike="noStrike" baseline="0" dirty="0" err="1">
+                <a:latin typeface="Times New Roman" panose="02020603050405020304" pitchFamily="18" charset="0"/>
+                <a:cs typeface="Times New Roman" panose="02020603050405020304" pitchFamily="18" charset="0"/>
+              </a:rPr>
+              <a:t>Efros</a:t>
+            </a:r>
+            <a:r>
+              <a:rPr lang="en-US" sz="1400" b="0" i="0" u="none" strike="noStrike" baseline="0" dirty="0">
+                <a:latin typeface="Times New Roman" panose="02020603050405020304" pitchFamily="18" charset="0"/>
+                <a:cs typeface="Times New Roman" panose="02020603050405020304" pitchFamily="18" charset="0"/>
+              </a:rPr>
+              <a:t>, A. A. (2018). Generative visual manipulation on the natural image manifold.</a:t>
+            </a:r>
+            <a:endParaRPr lang="en-US" sz="1400" i="1" dirty="0">
+              <a:latin typeface="Times New Roman" panose="02020603050405020304" pitchFamily="18" charset="0"/>
+              <a:cs typeface="Times New Roman" panose="02020603050405020304" pitchFamily="18" charset="0"/>
+            </a:endParaRPr>
+          </a:p>
+        </p:txBody>
+      </p:sp>
+      <p:sp>
+        <p:nvSpPr>
+          <p:cNvPr id="4" name="Footer Placeholder 3">
+            <a:extLst>
+              <a:ext uri="{FF2B5EF4-FFF2-40B4-BE49-F238E27FC236}">
+                <a16:creationId xmlns:a16="http://schemas.microsoft.com/office/drawing/2014/main" id="{9B31565C-5D67-40D7-B395-3C7619E5198E}"/>
+              </a:ext>
+            </a:extLst>
+          </p:cNvPr>
+          <p:cNvSpPr>
+            <a:spLocks noGrp="1"/>
+          </p:cNvSpPr>
+          <p:nvPr>
+            <p:ph type="ftr" sz="quarter" idx="11"/>
+          </p:nvPr>
+        </p:nvSpPr>
+        <p:spPr/>
+        <p:txBody>
+          <a:bodyPr/>
+          <a:lstStyle/>
+          <a:p>
+            <a:r>
+              <a:rPr lang="en-US"/>
+              <a:t>Astronomical image colourisation and super-resolution using GANS</a:t>
+            </a:r>
+            <a:endParaRPr lang="en-IN"/>
+          </a:p>
+        </p:txBody>
+      </p:sp>
+    </p:spTree>
+    <p:extLst>
+      <p:ext uri="{BB962C8B-B14F-4D97-AF65-F5344CB8AC3E}">
+        <p14:creationId xmlns:p14="http://schemas.microsoft.com/office/powerpoint/2010/main" val="3478648367"/>
+      </p:ext>
+    </p:extLst>
+  </p:cSld>
+  <p:clrMapOvr>
+    <a:masterClrMapping/>
+  </p:clrMapOvr>
+  <mc:AlternateContent xmlns:mc="http://schemas.openxmlformats.org/markup-compatibility/2006" xmlns:p14="http://schemas.microsoft.com/office/powerpoint/2010/main">
+    <mc:Choice Requires="p14">
+      <p:transition spd="med" p14:dur="700">
+        <p:fade/>
+      </p:transition>
+    </mc:Choice>
+    <mc:Fallback xmlns="">
+      <p:transition spd="med">
+        <p:fade/>
+      </p:transition>
+    </mc:Fallback>
+  </mc:AlternateContent>
+</p:sld>
+</file>
+
+<file path=ppt/slides/slide32.xml><?xml version="1.0" encoding="utf-8"?>
+<p:sld xmlns:a="http://schemas.openxmlformats.org/drawingml/2006/main" xmlns:r="http://schemas.openxmlformats.org/officeDocument/2006/relationships" xmlns:p="http://schemas.openxmlformats.org/presentationml/2006/main">
+  <p:cSld>
+    <p:spTree>
+      <p:nvGrpSpPr>
+        <p:cNvPr id="1" name=""/>
+        <p:cNvGrpSpPr/>
+        <p:nvPr/>
+      </p:nvGrpSpPr>
+      <p:grpSpPr>
+        <a:xfrm>
+          <a:off x="0" y="0"/>
+          <a:ext cx="0" cy="0"/>
+          <a:chOff x="0" y="0"/>
+          <a:chExt cx="0" cy="0"/>
+        </a:xfrm>
+      </p:grpSpPr>
+      <p:sp>
+        <p:nvSpPr>
+          <p:cNvPr id="2" name="Title 1"/>
+          <p:cNvSpPr>
+            <a:spLocks noGrp="1"/>
+          </p:cNvSpPr>
+          <p:nvPr>
+            <p:ph type="ctrTitle"/>
+          </p:nvPr>
+        </p:nvSpPr>
+        <p:spPr/>
+        <p:txBody>
+          <a:bodyPr/>
+          <a:lstStyle/>
+          <a:p>
+            <a:r>
+              <a:rPr lang="en-IN" dirty="0"/>
+              <a:t>Thank You !!</a:t>
+            </a:r>
+          </a:p>
+        </p:txBody>
+      </p:sp>
+      <p:pic>
+        <p:nvPicPr>
+          <p:cNvPr id="4" name="Picture 1"/>
+          <p:cNvPicPr>
+            <a:picLocks noChangeAspect="1" noChangeArrowheads="1"/>
+          </p:cNvPicPr>
+          <p:nvPr/>
+        </p:nvPicPr>
+        <p:blipFill>
+          <a:blip r:embed="rId2" cstate="print">
+            <a:extLst>
+              <a:ext uri="{28A0092B-C50C-407E-A947-70E740481C1C}">
+                <a14:useLocalDpi xmlns:a14="http://schemas.microsoft.com/office/drawing/2010/main" val="0"/>
+              </a:ext>
+            </a:extLst>
+          </a:blip>
+          <a:stretch>
+            <a:fillRect/>
+          </a:stretch>
+        </p:blipFill>
+        <p:spPr bwMode="auto">
+          <a:xfrm>
+            <a:off x="9691631" y="1352533"/>
+            <a:ext cx="2228612" cy="1860930"/>
+          </a:xfrm>
+          <a:prstGeom prst="rect">
+            <a:avLst/>
+          </a:prstGeom>
+          <a:noFill/>
+          <a:ln w="9525">
+            <a:noFill/>
+            <a:miter lim="800000"/>
+            <a:headEnd/>
+            <a:tailEnd/>
+          </a:ln>
+        </p:spPr>
+      </p:pic>
+    </p:spTree>
+  </p:cSld>
+  <p:clrMapOvr>
+    <a:masterClrMapping/>
+  </p:clrMapOvr>
+  <mc:AlternateContent xmlns:mc="http://schemas.openxmlformats.org/markup-compatibility/2006" xmlns:p14="http://schemas.microsoft.com/office/powerpoint/2010/main">
+    <mc:Choice Requires="p14">
+      <p:transition spd="med" p14:dur="700">
+        <p:fade/>
+      </p:transition>
+    </mc:Choice>
+    <mc:Fallback xmlns="">
+      <p:transition spd="med">
+        <p:fade/>
+      </p:transition>
+    </mc:Fallback>
+  </mc:AlternateContent>
+</p:sld>
+</file>
+
+<file path=ppt/slides/slide33.xml><?xml version="1.0" encoding="utf-8"?>
+<p:sld xmlns:a="http://schemas.openxmlformats.org/drawingml/2006/main" xmlns:r="http://schemas.openxmlformats.org/officeDocument/2006/relationships" xmlns:p="http://schemas.openxmlformats.org/presentationml/2006/main">
+  <p:cSld>
+    <p:spTree>
+      <p:nvGrpSpPr>
+        <p:cNvPr id="1" name=""/>
+        <p:cNvGrpSpPr/>
+        <p:nvPr/>
+      </p:nvGrpSpPr>
+      <p:grpSpPr>
+        <a:xfrm>
+          <a:off x="0" y="0"/>
+          <a:ext cx="0" cy="0"/>
+          <a:chOff x="0" y="0"/>
+          <a:chExt cx="0" cy="0"/>
+        </a:xfrm>
+      </p:grpSpPr>
+      <p:sp>
+        <p:nvSpPr>
+          <p:cNvPr id="2" name="Title 1">
+            <a:extLst>
+              <a:ext uri="{FF2B5EF4-FFF2-40B4-BE49-F238E27FC236}">
+                <a16:creationId xmlns:a16="http://schemas.microsoft.com/office/drawing/2014/main" id="{103920B0-8A36-4F34-8EDC-11570C9B4A20}"/>
+              </a:ext>
+            </a:extLst>
+          </p:cNvPr>
+          <p:cNvSpPr>
+            <a:spLocks noGrp="1"/>
+          </p:cNvSpPr>
+          <p:nvPr>
+            <p:ph type="title"/>
+          </p:nvPr>
+        </p:nvSpPr>
+        <p:spPr/>
+        <p:txBody>
+          <a:bodyPr/>
+          <a:lstStyle/>
+          <a:p>
+            <a:r>
+              <a:rPr lang="en-US" dirty="0"/>
+              <a:t>Annexure</a:t>
+            </a:r>
+          </a:p>
+        </p:txBody>
+      </p:sp>
+      <p:sp>
+        <p:nvSpPr>
+          <p:cNvPr id="5" name="Text Placeholder 4">
+            <a:extLst>
+              <a:ext uri="{FF2B5EF4-FFF2-40B4-BE49-F238E27FC236}">
+                <a16:creationId xmlns:a16="http://schemas.microsoft.com/office/drawing/2014/main" id="{9066FBD3-33FA-472B-9DFF-DC48D668FED0}"/>
+              </a:ext>
+            </a:extLst>
+          </p:cNvPr>
+          <p:cNvSpPr>
+            <a:spLocks noGrp="1"/>
+          </p:cNvSpPr>
+          <p:nvPr>
+            <p:ph type="body" idx="1"/>
+          </p:nvPr>
+        </p:nvSpPr>
+        <p:spPr/>
+        <p:txBody>
+          <a:bodyPr/>
+          <a:lstStyle/>
+          <a:p>
+            <a:endParaRPr lang="en-US"/>
+          </a:p>
+        </p:txBody>
+      </p:sp>
+      <p:sp>
+        <p:nvSpPr>
+          <p:cNvPr id="4" name="Footer Placeholder 3">
+            <a:extLst>
+              <a:ext uri="{FF2B5EF4-FFF2-40B4-BE49-F238E27FC236}">
+                <a16:creationId xmlns:a16="http://schemas.microsoft.com/office/drawing/2014/main" id="{A671A576-2C7F-4EC9-BC85-079477D26B33}"/>
+              </a:ext>
+            </a:extLst>
+          </p:cNvPr>
+          <p:cNvSpPr>
+            <a:spLocks noGrp="1"/>
+          </p:cNvSpPr>
+          <p:nvPr>
+            <p:ph type="ftr" sz="quarter" idx="11"/>
+          </p:nvPr>
+        </p:nvSpPr>
+        <p:spPr/>
+        <p:txBody>
+          <a:bodyPr/>
+          <a:lstStyle/>
+          <a:p>
+            <a:r>
+              <a:rPr lang="en-US"/>
+              <a:t>Astronomical image colourisation and super-resolution using GANS</a:t>
+            </a:r>
+          </a:p>
+        </p:txBody>
+      </p:sp>
+    </p:spTree>
+    <p:extLst>
+      <p:ext uri="{BB962C8B-B14F-4D97-AF65-F5344CB8AC3E}">
+        <p14:creationId xmlns:p14="http://schemas.microsoft.com/office/powerpoint/2010/main" val="786667773"/>
+      </p:ext>
+    </p:extLst>
+  </p:cSld>
+  <p:clrMapOvr>
+    <a:masterClrMapping/>
+  </p:clrMapOvr>
+  <mc:AlternateContent xmlns:mc="http://schemas.openxmlformats.org/markup-compatibility/2006" xmlns:p14="http://schemas.microsoft.com/office/powerpoint/2010/main">
+    <mc:Choice Requires="p14">
+      <p:transition spd="med" p14:dur="700">
+        <p:fade/>
+      </p:transition>
+    </mc:Choice>
+    <mc:Fallback xmlns="">
+      <p:transition spd="med">
+        <p:fade/>
+      </p:transition>
+    </mc:Fallback>
+  </mc:AlternateContent>
+</p:sld>
+</file>
+
+<file path=ppt/slides/slide34.xml><?xml version="1.0" encoding="utf-8"?>
+<p:sld xmlns:a="http://schemas.openxmlformats.org/drawingml/2006/main" xmlns:r="http://schemas.openxmlformats.org/officeDocument/2006/relationships" xmlns:p="http://schemas.openxmlformats.org/presentationml/2006/main">
+  <p:cSld>
+    <p:spTree>
+      <p:nvGrpSpPr>
+        <p:cNvPr id="1" name=""/>
+        <p:cNvGrpSpPr/>
+        <p:nvPr/>
+      </p:nvGrpSpPr>
+      <p:grpSpPr>
+        <a:xfrm>
+          <a:off x="0" y="0"/>
+          <a:ext cx="0" cy="0"/>
+          <a:chOff x="0" y="0"/>
+          <a:chExt cx="0" cy="0"/>
+        </a:xfrm>
+      </p:grpSpPr>
+      <p:sp>
+        <p:nvSpPr>
+          <p:cNvPr id="2" name="Title 1">
+            <a:extLst>
+              <a:ext uri="{FF2B5EF4-FFF2-40B4-BE49-F238E27FC236}">
                 <a16:creationId xmlns:a16="http://schemas.microsoft.com/office/drawing/2014/main" id="{309A706E-315C-488B-A5BF-6FF22C57F8DE}"/>
               </a:ext>
             </a:extLst>
@@ -10433,7 +12237,7 @@
           <a:p>
             <a:r>
               <a:rPr lang="en-US" dirty="0"/>
-              <a:t>Performance Parameters</a:t>
+              <a:t>Annexure : Performance Parameters</a:t>
             </a:r>
           </a:p>
         </p:txBody>
@@ -10496,9 +12300,10 @@
           <a:lstStyle/>
           <a:p>
             <a:r>
-              <a:rPr lang="en-IN"/>
-              <a:t>Title of the Course</a:t>
-            </a:r>
+              <a:rPr lang="en-US"/>
+              <a:t>Astronomical image colourisation and super-resolution using GANS</a:t>
+            </a:r>
+            <a:endParaRPr lang="en-IN"/>
           </a:p>
         </p:txBody>
       </p:sp>
@@ -10624,695 +12429,7 @@
     </p:spTree>
     <p:extLst>
       <p:ext uri="{BB962C8B-B14F-4D97-AF65-F5344CB8AC3E}">
-        <p14:creationId xmlns:p14="http://schemas.microsoft.com/office/powerpoint/2010/main" val="2124092626"/>
-      </p:ext>
-    </p:extLst>
-  </p:cSld>
-  <p:clrMapOvr>
-    <a:masterClrMapping/>
-  </p:clrMapOvr>
-  <mc:AlternateContent xmlns:mc="http://schemas.openxmlformats.org/markup-compatibility/2006" xmlns:p14="http://schemas.microsoft.com/office/powerpoint/2010/main">
-    <mc:Choice Requires="p14">
-      <p:transition spd="med" p14:dur="700">
-        <p:fade/>
-      </p:transition>
-    </mc:Choice>
-    <mc:Fallback xmlns="">
-      <p:transition spd="med">
-        <p:fade/>
-      </p:transition>
-    </mc:Fallback>
-  </mc:AlternateContent>
-</p:sld>
-</file>
-
-<file path=ppt/slides/slide32.xml><?xml version="1.0" encoding="utf-8"?>
-<p:sld xmlns:a="http://schemas.openxmlformats.org/drawingml/2006/main" xmlns:r="http://schemas.openxmlformats.org/officeDocument/2006/relationships" xmlns:p="http://schemas.openxmlformats.org/presentationml/2006/main">
-  <p:cSld>
-    <p:spTree>
-      <p:nvGrpSpPr>
-        <p:cNvPr id="1" name=""/>
-        <p:cNvGrpSpPr/>
-        <p:nvPr/>
-      </p:nvGrpSpPr>
-      <p:grpSpPr>
-        <a:xfrm>
-          <a:off x="0" y="0"/>
-          <a:ext cx="0" cy="0"/>
-          <a:chOff x="0" y="0"/>
-          <a:chExt cx="0" cy="0"/>
-        </a:xfrm>
-      </p:grpSpPr>
-      <p:sp>
-        <p:nvSpPr>
-          <p:cNvPr id="2" name="Title 1">
-            <a:extLst>
-              <a:ext uri="{FF2B5EF4-FFF2-40B4-BE49-F238E27FC236}">
-                <a16:creationId xmlns:a16="http://schemas.microsoft.com/office/drawing/2014/main" id="{2644FDE2-7D90-484D-AFF5-7BFD7B5D3C58}"/>
-              </a:ext>
-            </a:extLst>
-          </p:cNvPr>
-          <p:cNvSpPr>
-            <a:spLocks noGrp="1"/>
-          </p:cNvSpPr>
-          <p:nvPr>
-            <p:ph type="title"/>
-          </p:nvPr>
-        </p:nvSpPr>
-        <p:spPr/>
-        <p:txBody>
-          <a:bodyPr/>
-          <a:lstStyle/>
-          <a:p>
-            <a:r>
-              <a:rPr lang="en-US" dirty="0"/>
-              <a:t>Performance Parameters</a:t>
-            </a:r>
-          </a:p>
-        </p:txBody>
-      </p:sp>
-      <p:pic>
-        <p:nvPicPr>
-          <p:cNvPr id="6" name="Content Placeholder 5">
-            <a:extLst>
-              <a:ext uri="{FF2B5EF4-FFF2-40B4-BE49-F238E27FC236}">
-                <a16:creationId xmlns:a16="http://schemas.microsoft.com/office/drawing/2014/main" id="{1981E619-75B8-4093-A8D9-6959118FA6A1}"/>
-              </a:ext>
-            </a:extLst>
-          </p:cNvPr>
-          <p:cNvPicPr>
-            <a:picLocks noGrp="1" noChangeAspect="1"/>
-          </p:cNvPicPr>
-          <p:nvPr>
-            <p:ph idx="1"/>
-          </p:nvPr>
-        </p:nvPicPr>
-        <p:blipFill>
-          <a:blip r:embed="rId2"/>
-          <a:stretch>
-            <a:fillRect/>
-          </a:stretch>
-        </p:blipFill>
-        <p:spPr>
-          <a:xfrm>
-            <a:off x="1393997" y="1836831"/>
-            <a:ext cx="9402487" cy="1524213"/>
-          </a:xfrm>
-        </p:spPr>
-      </p:pic>
-      <p:sp>
-        <p:nvSpPr>
-          <p:cNvPr id="4" name="Footer Placeholder 3">
-            <a:extLst>
-              <a:ext uri="{FF2B5EF4-FFF2-40B4-BE49-F238E27FC236}">
-                <a16:creationId xmlns:a16="http://schemas.microsoft.com/office/drawing/2014/main" id="{0C3D8EA0-6BA6-4DF2-88B0-EF2A4189F93F}"/>
-              </a:ext>
-            </a:extLst>
-          </p:cNvPr>
-          <p:cNvSpPr>
-            <a:spLocks noGrp="1"/>
-          </p:cNvSpPr>
-          <p:nvPr>
-            <p:ph type="ftr" sz="quarter" idx="11"/>
-          </p:nvPr>
-        </p:nvSpPr>
-        <p:spPr/>
-        <p:txBody>
-          <a:bodyPr/>
-          <a:lstStyle/>
-          <a:p>
-            <a:r>
-              <a:rPr lang="en-IN"/>
-              <a:t>Title of the Course</a:t>
-            </a:r>
-          </a:p>
-        </p:txBody>
-      </p:sp>
-    </p:spTree>
-    <p:extLst>
-      <p:ext uri="{BB962C8B-B14F-4D97-AF65-F5344CB8AC3E}">
-        <p14:creationId xmlns:p14="http://schemas.microsoft.com/office/powerpoint/2010/main" val="2741955053"/>
-      </p:ext>
-    </p:extLst>
-  </p:cSld>
-  <p:clrMapOvr>
-    <a:masterClrMapping/>
-  </p:clrMapOvr>
-  <mc:AlternateContent xmlns:mc="http://schemas.openxmlformats.org/markup-compatibility/2006" xmlns:p14="http://schemas.microsoft.com/office/powerpoint/2010/main">
-    <mc:Choice Requires="p14">
-      <p:transition spd="med" p14:dur="700">
-        <p:fade/>
-      </p:transition>
-    </mc:Choice>
-    <mc:Fallback xmlns="">
-      <p:transition spd="med">
-        <p:fade/>
-      </p:transition>
-    </mc:Fallback>
-  </mc:AlternateContent>
-</p:sld>
-</file>
-
-<file path=ppt/slides/slide33.xml><?xml version="1.0" encoding="utf-8"?>
-<p:sld xmlns:a="http://schemas.openxmlformats.org/drawingml/2006/main" xmlns:r="http://schemas.openxmlformats.org/officeDocument/2006/relationships" xmlns:p="http://schemas.openxmlformats.org/presentationml/2006/main">
-  <p:cSld>
-    <p:spTree>
-      <p:nvGrpSpPr>
-        <p:cNvPr id="1" name=""/>
-        <p:cNvGrpSpPr/>
-        <p:nvPr/>
-      </p:nvGrpSpPr>
-      <p:grpSpPr>
-        <a:xfrm>
-          <a:off x="0" y="0"/>
-          <a:ext cx="0" cy="0"/>
-          <a:chOff x="0" y="0"/>
-          <a:chExt cx="0" cy="0"/>
-        </a:xfrm>
-      </p:grpSpPr>
-      <p:sp>
-        <p:nvSpPr>
-          <p:cNvPr id="2" name="Title 1">
-            <a:extLst>
-              <a:ext uri="{FF2B5EF4-FFF2-40B4-BE49-F238E27FC236}">
-                <a16:creationId xmlns:a16="http://schemas.microsoft.com/office/drawing/2014/main" id="{515C154E-1383-4623-8BD9-DC1CE79CA7B7}"/>
-              </a:ext>
-            </a:extLst>
-          </p:cNvPr>
-          <p:cNvSpPr>
-            <a:spLocks noGrp="1"/>
-          </p:cNvSpPr>
-          <p:nvPr>
-            <p:ph type="title"/>
-          </p:nvPr>
-        </p:nvSpPr>
-        <p:spPr/>
-        <p:txBody>
-          <a:bodyPr/>
-          <a:lstStyle/>
-          <a:p>
-            <a:r>
-              <a:rPr lang="en-US" dirty="0"/>
-              <a:t>Efficiency Issues</a:t>
-            </a:r>
-          </a:p>
-        </p:txBody>
-      </p:sp>
-      <p:sp>
-        <p:nvSpPr>
-          <p:cNvPr id="3" name="Content Placeholder 2">
-            <a:extLst>
-              <a:ext uri="{FF2B5EF4-FFF2-40B4-BE49-F238E27FC236}">
-                <a16:creationId xmlns:a16="http://schemas.microsoft.com/office/drawing/2014/main" id="{4AF4CFE7-2266-41A1-B6EF-966C6526A2AF}"/>
-              </a:ext>
-            </a:extLst>
-          </p:cNvPr>
-          <p:cNvSpPr>
-            <a:spLocks noGrp="1"/>
-          </p:cNvSpPr>
-          <p:nvPr>
-            <p:ph idx="1"/>
-          </p:nvPr>
-        </p:nvSpPr>
-        <p:spPr/>
-        <p:txBody>
-          <a:bodyPr/>
-          <a:lstStyle/>
-          <a:p>
-            <a:r>
-              <a:rPr lang="en-US" dirty="0"/>
-              <a:t>The data gathered had to be scraped off websites such as the Hubble Legacy archive and Hubble main website</a:t>
-            </a:r>
-          </a:p>
-          <a:p>
-            <a:r>
-              <a:rPr lang="en-US" dirty="0"/>
-              <a:t>This yielded in more images than were useful. So we focused on a particular section of the sky where we could get the images of galaxy M101</a:t>
-            </a:r>
-          </a:p>
-          <a:p>
-            <a:r>
-              <a:rPr lang="en-US" dirty="0"/>
-              <a:t>This still yielded in about 400,000 images which had to be manually filtered</a:t>
-            </a:r>
-          </a:p>
-          <a:p>
-            <a:r>
-              <a:rPr lang="en-US" dirty="0"/>
-              <a:t>Even with all the images available, the network training will require huge computational resources to perform efficiently</a:t>
-            </a:r>
-          </a:p>
-          <a:p>
-            <a:r>
-              <a:rPr lang="en-US" dirty="0"/>
-              <a:t>The network parameters exceed the available training data and will require augmentation to avoid overfitting </a:t>
-            </a:r>
-          </a:p>
-          <a:p>
-            <a:r>
-              <a:rPr lang="en-US" dirty="0"/>
-              <a:t>A quantitative evaluation of a GAN is considerably difficult even with the availability of the ground truth images</a:t>
-            </a:r>
-          </a:p>
-        </p:txBody>
-      </p:sp>
-      <p:sp>
-        <p:nvSpPr>
-          <p:cNvPr id="4" name="Footer Placeholder 3">
-            <a:extLst>
-              <a:ext uri="{FF2B5EF4-FFF2-40B4-BE49-F238E27FC236}">
-                <a16:creationId xmlns:a16="http://schemas.microsoft.com/office/drawing/2014/main" id="{479926B9-6778-4DA9-BCBA-AC30CF378207}"/>
-              </a:ext>
-            </a:extLst>
-          </p:cNvPr>
-          <p:cNvSpPr>
-            <a:spLocks noGrp="1"/>
-          </p:cNvSpPr>
-          <p:nvPr>
-            <p:ph type="ftr" sz="quarter" idx="11"/>
-          </p:nvPr>
-        </p:nvSpPr>
-        <p:spPr/>
-        <p:txBody>
-          <a:bodyPr/>
-          <a:lstStyle/>
-          <a:p>
-            <a:r>
-              <a:rPr lang="en-IN"/>
-              <a:t>Title of the Course</a:t>
-            </a:r>
-          </a:p>
-        </p:txBody>
-      </p:sp>
-    </p:spTree>
-    <p:extLst>
-      <p:ext uri="{BB962C8B-B14F-4D97-AF65-F5344CB8AC3E}">
-        <p14:creationId xmlns:p14="http://schemas.microsoft.com/office/powerpoint/2010/main" val="1342927445"/>
-      </p:ext>
-    </p:extLst>
-  </p:cSld>
-  <p:clrMapOvr>
-    <a:masterClrMapping/>
-  </p:clrMapOvr>
-  <mc:AlternateContent xmlns:mc="http://schemas.openxmlformats.org/markup-compatibility/2006" xmlns:p14="http://schemas.microsoft.com/office/powerpoint/2010/main">
-    <mc:Choice Requires="p14">
-      <p:transition spd="med" p14:dur="700">
-        <p:fade/>
-      </p:transition>
-    </mc:Choice>
-    <mc:Fallback xmlns="">
-      <p:transition spd="med">
-        <p:fade/>
-      </p:transition>
-    </mc:Fallback>
-  </mc:AlternateContent>
-</p:sld>
-</file>
-
-<file path=ppt/slides/slide34.xml><?xml version="1.0" encoding="utf-8"?>
-<p:sld xmlns:a="http://schemas.openxmlformats.org/drawingml/2006/main" xmlns:r="http://schemas.openxmlformats.org/officeDocument/2006/relationships" xmlns:p="http://schemas.openxmlformats.org/presentationml/2006/main">
-  <p:cSld>
-    <p:spTree>
-      <p:nvGrpSpPr>
-        <p:cNvPr id="1" name=""/>
-        <p:cNvGrpSpPr/>
-        <p:nvPr/>
-      </p:nvGrpSpPr>
-      <p:grpSpPr>
-        <a:xfrm>
-          <a:off x="0" y="0"/>
-          <a:ext cx="0" cy="0"/>
-          <a:chOff x="0" y="0"/>
-          <a:chExt cx="0" cy="0"/>
-        </a:xfrm>
-      </p:grpSpPr>
-      <p:sp>
-        <p:nvSpPr>
-          <p:cNvPr id="2" name="Title 1">
-            <a:extLst>
-              <a:ext uri="{FF2B5EF4-FFF2-40B4-BE49-F238E27FC236}">
-                <a16:creationId xmlns:a16="http://schemas.microsoft.com/office/drawing/2014/main" id="{1B088865-DEAE-4612-97AF-B61F6AF552E8}"/>
-              </a:ext>
-            </a:extLst>
-          </p:cNvPr>
-          <p:cNvSpPr>
-            <a:spLocks noGrp="1"/>
-          </p:cNvSpPr>
-          <p:nvPr>
-            <p:ph type="title"/>
-          </p:nvPr>
-        </p:nvSpPr>
-        <p:spPr/>
-        <p:txBody>
-          <a:bodyPr/>
-          <a:lstStyle/>
-          <a:p>
-            <a:r>
-              <a:rPr lang="en-US" dirty="0"/>
-              <a:t>References</a:t>
-            </a:r>
-          </a:p>
-        </p:txBody>
-      </p:sp>
-      <p:sp>
-        <p:nvSpPr>
-          <p:cNvPr id="3" name="Content Placeholder 2">
-            <a:extLst>
-              <a:ext uri="{FF2B5EF4-FFF2-40B4-BE49-F238E27FC236}">
-                <a16:creationId xmlns:a16="http://schemas.microsoft.com/office/drawing/2014/main" id="{EA8DEEA1-8858-40B0-9169-F753007ABA02}"/>
-              </a:ext>
-            </a:extLst>
-          </p:cNvPr>
-          <p:cNvSpPr>
-            <a:spLocks noGrp="1"/>
-          </p:cNvSpPr>
-          <p:nvPr>
-            <p:ph idx="1"/>
-          </p:nvPr>
-        </p:nvSpPr>
-        <p:spPr/>
-        <p:txBody>
-          <a:bodyPr>
-            <a:normAutofit/>
-          </a:bodyPr>
-          <a:lstStyle/>
-          <a:p>
-            <a:r>
-              <a:rPr lang="en-US" sz="1400" b="0" i="0" u="none" strike="noStrike" baseline="0" dirty="0">
-                <a:latin typeface="Times New Roman" panose="02020603050405020304" pitchFamily="18" charset="0"/>
-                <a:cs typeface="Times New Roman" panose="02020603050405020304" pitchFamily="18" charset="0"/>
-              </a:rPr>
-              <a:t>Cheng, Z., Yang, Q. and Sheng, B. (2016). Deep colorization.</a:t>
-            </a:r>
-          </a:p>
-          <a:p>
-            <a:r>
-              <a:rPr lang="en-US" sz="1400" b="0" i="0" u="none" strike="noStrike" baseline="0" dirty="0">
-                <a:latin typeface="Times New Roman" panose="02020603050405020304" pitchFamily="18" charset="0"/>
-                <a:cs typeface="Times New Roman" panose="02020603050405020304" pitchFamily="18" charset="0"/>
-              </a:rPr>
-              <a:t>Dahl, R. (2016). Automatic colorization.</a:t>
-            </a:r>
-            <a:endParaRPr lang="en-US" sz="1400" dirty="0">
-              <a:latin typeface="Times New Roman" panose="02020603050405020304" pitchFamily="18" charset="0"/>
-              <a:cs typeface="Times New Roman" panose="02020603050405020304" pitchFamily="18" charset="0"/>
-            </a:endParaRPr>
-          </a:p>
-          <a:p>
-            <a:pPr algn="l"/>
-            <a:r>
-              <a:rPr lang="en-US" sz="1400" b="0" i="0" u="none" strike="noStrike" baseline="0" dirty="0">
-                <a:latin typeface="Times New Roman" panose="02020603050405020304" pitchFamily="18" charset="0"/>
-                <a:cs typeface="Times New Roman" panose="02020603050405020304" pitchFamily="18" charset="0"/>
-              </a:rPr>
-              <a:t>Dong, C., Loy, C. C., He, K. and Tang, X. (2014). Learning a deep convolutional network for image super-resolution, </a:t>
-            </a:r>
-            <a:r>
-              <a:rPr lang="en-US" sz="1400" b="0" i="1" u="none" strike="noStrike" baseline="0" dirty="0">
-                <a:latin typeface="Times New Roman" panose="02020603050405020304" pitchFamily="18" charset="0"/>
-                <a:cs typeface="Times New Roman" panose="02020603050405020304" pitchFamily="18" charset="0"/>
-              </a:rPr>
-              <a:t>in</a:t>
-            </a:r>
-            <a:r>
-              <a:rPr lang="en-US" sz="1400" b="0" i="0" u="none" strike="noStrike" baseline="0" dirty="0">
-                <a:latin typeface="Times New Roman" panose="02020603050405020304" pitchFamily="18" charset="0"/>
-                <a:cs typeface="Times New Roman" panose="02020603050405020304" pitchFamily="18" charset="0"/>
-              </a:rPr>
-              <a:t> D. Fleet, T. 	</a:t>
-            </a:r>
-            <a:r>
-              <a:rPr lang="en-US" sz="1400" b="0" i="0" u="none" strike="noStrike" baseline="0" dirty="0" err="1">
-                <a:latin typeface="Times New Roman" panose="02020603050405020304" pitchFamily="18" charset="0"/>
-                <a:cs typeface="Times New Roman" panose="02020603050405020304" pitchFamily="18" charset="0"/>
-              </a:rPr>
-              <a:t>Pajdla</a:t>
-            </a:r>
-            <a:r>
-              <a:rPr lang="en-US" sz="1400" b="0" i="0" u="none" strike="noStrike" baseline="0" dirty="0">
-                <a:latin typeface="Times New Roman" panose="02020603050405020304" pitchFamily="18" charset="0"/>
-                <a:cs typeface="Times New Roman" panose="02020603050405020304" pitchFamily="18" charset="0"/>
-              </a:rPr>
-              <a:t>, B. Schiele and T. </a:t>
-            </a:r>
-            <a:r>
-              <a:rPr lang="en-US" sz="1400" b="0" i="0" u="none" strike="noStrike" baseline="0" dirty="0" err="1">
-                <a:latin typeface="Times New Roman" panose="02020603050405020304" pitchFamily="18" charset="0"/>
-                <a:cs typeface="Times New Roman" panose="02020603050405020304" pitchFamily="18" charset="0"/>
-              </a:rPr>
-              <a:t>Tuytelaars</a:t>
-            </a:r>
-            <a:r>
-              <a:rPr lang="en-US" sz="1400" dirty="0">
-                <a:latin typeface="Times New Roman" panose="02020603050405020304" pitchFamily="18" charset="0"/>
-                <a:cs typeface="Times New Roman" panose="02020603050405020304" pitchFamily="18" charset="0"/>
-              </a:rPr>
-              <a:t> </a:t>
-            </a:r>
-            <a:r>
-              <a:rPr lang="en-US" sz="1400" b="0" i="0" u="none" strike="noStrike" baseline="0" dirty="0">
-                <a:latin typeface="Times New Roman" panose="02020603050405020304" pitchFamily="18" charset="0"/>
-                <a:cs typeface="Times New Roman" panose="02020603050405020304" pitchFamily="18" charset="0"/>
-              </a:rPr>
-              <a:t>(eds), </a:t>
-            </a:r>
-            <a:r>
-              <a:rPr lang="en-US" sz="1400" b="0" i="1" u="none" strike="noStrike" baseline="0" dirty="0">
-                <a:latin typeface="Times New Roman" panose="02020603050405020304" pitchFamily="18" charset="0"/>
-                <a:cs typeface="Times New Roman" panose="02020603050405020304" pitchFamily="18" charset="0"/>
-              </a:rPr>
-              <a:t>Computer Vision – ECCV 2014</a:t>
-            </a:r>
-            <a:r>
-              <a:rPr lang="en-US" sz="1400" b="0" i="0" u="none" strike="noStrike" baseline="0" dirty="0">
-                <a:latin typeface="Times New Roman" panose="02020603050405020304" pitchFamily="18" charset="0"/>
-                <a:cs typeface="Times New Roman" panose="02020603050405020304" pitchFamily="18" charset="0"/>
-              </a:rPr>
-              <a:t>, Springer International Publishing, </a:t>
-            </a:r>
-          </a:p>
-          <a:p>
-            <a:pPr marL="457200" lvl="1" indent="0">
-              <a:buNone/>
-            </a:pPr>
-            <a:r>
-              <a:rPr lang="en-US" sz="1400" dirty="0">
-                <a:latin typeface="Times New Roman" panose="02020603050405020304" pitchFamily="18" charset="0"/>
-                <a:cs typeface="Times New Roman" panose="02020603050405020304" pitchFamily="18" charset="0"/>
-              </a:rPr>
-              <a:t>	</a:t>
-            </a:r>
-            <a:r>
-              <a:rPr lang="en-US" sz="1400" b="0" i="0" u="none" strike="noStrike" baseline="0" dirty="0">
-                <a:latin typeface="Times New Roman" panose="02020603050405020304" pitchFamily="18" charset="0"/>
-                <a:cs typeface="Times New Roman" panose="02020603050405020304" pitchFamily="18" charset="0"/>
-              </a:rPr>
-              <a:t>Cham, pp. 184-199.</a:t>
-            </a:r>
-          </a:p>
-          <a:p>
-            <a:pPr algn="l"/>
-            <a:r>
-              <a:rPr lang="en-US" sz="1400" b="0" i="0" u="none" strike="noStrike" baseline="0" dirty="0">
-                <a:latin typeface="Times New Roman" panose="02020603050405020304" pitchFamily="18" charset="0"/>
-                <a:cs typeface="Times New Roman" panose="02020603050405020304" pitchFamily="18" charset="0"/>
-              </a:rPr>
-              <a:t>Goodfellow, I. J., </a:t>
-            </a:r>
-            <a:r>
-              <a:rPr lang="en-US" sz="1400" b="0" i="0" u="none" strike="noStrike" baseline="0" dirty="0" err="1">
-                <a:latin typeface="Times New Roman" panose="02020603050405020304" pitchFamily="18" charset="0"/>
-                <a:cs typeface="Times New Roman" panose="02020603050405020304" pitchFamily="18" charset="0"/>
-              </a:rPr>
-              <a:t>Pouget</a:t>
-            </a:r>
-            <a:r>
-              <a:rPr lang="en-US" sz="1400" b="0" i="0" u="none" strike="noStrike" baseline="0" dirty="0">
-                <a:latin typeface="Times New Roman" panose="02020603050405020304" pitchFamily="18" charset="0"/>
-                <a:cs typeface="Times New Roman" panose="02020603050405020304" pitchFamily="18" charset="0"/>
-              </a:rPr>
-              <a:t>-Abadie, J., Mirza, M., Xu, B., </a:t>
-            </a:r>
-            <a:r>
-              <a:rPr lang="en-US" sz="1400" b="0" i="0" u="none" strike="noStrike" baseline="0" dirty="0" err="1">
-                <a:latin typeface="Times New Roman" panose="02020603050405020304" pitchFamily="18" charset="0"/>
-                <a:cs typeface="Times New Roman" panose="02020603050405020304" pitchFamily="18" charset="0"/>
-              </a:rPr>
-              <a:t>Warde</a:t>
-            </a:r>
-            <a:r>
-              <a:rPr lang="en-US" sz="1400" b="0" i="0" u="none" strike="noStrike" baseline="0" dirty="0">
-                <a:latin typeface="Times New Roman" panose="02020603050405020304" pitchFamily="18" charset="0"/>
-                <a:cs typeface="Times New Roman" panose="02020603050405020304" pitchFamily="18" charset="0"/>
-              </a:rPr>
-              <a:t>-Farley, D., </a:t>
-            </a:r>
-            <a:r>
-              <a:rPr lang="en-US" sz="1400" b="0" i="0" u="none" strike="noStrike" baseline="0" dirty="0" err="1">
-                <a:latin typeface="Times New Roman" panose="02020603050405020304" pitchFamily="18" charset="0"/>
-                <a:cs typeface="Times New Roman" panose="02020603050405020304" pitchFamily="18" charset="0"/>
-              </a:rPr>
-              <a:t>Ozair</a:t>
-            </a:r>
-            <a:r>
-              <a:rPr lang="en-US" sz="1400" b="0" i="0" u="none" strike="noStrike" baseline="0" dirty="0">
-                <a:latin typeface="Times New Roman" panose="02020603050405020304" pitchFamily="18" charset="0"/>
-                <a:cs typeface="Times New Roman" panose="02020603050405020304" pitchFamily="18" charset="0"/>
-              </a:rPr>
-              <a:t>, S., Courville, A. and  </a:t>
-            </a:r>
-            <a:r>
-              <a:rPr lang="en-US" sz="1400" b="0" i="0" u="none" strike="noStrike" baseline="0" dirty="0" err="1">
-                <a:latin typeface="Times New Roman" panose="02020603050405020304" pitchFamily="18" charset="0"/>
-                <a:cs typeface="Times New Roman" panose="02020603050405020304" pitchFamily="18" charset="0"/>
-              </a:rPr>
-              <a:t>Bengio</a:t>
-            </a:r>
-            <a:r>
-              <a:rPr lang="en-US" sz="1400" b="0" i="0" u="none" strike="noStrike" baseline="0" dirty="0">
-                <a:latin typeface="Times New Roman" panose="02020603050405020304" pitchFamily="18" charset="0"/>
-                <a:cs typeface="Times New Roman" panose="02020603050405020304" pitchFamily="18" charset="0"/>
-              </a:rPr>
-              <a:t>, Y. (2014). </a:t>
-            </a:r>
-            <a:endParaRPr lang="en-US" sz="1400" dirty="0">
-              <a:latin typeface="Times New Roman" panose="02020603050405020304" pitchFamily="18" charset="0"/>
-              <a:cs typeface="Times New Roman" panose="02020603050405020304" pitchFamily="18" charset="0"/>
-            </a:endParaRPr>
-          </a:p>
-          <a:p>
-            <a:pPr marL="457200" lvl="1" indent="0">
-              <a:buNone/>
-            </a:pPr>
-            <a:r>
-              <a:rPr lang="en-US" sz="1400" b="0" i="0" u="none" strike="noStrike" baseline="0" dirty="0">
-                <a:latin typeface="Times New Roman" panose="02020603050405020304" pitchFamily="18" charset="0"/>
-                <a:cs typeface="Times New Roman" panose="02020603050405020304" pitchFamily="18" charset="0"/>
-              </a:rPr>
-              <a:t>	Generative adversarial networks.</a:t>
-            </a:r>
-          </a:p>
-          <a:p>
-            <a:pPr algn="l"/>
-            <a:r>
-              <a:rPr lang="en-US" sz="1400" b="0" i="0" u="none" strike="noStrike" baseline="0" dirty="0">
-                <a:latin typeface="Times New Roman" panose="02020603050405020304" pitchFamily="18" charset="0"/>
-                <a:cs typeface="Times New Roman" panose="02020603050405020304" pitchFamily="18" charset="0"/>
-              </a:rPr>
-              <a:t>He, K., Zhang, X., Ren, S. and Sun, J. (2015). Deep residual learning for image recognition.</a:t>
-            </a:r>
-          </a:p>
-          <a:p>
-            <a:pPr algn="l"/>
-            <a:r>
-              <a:rPr lang="de-DE" sz="1400" b="0" i="0" u="none" strike="noStrike" baseline="0" dirty="0">
-                <a:latin typeface="Times New Roman" panose="02020603050405020304" pitchFamily="18" charset="0"/>
-                <a:cs typeface="Times New Roman" panose="02020603050405020304" pitchFamily="18" charset="0"/>
-              </a:rPr>
-              <a:t>Huang, Y.-C., Tung, Y.-S., Chen, J.-C., Wang, S.-W. and Wu, J.-L. (2005). An </a:t>
-            </a:r>
-            <a:r>
-              <a:rPr lang="en-US" sz="1400" b="0" i="0" u="none" strike="noStrike" baseline="0" dirty="0">
-                <a:latin typeface="Times New Roman" panose="02020603050405020304" pitchFamily="18" charset="0"/>
-                <a:cs typeface="Times New Roman" panose="02020603050405020304" pitchFamily="18" charset="0"/>
-              </a:rPr>
-              <a:t>adaptive edge detection based colorization algorithm and 	its applications, pp. 351–354.</a:t>
-            </a:r>
-          </a:p>
-          <a:p>
-            <a:pPr algn="l"/>
-            <a:r>
-              <a:rPr lang="en-US" sz="1400" b="0" i="0" u="none" strike="noStrike" baseline="0" dirty="0">
-                <a:latin typeface="Times New Roman" panose="02020603050405020304" pitchFamily="18" charset="0"/>
-                <a:cs typeface="Times New Roman" panose="02020603050405020304" pitchFamily="18" charset="0"/>
-              </a:rPr>
-              <a:t>Isola, P., Zhu, J.-Y., Zhou, T. and </a:t>
-            </a:r>
-            <a:r>
-              <a:rPr lang="en-US" sz="1400" b="0" i="0" u="none" strike="noStrike" baseline="0" dirty="0" err="1">
-                <a:latin typeface="Times New Roman" panose="02020603050405020304" pitchFamily="18" charset="0"/>
-                <a:cs typeface="Times New Roman" panose="02020603050405020304" pitchFamily="18" charset="0"/>
-              </a:rPr>
-              <a:t>Efros</a:t>
-            </a:r>
-            <a:r>
-              <a:rPr lang="en-US" sz="1400" b="0" i="0" u="none" strike="noStrike" baseline="0" dirty="0">
-                <a:latin typeface="Times New Roman" panose="02020603050405020304" pitchFamily="18" charset="0"/>
-                <a:cs typeface="Times New Roman" panose="02020603050405020304" pitchFamily="18" charset="0"/>
-              </a:rPr>
-              <a:t>, A. A. (2018). Image-to-image translation with conditional adversarial networks.</a:t>
-            </a:r>
-          </a:p>
-          <a:p>
-            <a:pPr algn="l"/>
-            <a:r>
-              <a:rPr lang="en-US" sz="1400" b="0" i="0" u="none" strike="noStrike" baseline="0" dirty="0" err="1">
-                <a:latin typeface="Times New Roman" panose="02020603050405020304" pitchFamily="18" charset="0"/>
-                <a:cs typeface="Times New Roman" panose="02020603050405020304" pitchFamily="18" charset="0"/>
-              </a:rPr>
-              <a:t>Jianchao</a:t>
-            </a:r>
-            <a:r>
-              <a:rPr lang="en-US" sz="1400" b="0" i="0" u="none" strike="noStrike" baseline="0" dirty="0">
-                <a:latin typeface="Times New Roman" panose="02020603050405020304" pitchFamily="18" charset="0"/>
-                <a:cs typeface="Times New Roman" panose="02020603050405020304" pitchFamily="18" charset="0"/>
-              </a:rPr>
-              <a:t> Yang, Wright, J., Huang, T. and Yi Ma (2008). Image super-resolution as sparse representation of raw image patches, </a:t>
-            </a:r>
-          </a:p>
-          <a:p>
-            <a:pPr marL="457200" lvl="1" indent="0">
-              <a:buNone/>
-            </a:pPr>
-            <a:r>
-              <a:rPr lang="en-US" sz="1400" b="0" i="1" u="none" strike="noStrike" baseline="0" dirty="0">
-                <a:latin typeface="Times New Roman" panose="02020603050405020304" pitchFamily="18" charset="0"/>
-                <a:cs typeface="Times New Roman" panose="02020603050405020304" pitchFamily="18" charset="0"/>
-              </a:rPr>
-              <a:t>	2008 IEEE Conference on Computer Vision and Pattern Recognition</a:t>
-            </a:r>
-            <a:r>
-              <a:rPr lang="en-US" sz="1400" b="0" i="0" u="none" strike="noStrike" baseline="0" dirty="0">
-                <a:latin typeface="Times New Roman" panose="02020603050405020304" pitchFamily="18" charset="0"/>
-                <a:cs typeface="Times New Roman" panose="02020603050405020304" pitchFamily="18" charset="0"/>
-              </a:rPr>
-              <a:t>, pp. 1–8.</a:t>
-            </a:r>
-          </a:p>
-        </p:txBody>
-      </p:sp>
-      <p:sp>
-        <p:nvSpPr>
-          <p:cNvPr id="4" name="Footer Placeholder 3">
-            <a:extLst>
-              <a:ext uri="{FF2B5EF4-FFF2-40B4-BE49-F238E27FC236}">
-                <a16:creationId xmlns:a16="http://schemas.microsoft.com/office/drawing/2014/main" id="{90CF10EA-242A-4F9F-97DC-68619990925C}"/>
-              </a:ext>
-            </a:extLst>
-          </p:cNvPr>
-          <p:cNvSpPr>
-            <a:spLocks noGrp="1"/>
-          </p:cNvSpPr>
-          <p:nvPr>
-            <p:ph type="ftr" sz="quarter" idx="11"/>
-          </p:nvPr>
-        </p:nvSpPr>
-        <p:spPr/>
-        <p:txBody>
-          <a:bodyPr/>
-          <a:lstStyle/>
-          <a:p>
-            <a:r>
-              <a:rPr lang="en-IN"/>
-              <a:t>Title of the Course</a:t>
-            </a:r>
-          </a:p>
-        </p:txBody>
-      </p:sp>
-    </p:spTree>
-    <p:extLst>
-      <p:ext uri="{BB962C8B-B14F-4D97-AF65-F5344CB8AC3E}">
-        <p14:creationId xmlns:p14="http://schemas.microsoft.com/office/powerpoint/2010/main" val="3190111597"/>
+        <p14:creationId xmlns:p14="http://schemas.microsoft.com/office/powerpoint/2010/main" val="3579449608"/>
       </p:ext>
     </p:extLst>
   </p:cSld>
@@ -11356,7 +12473,7 @@
           <p:cNvPr id="2" name="Title 1">
             <a:extLst>
               <a:ext uri="{FF2B5EF4-FFF2-40B4-BE49-F238E27FC236}">
-                <a16:creationId xmlns:a16="http://schemas.microsoft.com/office/drawing/2014/main" id="{60013DAE-EE1B-473B-B3B6-648540F8F0E6}"/>
+                <a16:creationId xmlns:a16="http://schemas.microsoft.com/office/drawing/2014/main" id="{2644FDE2-7D90-484D-AFF5-7BFD7B5D3C58}"/>
               </a:ext>
             </a:extLst>
           </p:cNvPr>
@@ -11374,409 +12491,46 @@
           <a:p>
             <a:r>
               <a:rPr lang="en-US" dirty="0"/>
-              <a:t>References</a:t>
-            </a:r>
-          </a:p>
-        </p:txBody>
-      </p:sp>
-      <p:sp>
-        <p:nvSpPr>
-          <p:cNvPr id="3" name="Content Placeholder 2">
+              <a:t>Annexure: Performance Parameters</a:t>
+            </a:r>
+          </a:p>
+        </p:txBody>
+      </p:sp>
+      <p:pic>
+        <p:nvPicPr>
+          <p:cNvPr id="6" name="Content Placeholder 5">
             <a:extLst>
               <a:ext uri="{FF2B5EF4-FFF2-40B4-BE49-F238E27FC236}">
-                <a16:creationId xmlns:a16="http://schemas.microsoft.com/office/drawing/2014/main" id="{6A2C8905-50B5-4EA0-8B9A-E1EE0EB58F40}"/>
+                <a16:creationId xmlns:a16="http://schemas.microsoft.com/office/drawing/2014/main" id="{1981E619-75B8-4093-A8D9-6959118FA6A1}"/>
               </a:ext>
             </a:extLst>
           </p:cNvPr>
-          <p:cNvSpPr>
-            <a:spLocks noGrp="1"/>
-          </p:cNvSpPr>
+          <p:cNvPicPr>
+            <a:picLocks noGrp="1" noChangeAspect="1"/>
+          </p:cNvPicPr>
           <p:nvPr>
             <p:ph idx="1"/>
           </p:nvPr>
-        </p:nvSpPr>
-        <p:spPr/>
-        <p:txBody>
-          <a:bodyPr>
-            <a:normAutofit fontScale="92500" lnSpcReduction="20000"/>
-          </a:bodyPr>
-          <a:lstStyle/>
-          <a:p>
-            <a:pPr algn="l"/>
-            <a:r>
-              <a:rPr lang="en-US" sz="1400" b="0" i="0" u="none" strike="noStrike" baseline="0" dirty="0">
-                <a:latin typeface="Times New Roman" panose="02020603050405020304" pitchFamily="18" charset="0"/>
-                <a:cs typeface="Times New Roman" panose="02020603050405020304" pitchFamily="18" charset="0"/>
-              </a:rPr>
-              <a:t>Kim, J., Lee, J. K. and Lee, K. M. (2016). Accurate image super-resolution using very deep convolutional networks, </a:t>
-            </a:r>
-          </a:p>
-          <a:p>
-            <a:pPr marL="457200" lvl="1" indent="0">
-              <a:buNone/>
-            </a:pPr>
-            <a:r>
-              <a:rPr lang="en-US" sz="1500" b="0" i="1" u="none" strike="noStrike" baseline="0" dirty="0">
-                <a:latin typeface="Times New Roman" panose="02020603050405020304" pitchFamily="18" charset="0"/>
-                <a:cs typeface="Times New Roman" panose="02020603050405020304" pitchFamily="18" charset="0"/>
-              </a:rPr>
-              <a:t>	2016 IEEE Conference on Computer Vision and Pattern Recognition (CVPR), </a:t>
-            </a:r>
-            <a:r>
-              <a:rPr lang="en-US" sz="1500" b="0" i="0" u="none" strike="noStrike" baseline="0" dirty="0">
-                <a:latin typeface="Times New Roman" panose="02020603050405020304" pitchFamily="18" charset="0"/>
-                <a:cs typeface="Times New Roman" panose="02020603050405020304" pitchFamily="18" charset="0"/>
-              </a:rPr>
-              <a:t>pp. 1646–1654.</a:t>
-            </a:r>
-          </a:p>
-          <a:p>
-            <a:pPr algn="l"/>
-            <a:r>
-              <a:rPr lang="en-US" sz="1400" b="0" i="0" u="none" strike="noStrike" baseline="0" dirty="0" err="1">
-                <a:latin typeface="Times New Roman" panose="02020603050405020304" pitchFamily="18" charset="0"/>
-                <a:cs typeface="Times New Roman" panose="02020603050405020304" pitchFamily="18" charset="0"/>
-              </a:rPr>
-              <a:t>Ledig</a:t>
-            </a:r>
-            <a:r>
-              <a:rPr lang="en-US" sz="1400" b="0" i="0" u="none" strike="noStrike" baseline="0" dirty="0">
-                <a:latin typeface="Times New Roman" panose="02020603050405020304" pitchFamily="18" charset="0"/>
-                <a:cs typeface="Times New Roman" panose="02020603050405020304" pitchFamily="18" charset="0"/>
-              </a:rPr>
-              <a:t>, C., Theis, L., </a:t>
-            </a:r>
-            <a:r>
-              <a:rPr lang="en-US" sz="1400" b="0" i="0" u="none" strike="noStrike" baseline="0" dirty="0" err="1">
-                <a:latin typeface="Times New Roman" panose="02020603050405020304" pitchFamily="18" charset="0"/>
-                <a:cs typeface="Times New Roman" panose="02020603050405020304" pitchFamily="18" charset="0"/>
-              </a:rPr>
-              <a:t>Huszar</a:t>
-            </a:r>
-            <a:r>
-              <a:rPr lang="en-US" sz="1400" b="0" i="0" u="none" strike="noStrike" baseline="0" dirty="0">
-                <a:latin typeface="Times New Roman" panose="02020603050405020304" pitchFamily="18" charset="0"/>
-                <a:cs typeface="Times New Roman" panose="02020603050405020304" pitchFamily="18" charset="0"/>
-              </a:rPr>
-              <a:t>, F., Caballero, J., Cunningham, A., Acosta, A., Aitken, A., </a:t>
-            </a:r>
-            <a:r>
-              <a:rPr lang="en-US" sz="1400" b="0" i="0" u="none" strike="noStrike" baseline="0" dirty="0" err="1">
-                <a:latin typeface="Times New Roman" panose="02020603050405020304" pitchFamily="18" charset="0"/>
-                <a:cs typeface="Times New Roman" panose="02020603050405020304" pitchFamily="18" charset="0"/>
-              </a:rPr>
-              <a:t>Tejani</a:t>
-            </a:r>
-            <a:r>
-              <a:rPr lang="en-US" sz="1400" b="0" i="0" u="none" strike="noStrike" baseline="0" dirty="0">
-                <a:latin typeface="Times New Roman" panose="02020603050405020304" pitchFamily="18" charset="0"/>
-                <a:cs typeface="Times New Roman" panose="02020603050405020304" pitchFamily="18" charset="0"/>
-              </a:rPr>
-              <a:t>, A., </a:t>
-            </a:r>
-            <a:r>
-              <a:rPr lang="en-US" sz="1400" b="0" i="0" u="none" strike="noStrike" baseline="0" dirty="0" err="1">
-                <a:latin typeface="Times New Roman" panose="02020603050405020304" pitchFamily="18" charset="0"/>
-                <a:cs typeface="Times New Roman" panose="02020603050405020304" pitchFamily="18" charset="0"/>
-              </a:rPr>
-              <a:t>Totz</a:t>
-            </a:r>
-            <a:r>
-              <a:rPr lang="en-US" sz="1400" b="0" i="0" u="none" strike="noStrike" baseline="0" dirty="0">
-                <a:latin typeface="Times New Roman" panose="02020603050405020304" pitchFamily="18" charset="0"/>
-                <a:cs typeface="Times New Roman" panose="02020603050405020304" pitchFamily="18" charset="0"/>
-              </a:rPr>
-              <a:t>, J., Wang, Z. and Shi, W. (2017). </a:t>
-            </a:r>
-          </a:p>
-          <a:p>
-            <a:pPr marL="457200" lvl="1" indent="0">
-              <a:buNone/>
-            </a:pPr>
-            <a:r>
-              <a:rPr lang="en-US" sz="1500" b="0" i="0" u="none" strike="noStrike" baseline="0" dirty="0">
-                <a:latin typeface="Times New Roman" panose="02020603050405020304" pitchFamily="18" charset="0"/>
-                <a:cs typeface="Times New Roman" panose="02020603050405020304" pitchFamily="18" charset="0"/>
-              </a:rPr>
-              <a:t>	Photorealistic single image super-resolution using a generative adversarial network.</a:t>
-            </a:r>
-          </a:p>
-          <a:p>
-            <a:pPr algn="l"/>
-            <a:r>
-              <a:rPr lang="en-US" sz="1400" b="0" i="0" u="none" strike="noStrike" baseline="0" dirty="0">
-                <a:latin typeface="Times New Roman" panose="02020603050405020304" pitchFamily="18" charset="0"/>
-                <a:cs typeface="Times New Roman" panose="02020603050405020304" pitchFamily="18" charset="0"/>
-              </a:rPr>
-              <a:t>Levin, A., </a:t>
-            </a:r>
-            <a:r>
-              <a:rPr lang="en-US" sz="1400" b="0" i="0" u="none" strike="noStrike" baseline="0" dirty="0" err="1">
-                <a:latin typeface="Times New Roman" panose="02020603050405020304" pitchFamily="18" charset="0"/>
-                <a:cs typeface="Times New Roman" panose="02020603050405020304" pitchFamily="18" charset="0"/>
-              </a:rPr>
-              <a:t>Lischinski</a:t>
-            </a:r>
-            <a:r>
-              <a:rPr lang="en-US" sz="1400" b="0" i="0" u="none" strike="noStrike" baseline="0" dirty="0">
-                <a:latin typeface="Times New Roman" panose="02020603050405020304" pitchFamily="18" charset="0"/>
-                <a:cs typeface="Times New Roman" panose="02020603050405020304" pitchFamily="18" charset="0"/>
-              </a:rPr>
-              <a:t>, D. and Weiss, Y. (2004). Colorization using optimization, </a:t>
-            </a:r>
-            <a:r>
-              <a:rPr lang="sv-SE" sz="1400" b="0" i="1" u="none" strike="noStrike" baseline="0" dirty="0">
-                <a:latin typeface="Times New Roman" panose="02020603050405020304" pitchFamily="18" charset="0"/>
-                <a:cs typeface="Times New Roman" panose="02020603050405020304" pitchFamily="18" charset="0"/>
-              </a:rPr>
-              <a:t>ACM SIGGRAPH 2004 Papers</a:t>
-            </a:r>
-            <a:r>
-              <a:rPr lang="sv-SE" sz="1400" b="0" i="0" u="none" strike="noStrike" baseline="0" dirty="0">
-                <a:latin typeface="Times New Roman" panose="02020603050405020304" pitchFamily="18" charset="0"/>
-                <a:cs typeface="Times New Roman" panose="02020603050405020304" pitchFamily="18" charset="0"/>
-              </a:rPr>
-              <a:t>, pp. 689–694.</a:t>
-            </a:r>
-          </a:p>
-          <a:p>
-            <a:pPr algn="l"/>
-            <a:r>
-              <a:rPr lang="en-US" sz="1400" b="0" i="0" u="none" strike="noStrike" baseline="0" dirty="0">
-                <a:latin typeface="Times New Roman" panose="02020603050405020304" pitchFamily="18" charset="0"/>
-                <a:cs typeface="Times New Roman" panose="02020603050405020304" pitchFamily="18" charset="0"/>
-              </a:rPr>
-              <a:t>Long, J., </a:t>
-            </a:r>
-            <a:r>
-              <a:rPr lang="en-US" sz="1400" b="0" i="0" u="none" strike="noStrike" baseline="0" dirty="0" err="1">
-                <a:latin typeface="Times New Roman" panose="02020603050405020304" pitchFamily="18" charset="0"/>
-                <a:cs typeface="Times New Roman" panose="02020603050405020304" pitchFamily="18" charset="0"/>
-              </a:rPr>
-              <a:t>Shelhamer</a:t>
-            </a:r>
-            <a:r>
-              <a:rPr lang="en-US" sz="1400" b="0" i="0" u="none" strike="noStrike" baseline="0" dirty="0">
-                <a:latin typeface="Times New Roman" panose="02020603050405020304" pitchFamily="18" charset="0"/>
-                <a:cs typeface="Times New Roman" panose="02020603050405020304" pitchFamily="18" charset="0"/>
-              </a:rPr>
-              <a:t>, E. and Darrell, T. (2015). Fully convolutional networks for semantic segmentation, </a:t>
-            </a:r>
-          </a:p>
-          <a:p>
-            <a:pPr marL="457200" lvl="1" indent="0">
-              <a:buNone/>
-            </a:pPr>
-            <a:r>
-              <a:rPr lang="en-US" sz="1500" b="0" i="1" u="none" strike="noStrike" baseline="0" dirty="0">
-                <a:latin typeface="Times New Roman" panose="02020603050405020304" pitchFamily="18" charset="0"/>
-                <a:cs typeface="Times New Roman" panose="02020603050405020304" pitchFamily="18" charset="0"/>
-              </a:rPr>
-              <a:t>	2015 IEEE Conference on Computer Vision and Pattern Recognition (CVPR), </a:t>
-            </a:r>
-            <a:r>
-              <a:rPr lang="en-US" sz="1500" b="0" i="0" u="none" strike="noStrike" baseline="0" dirty="0">
-                <a:latin typeface="Times New Roman" panose="02020603050405020304" pitchFamily="18" charset="0"/>
-                <a:cs typeface="Times New Roman" panose="02020603050405020304" pitchFamily="18" charset="0"/>
-              </a:rPr>
-              <a:t>pp. 3431–3440</a:t>
-            </a:r>
-            <a:r>
-              <a:rPr lang="en-US" sz="1000" b="0" i="0" u="none" strike="noStrike" baseline="0" dirty="0">
-                <a:latin typeface="Times New Roman" panose="02020603050405020304" pitchFamily="18" charset="0"/>
-                <a:cs typeface="Times New Roman" panose="02020603050405020304" pitchFamily="18" charset="0"/>
-              </a:rPr>
-              <a:t>.</a:t>
-            </a:r>
-          </a:p>
-          <a:p>
-            <a:pPr algn="l"/>
-            <a:r>
-              <a:rPr lang="en-US" sz="1400" b="0" i="0" u="none" strike="noStrike" baseline="0" dirty="0">
-                <a:latin typeface="Times New Roman" panose="02020603050405020304" pitchFamily="18" charset="0"/>
-                <a:cs typeface="Times New Roman" panose="02020603050405020304" pitchFamily="18" charset="0"/>
-              </a:rPr>
-              <a:t>Mirza, M. and </a:t>
-            </a:r>
-            <a:r>
-              <a:rPr lang="en-US" sz="1400" b="0" i="0" u="none" strike="noStrike" baseline="0" dirty="0" err="1">
-                <a:latin typeface="Times New Roman" panose="02020603050405020304" pitchFamily="18" charset="0"/>
-                <a:cs typeface="Times New Roman" panose="02020603050405020304" pitchFamily="18" charset="0"/>
-              </a:rPr>
-              <a:t>Osindero</a:t>
-            </a:r>
-            <a:r>
-              <a:rPr lang="en-US" sz="1400" b="0" i="0" u="none" strike="noStrike" baseline="0" dirty="0">
-                <a:latin typeface="Times New Roman" panose="02020603050405020304" pitchFamily="18" charset="0"/>
-                <a:cs typeface="Times New Roman" panose="02020603050405020304" pitchFamily="18" charset="0"/>
-              </a:rPr>
-              <a:t>, S. (2014). Conditional generative adversarial nets.</a:t>
-            </a:r>
-            <a:endParaRPr lang="en-US" sz="1400" dirty="0">
-              <a:latin typeface="Times New Roman" panose="02020603050405020304" pitchFamily="18" charset="0"/>
-              <a:cs typeface="Times New Roman" panose="02020603050405020304" pitchFamily="18" charset="0"/>
-            </a:endParaRPr>
-          </a:p>
-          <a:p>
-            <a:pPr algn="l"/>
-            <a:r>
-              <a:rPr lang="en-US" sz="1400" b="0" i="0" u="none" strike="noStrike" baseline="0" dirty="0">
-                <a:latin typeface="Times New Roman" panose="02020603050405020304" pitchFamily="18" charset="0"/>
-                <a:cs typeface="Times New Roman" panose="02020603050405020304" pitchFamily="18" charset="0"/>
-              </a:rPr>
-              <a:t>Pressman, R. S. (1992). Software Engineering (3rd Ed.): A Practitioner’s Approach, McGraw-Hill, Inc., New York, NY, USA.</a:t>
-            </a:r>
-          </a:p>
-          <a:p>
-            <a:pPr algn="l"/>
-            <a:r>
-              <a:rPr lang="en-US" sz="1500" b="0" i="0" u="none" strike="noStrike" baseline="0" dirty="0">
-                <a:latin typeface="Times New Roman" panose="02020603050405020304" pitchFamily="18" charset="0"/>
-                <a:cs typeface="Times New Roman" panose="02020603050405020304" pitchFamily="18" charset="0"/>
-              </a:rPr>
-              <a:t>Qu, </a:t>
-            </a:r>
-            <a:r>
-              <a:rPr lang="en-US" sz="1500" b="0" i="0" u="none" strike="noStrike" baseline="0" dirty="0" err="1">
-                <a:latin typeface="Times New Roman" panose="02020603050405020304" pitchFamily="18" charset="0"/>
-                <a:cs typeface="Times New Roman" panose="02020603050405020304" pitchFamily="18" charset="0"/>
-              </a:rPr>
-              <a:t>Y.,Wong</a:t>
-            </a:r>
-            <a:r>
-              <a:rPr lang="en-US" sz="1500" b="0" i="0" u="none" strike="noStrike" baseline="0" dirty="0">
-                <a:latin typeface="Times New Roman" panose="02020603050405020304" pitchFamily="18" charset="0"/>
-                <a:cs typeface="Times New Roman" panose="02020603050405020304" pitchFamily="18" charset="0"/>
-              </a:rPr>
-              <a:t>, T.-T. and Heng, P.-A. (2006). Manga colorization, ACM Transactions on Graphics (TOG) 25(3): 1214–1220.</a:t>
-            </a:r>
-          </a:p>
-          <a:p>
-            <a:pPr algn="l"/>
-            <a:r>
-              <a:rPr lang="en-US" sz="1500" b="0" i="0" u="none" strike="noStrike" baseline="0" dirty="0">
-                <a:latin typeface="Times New Roman" panose="02020603050405020304" pitchFamily="18" charset="0"/>
-                <a:cs typeface="Times New Roman" panose="02020603050405020304" pitchFamily="18" charset="0"/>
-              </a:rPr>
-              <a:t>Radford, A., Metz, L. and </a:t>
-            </a:r>
-            <a:r>
-              <a:rPr lang="en-US" sz="1500" b="0" i="0" u="none" strike="noStrike" baseline="0" dirty="0" err="1">
-                <a:latin typeface="Times New Roman" panose="02020603050405020304" pitchFamily="18" charset="0"/>
-                <a:cs typeface="Times New Roman" panose="02020603050405020304" pitchFamily="18" charset="0"/>
-              </a:rPr>
-              <a:t>Chintala</a:t>
-            </a:r>
-            <a:r>
-              <a:rPr lang="en-US" sz="1500" b="0" i="0" u="none" strike="noStrike" baseline="0" dirty="0">
-                <a:latin typeface="Times New Roman" panose="02020603050405020304" pitchFamily="18" charset="0"/>
-                <a:cs typeface="Times New Roman" panose="02020603050405020304" pitchFamily="18" charset="0"/>
-              </a:rPr>
-              <a:t>, S. (2016). Unsupervised representation learning with deep convolutional generative adversarial 	networks.</a:t>
-            </a:r>
-          </a:p>
-          <a:p>
-            <a:pPr algn="l"/>
-            <a:r>
-              <a:rPr lang="en-US" sz="1500" b="0" i="0" u="none" strike="noStrike" baseline="0" dirty="0">
-                <a:latin typeface="Times New Roman" panose="02020603050405020304" pitchFamily="18" charset="0"/>
-                <a:cs typeface="Times New Roman" panose="02020603050405020304" pitchFamily="18" charset="0"/>
-              </a:rPr>
-              <a:t>Shi, W., Caballero, J., </a:t>
-            </a:r>
-            <a:r>
-              <a:rPr lang="en-US" sz="1500" b="0" i="0" u="none" strike="noStrike" baseline="0" dirty="0" err="1">
-                <a:latin typeface="Times New Roman" panose="02020603050405020304" pitchFamily="18" charset="0"/>
-                <a:cs typeface="Times New Roman" panose="02020603050405020304" pitchFamily="18" charset="0"/>
-              </a:rPr>
-              <a:t>Husz´ar</a:t>
-            </a:r>
-            <a:r>
-              <a:rPr lang="en-US" sz="1500" b="0" i="0" u="none" strike="noStrike" baseline="0" dirty="0">
-                <a:latin typeface="Times New Roman" panose="02020603050405020304" pitchFamily="18" charset="0"/>
-                <a:cs typeface="Times New Roman" panose="02020603050405020304" pitchFamily="18" charset="0"/>
-              </a:rPr>
-              <a:t>, F., </a:t>
-            </a:r>
-            <a:r>
-              <a:rPr lang="en-US" sz="1500" b="0" i="0" u="none" strike="noStrike" baseline="0" dirty="0" err="1">
-                <a:latin typeface="Times New Roman" panose="02020603050405020304" pitchFamily="18" charset="0"/>
-                <a:cs typeface="Times New Roman" panose="02020603050405020304" pitchFamily="18" charset="0"/>
-              </a:rPr>
-              <a:t>Totz</a:t>
-            </a:r>
-            <a:r>
-              <a:rPr lang="en-US" sz="1500" b="0" i="0" u="none" strike="noStrike" baseline="0" dirty="0">
-                <a:latin typeface="Times New Roman" panose="02020603050405020304" pitchFamily="18" charset="0"/>
-                <a:cs typeface="Times New Roman" panose="02020603050405020304" pitchFamily="18" charset="0"/>
-              </a:rPr>
-              <a:t>, J., Aitken, A. P., Bishop, R., </a:t>
-            </a:r>
-            <a:r>
-              <a:rPr lang="en-US" sz="1500" b="0" i="0" u="none" strike="noStrike" baseline="0" dirty="0" err="1">
-                <a:latin typeface="Times New Roman" panose="02020603050405020304" pitchFamily="18" charset="0"/>
-                <a:cs typeface="Times New Roman" panose="02020603050405020304" pitchFamily="18" charset="0"/>
-              </a:rPr>
-              <a:t>Rueckert</a:t>
-            </a:r>
-            <a:r>
-              <a:rPr lang="en-US" sz="1500" b="0" i="0" u="none" strike="noStrike" baseline="0" dirty="0">
-                <a:latin typeface="Times New Roman" panose="02020603050405020304" pitchFamily="18" charset="0"/>
-                <a:cs typeface="Times New Roman" panose="02020603050405020304" pitchFamily="18" charset="0"/>
-              </a:rPr>
-              <a:t>, D. and Wang, Z. (2016). </a:t>
-            </a:r>
-          </a:p>
-          <a:p>
-            <a:pPr marL="457200" lvl="1" indent="0">
-              <a:buNone/>
-            </a:pPr>
-            <a:r>
-              <a:rPr lang="en-US" sz="1500" b="0" i="0" u="none" strike="noStrike" baseline="0" dirty="0">
-                <a:latin typeface="Times New Roman" panose="02020603050405020304" pitchFamily="18" charset="0"/>
-                <a:cs typeface="Times New Roman" panose="02020603050405020304" pitchFamily="18" charset="0"/>
-              </a:rPr>
-              <a:t>	Real-time single image and video super-resolution using an efficient sub-pixel convolutional neural network, </a:t>
-            </a:r>
-          </a:p>
-          <a:p>
-            <a:pPr marL="457200" lvl="1" indent="0">
-              <a:buNone/>
-            </a:pPr>
-            <a:r>
-              <a:rPr lang="en-US" sz="1500" dirty="0">
-                <a:latin typeface="Times New Roman" panose="02020603050405020304" pitchFamily="18" charset="0"/>
-                <a:cs typeface="Times New Roman" panose="02020603050405020304" pitchFamily="18" charset="0"/>
-              </a:rPr>
-              <a:t>	</a:t>
-            </a:r>
-            <a:r>
-              <a:rPr lang="en-US" sz="1500" b="0" i="1" u="none" strike="noStrike" baseline="0" dirty="0">
-                <a:latin typeface="Times New Roman" panose="02020603050405020304" pitchFamily="18" charset="0"/>
-                <a:cs typeface="Times New Roman" panose="02020603050405020304" pitchFamily="18" charset="0"/>
-              </a:rPr>
-              <a:t>2016 IEEE Conference on Computer Vision and Pattern Recognition (CVPR),</a:t>
-            </a:r>
-            <a:r>
-              <a:rPr lang="en-US" sz="1500" b="0" i="0" u="none" strike="noStrike" baseline="0" dirty="0">
-                <a:latin typeface="Times New Roman" panose="02020603050405020304" pitchFamily="18" charset="0"/>
-                <a:cs typeface="Times New Roman" panose="02020603050405020304" pitchFamily="18" charset="0"/>
-              </a:rPr>
-              <a:t> pp. 1874–1883.</a:t>
-            </a:r>
-            <a:endParaRPr lang="en-US" sz="1500" dirty="0">
-              <a:latin typeface="Times New Roman" panose="02020603050405020304" pitchFamily="18" charset="0"/>
-              <a:cs typeface="Times New Roman" panose="02020603050405020304" pitchFamily="18" charset="0"/>
-            </a:endParaRPr>
-          </a:p>
-        </p:txBody>
-      </p:sp>
+        </p:nvPicPr>
+        <p:blipFill>
+          <a:blip r:embed="rId2"/>
+          <a:stretch>
+            <a:fillRect/>
+          </a:stretch>
+        </p:blipFill>
+        <p:spPr>
+          <a:xfrm>
+            <a:off x="1393997" y="1836831"/>
+            <a:ext cx="9402487" cy="1524213"/>
+          </a:xfrm>
+        </p:spPr>
+      </p:pic>
       <p:sp>
         <p:nvSpPr>
           <p:cNvPr id="4" name="Footer Placeholder 3">
             <a:extLst>
               <a:ext uri="{FF2B5EF4-FFF2-40B4-BE49-F238E27FC236}">
-                <a16:creationId xmlns:a16="http://schemas.microsoft.com/office/drawing/2014/main" id="{478E4A7B-00AC-4117-8CCF-32F4EA319662}"/>
+                <a16:creationId xmlns:a16="http://schemas.microsoft.com/office/drawing/2014/main" id="{0C3D8EA0-6BA6-4DF2-88B0-EF2A4189F93F}"/>
               </a:ext>
             </a:extLst>
           </p:cNvPr>
@@ -11793,16 +12547,17 @@
           <a:lstStyle/>
           <a:p>
             <a:r>
-              <a:rPr lang="en-IN"/>
-              <a:t>Title of the Course</a:t>
-            </a:r>
+              <a:rPr lang="en-US"/>
+              <a:t>Astronomical image colourisation and super-resolution using GANS</a:t>
+            </a:r>
+            <a:endParaRPr lang="en-IN"/>
           </a:p>
         </p:txBody>
       </p:sp>
     </p:spTree>
     <p:extLst>
       <p:ext uri="{BB962C8B-B14F-4D97-AF65-F5344CB8AC3E}">
-        <p14:creationId xmlns:p14="http://schemas.microsoft.com/office/powerpoint/2010/main" val="604998426"/>
+        <p14:creationId xmlns:p14="http://schemas.microsoft.com/office/powerpoint/2010/main" val="2490032087"/>
       </p:ext>
     </p:extLst>
   </p:cSld>
@@ -11824,969 +12579,7 @@
 </p:sld>
 </file>
 
-<file path=ppt/slides/slide36.xml><?xml version="1.0" encoding="utf-8"?>
-<p:sld xmlns:a="http://schemas.openxmlformats.org/drawingml/2006/main" xmlns:r="http://schemas.openxmlformats.org/officeDocument/2006/relationships" xmlns:p="http://schemas.openxmlformats.org/presentationml/2006/main">
-  <p:cSld>
-    <p:spTree>
-      <p:nvGrpSpPr>
-        <p:cNvPr id="1" name=""/>
-        <p:cNvGrpSpPr/>
-        <p:nvPr/>
-      </p:nvGrpSpPr>
-      <p:grpSpPr>
-        <a:xfrm>
-          <a:off x="0" y="0"/>
-          <a:ext cx="0" cy="0"/>
-          <a:chOff x="0" y="0"/>
-          <a:chExt cx="0" cy="0"/>
-        </a:xfrm>
-      </p:grpSpPr>
-      <p:sp>
-        <p:nvSpPr>
-          <p:cNvPr id="2" name="Title 1">
-            <a:extLst>
-              <a:ext uri="{FF2B5EF4-FFF2-40B4-BE49-F238E27FC236}">
-                <a16:creationId xmlns:a16="http://schemas.microsoft.com/office/drawing/2014/main" id="{9830E956-2FFC-48BF-8208-EB43E244E3AD}"/>
-              </a:ext>
-            </a:extLst>
-          </p:cNvPr>
-          <p:cNvSpPr>
-            <a:spLocks noGrp="1"/>
-          </p:cNvSpPr>
-          <p:nvPr>
-            <p:ph type="title"/>
-          </p:nvPr>
-        </p:nvSpPr>
-        <p:spPr/>
-        <p:txBody>
-          <a:bodyPr/>
-          <a:lstStyle/>
-          <a:p>
-            <a:r>
-              <a:rPr lang="en-US" dirty="0"/>
-              <a:t>References</a:t>
-            </a:r>
-          </a:p>
-        </p:txBody>
-      </p:sp>
-      <p:sp>
-        <p:nvSpPr>
-          <p:cNvPr id="3" name="Content Placeholder 2">
-            <a:extLst>
-              <a:ext uri="{FF2B5EF4-FFF2-40B4-BE49-F238E27FC236}">
-                <a16:creationId xmlns:a16="http://schemas.microsoft.com/office/drawing/2014/main" id="{4E9FF4E2-85E8-43A6-B7A9-9BF4922BE0A6}"/>
-              </a:ext>
-            </a:extLst>
-          </p:cNvPr>
-          <p:cNvSpPr>
-            <a:spLocks noGrp="1"/>
-          </p:cNvSpPr>
-          <p:nvPr>
-            <p:ph idx="1"/>
-          </p:nvPr>
-        </p:nvSpPr>
-        <p:spPr/>
-        <p:txBody>
-          <a:bodyPr>
-            <a:normAutofit/>
-          </a:bodyPr>
-          <a:lstStyle/>
-          <a:p>
-            <a:pPr algn="l"/>
-            <a:r>
-              <a:rPr lang="en-US" sz="1400" b="0" i="0" u="none" strike="noStrike" baseline="0" dirty="0" err="1">
-                <a:latin typeface="Times New Roman" panose="02020603050405020304" pitchFamily="18" charset="0"/>
-                <a:cs typeface="Times New Roman" panose="02020603050405020304" pitchFamily="18" charset="0"/>
-              </a:rPr>
-              <a:t>Simonyan</a:t>
-            </a:r>
-            <a:r>
-              <a:rPr lang="en-US" sz="1400" b="0" i="0" u="none" strike="noStrike" baseline="0" dirty="0">
-                <a:latin typeface="Times New Roman" panose="02020603050405020304" pitchFamily="18" charset="0"/>
-                <a:cs typeface="Times New Roman" panose="02020603050405020304" pitchFamily="18" charset="0"/>
-              </a:rPr>
-              <a:t>, K. and Zisserman, A. (2015). Very deep convolutional networks for large-scale image recognition.</a:t>
-            </a:r>
-          </a:p>
-          <a:p>
-            <a:pPr algn="l"/>
-            <a:r>
-              <a:rPr lang="en-US" sz="1400" b="0" i="0" u="none" strike="noStrike" baseline="0" dirty="0">
-                <a:latin typeface="Times New Roman" panose="02020603050405020304" pitchFamily="18" charset="0"/>
-                <a:cs typeface="Times New Roman" panose="02020603050405020304" pitchFamily="18" charset="0"/>
-              </a:rPr>
-              <a:t>Tola, E., </a:t>
-            </a:r>
-            <a:r>
-              <a:rPr lang="en-US" sz="1400" b="0" i="0" u="none" strike="noStrike" baseline="0" dirty="0" err="1">
-                <a:latin typeface="Times New Roman" panose="02020603050405020304" pitchFamily="18" charset="0"/>
-                <a:cs typeface="Times New Roman" panose="02020603050405020304" pitchFamily="18" charset="0"/>
-              </a:rPr>
-              <a:t>Lepetit</a:t>
-            </a:r>
-            <a:r>
-              <a:rPr lang="en-US" sz="1400" b="0" i="0" u="none" strike="noStrike" baseline="0" dirty="0">
-                <a:latin typeface="Times New Roman" panose="02020603050405020304" pitchFamily="18" charset="0"/>
-                <a:cs typeface="Times New Roman" panose="02020603050405020304" pitchFamily="18" charset="0"/>
-              </a:rPr>
-              <a:t>, V. and </a:t>
-            </a:r>
-            <a:r>
-              <a:rPr lang="en-US" sz="1400" b="0" i="0" u="none" strike="noStrike" baseline="0" dirty="0" err="1">
-                <a:latin typeface="Times New Roman" panose="02020603050405020304" pitchFamily="18" charset="0"/>
-                <a:cs typeface="Times New Roman" panose="02020603050405020304" pitchFamily="18" charset="0"/>
-              </a:rPr>
-              <a:t>Fua</a:t>
-            </a:r>
-            <a:r>
-              <a:rPr lang="en-US" sz="1400" b="0" i="0" u="none" strike="noStrike" baseline="0" dirty="0">
-                <a:latin typeface="Times New Roman" panose="02020603050405020304" pitchFamily="18" charset="0"/>
-                <a:cs typeface="Times New Roman" panose="02020603050405020304" pitchFamily="18" charset="0"/>
-              </a:rPr>
-              <a:t>, P. (2008). A fast local descriptor for dense matching, </a:t>
-            </a:r>
-            <a:r>
-              <a:rPr lang="en-US" sz="1400" b="0" i="1" u="none" strike="noStrike" baseline="0" dirty="0">
-                <a:latin typeface="Times New Roman" panose="02020603050405020304" pitchFamily="18" charset="0"/>
-                <a:cs typeface="Times New Roman" panose="02020603050405020304" pitchFamily="18" charset="0"/>
-              </a:rPr>
-              <a:t>Proc. CVPR .</a:t>
-            </a:r>
-          </a:p>
-          <a:p>
-            <a:pPr algn="l"/>
-            <a:r>
-              <a:rPr lang="en-US" sz="1400" b="0" i="0" u="none" strike="noStrike" baseline="0" dirty="0">
-                <a:latin typeface="Times New Roman" panose="02020603050405020304" pitchFamily="18" charset="0"/>
-                <a:cs typeface="Times New Roman" panose="02020603050405020304" pitchFamily="18" charset="0"/>
-              </a:rPr>
-              <a:t>Tom and </a:t>
-            </a:r>
-            <a:r>
-              <a:rPr lang="en-US" sz="1400" b="0" i="0" u="none" strike="noStrike" baseline="0" dirty="0" err="1">
-                <a:latin typeface="Times New Roman" panose="02020603050405020304" pitchFamily="18" charset="0"/>
-                <a:cs typeface="Times New Roman" panose="02020603050405020304" pitchFamily="18" charset="0"/>
-              </a:rPr>
-              <a:t>Katsaggelos</a:t>
-            </a:r>
-            <a:r>
-              <a:rPr lang="en-US" sz="1400" b="0" i="0" u="none" strike="noStrike" baseline="0" dirty="0">
-                <a:latin typeface="Times New Roman" panose="02020603050405020304" pitchFamily="18" charset="0"/>
-                <a:cs typeface="Times New Roman" panose="02020603050405020304" pitchFamily="18" charset="0"/>
-              </a:rPr>
-              <a:t> (1996). Reconstruction of a high-resolution image by simultaneous </a:t>
-            </a:r>
-            <a:r>
-              <a:rPr lang="en-US" sz="1400" dirty="0">
-                <a:latin typeface="Times New Roman" panose="02020603050405020304" pitchFamily="18" charset="0"/>
-                <a:cs typeface="Times New Roman" panose="02020603050405020304" pitchFamily="18" charset="0"/>
-              </a:rPr>
-              <a:t>r</a:t>
-            </a:r>
-            <a:r>
-              <a:rPr lang="en-US" sz="1400" b="0" i="0" u="none" strike="noStrike" baseline="0" dirty="0">
-                <a:latin typeface="Times New Roman" panose="02020603050405020304" pitchFamily="18" charset="0"/>
-                <a:cs typeface="Times New Roman" panose="02020603050405020304" pitchFamily="18" charset="0"/>
-              </a:rPr>
-              <a:t>egistration, restoration, and interpolation of 	low-resolution images, </a:t>
-            </a:r>
-            <a:r>
-              <a:rPr lang="en-US" sz="1400" b="0" i="1" u="none" strike="noStrike" baseline="0" dirty="0">
-                <a:latin typeface="Times New Roman" panose="02020603050405020304" pitchFamily="18" charset="0"/>
-                <a:cs typeface="Times New Roman" panose="02020603050405020304" pitchFamily="18" charset="0"/>
-              </a:rPr>
-              <a:t>in</a:t>
-            </a:r>
-            <a:r>
-              <a:rPr lang="en-US" sz="1400" b="0" i="0" u="none" strike="noStrike" baseline="0" dirty="0">
-                <a:latin typeface="Times New Roman" panose="02020603050405020304" pitchFamily="18" charset="0"/>
-                <a:cs typeface="Times New Roman" panose="02020603050405020304" pitchFamily="18" charset="0"/>
-              </a:rPr>
-              <a:t> Anon (ed.), </a:t>
-            </a:r>
-            <a:r>
-              <a:rPr lang="en-US" sz="1400" b="0" i="1" u="none" strike="noStrike" baseline="0" dirty="0">
-                <a:latin typeface="Times New Roman" panose="02020603050405020304" pitchFamily="18" charset="0"/>
-                <a:cs typeface="Times New Roman" panose="02020603050405020304" pitchFamily="18" charset="0"/>
-              </a:rPr>
-              <a:t>IEEE International Conference on Image Processing, </a:t>
-            </a:r>
-            <a:r>
-              <a:rPr lang="en-US" sz="1400" b="0" i="0" u="none" strike="noStrike" baseline="0" dirty="0">
-                <a:latin typeface="Times New Roman" panose="02020603050405020304" pitchFamily="18" charset="0"/>
-                <a:cs typeface="Times New Roman" panose="02020603050405020304" pitchFamily="18" charset="0"/>
-              </a:rPr>
-              <a:t>Vol. 2, IEEE, pp. 539–542. 	Proceedings of the 1995 IEEE International Conference on Image Processing. Part 3 (of 3) ; Conference date: 23-10-1995 	Through 26-10-1995.</a:t>
-            </a:r>
-          </a:p>
-          <a:p>
-            <a:pPr algn="l"/>
-            <a:r>
-              <a:rPr lang="en-US" sz="1400" b="0" i="0" u="none" strike="noStrike" baseline="0" dirty="0">
-                <a:latin typeface="Times New Roman" panose="02020603050405020304" pitchFamily="18" charset="0"/>
-                <a:cs typeface="Times New Roman" panose="02020603050405020304" pitchFamily="18" charset="0"/>
-              </a:rPr>
-              <a:t>TSAI, R. (1984). </a:t>
-            </a:r>
-            <a:r>
-              <a:rPr lang="en-US" sz="1400" b="0" i="0" u="none" strike="noStrike" baseline="0" dirty="0" err="1">
-                <a:latin typeface="Times New Roman" panose="02020603050405020304" pitchFamily="18" charset="0"/>
-                <a:cs typeface="Times New Roman" panose="02020603050405020304" pitchFamily="18" charset="0"/>
-              </a:rPr>
-              <a:t>Multiframe</a:t>
-            </a:r>
-            <a:r>
-              <a:rPr lang="en-US" sz="1400" b="0" i="0" u="none" strike="noStrike" baseline="0" dirty="0">
-                <a:latin typeface="Times New Roman" panose="02020603050405020304" pitchFamily="18" charset="0"/>
-                <a:cs typeface="Times New Roman" panose="02020603050405020304" pitchFamily="18" charset="0"/>
-              </a:rPr>
-              <a:t> image restoration and registration</a:t>
-            </a:r>
-            <a:r>
-              <a:rPr lang="en-US" sz="1400" b="0" i="1" u="none" strike="noStrike" baseline="0" dirty="0">
-                <a:latin typeface="Times New Roman" panose="02020603050405020304" pitchFamily="18" charset="0"/>
-                <a:cs typeface="Times New Roman" panose="02020603050405020304" pitchFamily="18" charset="0"/>
-              </a:rPr>
-              <a:t>, Advance Computer Visual and Image Processing </a:t>
-            </a:r>
-            <a:r>
-              <a:rPr lang="en-US" sz="1400" b="0" i="0" u="none" strike="noStrike" baseline="0" dirty="0">
-                <a:latin typeface="Times New Roman" panose="02020603050405020304" pitchFamily="18" charset="0"/>
-                <a:cs typeface="Times New Roman" panose="02020603050405020304" pitchFamily="18" charset="0"/>
-              </a:rPr>
-              <a:t>1: 317–339.</a:t>
-            </a:r>
-          </a:p>
-          <a:p>
-            <a:pPr algn="l"/>
-            <a:r>
-              <a:rPr lang="en-US" sz="1400" b="0" i="0" u="none" strike="noStrike" baseline="0" dirty="0">
-                <a:latin typeface="Times New Roman" panose="02020603050405020304" pitchFamily="18" charset="0"/>
-                <a:cs typeface="Times New Roman" panose="02020603050405020304" pitchFamily="18" charset="0"/>
-              </a:rPr>
-              <a:t>Welsh, T., </a:t>
-            </a:r>
-            <a:r>
-              <a:rPr lang="en-US" sz="1400" b="0" i="0" u="none" strike="noStrike" baseline="0" dirty="0" err="1">
-                <a:latin typeface="Times New Roman" panose="02020603050405020304" pitchFamily="18" charset="0"/>
-                <a:cs typeface="Times New Roman" panose="02020603050405020304" pitchFamily="18" charset="0"/>
-              </a:rPr>
-              <a:t>Ashikhmin</a:t>
-            </a:r>
-            <a:r>
-              <a:rPr lang="en-US" sz="1400" b="0" i="0" u="none" strike="noStrike" baseline="0" dirty="0">
-                <a:latin typeface="Times New Roman" panose="02020603050405020304" pitchFamily="18" charset="0"/>
-                <a:cs typeface="Times New Roman" panose="02020603050405020304" pitchFamily="18" charset="0"/>
-              </a:rPr>
-              <a:t>, M. and Mueller, K. (2002). Transferring color to greyscale </a:t>
-            </a:r>
-            <a:r>
-              <a:rPr lang="fr-FR" sz="1400" b="0" i="0" u="none" strike="noStrike" baseline="0" dirty="0">
-                <a:latin typeface="Times New Roman" panose="02020603050405020304" pitchFamily="18" charset="0"/>
-                <a:cs typeface="Times New Roman" panose="02020603050405020304" pitchFamily="18" charset="0"/>
-              </a:rPr>
-              <a:t>images, </a:t>
-            </a:r>
-            <a:r>
-              <a:rPr lang="fr-FR" sz="1400" b="0" i="1" u="none" strike="noStrike" baseline="0" dirty="0">
-                <a:latin typeface="Times New Roman" panose="02020603050405020304" pitchFamily="18" charset="0"/>
-                <a:cs typeface="Times New Roman" panose="02020603050405020304" pitchFamily="18" charset="0"/>
-              </a:rPr>
-              <a:t>ACM Trans. Graph</a:t>
-            </a:r>
-            <a:r>
-              <a:rPr lang="fr-FR" sz="1400" b="0" i="0" u="none" strike="noStrike" baseline="0" dirty="0">
-                <a:latin typeface="Times New Roman" panose="02020603050405020304" pitchFamily="18" charset="0"/>
-                <a:cs typeface="Times New Roman" panose="02020603050405020304" pitchFamily="18" charset="0"/>
-              </a:rPr>
-              <a:t>. 21: 277–280.</a:t>
-            </a:r>
-          </a:p>
-          <a:p>
-            <a:pPr algn="l"/>
-            <a:r>
-              <a:rPr lang="en-US" sz="1400" b="0" i="0" u="none" strike="noStrike" baseline="0" dirty="0" err="1">
-                <a:latin typeface="Times New Roman" panose="02020603050405020304" pitchFamily="18" charset="0"/>
-                <a:cs typeface="Times New Roman" panose="02020603050405020304" pitchFamily="18" charset="0"/>
-              </a:rPr>
-              <a:t>Yatziv</a:t>
-            </a:r>
-            <a:r>
-              <a:rPr lang="en-US" sz="1400" b="0" i="0" u="none" strike="noStrike" baseline="0" dirty="0">
-                <a:latin typeface="Times New Roman" panose="02020603050405020304" pitchFamily="18" charset="0"/>
-                <a:cs typeface="Times New Roman" panose="02020603050405020304" pitchFamily="18" charset="0"/>
-              </a:rPr>
-              <a:t>, L. and </a:t>
-            </a:r>
-            <a:r>
-              <a:rPr lang="en-US" sz="1400" b="0" i="0" u="none" strike="noStrike" baseline="0" dirty="0" err="1">
-                <a:latin typeface="Times New Roman" panose="02020603050405020304" pitchFamily="18" charset="0"/>
-                <a:cs typeface="Times New Roman" panose="02020603050405020304" pitchFamily="18" charset="0"/>
-              </a:rPr>
-              <a:t>Sapiro</a:t>
-            </a:r>
-            <a:r>
-              <a:rPr lang="en-US" sz="1400" b="0" i="0" u="none" strike="noStrike" baseline="0" dirty="0">
-                <a:latin typeface="Times New Roman" panose="02020603050405020304" pitchFamily="18" charset="0"/>
-                <a:cs typeface="Times New Roman" panose="02020603050405020304" pitchFamily="18" charset="0"/>
-              </a:rPr>
-              <a:t>, G. (2006). Fast image and video colorization using chrominance blending,</a:t>
-            </a:r>
-          </a:p>
-          <a:p>
-            <a:pPr marL="457200" lvl="1" indent="0">
-              <a:buNone/>
-            </a:pPr>
-            <a:r>
-              <a:rPr lang="en-US" sz="1400" b="0" i="0" u="none" strike="noStrike" baseline="0" dirty="0">
-                <a:latin typeface="Times New Roman" panose="02020603050405020304" pitchFamily="18" charset="0"/>
-                <a:cs typeface="Times New Roman" panose="02020603050405020304" pitchFamily="18" charset="0"/>
-              </a:rPr>
-              <a:t>	</a:t>
-            </a:r>
-            <a:r>
-              <a:rPr lang="en-US" sz="1400" b="0" i="1" u="none" strike="noStrike" baseline="0" dirty="0">
-                <a:latin typeface="Times New Roman" panose="02020603050405020304" pitchFamily="18" charset="0"/>
-                <a:cs typeface="Times New Roman" panose="02020603050405020304" pitchFamily="18" charset="0"/>
-              </a:rPr>
-              <a:t>IEEE Transactions on Image Processing</a:t>
-            </a:r>
-            <a:r>
-              <a:rPr lang="en-US" sz="1400" b="0" i="0" u="none" strike="noStrike" baseline="0" dirty="0">
-                <a:latin typeface="Times New Roman" panose="02020603050405020304" pitchFamily="18" charset="0"/>
-                <a:cs typeface="Times New Roman" panose="02020603050405020304" pitchFamily="18" charset="0"/>
-              </a:rPr>
-              <a:t> 15(5): 1120–1129.</a:t>
-            </a:r>
-          </a:p>
-          <a:p>
-            <a:pPr algn="l"/>
-            <a:r>
-              <a:rPr lang="en-US" sz="1400" b="0" i="0" u="none" strike="noStrike" baseline="0" dirty="0">
-                <a:latin typeface="Times New Roman" panose="02020603050405020304" pitchFamily="18" charset="0"/>
-                <a:cs typeface="Times New Roman" panose="02020603050405020304" pitchFamily="18" charset="0"/>
-              </a:rPr>
-              <a:t>Zhu, J.-Y., </a:t>
-            </a:r>
-            <a:r>
-              <a:rPr lang="en-US" sz="1400" b="0" i="0" u="none" strike="noStrike" baseline="0" dirty="0" err="1">
-                <a:latin typeface="Times New Roman" panose="02020603050405020304" pitchFamily="18" charset="0"/>
-                <a:cs typeface="Times New Roman" panose="02020603050405020304" pitchFamily="18" charset="0"/>
-              </a:rPr>
-              <a:t>Kr</a:t>
-            </a:r>
-            <a:r>
-              <a:rPr lang="en-US" sz="1400" dirty="0" err="1">
-                <a:latin typeface="Times New Roman" panose="02020603050405020304" pitchFamily="18" charset="0"/>
-                <a:cs typeface="Times New Roman" panose="02020603050405020304" pitchFamily="18" charset="0"/>
-              </a:rPr>
-              <a:t>a</a:t>
-            </a:r>
-            <a:r>
-              <a:rPr lang="en-US" sz="1400" b="0" i="0" u="none" strike="noStrike" baseline="0" dirty="0" err="1">
-                <a:latin typeface="Times New Roman" panose="02020603050405020304" pitchFamily="18" charset="0"/>
-                <a:cs typeface="Times New Roman" panose="02020603050405020304" pitchFamily="18" charset="0"/>
-              </a:rPr>
-              <a:t>henbuhl</a:t>
-            </a:r>
-            <a:r>
-              <a:rPr lang="en-US" sz="1400" b="0" i="0" u="none" strike="noStrike" baseline="0" dirty="0">
-                <a:latin typeface="Times New Roman" panose="02020603050405020304" pitchFamily="18" charset="0"/>
-                <a:cs typeface="Times New Roman" panose="02020603050405020304" pitchFamily="18" charset="0"/>
-              </a:rPr>
-              <a:t>, P., </a:t>
-            </a:r>
-            <a:r>
-              <a:rPr lang="en-US" sz="1400" b="0" i="0" u="none" strike="noStrike" baseline="0" dirty="0" err="1">
-                <a:latin typeface="Times New Roman" panose="02020603050405020304" pitchFamily="18" charset="0"/>
-                <a:cs typeface="Times New Roman" panose="02020603050405020304" pitchFamily="18" charset="0"/>
-              </a:rPr>
-              <a:t>Shechtman</a:t>
-            </a:r>
-            <a:r>
-              <a:rPr lang="en-US" sz="1400" b="0" i="0" u="none" strike="noStrike" baseline="0" dirty="0">
-                <a:latin typeface="Times New Roman" panose="02020603050405020304" pitchFamily="18" charset="0"/>
-                <a:cs typeface="Times New Roman" panose="02020603050405020304" pitchFamily="18" charset="0"/>
-              </a:rPr>
-              <a:t>, E. and </a:t>
-            </a:r>
-            <a:r>
-              <a:rPr lang="en-US" sz="1400" b="0" i="0" u="none" strike="noStrike" baseline="0" dirty="0" err="1">
-                <a:latin typeface="Times New Roman" panose="02020603050405020304" pitchFamily="18" charset="0"/>
-                <a:cs typeface="Times New Roman" panose="02020603050405020304" pitchFamily="18" charset="0"/>
-              </a:rPr>
-              <a:t>Efros</a:t>
-            </a:r>
-            <a:r>
-              <a:rPr lang="en-US" sz="1400" b="0" i="0" u="none" strike="noStrike" baseline="0" dirty="0">
-                <a:latin typeface="Times New Roman" panose="02020603050405020304" pitchFamily="18" charset="0"/>
-                <a:cs typeface="Times New Roman" panose="02020603050405020304" pitchFamily="18" charset="0"/>
-              </a:rPr>
-              <a:t>, A. A. (2018). Generative visual manipulation on the natural image manifold.</a:t>
-            </a:r>
-            <a:endParaRPr lang="en-US" sz="1400" i="1" dirty="0">
-              <a:latin typeface="Times New Roman" panose="02020603050405020304" pitchFamily="18" charset="0"/>
-              <a:cs typeface="Times New Roman" panose="02020603050405020304" pitchFamily="18" charset="0"/>
-            </a:endParaRPr>
-          </a:p>
-        </p:txBody>
-      </p:sp>
-      <p:sp>
-        <p:nvSpPr>
-          <p:cNvPr id="4" name="Footer Placeholder 3">
-            <a:extLst>
-              <a:ext uri="{FF2B5EF4-FFF2-40B4-BE49-F238E27FC236}">
-                <a16:creationId xmlns:a16="http://schemas.microsoft.com/office/drawing/2014/main" id="{9B31565C-5D67-40D7-B395-3C7619E5198E}"/>
-              </a:ext>
-            </a:extLst>
-          </p:cNvPr>
-          <p:cNvSpPr>
-            <a:spLocks noGrp="1"/>
-          </p:cNvSpPr>
-          <p:nvPr>
-            <p:ph type="ftr" sz="quarter" idx="11"/>
-          </p:nvPr>
-        </p:nvSpPr>
-        <p:spPr/>
-        <p:txBody>
-          <a:bodyPr/>
-          <a:lstStyle/>
-          <a:p>
-            <a:r>
-              <a:rPr lang="en-IN"/>
-              <a:t>Title of the Course</a:t>
-            </a:r>
-          </a:p>
-        </p:txBody>
-      </p:sp>
-    </p:spTree>
-    <p:extLst>
-      <p:ext uri="{BB962C8B-B14F-4D97-AF65-F5344CB8AC3E}">
-        <p14:creationId xmlns:p14="http://schemas.microsoft.com/office/powerpoint/2010/main" val="3478648367"/>
-      </p:ext>
-    </p:extLst>
-  </p:cSld>
-  <p:clrMapOvr>
-    <a:masterClrMapping/>
-  </p:clrMapOvr>
-  <mc:AlternateContent xmlns:mc="http://schemas.openxmlformats.org/markup-compatibility/2006" xmlns:p14="http://schemas.microsoft.com/office/powerpoint/2010/main">
-    <mc:Choice Requires="p14">
-      <p:transition spd="med" p14:dur="700">
-        <p:fade/>
-      </p:transition>
-    </mc:Choice>
-    <mc:Fallback xmlns="">
-      <p:transition spd="med">
-        <p:fade/>
-      </p:transition>
-    </mc:Fallback>
-  </mc:AlternateContent>
-</p:sld>
-</file>
-
-<file path=ppt/slides/slide37.xml><?xml version="1.0" encoding="utf-8"?>
-<p:sld xmlns:a="http://schemas.openxmlformats.org/drawingml/2006/main" xmlns:r="http://schemas.openxmlformats.org/officeDocument/2006/relationships" xmlns:p="http://schemas.openxmlformats.org/presentationml/2006/main">
-  <p:cSld>
-    <p:spTree>
-      <p:nvGrpSpPr>
-        <p:cNvPr id="1" name=""/>
-        <p:cNvGrpSpPr/>
-        <p:nvPr/>
-      </p:nvGrpSpPr>
-      <p:grpSpPr>
-        <a:xfrm>
-          <a:off x="0" y="0"/>
-          <a:ext cx="0" cy="0"/>
-          <a:chOff x="0" y="0"/>
-          <a:chExt cx="0" cy="0"/>
-        </a:xfrm>
-      </p:grpSpPr>
-      <p:sp>
-        <p:nvSpPr>
-          <p:cNvPr id="2" name="Title 1"/>
-          <p:cNvSpPr>
-            <a:spLocks noGrp="1"/>
-          </p:cNvSpPr>
-          <p:nvPr>
-            <p:ph type="ctrTitle"/>
-          </p:nvPr>
-        </p:nvSpPr>
-        <p:spPr/>
-        <p:txBody>
-          <a:bodyPr/>
-          <a:lstStyle/>
-          <a:p>
-            <a:r>
-              <a:rPr lang="en-IN" dirty="0"/>
-              <a:t>Thank You !!</a:t>
-            </a:r>
-          </a:p>
-        </p:txBody>
-      </p:sp>
-      <p:pic>
-        <p:nvPicPr>
-          <p:cNvPr id="4" name="Picture 1"/>
-          <p:cNvPicPr>
-            <a:picLocks noChangeAspect="1" noChangeArrowheads="1"/>
-          </p:cNvPicPr>
-          <p:nvPr/>
-        </p:nvPicPr>
-        <p:blipFill>
-          <a:blip r:embed="rId2" cstate="print">
-            <a:extLst>
-              <a:ext uri="{28A0092B-C50C-407E-A947-70E740481C1C}">
-                <a14:useLocalDpi xmlns:a14="http://schemas.microsoft.com/office/drawing/2010/main" val="0"/>
-              </a:ext>
-            </a:extLst>
-          </a:blip>
-          <a:stretch>
-            <a:fillRect/>
-          </a:stretch>
-        </p:blipFill>
-        <p:spPr bwMode="auto">
-          <a:xfrm>
-            <a:off x="9691631" y="1352533"/>
-            <a:ext cx="2228612" cy="1860930"/>
-          </a:xfrm>
-          <a:prstGeom prst="rect">
-            <a:avLst/>
-          </a:prstGeom>
-          <a:noFill/>
-          <a:ln w="9525">
-            <a:noFill/>
-            <a:miter lim="800000"/>
-            <a:headEnd/>
-            <a:tailEnd/>
-          </a:ln>
-        </p:spPr>
-      </p:pic>
-    </p:spTree>
-  </p:cSld>
-  <p:clrMapOvr>
-    <a:masterClrMapping/>
-  </p:clrMapOvr>
-  <mc:AlternateContent xmlns:mc="http://schemas.openxmlformats.org/markup-compatibility/2006" xmlns:p14="http://schemas.microsoft.com/office/powerpoint/2010/main">
-    <mc:Choice Requires="p14">
-      <p:transition spd="med" p14:dur="700">
-        <p:fade/>
-      </p:transition>
-    </mc:Choice>
-    <mc:Fallback xmlns="">
-      <p:transition spd="med">
-        <p:fade/>
-      </p:transition>
-    </mc:Fallback>
-  </mc:AlternateContent>
-</p:sld>
-</file>
-
 <file path=ppt/slides/slide4.xml><?xml version="1.0" encoding="utf-8"?>
-<p:sld xmlns:a="http://schemas.openxmlformats.org/drawingml/2006/main" xmlns:r="http://schemas.openxmlformats.org/officeDocument/2006/relationships" xmlns:p="http://schemas.openxmlformats.org/presentationml/2006/main">
-  <p:cSld>
-    <p:spTree>
-      <p:nvGrpSpPr>
-        <p:cNvPr id="1" name=""/>
-        <p:cNvGrpSpPr/>
-        <p:nvPr/>
-      </p:nvGrpSpPr>
-      <p:grpSpPr>
-        <a:xfrm>
-          <a:off x="0" y="0"/>
-          <a:ext cx="0" cy="0"/>
-          <a:chOff x="0" y="0"/>
-          <a:chExt cx="0" cy="0"/>
-        </a:xfrm>
-      </p:grpSpPr>
-      <p:sp>
-        <p:nvSpPr>
-          <p:cNvPr id="2" name="Title 1">
-            <a:extLst>
-              <a:ext uri="{FF2B5EF4-FFF2-40B4-BE49-F238E27FC236}">
-                <a16:creationId xmlns:a16="http://schemas.microsoft.com/office/drawing/2014/main" id="{A8225520-1A32-49DC-A480-998582E3C0C5}"/>
-              </a:ext>
-            </a:extLst>
-          </p:cNvPr>
-          <p:cNvSpPr>
-            <a:spLocks noGrp="1"/>
-          </p:cNvSpPr>
-          <p:nvPr>
-            <p:ph type="title"/>
-          </p:nvPr>
-        </p:nvSpPr>
-        <p:spPr/>
-        <p:txBody>
-          <a:bodyPr/>
-          <a:lstStyle/>
-          <a:p>
-            <a:r>
-              <a:rPr lang="en-US" dirty="0"/>
-              <a:t>Requirement Specifications</a:t>
-            </a:r>
-          </a:p>
-        </p:txBody>
-      </p:sp>
-      <p:sp>
-        <p:nvSpPr>
-          <p:cNvPr id="3" name="Content Placeholder 2">
-            <a:extLst>
-              <a:ext uri="{FF2B5EF4-FFF2-40B4-BE49-F238E27FC236}">
-                <a16:creationId xmlns:a16="http://schemas.microsoft.com/office/drawing/2014/main" id="{B335F153-55A5-4162-94E2-F9899DEB42A3}"/>
-              </a:ext>
-            </a:extLst>
-          </p:cNvPr>
-          <p:cNvSpPr>
-            <a:spLocks noGrp="1"/>
-          </p:cNvSpPr>
-          <p:nvPr>
-            <p:ph idx="1"/>
-          </p:nvPr>
-        </p:nvSpPr>
-        <p:spPr/>
-        <p:txBody>
-          <a:bodyPr/>
-          <a:lstStyle/>
-          <a:p>
-            <a:r>
-              <a:rPr lang="en-US" dirty="0"/>
-              <a:t>The project consists of multiple deep learning models</a:t>
-            </a:r>
-          </a:p>
-          <a:p>
-            <a:r>
-              <a:rPr lang="en-US" dirty="0"/>
-              <a:t>Owing to the extensive computations involved in training a neural network, a need for high end hardware</a:t>
-            </a:r>
-          </a:p>
-          <a:p>
-            <a:r>
-              <a:rPr lang="en-US" dirty="0"/>
-              <a:t>Google </a:t>
-            </a:r>
-            <a:r>
-              <a:rPr lang="en-US" dirty="0" err="1"/>
-              <a:t>Colab</a:t>
-            </a:r>
-            <a:r>
-              <a:rPr lang="en-US" dirty="0"/>
-              <a:t> is a free notebook environment offered by Google which provides access to high end GPUs and more computational power for a limited time</a:t>
-            </a:r>
-          </a:p>
-          <a:p>
-            <a:r>
-              <a:rPr lang="en-US" dirty="0"/>
-              <a:t>The following table showcases the minimum hardware requirements:</a:t>
-            </a:r>
-          </a:p>
-        </p:txBody>
-      </p:sp>
-      <p:sp>
-        <p:nvSpPr>
-          <p:cNvPr id="4" name="Footer Placeholder 3">
-            <a:extLst>
-              <a:ext uri="{FF2B5EF4-FFF2-40B4-BE49-F238E27FC236}">
-                <a16:creationId xmlns:a16="http://schemas.microsoft.com/office/drawing/2014/main" id="{819AB2B2-5795-4B43-9E83-DBBD42E31F21}"/>
-              </a:ext>
-            </a:extLst>
-          </p:cNvPr>
-          <p:cNvSpPr>
-            <a:spLocks noGrp="1"/>
-          </p:cNvSpPr>
-          <p:nvPr>
-            <p:ph type="ftr" sz="quarter" idx="11"/>
-          </p:nvPr>
-        </p:nvSpPr>
-        <p:spPr/>
-        <p:txBody>
-          <a:bodyPr/>
-          <a:lstStyle/>
-          <a:p>
-            <a:r>
-              <a:rPr lang="en-IN"/>
-              <a:t>Title of the Course</a:t>
-            </a:r>
-          </a:p>
-        </p:txBody>
-      </p:sp>
-      <p:sp>
-        <p:nvSpPr>
-          <p:cNvPr id="7" name="TextBox 6">
-            <a:extLst>
-              <a:ext uri="{FF2B5EF4-FFF2-40B4-BE49-F238E27FC236}">
-                <a16:creationId xmlns:a16="http://schemas.microsoft.com/office/drawing/2014/main" id="{131B2BEC-23AB-4EEB-B493-690C12ED095E}"/>
-              </a:ext>
-            </a:extLst>
-          </p:cNvPr>
-          <p:cNvSpPr txBox="1"/>
-          <p:nvPr/>
-        </p:nvSpPr>
-        <p:spPr>
-          <a:xfrm>
-            <a:off x="4731798" y="5852732"/>
-            <a:ext cx="2920753" cy="246221"/>
-          </a:xfrm>
-          <a:prstGeom prst="rect">
-            <a:avLst/>
-          </a:prstGeom>
-          <a:noFill/>
-        </p:spPr>
-        <p:txBody>
-          <a:bodyPr wrap="square" rtlCol="0">
-            <a:spAutoFit/>
-          </a:bodyPr>
-          <a:lstStyle/>
-          <a:p>
-            <a:pPr algn="ctr"/>
-            <a:r>
-              <a:rPr lang="en-US" sz="1000" dirty="0"/>
-              <a:t>Table 1: Hardware Requirements</a:t>
-            </a:r>
-          </a:p>
-        </p:txBody>
-      </p:sp>
-      <p:pic>
-        <p:nvPicPr>
-          <p:cNvPr id="9" name="Picture 8">
-            <a:extLst>
-              <a:ext uri="{FF2B5EF4-FFF2-40B4-BE49-F238E27FC236}">
-                <a16:creationId xmlns:a16="http://schemas.microsoft.com/office/drawing/2014/main" id="{D4A9D9FA-FE81-44DA-8AAF-937566B0DBBA}"/>
-              </a:ext>
-            </a:extLst>
-          </p:cNvPr>
-          <p:cNvPicPr>
-            <a:picLocks noChangeAspect="1"/>
-          </p:cNvPicPr>
-          <p:nvPr/>
-        </p:nvPicPr>
-        <p:blipFill>
-          <a:blip r:embed="rId2"/>
-          <a:stretch>
-            <a:fillRect/>
-          </a:stretch>
-        </p:blipFill>
-        <p:spPr>
-          <a:xfrm>
-            <a:off x="1622629" y="4179286"/>
-            <a:ext cx="8945223" cy="1581371"/>
-          </a:xfrm>
-          <a:prstGeom prst="rect">
-            <a:avLst/>
-          </a:prstGeom>
-        </p:spPr>
-      </p:pic>
-    </p:spTree>
-    <p:extLst>
-      <p:ext uri="{BB962C8B-B14F-4D97-AF65-F5344CB8AC3E}">
-        <p14:creationId xmlns:p14="http://schemas.microsoft.com/office/powerpoint/2010/main" val="1715567951"/>
-      </p:ext>
-    </p:extLst>
-  </p:cSld>
-  <p:clrMapOvr>
-    <a:masterClrMapping/>
-  </p:clrMapOvr>
-  <mc:AlternateContent xmlns:mc="http://schemas.openxmlformats.org/markup-compatibility/2006" xmlns:p14="http://schemas.microsoft.com/office/powerpoint/2010/main">
-    <mc:Choice Requires="p14">
-      <p:transition spd="med" p14:dur="700">
-        <p:fade/>
-      </p:transition>
-    </mc:Choice>
-    <mc:Fallback xmlns="">
-      <p:transition spd="med">
-        <p:fade/>
-      </p:transition>
-    </mc:Fallback>
-  </mc:AlternateContent>
-</p:sld>
-</file>
-
-<file path=ppt/slides/slide5.xml><?xml version="1.0" encoding="utf-8"?>
-<p:sld xmlns:a="http://schemas.openxmlformats.org/drawingml/2006/main" xmlns:r="http://schemas.openxmlformats.org/officeDocument/2006/relationships" xmlns:p="http://schemas.openxmlformats.org/presentationml/2006/main">
-  <p:cSld>
-    <p:spTree>
-      <p:nvGrpSpPr>
-        <p:cNvPr id="1" name=""/>
-        <p:cNvGrpSpPr/>
-        <p:nvPr/>
-      </p:nvGrpSpPr>
-      <p:grpSpPr>
-        <a:xfrm>
-          <a:off x="0" y="0"/>
-          <a:ext cx="0" cy="0"/>
-          <a:chOff x="0" y="0"/>
-          <a:chExt cx="0" cy="0"/>
-        </a:xfrm>
-      </p:grpSpPr>
-      <p:sp>
-        <p:nvSpPr>
-          <p:cNvPr id="2" name="Title 1">
-            <a:extLst>
-              <a:ext uri="{FF2B5EF4-FFF2-40B4-BE49-F238E27FC236}">
-                <a16:creationId xmlns:a16="http://schemas.microsoft.com/office/drawing/2014/main" id="{423FE4DA-1547-4535-A0D6-CFB3BF102D16}"/>
-              </a:ext>
-            </a:extLst>
-          </p:cNvPr>
-          <p:cNvSpPr>
-            <a:spLocks noGrp="1"/>
-          </p:cNvSpPr>
-          <p:nvPr>
-            <p:ph type="title"/>
-          </p:nvPr>
-        </p:nvSpPr>
-        <p:spPr/>
-        <p:txBody>
-          <a:bodyPr/>
-          <a:lstStyle/>
-          <a:p>
-            <a:r>
-              <a:rPr lang="en-US" dirty="0"/>
-              <a:t>Requirement Specifications</a:t>
-            </a:r>
-          </a:p>
-        </p:txBody>
-      </p:sp>
-      <p:sp>
-        <p:nvSpPr>
-          <p:cNvPr id="3" name="Content Placeholder 2">
-            <a:extLst>
-              <a:ext uri="{FF2B5EF4-FFF2-40B4-BE49-F238E27FC236}">
-                <a16:creationId xmlns:a16="http://schemas.microsoft.com/office/drawing/2014/main" id="{40853449-599C-48A7-B9EC-07F383B2A0B5}"/>
-              </a:ext>
-            </a:extLst>
-          </p:cNvPr>
-          <p:cNvSpPr>
-            <a:spLocks noGrp="1"/>
-          </p:cNvSpPr>
-          <p:nvPr>
-            <p:ph idx="1"/>
-          </p:nvPr>
-        </p:nvSpPr>
-        <p:spPr/>
-        <p:txBody>
-          <a:bodyPr/>
-          <a:lstStyle/>
-          <a:p>
-            <a:r>
-              <a:rPr lang="en-US" dirty="0"/>
-              <a:t>The following are the software requirements:</a:t>
-            </a:r>
-          </a:p>
-          <a:p>
-            <a:pPr lvl="1"/>
-            <a:r>
-              <a:rPr lang="en-US" dirty="0"/>
-              <a:t>Operating System: Windows/Linux</a:t>
-            </a:r>
-          </a:p>
-          <a:p>
-            <a:pPr lvl="1"/>
-            <a:r>
-              <a:rPr lang="en-US" dirty="0"/>
-              <a:t>IDE: </a:t>
-            </a:r>
-            <a:r>
-              <a:rPr lang="en-US" dirty="0" err="1"/>
-              <a:t>Jupyter</a:t>
-            </a:r>
-            <a:r>
-              <a:rPr lang="en-US" dirty="0"/>
-              <a:t> Notebook</a:t>
-            </a:r>
-          </a:p>
-          <a:p>
-            <a:pPr lvl="1"/>
-            <a:r>
-              <a:rPr lang="en-US" dirty="0"/>
-              <a:t>Programming Languages: python3, </a:t>
-            </a:r>
-            <a:r>
-              <a:rPr lang="en-US" dirty="0" err="1"/>
-              <a:t>javascript</a:t>
-            </a:r>
-            <a:endParaRPr lang="en-US" dirty="0"/>
-          </a:p>
-          <a:p>
-            <a:pPr lvl="1"/>
-            <a:r>
-              <a:rPr lang="en-US" dirty="0"/>
-              <a:t>Frameworks: Node.js, </a:t>
-            </a:r>
-            <a:r>
-              <a:rPr lang="en-US" dirty="0" err="1"/>
-              <a:t>Tensorflow</a:t>
-            </a:r>
-            <a:r>
-              <a:rPr lang="en-US" dirty="0"/>
-              <a:t>, </a:t>
-            </a:r>
-            <a:r>
-              <a:rPr lang="en-US" dirty="0" err="1"/>
-              <a:t>sklearn</a:t>
-            </a:r>
-            <a:r>
-              <a:rPr lang="en-US" dirty="0"/>
-              <a:t>, plotting libraries, </a:t>
-            </a:r>
-            <a:r>
-              <a:rPr lang="en-US" dirty="0" err="1"/>
-              <a:t>openCV</a:t>
-            </a:r>
-            <a:endParaRPr lang="en-US" dirty="0"/>
-          </a:p>
-        </p:txBody>
-      </p:sp>
-      <p:sp>
-        <p:nvSpPr>
-          <p:cNvPr id="4" name="Footer Placeholder 3">
-            <a:extLst>
-              <a:ext uri="{FF2B5EF4-FFF2-40B4-BE49-F238E27FC236}">
-                <a16:creationId xmlns:a16="http://schemas.microsoft.com/office/drawing/2014/main" id="{FC7513FB-568A-4646-AFE9-70AD3D3C1FA1}"/>
-              </a:ext>
-            </a:extLst>
-          </p:cNvPr>
-          <p:cNvSpPr>
-            <a:spLocks noGrp="1"/>
-          </p:cNvSpPr>
-          <p:nvPr>
-            <p:ph type="ftr" sz="quarter" idx="11"/>
-          </p:nvPr>
-        </p:nvSpPr>
-        <p:spPr/>
-        <p:txBody>
-          <a:bodyPr/>
-          <a:lstStyle/>
-          <a:p>
-            <a:r>
-              <a:rPr lang="en-IN"/>
-              <a:t>Title of the Course</a:t>
-            </a:r>
-          </a:p>
-        </p:txBody>
-      </p:sp>
-    </p:spTree>
-    <p:extLst>
-      <p:ext uri="{BB962C8B-B14F-4D97-AF65-F5344CB8AC3E}">
-        <p14:creationId xmlns:p14="http://schemas.microsoft.com/office/powerpoint/2010/main" val="4269259792"/>
-      </p:ext>
-    </p:extLst>
-  </p:cSld>
-  <p:clrMapOvr>
-    <a:masterClrMapping/>
-  </p:clrMapOvr>
-  <mc:AlternateContent xmlns:mc="http://schemas.openxmlformats.org/markup-compatibility/2006" xmlns:p14="http://schemas.microsoft.com/office/powerpoint/2010/main">
-    <mc:Choice Requires="p14">
-      <p:transition spd="med" p14:dur="700">
-        <p:fade/>
-      </p:transition>
-    </mc:Choice>
-    <mc:Fallback xmlns="">
-      <p:transition spd="med">
-        <p:fade/>
-      </p:transition>
-    </mc:Fallback>
-  </mc:AlternateContent>
-</p:sld>
-</file>
-
-<file path=ppt/slides/slide6.xml><?xml version="1.0" encoding="utf-8"?>
 <p:sld xmlns:a="http://schemas.openxmlformats.org/drawingml/2006/main" xmlns:r="http://schemas.openxmlformats.org/officeDocument/2006/relationships" xmlns:p="http://schemas.openxmlformats.org/presentationml/2006/main">
   <p:cSld>
     <p:spTree>
@@ -12981,7 +12774,270 @@
 </p:sld>
 </file>
 
-<file path=ppt/slides/slide7.xml><?xml version="1.0" encoding="utf-8"?>
+<file path=ppt/slides/slide5.xml><?xml version="1.0" encoding="utf-8"?>
+<p:sld xmlns:a="http://schemas.openxmlformats.org/drawingml/2006/main" xmlns:r="http://schemas.openxmlformats.org/officeDocument/2006/relationships" xmlns:p="http://schemas.openxmlformats.org/presentationml/2006/main">
+  <p:cSld>
+    <p:spTree>
+      <p:nvGrpSpPr>
+        <p:cNvPr id="1" name=""/>
+        <p:cNvGrpSpPr/>
+        <p:nvPr/>
+      </p:nvGrpSpPr>
+      <p:grpSpPr>
+        <a:xfrm>
+          <a:off x="0" y="0"/>
+          <a:ext cx="0" cy="0"/>
+          <a:chOff x="0" y="0"/>
+          <a:chExt cx="0" cy="0"/>
+        </a:xfrm>
+      </p:grpSpPr>
+      <p:sp>
+        <p:nvSpPr>
+          <p:cNvPr id="2" name="Title 1">
+            <a:extLst>
+              <a:ext uri="{FF2B5EF4-FFF2-40B4-BE49-F238E27FC236}">
+                <a16:creationId xmlns:a16="http://schemas.microsoft.com/office/drawing/2014/main" id="{A8225520-1A32-49DC-A480-998582E3C0C5}"/>
+              </a:ext>
+            </a:extLst>
+          </p:cNvPr>
+          <p:cNvSpPr>
+            <a:spLocks noGrp="1"/>
+          </p:cNvSpPr>
+          <p:nvPr>
+            <p:ph type="title"/>
+          </p:nvPr>
+        </p:nvSpPr>
+        <p:spPr/>
+        <p:txBody>
+          <a:bodyPr/>
+          <a:lstStyle/>
+          <a:p>
+            <a:r>
+              <a:rPr lang="en-US" dirty="0"/>
+              <a:t>Requirement Specifications</a:t>
+            </a:r>
+          </a:p>
+        </p:txBody>
+      </p:sp>
+      <p:sp>
+        <p:nvSpPr>
+          <p:cNvPr id="3" name="Content Placeholder 2">
+            <a:extLst>
+              <a:ext uri="{FF2B5EF4-FFF2-40B4-BE49-F238E27FC236}">
+                <a16:creationId xmlns:a16="http://schemas.microsoft.com/office/drawing/2014/main" id="{B335F153-55A5-4162-94E2-F9899DEB42A3}"/>
+              </a:ext>
+            </a:extLst>
+          </p:cNvPr>
+          <p:cNvSpPr>
+            <a:spLocks noGrp="1"/>
+          </p:cNvSpPr>
+          <p:nvPr>
+            <p:ph idx="1"/>
+          </p:nvPr>
+        </p:nvSpPr>
+        <p:spPr/>
+        <p:txBody>
+          <a:bodyPr/>
+          <a:lstStyle/>
+          <a:p>
+            <a:r>
+              <a:rPr lang="en-US" dirty="0"/>
+              <a:t>The following table showcases the minimum hardware requirements:</a:t>
+            </a:r>
+          </a:p>
+          <a:p>
+            <a:endParaRPr lang="en-US" dirty="0"/>
+          </a:p>
+          <a:p>
+            <a:endParaRPr lang="en-US" dirty="0"/>
+          </a:p>
+          <a:p>
+            <a:endParaRPr lang="en-US" dirty="0"/>
+          </a:p>
+          <a:p>
+            <a:endParaRPr lang="en-US" dirty="0"/>
+          </a:p>
+          <a:p>
+            <a:r>
+              <a:rPr lang="en-US" dirty="0"/>
+              <a:t>The following are the software requirements:</a:t>
+            </a:r>
+          </a:p>
+          <a:p>
+            <a:pPr lvl="1"/>
+            <a:r>
+              <a:rPr lang="en-US" dirty="0"/>
+              <a:t>Operating System: Windows/Linux</a:t>
+            </a:r>
+          </a:p>
+          <a:p>
+            <a:pPr lvl="1"/>
+            <a:r>
+              <a:rPr lang="en-US" dirty="0"/>
+              <a:t>IDE: </a:t>
+            </a:r>
+            <a:r>
+              <a:rPr lang="en-US" dirty="0" err="1"/>
+              <a:t>Jupyter</a:t>
+            </a:r>
+            <a:r>
+              <a:rPr lang="en-US" dirty="0"/>
+              <a:t> Notebook</a:t>
+            </a:r>
+          </a:p>
+          <a:p>
+            <a:pPr lvl="1"/>
+            <a:r>
+              <a:rPr lang="en-US" dirty="0"/>
+              <a:t>Programming Languages: python3, </a:t>
+            </a:r>
+            <a:r>
+              <a:rPr lang="en-US" dirty="0" err="1"/>
+              <a:t>javascript</a:t>
+            </a:r>
+            <a:endParaRPr lang="en-US" dirty="0"/>
+          </a:p>
+          <a:p>
+            <a:pPr lvl="1"/>
+            <a:r>
+              <a:rPr lang="en-US" dirty="0"/>
+              <a:t>Frameworks: Node.js, </a:t>
+            </a:r>
+            <a:r>
+              <a:rPr lang="en-US" dirty="0" err="1"/>
+              <a:t>Tensorflow</a:t>
+            </a:r>
+            <a:r>
+              <a:rPr lang="en-US" dirty="0"/>
+              <a:t>, Sci-kit learn, plotting libraries, OpenCV</a:t>
+            </a:r>
+          </a:p>
+          <a:p>
+            <a:endParaRPr lang="en-US" dirty="0"/>
+          </a:p>
+        </p:txBody>
+      </p:sp>
+      <p:sp>
+        <p:nvSpPr>
+          <p:cNvPr id="4" name="Footer Placeholder 3">
+            <a:extLst>
+              <a:ext uri="{FF2B5EF4-FFF2-40B4-BE49-F238E27FC236}">
+                <a16:creationId xmlns:a16="http://schemas.microsoft.com/office/drawing/2014/main" id="{819AB2B2-5795-4B43-9E83-DBBD42E31F21}"/>
+              </a:ext>
+            </a:extLst>
+          </p:cNvPr>
+          <p:cNvSpPr>
+            <a:spLocks noGrp="1"/>
+          </p:cNvSpPr>
+          <p:nvPr>
+            <p:ph type="ftr" sz="quarter" idx="11"/>
+          </p:nvPr>
+        </p:nvSpPr>
+        <p:spPr/>
+        <p:txBody>
+          <a:bodyPr/>
+          <a:lstStyle/>
+          <a:p>
+            <a:r>
+              <a:rPr lang="en-US"/>
+              <a:t>Astronomical image colourisation and super-resolution using GANS</a:t>
+            </a:r>
+            <a:endParaRPr lang="en-IN"/>
+          </a:p>
+        </p:txBody>
+      </p:sp>
+      <p:sp>
+        <p:nvSpPr>
+          <p:cNvPr id="7" name="TextBox 6">
+            <a:extLst>
+              <a:ext uri="{FF2B5EF4-FFF2-40B4-BE49-F238E27FC236}">
+                <a16:creationId xmlns:a16="http://schemas.microsoft.com/office/drawing/2014/main" id="{131B2BEC-23AB-4EEB-B493-690C12ED095E}"/>
+              </a:ext>
+            </a:extLst>
+          </p:cNvPr>
+          <p:cNvSpPr txBox="1"/>
+          <p:nvPr/>
+        </p:nvSpPr>
+        <p:spPr>
+          <a:xfrm>
+            <a:off x="4731798" y="5852732"/>
+            <a:ext cx="2920753" cy="246221"/>
+          </a:xfrm>
+          <a:prstGeom prst="rect">
+            <a:avLst/>
+          </a:prstGeom>
+          <a:noFill/>
+        </p:spPr>
+        <p:txBody>
+          <a:bodyPr wrap="square" rtlCol="0">
+            <a:spAutoFit/>
+          </a:bodyPr>
+          <a:lstStyle/>
+          <a:p>
+            <a:pPr algn="ctr"/>
+            <a:r>
+              <a:rPr lang="en-US" sz="1000" dirty="0"/>
+              <a:t>Table 1: Hardware Requirements</a:t>
+            </a:r>
+          </a:p>
+        </p:txBody>
+      </p:sp>
+      <p:pic>
+        <p:nvPicPr>
+          <p:cNvPr id="9" name="Picture 8">
+            <a:extLst>
+              <a:ext uri="{FF2B5EF4-FFF2-40B4-BE49-F238E27FC236}">
+                <a16:creationId xmlns:a16="http://schemas.microsoft.com/office/drawing/2014/main" id="{D4A9D9FA-FE81-44DA-8AAF-937566B0DBBA}"/>
+              </a:ext>
+            </a:extLst>
+          </p:cNvPr>
+          <p:cNvPicPr>
+            <a:picLocks noChangeAspect="1"/>
+          </p:cNvPicPr>
+          <p:nvPr/>
+        </p:nvPicPr>
+        <p:blipFill>
+          <a:blip r:embed="rId2"/>
+          <a:stretch>
+            <a:fillRect/>
+          </a:stretch>
+        </p:blipFill>
+        <p:spPr>
+          <a:xfrm>
+            <a:off x="1374055" y="2145095"/>
+            <a:ext cx="8945223" cy="1581371"/>
+          </a:xfrm>
+          <a:prstGeom prst="rect">
+            <a:avLst/>
+          </a:prstGeom>
+        </p:spPr>
+      </p:pic>
+    </p:spTree>
+    <p:extLst>
+      <p:ext uri="{BB962C8B-B14F-4D97-AF65-F5344CB8AC3E}">
+        <p14:creationId xmlns:p14="http://schemas.microsoft.com/office/powerpoint/2010/main" val="1715567951"/>
+      </p:ext>
+    </p:extLst>
+  </p:cSld>
+  <p:clrMapOvr>
+    <a:masterClrMapping/>
+  </p:clrMapOvr>
+  <mc:AlternateContent xmlns:mc="http://schemas.openxmlformats.org/markup-compatibility/2006" xmlns:p14="http://schemas.microsoft.com/office/powerpoint/2010/main">
+    <mc:Choice Requires="p14">
+      <p:transition spd="med" p14:dur="700">
+        <p:fade/>
+      </p:transition>
+    </mc:Choice>
+    <mc:Fallback xmlns="">
+      <p:transition spd="med">
+        <p:fade/>
+      </p:transition>
+    </mc:Fallback>
+  </mc:AlternateContent>
+</p:sld>
+</file>
+
+<file path=ppt/slides/slide6.xml><?xml version="1.0" encoding="utf-8"?>
 <p:sld xmlns:a="http://schemas.openxmlformats.org/drawingml/2006/main" xmlns:r="http://schemas.openxmlformats.org/officeDocument/2006/relationships" xmlns:p="http://schemas.openxmlformats.org/presentationml/2006/main">
   <p:cSld>
     <p:spTree>
@@ -13137,7 +13193,7 @@
 </p:sld>
 </file>
 
-<file path=ppt/slides/slide8.xml><?xml version="1.0" encoding="utf-8"?>
+<file path=ppt/slides/slide7.xml><?xml version="1.0" encoding="utf-8"?>
 <p:sld xmlns:a="http://schemas.openxmlformats.org/drawingml/2006/main" xmlns:r="http://schemas.openxmlformats.org/officeDocument/2006/relationships" xmlns:p="http://schemas.openxmlformats.org/presentationml/2006/main">
   <p:cSld>
     <p:spTree>
@@ -13294,7 +13350,7 @@
 </p:sld>
 </file>
 
-<file path=ppt/slides/slide9.xml><?xml version="1.0" encoding="utf-8"?>
+<file path=ppt/slides/slide8.xml><?xml version="1.0" encoding="utf-8"?>
 <p:sld xmlns:a="http://schemas.openxmlformats.org/drawingml/2006/main" xmlns:r="http://schemas.openxmlformats.org/officeDocument/2006/relationships" xmlns:p="http://schemas.openxmlformats.org/presentationml/2006/main">
   <p:cSld>
     <p:spTree>
@@ -13430,6 +13486,163 @@
     <p:extLst>
       <p:ext uri="{BB962C8B-B14F-4D97-AF65-F5344CB8AC3E}">
         <p14:creationId xmlns:p14="http://schemas.microsoft.com/office/powerpoint/2010/main" val="832444659"/>
+      </p:ext>
+    </p:extLst>
+  </p:cSld>
+  <p:clrMapOvr>
+    <a:masterClrMapping/>
+  </p:clrMapOvr>
+  <mc:AlternateContent xmlns:mc="http://schemas.openxmlformats.org/markup-compatibility/2006" xmlns:p14="http://schemas.microsoft.com/office/powerpoint/2010/main">
+    <mc:Choice Requires="p14">
+      <p:transition spd="med" p14:dur="700">
+        <p:fade/>
+      </p:transition>
+    </mc:Choice>
+    <mc:Fallback xmlns="">
+      <p:transition spd="med">
+        <p:fade/>
+      </p:transition>
+    </mc:Fallback>
+  </mc:AlternateContent>
+</p:sld>
+</file>
+
+<file path=ppt/slides/slide9.xml><?xml version="1.0" encoding="utf-8"?>
+<p:sld xmlns:a="http://schemas.openxmlformats.org/drawingml/2006/main" xmlns:r="http://schemas.openxmlformats.org/officeDocument/2006/relationships" xmlns:p="http://schemas.openxmlformats.org/presentationml/2006/main">
+  <p:cSld>
+    <p:spTree>
+      <p:nvGrpSpPr>
+        <p:cNvPr id="1" name=""/>
+        <p:cNvGrpSpPr/>
+        <p:nvPr/>
+      </p:nvGrpSpPr>
+      <p:grpSpPr>
+        <a:xfrm>
+          <a:off x="0" y="0"/>
+          <a:ext cx="0" cy="0"/>
+          <a:chOff x="0" y="0"/>
+          <a:chExt cx="0" cy="0"/>
+        </a:xfrm>
+      </p:grpSpPr>
+      <p:sp>
+        <p:nvSpPr>
+          <p:cNvPr id="13" name="Title 12"/>
+          <p:cNvSpPr>
+            <a:spLocks noGrp="1"/>
+          </p:cNvSpPr>
+          <p:nvPr>
+            <p:ph type="title"/>
+          </p:nvPr>
+        </p:nvSpPr>
+        <p:spPr/>
+        <p:txBody>
+          <a:bodyPr/>
+          <a:lstStyle/>
+          <a:p>
+            <a:r>
+              <a:rPr lang="en-US" sz="2800" dirty="0"/>
+              <a:t>Literature Review</a:t>
+            </a:r>
+            <a:endParaRPr lang="en-US" dirty="0"/>
+          </a:p>
+        </p:txBody>
+      </p:sp>
+      <p:sp>
+        <p:nvSpPr>
+          <p:cNvPr id="5" name="Footer Placeholder 4"/>
+          <p:cNvSpPr>
+            <a:spLocks noGrp="1"/>
+          </p:cNvSpPr>
+          <p:nvPr>
+            <p:ph type="ftr" sz="quarter" idx="11"/>
+          </p:nvPr>
+        </p:nvSpPr>
+        <p:spPr/>
+        <p:txBody>
+          <a:bodyPr/>
+          <a:lstStyle/>
+          <a:p>
+            <a:r>
+              <a:rPr lang="en-IN" sz="1200" dirty="0">
+                <a:cs typeface="Times New Roman" panose="02020603050405020304" pitchFamily="18" charset="0"/>
+              </a:rPr>
+              <a:t>Astronomical image colourisation and super-resolution using GANS</a:t>
+            </a:r>
+            <a:endParaRPr lang="en-IN" dirty="0"/>
+          </a:p>
+        </p:txBody>
+      </p:sp>
+      <p:pic>
+        <p:nvPicPr>
+          <p:cNvPr id="4" name="Picture 1"/>
+          <p:cNvPicPr>
+            <a:picLocks noChangeAspect="1" noChangeArrowheads="1"/>
+          </p:cNvPicPr>
+          <p:nvPr/>
+        </p:nvPicPr>
+        <p:blipFill>
+          <a:blip r:embed="rId2" cstate="print">
+            <a:extLst>
+              <a:ext uri="{28A0092B-C50C-407E-A947-70E740481C1C}">
+                <a14:useLocalDpi xmlns:a14="http://schemas.microsoft.com/office/drawing/2010/main" val="0"/>
+              </a:ext>
+            </a:extLst>
+          </a:blip>
+          <a:stretch>
+            <a:fillRect/>
+          </a:stretch>
+        </p:blipFill>
+        <p:spPr bwMode="auto">
+          <a:xfrm>
+            <a:off x="10919540" y="150750"/>
+            <a:ext cx="1233271" cy="1029803"/>
+          </a:xfrm>
+          <a:prstGeom prst="rect">
+            <a:avLst/>
+          </a:prstGeom>
+          <a:noFill/>
+          <a:ln w="9525">
+            <a:noFill/>
+            <a:miter lim="800000"/>
+            <a:headEnd/>
+            <a:tailEnd/>
+          </a:ln>
+        </p:spPr>
+      </p:pic>
+      <p:pic>
+        <p:nvPicPr>
+          <p:cNvPr id="3" name="Picture 2">
+            <a:extLst>
+              <a:ext uri="{FF2B5EF4-FFF2-40B4-BE49-F238E27FC236}">
+                <a16:creationId xmlns:a16="http://schemas.microsoft.com/office/drawing/2014/main" id="{4BA9F5FD-6605-4A4C-9BB5-2ECEB4F1E197}"/>
+              </a:ext>
+            </a:extLst>
+          </p:cNvPr>
+          <p:cNvPicPr>
+            <a:picLocks noChangeAspect="1"/>
+          </p:cNvPicPr>
+          <p:nvPr/>
+        </p:nvPicPr>
+        <p:blipFill>
+          <a:blip r:embed="rId3"/>
+          <a:stretch>
+            <a:fillRect/>
+          </a:stretch>
+        </p:blipFill>
+        <p:spPr>
+          <a:xfrm>
+            <a:off x="3606612" y="1386188"/>
+            <a:ext cx="4978776" cy="4970162"/>
+          </a:xfrm>
+          <a:prstGeom prst="rect">
+            <a:avLst/>
+          </a:prstGeom>
+        </p:spPr>
+      </p:pic>
+    </p:spTree>
+    <p:extLst>
+      <p:ext uri="{BB962C8B-B14F-4D97-AF65-F5344CB8AC3E}">
+        <p14:creationId xmlns:p14="http://schemas.microsoft.com/office/powerpoint/2010/main" val="1076855196"/>
       </p:ext>
     </p:extLst>
   </p:cSld>
@@ -14199,15 +14412,6 @@
 </file>
 
 <file path=customXml/item1.xml><?xml version="1.0" encoding="utf-8"?>
-<?mso-contentType ?>
-<FormTemplates xmlns="http://schemas.microsoft.com/sharepoint/v3/contenttype/forms">
-  <Display>DocumentLibraryForm</Display>
-  <Edit>AssetEditForm</Edit>
-  <New>DocumentLibraryForm</New>
-</FormTemplates>
-</file>
-
-<file path=customXml/item2.xml><?xml version="1.0" encoding="utf-8"?>
 <p:properties xmlns:p="http://schemas.microsoft.com/office/2006/metadata/properties" xmlns:xsi="http://www.w3.org/2001/XMLSchema-instance" xmlns:pc="http://schemas.microsoft.com/office/infopath/2007/PartnerControls">
   <documentManagement>
     <APDescription xmlns="4873beb7-5857-4685-be1f-d57550cc96cc" xsi:nil="true"/>
@@ -14331,6 +14535,15 @@
     <UANotes xmlns="4873beb7-5857-4685-be1f-d57550cc96cc" xsi:nil="true"/>
   </documentManagement>
 </p:properties>
+</file>
+
+<file path=customXml/item2.xml><?xml version="1.0" encoding="utf-8"?>
+<?mso-contentType ?>
+<FormTemplates xmlns="http://schemas.microsoft.com/sharepoint/v3/contenttype/forms">
+  <Display>DocumentLibraryForm</Display>
+  <Edit>AssetEditForm</Edit>
+  <New>DocumentLibraryForm</New>
+</FormTemplates>
 </file>
 
 <file path=customXml/item3.xml><?xml version="1.0" encoding="utf-8"?>
@@ -15374,25 +15587,25 @@
 </file>
 
 <file path=customXml/itemProps1.xml><?xml version="1.0" encoding="utf-8"?>
-<ds:datastoreItem xmlns:ds="http://schemas.openxmlformats.org/officeDocument/2006/customXml" ds:itemID="{561E720F-F05D-4536-9C34-0CFCED65D3B7}">
+<ds:datastoreItem xmlns:ds="http://schemas.openxmlformats.org/officeDocument/2006/customXml" ds:itemID="{8CDDBB83-77C1-4099-A0AA-289882E745E2}">
   <ds:schemaRefs>
-    <ds:schemaRef ds:uri="http://schemas.microsoft.com/sharepoint/v3/contenttype/forms"/>
+    <ds:schemaRef ds:uri="http://purl.org/dc/terms/"/>
+    <ds:schemaRef ds:uri="http://purl.org/dc/dcmitype/"/>
+    <ds:schemaRef ds:uri="4873beb7-5857-4685-be1f-d57550cc96cc"/>
+    <ds:schemaRef ds:uri="http://schemas.openxmlformats.org/package/2006/metadata/core-properties"/>
+    <ds:schemaRef ds:uri="http://purl.org/dc/elements/1.1/"/>
+    <ds:schemaRef ds:uri="http://schemas.microsoft.com/office/2006/documentManagement/types"/>
+    <ds:schemaRef ds:uri="http://schemas.microsoft.com/office/infopath/2007/PartnerControls"/>
+    <ds:schemaRef ds:uri="http://schemas.microsoft.com/office/2006/metadata/properties"/>
+    <ds:schemaRef ds:uri="http://www.w3.org/XML/1998/namespace"/>
   </ds:schemaRefs>
 </ds:datastoreItem>
 </file>
 
 <file path=customXml/itemProps2.xml><?xml version="1.0" encoding="utf-8"?>
-<ds:datastoreItem xmlns:ds="http://schemas.openxmlformats.org/officeDocument/2006/customXml" ds:itemID="{8CDDBB83-77C1-4099-A0AA-289882E745E2}">
+<ds:datastoreItem xmlns:ds="http://schemas.openxmlformats.org/officeDocument/2006/customXml" ds:itemID="{561E720F-F05D-4536-9C34-0CFCED65D3B7}">
   <ds:schemaRefs>
-    <ds:schemaRef ds:uri="http://purl.org/dc/elements/1.1/"/>
-    <ds:schemaRef ds:uri="http://schemas.microsoft.com/office/2006/metadata/properties"/>
-    <ds:schemaRef ds:uri="4873beb7-5857-4685-be1f-d57550cc96cc"/>
-    <ds:schemaRef ds:uri="http://schemas.openxmlformats.org/package/2006/metadata/core-properties"/>
-    <ds:schemaRef ds:uri="http://purl.org/dc/terms/"/>
-    <ds:schemaRef ds:uri="http://schemas.microsoft.com/office/2006/documentManagement/types"/>
-    <ds:schemaRef ds:uri="http://schemas.microsoft.com/office/infopath/2007/PartnerControls"/>
-    <ds:schemaRef ds:uri="http://www.w3.org/XML/1998/namespace"/>
-    <ds:schemaRef ds:uri="http://purl.org/dc/dcmitype/"/>
+    <ds:schemaRef ds:uri="http://schemas.microsoft.com/sharepoint/v3/contenttype/forms"/>
   </ds:schemaRefs>
 </ds:datastoreItem>
 </file>

--- a/Presentation/Stage_1/stage_1_presentation.pptx
+++ b/Presentation/Stage_1/stage_1_presentation.pptx
@@ -249,7 +249,7 @@
             <a:fld id="{23CEAAF3-9831-450B-8D59-2C09DB96C8FC}" type="datetimeFigureOut">
               <a:rPr lang="en-US"/>
               <a:pPr/>
-              <a:t>4/28/2021</a:t>
+              <a:t>6/21/2021</a:t>
             </a:fld>
             <a:endParaRPr/>
           </a:p>
@@ -416,7 +416,7 @@
             <a:fld id="{2D50CD79-FC16-4410-AB61-17F26E6D3BC8}" type="datetimeFigureOut">
               <a:rPr lang="en-US"/>
               <a:pPr/>
-              <a:t>4/28/2021</a:t>
+              <a:t>6/21/2021</a:t>
             </a:fld>
             <a:endParaRPr/>
           </a:p>
@@ -1059,7 +1059,7 @@
           <a:p>
             <a:fld id="{4DB8E721-DBA2-46A4-A068-33C426CA229C}" type="datetime1">
               <a:rPr lang="en-US" smtClean="0"/>
-              <a:t>4/28/2021</a:t>
+              <a:t>6/21/2021</a:t>
             </a:fld>
             <a:endParaRPr lang="en-US" dirty="0"/>
           </a:p>
@@ -1356,7 +1356,7 @@
           <a:p>
             <a:fld id="{9BD8A829-5AC1-4274-B641-92F1458069F1}" type="datetime1">
               <a:rPr lang="en-US" smtClean="0"/>
-              <a:t>4/28/2021</a:t>
+              <a:t>6/21/2021</a:t>
             </a:fld>
             <a:endParaRPr/>
           </a:p>
@@ -1543,7 +1543,7 @@
           <a:p>
             <a:fld id="{D00D14CF-06C6-4555-A47C-9AF6E504D0B7}" type="datetime1">
               <a:rPr lang="en-US" smtClean="0"/>
-              <a:t>4/28/2021</a:t>
+              <a:t>6/21/2021</a:t>
             </a:fld>
             <a:endParaRPr/>
           </a:p>
@@ -1740,7 +1740,7 @@
           <a:p>
             <a:fld id="{47F2B9D1-1C28-433D-BFF1-054F3D4A9D18}" type="datetime1">
               <a:rPr lang="en-US" smtClean="0"/>
-              <a:t>4/28/2021</a:t>
+              <a:t>6/21/2021</a:t>
             </a:fld>
             <a:endParaRPr/>
           </a:p>
@@ -2014,7 +2014,7 @@
           <a:p>
             <a:fld id="{17A19894-EF04-4A47-BB3C-15A90271CEB4}" type="datetime1">
               <a:rPr lang="en-US" smtClean="0"/>
-              <a:t>4/28/2021</a:t>
+              <a:t>6/21/2021</a:t>
             </a:fld>
             <a:endParaRPr/>
           </a:p>
@@ -3048,7 +3048,7 @@
           <a:p>
             <a:fld id="{E3EDC469-C953-453C-B6B4-7F17CBC04FEC}" type="datetime1">
               <a:rPr lang="en-US" smtClean="0"/>
-              <a:t>4/28/2021</a:t>
+              <a:t>6/21/2021</a:t>
             </a:fld>
             <a:endParaRPr/>
           </a:p>
@@ -3326,7 +3326,7 @@
           <a:p>
             <a:fld id="{CEF7B5AE-BEEE-45C0-BC11-249345FA77D8}" type="datetime1">
               <a:rPr lang="en-US" smtClean="0"/>
-              <a:t>4/28/2021</a:t>
+              <a:t>6/21/2021</a:t>
             </a:fld>
             <a:endParaRPr/>
           </a:p>
@@ -3711,7 +3711,7 @@
           <a:p>
             <a:fld id="{4301166D-EE12-4FE6-B62D-4975FDA4BA26}" type="datetime1">
               <a:rPr lang="en-US" smtClean="0"/>
-              <a:t>4/28/2021</a:t>
+              <a:t>6/21/2021</a:t>
             </a:fld>
             <a:endParaRPr/>
           </a:p>
@@ -3846,7 +3846,7 @@
           <a:p>
             <a:fld id="{1F5ED45D-6110-4BC9-BDC4-E0842E441380}" type="datetime1">
               <a:rPr lang="en-US" smtClean="0"/>
-              <a:t>4/28/2021</a:t>
+              <a:t>6/21/2021</a:t>
             </a:fld>
             <a:endParaRPr/>
           </a:p>
@@ -3958,7 +3958,7 @@
           <a:p>
             <a:fld id="{83EDDA2D-0339-4200-907C-00E500E72A81}" type="datetime1">
               <a:rPr lang="en-US" smtClean="0"/>
-              <a:t>4/28/2021</a:t>
+              <a:t>6/21/2021</a:t>
             </a:fld>
             <a:endParaRPr/>
           </a:p>
@@ -4254,7 +4254,7 @@
           <a:p>
             <a:fld id="{4107C91A-2CAA-418D-AD53-C399D4491290}" type="datetime1">
               <a:rPr lang="en-US" smtClean="0"/>
-              <a:t>4/28/2021</a:t>
+              <a:t>6/21/2021</a:t>
             </a:fld>
             <a:endParaRPr/>
           </a:p>
@@ -4484,7 +4484,7 @@
           <a:p>
             <a:fld id="{FC9EA989-7826-467F-A84F-F4180D527E13}" type="datetime1">
               <a:rPr lang="en-US" smtClean="0"/>
-              <a:t>4/28/2021</a:t>
+              <a:t>6/21/2021</a:t>
             </a:fld>
             <a:endParaRPr lang="en-US"/>
           </a:p>
@@ -11581,7 +11581,7 @@
         <p:spPr/>
         <p:txBody>
           <a:bodyPr>
-            <a:normAutofit/>
+            <a:normAutofit lnSpcReduction="10000"/>
           </a:bodyPr>
           <a:lstStyle/>
           <a:p>
@@ -11916,6 +11916,75 @@
                 <a:cs typeface="Times New Roman" panose="02020603050405020304" pitchFamily="18" charset="0"/>
               </a:rPr>
               <a:t>, A. A. (2018). Generative visual manipulation on the natural image manifold.</a:t>
+            </a:r>
+          </a:p>
+          <a:p>
+            <a:pPr algn="l"/>
+            <a:r>
+              <a:rPr lang="en-US" sz="1400" b="0" i="0" u="none" strike="noStrike" baseline="0" dirty="0" err="1">
+                <a:latin typeface="Times New Roman" panose="02020603050405020304" pitchFamily="18" charset="0"/>
+                <a:cs typeface="Times New Roman" panose="02020603050405020304" pitchFamily="18" charset="0"/>
+              </a:rPr>
+              <a:t>Arjovsky</a:t>
+            </a:r>
+            <a:r>
+              <a:rPr lang="en-US" sz="1400" b="0" i="0" u="none" strike="noStrike" baseline="0" dirty="0">
+                <a:latin typeface="Times New Roman" panose="02020603050405020304" pitchFamily="18" charset="0"/>
+                <a:cs typeface="Times New Roman" panose="02020603050405020304" pitchFamily="18" charset="0"/>
+              </a:rPr>
+              <a:t>, M., </a:t>
+            </a:r>
+            <a:r>
+              <a:rPr lang="en-US" sz="1400" b="0" i="0" u="none" strike="noStrike" baseline="0" dirty="0" err="1">
+                <a:latin typeface="Times New Roman" panose="02020603050405020304" pitchFamily="18" charset="0"/>
+                <a:cs typeface="Times New Roman" panose="02020603050405020304" pitchFamily="18" charset="0"/>
+              </a:rPr>
+              <a:t>Chintala</a:t>
+            </a:r>
+            <a:r>
+              <a:rPr lang="en-US" sz="1400" b="0" i="0" u="none" strike="noStrike" baseline="0" dirty="0">
+                <a:latin typeface="Times New Roman" panose="02020603050405020304" pitchFamily="18" charset="0"/>
+                <a:cs typeface="Times New Roman" panose="02020603050405020304" pitchFamily="18" charset="0"/>
+              </a:rPr>
+              <a:t>, S. and </a:t>
+            </a:r>
+            <a:r>
+              <a:rPr lang="en-US" sz="1400" b="0" i="0" u="none" strike="noStrike" baseline="0" dirty="0" err="1">
+                <a:latin typeface="Times New Roman" panose="02020603050405020304" pitchFamily="18" charset="0"/>
+                <a:cs typeface="Times New Roman" panose="02020603050405020304" pitchFamily="18" charset="0"/>
+              </a:rPr>
+              <a:t>Bottou</a:t>
+            </a:r>
+            <a:r>
+              <a:rPr lang="en-US" sz="1400" b="0" i="0" u="none" strike="noStrike" baseline="0" dirty="0">
+                <a:latin typeface="Times New Roman" panose="02020603050405020304" pitchFamily="18" charset="0"/>
+                <a:cs typeface="Times New Roman" panose="02020603050405020304" pitchFamily="18" charset="0"/>
+              </a:rPr>
+              <a:t>, L. (2017). Wasserstein </a:t>
+            </a:r>
+            <a:r>
+              <a:rPr lang="en-US" sz="1400" b="0" i="0" u="none" strike="noStrike" baseline="0" dirty="0" err="1">
+                <a:latin typeface="Times New Roman" panose="02020603050405020304" pitchFamily="18" charset="0"/>
+                <a:cs typeface="Times New Roman" panose="02020603050405020304" pitchFamily="18" charset="0"/>
+              </a:rPr>
+              <a:t>gan</a:t>
+            </a:r>
+            <a:r>
+              <a:rPr lang="en-US" sz="1400" b="0" i="0" u="none" strike="noStrike" baseline="0" dirty="0">
+                <a:latin typeface="Times New Roman" panose="02020603050405020304" pitchFamily="18" charset="0"/>
+                <a:cs typeface="Times New Roman" panose="02020603050405020304" pitchFamily="18" charset="0"/>
+              </a:rPr>
+              <a:t>.</a:t>
+            </a:r>
+          </a:p>
+          <a:p>
+            <a:pPr algn="l"/>
+            <a:r>
+              <a:rPr lang="en-US" sz="1400" b="0" i="0" u="none" strike="noStrike" baseline="0" dirty="0">
+                <a:latin typeface="Times New Roman" panose="02020603050405020304" pitchFamily="18" charset="0"/>
+                <a:cs typeface="Times New Roman" panose="02020603050405020304" pitchFamily="18" charset="0"/>
+              </a:rPr>
+              <a:t>Yu, J., Fan, Y., Yang, J., Xu, N., Wang, Z., Wang, X. and Huang, T. (2018). Wide activation for efficient and accurate image super-resolution</a:t>
             </a:r>
             <a:endParaRPr lang="en-US" sz="1400" i="1" dirty="0">
               <a:latin typeface="Times New Roman" panose="02020603050405020304" pitchFamily="18" charset="0"/>
@@ -14412,141 +14481,6 @@
 </file>
 
 <file path=customXml/item1.xml><?xml version="1.0" encoding="utf-8"?>
-<p:properties xmlns:p="http://schemas.microsoft.com/office/2006/metadata/properties" xmlns:xsi="http://www.w3.org/2001/XMLSchema-instance" xmlns:pc="http://schemas.microsoft.com/office/infopath/2007/PartnerControls">
-  <documentManagement>
-    <APDescription xmlns="4873beb7-5857-4685-be1f-d57550cc96cc" xsi:nil="true"/>
-    <AssetExpire xmlns="4873beb7-5857-4685-be1f-d57550cc96cc">2029-01-01T08:00:00+00:00</AssetExpire>
-    <CampaignTagsTaxHTField0 xmlns="4873beb7-5857-4685-be1f-d57550cc96cc">
-      <Terms xmlns="http://schemas.microsoft.com/office/infopath/2007/PartnerControls"/>
-    </CampaignTagsTaxHTField0>
-    <IntlLangReviewDate xmlns="4873beb7-5857-4685-be1f-d57550cc96cc" xsi:nil="true"/>
-    <TPFriendlyName xmlns="4873beb7-5857-4685-be1f-d57550cc96cc" xsi:nil="true"/>
-    <IntlLangReview xmlns="4873beb7-5857-4685-be1f-d57550cc96cc">false</IntlLangReview>
-    <LocLastLocAttemptVersionLookup xmlns="4873beb7-5857-4685-be1f-d57550cc96cc">855024</LocLastLocAttemptVersionLookup>
-    <PolicheckWords xmlns="4873beb7-5857-4685-be1f-d57550cc96cc" xsi:nil="true"/>
-    <SubmitterId xmlns="4873beb7-5857-4685-be1f-d57550cc96cc" xsi:nil="true"/>
-    <AcquiredFrom xmlns="4873beb7-5857-4685-be1f-d57550cc96cc">Internal MS</AcquiredFrom>
-    <EditorialStatus xmlns="4873beb7-5857-4685-be1f-d57550cc96cc">Complete</EditorialStatus>
-    <Markets xmlns="4873beb7-5857-4685-be1f-d57550cc96cc"/>
-    <OriginAsset xmlns="4873beb7-5857-4685-be1f-d57550cc96cc" xsi:nil="true"/>
-    <AssetStart xmlns="4873beb7-5857-4685-be1f-d57550cc96cc">2012-08-31T08:50:00+00:00</AssetStart>
-    <FriendlyTitle xmlns="4873beb7-5857-4685-be1f-d57550cc96cc" xsi:nil="true"/>
-    <MarketSpecific xmlns="4873beb7-5857-4685-be1f-d57550cc96cc">false</MarketSpecific>
-    <TPNamespace xmlns="4873beb7-5857-4685-be1f-d57550cc96cc" xsi:nil="true"/>
-    <PublishStatusLookup xmlns="4873beb7-5857-4685-be1f-d57550cc96cc">
-      <Value>1616423</Value>
-    </PublishStatusLookup>
-    <APAuthor xmlns="4873beb7-5857-4685-be1f-d57550cc96cc">
-      <UserInfo>
-        <DisplayName>REDMOND\kristaa</DisplayName>
-        <AccountId>136</AccountId>
-        <AccountType/>
-      </UserInfo>
-    </APAuthor>
-    <TPCommandLine xmlns="4873beb7-5857-4685-be1f-d57550cc96cc" xsi:nil="true"/>
-    <IntlLangReviewer xmlns="4873beb7-5857-4685-be1f-d57550cc96cc" xsi:nil="true"/>
-    <OpenTemplate xmlns="4873beb7-5857-4685-be1f-d57550cc96cc">true</OpenTemplate>
-    <CSXSubmissionDate xmlns="4873beb7-5857-4685-be1f-d57550cc96cc" xsi:nil="true"/>
-    <TaxCatchAll xmlns="4873beb7-5857-4685-be1f-d57550cc96cc"/>
-    <Manager xmlns="4873beb7-5857-4685-be1f-d57550cc96cc" xsi:nil="true"/>
-    <NumericId xmlns="4873beb7-5857-4685-be1f-d57550cc96cc" xsi:nil="true"/>
-    <ParentAssetId xmlns="4873beb7-5857-4685-be1f-d57550cc96cc" xsi:nil="true"/>
-    <OriginalSourceMarket xmlns="4873beb7-5857-4685-be1f-d57550cc96cc" xsi:nil="true"/>
-    <ApprovalStatus xmlns="4873beb7-5857-4685-be1f-d57550cc96cc">InProgress</ApprovalStatus>
-    <TPComponent xmlns="4873beb7-5857-4685-be1f-d57550cc96cc" xsi:nil="true"/>
-    <EditorialTags xmlns="4873beb7-5857-4685-be1f-d57550cc96cc" xsi:nil="true"/>
-    <TPExecutable xmlns="4873beb7-5857-4685-be1f-d57550cc96cc" xsi:nil="true"/>
-    <TPLaunchHelpLink xmlns="4873beb7-5857-4685-be1f-d57550cc96cc" xsi:nil="true"/>
-    <LocComments xmlns="4873beb7-5857-4685-be1f-d57550cc96cc" xsi:nil="true"/>
-    <LocRecommendedHandoff xmlns="4873beb7-5857-4685-be1f-d57550cc96cc" xsi:nil="true"/>
-    <SourceTitle xmlns="4873beb7-5857-4685-be1f-d57550cc96cc" xsi:nil="true"/>
-    <CSXUpdate xmlns="4873beb7-5857-4685-be1f-d57550cc96cc">false</CSXUpdate>
-    <IntlLocPriority xmlns="4873beb7-5857-4685-be1f-d57550cc96cc" xsi:nil="true"/>
-    <UAProjectedTotalWords xmlns="4873beb7-5857-4685-be1f-d57550cc96cc" xsi:nil="true"/>
-    <AssetType xmlns="4873beb7-5857-4685-be1f-d57550cc96cc">TP</AssetType>
-    <MachineTranslated xmlns="4873beb7-5857-4685-be1f-d57550cc96cc">false</MachineTranslated>
-    <OutputCachingOn xmlns="4873beb7-5857-4685-be1f-d57550cc96cc">false</OutputCachingOn>
-    <TemplateStatus xmlns="4873beb7-5857-4685-be1f-d57550cc96cc">Complete</TemplateStatus>
-    <IsSearchable xmlns="4873beb7-5857-4685-be1f-d57550cc96cc">true</IsSearchable>
-    <ContentItem xmlns="4873beb7-5857-4685-be1f-d57550cc96cc" xsi:nil="true"/>
-    <HandoffToMSDN xmlns="4873beb7-5857-4685-be1f-d57550cc96cc" xsi:nil="true"/>
-    <ShowIn xmlns="4873beb7-5857-4685-be1f-d57550cc96cc">Show everywhere</ShowIn>
-    <ThumbnailAssetId xmlns="4873beb7-5857-4685-be1f-d57550cc96cc" xsi:nil="true"/>
-    <UALocComments xmlns="4873beb7-5857-4685-be1f-d57550cc96cc" xsi:nil="true"/>
-    <UALocRecommendation xmlns="4873beb7-5857-4685-be1f-d57550cc96cc">Localize</UALocRecommendation>
-    <LastModifiedDateTime xmlns="4873beb7-5857-4685-be1f-d57550cc96cc" xsi:nil="true"/>
-    <LegacyData xmlns="4873beb7-5857-4685-be1f-d57550cc96cc" xsi:nil="true"/>
-    <LocManualTestRequired xmlns="4873beb7-5857-4685-be1f-d57550cc96cc">false</LocManualTestRequired>
-    <LocMarketGroupTiers2 xmlns="4873beb7-5857-4685-be1f-d57550cc96cc" xsi:nil="true"/>
-    <ClipArtFilename xmlns="4873beb7-5857-4685-be1f-d57550cc96cc" xsi:nil="true"/>
-    <TPApplication xmlns="4873beb7-5857-4685-be1f-d57550cc96cc" xsi:nil="true"/>
-    <CSXHash xmlns="4873beb7-5857-4685-be1f-d57550cc96cc" xsi:nil="true"/>
-    <DirectSourceMarket xmlns="4873beb7-5857-4685-be1f-d57550cc96cc" xsi:nil="true"/>
-    <PrimaryImageGen xmlns="4873beb7-5857-4685-be1f-d57550cc96cc">true</PrimaryImageGen>
-    <PlannedPubDate xmlns="4873beb7-5857-4685-be1f-d57550cc96cc" xsi:nil="true"/>
-    <CSXSubmissionMarket xmlns="4873beb7-5857-4685-be1f-d57550cc96cc" xsi:nil="true"/>
-    <Downloads xmlns="4873beb7-5857-4685-be1f-d57550cc96cc">0</Downloads>
-    <ArtSampleDocs xmlns="4873beb7-5857-4685-be1f-d57550cc96cc" xsi:nil="true"/>
-    <TrustLevel xmlns="4873beb7-5857-4685-be1f-d57550cc96cc">1 Microsoft Managed Content</TrustLevel>
-    <BlockPublish xmlns="4873beb7-5857-4685-be1f-d57550cc96cc">false</BlockPublish>
-    <TPLaunchHelpLinkType xmlns="4873beb7-5857-4685-be1f-d57550cc96cc">Template</TPLaunchHelpLinkType>
-    <LocalizationTagsTaxHTField0 xmlns="4873beb7-5857-4685-be1f-d57550cc96cc">
-      <Terms xmlns="http://schemas.microsoft.com/office/infopath/2007/PartnerControls"/>
-    </LocalizationTagsTaxHTField0>
-    <BusinessGroup xmlns="4873beb7-5857-4685-be1f-d57550cc96cc" xsi:nil="true"/>
-    <Providers xmlns="4873beb7-5857-4685-be1f-d57550cc96cc" xsi:nil="true"/>
-    <TemplateTemplateType xmlns="4873beb7-5857-4685-be1f-d57550cc96cc">PowerPoint Presentation Template</TemplateTemplateType>
-    <TimesCloned xmlns="4873beb7-5857-4685-be1f-d57550cc96cc" xsi:nil="true"/>
-    <TPAppVersion xmlns="4873beb7-5857-4685-be1f-d57550cc96cc" xsi:nil="true"/>
-    <VoteCount xmlns="4873beb7-5857-4685-be1f-d57550cc96cc" xsi:nil="true"/>
-    <AverageRating xmlns="4873beb7-5857-4685-be1f-d57550cc96cc" xsi:nil="true"/>
-    <FeatureTagsTaxHTField0 xmlns="4873beb7-5857-4685-be1f-d57550cc96cc">
-      <Terms xmlns="http://schemas.microsoft.com/office/infopath/2007/PartnerControls"/>
-    </FeatureTagsTaxHTField0>
-    <Provider xmlns="4873beb7-5857-4685-be1f-d57550cc96cc" xsi:nil="true"/>
-    <UACurrentWords xmlns="4873beb7-5857-4685-be1f-d57550cc96cc" xsi:nil="true"/>
-    <AssetId xmlns="4873beb7-5857-4685-be1f-d57550cc96cc">TP103431361</AssetId>
-    <TPClientViewer xmlns="4873beb7-5857-4685-be1f-d57550cc96cc" xsi:nil="true"/>
-    <DSATActionTaken xmlns="4873beb7-5857-4685-be1f-d57550cc96cc" xsi:nil="true"/>
-    <APEditor xmlns="4873beb7-5857-4685-be1f-d57550cc96cc">
-      <UserInfo>
-        <DisplayName/>
-        <AccountId xsi:nil="true"/>
-        <AccountType/>
-      </UserInfo>
-    </APEditor>
-    <TPInstallLocation xmlns="4873beb7-5857-4685-be1f-d57550cc96cc" xsi:nil="true"/>
-    <OOCacheId xmlns="4873beb7-5857-4685-be1f-d57550cc96cc" xsi:nil="true"/>
-    <IsDeleted xmlns="4873beb7-5857-4685-be1f-d57550cc96cc">false</IsDeleted>
-    <PublishTargets xmlns="4873beb7-5857-4685-be1f-d57550cc96cc">OfficeOnlineVNext</PublishTargets>
-    <ApprovalLog xmlns="4873beb7-5857-4685-be1f-d57550cc96cc" xsi:nil="true"/>
-    <BugNumber xmlns="4873beb7-5857-4685-be1f-d57550cc96cc" xsi:nil="true"/>
-    <CrawlForDependencies xmlns="4873beb7-5857-4685-be1f-d57550cc96cc">false</CrawlForDependencies>
-    <InternalTagsTaxHTField0 xmlns="4873beb7-5857-4685-be1f-d57550cc96cc">
-      <Terms xmlns="http://schemas.microsoft.com/office/infopath/2007/PartnerControls"/>
-    </InternalTagsTaxHTField0>
-    <LastHandOff xmlns="4873beb7-5857-4685-be1f-d57550cc96cc" xsi:nil="true"/>
-    <Milestone xmlns="4873beb7-5857-4685-be1f-d57550cc96cc" xsi:nil="true"/>
-    <OriginalRelease xmlns="4873beb7-5857-4685-be1f-d57550cc96cc">15</OriginalRelease>
-    <RecommendationsModifier xmlns="4873beb7-5857-4685-be1f-d57550cc96cc" xsi:nil="true"/>
-    <ScenarioTagsTaxHTField0 xmlns="4873beb7-5857-4685-be1f-d57550cc96cc">
-      <Terms xmlns="http://schemas.microsoft.com/office/infopath/2007/PartnerControls"/>
-    </ScenarioTagsTaxHTField0>
-    <UANotes xmlns="4873beb7-5857-4685-be1f-d57550cc96cc" xsi:nil="true"/>
-  </documentManagement>
-</p:properties>
-</file>
-
-<file path=customXml/item2.xml><?xml version="1.0" encoding="utf-8"?>
-<?mso-contentType ?>
-<FormTemplates xmlns="http://schemas.microsoft.com/sharepoint/v3/contenttype/forms">
-  <Display>DocumentLibraryForm</Display>
-  <Edit>AssetEditForm</Edit>
-  <New>DocumentLibraryForm</New>
-</FormTemplates>
-</file>
-
-<file path=customXml/item3.xml><?xml version="1.0" encoding="utf-8"?>
 <ct:contentTypeSchema xmlns:ct="http://schemas.microsoft.com/office/2006/metadata/contentType" xmlns:ma="http://schemas.microsoft.com/office/2006/metadata/properties/metaAttributes" ct:_="" ma:_="" ma:contentTypeName="TemplateFile" ma:contentTypeID="0x0101006EDDDB5EE6D98C44930B742096920B300400F5B6D36B3EF94B4E9A635CDF2A18F5B8" ma:contentTypeVersion="72" ma:contentTypeDescription="Create a new document." ma:contentTypeScope="" ma:versionID="a23e56308344d904b51738559c3d67c9">
   <xsd:schema xmlns:xsd="http://www.w3.org/2001/XMLSchema" xmlns:xs="http://www.w3.org/2001/XMLSchema" xmlns:p="http://schemas.microsoft.com/office/2006/metadata/properties" xmlns:ns2="4873beb7-5857-4685-be1f-d57550cc96cc" targetNamespace="http://schemas.microsoft.com/office/2006/metadata/properties" ma:root="true" ma:fieldsID="cd0908cc4600e77bf5da051303e00c8d" ns2:_="">
     <xsd:import namespace="4873beb7-5857-4685-be1f-d57550cc96cc"/>
@@ -15586,31 +15520,142 @@
 </ct:contentTypeSchema>
 </file>
 
-<file path=customXml/itemProps1.xml><?xml version="1.0" encoding="utf-8"?>
-<ds:datastoreItem xmlns:ds="http://schemas.openxmlformats.org/officeDocument/2006/customXml" ds:itemID="{8CDDBB83-77C1-4099-A0AA-289882E745E2}">
-  <ds:schemaRefs>
-    <ds:schemaRef ds:uri="http://purl.org/dc/terms/"/>
-    <ds:schemaRef ds:uri="http://purl.org/dc/dcmitype/"/>
-    <ds:schemaRef ds:uri="4873beb7-5857-4685-be1f-d57550cc96cc"/>
-    <ds:schemaRef ds:uri="http://schemas.openxmlformats.org/package/2006/metadata/core-properties"/>
-    <ds:schemaRef ds:uri="http://purl.org/dc/elements/1.1/"/>
-    <ds:schemaRef ds:uri="http://schemas.microsoft.com/office/2006/documentManagement/types"/>
-    <ds:schemaRef ds:uri="http://schemas.microsoft.com/office/infopath/2007/PartnerControls"/>
-    <ds:schemaRef ds:uri="http://schemas.microsoft.com/office/2006/metadata/properties"/>
-    <ds:schemaRef ds:uri="http://www.w3.org/XML/1998/namespace"/>
-  </ds:schemaRefs>
-</ds:datastoreItem>
+<file path=customXml/item2.xml><?xml version="1.0" encoding="utf-8"?>
+<?mso-contentType ?>
+<FormTemplates xmlns="http://schemas.microsoft.com/sharepoint/v3/contenttype/forms">
+  <Display>DocumentLibraryForm</Display>
+  <Edit>AssetEditForm</Edit>
+  <New>DocumentLibraryForm</New>
+</FormTemplates>
 </file>
 
-<file path=customXml/itemProps2.xml><?xml version="1.0" encoding="utf-8"?>
-<ds:datastoreItem xmlns:ds="http://schemas.openxmlformats.org/officeDocument/2006/customXml" ds:itemID="{561E720F-F05D-4536-9C34-0CFCED65D3B7}">
-  <ds:schemaRefs>
-    <ds:schemaRef ds:uri="http://schemas.microsoft.com/sharepoint/v3/contenttype/forms"/>
-  </ds:schemaRefs>
-</ds:datastoreItem>
+<file path=customXml/item3.xml><?xml version="1.0" encoding="utf-8"?>
+<p:properties xmlns:p="http://schemas.microsoft.com/office/2006/metadata/properties" xmlns:xsi="http://www.w3.org/2001/XMLSchema-instance" xmlns:pc="http://schemas.microsoft.com/office/infopath/2007/PartnerControls">
+  <documentManagement>
+    <APDescription xmlns="4873beb7-5857-4685-be1f-d57550cc96cc" xsi:nil="true"/>
+    <AssetExpire xmlns="4873beb7-5857-4685-be1f-d57550cc96cc">2029-01-01T08:00:00+00:00</AssetExpire>
+    <CampaignTagsTaxHTField0 xmlns="4873beb7-5857-4685-be1f-d57550cc96cc">
+      <Terms xmlns="http://schemas.microsoft.com/office/infopath/2007/PartnerControls"/>
+    </CampaignTagsTaxHTField0>
+    <IntlLangReviewDate xmlns="4873beb7-5857-4685-be1f-d57550cc96cc" xsi:nil="true"/>
+    <TPFriendlyName xmlns="4873beb7-5857-4685-be1f-d57550cc96cc" xsi:nil="true"/>
+    <IntlLangReview xmlns="4873beb7-5857-4685-be1f-d57550cc96cc">false</IntlLangReview>
+    <LocLastLocAttemptVersionLookup xmlns="4873beb7-5857-4685-be1f-d57550cc96cc">855024</LocLastLocAttemptVersionLookup>
+    <PolicheckWords xmlns="4873beb7-5857-4685-be1f-d57550cc96cc" xsi:nil="true"/>
+    <SubmitterId xmlns="4873beb7-5857-4685-be1f-d57550cc96cc" xsi:nil="true"/>
+    <AcquiredFrom xmlns="4873beb7-5857-4685-be1f-d57550cc96cc">Internal MS</AcquiredFrom>
+    <EditorialStatus xmlns="4873beb7-5857-4685-be1f-d57550cc96cc">Complete</EditorialStatus>
+    <Markets xmlns="4873beb7-5857-4685-be1f-d57550cc96cc"/>
+    <OriginAsset xmlns="4873beb7-5857-4685-be1f-d57550cc96cc" xsi:nil="true"/>
+    <AssetStart xmlns="4873beb7-5857-4685-be1f-d57550cc96cc">2012-08-31T08:50:00+00:00</AssetStart>
+    <FriendlyTitle xmlns="4873beb7-5857-4685-be1f-d57550cc96cc" xsi:nil="true"/>
+    <MarketSpecific xmlns="4873beb7-5857-4685-be1f-d57550cc96cc">false</MarketSpecific>
+    <TPNamespace xmlns="4873beb7-5857-4685-be1f-d57550cc96cc" xsi:nil="true"/>
+    <PublishStatusLookup xmlns="4873beb7-5857-4685-be1f-d57550cc96cc">
+      <Value>1616423</Value>
+    </PublishStatusLookup>
+    <APAuthor xmlns="4873beb7-5857-4685-be1f-d57550cc96cc">
+      <UserInfo>
+        <DisplayName>REDMOND\kristaa</DisplayName>
+        <AccountId>136</AccountId>
+        <AccountType/>
+      </UserInfo>
+    </APAuthor>
+    <TPCommandLine xmlns="4873beb7-5857-4685-be1f-d57550cc96cc" xsi:nil="true"/>
+    <IntlLangReviewer xmlns="4873beb7-5857-4685-be1f-d57550cc96cc" xsi:nil="true"/>
+    <OpenTemplate xmlns="4873beb7-5857-4685-be1f-d57550cc96cc">true</OpenTemplate>
+    <CSXSubmissionDate xmlns="4873beb7-5857-4685-be1f-d57550cc96cc" xsi:nil="true"/>
+    <TaxCatchAll xmlns="4873beb7-5857-4685-be1f-d57550cc96cc"/>
+    <Manager xmlns="4873beb7-5857-4685-be1f-d57550cc96cc" xsi:nil="true"/>
+    <NumericId xmlns="4873beb7-5857-4685-be1f-d57550cc96cc" xsi:nil="true"/>
+    <ParentAssetId xmlns="4873beb7-5857-4685-be1f-d57550cc96cc" xsi:nil="true"/>
+    <OriginalSourceMarket xmlns="4873beb7-5857-4685-be1f-d57550cc96cc" xsi:nil="true"/>
+    <ApprovalStatus xmlns="4873beb7-5857-4685-be1f-d57550cc96cc">InProgress</ApprovalStatus>
+    <TPComponent xmlns="4873beb7-5857-4685-be1f-d57550cc96cc" xsi:nil="true"/>
+    <EditorialTags xmlns="4873beb7-5857-4685-be1f-d57550cc96cc" xsi:nil="true"/>
+    <TPExecutable xmlns="4873beb7-5857-4685-be1f-d57550cc96cc" xsi:nil="true"/>
+    <TPLaunchHelpLink xmlns="4873beb7-5857-4685-be1f-d57550cc96cc" xsi:nil="true"/>
+    <LocComments xmlns="4873beb7-5857-4685-be1f-d57550cc96cc" xsi:nil="true"/>
+    <LocRecommendedHandoff xmlns="4873beb7-5857-4685-be1f-d57550cc96cc" xsi:nil="true"/>
+    <SourceTitle xmlns="4873beb7-5857-4685-be1f-d57550cc96cc" xsi:nil="true"/>
+    <CSXUpdate xmlns="4873beb7-5857-4685-be1f-d57550cc96cc">false</CSXUpdate>
+    <IntlLocPriority xmlns="4873beb7-5857-4685-be1f-d57550cc96cc" xsi:nil="true"/>
+    <UAProjectedTotalWords xmlns="4873beb7-5857-4685-be1f-d57550cc96cc" xsi:nil="true"/>
+    <AssetType xmlns="4873beb7-5857-4685-be1f-d57550cc96cc">TP</AssetType>
+    <MachineTranslated xmlns="4873beb7-5857-4685-be1f-d57550cc96cc">false</MachineTranslated>
+    <OutputCachingOn xmlns="4873beb7-5857-4685-be1f-d57550cc96cc">false</OutputCachingOn>
+    <TemplateStatus xmlns="4873beb7-5857-4685-be1f-d57550cc96cc">Complete</TemplateStatus>
+    <IsSearchable xmlns="4873beb7-5857-4685-be1f-d57550cc96cc">true</IsSearchable>
+    <ContentItem xmlns="4873beb7-5857-4685-be1f-d57550cc96cc" xsi:nil="true"/>
+    <HandoffToMSDN xmlns="4873beb7-5857-4685-be1f-d57550cc96cc" xsi:nil="true"/>
+    <ShowIn xmlns="4873beb7-5857-4685-be1f-d57550cc96cc">Show everywhere</ShowIn>
+    <ThumbnailAssetId xmlns="4873beb7-5857-4685-be1f-d57550cc96cc" xsi:nil="true"/>
+    <UALocComments xmlns="4873beb7-5857-4685-be1f-d57550cc96cc" xsi:nil="true"/>
+    <UALocRecommendation xmlns="4873beb7-5857-4685-be1f-d57550cc96cc">Localize</UALocRecommendation>
+    <LastModifiedDateTime xmlns="4873beb7-5857-4685-be1f-d57550cc96cc" xsi:nil="true"/>
+    <LegacyData xmlns="4873beb7-5857-4685-be1f-d57550cc96cc" xsi:nil="true"/>
+    <LocManualTestRequired xmlns="4873beb7-5857-4685-be1f-d57550cc96cc">false</LocManualTestRequired>
+    <LocMarketGroupTiers2 xmlns="4873beb7-5857-4685-be1f-d57550cc96cc" xsi:nil="true"/>
+    <ClipArtFilename xmlns="4873beb7-5857-4685-be1f-d57550cc96cc" xsi:nil="true"/>
+    <TPApplication xmlns="4873beb7-5857-4685-be1f-d57550cc96cc" xsi:nil="true"/>
+    <CSXHash xmlns="4873beb7-5857-4685-be1f-d57550cc96cc" xsi:nil="true"/>
+    <DirectSourceMarket xmlns="4873beb7-5857-4685-be1f-d57550cc96cc" xsi:nil="true"/>
+    <PrimaryImageGen xmlns="4873beb7-5857-4685-be1f-d57550cc96cc">true</PrimaryImageGen>
+    <PlannedPubDate xmlns="4873beb7-5857-4685-be1f-d57550cc96cc" xsi:nil="true"/>
+    <CSXSubmissionMarket xmlns="4873beb7-5857-4685-be1f-d57550cc96cc" xsi:nil="true"/>
+    <Downloads xmlns="4873beb7-5857-4685-be1f-d57550cc96cc">0</Downloads>
+    <ArtSampleDocs xmlns="4873beb7-5857-4685-be1f-d57550cc96cc" xsi:nil="true"/>
+    <TrustLevel xmlns="4873beb7-5857-4685-be1f-d57550cc96cc">1 Microsoft Managed Content</TrustLevel>
+    <BlockPublish xmlns="4873beb7-5857-4685-be1f-d57550cc96cc">false</BlockPublish>
+    <TPLaunchHelpLinkType xmlns="4873beb7-5857-4685-be1f-d57550cc96cc">Template</TPLaunchHelpLinkType>
+    <LocalizationTagsTaxHTField0 xmlns="4873beb7-5857-4685-be1f-d57550cc96cc">
+      <Terms xmlns="http://schemas.microsoft.com/office/infopath/2007/PartnerControls"/>
+    </LocalizationTagsTaxHTField0>
+    <BusinessGroup xmlns="4873beb7-5857-4685-be1f-d57550cc96cc" xsi:nil="true"/>
+    <Providers xmlns="4873beb7-5857-4685-be1f-d57550cc96cc" xsi:nil="true"/>
+    <TemplateTemplateType xmlns="4873beb7-5857-4685-be1f-d57550cc96cc">PowerPoint Presentation Template</TemplateTemplateType>
+    <TimesCloned xmlns="4873beb7-5857-4685-be1f-d57550cc96cc" xsi:nil="true"/>
+    <TPAppVersion xmlns="4873beb7-5857-4685-be1f-d57550cc96cc" xsi:nil="true"/>
+    <VoteCount xmlns="4873beb7-5857-4685-be1f-d57550cc96cc" xsi:nil="true"/>
+    <AverageRating xmlns="4873beb7-5857-4685-be1f-d57550cc96cc" xsi:nil="true"/>
+    <FeatureTagsTaxHTField0 xmlns="4873beb7-5857-4685-be1f-d57550cc96cc">
+      <Terms xmlns="http://schemas.microsoft.com/office/infopath/2007/PartnerControls"/>
+    </FeatureTagsTaxHTField0>
+    <Provider xmlns="4873beb7-5857-4685-be1f-d57550cc96cc" xsi:nil="true"/>
+    <UACurrentWords xmlns="4873beb7-5857-4685-be1f-d57550cc96cc" xsi:nil="true"/>
+    <AssetId xmlns="4873beb7-5857-4685-be1f-d57550cc96cc">TP103431361</AssetId>
+    <TPClientViewer xmlns="4873beb7-5857-4685-be1f-d57550cc96cc" xsi:nil="true"/>
+    <DSATActionTaken xmlns="4873beb7-5857-4685-be1f-d57550cc96cc" xsi:nil="true"/>
+    <APEditor xmlns="4873beb7-5857-4685-be1f-d57550cc96cc">
+      <UserInfo>
+        <DisplayName/>
+        <AccountId xsi:nil="true"/>
+        <AccountType/>
+      </UserInfo>
+    </APEditor>
+    <TPInstallLocation xmlns="4873beb7-5857-4685-be1f-d57550cc96cc" xsi:nil="true"/>
+    <OOCacheId xmlns="4873beb7-5857-4685-be1f-d57550cc96cc" xsi:nil="true"/>
+    <IsDeleted xmlns="4873beb7-5857-4685-be1f-d57550cc96cc">false</IsDeleted>
+    <PublishTargets xmlns="4873beb7-5857-4685-be1f-d57550cc96cc">OfficeOnlineVNext</PublishTargets>
+    <ApprovalLog xmlns="4873beb7-5857-4685-be1f-d57550cc96cc" xsi:nil="true"/>
+    <BugNumber xmlns="4873beb7-5857-4685-be1f-d57550cc96cc" xsi:nil="true"/>
+    <CrawlForDependencies xmlns="4873beb7-5857-4685-be1f-d57550cc96cc">false</CrawlForDependencies>
+    <InternalTagsTaxHTField0 xmlns="4873beb7-5857-4685-be1f-d57550cc96cc">
+      <Terms xmlns="http://schemas.microsoft.com/office/infopath/2007/PartnerControls"/>
+    </InternalTagsTaxHTField0>
+    <LastHandOff xmlns="4873beb7-5857-4685-be1f-d57550cc96cc" xsi:nil="true"/>
+    <Milestone xmlns="4873beb7-5857-4685-be1f-d57550cc96cc" xsi:nil="true"/>
+    <OriginalRelease xmlns="4873beb7-5857-4685-be1f-d57550cc96cc">15</OriginalRelease>
+    <RecommendationsModifier xmlns="4873beb7-5857-4685-be1f-d57550cc96cc" xsi:nil="true"/>
+    <ScenarioTagsTaxHTField0 xmlns="4873beb7-5857-4685-be1f-d57550cc96cc">
+      <Terms xmlns="http://schemas.microsoft.com/office/infopath/2007/PartnerControls"/>
+    </ScenarioTagsTaxHTField0>
+    <UANotes xmlns="4873beb7-5857-4685-be1f-d57550cc96cc" xsi:nil="true"/>
+  </documentManagement>
+</p:properties>
 </file>
 
-<file path=customXml/itemProps3.xml><?xml version="1.0" encoding="utf-8"?>
+<file path=customXml/itemProps1.xml><?xml version="1.0" encoding="utf-8"?>
 <ds:datastoreItem xmlns:ds="http://schemas.openxmlformats.org/officeDocument/2006/customXml" ds:itemID="{28C8B9CA-0273-4370-889A-FC05DA5C2FA5}">
   <ds:schemaRefs>
     <ds:schemaRef ds:uri="http://schemas.microsoft.com/office/2006/metadata/contentType"/>
@@ -15626,4 +15671,28 @@
     <ds:schemaRef ds:uri="http://schemas.microsoft.com/internal/obd"/>
   </ds:schemaRefs>
 </ds:datastoreItem>
+</file>
+
+<file path=customXml/itemProps2.xml><?xml version="1.0" encoding="utf-8"?>
+<ds:datastoreItem xmlns:ds="http://schemas.openxmlformats.org/officeDocument/2006/customXml" ds:itemID="{561E720F-F05D-4536-9C34-0CFCED65D3B7}">
+  <ds:schemaRefs>
+    <ds:schemaRef ds:uri="http://schemas.microsoft.com/sharepoint/v3/contenttype/forms"/>
+  </ds:schemaRefs>
+</ds:datastoreItem>
+</file>
+
+<file path=customXml/itemProps3.xml><?xml version="1.0" encoding="utf-8"?>
+<ds:datastoreItem xmlns:ds="http://schemas.openxmlformats.org/officeDocument/2006/customXml" ds:itemID="{8CDDBB83-77C1-4099-A0AA-289882E745E2}">
+  <ds:schemaRefs>
+    <ds:schemaRef ds:uri="http://purl.org/dc/terms/"/>
+    <ds:schemaRef ds:uri="http://purl.org/dc/dcmitype/"/>
+    <ds:schemaRef ds:uri="4873beb7-5857-4685-be1f-d57550cc96cc"/>
+    <ds:schemaRef ds:uri="http://schemas.openxmlformats.org/package/2006/metadata/core-properties"/>
+    <ds:schemaRef ds:uri="http://purl.org/dc/elements/1.1/"/>
+    <ds:schemaRef ds:uri="http://schemas.microsoft.com/office/2006/documentManagement/types"/>
+    <ds:schemaRef ds:uri="http://schemas.microsoft.com/office/infopath/2007/PartnerControls"/>
+    <ds:schemaRef ds:uri="http://schemas.microsoft.com/office/2006/metadata/properties"/>
+    <ds:schemaRef ds:uri="http://www.w3.org/XML/1998/namespace"/>
+  </ds:schemaRefs>
+</ds:datastoreItem>
 </file>